--- a/report and presentation/QuantLib1.3 16-01-2014-modified version.pptx
+++ b/report and presentation/QuantLib1.3 16-01-2014-modified version.pptx
@@ -2448,8 +2448,8 @@
     <dgm:cxn modelId="{0813311E-E578-4D32-8979-2C51CF645B1D}" srcId="{E42F0122-757C-4C37-88A0-FB81BA512B4D}" destId="{85AB4DCC-A184-4667-8FA8-A2A32DFE6220}" srcOrd="3" destOrd="0" parTransId="{DD0824FD-88DD-4540-82A2-9EEAE8B4599B}" sibTransId="{5B136187-5275-48E0-A906-484E6785145E}"/>
     <dgm:cxn modelId="{ADA404A4-2709-4F6B-955B-134B6B2111D0}" type="presOf" srcId="{885755C5-982A-4DE5-B141-3DF88E43641B}" destId="{50E7F155-0B28-4EB8-A3DA-F62B28ED4788}" srcOrd="0" destOrd="0" presId="urn:microsoft.com/office/officeart/2005/8/layout/chevron2"/>
     <dgm:cxn modelId="{4B3A80E3-44FF-4159-90A3-D24332A56200}" type="presOf" srcId="{7B5B3069-EFAE-4C94-921D-D6D3B7C28BB1}" destId="{F19540CE-E2C5-4FD1-A90C-A623A7080392}" srcOrd="0" destOrd="0" presId="urn:microsoft.com/office/officeart/2005/8/layout/chevron2"/>
+    <dgm:cxn modelId="{3299DEDE-CE00-4563-878A-86B312E36129}" type="presOf" srcId="{85AB4DCC-A184-4667-8FA8-A2A32DFE6220}" destId="{A6CE0B11-D65A-4EA5-AC61-673ADCCD0CA0}" srcOrd="0" destOrd="0" presId="urn:microsoft.com/office/officeart/2005/8/layout/chevron2"/>
     <dgm:cxn modelId="{E7E38B2F-772E-4C87-AC28-CED8FDDB5C21}" srcId="{1D401610-B815-437E-A4BB-1F07B9E46326}" destId="{DF3886B3-D9F0-4449-97A7-82FBFE04BDB1}" srcOrd="0" destOrd="0" parTransId="{88FAFEC4-219F-4CD8-9A78-8CFED220EC4B}" sibTransId="{A29424F8-1EAE-4387-AE6C-BB8741CB6684}"/>
-    <dgm:cxn modelId="{3299DEDE-CE00-4563-878A-86B312E36129}" type="presOf" srcId="{85AB4DCC-A184-4667-8FA8-A2A32DFE6220}" destId="{A6CE0B11-D65A-4EA5-AC61-673ADCCD0CA0}" srcOrd="0" destOrd="0" presId="urn:microsoft.com/office/officeart/2005/8/layout/chevron2"/>
     <dgm:cxn modelId="{669133A1-0926-46A5-BF9B-ACB75A21F02E}" type="presOf" srcId="{3D661867-E1C8-4021-8727-E93C87587F62}" destId="{5D21B0F4-0BFF-4375-93B3-BD56BB6213EC}" srcOrd="0" destOrd="0" presId="urn:microsoft.com/office/officeart/2005/8/layout/chevron2"/>
     <dgm:cxn modelId="{7B30810B-7DF3-4DE6-AC37-0E36A748131E}" type="presParOf" srcId="{7AF6DB63-6D9D-4C50-9DD7-ECCE3A23BA6F}" destId="{52AE4C21-0F3C-46FC-A703-8C30012A3A65}" srcOrd="0" destOrd="0" presId="urn:microsoft.com/office/officeart/2005/8/layout/chevron2"/>
     <dgm:cxn modelId="{6A2722F9-D5A9-477C-BC5A-ADDA627EB8C4}" type="presParOf" srcId="{52AE4C21-0F3C-46FC-A703-8C30012A3A65}" destId="{889AD724-97DC-4930-B9DB-DBAB3D123053}" srcOrd="0" destOrd="0" presId="urn:microsoft.com/office/officeart/2005/8/layout/chevron2"/>
@@ -8135,7 +8135,7 @@
           <a:p>
             <a:fld id="{A5B79866-9979-4A08-95CB-AFF34DA103C3}" type="datetimeFigureOut">
               <a:rPr lang="en-US" smtClean="0"/>
-              <a:t>1/14/2014</a:t>
+              <a:t>1/15/2014</a:t>
             </a:fld>
             <a:endParaRPr lang="en-US"/>
           </a:p>
@@ -8301,7 +8301,7 @@
           <a:p>
             <a:fld id="{152D1A2D-D097-4BDF-A626-3A1EA74F97C2}" type="datetimeFigureOut">
               <a:rPr lang="en-US" smtClean="0"/>
-              <a:t>1/14/2014</a:t>
+              <a:t>1/15/2014</a:t>
             </a:fld>
             <a:endParaRPr lang="en-US"/>
           </a:p>
@@ -9893,7 +9893,7 @@
           <a:effectLst/>
           <a:extLst>
             <a:ext uri="{91240B29-F687-4f45-9708-019B960494DF}">
-              <a14:hiddenLine xmlns="" xmlns:a14="http://schemas.microsoft.com/office/drawing/2010/main" w="9525">
+              <a14:hiddenLine xmlns:a14="http://schemas.microsoft.com/office/drawing/2010/main" xmlns="" w="9525">
                 <a:solidFill>
                   <a:srgbClr val="000000"/>
                 </a:solidFill>
@@ -10085,7 +10085,7 @@
           <a:p>
             <a:fld id="{009C9263-B010-43F4-9452-A080E1AD4039}" type="datetimeFigureOut">
               <a:rPr lang="en-US" smtClean="0"/>
-              <a:t>1/14/2014</a:t>
+              <a:t>1/15/2014</a:t>
             </a:fld>
             <a:endParaRPr lang="en-US"/>
           </a:p>
@@ -10403,7 +10403,7 @@
           <a:p>
             <a:fld id="{009C9263-B010-43F4-9452-A080E1AD4039}" type="datetimeFigureOut">
               <a:rPr lang="en-US" smtClean="0"/>
-              <a:t>1/14/2014</a:t>
+              <a:t>1/15/2014</a:t>
             </a:fld>
             <a:endParaRPr lang="en-US"/>
           </a:p>
@@ -10891,7 +10891,7 @@
           <a:p>
             <a:fld id="{009C9263-B010-43F4-9452-A080E1AD4039}" type="datetimeFigureOut">
               <a:rPr lang="en-US" smtClean="0"/>
-              <a:t>1/14/2014</a:t>
+              <a:t>1/15/2014</a:t>
             </a:fld>
             <a:endParaRPr lang="en-US"/>
           </a:p>
@@ -11260,7 +11260,7 @@
           <a:p>
             <a:fld id="{009C9263-B010-43F4-9452-A080E1AD4039}" type="datetimeFigureOut">
               <a:rPr lang="en-US" smtClean="0"/>
-              <a:t>1/14/2014</a:t>
+              <a:t>1/15/2014</a:t>
             </a:fld>
             <a:endParaRPr lang="en-US"/>
           </a:p>
@@ -11415,7 +11415,7 @@
           <a:ln/>
           <a:extLst>
             <a:ext uri="{91240B29-F687-4f45-9708-019B960494DF}">
-              <a14:hiddenLine xmlns="" xmlns:a14="http://schemas.microsoft.com/office/drawing/2010/main" w="9525">
+              <a14:hiddenLine xmlns:a14="http://schemas.microsoft.com/office/drawing/2010/main" xmlns="" w="9525">
                 <a:solidFill>
                   <a:srgbClr val="000000"/>
                 </a:solidFill>
@@ -11533,7 +11533,7 @@
           <a:p>
             <a:fld id="{009C9263-B010-43F4-9452-A080E1AD4039}" type="datetimeFigureOut">
               <a:rPr lang="en-US" smtClean="0"/>
-              <a:t>1/14/2014</a:t>
+              <a:t>1/15/2014</a:t>
             </a:fld>
             <a:endParaRPr lang="en-US"/>
           </a:p>
@@ -11690,7 +11690,7 @@
           <a:ln/>
           <a:extLst>
             <a:ext uri="{91240B29-F687-4f45-9708-019B960494DF}">
-              <a14:hiddenLine xmlns="" xmlns:a14="http://schemas.microsoft.com/office/drawing/2010/main" w="9525">
+              <a14:hiddenLine xmlns:a14="http://schemas.microsoft.com/office/drawing/2010/main" xmlns="" w="9525">
                 <a:solidFill>
                   <a:srgbClr val="000000"/>
                 </a:solidFill>
@@ -11818,7 +11818,7 @@
           <a:p>
             <a:fld id="{009C9263-B010-43F4-9452-A080E1AD4039}" type="datetimeFigureOut">
               <a:rPr lang="en-US" smtClean="0"/>
-              <a:t>1/14/2014</a:t>
+              <a:t>1/15/2014</a:t>
             </a:fld>
             <a:endParaRPr lang="en-US"/>
           </a:p>
@@ -11973,7 +11973,7 @@
           <a:ln/>
           <a:extLst>
             <a:ext uri="{91240B29-F687-4f45-9708-019B960494DF}">
-              <a14:hiddenLine xmlns="" xmlns:a14="http://schemas.microsoft.com/office/drawing/2010/main" w="9525">
+              <a14:hiddenLine xmlns:a14="http://schemas.microsoft.com/office/drawing/2010/main" xmlns="" w="9525">
                 <a:solidFill>
                   <a:srgbClr val="000000"/>
                 </a:solidFill>
@@ -12101,7 +12101,7 @@
           <a:p>
             <a:fld id="{009C9263-B010-43F4-9452-A080E1AD4039}" type="datetimeFigureOut">
               <a:rPr lang="en-US" smtClean="0"/>
-              <a:t>1/14/2014</a:t>
+              <a:t>1/15/2014</a:t>
             </a:fld>
             <a:endParaRPr lang="en-US"/>
           </a:p>
@@ -12444,7 +12444,7 @@
           <a:p>
             <a:fld id="{009C9263-B010-43F4-9452-A080E1AD4039}" type="datetimeFigureOut">
               <a:rPr lang="en-US" smtClean="0"/>
-              <a:t>1/14/2014</a:t>
+              <a:t>1/15/2014</a:t>
             </a:fld>
             <a:endParaRPr lang="en-US"/>
           </a:p>
@@ -12599,7 +12599,7 @@
           <a:ln/>
           <a:extLst>
             <a:ext uri="{91240B29-F687-4f45-9708-019B960494DF}">
-              <a14:hiddenLine xmlns="" xmlns:a14="http://schemas.microsoft.com/office/drawing/2010/main" w="9525">
+              <a14:hiddenLine xmlns:a14="http://schemas.microsoft.com/office/drawing/2010/main" xmlns="" w="9525">
                 <a:solidFill>
                   <a:srgbClr val="000000"/>
                 </a:solidFill>
@@ -12783,7 +12783,7 @@
           <a:p>
             <a:fld id="{009C9263-B010-43F4-9452-A080E1AD4039}" type="datetimeFigureOut">
               <a:rPr lang="en-US" smtClean="0"/>
-              <a:t>1/14/2014</a:t>
+              <a:t>1/15/2014</a:t>
             </a:fld>
             <a:endParaRPr lang="en-US"/>
           </a:p>
@@ -12938,7 +12938,7 @@
           <a:ln/>
           <a:extLst>
             <a:ext uri="{91240B29-F687-4f45-9708-019B960494DF}">
-              <a14:hiddenLine xmlns="" xmlns:a14="http://schemas.microsoft.com/office/drawing/2010/main" w="9525">
+              <a14:hiddenLine xmlns:a14="http://schemas.microsoft.com/office/drawing/2010/main" xmlns="" w="9525">
                 <a:solidFill>
                   <a:srgbClr val="000000"/>
                 </a:solidFill>
@@ -13260,7 +13260,7 @@
           <a:p>
             <a:fld id="{009C9263-B010-43F4-9452-A080E1AD4039}" type="datetimeFigureOut">
               <a:rPr lang="en-US" smtClean="0"/>
-              <a:t>1/14/2014</a:t>
+              <a:t>1/15/2014</a:t>
             </a:fld>
             <a:endParaRPr lang="en-US"/>
           </a:p>
@@ -13415,7 +13415,7 @@
           <a:ln/>
           <a:extLst>
             <a:ext uri="{91240B29-F687-4f45-9708-019B960494DF}">
-              <a14:hiddenLine xmlns="" xmlns:a14="http://schemas.microsoft.com/office/drawing/2010/main" w="9525">
+              <a14:hiddenLine xmlns:a14="http://schemas.microsoft.com/office/drawing/2010/main" xmlns="" w="9525">
                 <a:solidFill>
                   <a:srgbClr val="000000"/>
                 </a:solidFill>
@@ -13481,7 +13481,7 @@
           <a:p>
             <a:fld id="{009C9263-B010-43F4-9452-A080E1AD4039}" type="datetimeFigureOut">
               <a:rPr lang="en-US" smtClean="0"/>
-              <a:t>1/14/2014</a:t>
+              <a:t>1/15/2014</a:t>
             </a:fld>
             <a:endParaRPr lang="en-US"/>
           </a:p>
@@ -13576,7 +13576,7 @@
           <a:p>
             <a:fld id="{009C9263-B010-43F4-9452-A080E1AD4039}" type="datetimeFigureOut">
               <a:rPr lang="en-US" smtClean="0"/>
-              <a:t>1/14/2014</a:t>
+              <a:t>1/15/2014</a:t>
             </a:fld>
             <a:endParaRPr lang="en-US"/>
           </a:p>
@@ -13844,7 +13844,7 @@
           <a:ln/>
           <a:extLst>
             <a:ext uri="{91240B29-F687-4f45-9708-019B960494DF}">
-              <a14:hiddenLine xmlns="" xmlns:a14="http://schemas.microsoft.com/office/drawing/2010/main" w="9525">
+              <a14:hiddenLine xmlns:a14="http://schemas.microsoft.com/office/drawing/2010/main" xmlns="" w="9525">
                 <a:solidFill>
                   <a:srgbClr val="000000"/>
                 </a:solidFill>
@@ -14043,7 +14043,7 @@
           <a:p>
             <a:fld id="{009C9263-B010-43F4-9452-A080E1AD4039}" type="datetimeFigureOut">
               <a:rPr lang="en-US" smtClean="0"/>
-              <a:t>1/14/2014</a:t>
+              <a:t>1/15/2014</a:t>
             </a:fld>
             <a:endParaRPr lang="en-US"/>
           </a:p>
@@ -14356,7 +14356,7 @@
           <a:p>
             <a:fld id="{009C9263-B010-43F4-9452-A080E1AD4039}" type="datetimeFigureOut">
               <a:rPr lang="en-US" smtClean="0"/>
-              <a:t>1/14/2014</a:t>
+              <a:t>1/15/2014</a:t>
             </a:fld>
             <a:endParaRPr lang="en-US"/>
           </a:p>
@@ -14626,7 +14626,7 @@
           <a:p>
             <a:fld id="{009C9263-B010-43F4-9452-A080E1AD4039}" type="datetimeFigureOut">
               <a:rPr lang="en-US" smtClean="0"/>
-              <a:t>1/14/2014</a:t>
+              <a:t>1/15/2014</a:t>
             </a:fld>
             <a:endParaRPr lang="en-US"/>
           </a:p>
@@ -15610,7 +15610,7 @@
                 </a:effectLst>
               </a:rPr>
               <a:pPr algn="ctr"/>
-              <a:t>1/14/2014</a:t>
+              <a:t>1/15/2014</a:t>
             </a:fld>
             <a:endParaRPr lang="en-US" sz="2400" b="1" dirty="0">
               <a:ln w="0"/>
@@ -15698,66 +15698,6 @@
           <a:chExt cx="0" cy="0"/>
         </a:xfrm>
       </p:grpSpPr>
-      <p:pic>
-        <p:nvPicPr>
-          <p:cNvPr id="3" name="Picture 2"/>
-          <p:cNvPicPr>
-            <a:picLocks noChangeAspect="1"/>
-          </p:cNvPicPr>
-          <p:nvPr/>
-        </p:nvPicPr>
-        <p:blipFill>
-          <a:blip r:embed="rId3" cstate="print">
-            <a:extLst>
-              <a:ext uri="{28A0092B-C50C-407E-A947-70E740481C1C}">
-                <a14:useLocalDpi xmlns:a14="http://schemas.microsoft.com/office/drawing/2010/main" val="0"/>
-              </a:ext>
-            </a:extLst>
-          </a:blip>
-          <a:stretch>
-            <a:fillRect/>
-          </a:stretch>
-        </p:blipFill>
-        <p:spPr>
-          <a:xfrm>
-            <a:off x="810000" y="2024356"/>
-            <a:ext cx="2594382" cy="4666990"/>
-          </a:xfrm>
-          <a:prstGeom prst="rect">
-            <a:avLst/>
-          </a:prstGeom>
-        </p:spPr>
-      </p:pic>
-      <p:pic>
-        <p:nvPicPr>
-          <p:cNvPr id="4" name="Picture 3"/>
-          <p:cNvPicPr>
-            <a:picLocks noChangeAspect="1"/>
-          </p:cNvPicPr>
-          <p:nvPr/>
-        </p:nvPicPr>
-        <p:blipFill>
-          <a:blip r:embed="rId4" cstate="print">
-            <a:extLst>
-              <a:ext uri="{28A0092B-C50C-407E-A947-70E740481C1C}">
-                <a14:useLocalDpi xmlns:a14="http://schemas.microsoft.com/office/drawing/2010/main" val="0"/>
-              </a:ext>
-            </a:extLst>
-          </a:blip>
-          <a:stretch>
-            <a:fillRect/>
-          </a:stretch>
-        </p:blipFill>
-        <p:spPr>
-          <a:xfrm>
-            <a:off x="9326427" y="1857702"/>
-            <a:ext cx="2055571" cy="5000297"/>
-          </a:xfrm>
-          <a:prstGeom prst="rect">
-            <a:avLst/>
-          </a:prstGeom>
-        </p:spPr>
-      </p:pic>
       <p:sp>
         <p:nvSpPr>
           <p:cNvPr id="8" name="Title 1"/>
@@ -15791,6 +15731,36 @@
           </a:p>
         </p:txBody>
       </p:sp>
+      <p:pic>
+        <p:nvPicPr>
+          <p:cNvPr id="2" name="Picture 1"/>
+          <p:cNvPicPr>
+            <a:picLocks noChangeAspect="1"/>
+          </p:cNvPicPr>
+          <p:nvPr/>
+        </p:nvPicPr>
+        <p:blipFill>
+          <a:blip r:embed="rId3" cstate="print">
+            <a:extLst>
+              <a:ext uri="{28A0092B-C50C-407E-A947-70E740481C1C}">
+                <a14:useLocalDpi xmlns:a14="http://schemas.microsoft.com/office/drawing/2010/main" val="0"/>
+              </a:ext>
+            </a:extLst>
+          </a:blip>
+          <a:stretch>
+            <a:fillRect/>
+          </a:stretch>
+        </p:blipFill>
+        <p:spPr>
+          <a:xfrm>
+            <a:off x="2835654" y="1668259"/>
+            <a:ext cx="5556506" cy="5189741"/>
+          </a:xfrm>
+          <a:prstGeom prst="rect">
+            <a:avLst/>
+          </a:prstGeom>
+        </p:spPr>
+      </p:pic>
     </p:spTree>
     <p:extLst>
       <p:ext uri="{BB962C8B-B14F-4D97-AF65-F5344CB8AC3E}">
@@ -15804,206 +15774,7 @@
   <p:timing>
     <p:tnLst>
       <p:par>
-        <p:cTn id="1" dur="indefinite" restart="never" nodeType="tmRoot">
-          <p:childTnLst>
-            <p:seq concurrent="1" nextAc="seek">
-              <p:cTn id="2" dur="indefinite" nodeType="mainSeq">
-                <p:childTnLst>
-                  <p:par>
-                    <p:cTn id="3" fill="hold">
-                      <p:stCondLst>
-                        <p:cond delay="indefinite"/>
-                        <p:cond evt="onBegin" delay="0">
-                          <p:tn val="2"/>
-                        </p:cond>
-                      </p:stCondLst>
-                      <p:childTnLst>
-                        <p:par>
-                          <p:cTn id="4" fill="hold">
-                            <p:stCondLst>
-                              <p:cond delay="0"/>
-                            </p:stCondLst>
-                            <p:childTnLst>
-                              <p:par>
-                                <p:cTn id="5" presetID="2" presetClass="entr" presetSubtype="1" fill="hold" nodeType="afterEffect">
-                                  <p:stCondLst>
-                                    <p:cond delay="0"/>
-                                  </p:stCondLst>
-                                  <p:childTnLst>
-                                    <p:set>
-                                      <p:cBhvr>
-                                        <p:cTn id="6" dur="1" fill="hold">
-                                          <p:stCondLst>
-                                            <p:cond delay="0"/>
-                                          </p:stCondLst>
-                                        </p:cTn>
-                                        <p:tgtEl>
-                                          <p:spTgt spid="4"/>
-                                        </p:tgtEl>
-                                        <p:attrNameLst>
-                                          <p:attrName>style.visibility</p:attrName>
-                                        </p:attrNameLst>
-                                      </p:cBhvr>
-                                      <p:to>
-                                        <p:strVal val="visible"/>
-                                      </p:to>
-                                    </p:set>
-                                    <p:anim calcmode="lin" valueType="num">
-                                      <p:cBhvr additive="base">
-                                        <p:cTn id="7" dur="500" fill="hold"/>
-                                        <p:tgtEl>
-                                          <p:spTgt spid="4"/>
-                                        </p:tgtEl>
-                                        <p:attrNameLst>
-                                          <p:attrName>ppt_x</p:attrName>
-                                        </p:attrNameLst>
-                                      </p:cBhvr>
-                                      <p:tavLst>
-                                        <p:tav tm="0">
-                                          <p:val>
-                                            <p:strVal val="#ppt_x"/>
-                                          </p:val>
-                                        </p:tav>
-                                        <p:tav tm="100000">
-                                          <p:val>
-                                            <p:strVal val="#ppt_x"/>
-                                          </p:val>
-                                        </p:tav>
-                                      </p:tavLst>
-                                    </p:anim>
-                                    <p:anim calcmode="lin" valueType="num">
-                                      <p:cBhvr additive="base">
-                                        <p:cTn id="8" dur="500" fill="hold"/>
-                                        <p:tgtEl>
-                                          <p:spTgt spid="4"/>
-                                        </p:tgtEl>
-                                        <p:attrNameLst>
-                                          <p:attrName>ppt_y</p:attrName>
-                                        </p:attrNameLst>
-                                      </p:cBhvr>
-                                      <p:tavLst>
-                                        <p:tav tm="0">
-                                          <p:val>
-                                            <p:strVal val="0-#ppt_h/2"/>
-                                          </p:val>
-                                        </p:tav>
-                                        <p:tav tm="100000">
-                                          <p:val>
-                                            <p:strVal val="#ppt_y"/>
-                                          </p:val>
-                                        </p:tav>
-                                      </p:tavLst>
-                                    </p:anim>
-                                  </p:childTnLst>
-                                </p:cTn>
-                              </p:par>
-                            </p:childTnLst>
-                          </p:cTn>
-                        </p:par>
-                        <p:par>
-                          <p:cTn id="9" fill="hold">
-                            <p:stCondLst>
-                              <p:cond delay="500"/>
-                            </p:stCondLst>
-                            <p:childTnLst>
-                              <p:par>
-                                <p:cTn id="10" presetID="2" presetClass="entr" presetSubtype="4" fill="hold" nodeType="afterEffect">
-                                  <p:stCondLst>
-                                    <p:cond delay="0"/>
-                                  </p:stCondLst>
-                                  <p:childTnLst>
-                                    <p:set>
-                                      <p:cBhvr>
-                                        <p:cTn id="11" dur="1" fill="hold">
-                                          <p:stCondLst>
-                                            <p:cond delay="0"/>
-                                          </p:stCondLst>
-                                        </p:cTn>
-                                        <p:tgtEl>
-                                          <p:spTgt spid="3"/>
-                                        </p:tgtEl>
-                                        <p:attrNameLst>
-                                          <p:attrName>style.visibility</p:attrName>
-                                        </p:attrNameLst>
-                                      </p:cBhvr>
-                                      <p:to>
-                                        <p:strVal val="visible"/>
-                                      </p:to>
-                                    </p:set>
-                                    <p:anim calcmode="lin" valueType="num">
-                                      <p:cBhvr additive="base">
-                                        <p:cTn id="12" dur="500" fill="hold"/>
-                                        <p:tgtEl>
-                                          <p:spTgt spid="3"/>
-                                        </p:tgtEl>
-                                        <p:attrNameLst>
-                                          <p:attrName>ppt_x</p:attrName>
-                                        </p:attrNameLst>
-                                      </p:cBhvr>
-                                      <p:tavLst>
-                                        <p:tav tm="0">
-                                          <p:val>
-                                            <p:strVal val="#ppt_x"/>
-                                          </p:val>
-                                        </p:tav>
-                                        <p:tav tm="100000">
-                                          <p:val>
-                                            <p:strVal val="#ppt_x"/>
-                                          </p:val>
-                                        </p:tav>
-                                      </p:tavLst>
-                                    </p:anim>
-                                    <p:anim calcmode="lin" valueType="num">
-                                      <p:cBhvr additive="base">
-                                        <p:cTn id="13" dur="500" fill="hold"/>
-                                        <p:tgtEl>
-                                          <p:spTgt spid="3"/>
-                                        </p:tgtEl>
-                                        <p:attrNameLst>
-                                          <p:attrName>ppt_y</p:attrName>
-                                        </p:attrNameLst>
-                                      </p:cBhvr>
-                                      <p:tavLst>
-                                        <p:tav tm="0">
-                                          <p:val>
-                                            <p:strVal val="1+#ppt_h/2"/>
-                                          </p:val>
-                                        </p:tav>
-                                        <p:tav tm="100000">
-                                          <p:val>
-                                            <p:strVal val="#ppt_y"/>
-                                          </p:val>
-                                        </p:tav>
-                                      </p:tavLst>
-                                    </p:anim>
-                                  </p:childTnLst>
-                                </p:cTn>
-                              </p:par>
-                            </p:childTnLst>
-                          </p:cTn>
-                        </p:par>
-                      </p:childTnLst>
-                    </p:cTn>
-                  </p:par>
-                </p:childTnLst>
-              </p:cTn>
-              <p:prevCondLst>
-                <p:cond evt="onPrev" delay="0">
-                  <p:tgtEl>
-                    <p:sldTgt/>
-                  </p:tgtEl>
-                </p:cond>
-              </p:prevCondLst>
-              <p:nextCondLst>
-                <p:cond evt="onNext" delay="0">
-                  <p:tgtEl>
-                    <p:sldTgt/>
-                  </p:tgtEl>
-                </p:cond>
-              </p:nextCondLst>
-            </p:seq>
-          </p:childTnLst>
-        </p:cTn>
+        <p:cTn id="1" dur="indefinite" restart="never" nodeType="tmRoot"/>
       </p:par>
     </p:tnLst>
   </p:timing>

--- a/report and presentation/QuantLib1.3 16-01-2014-modified version.pptx
+++ b/report and presentation/QuantLib1.3 16-01-2014-modified version.pptx
@@ -1663,7 +1663,7 @@
 <dgm:dataModel xmlns:dgm="http://schemas.openxmlformats.org/drawingml/2006/diagram" xmlns:a="http://schemas.openxmlformats.org/drawingml/2006/main">
   <dgm:ptLst>
     <dgm:pt modelId="{E42F0122-757C-4C37-88A0-FB81BA512B4D}" type="doc">
-      <dgm:prSet loTypeId="urn:microsoft.com/office/officeart/2005/8/layout/chevron2" loCatId="process" qsTypeId="urn:microsoft.com/office/officeart/2005/8/quickstyle/simple1" qsCatId="simple" csTypeId="urn:microsoft.com/office/officeart/2005/8/colors/accent1_2" csCatId="accent1" phldr="1"/>
+      <dgm:prSet loTypeId="urn:microsoft.com/office/officeart/2005/8/layout/chevron2" loCatId="process" qsTypeId="urn:microsoft.com/office/officeart/2005/8/quickstyle/simple5" qsCatId="simple" csTypeId="urn:microsoft.com/office/officeart/2005/8/colors/accent1_2" csCatId="accent1" phldr="1"/>
       <dgm:spPr/>
       <dgm:t>
         <a:bodyPr/>
@@ -1674,25 +1674,16 @@
       </dgm:t>
     </dgm:pt>
     <dgm:pt modelId="{3D661867-E1C8-4021-8727-E93C87587F62}">
-      <dgm:prSet custT="1">
-        <dgm:style>
-          <a:lnRef idx="2">
-            <a:schemeClr val="dk1">
-              <a:shade val="50000"/>
-            </a:schemeClr>
-          </a:lnRef>
-          <a:fillRef idx="1">
-            <a:schemeClr val="dk1"/>
-          </a:fillRef>
-          <a:effectRef idx="0">
-            <a:schemeClr val="dk1"/>
-          </a:effectRef>
-          <a:fontRef idx="minor">
-            <a:schemeClr val="lt1"/>
-          </a:fontRef>
-        </dgm:style>
-      </dgm:prSet>
-      <dgm:spPr/>
+      <dgm:prSet custT="1"/>
+      <dgm:spPr>
+        <a:solidFill>
+          <a:schemeClr val="bg1">
+            <a:lumMod val="95000"/>
+            <a:lumOff val="5000"/>
+            <a:alpha val="90000"/>
+          </a:schemeClr>
+        </a:solidFill>
+      </dgm:spPr>
       <dgm:t>
         <a:bodyPr/>
         <a:lstStyle/>
@@ -1700,7 +1691,7 @@
           <a:r>
             <a:rPr lang="en-US" sz="3600" dirty="0" smtClean="0">
               <a:solidFill>
-                <a:schemeClr val="tx1">
+                <a:schemeClr val="accent1">
                   <a:lumMod val="75000"/>
                 </a:schemeClr>
               </a:solidFill>
@@ -1710,13 +1701,20 @@
           <a:r>
             <a:rPr lang="en-US" sz="3600" b="1" dirty="0" smtClean="0">
               <a:solidFill>
-                <a:schemeClr val="tx1">
+                <a:schemeClr val="accent1">
                   <a:lumMod val="75000"/>
                 </a:schemeClr>
               </a:solidFill>
             </a:rPr>
             <a:t>Library components</a:t>
           </a:r>
+          <a:endParaRPr lang="en-US" sz="3600" b="1" dirty="0" smtClean="0">
+            <a:solidFill>
+              <a:schemeClr val="accent1">
+                <a:lumMod val="75000"/>
+              </a:schemeClr>
+            </a:solidFill>
+          </a:endParaRPr>
         </a:p>
       </dgm:t>
     </dgm:pt>
@@ -1743,33 +1741,24 @@
       </dgm:t>
     </dgm:pt>
     <dgm:pt modelId="{2EA11D65-00CA-4A78-B78B-D77872EDCBD9}">
-      <dgm:prSet custT="1">
-        <dgm:style>
-          <a:lnRef idx="2">
-            <a:schemeClr val="dk1">
-              <a:shade val="50000"/>
-            </a:schemeClr>
-          </a:lnRef>
-          <a:fillRef idx="1">
-            <a:schemeClr val="dk1"/>
-          </a:fillRef>
-          <a:effectRef idx="0">
-            <a:schemeClr val="dk1"/>
-          </a:effectRef>
-          <a:fontRef idx="minor">
-            <a:schemeClr val="lt1"/>
-          </a:fontRef>
-        </dgm:style>
-      </dgm:prSet>
-      <dgm:spPr/>
+      <dgm:prSet custT="1"/>
+      <dgm:spPr>
+        <a:solidFill>
+          <a:schemeClr val="bg1">
+            <a:lumMod val="95000"/>
+            <a:lumOff val="5000"/>
+            <a:alpha val="90000"/>
+          </a:schemeClr>
+        </a:solidFill>
+      </dgm:spPr>
       <dgm:t>
         <a:bodyPr/>
         <a:lstStyle/>
         <a:p>
           <a:r>
-            <a:rPr lang="en-US" sz="3600" dirty="0" smtClean="0">
+            <a:rPr lang="en-US" sz="3600" smtClean="0">
               <a:solidFill>
-                <a:schemeClr val="tx1">
+                <a:schemeClr val="accent1">
                   <a:lumMod val="75000"/>
                 </a:schemeClr>
               </a:solidFill>
@@ -1777,15 +1766,22 @@
             <a:t>III-</a:t>
           </a:r>
           <a:r>
-            <a:rPr lang="en-US" sz="3600" b="1" dirty="0" smtClean="0">
+            <a:rPr lang="en-US" sz="3600" b="1" smtClean="0">
               <a:solidFill>
-                <a:schemeClr val="tx1">
+                <a:schemeClr val="accent1">
                   <a:lumMod val="75000"/>
                 </a:schemeClr>
               </a:solidFill>
             </a:rPr>
             <a:t>Barrier Options</a:t>
           </a:r>
+          <a:endParaRPr lang="en-US" sz="3600" b="1" dirty="0" smtClean="0">
+            <a:solidFill>
+              <a:schemeClr val="accent1">
+                <a:lumMod val="75000"/>
+              </a:schemeClr>
+            </a:solidFill>
+          </a:endParaRPr>
         </a:p>
       </dgm:t>
     </dgm:pt>
@@ -1812,25 +1808,16 @@
       </dgm:t>
     </dgm:pt>
     <dgm:pt modelId="{DF3886B3-D9F0-4449-97A7-82FBFE04BDB1}">
-      <dgm:prSet custT="1">
-        <dgm:style>
-          <a:lnRef idx="2">
-            <a:schemeClr val="dk1">
-              <a:shade val="50000"/>
-            </a:schemeClr>
-          </a:lnRef>
-          <a:fillRef idx="1">
-            <a:schemeClr val="dk1"/>
-          </a:fillRef>
-          <a:effectRef idx="0">
-            <a:schemeClr val="dk1"/>
-          </a:effectRef>
-          <a:fontRef idx="minor">
-            <a:schemeClr val="lt1"/>
-          </a:fontRef>
-        </dgm:style>
-      </dgm:prSet>
-      <dgm:spPr/>
+      <dgm:prSet custT="1"/>
+      <dgm:spPr>
+        <a:solidFill>
+          <a:schemeClr val="bg1">
+            <a:lumMod val="95000"/>
+            <a:lumOff val="5000"/>
+            <a:alpha val="90000"/>
+          </a:schemeClr>
+        </a:solidFill>
+      </dgm:spPr>
       <dgm:t>
         <a:bodyPr/>
         <a:lstStyle/>
@@ -1838,7 +1825,7 @@
           <a:r>
             <a:rPr lang="en-US" sz="3600" dirty="0" smtClean="0">
               <a:solidFill>
-                <a:schemeClr val="tx1">
+                <a:schemeClr val="accent1">
                   <a:lumMod val="75000"/>
                 </a:schemeClr>
               </a:solidFill>
@@ -1848,13 +1835,20 @@
           <a:r>
             <a:rPr lang="en-US" sz="3600" b="1" dirty="0" smtClean="0">
               <a:solidFill>
-                <a:schemeClr val="tx1">
+                <a:schemeClr val="accent1">
                   <a:lumMod val="75000"/>
                 </a:schemeClr>
               </a:solidFill>
             </a:rPr>
             <a:t>Work flow</a:t>
           </a:r>
+          <a:endParaRPr lang="en-US" sz="3600" b="1" dirty="0" smtClean="0">
+            <a:solidFill>
+              <a:schemeClr val="accent1">
+                <a:lumMod val="75000"/>
+              </a:schemeClr>
+            </a:solidFill>
+          </a:endParaRPr>
         </a:p>
       </dgm:t>
     </dgm:pt>
@@ -1881,25 +1875,16 @@
       </dgm:t>
     </dgm:pt>
     <dgm:pt modelId="{6965A9E9-7D1D-4526-AC3D-4F67C234D037}">
-      <dgm:prSet phldrT="[Text]" custT="1">
-        <dgm:style>
-          <a:lnRef idx="2">
-            <a:schemeClr val="dk1">
-              <a:shade val="50000"/>
-            </a:schemeClr>
-          </a:lnRef>
-          <a:fillRef idx="1">
-            <a:schemeClr val="dk1"/>
-          </a:fillRef>
-          <a:effectRef idx="0">
-            <a:schemeClr val="dk1"/>
-          </a:effectRef>
-          <a:fontRef idx="minor">
-            <a:schemeClr val="lt1"/>
-          </a:fontRef>
-        </dgm:style>
-      </dgm:prSet>
-      <dgm:spPr/>
+      <dgm:prSet phldrT="[Text]" custT="1"/>
+      <dgm:spPr>
+        <a:solidFill>
+          <a:schemeClr val="bg1">
+            <a:lumMod val="95000"/>
+            <a:lumOff val="5000"/>
+            <a:alpha val="90000"/>
+          </a:schemeClr>
+        </a:solidFill>
+      </dgm:spPr>
       <dgm:t>
         <a:bodyPr/>
         <a:lstStyle/>
@@ -1907,7 +1892,7 @@
           <a:r>
             <a:rPr lang="en-US" sz="3600" dirty="0" smtClean="0">
               <a:solidFill>
-                <a:schemeClr val="tx1">
+                <a:schemeClr val="accent1">
                   <a:lumMod val="75000"/>
                 </a:schemeClr>
               </a:solidFill>
@@ -1917,7 +1902,7 @@
           <a:r>
             <a:rPr lang="en-US" sz="3600" b="1" dirty="0" smtClean="0">
               <a:solidFill>
-                <a:schemeClr val="tx1">
+                <a:schemeClr val="accent1">
                   <a:lumMod val="75000"/>
                 </a:schemeClr>
               </a:solidFill>
@@ -1927,7 +1912,7 @@
           <a:r>
             <a:rPr lang="en-US" sz="3600" dirty="0" smtClean="0">
               <a:solidFill>
-                <a:schemeClr val="tx1">
+                <a:schemeClr val="accent1">
                   <a:lumMod val="75000"/>
                 </a:schemeClr>
               </a:solidFill>
@@ -1936,7 +1921,7 @@
           </a:r>
           <a:endParaRPr lang="en-US" sz="3600" dirty="0">
             <a:solidFill>
-              <a:schemeClr val="tx1">
+              <a:schemeClr val="accent1">
                 <a:lumMod val="75000"/>
               </a:schemeClr>
             </a:solidFill>
@@ -2124,33 +2109,24 @@
       </dgm:t>
     </dgm:pt>
     <dgm:pt modelId="{9CB0A8F5-1980-4068-9CC1-40FA56BD43D0}">
-      <dgm:prSet custT="1">
-        <dgm:style>
-          <a:lnRef idx="2">
-            <a:schemeClr val="dk1">
-              <a:shade val="50000"/>
-            </a:schemeClr>
-          </a:lnRef>
-          <a:fillRef idx="1">
-            <a:schemeClr val="dk1"/>
-          </a:fillRef>
-          <a:effectRef idx="0">
-            <a:schemeClr val="dk1"/>
-          </a:effectRef>
-          <a:fontRef idx="minor">
-            <a:schemeClr val="lt1"/>
-          </a:fontRef>
-        </dgm:style>
-      </dgm:prSet>
-      <dgm:spPr/>
+      <dgm:prSet custT="1"/>
+      <dgm:spPr>
+        <a:solidFill>
+          <a:schemeClr val="bg1">
+            <a:lumMod val="95000"/>
+            <a:lumOff val="5000"/>
+            <a:alpha val="90000"/>
+          </a:schemeClr>
+        </a:solidFill>
+      </dgm:spPr>
       <dgm:t>
         <a:bodyPr/>
         <a:lstStyle/>
         <a:p>
           <a:r>
-            <a:rPr lang="en-US" sz="3600" b="0" dirty="0" smtClean="0">
+            <a:rPr lang="en-US" sz="3600" b="0" smtClean="0">
               <a:solidFill>
-                <a:schemeClr val="tx1">
+                <a:schemeClr val="accent1">
                   <a:lumMod val="75000"/>
                 </a:schemeClr>
               </a:solidFill>
@@ -2158,45 +2134,49 @@
             <a:t>IV-</a:t>
           </a:r>
           <a:r>
-            <a:rPr lang="en-US" sz="3600" b="1" dirty="0" smtClean="0">
+            <a:rPr lang="en-US" sz="3600" b="1" smtClean="0">
               <a:solidFill>
-                <a:schemeClr val="tx1">
+                <a:schemeClr val="accent1">
                   <a:lumMod val="75000"/>
                 </a:schemeClr>
               </a:solidFill>
             </a:rPr>
             <a:t>Partial-Time Barriers</a:t>
           </a:r>
+          <a:endParaRPr lang="en-US" sz="3600" b="1" dirty="0" smtClean="0">
+            <a:solidFill>
+              <a:schemeClr val="accent1">
+                <a:lumMod val="75000"/>
+              </a:schemeClr>
+            </a:solidFill>
+          </a:endParaRPr>
         </a:p>
       </dgm:t>
     </dgm:pt>
     <dgm:pt modelId="{C6524B4D-7A59-44E9-A5A5-D5702AFAF48F}" type="parTrans" cxnId="{184D39D7-F755-4DE4-9B48-06ED85E8AE5B}">
       <dgm:prSet/>
       <dgm:spPr/>
+      <dgm:t>
+        <a:bodyPr/>
+        <a:lstStyle/>
+        <a:p>
+          <a:endParaRPr lang="en-US"/>
+        </a:p>
+      </dgm:t>
     </dgm:pt>
     <dgm:pt modelId="{F19D15A0-2CC6-46D0-8D94-AC3B4044370F}" type="sibTrans" cxnId="{184D39D7-F755-4DE4-9B48-06ED85E8AE5B}">
       <dgm:prSet/>
       <dgm:spPr/>
+      <dgm:t>
+        <a:bodyPr/>
+        <a:lstStyle/>
+        <a:p>
+          <a:endParaRPr lang="en-US"/>
+        </a:p>
+      </dgm:t>
     </dgm:pt>
     <dgm:pt modelId="{85AB4DCC-A184-4667-8FA8-A2A32DFE6220}">
-      <dgm:prSet custT="1">
-        <dgm:style>
-          <a:lnRef idx="2">
-            <a:schemeClr val="dk1">
-              <a:shade val="50000"/>
-            </a:schemeClr>
-          </a:lnRef>
-          <a:fillRef idx="1">
-            <a:schemeClr val="dk1"/>
-          </a:fillRef>
-          <a:effectRef idx="0">
-            <a:schemeClr val="dk1"/>
-          </a:effectRef>
-          <a:fontRef idx="minor">
-            <a:schemeClr val="lt1"/>
-          </a:fontRef>
-        </dgm:style>
-      </dgm:prSet>
+      <dgm:prSet custT="1"/>
       <dgm:spPr/>
       <dgm:t>
         <a:bodyPr/>
@@ -2215,10 +2195,24 @@
     <dgm:pt modelId="{DD0824FD-88DD-4540-82A2-9EEAE8B4599B}" type="parTrans" cxnId="{0813311E-E578-4D32-8979-2C51CF645B1D}">
       <dgm:prSet/>
       <dgm:spPr/>
+      <dgm:t>
+        <a:bodyPr/>
+        <a:lstStyle/>
+        <a:p>
+          <a:endParaRPr lang="en-US"/>
+        </a:p>
+      </dgm:t>
     </dgm:pt>
     <dgm:pt modelId="{5B136187-5275-48E0-A906-484E6785145E}" type="sibTrans" cxnId="{0813311E-E578-4D32-8979-2C51CF645B1D}">
       <dgm:prSet/>
       <dgm:spPr/>
+      <dgm:t>
+        <a:bodyPr/>
+        <a:lstStyle/>
+        <a:p>
+          <a:endParaRPr lang="en-US"/>
+        </a:p>
+      </dgm:t>
     </dgm:pt>
     <dgm:pt modelId="{7AF6DB63-6D9D-4C50-9DD7-ECCE3A23BA6F}" type="pres">
       <dgm:prSet presAssocID="{E42F0122-757C-4C37-88A0-FB81BA512B4D}" presName="linearFlow" presStyleCnt="0">
@@ -2240,6 +2234,13 @@
     <dgm:pt modelId="{52AE4C21-0F3C-46FC-A703-8C30012A3A65}" type="pres">
       <dgm:prSet presAssocID="{1EECF149-7A76-4C15-B14C-F06875EB4D75}" presName="composite" presStyleCnt="0"/>
       <dgm:spPr/>
+      <dgm:t>
+        <a:bodyPr/>
+        <a:lstStyle/>
+        <a:p>
+          <a:endParaRPr lang="en-US"/>
+        </a:p>
+      </dgm:t>
     </dgm:pt>
     <dgm:pt modelId="{889AD724-97DC-4930-B9DB-DBAB3D123053}" type="pres">
       <dgm:prSet presAssocID="{1EECF149-7A76-4C15-B14C-F06875EB4D75}" presName="parentText" presStyleLbl="alignNode1" presStyleIdx="0" presStyleCnt="5">
@@ -2275,10 +2276,24 @@
     <dgm:pt modelId="{65E19D74-4821-48BF-A576-70329B132646}" type="pres">
       <dgm:prSet presAssocID="{A1E9EB9D-5A06-4C81-8536-4377F9B66C57}" presName="sp" presStyleCnt="0"/>
       <dgm:spPr/>
+      <dgm:t>
+        <a:bodyPr/>
+        <a:lstStyle/>
+        <a:p>
+          <a:endParaRPr lang="en-US"/>
+        </a:p>
+      </dgm:t>
     </dgm:pt>
     <dgm:pt modelId="{FFCB98C8-82A2-4716-BC9F-35CA11AF948A}" type="pres">
       <dgm:prSet presAssocID="{885755C5-982A-4DE5-B141-3DF88E43641B}" presName="composite" presStyleCnt="0"/>
       <dgm:spPr/>
+      <dgm:t>
+        <a:bodyPr/>
+        <a:lstStyle/>
+        <a:p>
+          <a:endParaRPr lang="en-US"/>
+        </a:p>
+      </dgm:t>
     </dgm:pt>
     <dgm:pt modelId="{50E7F155-0B28-4EB8-A3DA-F62B28ED4788}" type="pres">
       <dgm:prSet presAssocID="{885755C5-982A-4DE5-B141-3DF88E43641B}" presName="parentText" presStyleLbl="alignNode1" presStyleIdx="1" presStyleCnt="5">
@@ -2314,10 +2329,24 @@
     <dgm:pt modelId="{7F71CF00-72A0-44C0-954B-90A6D44C27ED}" type="pres">
       <dgm:prSet presAssocID="{BDF1DE11-6C9F-453A-B110-4C527D6E7303}" presName="sp" presStyleCnt="0"/>
       <dgm:spPr/>
+      <dgm:t>
+        <a:bodyPr/>
+        <a:lstStyle/>
+        <a:p>
+          <a:endParaRPr lang="en-US"/>
+        </a:p>
+      </dgm:t>
     </dgm:pt>
     <dgm:pt modelId="{FCA75C7B-57D7-4F43-9004-4C8E28689022}" type="pres">
       <dgm:prSet presAssocID="{7B5B3069-EFAE-4C94-921D-D6D3B7C28BB1}" presName="composite" presStyleCnt="0"/>
       <dgm:spPr/>
+      <dgm:t>
+        <a:bodyPr/>
+        <a:lstStyle/>
+        <a:p>
+          <a:endParaRPr lang="en-US"/>
+        </a:p>
+      </dgm:t>
     </dgm:pt>
     <dgm:pt modelId="{F19540CE-E2C5-4FD1-A90C-A623A7080392}" type="pres">
       <dgm:prSet presAssocID="{7B5B3069-EFAE-4C94-921D-D6D3B7C28BB1}" presName="parentText" presStyleLbl="alignNode1" presStyleIdx="2" presStyleCnt="5">
@@ -2353,10 +2382,24 @@
     <dgm:pt modelId="{A9B51FF0-9FE7-42A3-BB2A-C2AE5E75E43C}" type="pres">
       <dgm:prSet presAssocID="{5FB3A044-CF8B-464B-B94E-A473F34034FF}" presName="sp" presStyleCnt="0"/>
       <dgm:spPr/>
+      <dgm:t>
+        <a:bodyPr/>
+        <a:lstStyle/>
+        <a:p>
+          <a:endParaRPr lang="en-US"/>
+        </a:p>
+      </dgm:t>
     </dgm:pt>
     <dgm:pt modelId="{3C0D4DEB-0D77-4627-AA3B-0CFDE23BFBC3}" type="pres">
       <dgm:prSet presAssocID="{85AB4DCC-A184-4667-8FA8-A2A32DFE6220}" presName="composite" presStyleCnt="0"/>
       <dgm:spPr/>
+      <dgm:t>
+        <a:bodyPr/>
+        <a:lstStyle/>
+        <a:p>
+          <a:endParaRPr lang="en-US"/>
+        </a:p>
+      </dgm:t>
     </dgm:pt>
     <dgm:pt modelId="{A6CE0B11-D65A-4EA5-AC61-673ADCCD0CA0}" type="pres">
       <dgm:prSet presAssocID="{85AB4DCC-A184-4667-8FA8-A2A32DFE6220}" presName="parentText" presStyleLbl="alignNode1" presStyleIdx="3" presStyleCnt="5">
@@ -2392,10 +2435,24 @@
     <dgm:pt modelId="{B6913098-B9D0-4A07-9974-2E7E07B08C20}" type="pres">
       <dgm:prSet presAssocID="{5B136187-5275-48E0-A906-484E6785145E}" presName="sp" presStyleCnt="0"/>
       <dgm:spPr/>
+      <dgm:t>
+        <a:bodyPr/>
+        <a:lstStyle/>
+        <a:p>
+          <a:endParaRPr lang="en-US"/>
+        </a:p>
+      </dgm:t>
     </dgm:pt>
     <dgm:pt modelId="{7A46B177-869F-42B2-A9C9-378BC65F37C4}" type="pres">
       <dgm:prSet presAssocID="{1D401610-B815-437E-A4BB-1F07B9E46326}" presName="composite" presStyleCnt="0"/>
       <dgm:spPr/>
+      <dgm:t>
+        <a:bodyPr/>
+        <a:lstStyle/>
+        <a:p>
+          <a:endParaRPr lang="en-US"/>
+        </a:p>
+      </dgm:t>
     </dgm:pt>
     <dgm:pt modelId="{B42C3359-B3EE-455E-8DA8-EEADBB34ADA4}" type="pres">
       <dgm:prSet presAssocID="{1D401610-B815-437E-A4BB-1F07B9E46326}" presName="parentText" presStyleLbl="alignNode1" presStyleIdx="4" presStyleCnt="5">
@@ -2448,8 +2505,8 @@
     <dgm:cxn modelId="{0813311E-E578-4D32-8979-2C51CF645B1D}" srcId="{E42F0122-757C-4C37-88A0-FB81BA512B4D}" destId="{85AB4DCC-A184-4667-8FA8-A2A32DFE6220}" srcOrd="3" destOrd="0" parTransId="{DD0824FD-88DD-4540-82A2-9EEAE8B4599B}" sibTransId="{5B136187-5275-48E0-A906-484E6785145E}"/>
     <dgm:cxn modelId="{ADA404A4-2709-4F6B-955B-134B6B2111D0}" type="presOf" srcId="{885755C5-982A-4DE5-B141-3DF88E43641B}" destId="{50E7F155-0B28-4EB8-A3DA-F62B28ED4788}" srcOrd="0" destOrd="0" presId="urn:microsoft.com/office/officeart/2005/8/layout/chevron2"/>
     <dgm:cxn modelId="{4B3A80E3-44FF-4159-90A3-D24332A56200}" type="presOf" srcId="{7B5B3069-EFAE-4C94-921D-D6D3B7C28BB1}" destId="{F19540CE-E2C5-4FD1-A90C-A623A7080392}" srcOrd="0" destOrd="0" presId="urn:microsoft.com/office/officeart/2005/8/layout/chevron2"/>
+    <dgm:cxn modelId="{E7E38B2F-772E-4C87-AC28-CED8FDDB5C21}" srcId="{1D401610-B815-437E-A4BB-1F07B9E46326}" destId="{DF3886B3-D9F0-4449-97A7-82FBFE04BDB1}" srcOrd="0" destOrd="0" parTransId="{88FAFEC4-219F-4CD8-9A78-8CFED220EC4B}" sibTransId="{A29424F8-1EAE-4387-AE6C-BB8741CB6684}"/>
     <dgm:cxn modelId="{3299DEDE-CE00-4563-878A-86B312E36129}" type="presOf" srcId="{85AB4DCC-A184-4667-8FA8-A2A32DFE6220}" destId="{A6CE0B11-D65A-4EA5-AC61-673ADCCD0CA0}" srcOrd="0" destOrd="0" presId="urn:microsoft.com/office/officeart/2005/8/layout/chevron2"/>
-    <dgm:cxn modelId="{E7E38B2F-772E-4C87-AC28-CED8FDDB5C21}" srcId="{1D401610-B815-437E-A4BB-1F07B9E46326}" destId="{DF3886B3-D9F0-4449-97A7-82FBFE04BDB1}" srcOrd="0" destOrd="0" parTransId="{88FAFEC4-219F-4CD8-9A78-8CFED220EC4B}" sibTransId="{A29424F8-1EAE-4387-AE6C-BB8741CB6684}"/>
     <dgm:cxn modelId="{669133A1-0926-46A5-BF9B-ACB75A21F02E}" type="presOf" srcId="{3D661867-E1C8-4021-8727-E93C87587F62}" destId="{5D21B0F4-0BFF-4375-93B3-BD56BB6213EC}" srcOrd="0" destOrd="0" presId="urn:microsoft.com/office/officeart/2005/8/layout/chevron2"/>
     <dgm:cxn modelId="{7B30810B-7DF3-4DE6-AC37-0E36A748131E}" type="presParOf" srcId="{7AF6DB63-6D9D-4C50-9DD7-ECCE3A23BA6F}" destId="{52AE4C21-0F3C-46FC-A703-8C30012A3A65}" srcOrd="0" destOrd="0" presId="urn:microsoft.com/office/officeart/2005/8/layout/chevron2"/>
     <dgm:cxn modelId="{6A2722F9-D5A9-477C-BC5A-ADDA627EB8C4}" type="presParOf" srcId="{52AE4C21-0F3C-46FC-A703-8C30012A3A65}" destId="{889AD724-97DC-4930-B9DB-DBAB3D123053}" srcOrd="0" destOrd="0" presId="urn:microsoft.com/office/officeart/2005/8/layout/chevron2"/>
@@ -2475,7 +2532,7 @@
   <dgm:whole/>
   <dgm:extLst>
     <a:ext uri="http://schemas.microsoft.com/office/drawing/2008/diagram">
-      <dsp:dataModelExt xmlns:dsp="http://schemas.microsoft.com/office/drawing/2008/diagram" relId="rId6" minVer="http://schemas.openxmlformats.org/drawingml/2006/diagram"/>
+      <dsp:dataModelExt xmlns:dsp="http://schemas.microsoft.com/office/drawing/2008/diagram" relId="rId7" minVer="http://schemas.openxmlformats.org/drawingml/2006/diagram"/>
     </a:ext>
   </dgm:extLst>
 </dgm:dataModel>
@@ -3669,15 +3726,30 @@
         <a:prstGeom prst="chevron">
           <a:avLst/>
         </a:prstGeom>
-        <a:solidFill>
-          <a:schemeClr val="accent1">
-            <a:hueOff val="0"/>
-            <a:satOff val="0"/>
-            <a:lumOff val="0"/>
-            <a:alphaOff val="0"/>
-          </a:schemeClr>
-        </a:solidFill>
-        <a:ln w="15875" cap="rnd" cmpd="sng" algn="ctr">
+        <a:blipFill rotWithShape="0">
+          <a:blip xmlns:r="http://schemas.openxmlformats.org/officeDocument/2006/relationships" r:embed="rId1">
+            <a:duotone>
+              <a:schemeClr val="accent1">
+                <a:hueOff val="0"/>
+                <a:satOff val="0"/>
+                <a:lumOff val="0"/>
+                <a:alphaOff val="0"/>
+                <a:tint val="98000"/>
+                <a:lumMod val="102000"/>
+              </a:schemeClr>
+              <a:schemeClr val="accent1">
+                <a:hueOff val="0"/>
+                <a:satOff val="0"/>
+                <a:lumOff val="0"/>
+                <a:alphaOff val="0"/>
+                <a:shade val="98000"/>
+                <a:lumMod val="98000"/>
+              </a:schemeClr>
+            </a:duotone>
+          </a:blip>
+          <a:tile tx="0" ty="0" sx="100000" sy="100000" flip="none" algn="tl"/>
+        </a:blipFill>
+        <a:ln w="9525" cap="rnd" cmpd="sng" algn="ctr">
           <a:solidFill>
             <a:schemeClr val="accent1">
               <a:hueOff val="0"/>
@@ -3688,16 +3760,22 @@
           </a:solidFill>
           <a:prstDash val="solid"/>
         </a:ln>
-        <a:effectLst/>
+        <a:effectLst>
+          <a:innerShdw blurRad="63500" dist="25400" dir="13500000">
+            <a:srgbClr val="000000">
+              <a:alpha val="75000"/>
+            </a:srgbClr>
+          </a:innerShdw>
+        </a:effectLst>
       </dsp:spPr>
       <dsp:style>
-        <a:lnRef idx="2">
+        <a:lnRef idx="1">
           <a:scrgbClr r="0" g="0" b="0"/>
         </a:lnRef>
-        <a:fillRef idx="1">
+        <a:fillRef idx="3">
           <a:scrgbClr r="0" g="0" b="0"/>
         </a:fillRef>
-        <a:effectRef idx="0">
+        <a:effectRef idx="3">
           <a:scrgbClr r="0" g="0" b="0"/>
         </a:effectRef>
         <a:fontRef idx="minor">
@@ -3750,12 +3828,19 @@
           <a:avLst/>
         </a:prstGeom>
         <a:solidFill>
-          <a:schemeClr val="dk1"/>
+          <a:schemeClr val="bg1">
+            <a:lumMod val="95000"/>
+            <a:lumOff val="5000"/>
+            <a:alpha val="90000"/>
+          </a:schemeClr>
         </a:solidFill>
-        <a:ln w="15875" cap="rnd" cmpd="sng" algn="ctr">
+        <a:ln w="9525" cap="rnd" cmpd="sng" algn="ctr">
           <a:solidFill>
-            <a:schemeClr val="dk1">
-              <a:shade val="50000"/>
+            <a:schemeClr val="accent1">
+              <a:hueOff val="0"/>
+              <a:satOff val="0"/>
+              <a:lumOff val="0"/>
+              <a:alphaOff val="0"/>
             </a:schemeClr>
           </a:solidFill>
           <a:prstDash val="solid"/>
@@ -3763,20 +3848,16 @@
         <a:effectLst/>
       </dsp:spPr>
       <dsp:style>
-        <a:lnRef idx="2">
-          <a:schemeClr val="dk1">
-            <a:shade val="50000"/>
-          </a:schemeClr>
+        <a:lnRef idx="1">
+          <a:scrgbClr r="0" g="0" b="0"/>
         </a:lnRef>
         <a:fillRef idx="1">
-          <a:schemeClr val="dk1"/>
+          <a:scrgbClr r="0" g="0" b="0"/>
         </a:fillRef>
-        <a:effectRef idx="0">
-          <a:schemeClr val="dk1"/>
+        <a:effectRef idx="2">
+          <a:scrgbClr r="0" g="0" b="0"/>
         </a:effectRef>
-        <a:fontRef idx="minor">
-          <a:schemeClr val="lt1"/>
-        </a:fontRef>
+        <a:fontRef idx="minor"/>
       </dsp:style>
       <dsp:txBody>
         <a:bodyPr spcFirstLastPara="0" vert="horz" wrap="square" lIns="256032" tIns="22860" rIns="22860" bIns="22860" numCol="1" spcCol="1270" anchor="ctr" anchorCtr="0">
@@ -3799,7 +3880,7 @@
           <a:r>
             <a:rPr lang="en-US" sz="3600" kern="1200" dirty="0" smtClean="0">
               <a:solidFill>
-                <a:schemeClr val="tx1">
+                <a:schemeClr val="accent1">
                   <a:lumMod val="75000"/>
                 </a:schemeClr>
               </a:solidFill>
@@ -3809,7 +3890,7 @@
           <a:r>
             <a:rPr lang="en-US" sz="3600" b="1" kern="1200" dirty="0" smtClean="0">
               <a:solidFill>
-                <a:schemeClr val="tx1">
+                <a:schemeClr val="accent1">
                   <a:lumMod val="75000"/>
                 </a:schemeClr>
               </a:solidFill>
@@ -3819,7 +3900,7 @@
           <a:r>
             <a:rPr lang="en-US" sz="3600" kern="1200" dirty="0" smtClean="0">
               <a:solidFill>
-                <a:schemeClr val="tx1">
+                <a:schemeClr val="accent1">
                   <a:lumMod val="75000"/>
                 </a:schemeClr>
               </a:solidFill>
@@ -3828,7 +3909,7 @@
           </a:r>
           <a:endParaRPr lang="en-US" sz="3600" kern="1200" dirty="0">
             <a:solidFill>
-              <a:schemeClr val="tx1">
+              <a:schemeClr val="accent1">
                 <a:lumMod val="75000"/>
               </a:schemeClr>
             </a:solidFill>
@@ -3853,15 +3934,30 @@
         <a:prstGeom prst="chevron">
           <a:avLst/>
         </a:prstGeom>
-        <a:solidFill>
-          <a:schemeClr val="accent1">
-            <a:hueOff val="0"/>
-            <a:satOff val="0"/>
-            <a:lumOff val="0"/>
-            <a:alphaOff val="0"/>
-          </a:schemeClr>
-        </a:solidFill>
-        <a:ln w="15875" cap="rnd" cmpd="sng" algn="ctr">
+        <a:blipFill rotWithShape="0">
+          <a:blip xmlns:r="http://schemas.openxmlformats.org/officeDocument/2006/relationships" r:embed="rId1">
+            <a:duotone>
+              <a:schemeClr val="accent1">
+                <a:hueOff val="0"/>
+                <a:satOff val="0"/>
+                <a:lumOff val="0"/>
+                <a:alphaOff val="0"/>
+                <a:tint val="98000"/>
+                <a:lumMod val="102000"/>
+              </a:schemeClr>
+              <a:schemeClr val="accent1">
+                <a:hueOff val="0"/>
+                <a:satOff val="0"/>
+                <a:lumOff val="0"/>
+                <a:alphaOff val="0"/>
+                <a:shade val="98000"/>
+                <a:lumMod val="98000"/>
+              </a:schemeClr>
+            </a:duotone>
+          </a:blip>
+          <a:tile tx="0" ty="0" sx="100000" sy="100000" flip="none" algn="tl"/>
+        </a:blipFill>
+        <a:ln w="9525" cap="rnd" cmpd="sng" algn="ctr">
           <a:solidFill>
             <a:schemeClr val="accent1">
               <a:hueOff val="0"/>
@@ -3872,16 +3968,22 @@
           </a:solidFill>
           <a:prstDash val="solid"/>
         </a:ln>
-        <a:effectLst/>
+        <a:effectLst>
+          <a:innerShdw blurRad="63500" dist="25400" dir="13500000">
+            <a:srgbClr val="000000">
+              <a:alpha val="75000"/>
+            </a:srgbClr>
+          </a:innerShdw>
+        </a:effectLst>
       </dsp:spPr>
       <dsp:style>
-        <a:lnRef idx="2">
+        <a:lnRef idx="1">
           <a:scrgbClr r="0" g="0" b="0"/>
         </a:lnRef>
-        <a:fillRef idx="1">
+        <a:fillRef idx="3">
           <a:scrgbClr r="0" g="0" b="0"/>
         </a:fillRef>
-        <a:effectRef idx="0">
+        <a:effectRef idx="3">
           <a:scrgbClr r="0" g="0" b="0"/>
         </a:effectRef>
         <a:fontRef idx="minor">
@@ -3933,12 +4035,19 @@
           <a:avLst/>
         </a:prstGeom>
         <a:solidFill>
-          <a:schemeClr val="dk1"/>
+          <a:schemeClr val="bg1">
+            <a:lumMod val="95000"/>
+            <a:lumOff val="5000"/>
+            <a:alpha val="90000"/>
+          </a:schemeClr>
         </a:solidFill>
-        <a:ln w="15875" cap="rnd" cmpd="sng" algn="ctr">
+        <a:ln w="9525" cap="rnd" cmpd="sng" algn="ctr">
           <a:solidFill>
-            <a:schemeClr val="dk1">
-              <a:shade val="50000"/>
+            <a:schemeClr val="accent1">
+              <a:hueOff val="0"/>
+              <a:satOff val="0"/>
+              <a:lumOff val="0"/>
+              <a:alphaOff val="0"/>
             </a:schemeClr>
           </a:solidFill>
           <a:prstDash val="solid"/>
@@ -3946,20 +4055,16 @@
         <a:effectLst/>
       </dsp:spPr>
       <dsp:style>
-        <a:lnRef idx="2">
-          <a:schemeClr val="dk1">
-            <a:shade val="50000"/>
-          </a:schemeClr>
+        <a:lnRef idx="1">
+          <a:scrgbClr r="0" g="0" b="0"/>
         </a:lnRef>
         <a:fillRef idx="1">
-          <a:schemeClr val="dk1"/>
+          <a:scrgbClr r="0" g="0" b="0"/>
         </a:fillRef>
-        <a:effectRef idx="0">
-          <a:schemeClr val="dk1"/>
+        <a:effectRef idx="2">
+          <a:scrgbClr r="0" g="0" b="0"/>
         </a:effectRef>
-        <a:fontRef idx="minor">
-          <a:schemeClr val="lt1"/>
-        </a:fontRef>
+        <a:fontRef idx="minor"/>
       </dsp:style>
       <dsp:txBody>
         <a:bodyPr spcFirstLastPara="0" vert="horz" wrap="square" lIns="256032" tIns="22860" rIns="22860" bIns="22860" numCol="1" spcCol="1270" anchor="ctr" anchorCtr="0">
@@ -3982,7 +4087,7 @@
           <a:r>
             <a:rPr lang="en-US" sz="3600" kern="1200" dirty="0" smtClean="0">
               <a:solidFill>
-                <a:schemeClr val="tx1">
+                <a:schemeClr val="accent1">
                   <a:lumMod val="75000"/>
                 </a:schemeClr>
               </a:solidFill>
@@ -3992,13 +4097,20 @@
           <a:r>
             <a:rPr lang="en-US" sz="3600" b="1" kern="1200" dirty="0" smtClean="0">
               <a:solidFill>
-                <a:schemeClr val="tx1">
+                <a:schemeClr val="accent1">
                   <a:lumMod val="75000"/>
                 </a:schemeClr>
               </a:solidFill>
             </a:rPr>
             <a:t>Library components</a:t>
           </a:r>
+          <a:endParaRPr lang="en-US" sz="3600" b="1" kern="1200" dirty="0" smtClean="0">
+            <a:solidFill>
+              <a:schemeClr val="accent1">
+                <a:lumMod val="75000"/>
+              </a:schemeClr>
+            </a:solidFill>
+          </a:endParaRPr>
         </a:p>
       </dsp:txBody>
       <dsp:txXfrm rot="-5400000">
@@ -4019,15 +4131,30 @@
         <a:prstGeom prst="chevron">
           <a:avLst/>
         </a:prstGeom>
-        <a:solidFill>
-          <a:schemeClr val="accent1">
-            <a:hueOff val="0"/>
-            <a:satOff val="0"/>
-            <a:lumOff val="0"/>
-            <a:alphaOff val="0"/>
-          </a:schemeClr>
-        </a:solidFill>
-        <a:ln w="15875" cap="rnd" cmpd="sng" algn="ctr">
+        <a:blipFill rotWithShape="0">
+          <a:blip xmlns:r="http://schemas.openxmlformats.org/officeDocument/2006/relationships" r:embed="rId1">
+            <a:duotone>
+              <a:schemeClr val="accent1">
+                <a:hueOff val="0"/>
+                <a:satOff val="0"/>
+                <a:lumOff val="0"/>
+                <a:alphaOff val="0"/>
+                <a:tint val="98000"/>
+                <a:lumMod val="102000"/>
+              </a:schemeClr>
+              <a:schemeClr val="accent1">
+                <a:hueOff val="0"/>
+                <a:satOff val="0"/>
+                <a:lumOff val="0"/>
+                <a:alphaOff val="0"/>
+                <a:shade val="98000"/>
+                <a:lumMod val="98000"/>
+              </a:schemeClr>
+            </a:duotone>
+          </a:blip>
+          <a:tile tx="0" ty="0" sx="100000" sy="100000" flip="none" algn="tl"/>
+        </a:blipFill>
+        <a:ln w="9525" cap="rnd" cmpd="sng" algn="ctr">
           <a:solidFill>
             <a:schemeClr val="accent1">
               <a:hueOff val="0"/>
@@ -4038,16 +4165,22 @@
           </a:solidFill>
           <a:prstDash val="solid"/>
         </a:ln>
-        <a:effectLst/>
+        <a:effectLst>
+          <a:innerShdw blurRad="63500" dist="25400" dir="13500000">
+            <a:srgbClr val="000000">
+              <a:alpha val="75000"/>
+            </a:srgbClr>
+          </a:innerShdw>
+        </a:effectLst>
       </dsp:spPr>
       <dsp:style>
-        <a:lnRef idx="2">
+        <a:lnRef idx="1">
           <a:scrgbClr r="0" g="0" b="0"/>
         </a:lnRef>
-        <a:fillRef idx="1">
+        <a:fillRef idx="3">
           <a:scrgbClr r="0" g="0" b="0"/>
         </a:fillRef>
-        <a:effectRef idx="0">
+        <a:effectRef idx="3">
           <a:scrgbClr r="0" g="0" b="0"/>
         </a:effectRef>
         <a:fontRef idx="minor">
@@ -4099,12 +4232,19 @@
           <a:avLst/>
         </a:prstGeom>
         <a:solidFill>
-          <a:schemeClr val="dk1"/>
+          <a:schemeClr val="bg1">
+            <a:lumMod val="95000"/>
+            <a:lumOff val="5000"/>
+            <a:alpha val="90000"/>
+          </a:schemeClr>
         </a:solidFill>
-        <a:ln w="15875" cap="rnd" cmpd="sng" algn="ctr">
+        <a:ln w="9525" cap="rnd" cmpd="sng" algn="ctr">
           <a:solidFill>
-            <a:schemeClr val="dk1">
-              <a:shade val="50000"/>
+            <a:schemeClr val="accent1">
+              <a:hueOff val="0"/>
+              <a:satOff val="0"/>
+              <a:lumOff val="0"/>
+              <a:alphaOff val="0"/>
             </a:schemeClr>
           </a:solidFill>
           <a:prstDash val="solid"/>
@@ -4112,20 +4252,16 @@
         <a:effectLst/>
       </dsp:spPr>
       <dsp:style>
-        <a:lnRef idx="2">
-          <a:schemeClr val="dk1">
-            <a:shade val="50000"/>
-          </a:schemeClr>
+        <a:lnRef idx="1">
+          <a:scrgbClr r="0" g="0" b="0"/>
         </a:lnRef>
         <a:fillRef idx="1">
-          <a:schemeClr val="dk1"/>
+          <a:scrgbClr r="0" g="0" b="0"/>
         </a:fillRef>
-        <a:effectRef idx="0">
-          <a:schemeClr val="dk1"/>
+        <a:effectRef idx="2">
+          <a:scrgbClr r="0" g="0" b="0"/>
         </a:effectRef>
-        <a:fontRef idx="minor">
-          <a:schemeClr val="lt1"/>
-        </a:fontRef>
+        <a:fontRef idx="minor"/>
       </dsp:style>
       <dsp:txBody>
         <a:bodyPr spcFirstLastPara="0" vert="horz" wrap="square" lIns="256032" tIns="22860" rIns="22860" bIns="22860" numCol="1" spcCol="1270" anchor="ctr" anchorCtr="0">
@@ -4146,9 +4282,9 @@
             <a:buChar char="••"/>
           </a:pPr>
           <a:r>
-            <a:rPr lang="en-US" sz="3600" kern="1200" dirty="0" smtClean="0">
+            <a:rPr lang="en-US" sz="3600" kern="1200" smtClean="0">
               <a:solidFill>
-                <a:schemeClr val="tx1">
+                <a:schemeClr val="accent1">
                   <a:lumMod val="75000"/>
                 </a:schemeClr>
               </a:solidFill>
@@ -4156,15 +4292,22 @@
             <a:t>III-</a:t>
           </a:r>
           <a:r>
-            <a:rPr lang="en-US" sz="3600" b="1" kern="1200" dirty="0" smtClean="0">
+            <a:rPr lang="en-US" sz="3600" b="1" kern="1200" smtClean="0">
               <a:solidFill>
-                <a:schemeClr val="tx1">
+                <a:schemeClr val="accent1">
                   <a:lumMod val="75000"/>
                 </a:schemeClr>
               </a:solidFill>
             </a:rPr>
             <a:t>Barrier Options</a:t>
           </a:r>
+          <a:endParaRPr lang="en-US" sz="3600" b="1" kern="1200" dirty="0" smtClean="0">
+            <a:solidFill>
+              <a:schemeClr val="accent1">
+                <a:lumMod val="75000"/>
+              </a:schemeClr>
+            </a:solidFill>
+          </a:endParaRPr>
         </a:p>
       </dsp:txBody>
       <dsp:txXfrm rot="-5400000">
@@ -4185,30 +4328,57 @@
         <a:prstGeom prst="chevron">
           <a:avLst/>
         </a:prstGeom>
-        <a:solidFill>
-          <a:schemeClr val="dk1"/>
-        </a:solidFill>
-        <a:ln w="15875" cap="rnd" cmpd="sng" algn="ctr">
+        <a:blipFill rotWithShape="0">
+          <a:blip xmlns:r="http://schemas.openxmlformats.org/officeDocument/2006/relationships" r:embed="rId1">
+            <a:duotone>
+              <a:schemeClr val="accent1">
+                <a:hueOff val="0"/>
+                <a:satOff val="0"/>
+                <a:lumOff val="0"/>
+                <a:alphaOff val="0"/>
+                <a:tint val="98000"/>
+                <a:lumMod val="102000"/>
+              </a:schemeClr>
+              <a:schemeClr val="accent1">
+                <a:hueOff val="0"/>
+                <a:satOff val="0"/>
+                <a:lumOff val="0"/>
+                <a:alphaOff val="0"/>
+                <a:shade val="98000"/>
+                <a:lumMod val="98000"/>
+              </a:schemeClr>
+            </a:duotone>
+          </a:blip>
+          <a:tile tx="0" ty="0" sx="100000" sy="100000" flip="none" algn="tl"/>
+        </a:blipFill>
+        <a:ln w="9525" cap="rnd" cmpd="sng" algn="ctr">
           <a:solidFill>
-            <a:schemeClr val="dk1">
-              <a:shade val="50000"/>
+            <a:schemeClr val="accent1">
+              <a:hueOff val="0"/>
+              <a:satOff val="0"/>
+              <a:lumOff val="0"/>
+              <a:alphaOff val="0"/>
             </a:schemeClr>
           </a:solidFill>
           <a:prstDash val="solid"/>
         </a:ln>
-        <a:effectLst/>
+        <a:effectLst>
+          <a:innerShdw blurRad="63500" dist="25400" dir="13500000">
+            <a:srgbClr val="000000">
+              <a:alpha val="75000"/>
+            </a:srgbClr>
+          </a:innerShdw>
+        </a:effectLst>
       </dsp:spPr>
       <dsp:style>
-        <a:lnRef idx="2">
-          <a:schemeClr val="dk1">
-            <a:shade val="50000"/>
-          </a:schemeClr>
+        <a:lnRef idx="1">
+          <a:scrgbClr r="0" g="0" b="0"/>
         </a:lnRef>
-        <a:fillRef idx="1">
-          <a:schemeClr val="dk1"/>
+        <a:fillRef idx="3">
+          <a:scrgbClr r="0" g="0" b="0"/>
         </a:fillRef>
-        <a:effectRef idx="0">
-          <a:schemeClr val="dk1"/>
+        <a:effectRef idx="3">
+          <a:scrgbClr r="0" g="0" b="0"/>
         </a:effectRef>
         <a:fontRef idx="minor">
           <a:schemeClr val="lt1"/>
@@ -4259,12 +4429,19 @@
           <a:avLst/>
         </a:prstGeom>
         <a:solidFill>
-          <a:schemeClr val="dk1"/>
+          <a:schemeClr val="bg1">
+            <a:lumMod val="95000"/>
+            <a:lumOff val="5000"/>
+            <a:alpha val="90000"/>
+          </a:schemeClr>
         </a:solidFill>
-        <a:ln w="15875" cap="rnd" cmpd="sng" algn="ctr">
+        <a:ln w="9525" cap="rnd" cmpd="sng" algn="ctr">
           <a:solidFill>
-            <a:schemeClr val="dk1">
-              <a:shade val="50000"/>
+            <a:schemeClr val="accent1">
+              <a:hueOff val="0"/>
+              <a:satOff val="0"/>
+              <a:lumOff val="0"/>
+              <a:alphaOff val="0"/>
             </a:schemeClr>
           </a:solidFill>
           <a:prstDash val="solid"/>
@@ -4272,20 +4449,16 @@
         <a:effectLst/>
       </dsp:spPr>
       <dsp:style>
-        <a:lnRef idx="2">
-          <a:schemeClr val="dk1">
-            <a:shade val="50000"/>
-          </a:schemeClr>
+        <a:lnRef idx="1">
+          <a:scrgbClr r="0" g="0" b="0"/>
         </a:lnRef>
         <a:fillRef idx="1">
-          <a:schemeClr val="dk1"/>
+          <a:scrgbClr r="0" g="0" b="0"/>
         </a:fillRef>
-        <a:effectRef idx="0">
-          <a:schemeClr val="dk1"/>
+        <a:effectRef idx="2">
+          <a:scrgbClr r="0" g="0" b="0"/>
         </a:effectRef>
-        <a:fontRef idx="minor">
-          <a:schemeClr val="lt1"/>
-        </a:fontRef>
+        <a:fontRef idx="minor"/>
       </dsp:style>
       <dsp:txBody>
         <a:bodyPr spcFirstLastPara="0" vert="horz" wrap="square" lIns="256032" tIns="22860" rIns="22860" bIns="22860" numCol="1" spcCol="1270" anchor="ctr" anchorCtr="0">
@@ -4306,9 +4479,9 @@
             <a:buChar char="••"/>
           </a:pPr>
           <a:r>
-            <a:rPr lang="en-US" sz="3600" b="0" kern="1200" dirty="0" smtClean="0">
+            <a:rPr lang="en-US" sz="3600" b="0" kern="1200" smtClean="0">
               <a:solidFill>
-                <a:schemeClr val="tx1">
+                <a:schemeClr val="accent1">
                   <a:lumMod val="75000"/>
                 </a:schemeClr>
               </a:solidFill>
@@ -4316,15 +4489,22 @@
             <a:t>IV-</a:t>
           </a:r>
           <a:r>
-            <a:rPr lang="en-US" sz="3600" b="1" kern="1200" dirty="0" smtClean="0">
+            <a:rPr lang="en-US" sz="3600" b="1" kern="1200" smtClean="0">
               <a:solidFill>
-                <a:schemeClr val="tx1">
+                <a:schemeClr val="accent1">
                   <a:lumMod val="75000"/>
                 </a:schemeClr>
               </a:solidFill>
             </a:rPr>
             <a:t>Partial-Time Barriers</a:t>
           </a:r>
+          <a:endParaRPr lang="en-US" sz="3600" b="1" kern="1200" dirty="0" smtClean="0">
+            <a:solidFill>
+              <a:schemeClr val="accent1">
+                <a:lumMod val="75000"/>
+              </a:schemeClr>
+            </a:solidFill>
+          </a:endParaRPr>
         </a:p>
       </dsp:txBody>
       <dsp:txXfrm rot="-5400000">
@@ -4345,15 +4525,30 @@
         <a:prstGeom prst="chevron">
           <a:avLst/>
         </a:prstGeom>
-        <a:solidFill>
-          <a:schemeClr val="accent1">
-            <a:hueOff val="0"/>
-            <a:satOff val="0"/>
-            <a:lumOff val="0"/>
-            <a:alphaOff val="0"/>
-          </a:schemeClr>
-        </a:solidFill>
-        <a:ln w="15875" cap="rnd" cmpd="sng" algn="ctr">
+        <a:blipFill rotWithShape="0">
+          <a:blip xmlns:r="http://schemas.openxmlformats.org/officeDocument/2006/relationships" r:embed="rId1">
+            <a:duotone>
+              <a:schemeClr val="accent1">
+                <a:hueOff val="0"/>
+                <a:satOff val="0"/>
+                <a:lumOff val="0"/>
+                <a:alphaOff val="0"/>
+                <a:tint val="98000"/>
+                <a:lumMod val="102000"/>
+              </a:schemeClr>
+              <a:schemeClr val="accent1">
+                <a:hueOff val="0"/>
+                <a:satOff val="0"/>
+                <a:lumOff val="0"/>
+                <a:alphaOff val="0"/>
+                <a:shade val="98000"/>
+                <a:lumMod val="98000"/>
+              </a:schemeClr>
+            </a:duotone>
+          </a:blip>
+          <a:tile tx="0" ty="0" sx="100000" sy="100000" flip="none" algn="tl"/>
+        </a:blipFill>
+        <a:ln w="9525" cap="rnd" cmpd="sng" algn="ctr">
           <a:solidFill>
             <a:schemeClr val="accent1">
               <a:hueOff val="0"/>
@@ -4364,16 +4559,22 @@
           </a:solidFill>
           <a:prstDash val="solid"/>
         </a:ln>
-        <a:effectLst/>
+        <a:effectLst>
+          <a:innerShdw blurRad="63500" dist="25400" dir="13500000">
+            <a:srgbClr val="000000">
+              <a:alpha val="75000"/>
+            </a:srgbClr>
+          </a:innerShdw>
+        </a:effectLst>
       </dsp:spPr>
       <dsp:style>
-        <a:lnRef idx="2">
+        <a:lnRef idx="1">
           <a:scrgbClr r="0" g="0" b="0"/>
         </a:lnRef>
-        <a:fillRef idx="1">
+        <a:fillRef idx="3">
           <a:scrgbClr r="0" g="0" b="0"/>
         </a:fillRef>
-        <a:effectRef idx="0">
+        <a:effectRef idx="3">
           <a:scrgbClr r="0" g="0" b="0"/>
         </a:effectRef>
         <a:fontRef idx="minor">
@@ -4425,12 +4626,19 @@
           <a:avLst/>
         </a:prstGeom>
         <a:solidFill>
-          <a:schemeClr val="dk1"/>
+          <a:schemeClr val="bg1">
+            <a:lumMod val="95000"/>
+            <a:lumOff val="5000"/>
+            <a:alpha val="90000"/>
+          </a:schemeClr>
         </a:solidFill>
-        <a:ln w="15875" cap="rnd" cmpd="sng" algn="ctr">
+        <a:ln w="9525" cap="rnd" cmpd="sng" algn="ctr">
           <a:solidFill>
-            <a:schemeClr val="dk1">
-              <a:shade val="50000"/>
+            <a:schemeClr val="accent1">
+              <a:hueOff val="0"/>
+              <a:satOff val="0"/>
+              <a:lumOff val="0"/>
+              <a:alphaOff val="0"/>
             </a:schemeClr>
           </a:solidFill>
           <a:prstDash val="solid"/>
@@ -4438,20 +4646,16 @@
         <a:effectLst/>
       </dsp:spPr>
       <dsp:style>
-        <a:lnRef idx="2">
-          <a:schemeClr val="dk1">
-            <a:shade val="50000"/>
-          </a:schemeClr>
+        <a:lnRef idx="1">
+          <a:scrgbClr r="0" g="0" b="0"/>
         </a:lnRef>
         <a:fillRef idx="1">
-          <a:schemeClr val="dk1"/>
+          <a:scrgbClr r="0" g="0" b="0"/>
         </a:fillRef>
-        <a:effectRef idx="0">
-          <a:schemeClr val="dk1"/>
+        <a:effectRef idx="2">
+          <a:scrgbClr r="0" g="0" b="0"/>
         </a:effectRef>
-        <a:fontRef idx="minor">
-          <a:schemeClr val="lt1"/>
-        </a:fontRef>
+        <a:fontRef idx="minor"/>
       </dsp:style>
       <dsp:txBody>
         <a:bodyPr spcFirstLastPara="0" vert="horz" wrap="square" lIns="256032" tIns="22860" rIns="22860" bIns="22860" numCol="1" spcCol="1270" anchor="ctr" anchorCtr="0">
@@ -4474,7 +4678,7 @@
           <a:r>
             <a:rPr lang="en-US" sz="3600" kern="1200" dirty="0" smtClean="0">
               <a:solidFill>
-                <a:schemeClr val="tx1">
+                <a:schemeClr val="accent1">
                   <a:lumMod val="75000"/>
                 </a:schemeClr>
               </a:solidFill>
@@ -4484,13 +4688,20 @@
           <a:r>
             <a:rPr lang="en-US" sz="3600" b="1" kern="1200" dirty="0" smtClean="0">
               <a:solidFill>
-                <a:schemeClr val="tx1">
+                <a:schemeClr val="accent1">
                   <a:lumMod val="75000"/>
                 </a:schemeClr>
               </a:solidFill>
             </a:rPr>
             <a:t>Work flow</a:t>
           </a:r>
+          <a:endParaRPr lang="en-US" sz="3600" b="1" kern="1200" dirty="0" smtClean="0">
+            <a:solidFill>
+              <a:schemeClr val="accent1">
+                <a:lumMod val="75000"/>
+              </a:schemeClr>
+            </a:solidFill>
+          </a:endParaRPr>
         </a:p>
       </dsp:txBody>
       <dsp:txXfrm rot="-5400000">
@@ -5986,11 +6197,11 @@
 </file>
 
 <file path=ppt/diagrams/quickStyle1.xml><?xml version="1.0" encoding="utf-8"?>
-<dgm:styleDef xmlns:dgm="http://schemas.openxmlformats.org/drawingml/2006/diagram" xmlns:a="http://schemas.openxmlformats.org/drawingml/2006/main" uniqueId="urn:microsoft.com/office/officeart/2005/8/quickstyle/simple1">
+<dgm:styleDef xmlns:dgm="http://schemas.openxmlformats.org/drawingml/2006/diagram" xmlns:a="http://schemas.openxmlformats.org/drawingml/2006/main" uniqueId="urn:microsoft.com/office/officeart/2005/8/quickstyle/simple5">
   <dgm:title val=""/>
   <dgm:desc val=""/>
   <dgm:catLst>
-    <dgm:cat type="simple" pri="10100"/>
+    <dgm:cat type="simple" pri="10500"/>
   </dgm:catLst>
   <dgm:scene3d>
     <a:camera prst="orthographicFront"/>
@@ -6004,13 +6215,13 @@
     <dgm:sp3d/>
     <dgm:txPr/>
     <dgm:style>
-      <a:lnRef idx="2">
+      <a:lnRef idx="0">
         <a:scrgbClr r="0" g="0" b="0"/>
       </a:lnRef>
-      <a:fillRef idx="1">
+      <a:fillRef idx="3">
         <a:scrgbClr r="0" g="0" b="0"/>
       </a:fillRef>
-      <a:effectRef idx="0">
+      <a:effectRef idx="3">
         <a:scrgbClr r="0" g="0" b="0"/>
       </a:effectRef>
       <a:fontRef idx="minor">
@@ -6026,13 +6237,13 @@
     <dgm:sp3d/>
     <dgm:txPr/>
     <dgm:style>
-      <a:lnRef idx="2">
+      <a:lnRef idx="0">
         <a:scrgbClr r="0" g="0" b="0"/>
       </a:lnRef>
-      <a:fillRef idx="1">
+      <a:fillRef idx="3">
         <a:scrgbClr r="0" g="0" b="0"/>
       </a:fillRef>
-      <a:effectRef idx="0">
+      <a:effectRef idx="3">
         <a:scrgbClr r="0" g="0" b="0"/>
       </a:effectRef>
       <a:fontRef idx="minor">
@@ -6048,13 +6259,13 @@
     <dgm:sp3d/>
     <dgm:txPr/>
     <dgm:style>
-      <a:lnRef idx="2">
+      <a:lnRef idx="0">
         <a:scrgbClr r="0" g="0" b="0"/>
       </a:lnRef>
-      <a:fillRef idx="1">
+      <a:fillRef idx="3">
         <a:scrgbClr r="0" g="0" b="0"/>
       </a:fillRef>
-      <a:effectRef idx="0">
+      <a:effectRef idx="3">
         <a:scrgbClr r="0" g="0" b="0"/>
       </a:effectRef>
       <a:fontRef idx="minor">
@@ -6070,13 +6281,13 @@
     <dgm:sp3d/>
     <dgm:txPr/>
     <dgm:style>
-      <a:lnRef idx="2">
+      <a:lnRef idx="1">
         <a:scrgbClr r="0" g="0" b="0"/>
       </a:lnRef>
-      <a:fillRef idx="1">
+      <a:fillRef idx="3">
         <a:scrgbClr r="0" g="0" b="0"/>
       </a:fillRef>
-      <a:effectRef idx="0">
+      <a:effectRef idx="3">
         <a:scrgbClr r="0" g="0" b="0"/>
       </a:effectRef>
       <a:fontRef idx="minor">
@@ -6092,13 +6303,13 @@
     <dgm:sp3d/>
     <dgm:txPr/>
     <dgm:style>
-      <a:lnRef idx="2">
+      <a:lnRef idx="0">
         <a:scrgbClr r="0" g="0" b="0"/>
       </a:lnRef>
-      <a:fillRef idx="1">
+      <a:fillRef idx="3">
         <a:scrgbClr r="0" g="0" b="0"/>
       </a:fillRef>
-      <a:effectRef idx="0">
+      <a:effectRef idx="3">
         <a:scrgbClr r="0" g="0" b="0"/>
       </a:effectRef>
       <a:fontRef idx="minor">
@@ -6114,13 +6325,13 @@
     <dgm:sp3d/>
     <dgm:txPr/>
     <dgm:style>
-      <a:lnRef idx="2">
+      <a:lnRef idx="0">
         <a:scrgbClr r="0" g="0" b="0"/>
       </a:lnRef>
-      <a:fillRef idx="1">
+      <a:fillRef idx="3">
         <a:scrgbClr r="0" g="0" b="0"/>
       </a:fillRef>
-      <a:effectRef idx="0">
+      <a:effectRef idx="3">
         <a:scrgbClr r="0" g="0" b="0"/>
       </a:effectRef>
       <a:fontRef idx="minor">
@@ -6136,13 +6347,13 @@
     <dgm:sp3d/>
     <dgm:txPr/>
     <dgm:style>
-      <a:lnRef idx="2">
+      <a:lnRef idx="0">
         <a:scrgbClr r="0" g="0" b="0"/>
       </a:lnRef>
-      <a:fillRef idx="1">
+      <a:fillRef idx="3">
         <a:scrgbClr r="0" g="0" b="0"/>
       </a:fillRef>
-      <a:effectRef idx="0">
+      <a:effectRef idx="3">
         <a:scrgbClr r="0" g="0" b="0"/>
       </a:effectRef>
       <a:fontRef idx="minor">
@@ -6158,13 +6369,13 @@
     <dgm:sp3d/>
     <dgm:txPr/>
     <dgm:style>
-      <a:lnRef idx="2">
+      <a:lnRef idx="0">
         <a:scrgbClr r="0" g="0" b="0"/>
       </a:lnRef>
-      <a:fillRef idx="1">
+      <a:fillRef idx="3">
         <a:scrgbClr r="0" g="0" b="0"/>
       </a:fillRef>
-      <a:effectRef idx="0">
+      <a:effectRef idx="3">
         <a:scrgbClr r="0" g="0" b="0"/>
       </a:effectRef>
       <a:fontRef idx="minor">
@@ -6180,13 +6391,13 @@
     <dgm:sp3d/>
     <dgm:txPr/>
     <dgm:style>
-      <a:lnRef idx="2">
+      <a:lnRef idx="0">
         <a:scrgbClr r="0" g="0" b="0"/>
       </a:lnRef>
       <a:fillRef idx="1">
         <a:scrgbClr r="0" g="0" b="0"/>
       </a:fillRef>
-      <a:effectRef idx="0">
+      <a:effectRef idx="3">
         <a:scrgbClr r="0" g="0" b="0"/>
       </a:effectRef>
       <a:fontRef idx="minor"/>
@@ -6200,13 +6411,13 @@
     <dgm:sp3d/>
     <dgm:txPr/>
     <dgm:style>
-      <a:lnRef idx="2">
+      <a:lnRef idx="0">
         <a:scrgbClr r="0" g="0" b="0"/>
       </a:lnRef>
       <a:fillRef idx="1">
         <a:scrgbClr r="0" g="0" b="0"/>
       </a:fillRef>
-      <a:effectRef idx="0">
+      <a:effectRef idx="3">
         <a:scrgbClr r="0" g="0" b="0"/>
       </a:effectRef>
       <a:fontRef idx="minor"/>
@@ -6220,13 +6431,13 @@
     <dgm:sp3d/>
     <dgm:txPr/>
     <dgm:style>
-      <a:lnRef idx="2">
+      <a:lnRef idx="0">
         <a:scrgbClr r="0" g="0" b="0"/>
       </a:lnRef>
       <a:fillRef idx="1">
         <a:scrgbClr r="0" g="0" b="0"/>
       </a:fillRef>
-      <a:effectRef idx="0">
+      <a:effectRef idx="3">
         <a:scrgbClr r="0" g="0" b="0"/>
       </a:effectRef>
       <a:fontRef idx="minor"/>
@@ -6243,10 +6454,10 @@
       <a:lnRef idx="0">
         <a:scrgbClr r="0" g="0" b="0"/>
       </a:lnRef>
-      <a:fillRef idx="1">
+      <a:fillRef idx="3">
         <a:scrgbClr r="0" g="0" b="0"/>
       </a:fillRef>
-      <a:effectRef idx="0">
+      <a:effectRef idx="3">
         <a:scrgbClr r="0" g="0" b="0"/>
       </a:effectRef>
       <a:fontRef idx="minor">
@@ -6265,10 +6476,10 @@
       <a:lnRef idx="0">
         <a:scrgbClr r="0" g="0" b="0"/>
       </a:lnRef>
-      <a:fillRef idx="1">
+      <a:fillRef idx="3">
         <a:scrgbClr r="0" g="0" b="0"/>
       </a:fillRef>
-      <a:effectRef idx="0">
+      <a:effectRef idx="3">
         <a:scrgbClr r="0" g="0" b="0"/>
       </a:effectRef>
       <a:fontRef idx="minor">
@@ -6287,10 +6498,10 @@
       <a:lnRef idx="0">
         <a:scrgbClr r="0" g="0" b="0"/>
       </a:lnRef>
-      <a:fillRef idx="1">
+      <a:fillRef idx="3">
         <a:scrgbClr r="0" g="0" b="0"/>
       </a:fillRef>
-      <a:effectRef idx="0">
+      <a:effectRef idx="3">
         <a:scrgbClr r="0" g="0" b="0"/>
       </a:effectRef>
       <a:fontRef idx="minor">
@@ -6326,13 +6537,13 @@
     <dgm:sp3d/>
     <dgm:txPr/>
     <dgm:style>
-      <a:lnRef idx="2">
+      <a:lnRef idx="1">
         <a:scrgbClr r="0" g="0" b="0"/>
       </a:lnRef>
-      <a:fillRef idx="1">
+      <a:fillRef idx="0">
         <a:scrgbClr r="0" g="0" b="0"/>
       </a:fillRef>
-      <a:effectRef idx="0">
+      <a:effectRef idx="1">
         <a:scrgbClr r="0" g="0" b="0"/>
       </a:effectRef>
       <a:fontRef idx="minor"/>
@@ -6346,13 +6557,13 @@
     <dgm:sp3d/>
     <dgm:txPr/>
     <dgm:style>
-      <a:lnRef idx="2">
+      <a:lnRef idx="0">
         <a:scrgbClr r="0" g="0" b="0"/>
       </a:lnRef>
-      <a:fillRef idx="1">
+      <a:fillRef idx="3">
         <a:scrgbClr r="0" g="0" b="0"/>
       </a:fillRef>
-      <a:effectRef idx="0">
+      <a:effectRef idx="3">
         <a:scrgbClr r="0" g="0" b="0"/>
       </a:effectRef>
       <a:fontRef idx="minor">
@@ -6368,13 +6579,13 @@
     <dgm:sp3d/>
     <dgm:txPr/>
     <dgm:style>
-      <a:lnRef idx="2">
+      <a:lnRef idx="0">
         <a:scrgbClr r="0" g="0" b="0"/>
       </a:lnRef>
-      <a:fillRef idx="1">
+      <a:fillRef idx="3">
         <a:scrgbClr r="0" g="0" b="0"/>
       </a:fillRef>
-      <a:effectRef idx="0">
+      <a:effectRef idx="3">
         <a:scrgbClr r="0" g="0" b="0"/>
       </a:effectRef>
       <a:fontRef idx="minor">
@@ -6390,13 +6601,13 @@
     <dgm:sp3d/>
     <dgm:txPr/>
     <dgm:style>
-      <a:lnRef idx="2">
+      <a:lnRef idx="0">
         <a:scrgbClr r="0" g="0" b="0"/>
       </a:lnRef>
-      <a:fillRef idx="1">
+      <a:fillRef idx="3">
         <a:scrgbClr r="0" g="0" b="0"/>
       </a:fillRef>
-      <a:effectRef idx="0">
+      <a:effectRef idx="3">
         <a:scrgbClr r="0" g="0" b="0"/>
       </a:effectRef>
       <a:fontRef idx="minor">
@@ -6412,13 +6623,13 @@
     <dgm:sp3d/>
     <dgm:txPr/>
     <dgm:style>
-      <a:lnRef idx="2">
+      <a:lnRef idx="0">
         <a:scrgbClr r="0" g="0" b="0"/>
       </a:lnRef>
-      <a:fillRef idx="1">
+      <a:fillRef idx="3">
         <a:scrgbClr r="0" g="0" b="0"/>
       </a:fillRef>
-      <a:effectRef idx="0">
+      <a:effectRef idx="3">
         <a:scrgbClr r="0" g="0" b="0"/>
       </a:effectRef>
       <a:fontRef idx="minor">
@@ -6434,13 +6645,13 @@
     <dgm:sp3d/>
     <dgm:txPr/>
     <dgm:style>
-      <a:lnRef idx="2">
+      <a:lnRef idx="0">
         <a:scrgbClr r="0" g="0" b="0"/>
       </a:lnRef>
-      <a:fillRef idx="1">
+      <a:fillRef idx="3">
         <a:scrgbClr r="0" g="0" b="0"/>
       </a:fillRef>
-      <a:effectRef idx="0">
+      <a:effectRef idx="3">
         <a:scrgbClr r="0" g="0" b="0"/>
       </a:effectRef>
       <a:fontRef idx="minor">
@@ -6456,13 +6667,13 @@
     <dgm:sp3d/>
     <dgm:txPr/>
     <dgm:style>
-      <a:lnRef idx="2">
+      <a:lnRef idx="0">
         <a:scrgbClr r="0" g="0" b="0"/>
       </a:lnRef>
-      <a:fillRef idx="1">
+      <a:fillRef idx="3">
         <a:scrgbClr r="0" g="0" b="0"/>
       </a:fillRef>
-      <a:effectRef idx="0">
+      <a:effectRef idx="3">
         <a:scrgbClr r="0" g="0" b="0"/>
       </a:effectRef>
       <a:fontRef idx="minor">
@@ -6478,13 +6689,13 @@
     <dgm:sp3d/>
     <dgm:txPr/>
     <dgm:style>
-      <a:lnRef idx="2">
+      <a:lnRef idx="0">
         <a:scrgbClr r="0" g="0" b="0"/>
       </a:lnRef>
-      <a:fillRef idx="1">
+      <a:fillRef idx="3">
         <a:scrgbClr r="0" g="0" b="0"/>
       </a:fillRef>
-      <a:effectRef idx="0">
+      <a:effectRef idx="3">
         <a:scrgbClr r="0" g="0" b="0"/>
       </a:effectRef>
       <a:fontRef idx="minor">
@@ -6500,13 +6711,13 @@
     <dgm:sp3d/>
     <dgm:txPr/>
     <dgm:style>
-      <a:lnRef idx="2">
+      <a:lnRef idx="0">
         <a:scrgbClr r="0" g="0" b="0"/>
       </a:lnRef>
-      <a:fillRef idx="1">
+      <a:fillRef idx="3">
         <a:scrgbClr r="0" g="0" b="0"/>
       </a:fillRef>
-      <a:effectRef idx="0">
+      <a:effectRef idx="3">
         <a:scrgbClr r="0" g="0" b="0"/>
       </a:effectRef>
       <a:fontRef idx="minor">
@@ -6522,13 +6733,13 @@
     <dgm:sp3d/>
     <dgm:txPr/>
     <dgm:style>
-      <a:lnRef idx="2">
+      <a:lnRef idx="0">
         <a:scrgbClr r="0" g="0" b="0"/>
       </a:lnRef>
-      <a:fillRef idx="1">
+      <a:fillRef idx="3">
         <a:scrgbClr r="0" g="0" b="0"/>
       </a:fillRef>
-      <a:effectRef idx="0">
+      <a:effectRef idx="3">
         <a:scrgbClr r="0" g="0" b="0"/>
       </a:effectRef>
       <a:fontRef idx="minor">
@@ -6624,13 +6835,13 @@
     <dgm:sp3d/>
     <dgm:txPr/>
     <dgm:style>
-      <a:lnRef idx="2">
+      <a:lnRef idx="1">
         <a:scrgbClr r="0" g="0" b="0"/>
       </a:lnRef>
       <a:fillRef idx="1">
         <a:scrgbClr r="0" g="0" b="0"/>
       </a:fillRef>
-      <a:effectRef idx="0">
+      <a:effectRef idx="2">
         <a:scrgbClr r="0" g="0" b="0"/>
       </a:effectRef>
       <a:fontRef idx="minor"/>
@@ -6644,13 +6855,13 @@
     <dgm:sp3d/>
     <dgm:txPr/>
     <dgm:style>
-      <a:lnRef idx="2">
+      <a:lnRef idx="1">
         <a:scrgbClr r="0" g="0" b="0"/>
       </a:lnRef>
       <a:fillRef idx="1">
         <a:scrgbClr r="0" g="0" b="0"/>
       </a:fillRef>
-      <a:effectRef idx="0">
+      <a:effectRef idx="2">
         <a:scrgbClr r="0" g="0" b="0"/>
       </a:effectRef>
       <a:fontRef idx="minor"/>
@@ -6664,13 +6875,13 @@
     <dgm:sp3d/>
     <dgm:txPr/>
     <dgm:style>
-      <a:lnRef idx="2">
+      <a:lnRef idx="1">
         <a:scrgbClr r="0" g="0" b="0"/>
       </a:lnRef>
       <a:fillRef idx="1">
         <a:scrgbClr r="0" g="0" b="0"/>
       </a:fillRef>
-      <a:effectRef idx="0">
+      <a:effectRef idx="2">
         <a:scrgbClr r="0" g="0" b="0"/>
       </a:effectRef>
       <a:fontRef idx="minor"/>
@@ -6704,13 +6915,13 @@
     <dgm:sp3d/>
     <dgm:txPr/>
     <dgm:style>
-      <a:lnRef idx="2">
+      <a:lnRef idx="1">
         <a:scrgbClr r="0" g="0" b="0"/>
       </a:lnRef>
       <a:fillRef idx="1">
         <a:scrgbClr r="0" g="0" b="0"/>
       </a:fillRef>
-      <a:effectRef idx="0">
+      <a:effectRef idx="2">
         <a:scrgbClr r="0" g="0" b="0"/>
       </a:effectRef>
       <a:fontRef idx="minor"/>
@@ -6724,13 +6935,13 @@
     <dgm:sp3d/>
     <dgm:txPr/>
     <dgm:style>
-      <a:lnRef idx="2">
+      <a:lnRef idx="1">
         <a:scrgbClr r="0" g="0" b="0"/>
       </a:lnRef>
       <a:fillRef idx="1">
         <a:scrgbClr r="0" g="0" b="0"/>
       </a:fillRef>
-      <a:effectRef idx="0">
+      <a:effectRef idx="2">
         <a:scrgbClr r="0" g="0" b="0"/>
       </a:effectRef>
       <a:fontRef idx="minor"/>
@@ -6744,13 +6955,13 @@
     <dgm:sp3d/>
     <dgm:txPr/>
     <dgm:style>
-      <a:lnRef idx="2">
+      <a:lnRef idx="1">
         <a:scrgbClr r="0" g="0" b="0"/>
       </a:lnRef>
       <a:fillRef idx="1">
         <a:scrgbClr r="0" g="0" b="0"/>
       </a:fillRef>
-      <a:effectRef idx="0">
+      <a:effectRef idx="3">
         <a:scrgbClr r="0" g="0" b="0"/>
       </a:effectRef>
       <a:fontRef idx="minor"/>
@@ -6764,13 +6975,13 @@
     <dgm:sp3d/>
     <dgm:txPr/>
     <dgm:style>
-      <a:lnRef idx="2">
+      <a:lnRef idx="1">
         <a:scrgbClr r="0" g="0" b="0"/>
       </a:lnRef>
       <a:fillRef idx="1">
         <a:scrgbClr r="0" g="0" b="0"/>
       </a:fillRef>
-      <a:effectRef idx="0">
+      <a:effectRef idx="3">
         <a:scrgbClr r="0" g="0" b="0"/>
       </a:effectRef>
       <a:fontRef idx="minor"/>
@@ -6784,13 +6995,13 @@
     <dgm:sp3d/>
     <dgm:txPr/>
     <dgm:style>
-      <a:lnRef idx="2">
+      <a:lnRef idx="1">
         <a:scrgbClr r="0" g="0" b="0"/>
       </a:lnRef>
       <a:fillRef idx="1">
         <a:scrgbClr r="0" g="0" b="0"/>
       </a:fillRef>
-      <a:effectRef idx="0">
+      <a:effectRef idx="2">
         <a:scrgbClr r="0" g="0" b="0"/>
       </a:effectRef>
       <a:fontRef idx="minor"/>
@@ -6804,13 +7015,13 @@
     <dgm:sp3d/>
     <dgm:txPr/>
     <dgm:style>
-      <a:lnRef idx="2">
+      <a:lnRef idx="1">
         <a:scrgbClr r="0" g="0" b="0"/>
       </a:lnRef>
       <a:fillRef idx="1">
         <a:scrgbClr r="0" g="0" b="0"/>
       </a:fillRef>
-      <a:effectRef idx="0">
+      <a:effectRef idx="2">
         <a:scrgbClr r="0" g="0" b="0"/>
       </a:effectRef>
       <a:fontRef idx="minor"/>
@@ -6824,13 +7035,13 @@
     <dgm:sp3d/>
     <dgm:txPr/>
     <dgm:style>
-      <a:lnRef idx="2">
+      <a:lnRef idx="1">
         <a:scrgbClr r="0" g="0" b="0"/>
       </a:lnRef>
       <a:fillRef idx="1">
         <a:scrgbClr r="0" g="0" b="0"/>
       </a:fillRef>
-      <a:effectRef idx="0">
+      <a:effectRef idx="2">
         <a:scrgbClr r="0" g="0" b="0"/>
       </a:effectRef>
       <a:fontRef idx="minor"/>
@@ -6844,13 +7055,13 @@
     <dgm:sp3d/>
     <dgm:txPr/>
     <dgm:style>
-      <a:lnRef idx="2">
+      <a:lnRef idx="1">
         <a:scrgbClr r="0" g="0" b="0"/>
       </a:lnRef>
       <a:fillRef idx="1">
         <a:scrgbClr r="0" g="0" b="0"/>
       </a:fillRef>
-      <a:effectRef idx="0">
+      <a:effectRef idx="2">
         <a:scrgbClr r="0" g="0" b="0"/>
       </a:effectRef>
       <a:fontRef idx="minor"/>
@@ -6864,13 +7075,13 @@
     <dgm:sp3d/>
     <dgm:txPr/>
     <dgm:style>
-      <a:lnRef idx="2">
+      <a:lnRef idx="1">
         <a:scrgbClr r="0" g="0" b="0"/>
       </a:lnRef>
       <a:fillRef idx="1">
         <a:scrgbClr r="0" g="0" b="0"/>
       </a:fillRef>
-      <a:effectRef idx="0">
+      <a:effectRef idx="2">
         <a:scrgbClr r="0" g="0" b="0"/>
       </a:effectRef>
       <a:fontRef idx="minor"/>
@@ -6884,13 +7095,13 @@
     <dgm:sp3d/>
     <dgm:txPr/>
     <dgm:style>
-      <a:lnRef idx="2">
+      <a:lnRef idx="1">
         <a:scrgbClr r="0" g="0" b="0"/>
       </a:lnRef>
       <a:fillRef idx="1">
         <a:scrgbClr r="0" g="0" b="0"/>
       </a:fillRef>
-      <a:effectRef idx="0">
+      <a:effectRef idx="2">
         <a:scrgbClr r="0" g="0" b="0"/>
       </a:effectRef>
       <a:fontRef idx="minor"/>
@@ -6904,13 +7115,13 @@
     <dgm:sp3d/>
     <dgm:txPr/>
     <dgm:style>
-      <a:lnRef idx="2">
+      <a:lnRef idx="1">
         <a:scrgbClr r="0" g="0" b="0"/>
       </a:lnRef>
       <a:fillRef idx="1">
         <a:scrgbClr r="0" g="0" b="0"/>
       </a:fillRef>
-      <a:effectRef idx="0">
+      <a:effectRef idx="2">
         <a:scrgbClr r="0" g="0" b="0"/>
       </a:effectRef>
       <a:fontRef idx="minor"/>
@@ -6930,7 +7141,7 @@
       <a:fillRef idx="1">
         <a:scrgbClr r="0" g="0" b="0"/>
       </a:fillRef>
-      <a:effectRef idx="0">
+      <a:effectRef idx="2">
         <a:scrgbClr r="0" g="0" b="0"/>
       </a:effectRef>
       <a:fontRef idx="minor"/>
@@ -6950,7 +7161,7 @@
       <a:fillRef idx="1">
         <a:scrgbClr r="0" g="0" b="0"/>
       </a:fillRef>
-      <a:effectRef idx="0">
+      <a:effectRef idx="3">
         <a:scrgbClr r="0" g="0" b="0"/>
       </a:effectRef>
       <a:fontRef idx="minor"/>
@@ -6984,13 +7195,13 @@
     <dgm:sp3d/>
     <dgm:txPr/>
     <dgm:style>
-      <a:lnRef idx="2">
+      <a:lnRef idx="0">
         <a:scrgbClr r="0" g="0" b="0"/>
       </a:lnRef>
-      <a:fillRef idx="1">
+      <a:fillRef idx="3">
         <a:scrgbClr r="0" g="0" b="0"/>
       </a:fillRef>
-      <a:effectRef idx="0">
+      <a:effectRef idx="3">
         <a:scrgbClr r="0" g="0" b="0"/>
       </a:effectRef>
       <a:fontRef idx="minor"/>
@@ -8135,7 +8346,7 @@
           <a:p>
             <a:fld id="{A5B79866-9979-4A08-95CB-AFF34DA103C3}" type="datetimeFigureOut">
               <a:rPr lang="en-US" smtClean="0"/>
-              <a:t>1/15/2014</a:t>
+              <a:t>1/16/2014</a:t>
             </a:fld>
             <a:endParaRPr lang="en-US"/>
           </a:p>
@@ -8301,7 +8512,7 @@
           <a:p>
             <a:fld id="{152D1A2D-D097-4BDF-A626-3A1EA74F97C2}" type="datetimeFigureOut">
               <a:rPr lang="en-US" smtClean="0"/>
-              <a:t>1/15/2014</a:t>
+              <a:t>1/16/2014</a:t>
             </a:fld>
             <a:endParaRPr lang="en-US"/>
           </a:p>
@@ -8719,6 +8930,90 @@
           <a:p>
             <a:fld id="{6BA41965-3D40-4735-8368-97257CDCD385}" type="slidenum">
               <a:rPr lang="en-US" smtClean="0"/>
+              <a:t>10</a:t>
+            </a:fld>
+            <a:endParaRPr lang="en-US"/>
+          </a:p>
+        </p:txBody>
+      </p:sp>
+    </p:spTree>
+    <p:extLst>
+      <p:ext uri="{BB962C8B-B14F-4D97-AF65-F5344CB8AC3E}">
+        <p14:creationId xmlns:p14="http://schemas.microsoft.com/office/powerpoint/2010/main" val="3520252298"/>
+      </p:ext>
+    </p:extLst>
+  </p:cSld>
+  <p:clrMapOvr>
+    <a:masterClrMapping/>
+  </p:clrMapOvr>
+</p:notes>
+</file>
+
+<file path=ppt/notesSlides/notesSlide11.xml><?xml version="1.0" encoding="utf-8"?>
+<p:notes xmlns:a="http://schemas.openxmlformats.org/drawingml/2006/main" xmlns:r="http://schemas.openxmlformats.org/officeDocument/2006/relationships" xmlns:p="http://schemas.openxmlformats.org/presentationml/2006/main">
+  <p:cSld>
+    <p:spTree>
+      <p:nvGrpSpPr>
+        <p:cNvPr id="1" name=""/>
+        <p:cNvGrpSpPr/>
+        <p:nvPr/>
+      </p:nvGrpSpPr>
+      <p:grpSpPr>
+        <a:xfrm>
+          <a:off x="0" y="0"/>
+          <a:ext cx="0" cy="0"/>
+          <a:chOff x="0" y="0"/>
+          <a:chExt cx="0" cy="0"/>
+        </a:xfrm>
+      </p:grpSpPr>
+      <p:sp>
+        <p:nvSpPr>
+          <p:cNvPr id="2" name="Slide Image Placeholder 1"/>
+          <p:cNvSpPr>
+            <a:spLocks noGrp="1" noRot="1" noChangeAspect="1"/>
+          </p:cNvSpPr>
+          <p:nvPr>
+            <p:ph type="sldImg"/>
+          </p:nvPr>
+        </p:nvSpPr>
+        <p:spPr/>
+      </p:sp>
+      <p:sp>
+        <p:nvSpPr>
+          <p:cNvPr id="3" name="Notes Placeholder 2"/>
+          <p:cNvSpPr>
+            <a:spLocks noGrp="1"/>
+          </p:cNvSpPr>
+          <p:nvPr>
+            <p:ph type="body" idx="1"/>
+          </p:nvPr>
+        </p:nvSpPr>
+        <p:spPr/>
+        <p:txBody>
+          <a:bodyPr/>
+          <a:lstStyle/>
+          <a:p>
+            <a:endParaRPr lang="en-US" dirty="0"/>
+          </a:p>
+        </p:txBody>
+      </p:sp>
+      <p:sp>
+        <p:nvSpPr>
+          <p:cNvPr id="4" name="Slide Number Placeholder 3"/>
+          <p:cNvSpPr>
+            <a:spLocks noGrp="1"/>
+          </p:cNvSpPr>
+          <p:nvPr>
+            <p:ph type="sldNum" sz="quarter" idx="10"/>
+          </p:nvPr>
+        </p:nvSpPr>
+        <p:spPr/>
+        <p:txBody>
+          <a:bodyPr/>
+          <a:lstStyle/>
+          <a:p>
+            <a:fld id="{6BA41965-3D40-4735-8368-97257CDCD385}" type="slidenum">
+              <a:rPr lang="en-US" smtClean="0"/>
               <a:t>11</a:t>
             </a:fld>
             <a:endParaRPr lang="en-US"/>
@@ -8739,6 +9034,90 @@
 </file>
 
 <file path=ppt/notesSlides/notesSlide2.xml><?xml version="1.0" encoding="utf-8"?>
+<p:notes xmlns:a="http://schemas.openxmlformats.org/drawingml/2006/main" xmlns:r="http://schemas.openxmlformats.org/officeDocument/2006/relationships" xmlns:p="http://schemas.openxmlformats.org/presentationml/2006/main">
+  <p:cSld>
+    <p:spTree>
+      <p:nvGrpSpPr>
+        <p:cNvPr id="1" name=""/>
+        <p:cNvGrpSpPr/>
+        <p:nvPr/>
+      </p:nvGrpSpPr>
+      <p:grpSpPr>
+        <a:xfrm>
+          <a:off x="0" y="0"/>
+          <a:ext cx="0" cy="0"/>
+          <a:chOff x="0" y="0"/>
+          <a:chExt cx="0" cy="0"/>
+        </a:xfrm>
+      </p:grpSpPr>
+      <p:sp>
+        <p:nvSpPr>
+          <p:cNvPr id="2" name="Slide Image Placeholder 1"/>
+          <p:cNvSpPr>
+            <a:spLocks noGrp="1" noRot="1" noChangeAspect="1"/>
+          </p:cNvSpPr>
+          <p:nvPr>
+            <p:ph type="sldImg"/>
+          </p:nvPr>
+        </p:nvSpPr>
+        <p:spPr/>
+      </p:sp>
+      <p:sp>
+        <p:nvSpPr>
+          <p:cNvPr id="3" name="Notes Placeholder 2"/>
+          <p:cNvSpPr>
+            <a:spLocks noGrp="1"/>
+          </p:cNvSpPr>
+          <p:nvPr>
+            <p:ph type="body" idx="1"/>
+          </p:nvPr>
+        </p:nvSpPr>
+        <p:spPr/>
+        <p:txBody>
+          <a:bodyPr/>
+          <a:lstStyle/>
+          <a:p>
+            <a:endParaRPr lang="en-US" dirty="0"/>
+          </a:p>
+        </p:txBody>
+      </p:sp>
+      <p:sp>
+        <p:nvSpPr>
+          <p:cNvPr id="4" name="Slide Number Placeholder 3"/>
+          <p:cNvSpPr>
+            <a:spLocks noGrp="1"/>
+          </p:cNvSpPr>
+          <p:nvPr>
+            <p:ph type="sldNum" sz="quarter" idx="10"/>
+          </p:nvPr>
+        </p:nvSpPr>
+        <p:spPr/>
+        <p:txBody>
+          <a:bodyPr/>
+          <a:lstStyle/>
+          <a:p>
+            <a:fld id="{6BA41965-3D40-4735-8368-97257CDCD385}" type="slidenum">
+              <a:rPr lang="en-US" smtClean="0"/>
+              <a:t>2</a:t>
+            </a:fld>
+            <a:endParaRPr lang="en-US"/>
+          </a:p>
+        </p:txBody>
+      </p:sp>
+    </p:spTree>
+    <p:extLst>
+      <p:ext uri="{BB962C8B-B14F-4D97-AF65-F5344CB8AC3E}">
+        <p14:creationId xmlns:p14="http://schemas.microsoft.com/office/powerpoint/2010/main" val="2724010567"/>
+      </p:ext>
+    </p:extLst>
+  </p:cSld>
+  <p:clrMapOvr>
+    <a:masterClrMapping/>
+  </p:clrMapOvr>
+</p:notes>
+</file>
+
+<file path=ppt/notesSlides/notesSlide3.xml><?xml version="1.0" encoding="utf-8"?>
 <p:notes xmlns:a="http://schemas.openxmlformats.org/drawingml/2006/main" xmlns:r="http://schemas.openxmlformats.org/officeDocument/2006/relationships" xmlns:p="http://schemas.openxmlformats.org/presentationml/2006/main">
   <p:cSld>
     <p:spTree>
@@ -8886,7 +9265,7 @@
 </p:notes>
 </file>
 
-<file path=ppt/notesSlides/notesSlide3.xml><?xml version="1.0" encoding="utf-8"?>
+<file path=ppt/notesSlides/notesSlide4.xml><?xml version="1.0" encoding="utf-8"?>
 <p:notes xmlns:a="http://schemas.openxmlformats.org/drawingml/2006/main" xmlns:r="http://schemas.openxmlformats.org/officeDocument/2006/relationships" xmlns:p="http://schemas.openxmlformats.org/presentationml/2006/main">
   <p:cSld>
     <p:spTree>
@@ -8970,7 +9349,7 @@
 </p:notes>
 </file>
 
-<file path=ppt/notesSlides/notesSlide4.xml><?xml version="1.0" encoding="utf-8"?>
+<file path=ppt/notesSlides/notesSlide5.xml><?xml version="1.0" encoding="utf-8"?>
 <p:notes xmlns:a="http://schemas.openxmlformats.org/drawingml/2006/main" xmlns:r="http://schemas.openxmlformats.org/officeDocument/2006/relationships" xmlns:p="http://schemas.openxmlformats.org/presentationml/2006/main">
   <p:cSld>
     <p:spTree>
@@ -9288,7 +9667,7 @@
 </p:notes>
 </file>
 
-<file path=ppt/notesSlides/notesSlide5.xml><?xml version="1.0" encoding="utf-8"?>
+<file path=ppt/notesSlides/notesSlide6.xml><?xml version="1.0" encoding="utf-8"?>
 <p:notes xmlns:a="http://schemas.openxmlformats.org/drawingml/2006/main" xmlns:r="http://schemas.openxmlformats.org/officeDocument/2006/relationships" xmlns:p="http://schemas.openxmlformats.org/presentationml/2006/main">
   <p:cSld>
     <p:spTree>
@@ -9380,7 +9759,7 @@
 </p:notes>
 </file>
 
-<file path=ppt/notesSlides/notesSlide6.xml><?xml version="1.0" encoding="utf-8"?>
+<file path=ppt/notesSlides/notesSlide7.xml><?xml version="1.0" encoding="utf-8"?>
 <p:notes xmlns:a="http://schemas.openxmlformats.org/drawingml/2006/main" xmlns:r="http://schemas.openxmlformats.org/officeDocument/2006/relationships" xmlns:p="http://schemas.openxmlformats.org/presentationml/2006/main">
   <p:cSld>
     <p:spTree>
@@ -9464,7 +9843,7 @@
 </p:notes>
 </file>
 
-<file path=ppt/notesSlides/notesSlide7.xml><?xml version="1.0" encoding="utf-8"?>
+<file path=ppt/notesSlides/notesSlide8.xml><?xml version="1.0" encoding="utf-8"?>
 <p:notes xmlns:a="http://schemas.openxmlformats.org/drawingml/2006/main" xmlns:r="http://schemas.openxmlformats.org/officeDocument/2006/relationships" xmlns:p="http://schemas.openxmlformats.org/presentationml/2006/main">
   <p:cSld>
     <p:spTree>
@@ -9630,7 +10009,7 @@
 </p:notes>
 </file>
 
-<file path=ppt/notesSlides/notesSlide8.xml><?xml version="1.0" encoding="utf-8"?>
+<file path=ppt/notesSlides/notesSlide9.xml><?xml version="1.0" encoding="utf-8"?>
 <p:notes xmlns:a="http://schemas.openxmlformats.org/drawingml/2006/main" xmlns:r="http://schemas.openxmlformats.org/officeDocument/2006/relationships" xmlns:p="http://schemas.openxmlformats.org/presentationml/2006/main">
   <p:cSld>
     <p:spTree>
@@ -9714,90 +10093,6 @@
 </p:notes>
 </file>
 
-<file path=ppt/notesSlides/notesSlide9.xml><?xml version="1.0" encoding="utf-8"?>
-<p:notes xmlns:a="http://schemas.openxmlformats.org/drawingml/2006/main" xmlns:r="http://schemas.openxmlformats.org/officeDocument/2006/relationships" xmlns:p="http://schemas.openxmlformats.org/presentationml/2006/main">
-  <p:cSld>
-    <p:spTree>
-      <p:nvGrpSpPr>
-        <p:cNvPr id="1" name=""/>
-        <p:cNvGrpSpPr/>
-        <p:nvPr/>
-      </p:nvGrpSpPr>
-      <p:grpSpPr>
-        <a:xfrm>
-          <a:off x="0" y="0"/>
-          <a:ext cx="0" cy="0"/>
-          <a:chOff x="0" y="0"/>
-          <a:chExt cx="0" cy="0"/>
-        </a:xfrm>
-      </p:grpSpPr>
-      <p:sp>
-        <p:nvSpPr>
-          <p:cNvPr id="2" name="Slide Image Placeholder 1"/>
-          <p:cNvSpPr>
-            <a:spLocks noGrp="1" noRot="1" noChangeAspect="1"/>
-          </p:cNvSpPr>
-          <p:nvPr>
-            <p:ph type="sldImg"/>
-          </p:nvPr>
-        </p:nvSpPr>
-        <p:spPr/>
-      </p:sp>
-      <p:sp>
-        <p:nvSpPr>
-          <p:cNvPr id="3" name="Notes Placeholder 2"/>
-          <p:cNvSpPr>
-            <a:spLocks noGrp="1"/>
-          </p:cNvSpPr>
-          <p:nvPr>
-            <p:ph type="body" idx="1"/>
-          </p:nvPr>
-        </p:nvSpPr>
-        <p:spPr/>
-        <p:txBody>
-          <a:bodyPr/>
-          <a:lstStyle/>
-          <a:p>
-            <a:endParaRPr lang="en-US" dirty="0"/>
-          </a:p>
-        </p:txBody>
-      </p:sp>
-      <p:sp>
-        <p:nvSpPr>
-          <p:cNvPr id="4" name="Slide Number Placeholder 3"/>
-          <p:cNvSpPr>
-            <a:spLocks noGrp="1"/>
-          </p:cNvSpPr>
-          <p:nvPr>
-            <p:ph type="sldNum" sz="quarter" idx="10"/>
-          </p:nvPr>
-        </p:nvSpPr>
-        <p:spPr/>
-        <p:txBody>
-          <a:bodyPr/>
-          <a:lstStyle/>
-          <a:p>
-            <a:fld id="{6BA41965-3D40-4735-8368-97257CDCD385}" type="slidenum">
-              <a:rPr lang="en-US" smtClean="0"/>
-              <a:t>10</a:t>
-            </a:fld>
-            <a:endParaRPr lang="en-US"/>
-          </a:p>
-        </p:txBody>
-      </p:sp>
-    </p:spTree>
-    <p:extLst>
-      <p:ext uri="{BB962C8B-B14F-4D97-AF65-F5344CB8AC3E}">
-        <p14:creationId xmlns:p14="http://schemas.microsoft.com/office/powerpoint/2010/main" val="3520252298"/>
-      </p:ext>
-    </p:extLst>
-  </p:cSld>
-  <p:clrMapOvr>
-    <a:masterClrMapping/>
-  </p:clrMapOvr>
-</p:notes>
-</file>
-
 <file path=ppt/slideLayouts/slideLayout1.xml><?xml version="1.0" encoding="utf-8"?>
 <p:sldLayout xmlns:a="http://schemas.openxmlformats.org/drawingml/2006/main" xmlns:r="http://schemas.openxmlformats.org/officeDocument/2006/relationships" xmlns:p="http://schemas.openxmlformats.org/presentationml/2006/main" type="title" preserve="1">
   <p:cSld name="Title Slide">
@@ -9893,7 +10188,7 @@
           <a:effectLst/>
           <a:extLst>
             <a:ext uri="{91240B29-F687-4f45-9708-019B960494DF}">
-              <a14:hiddenLine xmlns:a14="http://schemas.microsoft.com/office/drawing/2010/main" xmlns="" w="9525">
+              <a14:hiddenLine xmlns="" xmlns:a14="http://schemas.microsoft.com/office/drawing/2010/main" w="9525">
                 <a:solidFill>
                   <a:srgbClr val="000000"/>
                 </a:solidFill>
@@ -10085,7 +10380,7 @@
           <a:p>
             <a:fld id="{009C9263-B010-43F4-9452-A080E1AD4039}" type="datetimeFigureOut">
               <a:rPr lang="en-US" smtClean="0"/>
-              <a:t>1/15/2014</a:t>
+              <a:t>1/16/2014</a:t>
             </a:fld>
             <a:endParaRPr lang="en-US"/>
           </a:p>
@@ -10403,7 +10698,7 @@
           <a:p>
             <a:fld id="{009C9263-B010-43F4-9452-A080E1AD4039}" type="datetimeFigureOut">
               <a:rPr lang="en-US" smtClean="0"/>
-              <a:t>1/15/2014</a:t>
+              <a:t>1/16/2014</a:t>
             </a:fld>
             <a:endParaRPr lang="en-US"/>
           </a:p>
@@ -10891,7 +11186,7 @@
           <a:p>
             <a:fld id="{009C9263-B010-43F4-9452-A080E1AD4039}" type="datetimeFigureOut">
               <a:rPr lang="en-US" smtClean="0"/>
-              <a:t>1/15/2014</a:t>
+              <a:t>1/16/2014</a:t>
             </a:fld>
             <a:endParaRPr lang="en-US"/>
           </a:p>
@@ -11260,7 +11555,7 @@
           <a:p>
             <a:fld id="{009C9263-B010-43F4-9452-A080E1AD4039}" type="datetimeFigureOut">
               <a:rPr lang="en-US" smtClean="0"/>
-              <a:t>1/15/2014</a:t>
+              <a:t>1/16/2014</a:t>
             </a:fld>
             <a:endParaRPr lang="en-US"/>
           </a:p>
@@ -11415,7 +11710,7 @@
           <a:ln/>
           <a:extLst>
             <a:ext uri="{91240B29-F687-4f45-9708-019B960494DF}">
-              <a14:hiddenLine xmlns:a14="http://schemas.microsoft.com/office/drawing/2010/main" xmlns="" w="9525">
+              <a14:hiddenLine xmlns="" xmlns:a14="http://schemas.microsoft.com/office/drawing/2010/main" w="9525">
                 <a:solidFill>
                   <a:srgbClr val="000000"/>
                 </a:solidFill>
@@ -11533,7 +11828,7 @@
           <a:p>
             <a:fld id="{009C9263-B010-43F4-9452-A080E1AD4039}" type="datetimeFigureOut">
               <a:rPr lang="en-US" smtClean="0"/>
-              <a:t>1/15/2014</a:t>
+              <a:t>1/16/2014</a:t>
             </a:fld>
             <a:endParaRPr lang="en-US"/>
           </a:p>
@@ -11690,7 +11985,7 @@
           <a:ln/>
           <a:extLst>
             <a:ext uri="{91240B29-F687-4f45-9708-019B960494DF}">
-              <a14:hiddenLine xmlns:a14="http://schemas.microsoft.com/office/drawing/2010/main" xmlns="" w="9525">
+              <a14:hiddenLine xmlns="" xmlns:a14="http://schemas.microsoft.com/office/drawing/2010/main" w="9525">
                 <a:solidFill>
                   <a:srgbClr val="000000"/>
                 </a:solidFill>
@@ -11818,7 +12113,7 @@
           <a:p>
             <a:fld id="{009C9263-B010-43F4-9452-A080E1AD4039}" type="datetimeFigureOut">
               <a:rPr lang="en-US" smtClean="0"/>
-              <a:t>1/15/2014</a:t>
+              <a:t>1/16/2014</a:t>
             </a:fld>
             <a:endParaRPr lang="en-US"/>
           </a:p>
@@ -11973,7 +12268,7 @@
           <a:ln/>
           <a:extLst>
             <a:ext uri="{91240B29-F687-4f45-9708-019B960494DF}">
-              <a14:hiddenLine xmlns:a14="http://schemas.microsoft.com/office/drawing/2010/main" xmlns="" w="9525">
+              <a14:hiddenLine xmlns="" xmlns:a14="http://schemas.microsoft.com/office/drawing/2010/main" w="9525">
                 <a:solidFill>
                   <a:srgbClr val="000000"/>
                 </a:solidFill>
@@ -12101,7 +12396,7 @@
           <a:p>
             <a:fld id="{009C9263-B010-43F4-9452-A080E1AD4039}" type="datetimeFigureOut">
               <a:rPr lang="en-US" smtClean="0"/>
-              <a:t>1/15/2014</a:t>
+              <a:t>1/16/2014</a:t>
             </a:fld>
             <a:endParaRPr lang="en-US"/>
           </a:p>
@@ -12444,7 +12739,7 @@
           <a:p>
             <a:fld id="{009C9263-B010-43F4-9452-A080E1AD4039}" type="datetimeFigureOut">
               <a:rPr lang="en-US" smtClean="0"/>
-              <a:t>1/15/2014</a:t>
+              <a:t>1/16/2014</a:t>
             </a:fld>
             <a:endParaRPr lang="en-US"/>
           </a:p>
@@ -12599,7 +12894,7 @@
           <a:ln/>
           <a:extLst>
             <a:ext uri="{91240B29-F687-4f45-9708-019B960494DF}">
-              <a14:hiddenLine xmlns:a14="http://schemas.microsoft.com/office/drawing/2010/main" xmlns="" w="9525">
+              <a14:hiddenLine xmlns="" xmlns:a14="http://schemas.microsoft.com/office/drawing/2010/main" w="9525">
                 <a:solidFill>
                   <a:srgbClr val="000000"/>
                 </a:solidFill>
@@ -12783,7 +13078,7 @@
           <a:p>
             <a:fld id="{009C9263-B010-43F4-9452-A080E1AD4039}" type="datetimeFigureOut">
               <a:rPr lang="en-US" smtClean="0"/>
-              <a:t>1/15/2014</a:t>
+              <a:t>1/16/2014</a:t>
             </a:fld>
             <a:endParaRPr lang="en-US"/>
           </a:p>
@@ -12938,7 +13233,7 @@
           <a:ln/>
           <a:extLst>
             <a:ext uri="{91240B29-F687-4f45-9708-019B960494DF}">
-              <a14:hiddenLine xmlns:a14="http://schemas.microsoft.com/office/drawing/2010/main" xmlns="" w="9525">
+              <a14:hiddenLine xmlns="" xmlns:a14="http://schemas.microsoft.com/office/drawing/2010/main" w="9525">
                 <a:solidFill>
                   <a:srgbClr val="000000"/>
                 </a:solidFill>
@@ -13260,7 +13555,7 @@
           <a:p>
             <a:fld id="{009C9263-B010-43F4-9452-A080E1AD4039}" type="datetimeFigureOut">
               <a:rPr lang="en-US" smtClean="0"/>
-              <a:t>1/15/2014</a:t>
+              <a:t>1/16/2014</a:t>
             </a:fld>
             <a:endParaRPr lang="en-US"/>
           </a:p>
@@ -13415,7 +13710,7 @@
           <a:ln/>
           <a:extLst>
             <a:ext uri="{91240B29-F687-4f45-9708-019B960494DF}">
-              <a14:hiddenLine xmlns:a14="http://schemas.microsoft.com/office/drawing/2010/main" xmlns="" w="9525">
+              <a14:hiddenLine xmlns="" xmlns:a14="http://schemas.microsoft.com/office/drawing/2010/main" w="9525">
                 <a:solidFill>
                   <a:srgbClr val="000000"/>
                 </a:solidFill>
@@ -13481,7 +13776,7 @@
           <a:p>
             <a:fld id="{009C9263-B010-43F4-9452-A080E1AD4039}" type="datetimeFigureOut">
               <a:rPr lang="en-US" smtClean="0"/>
-              <a:t>1/15/2014</a:t>
+              <a:t>1/16/2014</a:t>
             </a:fld>
             <a:endParaRPr lang="en-US"/>
           </a:p>
@@ -13576,7 +13871,7 @@
           <a:p>
             <a:fld id="{009C9263-B010-43F4-9452-A080E1AD4039}" type="datetimeFigureOut">
               <a:rPr lang="en-US" smtClean="0"/>
-              <a:t>1/15/2014</a:t>
+              <a:t>1/16/2014</a:t>
             </a:fld>
             <a:endParaRPr lang="en-US"/>
           </a:p>
@@ -13844,7 +14139,7 @@
           <a:ln/>
           <a:extLst>
             <a:ext uri="{91240B29-F687-4f45-9708-019B960494DF}">
-              <a14:hiddenLine xmlns:a14="http://schemas.microsoft.com/office/drawing/2010/main" xmlns="" w="9525">
+              <a14:hiddenLine xmlns="" xmlns:a14="http://schemas.microsoft.com/office/drawing/2010/main" w="9525">
                 <a:solidFill>
                   <a:srgbClr val="000000"/>
                 </a:solidFill>
@@ -14043,7 +14338,7 @@
           <a:p>
             <a:fld id="{009C9263-B010-43F4-9452-A080E1AD4039}" type="datetimeFigureOut">
               <a:rPr lang="en-US" smtClean="0"/>
-              <a:t>1/15/2014</a:t>
+              <a:t>1/16/2014</a:t>
             </a:fld>
             <a:endParaRPr lang="en-US"/>
           </a:p>
@@ -14356,7 +14651,7 @@
           <a:p>
             <a:fld id="{009C9263-B010-43F4-9452-A080E1AD4039}" type="datetimeFigureOut">
               <a:rPr lang="en-US" smtClean="0"/>
-              <a:t>1/15/2014</a:t>
+              <a:t>1/16/2014</a:t>
             </a:fld>
             <a:endParaRPr lang="en-US"/>
           </a:p>
@@ -14626,7 +14921,7 @@
           <a:p>
             <a:fld id="{009C9263-B010-43F4-9452-A080E1AD4039}" type="datetimeFigureOut">
               <a:rPr lang="en-US" smtClean="0"/>
-              <a:t>1/15/2014</a:t>
+              <a:t>1/16/2014</a:t>
             </a:fld>
             <a:endParaRPr lang="en-US"/>
           </a:p>
@@ -15610,7 +15905,7 @@
                 </a:effectLst>
               </a:rPr>
               <a:pPr algn="ctr"/>
-              <a:t>1/15/2014</a:t>
+              <a:t>1/16/2014</a:t>
             </a:fld>
             <a:endParaRPr lang="en-US" sz="2400" b="1" dirty="0">
               <a:ln w="0"/>
@@ -15774,7 +16069,75 @@
   <p:timing>
     <p:tnLst>
       <p:par>
-        <p:cTn id="1" dur="indefinite" restart="never" nodeType="tmRoot"/>
+        <p:cTn id="1" dur="indefinite" restart="never" nodeType="tmRoot">
+          <p:childTnLst>
+            <p:seq concurrent="1" nextAc="seek">
+              <p:cTn id="2" dur="indefinite" nodeType="mainSeq">
+                <p:childTnLst>
+                  <p:par>
+                    <p:cTn id="3" fill="hold">
+                      <p:stCondLst>
+                        <p:cond delay="indefinite"/>
+                      </p:stCondLst>
+                      <p:childTnLst>
+                        <p:par>
+                          <p:cTn id="4" fill="hold">
+                            <p:stCondLst>
+                              <p:cond delay="0"/>
+                            </p:stCondLst>
+                            <p:childTnLst>
+                              <p:par>
+                                <p:cTn id="5" presetID="1" presetClass="entr" presetSubtype="0" fill="hold" nodeType="clickEffect">
+                                  <p:stCondLst>
+                                    <p:cond delay="0"/>
+                                  </p:stCondLst>
+                                  <p:childTnLst>
+                                    <p:set>
+                                      <p:cBhvr>
+                                        <p:cTn id="6" dur="1" fill="hold">
+                                          <p:stCondLst>
+                                            <p:cond delay="0"/>
+                                          </p:stCondLst>
+                                        </p:cTn>
+                                        <p:tgtEl>
+                                          <p:spTgt spid="2"/>
+                                        </p:tgtEl>
+                                        <p:attrNameLst>
+                                          <p:attrName>style.visibility</p:attrName>
+                                        </p:attrNameLst>
+                                      </p:cBhvr>
+                                      <p:to>
+                                        <p:strVal val="visible"/>
+                                      </p:to>
+                                    </p:set>
+                                  </p:childTnLst>
+                                </p:cTn>
+                              </p:par>
+                            </p:childTnLst>
+                          </p:cTn>
+                        </p:par>
+                      </p:childTnLst>
+                    </p:cTn>
+                  </p:par>
+                </p:childTnLst>
+              </p:cTn>
+              <p:prevCondLst>
+                <p:cond evt="onPrev" delay="0">
+                  <p:tgtEl>
+                    <p:sldTgt/>
+                  </p:tgtEl>
+                </p:cond>
+              </p:prevCondLst>
+              <p:nextCondLst>
+                <p:cond evt="onNext" delay="0">
+                  <p:tgtEl>
+                    <p:sldTgt/>
+                  </p:tgtEl>
+                </p:cond>
+              </p:nextCondLst>
+            </p:seq>
+          </p:childTnLst>
+        </p:cTn>
       </p:par>
     </p:tnLst>
   </p:timing>
@@ -16044,7 +16407,7 @@
                             </p:stCondLst>
                             <p:childTnLst>
                               <p:par>
-                                <p:cTn id="5" presetID="6" presetClass="entr" presetSubtype="32" fill="hold" nodeType="afterEffect">
+                                <p:cTn id="5" presetID="1" presetClass="entr" presetSubtype="0" fill="hold" nodeType="afterEffect">
                                   <p:stCondLst>
                                     <p:cond delay="0"/>
                                   </p:stCondLst>
@@ -16067,14 +16430,6 @@
                                         <p:strVal val="visible"/>
                                       </p:to>
                                     </p:set>
-                                    <p:animEffect transition="in" filter="circle(out)">
-                                      <p:cBhvr>
-                                        <p:cTn id="7" dur="2000"/>
-                                        <p:tgtEl>
-                                          <p:spTgt spid="9"/>
-                                        </p:tgtEl>
-                                      </p:cBhvr>
-                                    </p:animEffect>
                                   </p:childTnLst>
                                 </p:cTn>
                               </p:par>
@@ -16493,7 +16848,7 @@
           <p:nvPr>
             <p:extLst>
               <p:ext uri="{D42A27DB-BD31-4B8C-83A1-F6EECF244321}">
-                <p14:modId xmlns:p14="http://schemas.microsoft.com/office/powerpoint/2010/main" val="4013666496"/>
+                <p14:modId xmlns:p14="http://schemas.microsoft.com/office/powerpoint/2010/main" val="2710148460"/>
               </p:ext>
             </p:extLst>
           </p:nvPr>
@@ -16504,7 +16859,7 @@
         </p:xfrm>
         <a:graphic>
           <a:graphicData uri="http://schemas.openxmlformats.org/drawingml/2006/diagram">
-            <dgm:relIds xmlns:dgm="http://schemas.openxmlformats.org/drawingml/2006/diagram" xmlns:r="http://schemas.openxmlformats.org/officeDocument/2006/relationships" r:dm="rId2" r:lo="rId3" r:qs="rId4" r:cs="rId5"/>
+            <dgm:relIds xmlns:dgm="http://schemas.openxmlformats.org/drawingml/2006/diagram" xmlns:r="http://schemas.openxmlformats.org/officeDocument/2006/relationships" r:dm="rId3" r:lo="rId4" r:qs="rId5" r:cs="rId6"/>
           </a:graphicData>
         </a:graphic>
       </p:graphicFrame>
@@ -16530,6 +16885,9 @@
                     <p:cTn id="3" fill="hold">
                       <p:stCondLst>
                         <p:cond delay="indefinite"/>
+                        <p:cond evt="onBegin" delay="0">
+                          <p:tn val="2"/>
+                        </p:cond>
                       </p:stCondLst>
                       <p:childTnLst>
                         <p:par>
@@ -16539,9 +16897,9 @@
                             </p:stCondLst>
                             <p:childTnLst>
                               <p:par>
-                                <p:cTn id="5" presetID="2" presetClass="entr" presetSubtype="1" fill="hold" grpId="0" nodeType="clickEffect">
+                                <p:cTn id="5" presetID="2" presetClass="entr" presetSubtype="4" fill="hold" grpId="0" nodeType="withEffect">
                                   <p:stCondLst>
-                                    <p:cond delay="500"/>
+                                    <p:cond delay="0"/>
                                   </p:stCondLst>
                                   <p:childTnLst>
                                     <p:set>
@@ -16568,7 +16926,7 @@
                                     </p:set>
                                     <p:anim calcmode="lin" valueType="num">
                                       <p:cBhvr additive="base">
-                                        <p:cTn id="7" dur="500" fill="hold"/>
+                                        <p:cTn id="7" dur="250" fill="hold"/>
                                         <p:tgtEl>
                                           <p:spTgt spid="4">
                                             <p:graphicEl>
@@ -16595,7 +16953,7 @@
                                     </p:anim>
                                     <p:anim calcmode="lin" valueType="num">
                                       <p:cBhvr additive="base">
-                                        <p:cTn id="8" dur="500" fill="hold"/>
+                                        <p:cTn id="8" dur="250" fill="hold"/>
                                         <p:tgtEl>
                                           <p:spTgt spid="4">
                                             <p:graphicEl>
@@ -16610,7 +16968,7 @@
                                       <p:tavLst>
                                         <p:tav tm="0">
                                           <p:val>
-                                            <p:strVal val="0-#ppt_h/2"/>
+                                            <p:strVal val="1+#ppt_h/2"/>
                                           </p:val>
                                         </p:tav>
                                         <p:tav tm="100000">
@@ -16623,33 +16981,15 @@
                                   </p:childTnLst>
                                 </p:cTn>
                               </p:par>
-                            </p:childTnLst>
-                          </p:cTn>
-                        </p:par>
-                      </p:childTnLst>
-                    </p:cTn>
-                  </p:par>
-                  <p:par>
-                    <p:cTn id="9" fill="hold">
-                      <p:stCondLst>
-                        <p:cond delay="indefinite"/>
-                      </p:stCondLst>
-                      <p:childTnLst>
-                        <p:par>
-                          <p:cTn id="10" fill="hold">
-                            <p:stCondLst>
-                              <p:cond delay="0"/>
-                            </p:stCondLst>
-                            <p:childTnLst>
                               <p:par>
-                                <p:cTn id="11" presetID="2" presetClass="entr" presetSubtype="1" fill="hold" grpId="0" nodeType="clickEffect">
+                                <p:cTn id="9" presetID="2" presetClass="entr" presetSubtype="4" fill="hold" grpId="0" nodeType="withEffect">
                                   <p:stCondLst>
-                                    <p:cond delay="500"/>
+                                    <p:cond delay="0"/>
                                   </p:stCondLst>
                                   <p:childTnLst>
                                     <p:set>
                                       <p:cBhvr>
-                                        <p:cTn id="12" dur="1" fill="hold">
+                                        <p:cTn id="10" dur="1" fill="hold">
                                           <p:stCondLst>
                                             <p:cond delay="0"/>
                                           </p:stCondLst>
@@ -16671,7 +17011,7 @@
                                     </p:set>
                                     <p:anim calcmode="lin" valueType="num">
                                       <p:cBhvr additive="base">
-                                        <p:cTn id="13" dur="500" fill="hold"/>
+                                        <p:cTn id="11" dur="250" fill="hold"/>
                                         <p:tgtEl>
                                           <p:spTgt spid="4">
                                             <p:graphicEl>
@@ -16698,7 +17038,7 @@
                                     </p:anim>
                                     <p:anim calcmode="lin" valueType="num">
                                       <p:cBhvr additive="base">
-                                        <p:cTn id="14" dur="500" fill="hold"/>
+                                        <p:cTn id="12" dur="250" fill="hold"/>
                                         <p:tgtEl>
                                           <p:spTgt spid="4">
                                             <p:graphicEl>
@@ -16713,7 +17053,7 @@
                                       <p:tavLst>
                                         <p:tav tm="0">
                                           <p:val>
-                                            <p:strVal val="0-#ppt_h/2"/>
+                                            <p:strVal val="1+#ppt_h/2"/>
                                           </p:val>
                                         </p:tav>
                                         <p:tav tm="100000">
@@ -16729,30 +17069,21 @@
                             </p:childTnLst>
                           </p:cTn>
                         </p:par>
-                      </p:childTnLst>
-                    </p:cTn>
-                  </p:par>
-                  <p:par>
-                    <p:cTn id="15" fill="hold">
-                      <p:stCondLst>
-                        <p:cond delay="indefinite"/>
-                      </p:stCondLst>
-                      <p:childTnLst>
                         <p:par>
-                          <p:cTn id="16" fill="hold">
+                          <p:cTn id="13" fill="hold">
                             <p:stCondLst>
-                              <p:cond delay="0"/>
+                              <p:cond delay="250"/>
                             </p:stCondLst>
                             <p:childTnLst>
                               <p:par>
-                                <p:cTn id="17" presetID="2" presetClass="entr" presetSubtype="4" fill="hold" grpId="0" nodeType="clickEffect">
+                                <p:cTn id="14" presetID="2" presetClass="entr" presetSubtype="4" fill="hold" grpId="0" nodeType="afterEffect">
                                   <p:stCondLst>
-                                    <p:cond delay="500"/>
+                                    <p:cond delay="0"/>
                                   </p:stCondLst>
                                   <p:childTnLst>
                                     <p:set>
                                       <p:cBhvr>
-                                        <p:cTn id="18" dur="1" fill="hold">
+                                        <p:cTn id="15" dur="1" fill="hold">
                                           <p:stCondLst>
                                             <p:cond delay="0"/>
                                           </p:stCondLst>
@@ -16774,7 +17105,7 @@
                                     </p:set>
                                     <p:anim calcmode="lin" valueType="num">
                                       <p:cBhvr additive="base">
-                                        <p:cTn id="19" dur="500" fill="hold"/>
+                                        <p:cTn id="16" dur="250" fill="hold"/>
                                         <p:tgtEl>
                                           <p:spTgt spid="4">
                                             <p:graphicEl>
@@ -16801,7 +17132,7 @@
                                     </p:anim>
                                     <p:anim calcmode="lin" valueType="num">
                                       <p:cBhvr additive="base">
-                                        <p:cTn id="20" dur="500" fill="hold"/>
+                                        <p:cTn id="17" dur="250" fill="hold"/>
                                         <p:tgtEl>
                                           <p:spTgt spid="4">
                                             <p:graphicEl>
@@ -16829,33 +17160,15 @@
                                   </p:childTnLst>
                                 </p:cTn>
                               </p:par>
-                            </p:childTnLst>
-                          </p:cTn>
-                        </p:par>
-                      </p:childTnLst>
-                    </p:cTn>
-                  </p:par>
-                  <p:par>
-                    <p:cTn id="21" fill="hold">
-                      <p:stCondLst>
-                        <p:cond delay="indefinite"/>
-                      </p:stCondLst>
-                      <p:childTnLst>
-                        <p:par>
-                          <p:cTn id="22" fill="hold">
-                            <p:stCondLst>
-                              <p:cond delay="0"/>
-                            </p:stCondLst>
-                            <p:childTnLst>
                               <p:par>
-                                <p:cTn id="23" presetID="2" presetClass="entr" presetSubtype="4" fill="hold" grpId="0" nodeType="clickEffect">
+                                <p:cTn id="18" presetID="2" presetClass="entr" presetSubtype="4" fill="hold" grpId="0" nodeType="withEffect">
                                   <p:stCondLst>
-                                    <p:cond delay="500"/>
+                                    <p:cond delay="0"/>
                                   </p:stCondLst>
                                   <p:childTnLst>
                                     <p:set>
                                       <p:cBhvr>
-                                        <p:cTn id="24" dur="1" fill="hold">
+                                        <p:cTn id="19" dur="1" fill="hold">
                                           <p:stCondLst>
                                             <p:cond delay="0"/>
                                           </p:stCondLst>
@@ -16877,7 +17190,7 @@
                                     </p:set>
                                     <p:anim calcmode="lin" valueType="num">
                                       <p:cBhvr additive="base">
-                                        <p:cTn id="25" dur="500" fill="hold"/>
+                                        <p:cTn id="20" dur="250" fill="hold"/>
                                         <p:tgtEl>
                                           <p:spTgt spid="4">
                                             <p:graphicEl>
@@ -16904,7 +17217,7 @@
                                     </p:anim>
                                     <p:anim calcmode="lin" valueType="num">
                                       <p:cBhvr additive="base">
-                                        <p:cTn id="26" dur="500" fill="hold"/>
+                                        <p:cTn id="21" dur="250" fill="hold"/>
                                         <p:tgtEl>
                                           <p:spTgt spid="4">
                                             <p:graphicEl>
@@ -16935,30 +17248,21 @@
                             </p:childTnLst>
                           </p:cTn>
                         </p:par>
-                      </p:childTnLst>
-                    </p:cTn>
-                  </p:par>
-                  <p:par>
-                    <p:cTn id="27" fill="hold">
-                      <p:stCondLst>
-                        <p:cond delay="indefinite"/>
-                      </p:stCondLst>
-                      <p:childTnLst>
                         <p:par>
-                          <p:cTn id="28" fill="hold">
+                          <p:cTn id="22" fill="hold">
                             <p:stCondLst>
-                              <p:cond delay="0"/>
+                              <p:cond delay="500"/>
                             </p:stCondLst>
                             <p:childTnLst>
                               <p:par>
-                                <p:cTn id="29" presetID="2" presetClass="entr" presetSubtype="1" fill="hold" grpId="0" nodeType="clickEffect">
+                                <p:cTn id="23" presetID="2" presetClass="entr" presetSubtype="4" fill="hold" grpId="0" nodeType="afterEffect">
                                   <p:stCondLst>
-                                    <p:cond delay="500"/>
+                                    <p:cond delay="0"/>
                                   </p:stCondLst>
                                   <p:childTnLst>
                                     <p:set>
                                       <p:cBhvr>
-                                        <p:cTn id="30" dur="1" fill="hold">
+                                        <p:cTn id="24" dur="1" fill="hold">
                                           <p:stCondLst>
                                             <p:cond delay="0"/>
                                           </p:stCondLst>
@@ -16980,7 +17284,7 @@
                                     </p:set>
                                     <p:anim calcmode="lin" valueType="num">
                                       <p:cBhvr additive="base">
-                                        <p:cTn id="31" dur="500" fill="hold"/>
+                                        <p:cTn id="25" dur="250" fill="hold"/>
                                         <p:tgtEl>
                                           <p:spTgt spid="4">
                                             <p:graphicEl>
@@ -17007,7 +17311,7 @@
                                     </p:anim>
                                     <p:anim calcmode="lin" valueType="num">
                                       <p:cBhvr additive="base">
-                                        <p:cTn id="32" dur="500" fill="hold"/>
+                                        <p:cTn id="26" dur="250" fill="hold"/>
                                         <p:tgtEl>
                                           <p:spTgt spid="4">
                                             <p:graphicEl>
@@ -17022,7 +17326,7 @@
                                       <p:tavLst>
                                         <p:tav tm="0">
                                           <p:val>
-                                            <p:strVal val="0-#ppt_h/2"/>
+                                            <p:strVal val="1+#ppt_h/2"/>
                                           </p:val>
                                         </p:tav>
                                         <p:tav tm="100000">
@@ -17035,33 +17339,15 @@
                                   </p:childTnLst>
                                 </p:cTn>
                               </p:par>
-                            </p:childTnLst>
-                          </p:cTn>
-                        </p:par>
-                      </p:childTnLst>
-                    </p:cTn>
-                  </p:par>
-                  <p:par>
-                    <p:cTn id="33" fill="hold">
-                      <p:stCondLst>
-                        <p:cond delay="indefinite"/>
-                      </p:stCondLst>
-                      <p:childTnLst>
-                        <p:par>
-                          <p:cTn id="34" fill="hold">
-                            <p:stCondLst>
-                              <p:cond delay="0"/>
-                            </p:stCondLst>
-                            <p:childTnLst>
                               <p:par>
-                                <p:cTn id="35" presetID="2" presetClass="entr" presetSubtype="1" fill="hold" grpId="0" nodeType="clickEffect">
+                                <p:cTn id="27" presetID="2" presetClass="entr" presetSubtype="4" fill="hold" grpId="0" nodeType="withEffect">
                                   <p:stCondLst>
-                                    <p:cond delay="500"/>
+                                    <p:cond delay="0"/>
                                   </p:stCondLst>
                                   <p:childTnLst>
                                     <p:set>
                                       <p:cBhvr>
-                                        <p:cTn id="36" dur="1" fill="hold">
+                                        <p:cTn id="28" dur="1" fill="hold">
                                           <p:stCondLst>
                                             <p:cond delay="0"/>
                                           </p:stCondLst>
@@ -17083,7 +17369,7 @@
                                     </p:set>
                                     <p:anim calcmode="lin" valueType="num">
                                       <p:cBhvr additive="base">
-                                        <p:cTn id="37" dur="500" fill="hold"/>
+                                        <p:cTn id="29" dur="250" fill="hold"/>
                                         <p:tgtEl>
                                           <p:spTgt spid="4">
                                             <p:graphicEl>
@@ -17110,7 +17396,7 @@
                                     </p:anim>
                                     <p:anim calcmode="lin" valueType="num">
                                       <p:cBhvr additive="base">
-                                        <p:cTn id="38" dur="500" fill="hold"/>
+                                        <p:cTn id="30" dur="250" fill="hold"/>
                                         <p:tgtEl>
                                           <p:spTgt spid="4">
                                             <p:graphicEl>
@@ -17125,7 +17411,7 @@
                                       <p:tavLst>
                                         <p:tav tm="0">
                                           <p:val>
-                                            <p:strVal val="0-#ppt_h/2"/>
+                                            <p:strVal val="1+#ppt_h/2"/>
                                           </p:val>
                                         </p:tav>
                                         <p:tav tm="100000">
@@ -17141,30 +17427,21 @@
                             </p:childTnLst>
                           </p:cTn>
                         </p:par>
-                      </p:childTnLst>
-                    </p:cTn>
-                  </p:par>
-                  <p:par>
-                    <p:cTn id="39" fill="hold">
-                      <p:stCondLst>
-                        <p:cond delay="indefinite"/>
-                      </p:stCondLst>
-                      <p:childTnLst>
                         <p:par>
-                          <p:cTn id="40" fill="hold">
+                          <p:cTn id="31" fill="hold">
                             <p:stCondLst>
-                              <p:cond delay="0"/>
+                              <p:cond delay="750"/>
                             </p:stCondLst>
                             <p:childTnLst>
                               <p:par>
-                                <p:cTn id="41" presetID="2" presetClass="entr" presetSubtype="1" fill="hold" grpId="0" nodeType="clickEffect">
+                                <p:cTn id="32" presetID="2" presetClass="entr" presetSubtype="4" fill="hold" grpId="0" nodeType="afterEffect">
                                   <p:stCondLst>
-                                    <p:cond delay="500"/>
+                                    <p:cond delay="0"/>
                                   </p:stCondLst>
                                   <p:childTnLst>
                                     <p:set>
                                       <p:cBhvr>
-                                        <p:cTn id="42" dur="1" fill="hold">
+                                        <p:cTn id="33" dur="1" fill="hold">
                                           <p:stCondLst>
                                             <p:cond delay="0"/>
                                           </p:stCondLst>
@@ -17186,7 +17463,7 @@
                                     </p:set>
                                     <p:anim calcmode="lin" valueType="num">
                                       <p:cBhvr additive="base">
-                                        <p:cTn id="43" dur="500" fill="hold"/>
+                                        <p:cTn id="34" dur="250" fill="hold"/>
                                         <p:tgtEl>
                                           <p:spTgt spid="4">
                                             <p:graphicEl>
@@ -17213,7 +17490,7 @@
                                     </p:anim>
                                     <p:anim calcmode="lin" valueType="num">
                                       <p:cBhvr additive="base">
-                                        <p:cTn id="44" dur="500" fill="hold"/>
+                                        <p:cTn id="35" dur="250" fill="hold"/>
                                         <p:tgtEl>
                                           <p:spTgt spid="4">
                                             <p:graphicEl>
@@ -17228,7 +17505,7 @@
                                       <p:tavLst>
                                         <p:tav tm="0">
                                           <p:val>
-                                            <p:strVal val="0-#ppt_h/2"/>
+                                            <p:strVal val="1+#ppt_h/2"/>
                                           </p:val>
                                         </p:tav>
                                         <p:tav tm="100000">
@@ -17241,33 +17518,15 @@
                                   </p:childTnLst>
                                 </p:cTn>
                               </p:par>
-                            </p:childTnLst>
-                          </p:cTn>
-                        </p:par>
-                      </p:childTnLst>
-                    </p:cTn>
-                  </p:par>
-                  <p:par>
-                    <p:cTn id="45" fill="hold">
-                      <p:stCondLst>
-                        <p:cond delay="indefinite"/>
-                      </p:stCondLst>
-                      <p:childTnLst>
-                        <p:par>
-                          <p:cTn id="46" fill="hold">
-                            <p:stCondLst>
-                              <p:cond delay="0"/>
-                            </p:stCondLst>
-                            <p:childTnLst>
                               <p:par>
-                                <p:cTn id="47" presetID="2" presetClass="entr" presetSubtype="1" fill="hold" grpId="0" nodeType="clickEffect">
+                                <p:cTn id="36" presetID="2" presetClass="entr" presetSubtype="4" fill="hold" grpId="0" nodeType="withEffect">
                                   <p:stCondLst>
-                                    <p:cond delay="500"/>
+                                    <p:cond delay="0"/>
                                   </p:stCondLst>
                                   <p:childTnLst>
                                     <p:set>
                                       <p:cBhvr>
-                                        <p:cTn id="48" dur="1" fill="hold">
+                                        <p:cTn id="37" dur="1" fill="hold">
                                           <p:stCondLst>
                                             <p:cond delay="0"/>
                                           </p:stCondLst>
@@ -17289,7 +17548,7 @@
                                     </p:set>
                                     <p:anim calcmode="lin" valueType="num">
                                       <p:cBhvr additive="base">
-                                        <p:cTn id="49" dur="500" fill="hold"/>
+                                        <p:cTn id="38" dur="250" fill="hold"/>
                                         <p:tgtEl>
                                           <p:spTgt spid="4">
                                             <p:graphicEl>
@@ -17316,7 +17575,7 @@
                                     </p:anim>
                                     <p:anim calcmode="lin" valueType="num">
                                       <p:cBhvr additive="base">
-                                        <p:cTn id="50" dur="500" fill="hold"/>
+                                        <p:cTn id="39" dur="250" fill="hold"/>
                                         <p:tgtEl>
                                           <p:spTgt spid="4">
                                             <p:graphicEl>
@@ -17331,7 +17590,7 @@
                                       <p:tavLst>
                                         <p:tav tm="0">
                                           <p:val>
-                                            <p:strVal val="0-#ppt_h/2"/>
+                                            <p:strVal val="1+#ppt_h/2"/>
                                           </p:val>
                                         </p:tav>
                                         <p:tav tm="100000">
@@ -17347,30 +17606,21 @@
                             </p:childTnLst>
                           </p:cTn>
                         </p:par>
-                      </p:childTnLst>
-                    </p:cTn>
-                  </p:par>
-                  <p:par>
-                    <p:cTn id="51" fill="hold">
-                      <p:stCondLst>
-                        <p:cond delay="indefinite"/>
-                      </p:stCondLst>
-                      <p:childTnLst>
                         <p:par>
-                          <p:cTn id="52" fill="hold">
+                          <p:cTn id="40" fill="hold">
                             <p:stCondLst>
-                              <p:cond delay="0"/>
+                              <p:cond delay="1000"/>
                             </p:stCondLst>
                             <p:childTnLst>
                               <p:par>
-                                <p:cTn id="53" presetID="2" presetClass="entr" presetSubtype="4" fill="hold" grpId="0" nodeType="clickEffect">
+                                <p:cTn id="41" presetID="2" presetClass="entr" presetSubtype="4" fill="hold" grpId="0" nodeType="afterEffect">
                                   <p:stCondLst>
-                                    <p:cond delay="500"/>
+                                    <p:cond delay="0"/>
                                   </p:stCondLst>
                                   <p:childTnLst>
                                     <p:set>
                                       <p:cBhvr>
-                                        <p:cTn id="54" dur="1" fill="hold">
+                                        <p:cTn id="42" dur="1" fill="hold">
                                           <p:stCondLst>
                                             <p:cond delay="0"/>
                                           </p:stCondLst>
@@ -17392,7 +17642,7 @@
                                     </p:set>
                                     <p:anim calcmode="lin" valueType="num">
                                       <p:cBhvr additive="base">
-                                        <p:cTn id="55" dur="500" fill="hold"/>
+                                        <p:cTn id="43" dur="250" fill="hold"/>
                                         <p:tgtEl>
                                           <p:spTgt spid="4">
                                             <p:graphicEl>
@@ -17419,7 +17669,7 @@
                                     </p:anim>
                                     <p:anim calcmode="lin" valueType="num">
                                       <p:cBhvr additive="base">
-                                        <p:cTn id="56" dur="500" fill="hold"/>
+                                        <p:cTn id="44" dur="250" fill="hold"/>
                                         <p:tgtEl>
                                           <p:spTgt spid="4">
                                             <p:graphicEl>
@@ -17447,33 +17697,15 @@
                                   </p:childTnLst>
                                 </p:cTn>
                               </p:par>
-                            </p:childTnLst>
-                          </p:cTn>
-                        </p:par>
-                      </p:childTnLst>
-                    </p:cTn>
-                  </p:par>
-                  <p:par>
-                    <p:cTn id="57" fill="hold">
-                      <p:stCondLst>
-                        <p:cond delay="indefinite"/>
-                      </p:stCondLst>
-                      <p:childTnLst>
-                        <p:par>
-                          <p:cTn id="58" fill="hold">
-                            <p:stCondLst>
-                              <p:cond delay="0"/>
-                            </p:stCondLst>
-                            <p:childTnLst>
                               <p:par>
-                                <p:cTn id="59" presetID="2" presetClass="entr" presetSubtype="4" fill="hold" grpId="0" nodeType="clickEffect">
+                                <p:cTn id="45" presetID="2" presetClass="entr" presetSubtype="4" fill="hold" grpId="0" nodeType="withEffect">
                                   <p:stCondLst>
-                                    <p:cond delay="500"/>
+                                    <p:cond delay="0"/>
                                   </p:stCondLst>
                                   <p:childTnLst>
                                     <p:set>
                                       <p:cBhvr>
-                                        <p:cTn id="60" dur="1" fill="hold">
+                                        <p:cTn id="46" dur="1" fill="hold">
                                           <p:stCondLst>
                                             <p:cond delay="0"/>
                                           </p:stCondLst>
@@ -17495,7 +17727,7 @@
                                     </p:set>
                                     <p:anim calcmode="lin" valueType="num">
                                       <p:cBhvr additive="base">
-                                        <p:cTn id="61" dur="500" fill="hold"/>
+                                        <p:cTn id="47" dur="250" fill="hold"/>
                                         <p:tgtEl>
                                           <p:spTgt spid="4">
                                             <p:graphicEl>
@@ -17522,7 +17754,7 @@
                                     </p:anim>
                                     <p:anim calcmode="lin" valueType="num">
                                       <p:cBhvr additive="base">
-                                        <p:cTn id="62" dur="500" fill="hold"/>
+                                        <p:cTn id="48" dur="250" fill="hold"/>
                                         <p:tgtEl>
                                           <p:spTgt spid="4">
                                             <p:graphicEl>
@@ -17578,7 +17810,7 @@
       </p:par>
     </p:tnLst>
     <p:bldLst>
-      <p:bldGraphic spid="4" grpId="0" uiExpand="1">
+      <p:bldGraphic spid="4" grpId="0">
         <p:bldSub>
           <a:bldDgm bld="one"/>
         </p:bldSub>
@@ -19499,24 +19731,15 @@
                                   </p:childTnLst>
                                 </p:cTn>
                               </p:par>
-                            </p:childTnLst>
-                          </p:cTn>
-                        </p:par>
-                        <p:par>
-                          <p:cTn id="7" fill="hold">
-                            <p:stCondLst>
-                              <p:cond delay="0"/>
-                            </p:stCondLst>
-                            <p:childTnLst>
                               <p:par>
-                                <p:cTn id="8" presetID="1" presetClass="entr" presetSubtype="0" fill="hold" grpId="0" nodeType="afterEffect">
+                                <p:cTn id="7" presetID="1" presetClass="entr" presetSubtype="0" fill="hold" grpId="0" nodeType="withEffect">
                                   <p:stCondLst>
-                                    <p:cond delay="1000"/>
+                                    <p:cond delay="0"/>
                                   </p:stCondLst>
                                   <p:childTnLst>
                                     <p:set>
                                       <p:cBhvr>
-                                        <p:cTn id="9" dur="1" fill="hold">
+                                        <p:cTn id="8" dur="1" fill="hold">
                                           <p:stCondLst>
                                             <p:cond delay="0"/>
                                           </p:stCondLst>
@@ -19539,24 +19762,15 @@
                                   </p:childTnLst>
                                 </p:cTn>
                               </p:par>
-                            </p:childTnLst>
-                          </p:cTn>
-                        </p:par>
-                        <p:par>
-                          <p:cTn id="10" fill="hold">
-                            <p:stCondLst>
-                              <p:cond delay="1000"/>
-                            </p:stCondLst>
-                            <p:childTnLst>
                               <p:par>
-                                <p:cTn id="11" presetID="1" presetClass="entr" presetSubtype="0" fill="hold" grpId="0" nodeType="afterEffect">
+                                <p:cTn id="9" presetID="1" presetClass="entr" presetSubtype="0" fill="hold" grpId="0" nodeType="withEffect">
                                   <p:stCondLst>
-                                    <p:cond delay="1000"/>
+                                    <p:cond delay="0"/>
                                   </p:stCondLst>
                                   <p:childTnLst>
                                     <p:set>
                                       <p:cBhvr>
-                                        <p:cTn id="12" dur="1" fill="hold">
+                                        <p:cTn id="10" dur="1" fill="hold">
                                           <p:stCondLst>
                                             <p:cond delay="0"/>
                                           </p:stCondLst>
@@ -19579,24 +19793,15 @@
                                   </p:childTnLst>
                                 </p:cTn>
                               </p:par>
-                            </p:childTnLst>
-                          </p:cTn>
-                        </p:par>
-                        <p:par>
-                          <p:cTn id="13" fill="hold">
-                            <p:stCondLst>
-                              <p:cond delay="2000"/>
-                            </p:stCondLst>
-                            <p:childTnLst>
                               <p:par>
-                                <p:cTn id="14" presetID="1" presetClass="entr" presetSubtype="0" fill="hold" grpId="0" nodeType="afterEffect">
+                                <p:cTn id="11" presetID="1" presetClass="entr" presetSubtype="0" fill="hold" grpId="0" nodeType="withEffect">
                                   <p:stCondLst>
-                                    <p:cond delay="1000"/>
+                                    <p:cond delay="0"/>
                                   </p:stCondLst>
                                   <p:childTnLst>
                                     <p:set>
                                       <p:cBhvr>
-                                        <p:cTn id="15" dur="1" fill="hold">
+                                        <p:cTn id="12" dur="1" fill="hold">
                                           <p:stCondLst>
                                             <p:cond delay="0"/>
                                           </p:stCondLst>
@@ -19647,7 +19852,7 @@
       </p:par>
     </p:tnLst>
     <p:bldLst>
-      <p:bldP spid="6" grpId="0" uiExpand="1" build="p"/>
+      <p:bldP spid="6" grpId="0" build="p" bldLvl="2"/>
     </p:bldLst>
   </p:timing>
 </p:sld>
@@ -19741,7 +19946,7 @@
         </p:blipFill>
         <p:spPr>
           <a:xfrm>
-            <a:off x="3733799" y="2345504"/>
+            <a:off x="7323666" y="2345504"/>
             <a:ext cx="4724400" cy="3838575"/>
           </a:xfrm>
           <a:prstGeom prst="rect">
@@ -19778,7 +19983,7 @@
         </p:blipFill>
         <p:spPr>
           <a:xfrm>
-            <a:off x="3733799" y="2345504"/>
+            <a:off x="0" y="2345504"/>
             <a:ext cx="4724400" cy="3764756"/>
           </a:xfrm>
           <a:prstGeom prst="rect">
@@ -19895,21 +20100,30 @@
                             </p:childTnLst>
                           </p:cTn>
                         </p:par>
+                      </p:childTnLst>
+                    </p:cTn>
+                  </p:par>
+                  <p:par>
+                    <p:cTn id="9" fill="hold">
+                      <p:stCondLst>
+                        <p:cond delay="indefinite"/>
+                      </p:stCondLst>
+                      <p:childTnLst>
                         <p:par>
-                          <p:cTn id="9" fill="hold">
+                          <p:cTn id="10" fill="hold">
                             <p:stCondLst>
-                              <p:cond delay="500"/>
+                              <p:cond delay="0"/>
                             </p:stCondLst>
                             <p:childTnLst>
                               <p:par>
-                                <p:cTn id="10" presetID="2" presetClass="entr" presetSubtype="2" fill="hold" nodeType="afterEffect">
+                                <p:cTn id="11" presetID="2" presetClass="entr" presetSubtype="2" fill="hold" nodeType="clickEffect">
                                   <p:stCondLst>
-                                    <p:cond delay="7000"/>
+                                    <p:cond delay="0"/>
                                   </p:stCondLst>
                                   <p:childTnLst>
                                     <p:set>
                                       <p:cBhvr>
-                                        <p:cTn id="11" dur="1" fill="hold">
+                                        <p:cTn id="12" dur="1" fill="hold">
                                           <p:stCondLst>
                                             <p:cond delay="0"/>
                                           </p:stCondLst>
@@ -19927,7 +20141,7 @@
                                     </p:set>
                                     <p:anim calcmode="lin" valueType="num">
                                       <p:cBhvr additive="base">
-                                        <p:cTn id="12" dur="500" fill="hold"/>
+                                        <p:cTn id="13" dur="500" fill="hold"/>
                                         <p:tgtEl>
                                           <p:spTgt spid="5"/>
                                         </p:tgtEl>
@@ -19950,7 +20164,7 @@
                                     </p:anim>
                                     <p:anim calcmode="lin" valueType="num">
                                       <p:cBhvr additive="base">
-                                        <p:cTn id="13" dur="500" fill="hold"/>
+                                        <p:cTn id="14" dur="500" fill="hold"/>
                                         <p:tgtEl>
                                           <p:spTgt spid="5"/>
                                         </p:tgtEl>
@@ -19971,37 +20185,6 @@
                                         </p:tav>
                                       </p:tavLst>
                                     </p:anim>
-                                  </p:childTnLst>
-                                </p:cTn>
-                              </p:par>
-                            </p:childTnLst>
-                          </p:cTn>
-                        </p:par>
-                        <p:par>
-                          <p:cTn id="14" fill="hold">
-                            <p:stCondLst>
-                              <p:cond delay="8000"/>
-                            </p:stCondLst>
-                            <p:childTnLst>
-                              <p:par>
-                                <p:cTn id="15" presetID="41" presetClass="path" presetSubtype="0" accel="50000" decel="50000" fill="hold" nodeType="afterEffect">
-                                  <p:stCondLst>
-                                    <p:cond delay="0"/>
-                                  </p:stCondLst>
-                                  <p:childTnLst>
-                                    <p:animMotion origin="layout" path="M 0 4.07407E-6 C -0.01172 -0.01667 -0.05143 -0.03264 -0.06589 -0.03264 C -0.15443 -0.03264 -0.24583 0.22569 -0.24583 0.48449 C -0.24583 0.35416 -0.29154 0.22569 -0.33424 0.22569 C -0.37982 0.22569 -0.42266 0.35601 -0.42266 0.48449 C -0.42266 0.4199 -0.44531 0.35416 -0.46836 0.35416 C -0.49102 0.35416 -0.5138 0.41828 -0.5138 0.48449 C -0.5138 0.45138 -0.52539 0.4199 -0.53646 0.4199 C -0.54805 0.4199 -0.55911 0.45301 -0.55911 0.48449 C -0.55911 0.46736 -0.56471 0.45138 -0.57057 0.45138 C -0.5737 0.45138 -0.58229 0.46805 -0.58229 0.48449 C -0.58229 0.47615 -0.58516 0.46736 -0.58776 0.46736 C -0.58776 0.46551 -0.59336 0.47546 -0.59336 0.48449 C -0.59336 0.47986 -0.59336 0.47615 -0.59622 0.47615 C -0.59622 0.47801 -0.59935 0.48032 -0.59935 0.48449 C -0.59935 0.48217 -0.59935 0.47986 -0.59935 0.47801 C -0.60221 0.47801 -0.60221 0.47986 -0.60221 0.48217 C -0.60521 0.48217 -0.60521 0.48032 -0.60521 0.47801 C -0.60833 0.47801 -0.60833 0.47986 -0.60833 0.48217 " pathEditMode="relative" rAng="0" ptsTypes="AAAAAAAAAAAAAAAAAAA">
-                                      <p:cBhvr>
-                                        <p:cTn id="16" dur="2000" fill="hold"/>
-                                        <p:tgtEl>
-                                          <p:spTgt spid="3"/>
-                                        </p:tgtEl>
-                                        <p:attrNameLst>
-                                          <p:attrName>ppt_x</p:attrName>
-                                          <p:attrName>ppt_y</p:attrName>
-                                        </p:attrNameLst>
-                                      </p:cBhvr>
-                                      <p:rCtr x="-30417" y="22593"/>
-                                    </p:animMotion>
                                   </p:childTnLst>
                                 </p:cTn>
                               </p:par>
@@ -20306,24 +20489,15 @@
                                   </p:childTnLst>
                                 </p:cTn>
                               </p:par>
-                            </p:childTnLst>
-                          </p:cTn>
-                        </p:par>
-                        <p:par>
-                          <p:cTn id="7" fill="hold">
-                            <p:stCondLst>
-                              <p:cond delay="0"/>
-                            </p:stCondLst>
-                            <p:childTnLst>
                               <p:par>
-                                <p:cTn id="8" presetID="1" presetClass="entr" presetSubtype="0" fill="hold" grpId="0" nodeType="afterEffect">
+                                <p:cTn id="7" presetID="1" presetClass="entr" presetSubtype="0" fill="hold" grpId="0" nodeType="withEffect">
                                   <p:stCondLst>
-                                    <p:cond delay="4000"/>
+                                    <p:cond delay="0"/>
                                   </p:stCondLst>
                                   <p:childTnLst>
                                     <p:set>
                                       <p:cBhvr>
-                                        <p:cTn id="9" dur="1" fill="hold">
+                                        <p:cTn id="8" dur="1" fill="hold">
                                           <p:stCondLst>
                                             <p:cond delay="0"/>
                                           </p:stCondLst>
@@ -20346,24 +20520,15 @@
                                   </p:childTnLst>
                                 </p:cTn>
                               </p:par>
-                            </p:childTnLst>
-                          </p:cTn>
-                        </p:par>
-                        <p:par>
-                          <p:cTn id="10" fill="hold">
-                            <p:stCondLst>
-                              <p:cond delay="4000"/>
-                            </p:stCondLst>
-                            <p:childTnLst>
                               <p:par>
-                                <p:cTn id="11" presetID="1" presetClass="entr" presetSubtype="0" fill="hold" grpId="0" nodeType="afterEffect">
+                                <p:cTn id="9" presetID="1" presetClass="entr" presetSubtype="0" fill="hold" grpId="0" nodeType="withEffect">
                                   <p:stCondLst>
-                                    <p:cond delay="3000"/>
+                                    <p:cond delay="0"/>
                                   </p:stCondLst>
                                   <p:childTnLst>
                                     <p:set>
                                       <p:cBhvr>
-                                        <p:cTn id="12" dur="1" fill="hold">
+                                        <p:cTn id="10" dur="1" fill="hold">
                                           <p:stCondLst>
                                             <p:cond delay="0"/>
                                           </p:stCondLst>
@@ -20386,24 +20551,15 @@
                                   </p:childTnLst>
                                 </p:cTn>
                               </p:par>
-                            </p:childTnLst>
-                          </p:cTn>
-                        </p:par>
-                        <p:par>
-                          <p:cTn id="13" fill="hold">
-                            <p:stCondLst>
-                              <p:cond delay="7000"/>
-                            </p:stCondLst>
-                            <p:childTnLst>
                               <p:par>
-                                <p:cTn id="14" presetID="1" presetClass="entr" presetSubtype="0" fill="hold" grpId="0" nodeType="afterEffect">
+                                <p:cTn id="11" presetID="1" presetClass="entr" presetSubtype="0" fill="hold" grpId="0" nodeType="withEffect">
                                   <p:stCondLst>
-                                    <p:cond delay="3000"/>
+                                    <p:cond delay="0"/>
                                   </p:stCondLst>
                                   <p:childTnLst>
                                     <p:set>
                                       <p:cBhvr>
-                                        <p:cTn id="15" dur="1" fill="hold">
+                                        <p:cTn id="12" dur="1" fill="hold">
                                           <p:stCondLst>
                                             <p:cond delay="0"/>
                                           </p:stCondLst>
@@ -20426,24 +20582,15 @@
                                   </p:childTnLst>
                                 </p:cTn>
                               </p:par>
-                            </p:childTnLst>
-                          </p:cTn>
-                        </p:par>
-                        <p:par>
-                          <p:cTn id="16" fill="hold">
-                            <p:stCondLst>
-                              <p:cond delay="10000"/>
-                            </p:stCondLst>
-                            <p:childTnLst>
                               <p:par>
-                                <p:cTn id="17" presetID="1" presetClass="entr" presetSubtype="0" fill="hold" grpId="0" nodeType="afterEffect">
+                                <p:cTn id="13" presetID="1" presetClass="entr" presetSubtype="0" fill="hold" grpId="0" nodeType="withEffect">
                                   <p:stCondLst>
                                     <p:cond delay="0"/>
                                   </p:stCondLst>
                                   <p:childTnLst>
                                     <p:set>
                                       <p:cBhvr>
-                                        <p:cTn id="18" dur="1" fill="hold">
+                                        <p:cTn id="14" dur="1" fill="hold">
                                           <p:stCondLst>
                                             <p:cond delay="0"/>
                                           </p:stCondLst>
@@ -20467,14 +20614,14 @@
                                 </p:cTn>
                               </p:par>
                               <p:par>
-                                <p:cTn id="19" presetID="1" presetClass="entr" presetSubtype="0" fill="hold" grpId="0" nodeType="withEffect">
+                                <p:cTn id="15" presetID="1" presetClass="entr" presetSubtype="0" fill="hold" grpId="0" nodeType="withEffect">
                                   <p:stCondLst>
                                     <p:cond delay="0"/>
                                   </p:stCondLst>
                                   <p:childTnLst>
                                     <p:set>
                                       <p:cBhvr>
-                                        <p:cTn id="20" dur="1" fill="hold">
+                                        <p:cTn id="16" dur="1" fill="hold">
                                           <p:stCondLst>
                                             <p:cond delay="0"/>
                                           </p:stCondLst>
@@ -20525,7 +20672,7 @@
       </p:par>
     </p:tnLst>
     <p:bldLst>
-      <p:bldP spid="6" grpId="0" uiExpand="1" build="p"/>
+      <p:bldP spid="6" grpId="0" build="p" bldLvl="3"/>
     </p:bldLst>
   </p:timing>
 </p:sld>
@@ -20678,9 +20825,9 @@
                             </p:stCondLst>
                             <p:childTnLst>
                               <p:par>
-                                <p:cTn id="5" presetID="53" presetClass="entr" presetSubtype="16" fill="hold" nodeType="afterEffect">
+                                <p:cTn id="5" presetID="53" presetClass="entr" presetSubtype="16" fill="hold" nodeType="withEffect">
                                   <p:stCondLst>
-                                    <p:cond delay="500"/>
+                                    <p:cond delay="0"/>
                                   </p:stCondLst>
                                   <p:childTnLst>
                                     <p:set>

--- a/report and presentation/QuantLib1.3 16-01-2014-modified version.pptx
+++ b/report and presentation/QuantLib1.3 16-01-2014-modified version.pptx
@@ -5,10 +5,10 @@
     <p:sldMasterId id="2147483660" r:id="rId1"/>
   </p:sldMasterIdLst>
   <p:notesMasterIdLst>
-    <p:notesMasterId r:id="rId23"/>
+    <p:notesMasterId r:id="rId26"/>
   </p:notesMasterIdLst>
   <p:handoutMasterIdLst>
-    <p:handoutMasterId r:id="rId24"/>
+    <p:handoutMasterId r:id="rId27"/>
   </p:handoutMasterIdLst>
   <p:sldIdLst>
     <p:sldId id="256" r:id="rId2"/>
@@ -20,18 +20,21 @@
     <p:sldId id="267" r:id="rId8"/>
     <p:sldId id="265" r:id="rId9"/>
     <p:sldId id="264" r:id="rId10"/>
-    <p:sldId id="270" r:id="rId11"/>
-    <p:sldId id="272" r:id="rId12"/>
-    <p:sldId id="271" r:id="rId13"/>
-    <p:sldId id="273" r:id="rId14"/>
-    <p:sldId id="277" r:id="rId15"/>
-    <p:sldId id="278" r:id="rId16"/>
-    <p:sldId id="280" r:id="rId17"/>
-    <p:sldId id="279" r:id="rId18"/>
-    <p:sldId id="281" r:id="rId19"/>
-    <p:sldId id="276" r:id="rId20"/>
-    <p:sldId id="282" r:id="rId21"/>
-    <p:sldId id="262" r:id="rId22"/>
+    <p:sldId id="283" r:id="rId11"/>
+    <p:sldId id="270" r:id="rId12"/>
+    <p:sldId id="272" r:id="rId13"/>
+    <p:sldId id="271" r:id="rId14"/>
+    <p:sldId id="273" r:id="rId15"/>
+    <p:sldId id="284" r:id="rId16"/>
+    <p:sldId id="285" r:id="rId17"/>
+    <p:sldId id="277" r:id="rId18"/>
+    <p:sldId id="278" r:id="rId19"/>
+    <p:sldId id="280" r:id="rId20"/>
+    <p:sldId id="279" r:id="rId21"/>
+    <p:sldId id="281" r:id="rId22"/>
+    <p:sldId id="276" r:id="rId23"/>
+    <p:sldId id="282" r:id="rId24"/>
+    <p:sldId id="262" r:id="rId25"/>
   </p:sldIdLst>
   <p:sldSz cx="12192000" cy="6858000"/>
   <p:notesSz cx="6858000" cy="9144000"/>
@@ -1417,13 +1420,6 @@
             </a:rPr>
             <a:t>VI-Conclusion</a:t>
           </a:r>
-          <a:endParaRPr lang="fr-FR" sz="3600" b="1" noProof="0" dirty="0" smtClean="0">
-            <a:solidFill>
-              <a:schemeClr val="accent1">
-                <a:lumMod val="75000"/>
-              </a:schemeClr>
-            </a:solidFill>
-          </a:endParaRPr>
         </a:p>
       </dgm:t>
     </dgm:pt>
@@ -1898,1088 +1894,6 @@
       <dsp:cNvGrpSpPr/>
     </dsp:nvGrpSpPr>
     <dsp:grpSpPr/>
-    <dsp:sp modelId="{889AD724-97DC-4930-B9DB-DBAB3D123053}">
-      <dsp:nvSpPr>
-        <dsp:cNvPr id="0" name=""/>
-        <dsp:cNvSpPr/>
-      </dsp:nvSpPr>
-      <dsp:spPr>
-        <a:xfrm rot="5400000">
-          <a:off x="-119380" y="121787"/>
-          <a:ext cx="795868" cy="557108"/>
-        </a:xfrm>
-        <a:prstGeom prst="chevron">
-          <a:avLst/>
-        </a:prstGeom>
-        <a:blipFill rotWithShape="0">
-          <a:blip xmlns:r="http://schemas.openxmlformats.org/officeDocument/2006/relationships" r:embed="rId1">
-            <a:duotone>
-              <a:schemeClr val="accent1">
-                <a:hueOff val="0"/>
-                <a:satOff val="0"/>
-                <a:lumOff val="0"/>
-                <a:alphaOff val="0"/>
-                <a:tint val="98000"/>
-                <a:lumMod val="102000"/>
-              </a:schemeClr>
-              <a:schemeClr val="accent1">
-                <a:hueOff val="0"/>
-                <a:satOff val="0"/>
-                <a:lumOff val="0"/>
-                <a:alphaOff val="0"/>
-                <a:shade val="98000"/>
-                <a:lumMod val="98000"/>
-              </a:schemeClr>
-            </a:duotone>
-          </a:blip>
-          <a:tile tx="0" ty="0" sx="100000" sy="100000" flip="none" algn="tl"/>
-        </a:blipFill>
-        <a:ln w="9525" cap="rnd" cmpd="sng" algn="ctr">
-          <a:solidFill>
-            <a:schemeClr val="accent1">
-              <a:hueOff val="0"/>
-              <a:satOff val="0"/>
-              <a:lumOff val="0"/>
-              <a:alphaOff val="0"/>
-            </a:schemeClr>
-          </a:solidFill>
-          <a:prstDash val="solid"/>
-        </a:ln>
-        <a:effectLst>
-          <a:innerShdw blurRad="63500" dist="25400" dir="13500000">
-            <a:srgbClr val="000000">
-              <a:alpha val="75000"/>
-            </a:srgbClr>
-          </a:innerShdw>
-        </a:effectLst>
-      </dsp:spPr>
-      <dsp:style>
-        <a:lnRef idx="1">
-          <a:scrgbClr r="0" g="0" b="0"/>
-        </a:lnRef>
-        <a:fillRef idx="3">
-          <a:scrgbClr r="0" g="0" b="0"/>
-        </a:fillRef>
-        <a:effectRef idx="3">
-          <a:scrgbClr r="0" g="0" b="0"/>
-        </a:effectRef>
-        <a:fontRef idx="minor">
-          <a:schemeClr val="lt1"/>
-        </a:fontRef>
-      </dsp:style>
-      <dsp:txBody>
-        <a:bodyPr spcFirstLastPara="0" vert="horz" wrap="square" lIns="22860" tIns="22860" rIns="22860" bIns="22860" numCol="1" spcCol="1270" anchor="ctr" anchorCtr="0">
-          <a:noAutofit/>
-        </a:bodyPr>
-        <a:lstStyle/>
-        <a:p>
-          <a:pPr lvl="0" algn="ctr" defTabSz="1600200">
-            <a:lnSpc>
-              <a:spcPct val="90000"/>
-            </a:lnSpc>
-            <a:spcBef>
-              <a:spcPct val="0"/>
-            </a:spcBef>
-            <a:spcAft>
-              <a:spcPct val="35000"/>
-            </a:spcAft>
-          </a:pPr>
-          <a:endParaRPr lang="fr-FR" sz="3600" b="1" kern="1200" noProof="0" dirty="0">
-            <a:solidFill>
-              <a:schemeClr val="bg1">
-                <a:lumMod val="95000"/>
-                <a:lumOff val="5000"/>
-              </a:schemeClr>
-            </a:solidFill>
-          </a:endParaRPr>
-        </a:p>
-      </dsp:txBody>
-      <dsp:txXfrm rot="-5400000">
-        <a:off x="0" y="280961"/>
-        <a:ext cx="557108" cy="238760"/>
-      </dsp:txXfrm>
-    </dsp:sp>
-    <dsp:sp modelId="{CF20245F-33D4-466F-898E-F5BB18451CED}">
-      <dsp:nvSpPr>
-        <dsp:cNvPr id="0" name=""/>
-        <dsp:cNvSpPr/>
-      </dsp:nvSpPr>
-      <dsp:spPr>
-        <a:xfrm rot="5400000">
-          <a:off x="4216583" y="-3657068"/>
-          <a:ext cx="517314" cy="7836265"/>
-        </a:xfrm>
-        <a:prstGeom prst="round2SameRect">
-          <a:avLst/>
-        </a:prstGeom>
-        <a:solidFill>
-          <a:schemeClr val="bg1">
-            <a:lumMod val="95000"/>
-            <a:lumOff val="5000"/>
-            <a:alpha val="90000"/>
-          </a:schemeClr>
-        </a:solidFill>
-        <a:ln w="9525" cap="rnd" cmpd="sng" algn="ctr">
-          <a:solidFill>
-            <a:schemeClr val="accent1">
-              <a:hueOff val="0"/>
-              <a:satOff val="0"/>
-              <a:lumOff val="0"/>
-              <a:alphaOff val="0"/>
-            </a:schemeClr>
-          </a:solidFill>
-          <a:prstDash val="solid"/>
-        </a:ln>
-        <a:effectLst/>
-      </dsp:spPr>
-      <dsp:style>
-        <a:lnRef idx="1">
-          <a:scrgbClr r="0" g="0" b="0"/>
-        </a:lnRef>
-        <a:fillRef idx="1">
-          <a:scrgbClr r="0" g="0" b="0"/>
-        </a:fillRef>
-        <a:effectRef idx="2">
-          <a:scrgbClr r="0" g="0" b="0"/>
-        </a:effectRef>
-        <a:fontRef idx="minor"/>
-      </dsp:style>
-      <dsp:txBody>
-        <a:bodyPr spcFirstLastPara="0" vert="horz" wrap="square" lIns="256032" tIns="22860" rIns="22860" bIns="22860" numCol="1" spcCol="1270" anchor="ctr" anchorCtr="0">
-          <a:noAutofit/>
-        </a:bodyPr>
-        <a:lstStyle/>
-        <a:p>
-          <a:pPr marL="285750" lvl="1" indent="-285750" algn="l" defTabSz="1600200">
-            <a:lnSpc>
-              <a:spcPct val="90000"/>
-            </a:lnSpc>
-            <a:spcBef>
-              <a:spcPct val="0"/>
-            </a:spcBef>
-            <a:spcAft>
-              <a:spcPct val="15000"/>
-            </a:spcAft>
-            <a:buChar char="••"/>
-          </a:pPr>
-          <a:r>
-            <a:rPr lang="fr-FR" sz="3600" b="1" kern="1200" noProof="0" dirty="0" smtClean="0">
-              <a:solidFill>
-                <a:schemeClr val="accent1">
-                  <a:lumMod val="75000"/>
-                </a:schemeClr>
-              </a:solidFill>
-            </a:rPr>
-            <a:t>I-QuantLib</a:t>
-          </a:r>
-          <a:endParaRPr lang="fr-FR" sz="3600" b="1" kern="1200" noProof="0" dirty="0">
-            <a:solidFill>
-              <a:schemeClr val="accent1">
-                <a:lumMod val="75000"/>
-              </a:schemeClr>
-            </a:solidFill>
-          </a:endParaRPr>
-        </a:p>
-      </dsp:txBody>
-      <dsp:txXfrm rot="-5400000">
-        <a:off x="557108" y="27660"/>
-        <a:ext cx="7811012" cy="466808"/>
-      </dsp:txXfrm>
-    </dsp:sp>
-    <dsp:sp modelId="{50E7F155-0B28-4EB8-A3DA-F62B28ED4788}">
-      <dsp:nvSpPr>
-        <dsp:cNvPr id="0" name=""/>
-        <dsp:cNvSpPr/>
-      </dsp:nvSpPr>
-      <dsp:spPr>
-        <a:xfrm rot="5400000">
-          <a:off x="-119380" y="818098"/>
-          <a:ext cx="795868" cy="557108"/>
-        </a:xfrm>
-        <a:prstGeom prst="chevron">
-          <a:avLst/>
-        </a:prstGeom>
-        <a:blipFill rotWithShape="0">
-          <a:blip xmlns:r="http://schemas.openxmlformats.org/officeDocument/2006/relationships" r:embed="rId1">
-            <a:duotone>
-              <a:schemeClr val="accent1">
-                <a:hueOff val="0"/>
-                <a:satOff val="0"/>
-                <a:lumOff val="0"/>
-                <a:alphaOff val="0"/>
-                <a:tint val="98000"/>
-                <a:lumMod val="102000"/>
-              </a:schemeClr>
-              <a:schemeClr val="accent1">
-                <a:hueOff val="0"/>
-                <a:satOff val="0"/>
-                <a:lumOff val="0"/>
-                <a:alphaOff val="0"/>
-                <a:shade val="98000"/>
-                <a:lumMod val="98000"/>
-              </a:schemeClr>
-            </a:duotone>
-          </a:blip>
-          <a:tile tx="0" ty="0" sx="100000" sy="100000" flip="none" algn="tl"/>
-        </a:blipFill>
-        <a:ln w="9525" cap="rnd" cmpd="sng" algn="ctr">
-          <a:solidFill>
-            <a:schemeClr val="accent1">
-              <a:hueOff val="0"/>
-              <a:satOff val="0"/>
-              <a:lumOff val="0"/>
-              <a:alphaOff val="0"/>
-            </a:schemeClr>
-          </a:solidFill>
-          <a:prstDash val="solid"/>
-        </a:ln>
-        <a:effectLst>
-          <a:innerShdw blurRad="63500" dist="25400" dir="13500000">
-            <a:srgbClr val="000000">
-              <a:alpha val="75000"/>
-            </a:srgbClr>
-          </a:innerShdw>
-        </a:effectLst>
-      </dsp:spPr>
-      <dsp:style>
-        <a:lnRef idx="1">
-          <a:scrgbClr r="0" g="0" b="0"/>
-        </a:lnRef>
-        <a:fillRef idx="3">
-          <a:scrgbClr r="0" g="0" b="0"/>
-        </a:fillRef>
-        <a:effectRef idx="3">
-          <a:scrgbClr r="0" g="0" b="0"/>
-        </a:effectRef>
-        <a:fontRef idx="minor">
-          <a:schemeClr val="lt1"/>
-        </a:fontRef>
-      </dsp:style>
-      <dsp:txBody>
-        <a:bodyPr spcFirstLastPara="0" vert="horz" wrap="square" lIns="22860" tIns="22860" rIns="22860" bIns="22860" numCol="1" spcCol="1270" anchor="ctr" anchorCtr="0">
-          <a:noAutofit/>
-        </a:bodyPr>
-        <a:lstStyle/>
-        <a:p>
-          <a:pPr lvl="0" algn="ctr" defTabSz="1600200">
-            <a:lnSpc>
-              <a:spcPct val="90000"/>
-            </a:lnSpc>
-            <a:spcBef>
-              <a:spcPct val="0"/>
-            </a:spcBef>
-            <a:spcAft>
-              <a:spcPct val="35000"/>
-            </a:spcAft>
-          </a:pPr>
-          <a:endParaRPr lang="fr-FR" sz="3600" b="1" kern="1200" noProof="0" dirty="0">
-            <a:solidFill>
-              <a:schemeClr val="tx1">
-                <a:lumMod val="75000"/>
-              </a:schemeClr>
-            </a:solidFill>
-          </a:endParaRPr>
-        </a:p>
-      </dsp:txBody>
-      <dsp:txXfrm rot="-5400000">
-        <a:off x="0" y="977272"/>
-        <a:ext cx="557108" cy="238760"/>
-      </dsp:txXfrm>
-    </dsp:sp>
-    <dsp:sp modelId="{5D21B0F4-0BFF-4375-93B3-BD56BB6213EC}">
-      <dsp:nvSpPr>
-        <dsp:cNvPr id="0" name=""/>
-        <dsp:cNvSpPr/>
-      </dsp:nvSpPr>
-      <dsp:spPr>
-        <a:xfrm rot="5400000">
-          <a:off x="4216583" y="-2960757"/>
-          <a:ext cx="517314" cy="7836265"/>
-        </a:xfrm>
-        <a:prstGeom prst="round2SameRect">
-          <a:avLst/>
-        </a:prstGeom>
-        <a:solidFill>
-          <a:schemeClr val="bg1">
-            <a:lumMod val="95000"/>
-            <a:lumOff val="5000"/>
-            <a:alpha val="90000"/>
-          </a:schemeClr>
-        </a:solidFill>
-        <a:ln w="9525" cap="rnd" cmpd="sng" algn="ctr">
-          <a:solidFill>
-            <a:schemeClr val="accent1">
-              <a:hueOff val="0"/>
-              <a:satOff val="0"/>
-              <a:lumOff val="0"/>
-              <a:alphaOff val="0"/>
-            </a:schemeClr>
-          </a:solidFill>
-          <a:prstDash val="solid"/>
-        </a:ln>
-        <a:effectLst/>
-      </dsp:spPr>
-      <dsp:style>
-        <a:lnRef idx="1">
-          <a:scrgbClr r="0" g="0" b="0"/>
-        </a:lnRef>
-        <a:fillRef idx="1">
-          <a:scrgbClr r="0" g="0" b="0"/>
-        </a:fillRef>
-        <a:effectRef idx="2">
-          <a:scrgbClr r="0" g="0" b="0"/>
-        </a:effectRef>
-        <a:fontRef idx="minor"/>
-      </dsp:style>
-      <dsp:txBody>
-        <a:bodyPr spcFirstLastPara="0" vert="horz" wrap="square" lIns="256032" tIns="22860" rIns="22860" bIns="22860" numCol="1" spcCol="1270" anchor="ctr" anchorCtr="0">
-          <a:noAutofit/>
-        </a:bodyPr>
-        <a:lstStyle/>
-        <a:p>
-          <a:pPr marL="285750" lvl="1" indent="-285750" algn="l" defTabSz="1600200">
-            <a:lnSpc>
-              <a:spcPct val="90000"/>
-            </a:lnSpc>
-            <a:spcBef>
-              <a:spcPct val="0"/>
-            </a:spcBef>
-            <a:spcAft>
-              <a:spcPct val="15000"/>
-            </a:spcAft>
-            <a:buChar char="••"/>
-          </a:pPr>
-          <a:r>
-            <a:rPr lang="fr-FR" sz="3600" b="1" kern="1200" noProof="0" dirty="0" smtClean="0">
-              <a:solidFill>
-                <a:schemeClr val="accent1">
-                  <a:lumMod val="75000"/>
-                </a:schemeClr>
-              </a:solidFill>
-            </a:rPr>
-            <a:t>II-Les composons de QuantLib</a:t>
-          </a:r>
-        </a:p>
-      </dsp:txBody>
-      <dsp:txXfrm rot="-5400000">
-        <a:off x="557108" y="723971"/>
-        <a:ext cx="7811012" cy="466808"/>
-      </dsp:txXfrm>
-    </dsp:sp>
-    <dsp:sp modelId="{F19540CE-E2C5-4FD1-A90C-A623A7080392}">
-      <dsp:nvSpPr>
-        <dsp:cNvPr id="0" name=""/>
-        <dsp:cNvSpPr/>
-      </dsp:nvSpPr>
-      <dsp:spPr>
-        <a:xfrm rot="5400000">
-          <a:off x="-119380" y="1514409"/>
-          <a:ext cx="795868" cy="557108"/>
-        </a:xfrm>
-        <a:prstGeom prst="chevron">
-          <a:avLst/>
-        </a:prstGeom>
-        <a:blipFill rotWithShape="0">
-          <a:blip xmlns:r="http://schemas.openxmlformats.org/officeDocument/2006/relationships" r:embed="rId1">
-            <a:duotone>
-              <a:schemeClr val="accent1">
-                <a:hueOff val="0"/>
-                <a:satOff val="0"/>
-                <a:lumOff val="0"/>
-                <a:alphaOff val="0"/>
-                <a:tint val="98000"/>
-                <a:lumMod val="102000"/>
-              </a:schemeClr>
-              <a:schemeClr val="accent1">
-                <a:hueOff val="0"/>
-                <a:satOff val="0"/>
-                <a:lumOff val="0"/>
-                <a:alphaOff val="0"/>
-                <a:shade val="98000"/>
-                <a:lumMod val="98000"/>
-              </a:schemeClr>
-            </a:duotone>
-          </a:blip>
-          <a:tile tx="0" ty="0" sx="100000" sy="100000" flip="none" algn="tl"/>
-        </a:blipFill>
-        <a:ln w="9525" cap="rnd" cmpd="sng" algn="ctr">
-          <a:solidFill>
-            <a:schemeClr val="accent1">
-              <a:hueOff val="0"/>
-              <a:satOff val="0"/>
-              <a:lumOff val="0"/>
-              <a:alphaOff val="0"/>
-            </a:schemeClr>
-          </a:solidFill>
-          <a:prstDash val="solid"/>
-        </a:ln>
-        <a:effectLst>
-          <a:innerShdw blurRad="63500" dist="25400" dir="13500000">
-            <a:srgbClr val="000000">
-              <a:alpha val="75000"/>
-            </a:srgbClr>
-          </a:innerShdw>
-        </a:effectLst>
-      </dsp:spPr>
-      <dsp:style>
-        <a:lnRef idx="1">
-          <a:scrgbClr r="0" g="0" b="0"/>
-        </a:lnRef>
-        <a:fillRef idx="3">
-          <a:scrgbClr r="0" g="0" b="0"/>
-        </a:fillRef>
-        <a:effectRef idx="3">
-          <a:scrgbClr r="0" g="0" b="0"/>
-        </a:effectRef>
-        <a:fontRef idx="minor">
-          <a:schemeClr val="lt1"/>
-        </a:fontRef>
-      </dsp:style>
-      <dsp:txBody>
-        <a:bodyPr spcFirstLastPara="0" vert="horz" wrap="square" lIns="22860" tIns="22860" rIns="22860" bIns="22860" numCol="1" spcCol="1270" anchor="ctr" anchorCtr="0">
-          <a:noAutofit/>
-        </a:bodyPr>
-        <a:lstStyle/>
-        <a:p>
-          <a:pPr lvl="0" algn="ctr" defTabSz="1600200">
-            <a:lnSpc>
-              <a:spcPct val="90000"/>
-            </a:lnSpc>
-            <a:spcBef>
-              <a:spcPct val="0"/>
-            </a:spcBef>
-            <a:spcAft>
-              <a:spcPct val="35000"/>
-            </a:spcAft>
-          </a:pPr>
-          <a:endParaRPr lang="fr-FR" sz="3600" b="1" kern="1200" noProof="0" dirty="0" smtClean="0">
-            <a:solidFill>
-              <a:schemeClr val="tx1">
-                <a:lumMod val="75000"/>
-              </a:schemeClr>
-            </a:solidFill>
-          </a:endParaRPr>
-        </a:p>
-      </dsp:txBody>
-      <dsp:txXfrm rot="-5400000">
-        <a:off x="0" y="1673583"/>
-        <a:ext cx="557108" cy="238760"/>
-      </dsp:txXfrm>
-    </dsp:sp>
-    <dsp:sp modelId="{3FF88047-6236-47E6-998D-4E3EA0983E72}">
-      <dsp:nvSpPr>
-        <dsp:cNvPr id="0" name=""/>
-        <dsp:cNvSpPr/>
-      </dsp:nvSpPr>
-      <dsp:spPr>
-        <a:xfrm rot="5400000">
-          <a:off x="4216583" y="-2264446"/>
-          <a:ext cx="517314" cy="7836265"/>
-        </a:xfrm>
-        <a:prstGeom prst="round2SameRect">
-          <a:avLst/>
-        </a:prstGeom>
-        <a:solidFill>
-          <a:schemeClr val="bg1">
-            <a:lumMod val="95000"/>
-            <a:lumOff val="5000"/>
-            <a:alpha val="90000"/>
-          </a:schemeClr>
-        </a:solidFill>
-        <a:ln w="9525" cap="rnd" cmpd="sng" algn="ctr">
-          <a:solidFill>
-            <a:schemeClr val="accent1">
-              <a:hueOff val="0"/>
-              <a:satOff val="0"/>
-              <a:lumOff val="0"/>
-              <a:alphaOff val="0"/>
-            </a:schemeClr>
-          </a:solidFill>
-          <a:prstDash val="solid"/>
-        </a:ln>
-        <a:effectLst/>
-      </dsp:spPr>
-      <dsp:style>
-        <a:lnRef idx="1">
-          <a:scrgbClr r="0" g="0" b="0"/>
-        </a:lnRef>
-        <a:fillRef idx="1">
-          <a:scrgbClr r="0" g="0" b="0"/>
-        </a:fillRef>
-        <a:effectRef idx="2">
-          <a:scrgbClr r="0" g="0" b="0"/>
-        </a:effectRef>
-        <a:fontRef idx="minor"/>
-      </dsp:style>
-      <dsp:txBody>
-        <a:bodyPr spcFirstLastPara="0" vert="horz" wrap="square" lIns="256032" tIns="22860" rIns="22860" bIns="22860" numCol="1" spcCol="1270" anchor="ctr" anchorCtr="0">
-          <a:noAutofit/>
-        </a:bodyPr>
-        <a:lstStyle/>
-        <a:p>
-          <a:pPr marL="285750" lvl="1" indent="-285750" algn="l" defTabSz="1600200">
-            <a:lnSpc>
-              <a:spcPct val="90000"/>
-            </a:lnSpc>
-            <a:spcBef>
-              <a:spcPct val="0"/>
-            </a:spcBef>
-            <a:spcAft>
-              <a:spcPct val="15000"/>
-            </a:spcAft>
-            <a:buChar char="••"/>
-          </a:pPr>
-          <a:r>
-            <a:rPr lang="fr-FR" sz="3600" b="1" kern="1200" noProof="0" smtClean="0">
-              <a:solidFill>
-                <a:schemeClr val="accent1">
-                  <a:lumMod val="75000"/>
-                </a:schemeClr>
-              </a:solidFill>
-            </a:rPr>
-            <a:t>III-Partial-Time-Barrier Options</a:t>
-          </a:r>
-          <a:endParaRPr lang="fr-FR" sz="3600" b="1" kern="1200" noProof="0" dirty="0" smtClean="0">
-            <a:solidFill>
-              <a:schemeClr val="accent1">
-                <a:lumMod val="75000"/>
-              </a:schemeClr>
-            </a:solidFill>
-          </a:endParaRPr>
-        </a:p>
-      </dsp:txBody>
-      <dsp:txXfrm rot="-5400000">
-        <a:off x="557108" y="1420282"/>
-        <a:ext cx="7811012" cy="466808"/>
-      </dsp:txXfrm>
-    </dsp:sp>
-    <dsp:sp modelId="{A6CE0B11-D65A-4EA5-AC61-673ADCCD0CA0}">
-      <dsp:nvSpPr>
-        <dsp:cNvPr id="0" name=""/>
-        <dsp:cNvSpPr/>
-      </dsp:nvSpPr>
-      <dsp:spPr>
-        <a:xfrm rot="5400000">
-          <a:off x="-119380" y="2210719"/>
-          <a:ext cx="795868" cy="557108"/>
-        </a:xfrm>
-        <a:prstGeom prst="chevron">
-          <a:avLst/>
-        </a:prstGeom>
-        <a:blipFill rotWithShape="0">
-          <a:blip xmlns:r="http://schemas.openxmlformats.org/officeDocument/2006/relationships" r:embed="rId1">
-            <a:duotone>
-              <a:schemeClr val="accent1">
-                <a:hueOff val="0"/>
-                <a:satOff val="0"/>
-                <a:lumOff val="0"/>
-                <a:alphaOff val="0"/>
-                <a:tint val="98000"/>
-                <a:lumMod val="102000"/>
-              </a:schemeClr>
-              <a:schemeClr val="accent1">
-                <a:hueOff val="0"/>
-                <a:satOff val="0"/>
-                <a:lumOff val="0"/>
-                <a:alphaOff val="0"/>
-                <a:shade val="98000"/>
-                <a:lumMod val="98000"/>
-              </a:schemeClr>
-            </a:duotone>
-          </a:blip>
-          <a:tile tx="0" ty="0" sx="100000" sy="100000" flip="none" algn="tl"/>
-        </a:blipFill>
-        <a:ln w="9525" cap="rnd" cmpd="sng" algn="ctr">
-          <a:solidFill>
-            <a:schemeClr val="accent1">
-              <a:hueOff val="0"/>
-              <a:satOff val="0"/>
-              <a:lumOff val="0"/>
-              <a:alphaOff val="0"/>
-            </a:schemeClr>
-          </a:solidFill>
-          <a:prstDash val="solid"/>
-        </a:ln>
-        <a:effectLst>
-          <a:innerShdw blurRad="63500" dist="25400" dir="13500000">
-            <a:srgbClr val="000000">
-              <a:alpha val="75000"/>
-            </a:srgbClr>
-          </a:innerShdw>
-        </a:effectLst>
-      </dsp:spPr>
-      <dsp:style>
-        <a:lnRef idx="1">
-          <a:scrgbClr r="0" g="0" b="0"/>
-        </a:lnRef>
-        <a:fillRef idx="3">
-          <a:scrgbClr r="0" g="0" b="0"/>
-        </a:fillRef>
-        <a:effectRef idx="3">
-          <a:scrgbClr r="0" g="0" b="0"/>
-        </a:effectRef>
-        <a:fontRef idx="minor">
-          <a:schemeClr val="lt1"/>
-        </a:fontRef>
-      </dsp:style>
-      <dsp:txBody>
-        <a:bodyPr spcFirstLastPara="0" vert="horz" wrap="square" lIns="22860" tIns="22860" rIns="22860" bIns="22860" numCol="1" spcCol="1270" anchor="ctr" anchorCtr="0">
-          <a:noAutofit/>
-        </a:bodyPr>
-        <a:lstStyle/>
-        <a:p>
-          <a:pPr lvl="0" algn="ctr" defTabSz="1600200">
-            <a:lnSpc>
-              <a:spcPct val="90000"/>
-            </a:lnSpc>
-            <a:spcBef>
-              <a:spcPct val="0"/>
-            </a:spcBef>
-            <a:spcAft>
-              <a:spcPct val="35000"/>
-            </a:spcAft>
-          </a:pPr>
-          <a:endParaRPr lang="fr-FR" sz="3600" b="1" kern="1200" noProof="0" dirty="0" smtClean="0">
-            <a:solidFill>
-              <a:schemeClr val="tx1">
-                <a:lumMod val="75000"/>
-              </a:schemeClr>
-            </a:solidFill>
-          </a:endParaRPr>
-        </a:p>
-      </dsp:txBody>
-      <dsp:txXfrm rot="-5400000">
-        <a:off x="0" y="2369893"/>
-        <a:ext cx="557108" cy="238760"/>
-      </dsp:txXfrm>
-    </dsp:sp>
-    <dsp:sp modelId="{8AB5A1D8-F846-4952-91D5-8A7FE5012D93}">
-      <dsp:nvSpPr>
-        <dsp:cNvPr id="0" name=""/>
-        <dsp:cNvSpPr/>
-      </dsp:nvSpPr>
-      <dsp:spPr>
-        <a:xfrm rot="5400000">
-          <a:off x="4216583" y="-1568136"/>
-          <a:ext cx="517314" cy="7836265"/>
-        </a:xfrm>
-        <a:prstGeom prst="round2SameRect">
-          <a:avLst/>
-        </a:prstGeom>
-        <a:solidFill>
-          <a:schemeClr val="bg1">
-            <a:lumMod val="95000"/>
-            <a:lumOff val="5000"/>
-            <a:alpha val="90000"/>
-          </a:schemeClr>
-        </a:solidFill>
-        <a:ln w="9525" cap="rnd" cmpd="sng" algn="ctr">
-          <a:solidFill>
-            <a:schemeClr val="accent1">
-              <a:hueOff val="0"/>
-              <a:satOff val="0"/>
-              <a:lumOff val="0"/>
-              <a:alphaOff val="0"/>
-            </a:schemeClr>
-          </a:solidFill>
-          <a:prstDash val="solid"/>
-        </a:ln>
-        <a:effectLst/>
-      </dsp:spPr>
-      <dsp:style>
-        <a:lnRef idx="1">
-          <a:scrgbClr r="0" g="0" b="0"/>
-        </a:lnRef>
-        <a:fillRef idx="1">
-          <a:scrgbClr r="0" g="0" b="0"/>
-        </a:fillRef>
-        <a:effectRef idx="2">
-          <a:scrgbClr r="0" g="0" b="0"/>
-        </a:effectRef>
-        <a:fontRef idx="minor"/>
-      </dsp:style>
-      <dsp:txBody>
-        <a:bodyPr spcFirstLastPara="0" vert="horz" wrap="square" lIns="256032" tIns="22860" rIns="22860" bIns="22860" numCol="1" spcCol="1270" anchor="ctr" anchorCtr="0">
-          <a:noAutofit/>
-        </a:bodyPr>
-        <a:lstStyle/>
-        <a:p>
-          <a:pPr marL="285750" lvl="1" indent="-285750" algn="l" defTabSz="1600200">
-            <a:lnSpc>
-              <a:spcPct val="90000"/>
-            </a:lnSpc>
-            <a:spcBef>
-              <a:spcPct val="0"/>
-            </a:spcBef>
-            <a:spcAft>
-              <a:spcPct val="15000"/>
-            </a:spcAft>
-            <a:buChar char="••"/>
-          </a:pPr>
-          <a:r>
-            <a:rPr lang="fr-FR" sz="3600" b="1" kern="1200" noProof="0" dirty="0" smtClean="0">
-              <a:solidFill>
-                <a:schemeClr val="accent1">
-                  <a:lumMod val="75000"/>
-                </a:schemeClr>
-              </a:solidFill>
-            </a:rPr>
-            <a:t>IV-Complex Chooser Options</a:t>
-          </a:r>
-        </a:p>
-      </dsp:txBody>
-      <dsp:txXfrm rot="-5400000">
-        <a:off x="557108" y="2116592"/>
-        <a:ext cx="7811012" cy="466808"/>
-      </dsp:txXfrm>
-    </dsp:sp>
-    <dsp:sp modelId="{B42C3359-B3EE-455E-8DA8-EEADBB34ADA4}">
-      <dsp:nvSpPr>
-        <dsp:cNvPr id="0" name=""/>
-        <dsp:cNvSpPr/>
-      </dsp:nvSpPr>
-      <dsp:spPr>
-        <a:xfrm rot="5400000">
-          <a:off x="-119380" y="2907030"/>
-          <a:ext cx="795868" cy="557108"/>
-        </a:xfrm>
-        <a:prstGeom prst="chevron">
-          <a:avLst/>
-        </a:prstGeom>
-        <a:blipFill rotWithShape="0">
-          <a:blip xmlns:r="http://schemas.openxmlformats.org/officeDocument/2006/relationships" r:embed="rId1">
-            <a:duotone>
-              <a:schemeClr val="accent1">
-                <a:hueOff val="0"/>
-                <a:satOff val="0"/>
-                <a:lumOff val="0"/>
-                <a:alphaOff val="0"/>
-                <a:tint val="98000"/>
-                <a:lumMod val="102000"/>
-              </a:schemeClr>
-              <a:schemeClr val="accent1">
-                <a:hueOff val="0"/>
-                <a:satOff val="0"/>
-                <a:lumOff val="0"/>
-                <a:alphaOff val="0"/>
-                <a:shade val="98000"/>
-                <a:lumMod val="98000"/>
-              </a:schemeClr>
-            </a:duotone>
-          </a:blip>
-          <a:tile tx="0" ty="0" sx="100000" sy="100000" flip="none" algn="tl"/>
-        </a:blipFill>
-        <a:ln w="9525" cap="rnd" cmpd="sng" algn="ctr">
-          <a:solidFill>
-            <a:schemeClr val="accent1">
-              <a:hueOff val="0"/>
-              <a:satOff val="0"/>
-              <a:lumOff val="0"/>
-              <a:alphaOff val="0"/>
-            </a:schemeClr>
-          </a:solidFill>
-          <a:prstDash val="solid"/>
-        </a:ln>
-        <a:effectLst>
-          <a:innerShdw blurRad="63500" dist="25400" dir="13500000">
-            <a:srgbClr val="000000">
-              <a:alpha val="75000"/>
-            </a:srgbClr>
-          </a:innerShdw>
-        </a:effectLst>
-      </dsp:spPr>
-      <dsp:style>
-        <a:lnRef idx="1">
-          <a:scrgbClr r="0" g="0" b="0"/>
-        </a:lnRef>
-        <a:fillRef idx="3">
-          <a:scrgbClr r="0" g="0" b="0"/>
-        </a:fillRef>
-        <a:effectRef idx="3">
-          <a:scrgbClr r="0" g="0" b="0"/>
-        </a:effectRef>
-        <a:fontRef idx="minor">
-          <a:schemeClr val="lt1"/>
-        </a:fontRef>
-      </dsp:style>
-      <dsp:txBody>
-        <a:bodyPr spcFirstLastPara="0" vert="horz" wrap="square" lIns="22860" tIns="22860" rIns="22860" bIns="22860" numCol="1" spcCol="1270" anchor="ctr" anchorCtr="0">
-          <a:noAutofit/>
-        </a:bodyPr>
-        <a:lstStyle/>
-        <a:p>
-          <a:pPr lvl="0" algn="ctr" defTabSz="1600200">
-            <a:lnSpc>
-              <a:spcPct val="90000"/>
-            </a:lnSpc>
-            <a:spcBef>
-              <a:spcPct val="0"/>
-            </a:spcBef>
-            <a:spcAft>
-              <a:spcPct val="35000"/>
-            </a:spcAft>
-          </a:pPr>
-          <a:endParaRPr lang="fr-FR" sz="3600" b="1" kern="1200" noProof="0" dirty="0" smtClean="0">
-            <a:solidFill>
-              <a:schemeClr val="tx1">
-                <a:lumMod val="75000"/>
-              </a:schemeClr>
-            </a:solidFill>
-          </a:endParaRPr>
-        </a:p>
-      </dsp:txBody>
-      <dsp:txXfrm rot="-5400000">
-        <a:off x="0" y="3066204"/>
-        <a:ext cx="557108" cy="238760"/>
-      </dsp:txXfrm>
-    </dsp:sp>
-    <dsp:sp modelId="{0053D2EA-E96A-485A-9B47-065EB2ECE275}">
-      <dsp:nvSpPr>
-        <dsp:cNvPr id="0" name=""/>
-        <dsp:cNvSpPr/>
-      </dsp:nvSpPr>
-      <dsp:spPr>
-        <a:xfrm rot="5400000">
-          <a:off x="4216583" y="-871825"/>
-          <a:ext cx="517314" cy="7836265"/>
-        </a:xfrm>
-        <a:prstGeom prst="round2SameRect">
-          <a:avLst/>
-        </a:prstGeom>
-        <a:solidFill>
-          <a:schemeClr val="bg1">
-            <a:lumMod val="95000"/>
-            <a:lumOff val="5000"/>
-            <a:alpha val="90000"/>
-          </a:schemeClr>
-        </a:solidFill>
-        <a:ln w="9525" cap="rnd" cmpd="sng" algn="ctr">
-          <a:solidFill>
-            <a:schemeClr val="accent1">
-              <a:hueOff val="0"/>
-              <a:satOff val="0"/>
-              <a:lumOff val="0"/>
-              <a:alphaOff val="0"/>
-            </a:schemeClr>
-          </a:solidFill>
-          <a:prstDash val="solid"/>
-        </a:ln>
-        <a:effectLst/>
-      </dsp:spPr>
-      <dsp:style>
-        <a:lnRef idx="1">
-          <a:scrgbClr r="0" g="0" b="0"/>
-        </a:lnRef>
-        <a:fillRef idx="1">
-          <a:scrgbClr r="0" g="0" b="0"/>
-        </a:fillRef>
-        <a:effectRef idx="2">
-          <a:scrgbClr r="0" g="0" b="0"/>
-        </a:effectRef>
-        <a:fontRef idx="minor"/>
-      </dsp:style>
-      <dsp:txBody>
-        <a:bodyPr spcFirstLastPara="0" vert="horz" wrap="square" lIns="256032" tIns="22860" rIns="22860" bIns="22860" numCol="1" spcCol="1270" anchor="ctr" anchorCtr="0">
-          <a:noAutofit/>
-        </a:bodyPr>
-        <a:lstStyle/>
-        <a:p>
-          <a:pPr marL="285750" lvl="1" indent="-285750" algn="l" defTabSz="1600200">
-            <a:lnSpc>
-              <a:spcPct val="90000"/>
-            </a:lnSpc>
-            <a:spcBef>
-              <a:spcPct val="0"/>
-            </a:spcBef>
-            <a:spcAft>
-              <a:spcPct val="15000"/>
-            </a:spcAft>
-            <a:buChar char="••"/>
-          </a:pPr>
-          <a:r>
-            <a:rPr lang="fr-FR" sz="3600" b="1" kern="1200" noProof="0" smtClean="0">
-              <a:solidFill>
-                <a:schemeClr val="accent1">
-                  <a:lumMod val="75000"/>
-                </a:schemeClr>
-              </a:solidFill>
-            </a:rPr>
-            <a:t>V-Extendible Options</a:t>
-          </a:r>
-          <a:endParaRPr lang="fr-FR" sz="3600" b="1" kern="1200" noProof="0" dirty="0" smtClean="0">
-            <a:solidFill>
-              <a:schemeClr val="accent1">
-                <a:lumMod val="75000"/>
-              </a:schemeClr>
-            </a:solidFill>
-          </a:endParaRPr>
-        </a:p>
-      </dsp:txBody>
-      <dsp:txXfrm rot="-5400000">
-        <a:off x="557108" y="2812903"/>
-        <a:ext cx="7811012" cy="466808"/>
-      </dsp:txXfrm>
-    </dsp:sp>
-    <dsp:sp modelId="{225C83A9-779B-4707-93D8-DCD1C911EBB6}">
-      <dsp:nvSpPr>
-        <dsp:cNvPr id="0" name=""/>
-        <dsp:cNvSpPr/>
-      </dsp:nvSpPr>
-      <dsp:spPr>
-        <a:xfrm rot="5400000">
-          <a:off x="-119380" y="3603341"/>
-          <a:ext cx="795868" cy="557108"/>
-        </a:xfrm>
-        <a:prstGeom prst="chevron">
-          <a:avLst/>
-        </a:prstGeom>
-        <a:solidFill>
-          <a:schemeClr val="accent1"/>
-        </a:solidFill>
-        <a:ln w="15875" cap="rnd" cmpd="sng" algn="ctr">
-          <a:solidFill>
-            <a:schemeClr val="accent1">
-              <a:shade val="50000"/>
-            </a:schemeClr>
-          </a:solidFill>
-          <a:prstDash val="solid"/>
-        </a:ln>
-        <a:effectLst/>
-      </dsp:spPr>
-      <dsp:style>
-        <a:lnRef idx="2">
-          <a:schemeClr val="accent1">
-            <a:shade val="50000"/>
-          </a:schemeClr>
-        </a:lnRef>
-        <a:fillRef idx="1">
-          <a:schemeClr val="accent1"/>
-        </a:fillRef>
-        <a:effectRef idx="0">
-          <a:schemeClr val="accent1"/>
-        </a:effectRef>
-        <a:fontRef idx="minor">
-          <a:schemeClr val="lt1"/>
-        </a:fontRef>
-      </dsp:style>
-      <dsp:txBody>
-        <a:bodyPr spcFirstLastPara="0" vert="horz" wrap="square" lIns="22860" tIns="22860" rIns="22860" bIns="22860" numCol="1" spcCol="1270" anchor="ctr" anchorCtr="0">
-          <a:noAutofit/>
-        </a:bodyPr>
-        <a:lstStyle/>
-        <a:p>
-          <a:pPr lvl="0" algn="ctr" defTabSz="1600200">
-            <a:lnSpc>
-              <a:spcPct val="90000"/>
-            </a:lnSpc>
-            <a:spcBef>
-              <a:spcPct val="0"/>
-            </a:spcBef>
-            <a:spcAft>
-              <a:spcPct val="35000"/>
-            </a:spcAft>
-          </a:pPr>
-          <a:endParaRPr lang="fr-FR" sz="3600" b="1" kern="1200" noProof="0" dirty="0" smtClean="0">
-            <a:solidFill>
-              <a:schemeClr val="accent1">
-                <a:lumMod val="75000"/>
-              </a:schemeClr>
-            </a:solidFill>
-          </a:endParaRPr>
-        </a:p>
-      </dsp:txBody>
-      <dsp:txXfrm rot="-5400000">
-        <a:off x="0" y="3762515"/>
-        <a:ext cx="557108" cy="238760"/>
-      </dsp:txXfrm>
-    </dsp:sp>
-    <dsp:sp modelId="{6574DC34-666A-4340-A81D-BCA3F02AB8AF}">
-      <dsp:nvSpPr>
-        <dsp:cNvPr id="0" name=""/>
-        <dsp:cNvSpPr/>
-      </dsp:nvSpPr>
-      <dsp:spPr>
-        <a:xfrm rot="5400000">
-          <a:off x="4216583" y="-175514"/>
-          <a:ext cx="517314" cy="7836265"/>
-        </a:xfrm>
-        <a:prstGeom prst="round2SameRect">
-          <a:avLst/>
-        </a:prstGeom>
-        <a:solidFill>
-          <a:schemeClr val="bg1">
-            <a:lumMod val="95000"/>
-            <a:lumOff val="5000"/>
-            <a:alpha val="90000"/>
-          </a:schemeClr>
-        </a:solidFill>
-        <a:ln w="9525" cap="rnd" cmpd="sng" algn="ctr">
-          <a:solidFill>
-            <a:schemeClr val="accent1">
-              <a:hueOff val="0"/>
-              <a:satOff val="0"/>
-              <a:lumOff val="0"/>
-              <a:alphaOff val="0"/>
-            </a:schemeClr>
-          </a:solidFill>
-          <a:prstDash val="solid"/>
-        </a:ln>
-        <a:effectLst/>
-      </dsp:spPr>
-      <dsp:style>
-        <a:lnRef idx="1">
-          <a:scrgbClr r="0" g="0" b="0"/>
-        </a:lnRef>
-        <a:fillRef idx="1">
-          <a:scrgbClr r="0" g="0" b="0"/>
-        </a:fillRef>
-        <a:effectRef idx="2">
-          <a:scrgbClr r="0" g="0" b="0"/>
-        </a:effectRef>
-        <a:fontRef idx="minor"/>
-      </dsp:style>
-      <dsp:txBody>
-        <a:bodyPr spcFirstLastPara="0" vert="horz" wrap="square" lIns="256032" tIns="22860" rIns="22860" bIns="22860" numCol="1" spcCol="1270" anchor="ctr" anchorCtr="0">
-          <a:noAutofit/>
-        </a:bodyPr>
-        <a:lstStyle/>
-        <a:p>
-          <a:pPr marL="285750" lvl="1" indent="-285750" algn="l" defTabSz="1600200">
-            <a:lnSpc>
-              <a:spcPct val="90000"/>
-            </a:lnSpc>
-            <a:spcBef>
-              <a:spcPct val="0"/>
-            </a:spcBef>
-            <a:spcAft>
-              <a:spcPct val="15000"/>
-            </a:spcAft>
-            <a:buChar char="••"/>
-          </a:pPr>
-          <a:r>
-            <a:rPr lang="fr-FR" sz="3600" b="1" kern="1200" noProof="0" dirty="0" smtClean="0">
-              <a:solidFill>
-                <a:schemeClr val="accent1">
-                  <a:lumMod val="75000"/>
-                </a:schemeClr>
-              </a:solidFill>
-            </a:rPr>
-            <a:t>VI-Conclusion</a:t>
-          </a:r>
-          <a:endParaRPr lang="fr-FR" sz="3600" b="1" kern="1200" noProof="0" dirty="0" smtClean="0">
-            <a:solidFill>
-              <a:schemeClr val="accent1">
-                <a:lumMod val="75000"/>
-              </a:schemeClr>
-            </a:solidFill>
-          </a:endParaRPr>
-        </a:p>
-      </dsp:txBody>
-      <dsp:txXfrm rot="-5400000">
-        <a:off x="557108" y="3509214"/>
-        <a:ext cx="7811012" cy="466808"/>
-      </dsp:txXfrm>
-    </dsp:sp>
   </dsp:spTree>
 </dsp:drawing>
 </file>
@@ -4940,7 +3854,7 @@
           <a:p>
             <a:fld id="{6BA41965-3D40-4735-8368-97257CDCD385}" type="slidenum">
               <a:rPr lang="en-US" smtClean="0"/>
-              <a:t>19</a:t>
+              <a:t>10</a:t>
             </a:fld>
             <a:endParaRPr lang="en-US"/>
           </a:p>
@@ -4949,7 +3863,7 @@
     </p:spTree>
     <p:extLst>
       <p:ext uri="{BB962C8B-B14F-4D97-AF65-F5344CB8AC3E}">
-        <p14:creationId xmlns:p14="http://schemas.microsoft.com/office/powerpoint/2010/main" val="469351090"/>
+        <p14:creationId xmlns:p14="http://schemas.microsoft.com/office/powerpoint/2010/main" val="642588764"/>
       </p:ext>
     </p:extLst>
   </p:cSld>
@@ -5024,7 +3938,259 @@
           <a:p>
             <a:fld id="{6BA41965-3D40-4735-8368-97257CDCD385}" type="slidenum">
               <a:rPr lang="en-US" smtClean="0"/>
-              <a:t>20</a:t>
+              <a:t>15</a:t>
+            </a:fld>
+            <a:endParaRPr lang="en-US"/>
+          </a:p>
+        </p:txBody>
+      </p:sp>
+    </p:spTree>
+    <p:extLst>
+      <p:ext uri="{BB962C8B-B14F-4D97-AF65-F5344CB8AC3E}">
+        <p14:creationId xmlns:p14="http://schemas.microsoft.com/office/powerpoint/2010/main" val="1118905151"/>
+      </p:ext>
+    </p:extLst>
+  </p:cSld>
+  <p:clrMapOvr>
+    <a:masterClrMapping/>
+  </p:clrMapOvr>
+</p:notes>
+</file>
+
+<file path=ppt/notesSlides/notesSlide12.xml><?xml version="1.0" encoding="utf-8"?>
+<p:notes xmlns:a="http://schemas.openxmlformats.org/drawingml/2006/main" xmlns:r="http://schemas.openxmlformats.org/officeDocument/2006/relationships" xmlns:p="http://schemas.openxmlformats.org/presentationml/2006/main">
+  <p:cSld>
+    <p:spTree>
+      <p:nvGrpSpPr>
+        <p:cNvPr id="1" name=""/>
+        <p:cNvGrpSpPr/>
+        <p:nvPr/>
+      </p:nvGrpSpPr>
+      <p:grpSpPr>
+        <a:xfrm>
+          <a:off x="0" y="0"/>
+          <a:ext cx="0" cy="0"/>
+          <a:chOff x="0" y="0"/>
+          <a:chExt cx="0" cy="0"/>
+        </a:xfrm>
+      </p:grpSpPr>
+      <p:sp>
+        <p:nvSpPr>
+          <p:cNvPr id="2" name="Slide Image Placeholder 1"/>
+          <p:cNvSpPr>
+            <a:spLocks noGrp="1" noRot="1" noChangeAspect="1"/>
+          </p:cNvSpPr>
+          <p:nvPr>
+            <p:ph type="sldImg"/>
+          </p:nvPr>
+        </p:nvSpPr>
+        <p:spPr/>
+      </p:sp>
+      <p:sp>
+        <p:nvSpPr>
+          <p:cNvPr id="3" name="Notes Placeholder 2"/>
+          <p:cNvSpPr>
+            <a:spLocks noGrp="1"/>
+          </p:cNvSpPr>
+          <p:nvPr>
+            <p:ph type="body" idx="1"/>
+          </p:nvPr>
+        </p:nvSpPr>
+        <p:spPr/>
+        <p:txBody>
+          <a:bodyPr/>
+          <a:lstStyle/>
+          <a:p>
+            <a:endParaRPr lang="en-US" dirty="0"/>
+          </a:p>
+        </p:txBody>
+      </p:sp>
+      <p:sp>
+        <p:nvSpPr>
+          <p:cNvPr id="4" name="Slide Number Placeholder 3"/>
+          <p:cNvSpPr>
+            <a:spLocks noGrp="1"/>
+          </p:cNvSpPr>
+          <p:nvPr>
+            <p:ph type="sldNum" sz="quarter" idx="10"/>
+          </p:nvPr>
+        </p:nvSpPr>
+        <p:spPr/>
+        <p:txBody>
+          <a:bodyPr/>
+          <a:lstStyle/>
+          <a:p>
+            <a:fld id="{6BA41965-3D40-4735-8368-97257CDCD385}" type="slidenum">
+              <a:rPr lang="en-US" smtClean="0"/>
+              <a:t>16</a:t>
+            </a:fld>
+            <a:endParaRPr lang="en-US"/>
+          </a:p>
+        </p:txBody>
+      </p:sp>
+    </p:spTree>
+    <p:extLst>
+      <p:ext uri="{BB962C8B-B14F-4D97-AF65-F5344CB8AC3E}">
+        <p14:creationId xmlns:p14="http://schemas.microsoft.com/office/powerpoint/2010/main" val="4032572888"/>
+      </p:ext>
+    </p:extLst>
+  </p:cSld>
+  <p:clrMapOvr>
+    <a:masterClrMapping/>
+  </p:clrMapOvr>
+</p:notes>
+</file>
+
+<file path=ppt/notesSlides/notesSlide13.xml><?xml version="1.0" encoding="utf-8"?>
+<p:notes xmlns:a="http://schemas.openxmlformats.org/drawingml/2006/main" xmlns:r="http://schemas.openxmlformats.org/officeDocument/2006/relationships" xmlns:p="http://schemas.openxmlformats.org/presentationml/2006/main">
+  <p:cSld>
+    <p:spTree>
+      <p:nvGrpSpPr>
+        <p:cNvPr id="1" name=""/>
+        <p:cNvGrpSpPr/>
+        <p:nvPr/>
+      </p:nvGrpSpPr>
+      <p:grpSpPr>
+        <a:xfrm>
+          <a:off x="0" y="0"/>
+          <a:ext cx="0" cy="0"/>
+          <a:chOff x="0" y="0"/>
+          <a:chExt cx="0" cy="0"/>
+        </a:xfrm>
+      </p:grpSpPr>
+      <p:sp>
+        <p:nvSpPr>
+          <p:cNvPr id="2" name="Slide Image Placeholder 1"/>
+          <p:cNvSpPr>
+            <a:spLocks noGrp="1" noRot="1" noChangeAspect="1"/>
+          </p:cNvSpPr>
+          <p:nvPr>
+            <p:ph type="sldImg"/>
+          </p:nvPr>
+        </p:nvSpPr>
+        <p:spPr/>
+      </p:sp>
+      <p:sp>
+        <p:nvSpPr>
+          <p:cNvPr id="3" name="Notes Placeholder 2"/>
+          <p:cNvSpPr>
+            <a:spLocks noGrp="1"/>
+          </p:cNvSpPr>
+          <p:nvPr>
+            <p:ph type="body" idx="1"/>
+          </p:nvPr>
+        </p:nvSpPr>
+        <p:spPr/>
+        <p:txBody>
+          <a:bodyPr/>
+          <a:lstStyle/>
+          <a:p>
+            <a:endParaRPr lang="en-US" dirty="0"/>
+          </a:p>
+        </p:txBody>
+      </p:sp>
+      <p:sp>
+        <p:nvSpPr>
+          <p:cNvPr id="4" name="Slide Number Placeholder 3"/>
+          <p:cNvSpPr>
+            <a:spLocks noGrp="1"/>
+          </p:cNvSpPr>
+          <p:nvPr>
+            <p:ph type="sldNum" sz="quarter" idx="10"/>
+          </p:nvPr>
+        </p:nvSpPr>
+        <p:spPr/>
+        <p:txBody>
+          <a:bodyPr/>
+          <a:lstStyle/>
+          <a:p>
+            <a:fld id="{6BA41965-3D40-4735-8368-97257CDCD385}" type="slidenum">
+              <a:rPr lang="en-US" smtClean="0"/>
+              <a:t>22</a:t>
+            </a:fld>
+            <a:endParaRPr lang="en-US"/>
+          </a:p>
+        </p:txBody>
+      </p:sp>
+    </p:spTree>
+    <p:extLst>
+      <p:ext uri="{BB962C8B-B14F-4D97-AF65-F5344CB8AC3E}">
+        <p14:creationId xmlns:p14="http://schemas.microsoft.com/office/powerpoint/2010/main" val="469351090"/>
+      </p:ext>
+    </p:extLst>
+  </p:cSld>
+  <p:clrMapOvr>
+    <a:masterClrMapping/>
+  </p:clrMapOvr>
+</p:notes>
+</file>
+
+<file path=ppt/notesSlides/notesSlide14.xml><?xml version="1.0" encoding="utf-8"?>
+<p:notes xmlns:a="http://schemas.openxmlformats.org/drawingml/2006/main" xmlns:r="http://schemas.openxmlformats.org/officeDocument/2006/relationships" xmlns:p="http://schemas.openxmlformats.org/presentationml/2006/main">
+  <p:cSld>
+    <p:spTree>
+      <p:nvGrpSpPr>
+        <p:cNvPr id="1" name=""/>
+        <p:cNvGrpSpPr/>
+        <p:nvPr/>
+      </p:nvGrpSpPr>
+      <p:grpSpPr>
+        <a:xfrm>
+          <a:off x="0" y="0"/>
+          <a:ext cx="0" cy="0"/>
+          <a:chOff x="0" y="0"/>
+          <a:chExt cx="0" cy="0"/>
+        </a:xfrm>
+      </p:grpSpPr>
+      <p:sp>
+        <p:nvSpPr>
+          <p:cNvPr id="2" name="Slide Image Placeholder 1"/>
+          <p:cNvSpPr>
+            <a:spLocks noGrp="1" noRot="1" noChangeAspect="1"/>
+          </p:cNvSpPr>
+          <p:nvPr>
+            <p:ph type="sldImg"/>
+          </p:nvPr>
+        </p:nvSpPr>
+        <p:spPr/>
+      </p:sp>
+      <p:sp>
+        <p:nvSpPr>
+          <p:cNvPr id="3" name="Notes Placeholder 2"/>
+          <p:cNvSpPr>
+            <a:spLocks noGrp="1"/>
+          </p:cNvSpPr>
+          <p:nvPr>
+            <p:ph type="body" idx="1"/>
+          </p:nvPr>
+        </p:nvSpPr>
+        <p:spPr/>
+        <p:txBody>
+          <a:bodyPr/>
+          <a:lstStyle/>
+          <a:p>
+            <a:endParaRPr lang="en-US" dirty="0"/>
+          </a:p>
+        </p:txBody>
+      </p:sp>
+      <p:sp>
+        <p:nvSpPr>
+          <p:cNvPr id="4" name="Slide Number Placeholder 3"/>
+          <p:cNvSpPr>
+            <a:spLocks noGrp="1"/>
+          </p:cNvSpPr>
+          <p:nvPr>
+            <p:ph type="sldNum" sz="quarter" idx="10"/>
+          </p:nvPr>
+        </p:nvSpPr>
+        <p:spPr/>
+        <p:txBody>
+          <a:bodyPr/>
+          <a:lstStyle/>
+          <a:p>
+            <a:fld id="{6BA41965-3D40-4735-8368-97257CDCD385}" type="slidenum">
+              <a:rPr lang="en-US" smtClean="0"/>
+              <a:t>23</a:t>
             </a:fld>
             <a:endParaRPr lang="en-US"/>
           </a:p>
@@ -5964,7 +5130,7 @@
           <a:effectLst/>
           <a:extLst>
             <a:ext uri="{91240B29-F687-4f45-9708-019B960494DF}">
-              <a14:hiddenLine xmlns:a14="http://schemas.microsoft.com/office/drawing/2010/main" xmlns="" w="9525">
+              <a14:hiddenLine xmlns="" xmlns:a14="http://schemas.microsoft.com/office/drawing/2010/main" w="9525">
                 <a:solidFill>
                   <a:srgbClr val="000000"/>
                 </a:solidFill>
@@ -7486,7 +6652,7 @@
           <a:ln/>
           <a:extLst>
             <a:ext uri="{91240B29-F687-4f45-9708-019B960494DF}">
-              <a14:hiddenLine xmlns:a14="http://schemas.microsoft.com/office/drawing/2010/main" xmlns="" w="9525">
+              <a14:hiddenLine xmlns="" xmlns:a14="http://schemas.microsoft.com/office/drawing/2010/main" w="9525">
                 <a:solidFill>
                   <a:srgbClr val="000000"/>
                 </a:solidFill>
@@ -7761,7 +6927,7 @@
           <a:ln/>
           <a:extLst>
             <a:ext uri="{91240B29-F687-4f45-9708-019B960494DF}">
-              <a14:hiddenLine xmlns:a14="http://schemas.microsoft.com/office/drawing/2010/main" xmlns="" w="9525">
+              <a14:hiddenLine xmlns="" xmlns:a14="http://schemas.microsoft.com/office/drawing/2010/main" w="9525">
                 <a:solidFill>
                   <a:srgbClr val="000000"/>
                 </a:solidFill>
@@ -8044,7 +7210,7 @@
           <a:ln/>
           <a:extLst>
             <a:ext uri="{91240B29-F687-4f45-9708-019B960494DF}">
-              <a14:hiddenLine xmlns:a14="http://schemas.microsoft.com/office/drawing/2010/main" xmlns="" w="9525">
+              <a14:hiddenLine xmlns="" xmlns:a14="http://schemas.microsoft.com/office/drawing/2010/main" w="9525">
                 <a:solidFill>
                   <a:srgbClr val="000000"/>
                 </a:solidFill>
@@ -8686,7 +7852,7 @@
           <a:ln/>
           <a:extLst>
             <a:ext uri="{91240B29-F687-4f45-9708-019B960494DF}">
-              <a14:hiddenLine xmlns:a14="http://schemas.microsoft.com/office/drawing/2010/main" xmlns="" w="9525">
+              <a14:hiddenLine xmlns="" xmlns:a14="http://schemas.microsoft.com/office/drawing/2010/main" w="9525">
                 <a:solidFill>
                   <a:srgbClr val="000000"/>
                 </a:solidFill>
@@ -9025,7 +8191,7 @@
           <a:ln/>
           <a:extLst>
             <a:ext uri="{91240B29-F687-4f45-9708-019B960494DF}">
-              <a14:hiddenLine xmlns:a14="http://schemas.microsoft.com/office/drawing/2010/main" xmlns="" w="9525">
+              <a14:hiddenLine xmlns="" xmlns:a14="http://schemas.microsoft.com/office/drawing/2010/main" w="9525">
                 <a:solidFill>
                   <a:srgbClr val="000000"/>
                 </a:solidFill>
@@ -9502,7 +8668,7 @@
           <a:ln/>
           <a:extLst>
             <a:ext uri="{91240B29-F687-4f45-9708-019B960494DF}">
-              <a14:hiddenLine xmlns:a14="http://schemas.microsoft.com/office/drawing/2010/main" xmlns="" w="9525">
+              <a14:hiddenLine xmlns="" xmlns:a14="http://schemas.microsoft.com/office/drawing/2010/main" w="9525">
                 <a:solidFill>
                   <a:srgbClr val="000000"/>
                 </a:solidFill>
@@ -9931,7 +9097,7 @@
           <a:ln/>
           <a:extLst>
             <a:ext uri="{91240B29-F687-4f45-9708-019B960494DF}">
-              <a14:hiddenLine xmlns:a14="http://schemas.microsoft.com/office/drawing/2010/main" xmlns="" w="9525">
+              <a14:hiddenLine xmlns="" xmlns:a14="http://schemas.microsoft.com/office/drawing/2010/main" w="9525">
                 <a:solidFill>
                   <a:srgbClr val="000000"/>
                 </a:solidFill>
@@ -11655,6 +10821,432 @@
 <file path=ppt/slides/slide10.xml><?xml version="1.0" encoding="utf-8"?>
 <p:sld xmlns:a="http://schemas.openxmlformats.org/drawingml/2006/main" xmlns:r="http://schemas.openxmlformats.org/officeDocument/2006/relationships" xmlns:p="http://schemas.openxmlformats.org/presentationml/2006/main">
   <p:cSld>
+    <p:bg>
+      <p:bgPr>
+        <a:gradFill flip="none" rotWithShape="1">
+          <a:gsLst>
+            <a:gs pos="0">
+              <a:schemeClr val="accent1">
+                <a:lumMod val="89000"/>
+              </a:schemeClr>
+            </a:gs>
+            <a:gs pos="23000">
+              <a:schemeClr val="accent1">
+                <a:lumMod val="89000"/>
+              </a:schemeClr>
+            </a:gs>
+            <a:gs pos="69000">
+              <a:schemeClr val="accent1">
+                <a:lumMod val="75000"/>
+              </a:schemeClr>
+            </a:gs>
+            <a:gs pos="97000">
+              <a:schemeClr val="accent1">
+                <a:lumMod val="70000"/>
+              </a:schemeClr>
+            </a:gs>
+          </a:gsLst>
+          <a:path path="circle">
+            <a:fillToRect l="100000" t="100000"/>
+          </a:path>
+          <a:tileRect r="-100000" b="-100000"/>
+        </a:gradFill>
+        <a:effectLst/>
+      </p:bgPr>
+    </p:bg>
+    <p:spTree>
+      <p:nvGrpSpPr>
+        <p:cNvPr id="1" name=""/>
+        <p:cNvGrpSpPr/>
+        <p:nvPr/>
+      </p:nvGrpSpPr>
+      <p:grpSpPr>
+        <a:xfrm>
+          <a:off x="0" y="0"/>
+          <a:ext cx="0" cy="0"/>
+          <a:chOff x="0" y="0"/>
+          <a:chExt cx="0" cy="0"/>
+        </a:xfrm>
+      </p:grpSpPr>
+      <p:sp>
+        <p:nvSpPr>
+          <p:cNvPr id="7" name="Title 1"/>
+          <p:cNvSpPr>
+            <a:spLocks noGrp="1"/>
+          </p:cNvSpPr>
+          <p:nvPr>
+            <p:ph type="title"/>
+          </p:nvPr>
+        </p:nvSpPr>
+        <p:spPr>
+          <a:xfrm>
+            <a:off x="0" y="-345128"/>
+            <a:ext cx="10562848" cy="905362"/>
+          </a:xfrm>
+        </p:spPr>
+        <p:txBody>
+          <a:bodyPr/>
+          <a:lstStyle/>
+          <a:p>
+            <a:pPr lvl="0"/>
+            <a:r>
+              <a:rPr lang="en-US" dirty="0"/>
+              <a:t>III-Partial-Time Barrier Options</a:t>
+            </a:r>
+          </a:p>
+        </p:txBody>
+      </p:sp>
+      <p:sp>
+        <p:nvSpPr>
+          <p:cNvPr id="4" name="Slide Number Placeholder 3"/>
+          <p:cNvSpPr>
+            <a:spLocks noGrp="1"/>
+          </p:cNvSpPr>
+          <p:nvPr>
+            <p:ph type="sldNum" sz="quarter" idx="12"/>
+          </p:nvPr>
+        </p:nvSpPr>
+        <p:spPr/>
+        <p:txBody>
+          <a:bodyPr/>
+          <a:lstStyle/>
+          <a:p>
+            <a:fld id="{91CCA55A-3F50-488D-A5E8-01F0969640CB}" type="slidenum">
+              <a:rPr lang="en-US" smtClean="0"/>
+              <a:t>10</a:t>
+            </a:fld>
+            <a:endParaRPr lang="en-US"/>
+          </a:p>
+        </p:txBody>
+      </p:sp>
+      <p:pic>
+        <p:nvPicPr>
+          <p:cNvPr id="3" name="Picture 2"/>
+          <p:cNvPicPr>
+            <a:picLocks noChangeAspect="1"/>
+          </p:cNvPicPr>
+          <p:nvPr/>
+        </p:nvPicPr>
+        <p:blipFill>
+          <a:blip r:embed="rId3">
+            <a:extLst>
+              <a:ext uri="{28A0092B-C50C-407E-A947-70E740481C1C}">
+                <a14:useLocalDpi xmlns:a14="http://schemas.microsoft.com/office/drawing/2010/main" val="0"/>
+              </a:ext>
+            </a:extLst>
+          </a:blip>
+          <a:stretch>
+            <a:fillRect/>
+          </a:stretch>
+        </p:blipFill>
+        <p:spPr>
+          <a:xfrm>
+            <a:off x="118153" y="560234"/>
+            <a:ext cx="5163271" cy="5982535"/>
+          </a:xfrm>
+          <a:prstGeom prst="rect">
+            <a:avLst/>
+          </a:prstGeom>
+        </p:spPr>
+      </p:pic>
+      <p:pic>
+        <p:nvPicPr>
+          <p:cNvPr id="5" name="Picture 4"/>
+          <p:cNvPicPr>
+            <a:picLocks noChangeAspect="1"/>
+          </p:cNvPicPr>
+          <p:nvPr/>
+        </p:nvPicPr>
+        <p:blipFill>
+          <a:blip r:embed="rId4">
+            <a:extLst>
+              <a:ext uri="{28A0092B-C50C-407E-A947-70E740481C1C}">
+                <a14:useLocalDpi xmlns:a14="http://schemas.microsoft.com/office/drawing/2010/main" val="0"/>
+              </a:ext>
+            </a:extLst>
+          </a:blip>
+          <a:stretch>
+            <a:fillRect/>
+          </a:stretch>
+        </p:blipFill>
+        <p:spPr>
+          <a:xfrm>
+            <a:off x="5281424" y="560234"/>
+            <a:ext cx="6910576" cy="3520447"/>
+          </a:xfrm>
+          <a:prstGeom prst="rect">
+            <a:avLst/>
+          </a:prstGeom>
+        </p:spPr>
+      </p:pic>
+      <p:sp>
+        <p:nvSpPr>
+          <p:cNvPr id="8" name="Rounded Rectangle 7"/>
+          <p:cNvSpPr/>
+          <p:nvPr/>
+        </p:nvSpPr>
+        <p:spPr>
+          <a:xfrm>
+            <a:off x="7970293" y="2743200"/>
+            <a:ext cx="2934268" cy="1064525"/>
+          </a:xfrm>
+          <a:prstGeom prst="roundRect">
+            <a:avLst/>
+          </a:prstGeom>
+          <a:noFill/>
+          <a:ln>
+            <a:solidFill>
+              <a:srgbClr val="FF0000"/>
+            </a:solidFill>
+          </a:ln>
+        </p:spPr>
+        <p:style>
+          <a:lnRef idx="2">
+            <a:schemeClr val="accent1">
+              <a:shade val="50000"/>
+            </a:schemeClr>
+          </a:lnRef>
+          <a:fillRef idx="1">
+            <a:schemeClr val="accent1"/>
+          </a:fillRef>
+          <a:effectRef idx="0">
+            <a:schemeClr val="accent1"/>
+          </a:effectRef>
+          <a:fontRef idx="minor">
+            <a:schemeClr val="lt1"/>
+          </a:fontRef>
+        </p:style>
+        <p:txBody>
+          <a:bodyPr rtlCol="0" anchor="ctr"/>
+          <a:lstStyle/>
+          <a:p>
+            <a:pPr algn="ctr"/>
+            <a:endParaRPr lang="fr-FR"/>
+          </a:p>
+        </p:txBody>
+      </p:sp>
+    </p:spTree>
+    <p:extLst>
+      <p:ext uri="{BB962C8B-B14F-4D97-AF65-F5344CB8AC3E}">
+        <p14:creationId xmlns:p14="http://schemas.microsoft.com/office/powerpoint/2010/main" val="3205590091"/>
+      </p:ext>
+    </p:extLst>
+  </p:cSld>
+  <p:clrMapOvr>
+    <a:masterClrMapping/>
+  </p:clrMapOvr>
+  <p:timing>
+    <p:tnLst>
+      <p:par>
+        <p:cTn id="1" dur="indefinite" restart="never" nodeType="tmRoot">
+          <p:childTnLst>
+            <p:seq concurrent="1" nextAc="seek">
+              <p:cTn id="2" dur="indefinite" nodeType="mainSeq">
+                <p:childTnLst>
+                  <p:par>
+                    <p:cTn id="3" fill="hold">
+                      <p:stCondLst>
+                        <p:cond delay="indefinite"/>
+                        <p:cond evt="onBegin" delay="0">
+                          <p:tn val="2"/>
+                        </p:cond>
+                      </p:stCondLst>
+                      <p:childTnLst>
+                        <p:par>
+                          <p:cTn id="4" fill="hold">
+                            <p:stCondLst>
+                              <p:cond delay="0"/>
+                            </p:stCondLst>
+                            <p:childTnLst>
+                              <p:par>
+                                <p:cTn id="5" presetID="2" presetClass="entr" presetSubtype="4" fill="hold" nodeType="withEffect">
+                                  <p:stCondLst>
+                                    <p:cond delay="0"/>
+                                  </p:stCondLst>
+                                  <p:childTnLst>
+                                    <p:set>
+                                      <p:cBhvr>
+                                        <p:cTn id="6" dur="1" fill="hold">
+                                          <p:stCondLst>
+                                            <p:cond delay="0"/>
+                                          </p:stCondLst>
+                                        </p:cTn>
+                                        <p:tgtEl>
+                                          <p:spTgt spid="3"/>
+                                        </p:tgtEl>
+                                        <p:attrNameLst>
+                                          <p:attrName>style.visibility</p:attrName>
+                                        </p:attrNameLst>
+                                      </p:cBhvr>
+                                      <p:to>
+                                        <p:strVal val="visible"/>
+                                      </p:to>
+                                    </p:set>
+                                    <p:anim calcmode="lin" valueType="num">
+                                      <p:cBhvr additive="base">
+                                        <p:cTn id="7" dur="500" fill="hold"/>
+                                        <p:tgtEl>
+                                          <p:spTgt spid="3"/>
+                                        </p:tgtEl>
+                                        <p:attrNameLst>
+                                          <p:attrName>ppt_x</p:attrName>
+                                        </p:attrNameLst>
+                                      </p:cBhvr>
+                                      <p:tavLst>
+                                        <p:tav tm="0">
+                                          <p:val>
+                                            <p:strVal val="#ppt_x"/>
+                                          </p:val>
+                                        </p:tav>
+                                        <p:tav tm="100000">
+                                          <p:val>
+                                            <p:strVal val="#ppt_x"/>
+                                          </p:val>
+                                        </p:tav>
+                                      </p:tavLst>
+                                    </p:anim>
+                                    <p:anim calcmode="lin" valueType="num">
+                                      <p:cBhvr additive="base">
+                                        <p:cTn id="8" dur="500" fill="hold"/>
+                                        <p:tgtEl>
+                                          <p:spTgt spid="3"/>
+                                        </p:tgtEl>
+                                        <p:attrNameLst>
+                                          <p:attrName>ppt_y</p:attrName>
+                                        </p:attrNameLst>
+                                      </p:cBhvr>
+                                      <p:tavLst>
+                                        <p:tav tm="0">
+                                          <p:val>
+                                            <p:strVal val="1+#ppt_h/2"/>
+                                          </p:val>
+                                        </p:tav>
+                                        <p:tav tm="100000">
+                                          <p:val>
+                                            <p:strVal val="#ppt_y"/>
+                                          </p:val>
+                                        </p:tav>
+                                      </p:tavLst>
+                                    </p:anim>
+                                  </p:childTnLst>
+                                </p:cTn>
+                              </p:par>
+                            </p:childTnLst>
+                          </p:cTn>
+                        </p:par>
+                        <p:par>
+                          <p:cTn id="9" fill="hold">
+                            <p:stCondLst>
+                              <p:cond delay="500"/>
+                            </p:stCondLst>
+                            <p:childTnLst>
+                              <p:par>
+                                <p:cTn id="10" presetID="2" presetClass="entr" presetSubtype="4" fill="hold" nodeType="afterEffect">
+                                  <p:stCondLst>
+                                    <p:cond delay="0"/>
+                                  </p:stCondLst>
+                                  <p:childTnLst>
+                                    <p:set>
+                                      <p:cBhvr>
+                                        <p:cTn id="11" dur="1" fill="hold">
+                                          <p:stCondLst>
+                                            <p:cond delay="0"/>
+                                          </p:stCondLst>
+                                        </p:cTn>
+                                        <p:tgtEl>
+                                          <p:spTgt spid="5"/>
+                                        </p:tgtEl>
+                                        <p:attrNameLst>
+                                          <p:attrName>style.visibility</p:attrName>
+                                        </p:attrNameLst>
+                                      </p:cBhvr>
+                                      <p:to>
+                                        <p:strVal val="visible"/>
+                                      </p:to>
+                                    </p:set>
+                                    <p:anim calcmode="lin" valueType="num">
+                                      <p:cBhvr additive="base">
+                                        <p:cTn id="12" dur="500" fill="hold"/>
+                                        <p:tgtEl>
+                                          <p:spTgt spid="5"/>
+                                        </p:tgtEl>
+                                        <p:attrNameLst>
+                                          <p:attrName>ppt_x</p:attrName>
+                                        </p:attrNameLst>
+                                      </p:cBhvr>
+                                      <p:tavLst>
+                                        <p:tav tm="0">
+                                          <p:val>
+                                            <p:strVal val="#ppt_x"/>
+                                          </p:val>
+                                        </p:tav>
+                                        <p:tav tm="100000">
+                                          <p:val>
+                                            <p:strVal val="#ppt_x"/>
+                                          </p:val>
+                                        </p:tav>
+                                      </p:tavLst>
+                                    </p:anim>
+                                    <p:anim calcmode="lin" valueType="num">
+                                      <p:cBhvr additive="base">
+                                        <p:cTn id="13" dur="500" fill="hold"/>
+                                        <p:tgtEl>
+                                          <p:spTgt spid="5"/>
+                                        </p:tgtEl>
+                                        <p:attrNameLst>
+                                          <p:attrName>ppt_y</p:attrName>
+                                        </p:attrNameLst>
+                                      </p:cBhvr>
+                                      <p:tavLst>
+                                        <p:tav tm="0">
+                                          <p:val>
+                                            <p:strVal val="1+#ppt_h/2"/>
+                                          </p:val>
+                                        </p:tav>
+                                        <p:tav tm="100000">
+                                          <p:val>
+                                            <p:strVal val="#ppt_y"/>
+                                          </p:val>
+                                        </p:tav>
+                                      </p:tavLst>
+                                    </p:anim>
+                                  </p:childTnLst>
+                                </p:cTn>
+                              </p:par>
+                            </p:childTnLst>
+                          </p:cTn>
+                        </p:par>
+                      </p:childTnLst>
+                    </p:cTn>
+                  </p:par>
+                </p:childTnLst>
+              </p:cTn>
+              <p:prevCondLst>
+                <p:cond evt="onPrev" delay="0">
+                  <p:tgtEl>
+                    <p:sldTgt/>
+                  </p:tgtEl>
+                </p:cond>
+              </p:prevCondLst>
+              <p:nextCondLst>
+                <p:cond evt="onNext" delay="0">
+                  <p:tgtEl>
+                    <p:sldTgt/>
+                  </p:tgtEl>
+                </p:cond>
+              </p:nextCondLst>
+            </p:seq>
+          </p:childTnLst>
+        </p:cTn>
+      </p:par>
+    </p:tnLst>
+  </p:timing>
+</p:sld>
+</file>
+
+<file path=ppt/slides/slide11.xml><?xml version="1.0" encoding="utf-8"?>
+<p:sld xmlns:a="http://schemas.openxmlformats.org/drawingml/2006/main" xmlns:r="http://schemas.openxmlformats.org/officeDocument/2006/relationships" xmlns:p="http://schemas.openxmlformats.org/presentationml/2006/main">
+  <p:cSld>
     <p:spTree>
       <p:nvGrpSpPr>
         <p:cNvPr id="1" name=""/>
@@ -12050,7 +11642,7 @@
           <a:p>
             <a:fld id="{91CCA55A-3F50-488D-A5E8-01F0969640CB}" type="slidenum">
               <a:rPr lang="en-US" smtClean="0"/>
-              <a:t>10</a:t>
+              <a:t>11</a:t>
             </a:fld>
             <a:endParaRPr lang="en-US"/>
           </a:p>
@@ -12590,7 +12182,7 @@
 </p:sld>
 </file>
 
-<file path=ppt/slides/slide11.xml><?xml version="1.0" encoding="utf-8"?>
+<file path=ppt/slides/slide12.xml><?xml version="1.0" encoding="utf-8"?>
 <p:sld xmlns:a="http://schemas.openxmlformats.org/drawingml/2006/main" xmlns:r="http://schemas.openxmlformats.org/officeDocument/2006/relationships" xmlns:p="http://schemas.openxmlformats.org/presentationml/2006/main">
   <p:cSld>
     <p:spTree>
@@ -13037,7 +12629,7 @@
           <a:p>
             <a:fld id="{91CCA55A-3F50-488D-A5E8-01F0969640CB}" type="slidenum">
               <a:rPr lang="en-US" smtClean="0"/>
-              <a:t>11</a:t>
+              <a:t>12</a:t>
             </a:fld>
             <a:endParaRPr lang="en-US"/>
           </a:p>
@@ -13532,7 +13124,7 @@
 </p:sld>
 </file>
 
-<file path=ppt/slides/slide12.xml><?xml version="1.0" encoding="utf-8"?>
+<file path=ppt/slides/slide13.xml><?xml version="1.0" encoding="utf-8"?>
 <p:sld xmlns:a="http://schemas.openxmlformats.org/drawingml/2006/main" xmlns:r="http://schemas.openxmlformats.org/officeDocument/2006/relationships" xmlns:p="http://schemas.openxmlformats.org/presentationml/2006/main">
   <p:cSld>
     <p:spTree>
@@ -15443,7 +15035,7 @@
           <a:p>
             <a:fld id="{91CCA55A-3F50-488D-A5E8-01F0969640CB}" type="slidenum">
               <a:rPr lang="en-US" smtClean="0"/>
-              <a:t>12</a:t>
+              <a:t>13</a:t>
             </a:fld>
             <a:endParaRPr lang="en-US"/>
           </a:p>
@@ -16162,7 +15754,7 @@
 </p:sld>
 </file>
 
-<file path=ppt/slides/slide13.xml><?xml version="1.0" encoding="utf-8"?>
+<file path=ppt/slides/slide14.xml><?xml version="1.0" encoding="utf-8"?>
 <p:sld xmlns:a="http://schemas.openxmlformats.org/drawingml/2006/main" xmlns:r="http://schemas.openxmlformats.org/officeDocument/2006/relationships" xmlns:p="http://schemas.openxmlformats.org/presentationml/2006/main">
   <p:cSld>
     <p:spTree>
@@ -16728,7 +16320,7 @@
           <a:p>
             <a:fld id="{91CCA55A-3F50-488D-A5E8-01F0969640CB}" type="slidenum">
               <a:rPr lang="en-US" smtClean="0"/>
-              <a:t>13</a:t>
+              <a:t>14</a:t>
             </a:fld>
             <a:endParaRPr lang="en-US"/>
           </a:p>
@@ -17447,7 +17039,661 @@
 </p:sld>
 </file>
 
-<file path=ppt/slides/slide14.xml><?xml version="1.0" encoding="utf-8"?>
+<file path=ppt/slides/slide15.xml><?xml version="1.0" encoding="utf-8"?>
+<p:sld xmlns:a="http://schemas.openxmlformats.org/drawingml/2006/main" xmlns:r="http://schemas.openxmlformats.org/officeDocument/2006/relationships" xmlns:p="http://schemas.openxmlformats.org/presentationml/2006/main">
+  <p:cSld>
+    <p:bg>
+      <p:bgPr>
+        <a:gradFill flip="none" rotWithShape="1">
+          <a:gsLst>
+            <a:gs pos="0">
+              <a:schemeClr val="accent1">
+                <a:lumMod val="89000"/>
+              </a:schemeClr>
+            </a:gs>
+            <a:gs pos="23000">
+              <a:schemeClr val="accent1">
+                <a:lumMod val="89000"/>
+              </a:schemeClr>
+            </a:gs>
+            <a:gs pos="69000">
+              <a:schemeClr val="accent1">
+                <a:lumMod val="75000"/>
+              </a:schemeClr>
+            </a:gs>
+            <a:gs pos="97000">
+              <a:schemeClr val="accent1">
+                <a:lumMod val="70000"/>
+              </a:schemeClr>
+            </a:gs>
+          </a:gsLst>
+          <a:path path="circle">
+            <a:fillToRect l="100000" t="100000"/>
+          </a:path>
+          <a:tileRect r="-100000" b="-100000"/>
+        </a:gradFill>
+        <a:effectLst/>
+      </p:bgPr>
+    </p:bg>
+    <p:spTree>
+      <p:nvGrpSpPr>
+        <p:cNvPr id="1" name=""/>
+        <p:cNvGrpSpPr/>
+        <p:nvPr/>
+      </p:nvGrpSpPr>
+      <p:grpSpPr>
+        <a:xfrm>
+          <a:off x="0" y="0"/>
+          <a:ext cx="0" cy="0"/>
+          <a:chOff x="0" y="0"/>
+          <a:chExt cx="0" cy="0"/>
+        </a:xfrm>
+      </p:grpSpPr>
+      <p:sp>
+        <p:nvSpPr>
+          <p:cNvPr id="7" name="Title 1"/>
+          <p:cNvSpPr>
+            <a:spLocks noGrp="1"/>
+          </p:cNvSpPr>
+          <p:nvPr>
+            <p:ph type="title"/>
+          </p:nvPr>
+        </p:nvSpPr>
+        <p:spPr>
+          <a:xfrm>
+            <a:off x="0" y="-345128"/>
+            <a:ext cx="10562848" cy="905362"/>
+          </a:xfrm>
+        </p:spPr>
+        <p:txBody>
+          <a:bodyPr/>
+          <a:lstStyle/>
+          <a:p>
+            <a:pPr lvl="0"/>
+            <a:r>
+              <a:rPr lang="en-US" dirty="0"/>
+              <a:t>IV-Complex Chooser Options</a:t>
+            </a:r>
+            <a:endParaRPr lang="en-US" dirty="0"/>
+          </a:p>
+        </p:txBody>
+      </p:sp>
+      <p:sp>
+        <p:nvSpPr>
+          <p:cNvPr id="4" name="Slide Number Placeholder 3"/>
+          <p:cNvSpPr>
+            <a:spLocks noGrp="1"/>
+          </p:cNvSpPr>
+          <p:nvPr>
+            <p:ph type="sldNum" sz="quarter" idx="12"/>
+          </p:nvPr>
+        </p:nvSpPr>
+        <p:spPr/>
+        <p:txBody>
+          <a:bodyPr/>
+          <a:lstStyle/>
+          <a:p>
+            <a:fld id="{91CCA55A-3F50-488D-A5E8-01F0969640CB}" type="slidenum">
+              <a:rPr lang="en-US" smtClean="0"/>
+              <a:t>15</a:t>
+            </a:fld>
+            <a:endParaRPr lang="en-US"/>
+          </a:p>
+        </p:txBody>
+      </p:sp>
+      <p:pic>
+        <p:nvPicPr>
+          <p:cNvPr id="3" name="Picture 2"/>
+          <p:cNvPicPr>
+            <a:picLocks noChangeAspect="1"/>
+          </p:cNvPicPr>
+          <p:nvPr/>
+        </p:nvPicPr>
+        <p:blipFill>
+          <a:blip r:embed="rId3" cstate="print">
+            <a:extLst>
+              <a:ext uri="{28A0092B-C50C-407E-A947-70E740481C1C}">
+                <a14:useLocalDpi xmlns:a14="http://schemas.microsoft.com/office/drawing/2010/main" val="0"/>
+              </a:ext>
+            </a:extLst>
+          </a:blip>
+          <a:stretch>
+            <a:fillRect/>
+          </a:stretch>
+        </p:blipFill>
+        <p:spPr>
+          <a:xfrm>
+            <a:off x="110044" y="989202"/>
+            <a:ext cx="11986421" cy="5171985"/>
+          </a:xfrm>
+          <a:prstGeom prst="rect">
+            <a:avLst/>
+          </a:prstGeom>
+        </p:spPr>
+      </p:pic>
+    </p:spTree>
+    <p:extLst>
+      <p:ext uri="{BB962C8B-B14F-4D97-AF65-F5344CB8AC3E}">
+        <p14:creationId xmlns:p14="http://schemas.microsoft.com/office/powerpoint/2010/main" val="1698570097"/>
+      </p:ext>
+    </p:extLst>
+  </p:cSld>
+  <p:clrMapOvr>
+    <a:masterClrMapping/>
+  </p:clrMapOvr>
+  <p:timing>
+    <p:tnLst>
+      <p:par>
+        <p:cTn id="1" dur="indefinite" restart="never" nodeType="tmRoot"/>
+      </p:par>
+    </p:tnLst>
+  </p:timing>
+</p:sld>
+</file>
+
+<file path=ppt/slides/slide16.xml><?xml version="1.0" encoding="utf-8"?>
+<p:sld xmlns:a="http://schemas.openxmlformats.org/drawingml/2006/main" xmlns:r="http://schemas.openxmlformats.org/officeDocument/2006/relationships" xmlns:p="http://schemas.openxmlformats.org/presentationml/2006/main">
+  <p:cSld>
+    <p:bg>
+      <p:bgPr>
+        <a:gradFill flip="none" rotWithShape="1">
+          <a:gsLst>
+            <a:gs pos="0">
+              <a:schemeClr val="accent1">
+                <a:lumMod val="89000"/>
+              </a:schemeClr>
+            </a:gs>
+            <a:gs pos="23000">
+              <a:schemeClr val="accent1">
+                <a:lumMod val="89000"/>
+              </a:schemeClr>
+            </a:gs>
+            <a:gs pos="69000">
+              <a:schemeClr val="accent1">
+                <a:lumMod val="75000"/>
+              </a:schemeClr>
+            </a:gs>
+            <a:gs pos="97000">
+              <a:schemeClr val="accent1">
+                <a:lumMod val="70000"/>
+              </a:schemeClr>
+            </a:gs>
+          </a:gsLst>
+          <a:path path="circle">
+            <a:fillToRect l="100000" t="100000"/>
+          </a:path>
+          <a:tileRect r="-100000" b="-100000"/>
+        </a:gradFill>
+        <a:effectLst/>
+      </p:bgPr>
+    </p:bg>
+    <p:spTree>
+      <p:nvGrpSpPr>
+        <p:cNvPr id="1" name=""/>
+        <p:cNvGrpSpPr/>
+        <p:nvPr/>
+      </p:nvGrpSpPr>
+      <p:grpSpPr>
+        <a:xfrm>
+          <a:off x="0" y="0"/>
+          <a:ext cx="0" cy="0"/>
+          <a:chOff x="0" y="0"/>
+          <a:chExt cx="0" cy="0"/>
+        </a:xfrm>
+      </p:grpSpPr>
+      <p:sp>
+        <p:nvSpPr>
+          <p:cNvPr id="7" name="Title 1"/>
+          <p:cNvSpPr>
+            <a:spLocks noGrp="1"/>
+          </p:cNvSpPr>
+          <p:nvPr>
+            <p:ph type="title"/>
+          </p:nvPr>
+        </p:nvSpPr>
+        <p:spPr>
+          <a:xfrm>
+            <a:off x="0" y="-345128"/>
+            <a:ext cx="10562848" cy="905362"/>
+          </a:xfrm>
+        </p:spPr>
+        <p:txBody>
+          <a:bodyPr/>
+          <a:lstStyle/>
+          <a:p>
+            <a:pPr lvl="0"/>
+            <a:r>
+              <a:rPr lang="en-US" dirty="0"/>
+              <a:t>IV-Complex Chooser Options</a:t>
+            </a:r>
+            <a:endParaRPr lang="en-US" dirty="0"/>
+          </a:p>
+        </p:txBody>
+      </p:sp>
+      <p:sp>
+        <p:nvSpPr>
+          <p:cNvPr id="4" name="Slide Number Placeholder 3"/>
+          <p:cNvSpPr>
+            <a:spLocks noGrp="1"/>
+          </p:cNvSpPr>
+          <p:nvPr>
+            <p:ph type="sldNum" sz="quarter" idx="12"/>
+          </p:nvPr>
+        </p:nvSpPr>
+        <p:spPr/>
+        <p:txBody>
+          <a:bodyPr/>
+          <a:lstStyle/>
+          <a:p>
+            <a:fld id="{91CCA55A-3F50-488D-A5E8-01F0969640CB}" type="slidenum">
+              <a:rPr lang="en-US" smtClean="0"/>
+              <a:t>16</a:t>
+            </a:fld>
+            <a:endParaRPr lang="en-US"/>
+          </a:p>
+        </p:txBody>
+      </p:sp>
+      <p:pic>
+        <p:nvPicPr>
+          <p:cNvPr id="2" name="Picture 1"/>
+          <p:cNvPicPr>
+            <a:picLocks noChangeAspect="1"/>
+          </p:cNvPicPr>
+          <p:nvPr/>
+        </p:nvPicPr>
+        <p:blipFill>
+          <a:blip r:embed="rId3">
+            <a:extLst>
+              <a:ext uri="{28A0092B-C50C-407E-A947-70E740481C1C}">
+                <a14:useLocalDpi xmlns:a14="http://schemas.microsoft.com/office/drawing/2010/main" val="0"/>
+              </a:ext>
+            </a:extLst>
+          </a:blip>
+          <a:stretch>
+            <a:fillRect/>
+          </a:stretch>
+        </p:blipFill>
+        <p:spPr>
+          <a:xfrm>
+            <a:off x="210252" y="3019600"/>
+            <a:ext cx="4381196" cy="3636518"/>
+          </a:xfrm>
+          <a:prstGeom prst="rect">
+            <a:avLst/>
+          </a:prstGeom>
+        </p:spPr>
+      </p:pic>
+      <p:pic>
+        <p:nvPicPr>
+          <p:cNvPr id="5" name="Picture 4"/>
+          <p:cNvPicPr>
+            <a:picLocks noChangeAspect="1"/>
+          </p:cNvPicPr>
+          <p:nvPr/>
+        </p:nvPicPr>
+        <p:blipFill>
+          <a:blip r:embed="rId4">
+            <a:extLst>
+              <a:ext uri="{28A0092B-C50C-407E-A947-70E740481C1C}">
+                <a14:useLocalDpi xmlns:a14="http://schemas.microsoft.com/office/drawing/2010/main" val="0"/>
+              </a:ext>
+            </a:extLst>
+          </a:blip>
+          <a:stretch>
+            <a:fillRect/>
+          </a:stretch>
+        </p:blipFill>
+        <p:spPr>
+          <a:xfrm>
+            <a:off x="2164436" y="440164"/>
+            <a:ext cx="8398412" cy="2791964"/>
+          </a:xfrm>
+          <a:prstGeom prst="rect">
+            <a:avLst/>
+          </a:prstGeom>
+        </p:spPr>
+      </p:pic>
+      <p:pic>
+        <p:nvPicPr>
+          <p:cNvPr id="6" name="Picture 5"/>
+          <p:cNvPicPr>
+            <a:picLocks noChangeAspect="1"/>
+          </p:cNvPicPr>
+          <p:nvPr/>
+        </p:nvPicPr>
+        <p:blipFill>
+          <a:blip r:embed="rId5">
+            <a:extLst>
+              <a:ext uri="{28A0092B-C50C-407E-A947-70E740481C1C}">
+                <a14:useLocalDpi xmlns:a14="http://schemas.microsoft.com/office/drawing/2010/main" val="0"/>
+              </a:ext>
+            </a:extLst>
+          </a:blip>
+          <a:stretch>
+            <a:fillRect/>
+          </a:stretch>
+        </p:blipFill>
+        <p:spPr>
+          <a:xfrm>
+            <a:off x="4608731" y="4461811"/>
+            <a:ext cx="7583269" cy="2194307"/>
+          </a:xfrm>
+          <a:prstGeom prst="rect">
+            <a:avLst/>
+          </a:prstGeom>
+        </p:spPr>
+      </p:pic>
+    </p:spTree>
+    <p:extLst>
+      <p:ext uri="{BB962C8B-B14F-4D97-AF65-F5344CB8AC3E}">
+        <p14:creationId xmlns:p14="http://schemas.microsoft.com/office/powerpoint/2010/main" val="687875053"/>
+      </p:ext>
+    </p:extLst>
+  </p:cSld>
+  <p:clrMapOvr>
+    <a:masterClrMapping/>
+  </p:clrMapOvr>
+  <p:timing>
+    <p:tnLst>
+      <p:par>
+        <p:cTn id="1" dur="indefinite" restart="never" nodeType="tmRoot">
+          <p:childTnLst>
+            <p:seq concurrent="1" nextAc="seek">
+              <p:cTn id="2" dur="indefinite" nodeType="mainSeq">
+                <p:childTnLst>
+                  <p:par>
+                    <p:cTn id="3" fill="hold">
+                      <p:stCondLst>
+                        <p:cond delay="indefinite"/>
+                        <p:cond evt="onBegin" delay="0">
+                          <p:tn val="2"/>
+                        </p:cond>
+                      </p:stCondLst>
+                      <p:childTnLst>
+                        <p:par>
+                          <p:cTn id="4" fill="hold">
+                            <p:stCondLst>
+                              <p:cond delay="0"/>
+                            </p:stCondLst>
+                            <p:childTnLst>
+                              <p:par>
+                                <p:cTn id="5" presetID="2" presetClass="entr" presetSubtype="4" fill="hold" nodeType="withEffect">
+                                  <p:stCondLst>
+                                    <p:cond delay="0"/>
+                                  </p:stCondLst>
+                                  <p:childTnLst>
+                                    <p:set>
+                                      <p:cBhvr>
+                                        <p:cTn id="6" dur="1" fill="hold">
+                                          <p:stCondLst>
+                                            <p:cond delay="0"/>
+                                          </p:stCondLst>
+                                        </p:cTn>
+                                        <p:tgtEl>
+                                          <p:spTgt spid="5"/>
+                                        </p:tgtEl>
+                                        <p:attrNameLst>
+                                          <p:attrName>style.visibility</p:attrName>
+                                        </p:attrNameLst>
+                                      </p:cBhvr>
+                                      <p:to>
+                                        <p:strVal val="visible"/>
+                                      </p:to>
+                                    </p:set>
+                                    <p:anim calcmode="lin" valueType="num">
+                                      <p:cBhvr additive="base">
+                                        <p:cTn id="7" dur="500" fill="hold"/>
+                                        <p:tgtEl>
+                                          <p:spTgt spid="5"/>
+                                        </p:tgtEl>
+                                        <p:attrNameLst>
+                                          <p:attrName>ppt_x</p:attrName>
+                                        </p:attrNameLst>
+                                      </p:cBhvr>
+                                      <p:tavLst>
+                                        <p:tav tm="0">
+                                          <p:val>
+                                            <p:strVal val="#ppt_x"/>
+                                          </p:val>
+                                        </p:tav>
+                                        <p:tav tm="100000">
+                                          <p:val>
+                                            <p:strVal val="#ppt_x"/>
+                                          </p:val>
+                                        </p:tav>
+                                      </p:tavLst>
+                                    </p:anim>
+                                    <p:anim calcmode="lin" valueType="num">
+                                      <p:cBhvr additive="base">
+                                        <p:cTn id="8" dur="500" fill="hold"/>
+                                        <p:tgtEl>
+                                          <p:spTgt spid="5"/>
+                                        </p:tgtEl>
+                                        <p:attrNameLst>
+                                          <p:attrName>ppt_y</p:attrName>
+                                        </p:attrNameLst>
+                                      </p:cBhvr>
+                                      <p:tavLst>
+                                        <p:tav tm="0">
+                                          <p:val>
+                                            <p:strVal val="1+#ppt_h/2"/>
+                                          </p:val>
+                                        </p:tav>
+                                        <p:tav tm="100000">
+                                          <p:val>
+                                            <p:strVal val="#ppt_y"/>
+                                          </p:val>
+                                        </p:tav>
+                                      </p:tavLst>
+                                    </p:anim>
+                                  </p:childTnLst>
+                                </p:cTn>
+                              </p:par>
+                            </p:childTnLst>
+                          </p:cTn>
+                        </p:par>
+                      </p:childTnLst>
+                    </p:cTn>
+                  </p:par>
+                  <p:par>
+                    <p:cTn id="9" fill="hold">
+                      <p:stCondLst>
+                        <p:cond delay="indefinite"/>
+                      </p:stCondLst>
+                      <p:childTnLst>
+                        <p:par>
+                          <p:cTn id="10" fill="hold">
+                            <p:stCondLst>
+                              <p:cond delay="0"/>
+                            </p:stCondLst>
+                            <p:childTnLst>
+                              <p:par>
+                                <p:cTn id="11" presetID="2" presetClass="entr" presetSubtype="8" fill="hold" nodeType="clickEffect">
+                                  <p:stCondLst>
+                                    <p:cond delay="0"/>
+                                  </p:stCondLst>
+                                  <p:childTnLst>
+                                    <p:set>
+                                      <p:cBhvr>
+                                        <p:cTn id="12" dur="1" fill="hold">
+                                          <p:stCondLst>
+                                            <p:cond delay="0"/>
+                                          </p:stCondLst>
+                                        </p:cTn>
+                                        <p:tgtEl>
+                                          <p:spTgt spid="2"/>
+                                        </p:tgtEl>
+                                        <p:attrNameLst>
+                                          <p:attrName>style.visibility</p:attrName>
+                                        </p:attrNameLst>
+                                      </p:cBhvr>
+                                      <p:to>
+                                        <p:strVal val="visible"/>
+                                      </p:to>
+                                    </p:set>
+                                    <p:anim calcmode="lin" valueType="num">
+                                      <p:cBhvr additive="base">
+                                        <p:cTn id="13" dur="500" fill="hold"/>
+                                        <p:tgtEl>
+                                          <p:spTgt spid="2"/>
+                                        </p:tgtEl>
+                                        <p:attrNameLst>
+                                          <p:attrName>ppt_x</p:attrName>
+                                        </p:attrNameLst>
+                                      </p:cBhvr>
+                                      <p:tavLst>
+                                        <p:tav tm="0">
+                                          <p:val>
+                                            <p:strVal val="0-#ppt_w/2"/>
+                                          </p:val>
+                                        </p:tav>
+                                        <p:tav tm="100000">
+                                          <p:val>
+                                            <p:strVal val="#ppt_x"/>
+                                          </p:val>
+                                        </p:tav>
+                                      </p:tavLst>
+                                    </p:anim>
+                                    <p:anim calcmode="lin" valueType="num">
+                                      <p:cBhvr additive="base">
+                                        <p:cTn id="14" dur="500" fill="hold"/>
+                                        <p:tgtEl>
+                                          <p:spTgt spid="2"/>
+                                        </p:tgtEl>
+                                        <p:attrNameLst>
+                                          <p:attrName>ppt_y</p:attrName>
+                                        </p:attrNameLst>
+                                      </p:cBhvr>
+                                      <p:tavLst>
+                                        <p:tav tm="0">
+                                          <p:val>
+                                            <p:strVal val="#ppt_y"/>
+                                          </p:val>
+                                        </p:tav>
+                                        <p:tav tm="100000">
+                                          <p:val>
+                                            <p:strVal val="#ppt_y"/>
+                                          </p:val>
+                                        </p:tav>
+                                      </p:tavLst>
+                                    </p:anim>
+                                  </p:childTnLst>
+                                </p:cTn>
+                              </p:par>
+                            </p:childTnLst>
+                          </p:cTn>
+                        </p:par>
+                        <p:par>
+                          <p:cTn id="15" fill="hold">
+                            <p:stCondLst>
+                              <p:cond delay="500"/>
+                            </p:stCondLst>
+                            <p:childTnLst>
+                              <p:par>
+                                <p:cTn id="16" presetID="2" presetClass="entr" presetSubtype="2" fill="hold" nodeType="afterEffect">
+                                  <p:stCondLst>
+                                    <p:cond delay="0"/>
+                                  </p:stCondLst>
+                                  <p:childTnLst>
+                                    <p:set>
+                                      <p:cBhvr>
+                                        <p:cTn id="17" dur="1" fill="hold">
+                                          <p:stCondLst>
+                                            <p:cond delay="0"/>
+                                          </p:stCondLst>
+                                        </p:cTn>
+                                        <p:tgtEl>
+                                          <p:spTgt spid="6"/>
+                                        </p:tgtEl>
+                                        <p:attrNameLst>
+                                          <p:attrName>style.visibility</p:attrName>
+                                        </p:attrNameLst>
+                                      </p:cBhvr>
+                                      <p:to>
+                                        <p:strVal val="visible"/>
+                                      </p:to>
+                                    </p:set>
+                                    <p:anim calcmode="lin" valueType="num">
+                                      <p:cBhvr additive="base">
+                                        <p:cTn id="18" dur="500" fill="hold"/>
+                                        <p:tgtEl>
+                                          <p:spTgt spid="6"/>
+                                        </p:tgtEl>
+                                        <p:attrNameLst>
+                                          <p:attrName>ppt_x</p:attrName>
+                                        </p:attrNameLst>
+                                      </p:cBhvr>
+                                      <p:tavLst>
+                                        <p:tav tm="0">
+                                          <p:val>
+                                            <p:strVal val="1+#ppt_w/2"/>
+                                          </p:val>
+                                        </p:tav>
+                                        <p:tav tm="100000">
+                                          <p:val>
+                                            <p:strVal val="#ppt_x"/>
+                                          </p:val>
+                                        </p:tav>
+                                      </p:tavLst>
+                                    </p:anim>
+                                    <p:anim calcmode="lin" valueType="num">
+                                      <p:cBhvr additive="base">
+                                        <p:cTn id="19" dur="500" fill="hold"/>
+                                        <p:tgtEl>
+                                          <p:spTgt spid="6"/>
+                                        </p:tgtEl>
+                                        <p:attrNameLst>
+                                          <p:attrName>ppt_y</p:attrName>
+                                        </p:attrNameLst>
+                                      </p:cBhvr>
+                                      <p:tavLst>
+                                        <p:tav tm="0">
+                                          <p:val>
+                                            <p:strVal val="#ppt_y"/>
+                                          </p:val>
+                                        </p:tav>
+                                        <p:tav tm="100000">
+                                          <p:val>
+                                            <p:strVal val="#ppt_y"/>
+                                          </p:val>
+                                        </p:tav>
+                                      </p:tavLst>
+                                    </p:anim>
+                                  </p:childTnLst>
+                                </p:cTn>
+                              </p:par>
+                            </p:childTnLst>
+                          </p:cTn>
+                        </p:par>
+                      </p:childTnLst>
+                    </p:cTn>
+                  </p:par>
+                </p:childTnLst>
+              </p:cTn>
+              <p:prevCondLst>
+                <p:cond evt="onPrev" delay="0">
+                  <p:tgtEl>
+                    <p:sldTgt/>
+                  </p:tgtEl>
+                </p:cond>
+              </p:prevCondLst>
+              <p:nextCondLst>
+                <p:cond evt="onNext" delay="0">
+                  <p:tgtEl>
+                    <p:sldTgt/>
+                  </p:tgtEl>
+                </p:cond>
+              </p:nextCondLst>
+            </p:seq>
+          </p:childTnLst>
+        </p:cTn>
+      </p:par>
+    </p:tnLst>
+  </p:timing>
+</p:sld>
+</file>
+
+<file path=ppt/slides/slide17.xml><?xml version="1.0" encoding="utf-8"?>
 <p:sld xmlns:a="http://schemas.openxmlformats.org/drawingml/2006/main" xmlns:r="http://schemas.openxmlformats.org/officeDocument/2006/relationships" xmlns:p="http://schemas.openxmlformats.org/presentationml/2006/main">
   <p:cSld>
     <p:spTree>
@@ -17720,7 +17966,6 @@
               <a:rPr lang="fr-FR" sz="3200" dirty="0" smtClean="0"/>
               <a:t>Similaires aux Chooser Options</a:t>
             </a:r>
-            <a:endParaRPr lang="fr-FR" sz="3200" dirty="0" smtClean="0"/>
           </a:p>
           <a:p>
             <a:pPr lvl="1"/>
@@ -17764,7 +18009,6 @@
               <a:rPr lang="fr-FR" sz="3000" dirty="0" smtClean="0"/>
               <a:t>le vendeur: Writer-Extendible</a:t>
             </a:r>
-            <a:endParaRPr lang="fr-FR" sz="3000" dirty="0" smtClean="0"/>
           </a:p>
         </p:txBody>
       </p:sp>
@@ -17785,7 +18029,7 @@
           <a:p>
             <a:fld id="{91CCA55A-3F50-488D-A5E8-01F0969640CB}" type="slidenum">
               <a:rPr lang="en-US" smtClean="0"/>
-              <a:t>14</a:t>
+              <a:t>17</a:t>
             </a:fld>
             <a:endParaRPr lang="en-US"/>
           </a:p>
@@ -18383,7 +18627,7 @@
 </p:sld>
 </file>
 
-<file path=ppt/slides/slide15.xml><?xml version="1.0" encoding="utf-8"?>
+<file path=ppt/slides/slide18.xml><?xml version="1.0" encoding="utf-8"?>
 <p:sld xmlns:a="http://schemas.openxmlformats.org/drawingml/2006/main" xmlns:r="http://schemas.openxmlformats.org/officeDocument/2006/relationships" xmlns:p="http://schemas.openxmlformats.org/presentationml/2006/main">
   <p:cSld>
     <p:spTree>
@@ -18713,7 +18957,6 @@
               <a:rPr lang="fr-FR" sz="3200" dirty="0" smtClean="0"/>
               <a:t>X2, T2 et A fixés  dès le début</a:t>
             </a:r>
-            <a:endParaRPr lang="fr-FR" sz="3200" dirty="0" smtClean="0"/>
           </a:p>
         </p:txBody>
       </p:sp>
@@ -18734,7 +18977,7 @@
           <a:p>
             <a:fld id="{91CCA55A-3F50-488D-A5E8-01F0969640CB}" type="slidenum">
               <a:rPr lang="en-US" smtClean="0"/>
-              <a:t>15</a:t>
+              <a:t>18</a:t>
             </a:fld>
             <a:endParaRPr lang="en-US"/>
           </a:p>
@@ -19417,7 +19660,7 @@
 </p:sld>
 </file>
 
-<file path=ppt/slides/slide16.xml><?xml version="1.0" encoding="utf-8"?>
+<file path=ppt/slides/slide19.xml><?xml version="1.0" encoding="utf-8"?>
 <p:sld xmlns:a="http://schemas.openxmlformats.org/drawingml/2006/main" xmlns:r="http://schemas.openxmlformats.org/officeDocument/2006/relationships" xmlns:p="http://schemas.openxmlformats.org/presentationml/2006/main">
   <p:cSld>
     <p:spTree>
@@ -19718,7 +19961,7 @@
           <a:p>
             <a:fld id="{91CCA55A-3F50-488D-A5E8-01F0969640CB}" type="slidenum">
               <a:rPr lang="en-US" smtClean="0"/>
-              <a:t>16</a:t>
+              <a:t>19</a:t>
             </a:fld>
             <a:endParaRPr lang="en-US"/>
           </a:p>
@@ -22911,7 +23154,1378 @@
 </p:sld>
 </file>
 
-<file path=ppt/slides/slide17.xml><?xml version="1.0" encoding="utf-8"?>
+<file path=ppt/slides/slide2.xml><?xml version="1.0" encoding="utf-8"?>
+<p:sld xmlns:a="http://schemas.openxmlformats.org/drawingml/2006/main" xmlns:r="http://schemas.openxmlformats.org/officeDocument/2006/relationships" xmlns:p="http://schemas.openxmlformats.org/presentationml/2006/main">
+  <p:cSld>
+    <p:spTree>
+      <p:nvGrpSpPr>
+        <p:cNvPr id="1" name=""/>
+        <p:cNvGrpSpPr/>
+        <p:nvPr/>
+      </p:nvGrpSpPr>
+      <p:grpSpPr>
+        <a:xfrm>
+          <a:off x="0" y="0"/>
+          <a:ext cx="0" cy="0"/>
+          <a:chOff x="0" y="0"/>
+          <a:chExt cx="0" cy="0"/>
+        </a:xfrm>
+      </p:grpSpPr>
+      <p:sp>
+        <p:nvSpPr>
+          <p:cNvPr id="2" name="Title 1"/>
+          <p:cNvSpPr>
+            <a:spLocks noGrp="1"/>
+          </p:cNvSpPr>
+          <p:nvPr>
+            <p:ph type="title"/>
+          </p:nvPr>
+        </p:nvSpPr>
+        <p:spPr/>
+        <p:txBody>
+          <a:bodyPr/>
+          <a:lstStyle/>
+          <a:p>
+            <a:r>
+              <a:rPr lang="en-US" dirty="0" smtClean="0"/>
+              <a:t>Plan</a:t>
+            </a:r>
+            <a:endParaRPr lang="en-US" dirty="0"/>
+          </a:p>
+        </p:txBody>
+      </p:sp>
+      <p:graphicFrame>
+        <p:nvGraphicFramePr>
+          <p:cNvPr id="4" name="Diagram 3"/>
+          <p:cNvGraphicFramePr/>
+          <p:nvPr>
+            <p:extLst>
+              <p:ext uri="{D42A27DB-BD31-4B8C-83A1-F6EECF244321}">
+                <p14:modId xmlns:p14="http://schemas.microsoft.com/office/powerpoint/2010/main" val="1325816020"/>
+              </p:ext>
+            </p:extLst>
+          </p:nvPr>
+        </p:nvGraphicFramePr>
+        <p:xfrm>
+          <a:off x="2142705" y="2210937"/>
+          <a:ext cx="8393374" cy="4282237"/>
+        </p:xfrm>
+        <a:graphic>
+          <a:graphicData uri="http://schemas.openxmlformats.org/drawingml/2006/diagram">
+            <dgm:relIds xmlns:dgm="http://schemas.openxmlformats.org/drawingml/2006/diagram" xmlns:r="http://schemas.openxmlformats.org/officeDocument/2006/relationships" r:dm="rId3" r:lo="rId4" r:qs="rId5" r:cs="rId6"/>
+          </a:graphicData>
+        </a:graphic>
+      </p:graphicFrame>
+      <p:sp>
+        <p:nvSpPr>
+          <p:cNvPr id="5" name="Slide Number Placeholder 4"/>
+          <p:cNvSpPr>
+            <a:spLocks noGrp="1"/>
+          </p:cNvSpPr>
+          <p:nvPr>
+            <p:ph type="sldNum" sz="quarter" idx="12"/>
+          </p:nvPr>
+        </p:nvSpPr>
+        <p:spPr/>
+        <p:txBody>
+          <a:bodyPr/>
+          <a:lstStyle/>
+          <a:p>
+            <a:fld id="{91CCA55A-3F50-488D-A5E8-01F0969640CB}" type="slidenum">
+              <a:rPr lang="en-US" smtClean="0"/>
+              <a:t>2</a:t>
+            </a:fld>
+            <a:endParaRPr lang="en-US"/>
+          </a:p>
+        </p:txBody>
+      </p:sp>
+    </p:spTree>
+    <p:extLst>
+      <p:ext uri="{BB962C8B-B14F-4D97-AF65-F5344CB8AC3E}">
+        <p14:creationId xmlns:p14="http://schemas.microsoft.com/office/powerpoint/2010/main" val="4221141039"/>
+      </p:ext>
+    </p:extLst>
+  </p:cSld>
+  <p:clrMapOvr>
+    <a:masterClrMapping/>
+  </p:clrMapOvr>
+  <p:timing>
+    <p:tnLst>
+      <p:par>
+        <p:cTn id="1" dur="indefinite" restart="never" nodeType="tmRoot">
+          <p:childTnLst>
+            <p:seq concurrent="1" nextAc="seek">
+              <p:cTn id="2" dur="indefinite" nodeType="mainSeq">
+                <p:childTnLst>
+                  <p:par>
+                    <p:cTn id="3" fill="hold">
+                      <p:stCondLst>
+                        <p:cond delay="indefinite"/>
+                      </p:stCondLst>
+                      <p:childTnLst>
+                        <p:par>
+                          <p:cTn id="4" fill="hold">
+                            <p:stCondLst>
+                              <p:cond delay="0"/>
+                            </p:stCondLst>
+                            <p:childTnLst>
+                              <p:par>
+                                <p:cTn id="5" presetID="2" presetClass="entr" presetSubtype="4" fill="hold" grpId="0" nodeType="clickEffect">
+                                  <p:stCondLst>
+                                    <p:cond delay="0"/>
+                                  </p:stCondLst>
+                                  <p:childTnLst>
+                                    <p:set>
+                                      <p:cBhvr>
+                                        <p:cTn id="6" dur="1" fill="hold">
+                                          <p:stCondLst>
+                                            <p:cond delay="0"/>
+                                          </p:stCondLst>
+                                        </p:cTn>
+                                        <p:tgtEl>
+                                          <p:spTgt spid="4">
+                                            <p:graphicEl>
+                                              <a:dgm id="{889AD724-97DC-4930-B9DB-DBAB3D123053}"/>
+                                            </p:graphicEl>
+                                          </p:spTgt>
+                                        </p:tgtEl>
+                                        <p:attrNameLst>
+                                          <p:attrName>style.visibility</p:attrName>
+                                        </p:attrNameLst>
+                                      </p:cBhvr>
+                                      <p:to>
+                                        <p:strVal val="visible"/>
+                                      </p:to>
+                                    </p:set>
+                                    <p:anim calcmode="lin" valueType="num">
+                                      <p:cBhvr additive="base">
+                                        <p:cTn id="7" dur="250" fill="hold"/>
+                                        <p:tgtEl>
+                                          <p:spTgt spid="4">
+                                            <p:graphicEl>
+                                              <a:dgm id="{889AD724-97DC-4930-B9DB-DBAB3D123053}"/>
+                                            </p:graphicEl>
+                                          </p:spTgt>
+                                        </p:tgtEl>
+                                        <p:attrNameLst>
+                                          <p:attrName>ppt_x</p:attrName>
+                                        </p:attrNameLst>
+                                      </p:cBhvr>
+                                      <p:tavLst>
+                                        <p:tav tm="0">
+                                          <p:val>
+                                            <p:strVal val="#ppt_x"/>
+                                          </p:val>
+                                        </p:tav>
+                                        <p:tav tm="100000">
+                                          <p:val>
+                                            <p:strVal val="#ppt_x"/>
+                                          </p:val>
+                                        </p:tav>
+                                      </p:tavLst>
+                                    </p:anim>
+                                    <p:anim calcmode="lin" valueType="num">
+                                      <p:cBhvr additive="base">
+                                        <p:cTn id="8" dur="250" fill="hold"/>
+                                        <p:tgtEl>
+                                          <p:spTgt spid="4">
+                                            <p:graphicEl>
+                                              <a:dgm id="{889AD724-97DC-4930-B9DB-DBAB3D123053}"/>
+                                            </p:graphicEl>
+                                          </p:spTgt>
+                                        </p:tgtEl>
+                                        <p:attrNameLst>
+                                          <p:attrName>ppt_y</p:attrName>
+                                        </p:attrNameLst>
+                                      </p:cBhvr>
+                                      <p:tavLst>
+                                        <p:tav tm="0">
+                                          <p:val>
+                                            <p:strVal val="1+#ppt_h/2"/>
+                                          </p:val>
+                                        </p:tav>
+                                        <p:tav tm="100000">
+                                          <p:val>
+                                            <p:strVal val="#ppt_y"/>
+                                          </p:val>
+                                        </p:tav>
+                                      </p:tavLst>
+                                    </p:anim>
+                                  </p:childTnLst>
+                                </p:cTn>
+                              </p:par>
+                            </p:childTnLst>
+                          </p:cTn>
+                        </p:par>
+                      </p:childTnLst>
+                    </p:cTn>
+                  </p:par>
+                  <p:par>
+                    <p:cTn id="9" fill="hold">
+                      <p:stCondLst>
+                        <p:cond delay="indefinite"/>
+                      </p:stCondLst>
+                      <p:childTnLst>
+                        <p:par>
+                          <p:cTn id="10" fill="hold">
+                            <p:stCondLst>
+                              <p:cond delay="0"/>
+                            </p:stCondLst>
+                            <p:childTnLst>
+                              <p:par>
+                                <p:cTn id="11" presetID="2" presetClass="entr" presetSubtype="4" fill="hold" grpId="0" nodeType="clickEffect">
+                                  <p:stCondLst>
+                                    <p:cond delay="0"/>
+                                  </p:stCondLst>
+                                  <p:childTnLst>
+                                    <p:set>
+                                      <p:cBhvr>
+                                        <p:cTn id="12" dur="1" fill="hold">
+                                          <p:stCondLst>
+                                            <p:cond delay="0"/>
+                                          </p:stCondLst>
+                                        </p:cTn>
+                                        <p:tgtEl>
+                                          <p:spTgt spid="4">
+                                            <p:graphicEl>
+                                              <a:dgm id="{CF20245F-33D4-466F-898E-F5BB18451CED}"/>
+                                            </p:graphicEl>
+                                          </p:spTgt>
+                                        </p:tgtEl>
+                                        <p:attrNameLst>
+                                          <p:attrName>style.visibility</p:attrName>
+                                        </p:attrNameLst>
+                                      </p:cBhvr>
+                                      <p:to>
+                                        <p:strVal val="visible"/>
+                                      </p:to>
+                                    </p:set>
+                                    <p:anim calcmode="lin" valueType="num">
+                                      <p:cBhvr additive="base">
+                                        <p:cTn id="13" dur="250" fill="hold"/>
+                                        <p:tgtEl>
+                                          <p:spTgt spid="4">
+                                            <p:graphicEl>
+                                              <a:dgm id="{CF20245F-33D4-466F-898E-F5BB18451CED}"/>
+                                            </p:graphicEl>
+                                          </p:spTgt>
+                                        </p:tgtEl>
+                                        <p:attrNameLst>
+                                          <p:attrName>ppt_x</p:attrName>
+                                        </p:attrNameLst>
+                                      </p:cBhvr>
+                                      <p:tavLst>
+                                        <p:tav tm="0">
+                                          <p:val>
+                                            <p:strVal val="#ppt_x"/>
+                                          </p:val>
+                                        </p:tav>
+                                        <p:tav tm="100000">
+                                          <p:val>
+                                            <p:strVal val="#ppt_x"/>
+                                          </p:val>
+                                        </p:tav>
+                                      </p:tavLst>
+                                    </p:anim>
+                                    <p:anim calcmode="lin" valueType="num">
+                                      <p:cBhvr additive="base">
+                                        <p:cTn id="14" dur="250" fill="hold"/>
+                                        <p:tgtEl>
+                                          <p:spTgt spid="4">
+                                            <p:graphicEl>
+                                              <a:dgm id="{CF20245F-33D4-466F-898E-F5BB18451CED}"/>
+                                            </p:graphicEl>
+                                          </p:spTgt>
+                                        </p:tgtEl>
+                                        <p:attrNameLst>
+                                          <p:attrName>ppt_y</p:attrName>
+                                        </p:attrNameLst>
+                                      </p:cBhvr>
+                                      <p:tavLst>
+                                        <p:tav tm="0">
+                                          <p:val>
+                                            <p:strVal val="1+#ppt_h/2"/>
+                                          </p:val>
+                                        </p:tav>
+                                        <p:tav tm="100000">
+                                          <p:val>
+                                            <p:strVal val="#ppt_y"/>
+                                          </p:val>
+                                        </p:tav>
+                                      </p:tavLst>
+                                    </p:anim>
+                                  </p:childTnLst>
+                                </p:cTn>
+                              </p:par>
+                            </p:childTnLst>
+                          </p:cTn>
+                        </p:par>
+                      </p:childTnLst>
+                    </p:cTn>
+                  </p:par>
+                  <p:par>
+                    <p:cTn id="15" fill="hold">
+                      <p:stCondLst>
+                        <p:cond delay="indefinite"/>
+                      </p:stCondLst>
+                      <p:childTnLst>
+                        <p:par>
+                          <p:cTn id="16" fill="hold">
+                            <p:stCondLst>
+                              <p:cond delay="0"/>
+                            </p:stCondLst>
+                            <p:childTnLst>
+                              <p:par>
+                                <p:cTn id="17" presetID="2" presetClass="entr" presetSubtype="4" fill="hold" grpId="0" nodeType="clickEffect">
+                                  <p:stCondLst>
+                                    <p:cond delay="0"/>
+                                  </p:stCondLst>
+                                  <p:childTnLst>
+                                    <p:set>
+                                      <p:cBhvr>
+                                        <p:cTn id="18" dur="1" fill="hold">
+                                          <p:stCondLst>
+                                            <p:cond delay="0"/>
+                                          </p:stCondLst>
+                                        </p:cTn>
+                                        <p:tgtEl>
+                                          <p:spTgt spid="4">
+                                            <p:graphicEl>
+                                              <a:dgm id="{50E7F155-0B28-4EB8-A3DA-F62B28ED4788}"/>
+                                            </p:graphicEl>
+                                          </p:spTgt>
+                                        </p:tgtEl>
+                                        <p:attrNameLst>
+                                          <p:attrName>style.visibility</p:attrName>
+                                        </p:attrNameLst>
+                                      </p:cBhvr>
+                                      <p:to>
+                                        <p:strVal val="visible"/>
+                                      </p:to>
+                                    </p:set>
+                                    <p:anim calcmode="lin" valueType="num">
+                                      <p:cBhvr additive="base">
+                                        <p:cTn id="19" dur="250" fill="hold"/>
+                                        <p:tgtEl>
+                                          <p:spTgt spid="4">
+                                            <p:graphicEl>
+                                              <a:dgm id="{50E7F155-0B28-4EB8-A3DA-F62B28ED4788}"/>
+                                            </p:graphicEl>
+                                          </p:spTgt>
+                                        </p:tgtEl>
+                                        <p:attrNameLst>
+                                          <p:attrName>ppt_x</p:attrName>
+                                        </p:attrNameLst>
+                                      </p:cBhvr>
+                                      <p:tavLst>
+                                        <p:tav tm="0">
+                                          <p:val>
+                                            <p:strVal val="#ppt_x"/>
+                                          </p:val>
+                                        </p:tav>
+                                        <p:tav tm="100000">
+                                          <p:val>
+                                            <p:strVal val="#ppt_x"/>
+                                          </p:val>
+                                        </p:tav>
+                                      </p:tavLst>
+                                    </p:anim>
+                                    <p:anim calcmode="lin" valueType="num">
+                                      <p:cBhvr additive="base">
+                                        <p:cTn id="20" dur="250" fill="hold"/>
+                                        <p:tgtEl>
+                                          <p:spTgt spid="4">
+                                            <p:graphicEl>
+                                              <a:dgm id="{50E7F155-0B28-4EB8-A3DA-F62B28ED4788}"/>
+                                            </p:graphicEl>
+                                          </p:spTgt>
+                                        </p:tgtEl>
+                                        <p:attrNameLst>
+                                          <p:attrName>ppt_y</p:attrName>
+                                        </p:attrNameLst>
+                                      </p:cBhvr>
+                                      <p:tavLst>
+                                        <p:tav tm="0">
+                                          <p:val>
+                                            <p:strVal val="1+#ppt_h/2"/>
+                                          </p:val>
+                                        </p:tav>
+                                        <p:tav tm="100000">
+                                          <p:val>
+                                            <p:strVal val="#ppt_y"/>
+                                          </p:val>
+                                        </p:tav>
+                                      </p:tavLst>
+                                    </p:anim>
+                                  </p:childTnLst>
+                                </p:cTn>
+                              </p:par>
+                            </p:childTnLst>
+                          </p:cTn>
+                        </p:par>
+                      </p:childTnLst>
+                    </p:cTn>
+                  </p:par>
+                  <p:par>
+                    <p:cTn id="21" fill="hold">
+                      <p:stCondLst>
+                        <p:cond delay="indefinite"/>
+                      </p:stCondLst>
+                      <p:childTnLst>
+                        <p:par>
+                          <p:cTn id="22" fill="hold">
+                            <p:stCondLst>
+                              <p:cond delay="0"/>
+                            </p:stCondLst>
+                            <p:childTnLst>
+                              <p:par>
+                                <p:cTn id="23" presetID="2" presetClass="entr" presetSubtype="4" fill="hold" grpId="0" nodeType="clickEffect">
+                                  <p:stCondLst>
+                                    <p:cond delay="0"/>
+                                  </p:stCondLst>
+                                  <p:childTnLst>
+                                    <p:set>
+                                      <p:cBhvr>
+                                        <p:cTn id="24" dur="1" fill="hold">
+                                          <p:stCondLst>
+                                            <p:cond delay="0"/>
+                                          </p:stCondLst>
+                                        </p:cTn>
+                                        <p:tgtEl>
+                                          <p:spTgt spid="4">
+                                            <p:graphicEl>
+                                              <a:dgm id="{5D21B0F4-0BFF-4375-93B3-BD56BB6213EC}"/>
+                                            </p:graphicEl>
+                                          </p:spTgt>
+                                        </p:tgtEl>
+                                        <p:attrNameLst>
+                                          <p:attrName>style.visibility</p:attrName>
+                                        </p:attrNameLst>
+                                      </p:cBhvr>
+                                      <p:to>
+                                        <p:strVal val="visible"/>
+                                      </p:to>
+                                    </p:set>
+                                    <p:anim calcmode="lin" valueType="num">
+                                      <p:cBhvr additive="base">
+                                        <p:cTn id="25" dur="250" fill="hold"/>
+                                        <p:tgtEl>
+                                          <p:spTgt spid="4">
+                                            <p:graphicEl>
+                                              <a:dgm id="{5D21B0F4-0BFF-4375-93B3-BD56BB6213EC}"/>
+                                            </p:graphicEl>
+                                          </p:spTgt>
+                                        </p:tgtEl>
+                                        <p:attrNameLst>
+                                          <p:attrName>ppt_x</p:attrName>
+                                        </p:attrNameLst>
+                                      </p:cBhvr>
+                                      <p:tavLst>
+                                        <p:tav tm="0">
+                                          <p:val>
+                                            <p:strVal val="#ppt_x"/>
+                                          </p:val>
+                                        </p:tav>
+                                        <p:tav tm="100000">
+                                          <p:val>
+                                            <p:strVal val="#ppt_x"/>
+                                          </p:val>
+                                        </p:tav>
+                                      </p:tavLst>
+                                    </p:anim>
+                                    <p:anim calcmode="lin" valueType="num">
+                                      <p:cBhvr additive="base">
+                                        <p:cTn id="26" dur="250" fill="hold"/>
+                                        <p:tgtEl>
+                                          <p:spTgt spid="4">
+                                            <p:graphicEl>
+                                              <a:dgm id="{5D21B0F4-0BFF-4375-93B3-BD56BB6213EC}"/>
+                                            </p:graphicEl>
+                                          </p:spTgt>
+                                        </p:tgtEl>
+                                        <p:attrNameLst>
+                                          <p:attrName>ppt_y</p:attrName>
+                                        </p:attrNameLst>
+                                      </p:cBhvr>
+                                      <p:tavLst>
+                                        <p:tav tm="0">
+                                          <p:val>
+                                            <p:strVal val="1+#ppt_h/2"/>
+                                          </p:val>
+                                        </p:tav>
+                                        <p:tav tm="100000">
+                                          <p:val>
+                                            <p:strVal val="#ppt_y"/>
+                                          </p:val>
+                                        </p:tav>
+                                      </p:tavLst>
+                                    </p:anim>
+                                  </p:childTnLst>
+                                </p:cTn>
+                              </p:par>
+                            </p:childTnLst>
+                          </p:cTn>
+                        </p:par>
+                      </p:childTnLst>
+                    </p:cTn>
+                  </p:par>
+                  <p:par>
+                    <p:cTn id="27" fill="hold">
+                      <p:stCondLst>
+                        <p:cond delay="indefinite"/>
+                      </p:stCondLst>
+                      <p:childTnLst>
+                        <p:par>
+                          <p:cTn id="28" fill="hold">
+                            <p:stCondLst>
+                              <p:cond delay="0"/>
+                            </p:stCondLst>
+                            <p:childTnLst>
+                              <p:par>
+                                <p:cTn id="29" presetID="2" presetClass="entr" presetSubtype="4" fill="hold" grpId="0" nodeType="clickEffect">
+                                  <p:stCondLst>
+                                    <p:cond delay="0"/>
+                                  </p:stCondLst>
+                                  <p:childTnLst>
+                                    <p:set>
+                                      <p:cBhvr>
+                                        <p:cTn id="30" dur="1" fill="hold">
+                                          <p:stCondLst>
+                                            <p:cond delay="0"/>
+                                          </p:stCondLst>
+                                        </p:cTn>
+                                        <p:tgtEl>
+                                          <p:spTgt spid="4">
+                                            <p:graphicEl>
+                                              <a:dgm id="{F19540CE-E2C5-4FD1-A90C-A623A7080392}"/>
+                                            </p:graphicEl>
+                                          </p:spTgt>
+                                        </p:tgtEl>
+                                        <p:attrNameLst>
+                                          <p:attrName>style.visibility</p:attrName>
+                                        </p:attrNameLst>
+                                      </p:cBhvr>
+                                      <p:to>
+                                        <p:strVal val="visible"/>
+                                      </p:to>
+                                    </p:set>
+                                    <p:anim calcmode="lin" valueType="num">
+                                      <p:cBhvr additive="base">
+                                        <p:cTn id="31" dur="250" fill="hold"/>
+                                        <p:tgtEl>
+                                          <p:spTgt spid="4">
+                                            <p:graphicEl>
+                                              <a:dgm id="{F19540CE-E2C5-4FD1-A90C-A623A7080392}"/>
+                                            </p:graphicEl>
+                                          </p:spTgt>
+                                        </p:tgtEl>
+                                        <p:attrNameLst>
+                                          <p:attrName>ppt_x</p:attrName>
+                                        </p:attrNameLst>
+                                      </p:cBhvr>
+                                      <p:tavLst>
+                                        <p:tav tm="0">
+                                          <p:val>
+                                            <p:strVal val="#ppt_x"/>
+                                          </p:val>
+                                        </p:tav>
+                                        <p:tav tm="100000">
+                                          <p:val>
+                                            <p:strVal val="#ppt_x"/>
+                                          </p:val>
+                                        </p:tav>
+                                      </p:tavLst>
+                                    </p:anim>
+                                    <p:anim calcmode="lin" valueType="num">
+                                      <p:cBhvr additive="base">
+                                        <p:cTn id="32" dur="250" fill="hold"/>
+                                        <p:tgtEl>
+                                          <p:spTgt spid="4">
+                                            <p:graphicEl>
+                                              <a:dgm id="{F19540CE-E2C5-4FD1-A90C-A623A7080392}"/>
+                                            </p:graphicEl>
+                                          </p:spTgt>
+                                        </p:tgtEl>
+                                        <p:attrNameLst>
+                                          <p:attrName>ppt_y</p:attrName>
+                                        </p:attrNameLst>
+                                      </p:cBhvr>
+                                      <p:tavLst>
+                                        <p:tav tm="0">
+                                          <p:val>
+                                            <p:strVal val="1+#ppt_h/2"/>
+                                          </p:val>
+                                        </p:tav>
+                                        <p:tav tm="100000">
+                                          <p:val>
+                                            <p:strVal val="#ppt_y"/>
+                                          </p:val>
+                                        </p:tav>
+                                      </p:tavLst>
+                                    </p:anim>
+                                  </p:childTnLst>
+                                </p:cTn>
+                              </p:par>
+                            </p:childTnLst>
+                          </p:cTn>
+                        </p:par>
+                      </p:childTnLst>
+                    </p:cTn>
+                  </p:par>
+                  <p:par>
+                    <p:cTn id="33" fill="hold">
+                      <p:stCondLst>
+                        <p:cond delay="indefinite"/>
+                      </p:stCondLst>
+                      <p:childTnLst>
+                        <p:par>
+                          <p:cTn id="34" fill="hold">
+                            <p:stCondLst>
+                              <p:cond delay="0"/>
+                            </p:stCondLst>
+                            <p:childTnLst>
+                              <p:par>
+                                <p:cTn id="35" presetID="2" presetClass="entr" presetSubtype="4" fill="hold" grpId="0" nodeType="clickEffect">
+                                  <p:stCondLst>
+                                    <p:cond delay="0"/>
+                                  </p:stCondLst>
+                                  <p:childTnLst>
+                                    <p:set>
+                                      <p:cBhvr>
+                                        <p:cTn id="36" dur="1" fill="hold">
+                                          <p:stCondLst>
+                                            <p:cond delay="0"/>
+                                          </p:stCondLst>
+                                        </p:cTn>
+                                        <p:tgtEl>
+                                          <p:spTgt spid="4">
+                                            <p:graphicEl>
+                                              <a:dgm id="{3FF88047-6236-47E6-998D-4E3EA0983E72}"/>
+                                            </p:graphicEl>
+                                          </p:spTgt>
+                                        </p:tgtEl>
+                                        <p:attrNameLst>
+                                          <p:attrName>style.visibility</p:attrName>
+                                        </p:attrNameLst>
+                                      </p:cBhvr>
+                                      <p:to>
+                                        <p:strVal val="visible"/>
+                                      </p:to>
+                                    </p:set>
+                                    <p:anim calcmode="lin" valueType="num">
+                                      <p:cBhvr additive="base">
+                                        <p:cTn id="37" dur="250" fill="hold"/>
+                                        <p:tgtEl>
+                                          <p:spTgt spid="4">
+                                            <p:graphicEl>
+                                              <a:dgm id="{3FF88047-6236-47E6-998D-4E3EA0983E72}"/>
+                                            </p:graphicEl>
+                                          </p:spTgt>
+                                        </p:tgtEl>
+                                        <p:attrNameLst>
+                                          <p:attrName>ppt_x</p:attrName>
+                                        </p:attrNameLst>
+                                      </p:cBhvr>
+                                      <p:tavLst>
+                                        <p:tav tm="0">
+                                          <p:val>
+                                            <p:strVal val="#ppt_x"/>
+                                          </p:val>
+                                        </p:tav>
+                                        <p:tav tm="100000">
+                                          <p:val>
+                                            <p:strVal val="#ppt_x"/>
+                                          </p:val>
+                                        </p:tav>
+                                      </p:tavLst>
+                                    </p:anim>
+                                    <p:anim calcmode="lin" valueType="num">
+                                      <p:cBhvr additive="base">
+                                        <p:cTn id="38" dur="250" fill="hold"/>
+                                        <p:tgtEl>
+                                          <p:spTgt spid="4">
+                                            <p:graphicEl>
+                                              <a:dgm id="{3FF88047-6236-47E6-998D-4E3EA0983E72}"/>
+                                            </p:graphicEl>
+                                          </p:spTgt>
+                                        </p:tgtEl>
+                                        <p:attrNameLst>
+                                          <p:attrName>ppt_y</p:attrName>
+                                        </p:attrNameLst>
+                                      </p:cBhvr>
+                                      <p:tavLst>
+                                        <p:tav tm="0">
+                                          <p:val>
+                                            <p:strVal val="1+#ppt_h/2"/>
+                                          </p:val>
+                                        </p:tav>
+                                        <p:tav tm="100000">
+                                          <p:val>
+                                            <p:strVal val="#ppt_y"/>
+                                          </p:val>
+                                        </p:tav>
+                                      </p:tavLst>
+                                    </p:anim>
+                                  </p:childTnLst>
+                                </p:cTn>
+                              </p:par>
+                            </p:childTnLst>
+                          </p:cTn>
+                        </p:par>
+                      </p:childTnLst>
+                    </p:cTn>
+                  </p:par>
+                  <p:par>
+                    <p:cTn id="39" fill="hold">
+                      <p:stCondLst>
+                        <p:cond delay="indefinite"/>
+                      </p:stCondLst>
+                      <p:childTnLst>
+                        <p:par>
+                          <p:cTn id="40" fill="hold">
+                            <p:stCondLst>
+                              <p:cond delay="0"/>
+                            </p:stCondLst>
+                            <p:childTnLst>
+                              <p:par>
+                                <p:cTn id="41" presetID="2" presetClass="entr" presetSubtype="4" fill="hold" grpId="0" nodeType="clickEffect">
+                                  <p:stCondLst>
+                                    <p:cond delay="0"/>
+                                  </p:stCondLst>
+                                  <p:childTnLst>
+                                    <p:set>
+                                      <p:cBhvr>
+                                        <p:cTn id="42" dur="1" fill="hold">
+                                          <p:stCondLst>
+                                            <p:cond delay="0"/>
+                                          </p:stCondLst>
+                                        </p:cTn>
+                                        <p:tgtEl>
+                                          <p:spTgt spid="4">
+                                            <p:graphicEl>
+                                              <a:dgm id="{A6CE0B11-D65A-4EA5-AC61-673ADCCD0CA0}"/>
+                                            </p:graphicEl>
+                                          </p:spTgt>
+                                        </p:tgtEl>
+                                        <p:attrNameLst>
+                                          <p:attrName>style.visibility</p:attrName>
+                                        </p:attrNameLst>
+                                      </p:cBhvr>
+                                      <p:to>
+                                        <p:strVal val="visible"/>
+                                      </p:to>
+                                    </p:set>
+                                    <p:anim calcmode="lin" valueType="num">
+                                      <p:cBhvr additive="base">
+                                        <p:cTn id="43" dur="250" fill="hold"/>
+                                        <p:tgtEl>
+                                          <p:spTgt spid="4">
+                                            <p:graphicEl>
+                                              <a:dgm id="{A6CE0B11-D65A-4EA5-AC61-673ADCCD0CA0}"/>
+                                            </p:graphicEl>
+                                          </p:spTgt>
+                                        </p:tgtEl>
+                                        <p:attrNameLst>
+                                          <p:attrName>ppt_x</p:attrName>
+                                        </p:attrNameLst>
+                                      </p:cBhvr>
+                                      <p:tavLst>
+                                        <p:tav tm="0">
+                                          <p:val>
+                                            <p:strVal val="#ppt_x"/>
+                                          </p:val>
+                                        </p:tav>
+                                        <p:tav tm="100000">
+                                          <p:val>
+                                            <p:strVal val="#ppt_x"/>
+                                          </p:val>
+                                        </p:tav>
+                                      </p:tavLst>
+                                    </p:anim>
+                                    <p:anim calcmode="lin" valueType="num">
+                                      <p:cBhvr additive="base">
+                                        <p:cTn id="44" dur="250" fill="hold"/>
+                                        <p:tgtEl>
+                                          <p:spTgt spid="4">
+                                            <p:graphicEl>
+                                              <a:dgm id="{A6CE0B11-D65A-4EA5-AC61-673ADCCD0CA0}"/>
+                                            </p:graphicEl>
+                                          </p:spTgt>
+                                        </p:tgtEl>
+                                        <p:attrNameLst>
+                                          <p:attrName>ppt_y</p:attrName>
+                                        </p:attrNameLst>
+                                      </p:cBhvr>
+                                      <p:tavLst>
+                                        <p:tav tm="0">
+                                          <p:val>
+                                            <p:strVal val="1+#ppt_h/2"/>
+                                          </p:val>
+                                        </p:tav>
+                                        <p:tav tm="100000">
+                                          <p:val>
+                                            <p:strVal val="#ppt_y"/>
+                                          </p:val>
+                                        </p:tav>
+                                      </p:tavLst>
+                                    </p:anim>
+                                  </p:childTnLst>
+                                </p:cTn>
+                              </p:par>
+                            </p:childTnLst>
+                          </p:cTn>
+                        </p:par>
+                      </p:childTnLst>
+                    </p:cTn>
+                  </p:par>
+                  <p:par>
+                    <p:cTn id="45" fill="hold">
+                      <p:stCondLst>
+                        <p:cond delay="indefinite"/>
+                      </p:stCondLst>
+                      <p:childTnLst>
+                        <p:par>
+                          <p:cTn id="46" fill="hold">
+                            <p:stCondLst>
+                              <p:cond delay="0"/>
+                            </p:stCondLst>
+                            <p:childTnLst>
+                              <p:par>
+                                <p:cTn id="47" presetID="2" presetClass="entr" presetSubtype="4" fill="hold" grpId="0" nodeType="clickEffect">
+                                  <p:stCondLst>
+                                    <p:cond delay="0"/>
+                                  </p:stCondLst>
+                                  <p:childTnLst>
+                                    <p:set>
+                                      <p:cBhvr>
+                                        <p:cTn id="48" dur="1" fill="hold">
+                                          <p:stCondLst>
+                                            <p:cond delay="0"/>
+                                          </p:stCondLst>
+                                        </p:cTn>
+                                        <p:tgtEl>
+                                          <p:spTgt spid="4">
+                                            <p:graphicEl>
+                                              <a:dgm id="{8AB5A1D8-F846-4952-91D5-8A7FE5012D93}"/>
+                                            </p:graphicEl>
+                                          </p:spTgt>
+                                        </p:tgtEl>
+                                        <p:attrNameLst>
+                                          <p:attrName>style.visibility</p:attrName>
+                                        </p:attrNameLst>
+                                      </p:cBhvr>
+                                      <p:to>
+                                        <p:strVal val="visible"/>
+                                      </p:to>
+                                    </p:set>
+                                    <p:anim calcmode="lin" valueType="num">
+                                      <p:cBhvr additive="base">
+                                        <p:cTn id="49" dur="250" fill="hold"/>
+                                        <p:tgtEl>
+                                          <p:spTgt spid="4">
+                                            <p:graphicEl>
+                                              <a:dgm id="{8AB5A1D8-F846-4952-91D5-8A7FE5012D93}"/>
+                                            </p:graphicEl>
+                                          </p:spTgt>
+                                        </p:tgtEl>
+                                        <p:attrNameLst>
+                                          <p:attrName>ppt_x</p:attrName>
+                                        </p:attrNameLst>
+                                      </p:cBhvr>
+                                      <p:tavLst>
+                                        <p:tav tm="0">
+                                          <p:val>
+                                            <p:strVal val="#ppt_x"/>
+                                          </p:val>
+                                        </p:tav>
+                                        <p:tav tm="100000">
+                                          <p:val>
+                                            <p:strVal val="#ppt_x"/>
+                                          </p:val>
+                                        </p:tav>
+                                      </p:tavLst>
+                                    </p:anim>
+                                    <p:anim calcmode="lin" valueType="num">
+                                      <p:cBhvr additive="base">
+                                        <p:cTn id="50" dur="250" fill="hold"/>
+                                        <p:tgtEl>
+                                          <p:spTgt spid="4">
+                                            <p:graphicEl>
+                                              <a:dgm id="{8AB5A1D8-F846-4952-91D5-8A7FE5012D93}"/>
+                                            </p:graphicEl>
+                                          </p:spTgt>
+                                        </p:tgtEl>
+                                        <p:attrNameLst>
+                                          <p:attrName>ppt_y</p:attrName>
+                                        </p:attrNameLst>
+                                      </p:cBhvr>
+                                      <p:tavLst>
+                                        <p:tav tm="0">
+                                          <p:val>
+                                            <p:strVal val="1+#ppt_h/2"/>
+                                          </p:val>
+                                        </p:tav>
+                                        <p:tav tm="100000">
+                                          <p:val>
+                                            <p:strVal val="#ppt_y"/>
+                                          </p:val>
+                                        </p:tav>
+                                      </p:tavLst>
+                                    </p:anim>
+                                  </p:childTnLst>
+                                </p:cTn>
+                              </p:par>
+                            </p:childTnLst>
+                          </p:cTn>
+                        </p:par>
+                      </p:childTnLst>
+                    </p:cTn>
+                  </p:par>
+                  <p:par>
+                    <p:cTn id="51" fill="hold">
+                      <p:stCondLst>
+                        <p:cond delay="indefinite"/>
+                      </p:stCondLst>
+                      <p:childTnLst>
+                        <p:par>
+                          <p:cTn id="52" fill="hold">
+                            <p:stCondLst>
+                              <p:cond delay="0"/>
+                            </p:stCondLst>
+                            <p:childTnLst>
+                              <p:par>
+                                <p:cTn id="53" presetID="2" presetClass="entr" presetSubtype="4" fill="hold" grpId="0" nodeType="clickEffect">
+                                  <p:stCondLst>
+                                    <p:cond delay="0"/>
+                                  </p:stCondLst>
+                                  <p:childTnLst>
+                                    <p:set>
+                                      <p:cBhvr>
+                                        <p:cTn id="54" dur="1" fill="hold">
+                                          <p:stCondLst>
+                                            <p:cond delay="0"/>
+                                          </p:stCondLst>
+                                        </p:cTn>
+                                        <p:tgtEl>
+                                          <p:spTgt spid="4">
+                                            <p:graphicEl>
+                                              <a:dgm id="{B42C3359-B3EE-455E-8DA8-EEADBB34ADA4}"/>
+                                            </p:graphicEl>
+                                          </p:spTgt>
+                                        </p:tgtEl>
+                                        <p:attrNameLst>
+                                          <p:attrName>style.visibility</p:attrName>
+                                        </p:attrNameLst>
+                                      </p:cBhvr>
+                                      <p:to>
+                                        <p:strVal val="visible"/>
+                                      </p:to>
+                                    </p:set>
+                                    <p:anim calcmode="lin" valueType="num">
+                                      <p:cBhvr additive="base">
+                                        <p:cTn id="55" dur="250" fill="hold"/>
+                                        <p:tgtEl>
+                                          <p:spTgt spid="4">
+                                            <p:graphicEl>
+                                              <a:dgm id="{B42C3359-B3EE-455E-8DA8-EEADBB34ADA4}"/>
+                                            </p:graphicEl>
+                                          </p:spTgt>
+                                        </p:tgtEl>
+                                        <p:attrNameLst>
+                                          <p:attrName>ppt_x</p:attrName>
+                                        </p:attrNameLst>
+                                      </p:cBhvr>
+                                      <p:tavLst>
+                                        <p:tav tm="0">
+                                          <p:val>
+                                            <p:strVal val="#ppt_x"/>
+                                          </p:val>
+                                        </p:tav>
+                                        <p:tav tm="100000">
+                                          <p:val>
+                                            <p:strVal val="#ppt_x"/>
+                                          </p:val>
+                                        </p:tav>
+                                      </p:tavLst>
+                                    </p:anim>
+                                    <p:anim calcmode="lin" valueType="num">
+                                      <p:cBhvr additive="base">
+                                        <p:cTn id="56" dur="250" fill="hold"/>
+                                        <p:tgtEl>
+                                          <p:spTgt spid="4">
+                                            <p:graphicEl>
+                                              <a:dgm id="{B42C3359-B3EE-455E-8DA8-EEADBB34ADA4}"/>
+                                            </p:graphicEl>
+                                          </p:spTgt>
+                                        </p:tgtEl>
+                                        <p:attrNameLst>
+                                          <p:attrName>ppt_y</p:attrName>
+                                        </p:attrNameLst>
+                                      </p:cBhvr>
+                                      <p:tavLst>
+                                        <p:tav tm="0">
+                                          <p:val>
+                                            <p:strVal val="1+#ppt_h/2"/>
+                                          </p:val>
+                                        </p:tav>
+                                        <p:tav tm="100000">
+                                          <p:val>
+                                            <p:strVal val="#ppt_y"/>
+                                          </p:val>
+                                        </p:tav>
+                                      </p:tavLst>
+                                    </p:anim>
+                                  </p:childTnLst>
+                                </p:cTn>
+                              </p:par>
+                            </p:childTnLst>
+                          </p:cTn>
+                        </p:par>
+                      </p:childTnLst>
+                    </p:cTn>
+                  </p:par>
+                  <p:par>
+                    <p:cTn id="57" fill="hold">
+                      <p:stCondLst>
+                        <p:cond delay="indefinite"/>
+                      </p:stCondLst>
+                      <p:childTnLst>
+                        <p:par>
+                          <p:cTn id="58" fill="hold">
+                            <p:stCondLst>
+                              <p:cond delay="0"/>
+                            </p:stCondLst>
+                            <p:childTnLst>
+                              <p:par>
+                                <p:cTn id="59" presetID="2" presetClass="entr" presetSubtype="4" fill="hold" grpId="0" nodeType="clickEffect">
+                                  <p:stCondLst>
+                                    <p:cond delay="0"/>
+                                  </p:stCondLst>
+                                  <p:childTnLst>
+                                    <p:set>
+                                      <p:cBhvr>
+                                        <p:cTn id="60" dur="1" fill="hold">
+                                          <p:stCondLst>
+                                            <p:cond delay="0"/>
+                                          </p:stCondLst>
+                                        </p:cTn>
+                                        <p:tgtEl>
+                                          <p:spTgt spid="4">
+                                            <p:graphicEl>
+                                              <a:dgm id="{0053D2EA-E96A-485A-9B47-065EB2ECE275}"/>
+                                            </p:graphicEl>
+                                          </p:spTgt>
+                                        </p:tgtEl>
+                                        <p:attrNameLst>
+                                          <p:attrName>style.visibility</p:attrName>
+                                        </p:attrNameLst>
+                                      </p:cBhvr>
+                                      <p:to>
+                                        <p:strVal val="visible"/>
+                                      </p:to>
+                                    </p:set>
+                                    <p:anim calcmode="lin" valueType="num">
+                                      <p:cBhvr additive="base">
+                                        <p:cTn id="61" dur="250" fill="hold"/>
+                                        <p:tgtEl>
+                                          <p:spTgt spid="4">
+                                            <p:graphicEl>
+                                              <a:dgm id="{0053D2EA-E96A-485A-9B47-065EB2ECE275}"/>
+                                            </p:graphicEl>
+                                          </p:spTgt>
+                                        </p:tgtEl>
+                                        <p:attrNameLst>
+                                          <p:attrName>ppt_x</p:attrName>
+                                        </p:attrNameLst>
+                                      </p:cBhvr>
+                                      <p:tavLst>
+                                        <p:tav tm="0">
+                                          <p:val>
+                                            <p:strVal val="#ppt_x"/>
+                                          </p:val>
+                                        </p:tav>
+                                        <p:tav tm="100000">
+                                          <p:val>
+                                            <p:strVal val="#ppt_x"/>
+                                          </p:val>
+                                        </p:tav>
+                                      </p:tavLst>
+                                    </p:anim>
+                                    <p:anim calcmode="lin" valueType="num">
+                                      <p:cBhvr additive="base">
+                                        <p:cTn id="62" dur="250" fill="hold"/>
+                                        <p:tgtEl>
+                                          <p:spTgt spid="4">
+                                            <p:graphicEl>
+                                              <a:dgm id="{0053D2EA-E96A-485A-9B47-065EB2ECE275}"/>
+                                            </p:graphicEl>
+                                          </p:spTgt>
+                                        </p:tgtEl>
+                                        <p:attrNameLst>
+                                          <p:attrName>ppt_y</p:attrName>
+                                        </p:attrNameLst>
+                                      </p:cBhvr>
+                                      <p:tavLst>
+                                        <p:tav tm="0">
+                                          <p:val>
+                                            <p:strVal val="1+#ppt_h/2"/>
+                                          </p:val>
+                                        </p:tav>
+                                        <p:tav tm="100000">
+                                          <p:val>
+                                            <p:strVal val="#ppt_y"/>
+                                          </p:val>
+                                        </p:tav>
+                                      </p:tavLst>
+                                    </p:anim>
+                                  </p:childTnLst>
+                                </p:cTn>
+                              </p:par>
+                            </p:childTnLst>
+                          </p:cTn>
+                        </p:par>
+                      </p:childTnLst>
+                    </p:cTn>
+                  </p:par>
+                  <p:par>
+                    <p:cTn id="63" fill="hold">
+                      <p:stCondLst>
+                        <p:cond delay="indefinite"/>
+                      </p:stCondLst>
+                      <p:childTnLst>
+                        <p:par>
+                          <p:cTn id="64" fill="hold">
+                            <p:stCondLst>
+                              <p:cond delay="0"/>
+                            </p:stCondLst>
+                            <p:childTnLst>
+                              <p:par>
+                                <p:cTn id="65" presetID="2" presetClass="entr" presetSubtype="4" fill="hold" grpId="0" nodeType="clickEffect">
+                                  <p:stCondLst>
+                                    <p:cond delay="0"/>
+                                  </p:stCondLst>
+                                  <p:childTnLst>
+                                    <p:set>
+                                      <p:cBhvr>
+                                        <p:cTn id="66" dur="1" fill="hold">
+                                          <p:stCondLst>
+                                            <p:cond delay="0"/>
+                                          </p:stCondLst>
+                                        </p:cTn>
+                                        <p:tgtEl>
+                                          <p:spTgt spid="4">
+                                            <p:graphicEl>
+                                              <a:dgm id="{225C83A9-779B-4707-93D8-DCD1C911EBB6}"/>
+                                            </p:graphicEl>
+                                          </p:spTgt>
+                                        </p:tgtEl>
+                                        <p:attrNameLst>
+                                          <p:attrName>style.visibility</p:attrName>
+                                        </p:attrNameLst>
+                                      </p:cBhvr>
+                                      <p:to>
+                                        <p:strVal val="visible"/>
+                                      </p:to>
+                                    </p:set>
+                                    <p:anim calcmode="lin" valueType="num">
+                                      <p:cBhvr additive="base">
+                                        <p:cTn id="67" dur="250" fill="hold"/>
+                                        <p:tgtEl>
+                                          <p:spTgt spid="4">
+                                            <p:graphicEl>
+                                              <a:dgm id="{225C83A9-779B-4707-93D8-DCD1C911EBB6}"/>
+                                            </p:graphicEl>
+                                          </p:spTgt>
+                                        </p:tgtEl>
+                                        <p:attrNameLst>
+                                          <p:attrName>ppt_x</p:attrName>
+                                        </p:attrNameLst>
+                                      </p:cBhvr>
+                                      <p:tavLst>
+                                        <p:tav tm="0">
+                                          <p:val>
+                                            <p:strVal val="#ppt_x"/>
+                                          </p:val>
+                                        </p:tav>
+                                        <p:tav tm="100000">
+                                          <p:val>
+                                            <p:strVal val="#ppt_x"/>
+                                          </p:val>
+                                        </p:tav>
+                                      </p:tavLst>
+                                    </p:anim>
+                                    <p:anim calcmode="lin" valueType="num">
+                                      <p:cBhvr additive="base">
+                                        <p:cTn id="68" dur="250" fill="hold"/>
+                                        <p:tgtEl>
+                                          <p:spTgt spid="4">
+                                            <p:graphicEl>
+                                              <a:dgm id="{225C83A9-779B-4707-93D8-DCD1C911EBB6}"/>
+                                            </p:graphicEl>
+                                          </p:spTgt>
+                                        </p:tgtEl>
+                                        <p:attrNameLst>
+                                          <p:attrName>ppt_y</p:attrName>
+                                        </p:attrNameLst>
+                                      </p:cBhvr>
+                                      <p:tavLst>
+                                        <p:tav tm="0">
+                                          <p:val>
+                                            <p:strVal val="1+#ppt_h/2"/>
+                                          </p:val>
+                                        </p:tav>
+                                        <p:tav tm="100000">
+                                          <p:val>
+                                            <p:strVal val="#ppt_y"/>
+                                          </p:val>
+                                        </p:tav>
+                                      </p:tavLst>
+                                    </p:anim>
+                                  </p:childTnLst>
+                                </p:cTn>
+                              </p:par>
+                            </p:childTnLst>
+                          </p:cTn>
+                        </p:par>
+                      </p:childTnLst>
+                    </p:cTn>
+                  </p:par>
+                  <p:par>
+                    <p:cTn id="69" fill="hold">
+                      <p:stCondLst>
+                        <p:cond delay="indefinite"/>
+                      </p:stCondLst>
+                      <p:childTnLst>
+                        <p:par>
+                          <p:cTn id="70" fill="hold">
+                            <p:stCondLst>
+                              <p:cond delay="0"/>
+                            </p:stCondLst>
+                            <p:childTnLst>
+                              <p:par>
+                                <p:cTn id="71" presetID="2" presetClass="entr" presetSubtype="4" fill="hold" grpId="0" nodeType="clickEffect">
+                                  <p:stCondLst>
+                                    <p:cond delay="0"/>
+                                  </p:stCondLst>
+                                  <p:childTnLst>
+                                    <p:set>
+                                      <p:cBhvr>
+                                        <p:cTn id="72" dur="1" fill="hold">
+                                          <p:stCondLst>
+                                            <p:cond delay="0"/>
+                                          </p:stCondLst>
+                                        </p:cTn>
+                                        <p:tgtEl>
+                                          <p:spTgt spid="4">
+                                            <p:graphicEl>
+                                              <a:dgm id="{6574DC34-666A-4340-A81D-BCA3F02AB8AF}"/>
+                                            </p:graphicEl>
+                                          </p:spTgt>
+                                        </p:tgtEl>
+                                        <p:attrNameLst>
+                                          <p:attrName>style.visibility</p:attrName>
+                                        </p:attrNameLst>
+                                      </p:cBhvr>
+                                      <p:to>
+                                        <p:strVal val="visible"/>
+                                      </p:to>
+                                    </p:set>
+                                    <p:anim calcmode="lin" valueType="num">
+                                      <p:cBhvr additive="base">
+                                        <p:cTn id="73" dur="250" fill="hold"/>
+                                        <p:tgtEl>
+                                          <p:spTgt spid="4">
+                                            <p:graphicEl>
+                                              <a:dgm id="{6574DC34-666A-4340-A81D-BCA3F02AB8AF}"/>
+                                            </p:graphicEl>
+                                          </p:spTgt>
+                                        </p:tgtEl>
+                                        <p:attrNameLst>
+                                          <p:attrName>ppt_x</p:attrName>
+                                        </p:attrNameLst>
+                                      </p:cBhvr>
+                                      <p:tavLst>
+                                        <p:tav tm="0">
+                                          <p:val>
+                                            <p:strVal val="#ppt_x"/>
+                                          </p:val>
+                                        </p:tav>
+                                        <p:tav tm="100000">
+                                          <p:val>
+                                            <p:strVal val="#ppt_x"/>
+                                          </p:val>
+                                        </p:tav>
+                                      </p:tavLst>
+                                    </p:anim>
+                                    <p:anim calcmode="lin" valueType="num">
+                                      <p:cBhvr additive="base">
+                                        <p:cTn id="74" dur="250" fill="hold"/>
+                                        <p:tgtEl>
+                                          <p:spTgt spid="4">
+                                            <p:graphicEl>
+                                              <a:dgm id="{6574DC34-666A-4340-A81D-BCA3F02AB8AF}"/>
+                                            </p:graphicEl>
+                                          </p:spTgt>
+                                        </p:tgtEl>
+                                        <p:attrNameLst>
+                                          <p:attrName>ppt_y</p:attrName>
+                                        </p:attrNameLst>
+                                      </p:cBhvr>
+                                      <p:tavLst>
+                                        <p:tav tm="0">
+                                          <p:val>
+                                            <p:strVal val="1+#ppt_h/2"/>
+                                          </p:val>
+                                        </p:tav>
+                                        <p:tav tm="100000">
+                                          <p:val>
+                                            <p:strVal val="#ppt_y"/>
+                                          </p:val>
+                                        </p:tav>
+                                      </p:tavLst>
+                                    </p:anim>
+                                  </p:childTnLst>
+                                </p:cTn>
+                              </p:par>
+                            </p:childTnLst>
+                          </p:cTn>
+                        </p:par>
+                      </p:childTnLst>
+                    </p:cTn>
+                  </p:par>
+                </p:childTnLst>
+              </p:cTn>
+              <p:prevCondLst>
+                <p:cond evt="onPrev" delay="0">
+                  <p:tgtEl>
+                    <p:sldTgt/>
+                  </p:tgtEl>
+                </p:cond>
+              </p:prevCondLst>
+              <p:nextCondLst>
+                <p:cond evt="onNext" delay="0">
+                  <p:tgtEl>
+                    <p:sldTgt/>
+                  </p:tgtEl>
+                </p:cond>
+              </p:nextCondLst>
+            </p:seq>
+          </p:childTnLst>
+        </p:cTn>
+      </p:par>
+    </p:tnLst>
+    <p:bldLst>
+      <p:bldGraphic spid="4" grpId="0">
+        <p:bldSub>
+          <a:bldDgm bld="one"/>
+        </p:bldSub>
+      </p:bldGraphic>
+    </p:bldLst>
+  </p:timing>
+</p:sld>
+</file>
+
+<file path=ppt/slides/slide20.xml><?xml version="1.0" encoding="utf-8"?>
 <p:sld xmlns:a="http://schemas.openxmlformats.org/drawingml/2006/main" xmlns:r="http://schemas.openxmlformats.org/officeDocument/2006/relationships" xmlns:p="http://schemas.openxmlformats.org/presentationml/2006/main">
   <p:cSld>
     <p:spTree>
@@ -22977,7 +24591,7 @@
           <a:p>
             <a:fld id="{91CCA55A-3F50-488D-A5E8-01F0969640CB}" type="slidenum">
               <a:rPr lang="en-US" smtClean="0"/>
-              <a:t>17</a:t>
+              <a:t>20</a:t>
             </a:fld>
             <a:endParaRPr lang="en-US"/>
           </a:p>
@@ -23259,7 +24873,6 @@
               <a:rPr lang="fr-FR" sz="3200" dirty="0" smtClean="0"/>
               <a:t>X2, T2 fixés  dès le début</a:t>
             </a:r>
-            <a:endParaRPr lang="fr-FR" sz="3200" dirty="0" smtClean="0"/>
           </a:p>
         </p:txBody>
       </p:sp>
@@ -24025,7 +25638,7 @@
 </p:sld>
 </file>
 
-<file path=ppt/slides/slide18.xml><?xml version="1.0" encoding="utf-8"?>
+<file path=ppt/slides/slide21.xml><?xml version="1.0" encoding="utf-8"?>
 <p:sld xmlns:a="http://schemas.openxmlformats.org/drawingml/2006/main" xmlns:r="http://schemas.openxmlformats.org/officeDocument/2006/relationships" xmlns:p="http://schemas.openxmlformats.org/presentationml/2006/main">
   <p:cSld>
     <p:spTree>
@@ -24091,7 +25704,7 @@
           <a:p>
             <a:fld id="{91CCA55A-3F50-488D-A5E8-01F0969640CB}" type="slidenum">
               <a:rPr lang="en-US" smtClean="0"/>
-              <a:t>18</a:t>
+              <a:t>21</a:t>
             </a:fld>
             <a:endParaRPr lang="en-US"/>
           </a:p>
@@ -24851,7 +26464,7 @@
 </p:sld>
 </file>
 
-<file path=ppt/slides/slide19.xml><?xml version="1.0" encoding="utf-8"?>
+<file path=ppt/slides/slide22.xml><?xml version="1.0" encoding="utf-8"?>
 <p:sld xmlns:a="http://schemas.openxmlformats.org/drawingml/2006/main" xmlns:r="http://schemas.openxmlformats.org/officeDocument/2006/relationships" xmlns:p="http://schemas.openxmlformats.org/presentationml/2006/main">
   <p:cSld>
     <p:bg>
@@ -24926,7 +26539,6 @@
               <a:rPr lang="en-US" dirty="0"/>
               <a:t>V-Extendible Options</a:t>
             </a:r>
-            <a:endParaRPr lang="en-US" dirty="0"/>
           </a:p>
         </p:txBody>
       </p:sp>
@@ -24947,7 +26559,7 @@
           <a:p>
             <a:fld id="{91CCA55A-3F50-488D-A5E8-01F0969640CB}" type="slidenum">
               <a:rPr lang="en-US" smtClean="0"/>
-              <a:t>19</a:t>
+              <a:t>22</a:t>
             </a:fld>
             <a:endParaRPr lang="en-US"/>
           </a:p>
@@ -25003,1378 +26615,7 @@
 </p:sld>
 </file>
 
-<file path=ppt/slides/slide2.xml><?xml version="1.0" encoding="utf-8"?>
-<p:sld xmlns:a="http://schemas.openxmlformats.org/drawingml/2006/main" xmlns:r="http://schemas.openxmlformats.org/officeDocument/2006/relationships" xmlns:p="http://schemas.openxmlformats.org/presentationml/2006/main">
-  <p:cSld>
-    <p:spTree>
-      <p:nvGrpSpPr>
-        <p:cNvPr id="1" name=""/>
-        <p:cNvGrpSpPr/>
-        <p:nvPr/>
-      </p:nvGrpSpPr>
-      <p:grpSpPr>
-        <a:xfrm>
-          <a:off x="0" y="0"/>
-          <a:ext cx="0" cy="0"/>
-          <a:chOff x="0" y="0"/>
-          <a:chExt cx="0" cy="0"/>
-        </a:xfrm>
-      </p:grpSpPr>
-      <p:sp>
-        <p:nvSpPr>
-          <p:cNvPr id="2" name="Title 1"/>
-          <p:cNvSpPr>
-            <a:spLocks noGrp="1"/>
-          </p:cNvSpPr>
-          <p:nvPr>
-            <p:ph type="title"/>
-          </p:nvPr>
-        </p:nvSpPr>
-        <p:spPr/>
-        <p:txBody>
-          <a:bodyPr/>
-          <a:lstStyle/>
-          <a:p>
-            <a:r>
-              <a:rPr lang="en-US" dirty="0" smtClean="0"/>
-              <a:t>Plan</a:t>
-            </a:r>
-            <a:endParaRPr lang="en-US" dirty="0"/>
-          </a:p>
-        </p:txBody>
-      </p:sp>
-      <p:graphicFrame>
-        <p:nvGraphicFramePr>
-          <p:cNvPr id="4" name="Diagram 3"/>
-          <p:cNvGraphicFramePr/>
-          <p:nvPr>
-            <p:extLst>
-              <p:ext uri="{D42A27DB-BD31-4B8C-83A1-F6EECF244321}">
-                <p14:modId xmlns:p14="http://schemas.microsoft.com/office/powerpoint/2010/main" val="1325816020"/>
-              </p:ext>
-            </p:extLst>
-          </p:nvPr>
-        </p:nvGraphicFramePr>
-        <p:xfrm>
-          <a:off x="2142705" y="2210937"/>
-          <a:ext cx="8393374" cy="4282237"/>
-        </p:xfrm>
-        <a:graphic>
-          <a:graphicData uri="http://schemas.openxmlformats.org/drawingml/2006/diagram">
-            <dgm:relIds xmlns:dgm="http://schemas.openxmlformats.org/drawingml/2006/diagram" xmlns:r="http://schemas.openxmlformats.org/officeDocument/2006/relationships" r:dm="rId3" r:lo="rId4" r:qs="rId5" r:cs="rId6"/>
-          </a:graphicData>
-        </a:graphic>
-      </p:graphicFrame>
-      <p:sp>
-        <p:nvSpPr>
-          <p:cNvPr id="5" name="Slide Number Placeholder 4"/>
-          <p:cNvSpPr>
-            <a:spLocks noGrp="1"/>
-          </p:cNvSpPr>
-          <p:nvPr>
-            <p:ph type="sldNum" sz="quarter" idx="12"/>
-          </p:nvPr>
-        </p:nvSpPr>
-        <p:spPr/>
-        <p:txBody>
-          <a:bodyPr/>
-          <a:lstStyle/>
-          <a:p>
-            <a:fld id="{91CCA55A-3F50-488D-A5E8-01F0969640CB}" type="slidenum">
-              <a:rPr lang="en-US" smtClean="0"/>
-              <a:t>2</a:t>
-            </a:fld>
-            <a:endParaRPr lang="en-US"/>
-          </a:p>
-        </p:txBody>
-      </p:sp>
-    </p:spTree>
-    <p:extLst>
-      <p:ext uri="{BB962C8B-B14F-4D97-AF65-F5344CB8AC3E}">
-        <p14:creationId xmlns:p14="http://schemas.microsoft.com/office/powerpoint/2010/main" val="4221141039"/>
-      </p:ext>
-    </p:extLst>
-  </p:cSld>
-  <p:clrMapOvr>
-    <a:masterClrMapping/>
-  </p:clrMapOvr>
-  <p:timing>
-    <p:tnLst>
-      <p:par>
-        <p:cTn id="1" dur="indefinite" restart="never" nodeType="tmRoot">
-          <p:childTnLst>
-            <p:seq concurrent="1" nextAc="seek">
-              <p:cTn id="2" dur="indefinite" nodeType="mainSeq">
-                <p:childTnLst>
-                  <p:par>
-                    <p:cTn id="3" fill="hold">
-                      <p:stCondLst>
-                        <p:cond delay="indefinite"/>
-                      </p:stCondLst>
-                      <p:childTnLst>
-                        <p:par>
-                          <p:cTn id="4" fill="hold">
-                            <p:stCondLst>
-                              <p:cond delay="0"/>
-                            </p:stCondLst>
-                            <p:childTnLst>
-                              <p:par>
-                                <p:cTn id="5" presetID="2" presetClass="entr" presetSubtype="4" fill="hold" grpId="0" nodeType="clickEffect">
-                                  <p:stCondLst>
-                                    <p:cond delay="0"/>
-                                  </p:stCondLst>
-                                  <p:childTnLst>
-                                    <p:set>
-                                      <p:cBhvr>
-                                        <p:cTn id="6" dur="1" fill="hold">
-                                          <p:stCondLst>
-                                            <p:cond delay="0"/>
-                                          </p:stCondLst>
-                                        </p:cTn>
-                                        <p:tgtEl>
-                                          <p:spTgt spid="4">
-                                            <p:graphicEl>
-                                              <a:dgm id="{889AD724-97DC-4930-B9DB-DBAB3D123053}"/>
-                                            </p:graphicEl>
-                                          </p:spTgt>
-                                        </p:tgtEl>
-                                        <p:attrNameLst>
-                                          <p:attrName>style.visibility</p:attrName>
-                                        </p:attrNameLst>
-                                      </p:cBhvr>
-                                      <p:to>
-                                        <p:strVal val="visible"/>
-                                      </p:to>
-                                    </p:set>
-                                    <p:anim calcmode="lin" valueType="num">
-                                      <p:cBhvr additive="base">
-                                        <p:cTn id="7" dur="250" fill="hold"/>
-                                        <p:tgtEl>
-                                          <p:spTgt spid="4">
-                                            <p:graphicEl>
-                                              <a:dgm id="{889AD724-97DC-4930-B9DB-DBAB3D123053}"/>
-                                            </p:graphicEl>
-                                          </p:spTgt>
-                                        </p:tgtEl>
-                                        <p:attrNameLst>
-                                          <p:attrName>ppt_x</p:attrName>
-                                        </p:attrNameLst>
-                                      </p:cBhvr>
-                                      <p:tavLst>
-                                        <p:tav tm="0">
-                                          <p:val>
-                                            <p:strVal val="#ppt_x"/>
-                                          </p:val>
-                                        </p:tav>
-                                        <p:tav tm="100000">
-                                          <p:val>
-                                            <p:strVal val="#ppt_x"/>
-                                          </p:val>
-                                        </p:tav>
-                                      </p:tavLst>
-                                    </p:anim>
-                                    <p:anim calcmode="lin" valueType="num">
-                                      <p:cBhvr additive="base">
-                                        <p:cTn id="8" dur="250" fill="hold"/>
-                                        <p:tgtEl>
-                                          <p:spTgt spid="4">
-                                            <p:graphicEl>
-                                              <a:dgm id="{889AD724-97DC-4930-B9DB-DBAB3D123053}"/>
-                                            </p:graphicEl>
-                                          </p:spTgt>
-                                        </p:tgtEl>
-                                        <p:attrNameLst>
-                                          <p:attrName>ppt_y</p:attrName>
-                                        </p:attrNameLst>
-                                      </p:cBhvr>
-                                      <p:tavLst>
-                                        <p:tav tm="0">
-                                          <p:val>
-                                            <p:strVal val="1+#ppt_h/2"/>
-                                          </p:val>
-                                        </p:tav>
-                                        <p:tav tm="100000">
-                                          <p:val>
-                                            <p:strVal val="#ppt_y"/>
-                                          </p:val>
-                                        </p:tav>
-                                      </p:tavLst>
-                                    </p:anim>
-                                  </p:childTnLst>
-                                </p:cTn>
-                              </p:par>
-                            </p:childTnLst>
-                          </p:cTn>
-                        </p:par>
-                      </p:childTnLst>
-                    </p:cTn>
-                  </p:par>
-                  <p:par>
-                    <p:cTn id="9" fill="hold">
-                      <p:stCondLst>
-                        <p:cond delay="indefinite"/>
-                      </p:stCondLst>
-                      <p:childTnLst>
-                        <p:par>
-                          <p:cTn id="10" fill="hold">
-                            <p:stCondLst>
-                              <p:cond delay="0"/>
-                            </p:stCondLst>
-                            <p:childTnLst>
-                              <p:par>
-                                <p:cTn id="11" presetID="2" presetClass="entr" presetSubtype="4" fill="hold" grpId="0" nodeType="clickEffect">
-                                  <p:stCondLst>
-                                    <p:cond delay="0"/>
-                                  </p:stCondLst>
-                                  <p:childTnLst>
-                                    <p:set>
-                                      <p:cBhvr>
-                                        <p:cTn id="12" dur="1" fill="hold">
-                                          <p:stCondLst>
-                                            <p:cond delay="0"/>
-                                          </p:stCondLst>
-                                        </p:cTn>
-                                        <p:tgtEl>
-                                          <p:spTgt spid="4">
-                                            <p:graphicEl>
-                                              <a:dgm id="{CF20245F-33D4-466F-898E-F5BB18451CED}"/>
-                                            </p:graphicEl>
-                                          </p:spTgt>
-                                        </p:tgtEl>
-                                        <p:attrNameLst>
-                                          <p:attrName>style.visibility</p:attrName>
-                                        </p:attrNameLst>
-                                      </p:cBhvr>
-                                      <p:to>
-                                        <p:strVal val="visible"/>
-                                      </p:to>
-                                    </p:set>
-                                    <p:anim calcmode="lin" valueType="num">
-                                      <p:cBhvr additive="base">
-                                        <p:cTn id="13" dur="250" fill="hold"/>
-                                        <p:tgtEl>
-                                          <p:spTgt spid="4">
-                                            <p:graphicEl>
-                                              <a:dgm id="{CF20245F-33D4-466F-898E-F5BB18451CED}"/>
-                                            </p:graphicEl>
-                                          </p:spTgt>
-                                        </p:tgtEl>
-                                        <p:attrNameLst>
-                                          <p:attrName>ppt_x</p:attrName>
-                                        </p:attrNameLst>
-                                      </p:cBhvr>
-                                      <p:tavLst>
-                                        <p:tav tm="0">
-                                          <p:val>
-                                            <p:strVal val="#ppt_x"/>
-                                          </p:val>
-                                        </p:tav>
-                                        <p:tav tm="100000">
-                                          <p:val>
-                                            <p:strVal val="#ppt_x"/>
-                                          </p:val>
-                                        </p:tav>
-                                      </p:tavLst>
-                                    </p:anim>
-                                    <p:anim calcmode="lin" valueType="num">
-                                      <p:cBhvr additive="base">
-                                        <p:cTn id="14" dur="250" fill="hold"/>
-                                        <p:tgtEl>
-                                          <p:spTgt spid="4">
-                                            <p:graphicEl>
-                                              <a:dgm id="{CF20245F-33D4-466F-898E-F5BB18451CED}"/>
-                                            </p:graphicEl>
-                                          </p:spTgt>
-                                        </p:tgtEl>
-                                        <p:attrNameLst>
-                                          <p:attrName>ppt_y</p:attrName>
-                                        </p:attrNameLst>
-                                      </p:cBhvr>
-                                      <p:tavLst>
-                                        <p:tav tm="0">
-                                          <p:val>
-                                            <p:strVal val="1+#ppt_h/2"/>
-                                          </p:val>
-                                        </p:tav>
-                                        <p:tav tm="100000">
-                                          <p:val>
-                                            <p:strVal val="#ppt_y"/>
-                                          </p:val>
-                                        </p:tav>
-                                      </p:tavLst>
-                                    </p:anim>
-                                  </p:childTnLst>
-                                </p:cTn>
-                              </p:par>
-                            </p:childTnLst>
-                          </p:cTn>
-                        </p:par>
-                      </p:childTnLst>
-                    </p:cTn>
-                  </p:par>
-                  <p:par>
-                    <p:cTn id="15" fill="hold">
-                      <p:stCondLst>
-                        <p:cond delay="indefinite"/>
-                      </p:stCondLst>
-                      <p:childTnLst>
-                        <p:par>
-                          <p:cTn id="16" fill="hold">
-                            <p:stCondLst>
-                              <p:cond delay="0"/>
-                            </p:stCondLst>
-                            <p:childTnLst>
-                              <p:par>
-                                <p:cTn id="17" presetID="2" presetClass="entr" presetSubtype="4" fill="hold" grpId="0" nodeType="clickEffect">
-                                  <p:stCondLst>
-                                    <p:cond delay="0"/>
-                                  </p:stCondLst>
-                                  <p:childTnLst>
-                                    <p:set>
-                                      <p:cBhvr>
-                                        <p:cTn id="18" dur="1" fill="hold">
-                                          <p:stCondLst>
-                                            <p:cond delay="0"/>
-                                          </p:stCondLst>
-                                        </p:cTn>
-                                        <p:tgtEl>
-                                          <p:spTgt spid="4">
-                                            <p:graphicEl>
-                                              <a:dgm id="{50E7F155-0B28-4EB8-A3DA-F62B28ED4788}"/>
-                                            </p:graphicEl>
-                                          </p:spTgt>
-                                        </p:tgtEl>
-                                        <p:attrNameLst>
-                                          <p:attrName>style.visibility</p:attrName>
-                                        </p:attrNameLst>
-                                      </p:cBhvr>
-                                      <p:to>
-                                        <p:strVal val="visible"/>
-                                      </p:to>
-                                    </p:set>
-                                    <p:anim calcmode="lin" valueType="num">
-                                      <p:cBhvr additive="base">
-                                        <p:cTn id="19" dur="250" fill="hold"/>
-                                        <p:tgtEl>
-                                          <p:spTgt spid="4">
-                                            <p:graphicEl>
-                                              <a:dgm id="{50E7F155-0B28-4EB8-A3DA-F62B28ED4788}"/>
-                                            </p:graphicEl>
-                                          </p:spTgt>
-                                        </p:tgtEl>
-                                        <p:attrNameLst>
-                                          <p:attrName>ppt_x</p:attrName>
-                                        </p:attrNameLst>
-                                      </p:cBhvr>
-                                      <p:tavLst>
-                                        <p:tav tm="0">
-                                          <p:val>
-                                            <p:strVal val="#ppt_x"/>
-                                          </p:val>
-                                        </p:tav>
-                                        <p:tav tm="100000">
-                                          <p:val>
-                                            <p:strVal val="#ppt_x"/>
-                                          </p:val>
-                                        </p:tav>
-                                      </p:tavLst>
-                                    </p:anim>
-                                    <p:anim calcmode="lin" valueType="num">
-                                      <p:cBhvr additive="base">
-                                        <p:cTn id="20" dur="250" fill="hold"/>
-                                        <p:tgtEl>
-                                          <p:spTgt spid="4">
-                                            <p:graphicEl>
-                                              <a:dgm id="{50E7F155-0B28-4EB8-A3DA-F62B28ED4788}"/>
-                                            </p:graphicEl>
-                                          </p:spTgt>
-                                        </p:tgtEl>
-                                        <p:attrNameLst>
-                                          <p:attrName>ppt_y</p:attrName>
-                                        </p:attrNameLst>
-                                      </p:cBhvr>
-                                      <p:tavLst>
-                                        <p:tav tm="0">
-                                          <p:val>
-                                            <p:strVal val="1+#ppt_h/2"/>
-                                          </p:val>
-                                        </p:tav>
-                                        <p:tav tm="100000">
-                                          <p:val>
-                                            <p:strVal val="#ppt_y"/>
-                                          </p:val>
-                                        </p:tav>
-                                      </p:tavLst>
-                                    </p:anim>
-                                  </p:childTnLst>
-                                </p:cTn>
-                              </p:par>
-                            </p:childTnLst>
-                          </p:cTn>
-                        </p:par>
-                      </p:childTnLst>
-                    </p:cTn>
-                  </p:par>
-                  <p:par>
-                    <p:cTn id="21" fill="hold">
-                      <p:stCondLst>
-                        <p:cond delay="indefinite"/>
-                      </p:stCondLst>
-                      <p:childTnLst>
-                        <p:par>
-                          <p:cTn id="22" fill="hold">
-                            <p:stCondLst>
-                              <p:cond delay="0"/>
-                            </p:stCondLst>
-                            <p:childTnLst>
-                              <p:par>
-                                <p:cTn id="23" presetID="2" presetClass="entr" presetSubtype="4" fill="hold" grpId="0" nodeType="clickEffect">
-                                  <p:stCondLst>
-                                    <p:cond delay="0"/>
-                                  </p:stCondLst>
-                                  <p:childTnLst>
-                                    <p:set>
-                                      <p:cBhvr>
-                                        <p:cTn id="24" dur="1" fill="hold">
-                                          <p:stCondLst>
-                                            <p:cond delay="0"/>
-                                          </p:stCondLst>
-                                        </p:cTn>
-                                        <p:tgtEl>
-                                          <p:spTgt spid="4">
-                                            <p:graphicEl>
-                                              <a:dgm id="{5D21B0F4-0BFF-4375-93B3-BD56BB6213EC}"/>
-                                            </p:graphicEl>
-                                          </p:spTgt>
-                                        </p:tgtEl>
-                                        <p:attrNameLst>
-                                          <p:attrName>style.visibility</p:attrName>
-                                        </p:attrNameLst>
-                                      </p:cBhvr>
-                                      <p:to>
-                                        <p:strVal val="visible"/>
-                                      </p:to>
-                                    </p:set>
-                                    <p:anim calcmode="lin" valueType="num">
-                                      <p:cBhvr additive="base">
-                                        <p:cTn id="25" dur="250" fill="hold"/>
-                                        <p:tgtEl>
-                                          <p:spTgt spid="4">
-                                            <p:graphicEl>
-                                              <a:dgm id="{5D21B0F4-0BFF-4375-93B3-BD56BB6213EC}"/>
-                                            </p:graphicEl>
-                                          </p:spTgt>
-                                        </p:tgtEl>
-                                        <p:attrNameLst>
-                                          <p:attrName>ppt_x</p:attrName>
-                                        </p:attrNameLst>
-                                      </p:cBhvr>
-                                      <p:tavLst>
-                                        <p:tav tm="0">
-                                          <p:val>
-                                            <p:strVal val="#ppt_x"/>
-                                          </p:val>
-                                        </p:tav>
-                                        <p:tav tm="100000">
-                                          <p:val>
-                                            <p:strVal val="#ppt_x"/>
-                                          </p:val>
-                                        </p:tav>
-                                      </p:tavLst>
-                                    </p:anim>
-                                    <p:anim calcmode="lin" valueType="num">
-                                      <p:cBhvr additive="base">
-                                        <p:cTn id="26" dur="250" fill="hold"/>
-                                        <p:tgtEl>
-                                          <p:spTgt spid="4">
-                                            <p:graphicEl>
-                                              <a:dgm id="{5D21B0F4-0BFF-4375-93B3-BD56BB6213EC}"/>
-                                            </p:graphicEl>
-                                          </p:spTgt>
-                                        </p:tgtEl>
-                                        <p:attrNameLst>
-                                          <p:attrName>ppt_y</p:attrName>
-                                        </p:attrNameLst>
-                                      </p:cBhvr>
-                                      <p:tavLst>
-                                        <p:tav tm="0">
-                                          <p:val>
-                                            <p:strVal val="1+#ppt_h/2"/>
-                                          </p:val>
-                                        </p:tav>
-                                        <p:tav tm="100000">
-                                          <p:val>
-                                            <p:strVal val="#ppt_y"/>
-                                          </p:val>
-                                        </p:tav>
-                                      </p:tavLst>
-                                    </p:anim>
-                                  </p:childTnLst>
-                                </p:cTn>
-                              </p:par>
-                            </p:childTnLst>
-                          </p:cTn>
-                        </p:par>
-                      </p:childTnLst>
-                    </p:cTn>
-                  </p:par>
-                  <p:par>
-                    <p:cTn id="27" fill="hold">
-                      <p:stCondLst>
-                        <p:cond delay="indefinite"/>
-                      </p:stCondLst>
-                      <p:childTnLst>
-                        <p:par>
-                          <p:cTn id="28" fill="hold">
-                            <p:stCondLst>
-                              <p:cond delay="0"/>
-                            </p:stCondLst>
-                            <p:childTnLst>
-                              <p:par>
-                                <p:cTn id="29" presetID="2" presetClass="entr" presetSubtype="4" fill="hold" grpId="0" nodeType="clickEffect">
-                                  <p:stCondLst>
-                                    <p:cond delay="0"/>
-                                  </p:stCondLst>
-                                  <p:childTnLst>
-                                    <p:set>
-                                      <p:cBhvr>
-                                        <p:cTn id="30" dur="1" fill="hold">
-                                          <p:stCondLst>
-                                            <p:cond delay="0"/>
-                                          </p:stCondLst>
-                                        </p:cTn>
-                                        <p:tgtEl>
-                                          <p:spTgt spid="4">
-                                            <p:graphicEl>
-                                              <a:dgm id="{F19540CE-E2C5-4FD1-A90C-A623A7080392}"/>
-                                            </p:graphicEl>
-                                          </p:spTgt>
-                                        </p:tgtEl>
-                                        <p:attrNameLst>
-                                          <p:attrName>style.visibility</p:attrName>
-                                        </p:attrNameLst>
-                                      </p:cBhvr>
-                                      <p:to>
-                                        <p:strVal val="visible"/>
-                                      </p:to>
-                                    </p:set>
-                                    <p:anim calcmode="lin" valueType="num">
-                                      <p:cBhvr additive="base">
-                                        <p:cTn id="31" dur="250" fill="hold"/>
-                                        <p:tgtEl>
-                                          <p:spTgt spid="4">
-                                            <p:graphicEl>
-                                              <a:dgm id="{F19540CE-E2C5-4FD1-A90C-A623A7080392}"/>
-                                            </p:graphicEl>
-                                          </p:spTgt>
-                                        </p:tgtEl>
-                                        <p:attrNameLst>
-                                          <p:attrName>ppt_x</p:attrName>
-                                        </p:attrNameLst>
-                                      </p:cBhvr>
-                                      <p:tavLst>
-                                        <p:tav tm="0">
-                                          <p:val>
-                                            <p:strVal val="#ppt_x"/>
-                                          </p:val>
-                                        </p:tav>
-                                        <p:tav tm="100000">
-                                          <p:val>
-                                            <p:strVal val="#ppt_x"/>
-                                          </p:val>
-                                        </p:tav>
-                                      </p:tavLst>
-                                    </p:anim>
-                                    <p:anim calcmode="lin" valueType="num">
-                                      <p:cBhvr additive="base">
-                                        <p:cTn id="32" dur="250" fill="hold"/>
-                                        <p:tgtEl>
-                                          <p:spTgt spid="4">
-                                            <p:graphicEl>
-                                              <a:dgm id="{F19540CE-E2C5-4FD1-A90C-A623A7080392}"/>
-                                            </p:graphicEl>
-                                          </p:spTgt>
-                                        </p:tgtEl>
-                                        <p:attrNameLst>
-                                          <p:attrName>ppt_y</p:attrName>
-                                        </p:attrNameLst>
-                                      </p:cBhvr>
-                                      <p:tavLst>
-                                        <p:tav tm="0">
-                                          <p:val>
-                                            <p:strVal val="1+#ppt_h/2"/>
-                                          </p:val>
-                                        </p:tav>
-                                        <p:tav tm="100000">
-                                          <p:val>
-                                            <p:strVal val="#ppt_y"/>
-                                          </p:val>
-                                        </p:tav>
-                                      </p:tavLst>
-                                    </p:anim>
-                                  </p:childTnLst>
-                                </p:cTn>
-                              </p:par>
-                            </p:childTnLst>
-                          </p:cTn>
-                        </p:par>
-                      </p:childTnLst>
-                    </p:cTn>
-                  </p:par>
-                  <p:par>
-                    <p:cTn id="33" fill="hold">
-                      <p:stCondLst>
-                        <p:cond delay="indefinite"/>
-                      </p:stCondLst>
-                      <p:childTnLst>
-                        <p:par>
-                          <p:cTn id="34" fill="hold">
-                            <p:stCondLst>
-                              <p:cond delay="0"/>
-                            </p:stCondLst>
-                            <p:childTnLst>
-                              <p:par>
-                                <p:cTn id="35" presetID="2" presetClass="entr" presetSubtype="4" fill="hold" grpId="0" nodeType="clickEffect">
-                                  <p:stCondLst>
-                                    <p:cond delay="0"/>
-                                  </p:stCondLst>
-                                  <p:childTnLst>
-                                    <p:set>
-                                      <p:cBhvr>
-                                        <p:cTn id="36" dur="1" fill="hold">
-                                          <p:stCondLst>
-                                            <p:cond delay="0"/>
-                                          </p:stCondLst>
-                                        </p:cTn>
-                                        <p:tgtEl>
-                                          <p:spTgt spid="4">
-                                            <p:graphicEl>
-                                              <a:dgm id="{3FF88047-6236-47E6-998D-4E3EA0983E72}"/>
-                                            </p:graphicEl>
-                                          </p:spTgt>
-                                        </p:tgtEl>
-                                        <p:attrNameLst>
-                                          <p:attrName>style.visibility</p:attrName>
-                                        </p:attrNameLst>
-                                      </p:cBhvr>
-                                      <p:to>
-                                        <p:strVal val="visible"/>
-                                      </p:to>
-                                    </p:set>
-                                    <p:anim calcmode="lin" valueType="num">
-                                      <p:cBhvr additive="base">
-                                        <p:cTn id="37" dur="250" fill="hold"/>
-                                        <p:tgtEl>
-                                          <p:spTgt spid="4">
-                                            <p:graphicEl>
-                                              <a:dgm id="{3FF88047-6236-47E6-998D-4E3EA0983E72}"/>
-                                            </p:graphicEl>
-                                          </p:spTgt>
-                                        </p:tgtEl>
-                                        <p:attrNameLst>
-                                          <p:attrName>ppt_x</p:attrName>
-                                        </p:attrNameLst>
-                                      </p:cBhvr>
-                                      <p:tavLst>
-                                        <p:tav tm="0">
-                                          <p:val>
-                                            <p:strVal val="#ppt_x"/>
-                                          </p:val>
-                                        </p:tav>
-                                        <p:tav tm="100000">
-                                          <p:val>
-                                            <p:strVal val="#ppt_x"/>
-                                          </p:val>
-                                        </p:tav>
-                                      </p:tavLst>
-                                    </p:anim>
-                                    <p:anim calcmode="lin" valueType="num">
-                                      <p:cBhvr additive="base">
-                                        <p:cTn id="38" dur="250" fill="hold"/>
-                                        <p:tgtEl>
-                                          <p:spTgt spid="4">
-                                            <p:graphicEl>
-                                              <a:dgm id="{3FF88047-6236-47E6-998D-4E3EA0983E72}"/>
-                                            </p:graphicEl>
-                                          </p:spTgt>
-                                        </p:tgtEl>
-                                        <p:attrNameLst>
-                                          <p:attrName>ppt_y</p:attrName>
-                                        </p:attrNameLst>
-                                      </p:cBhvr>
-                                      <p:tavLst>
-                                        <p:tav tm="0">
-                                          <p:val>
-                                            <p:strVal val="1+#ppt_h/2"/>
-                                          </p:val>
-                                        </p:tav>
-                                        <p:tav tm="100000">
-                                          <p:val>
-                                            <p:strVal val="#ppt_y"/>
-                                          </p:val>
-                                        </p:tav>
-                                      </p:tavLst>
-                                    </p:anim>
-                                  </p:childTnLst>
-                                </p:cTn>
-                              </p:par>
-                            </p:childTnLst>
-                          </p:cTn>
-                        </p:par>
-                      </p:childTnLst>
-                    </p:cTn>
-                  </p:par>
-                  <p:par>
-                    <p:cTn id="39" fill="hold">
-                      <p:stCondLst>
-                        <p:cond delay="indefinite"/>
-                      </p:stCondLst>
-                      <p:childTnLst>
-                        <p:par>
-                          <p:cTn id="40" fill="hold">
-                            <p:stCondLst>
-                              <p:cond delay="0"/>
-                            </p:stCondLst>
-                            <p:childTnLst>
-                              <p:par>
-                                <p:cTn id="41" presetID="2" presetClass="entr" presetSubtype="4" fill="hold" grpId="0" nodeType="clickEffect">
-                                  <p:stCondLst>
-                                    <p:cond delay="0"/>
-                                  </p:stCondLst>
-                                  <p:childTnLst>
-                                    <p:set>
-                                      <p:cBhvr>
-                                        <p:cTn id="42" dur="1" fill="hold">
-                                          <p:stCondLst>
-                                            <p:cond delay="0"/>
-                                          </p:stCondLst>
-                                        </p:cTn>
-                                        <p:tgtEl>
-                                          <p:spTgt spid="4">
-                                            <p:graphicEl>
-                                              <a:dgm id="{A6CE0B11-D65A-4EA5-AC61-673ADCCD0CA0}"/>
-                                            </p:graphicEl>
-                                          </p:spTgt>
-                                        </p:tgtEl>
-                                        <p:attrNameLst>
-                                          <p:attrName>style.visibility</p:attrName>
-                                        </p:attrNameLst>
-                                      </p:cBhvr>
-                                      <p:to>
-                                        <p:strVal val="visible"/>
-                                      </p:to>
-                                    </p:set>
-                                    <p:anim calcmode="lin" valueType="num">
-                                      <p:cBhvr additive="base">
-                                        <p:cTn id="43" dur="250" fill="hold"/>
-                                        <p:tgtEl>
-                                          <p:spTgt spid="4">
-                                            <p:graphicEl>
-                                              <a:dgm id="{A6CE0B11-D65A-4EA5-AC61-673ADCCD0CA0}"/>
-                                            </p:graphicEl>
-                                          </p:spTgt>
-                                        </p:tgtEl>
-                                        <p:attrNameLst>
-                                          <p:attrName>ppt_x</p:attrName>
-                                        </p:attrNameLst>
-                                      </p:cBhvr>
-                                      <p:tavLst>
-                                        <p:tav tm="0">
-                                          <p:val>
-                                            <p:strVal val="#ppt_x"/>
-                                          </p:val>
-                                        </p:tav>
-                                        <p:tav tm="100000">
-                                          <p:val>
-                                            <p:strVal val="#ppt_x"/>
-                                          </p:val>
-                                        </p:tav>
-                                      </p:tavLst>
-                                    </p:anim>
-                                    <p:anim calcmode="lin" valueType="num">
-                                      <p:cBhvr additive="base">
-                                        <p:cTn id="44" dur="250" fill="hold"/>
-                                        <p:tgtEl>
-                                          <p:spTgt spid="4">
-                                            <p:graphicEl>
-                                              <a:dgm id="{A6CE0B11-D65A-4EA5-AC61-673ADCCD0CA0}"/>
-                                            </p:graphicEl>
-                                          </p:spTgt>
-                                        </p:tgtEl>
-                                        <p:attrNameLst>
-                                          <p:attrName>ppt_y</p:attrName>
-                                        </p:attrNameLst>
-                                      </p:cBhvr>
-                                      <p:tavLst>
-                                        <p:tav tm="0">
-                                          <p:val>
-                                            <p:strVal val="1+#ppt_h/2"/>
-                                          </p:val>
-                                        </p:tav>
-                                        <p:tav tm="100000">
-                                          <p:val>
-                                            <p:strVal val="#ppt_y"/>
-                                          </p:val>
-                                        </p:tav>
-                                      </p:tavLst>
-                                    </p:anim>
-                                  </p:childTnLst>
-                                </p:cTn>
-                              </p:par>
-                            </p:childTnLst>
-                          </p:cTn>
-                        </p:par>
-                      </p:childTnLst>
-                    </p:cTn>
-                  </p:par>
-                  <p:par>
-                    <p:cTn id="45" fill="hold">
-                      <p:stCondLst>
-                        <p:cond delay="indefinite"/>
-                      </p:stCondLst>
-                      <p:childTnLst>
-                        <p:par>
-                          <p:cTn id="46" fill="hold">
-                            <p:stCondLst>
-                              <p:cond delay="0"/>
-                            </p:stCondLst>
-                            <p:childTnLst>
-                              <p:par>
-                                <p:cTn id="47" presetID="2" presetClass="entr" presetSubtype="4" fill="hold" grpId="0" nodeType="clickEffect">
-                                  <p:stCondLst>
-                                    <p:cond delay="0"/>
-                                  </p:stCondLst>
-                                  <p:childTnLst>
-                                    <p:set>
-                                      <p:cBhvr>
-                                        <p:cTn id="48" dur="1" fill="hold">
-                                          <p:stCondLst>
-                                            <p:cond delay="0"/>
-                                          </p:stCondLst>
-                                        </p:cTn>
-                                        <p:tgtEl>
-                                          <p:spTgt spid="4">
-                                            <p:graphicEl>
-                                              <a:dgm id="{8AB5A1D8-F846-4952-91D5-8A7FE5012D93}"/>
-                                            </p:graphicEl>
-                                          </p:spTgt>
-                                        </p:tgtEl>
-                                        <p:attrNameLst>
-                                          <p:attrName>style.visibility</p:attrName>
-                                        </p:attrNameLst>
-                                      </p:cBhvr>
-                                      <p:to>
-                                        <p:strVal val="visible"/>
-                                      </p:to>
-                                    </p:set>
-                                    <p:anim calcmode="lin" valueType="num">
-                                      <p:cBhvr additive="base">
-                                        <p:cTn id="49" dur="250" fill="hold"/>
-                                        <p:tgtEl>
-                                          <p:spTgt spid="4">
-                                            <p:graphicEl>
-                                              <a:dgm id="{8AB5A1D8-F846-4952-91D5-8A7FE5012D93}"/>
-                                            </p:graphicEl>
-                                          </p:spTgt>
-                                        </p:tgtEl>
-                                        <p:attrNameLst>
-                                          <p:attrName>ppt_x</p:attrName>
-                                        </p:attrNameLst>
-                                      </p:cBhvr>
-                                      <p:tavLst>
-                                        <p:tav tm="0">
-                                          <p:val>
-                                            <p:strVal val="#ppt_x"/>
-                                          </p:val>
-                                        </p:tav>
-                                        <p:tav tm="100000">
-                                          <p:val>
-                                            <p:strVal val="#ppt_x"/>
-                                          </p:val>
-                                        </p:tav>
-                                      </p:tavLst>
-                                    </p:anim>
-                                    <p:anim calcmode="lin" valueType="num">
-                                      <p:cBhvr additive="base">
-                                        <p:cTn id="50" dur="250" fill="hold"/>
-                                        <p:tgtEl>
-                                          <p:spTgt spid="4">
-                                            <p:graphicEl>
-                                              <a:dgm id="{8AB5A1D8-F846-4952-91D5-8A7FE5012D93}"/>
-                                            </p:graphicEl>
-                                          </p:spTgt>
-                                        </p:tgtEl>
-                                        <p:attrNameLst>
-                                          <p:attrName>ppt_y</p:attrName>
-                                        </p:attrNameLst>
-                                      </p:cBhvr>
-                                      <p:tavLst>
-                                        <p:tav tm="0">
-                                          <p:val>
-                                            <p:strVal val="1+#ppt_h/2"/>
-                                          </p:val>
-                                        </p:tav>
-                                        <p:tav tm="100000">
-                                          <p:val>
-                                            <p:strVal val="#ppt_y"/>
-                                          </p:val>
-                                        </p:tav>
-                                      </p:tavLst>
-                                    </p:anim>
-                                  </p:childTnLst>
-                                </p:cTn>
-                              </p:par>
-                            </p:childTnLst>
-                          </p:cTn>
-                        </p:par>
-                      </p:childTnLst>
-                    </p:cTn>
-                  </p:par>
-                  <p:par>
-                    <p:cTn id="51" fill="hold">
-                      <p:stCondLst>
-                        <p:cond delay="indefinite"/>
-                      </p:stCondLst>
-                      <p:childTnLst>
-                        <p:par>
-                          <p:cTn id="52" fill="hold">
-                            <p:stCondLst>
-                              <p:cond delay="0"/>
-                            </p:stCondLst>
-                            <p:childTnLst>
-                              <p:par>
-                                <p:cTn id="53" presetID="2" presetClass="entr" presetSubtype="4" fill="hold" grpId="0" nodeType="clickEffect">
-                                  <p:stCondLst>
-                                    <p:cond delay="0"/>
-                                  </p:stCondLst>
-                                  <p:childTnLst>
-                                    <p:set>
-                                      <p:cBhvr>
-                                        <p:cTn id="54" dur="1" fill="hold">
-                                          <p:stCondLst>
-                                            <p:cond delay="0"/>
-                                          </p:stCondLst>
-                                        </p:cTn>
-                                        <p:tgtEl>
-                                          <p:spTgt spid="4">
-                                            <p:graphicEl>
-                                              <a:dgm id="{B42C3359-B3EE-455E-8DA8-EEADBB34ADA4}"/>
-                                            </p:graphicEl>
-                                          </p:spTgt>
-                                        </p:tgtEl>
-                                        <p:attrNameLst>
-                                          <p:attrName>style.visibility</p:attrName>
-                                        </p:attrNameLst>
-                                      </p:cBhvr>
-                                      <p:to>
-                                        <p:strVal val="visible"/>
-                                      </p:to>
-                                    </p:set>
-                                    <p:anim calcmode="lin" valueType="num">
-                                      <p:cBhvr additive="base">
-                                        <p:cTn id="55" dur="250" fill="hold"/>
-                                        <p:tgtEl>
-                                          <p:spTgt spid="4">
-                                            <p:graphicEl>
-                                              <a:dgm id="{B42C3359-B3EE-455E-8DA8-EEADBB34ADA4}"/>
-                                            </p:graphicEl>
-                                          </p:spTgt>
-                                        </p:tgtEl>
-                                        <p:attrNameLst>
-                                          <p:attrName>ppt_x</p:attrName>
-                                        </p:attrNameLst>
-                                      </p:cBhvr>
-                                      <p:tavLst>
-                                        <p:tav tm="0">
-                                          <p:val>
-                                            <p:strVal val="#ppt_x"/>
-                                          </p:val>
-                                        </p:tav>
-                                        <p:tav tm="100000">
-                                          <p:val>
-                                            <p:strVal val="#ppt_x"/>
-                                          </p:val>
-                                        </p:tav>
-                                      </p:tavLst>
-                                    </p:anim>
-                                    <p:anim calcmode="lin" valueType="num">
-                                      <p:cBhvr additive="base">
-                                        <p:cTn id="56" dur="250" fill="hold"/>
-                                        <p:tgtEl>
-                                          <p:spTgt spid="4">
-                                            <p:graphicEl>
-                                              <a:dgm id="{B42C3359-B3EE-455E-8DA8-EEADBB34ADA4}"/>
-                                            </p:graphicEl>
-                                          </p:spTgt>
-                                        </p:tgtEl>
-                                        <p:attrNameLst>
-                                          <p:attrName>ppt_y</p:attrName>
-                                        </p:attrNameLst>
-                                      </p:cBhvr>
-                                      <p:tavLst>
-                                        <p:tav tm="0">
-                                          <p:val>
-                                            <p:strVal val="1+#ppt_h/2"/>
-                                          </p:val>
-                                        </p:tav>
-                                        <p:tav tm="100000">
-                                          <p:val>
-                                            <p:strVal val="#ppt_y"/>
-                                          </p:val>
-                                        </p:tav>
-                                      </p:tavLst>
-                                    </p:anim>
-                                  </p:childTnLst>
-                                </p:cTn>
-                              </p:par>
-                            </p:childTnLst>
-                          </p:cTn>
-                        </p:par>
-                      </p:childTnLst>
-                    </p:cTn>
-                  </p:par>
-                  <p:par>
-                    <p:cTn id="57" fill="hold">
-                      <p:stCondLst>
-                        <p:cond delay="indefinite"/>
-                      </p:stCondLst>
-                      <p:childTnLst>
-                        <p:par>
-                          <p:cTn id="58" fill="hold">
-                            <p:stCondLst>
-                              <p:cond delay="0"/>
-                            </p:stCondLst>
-                            <p:childTnLst>
-                              <p:par>
-                                <p:cTn id="59" presetID="2" presetClass="entr" presetSubtype="4" fill="hold" grpId="0" nodeType="clickEffect">
-                                  <p:stCondLst>
-                                    <p:cond delay="0"/>
-                                  </p:stCondLst>
-                                  <p:childTnLst>
-                                    <p:set>
-                                      <p:cBhvr>
-                                        <p:cTn id="60" dur="1" fill="hold">
-                                          <p:stCondLst>
-                                            <p:cond delay="0"/>
-                                          </p:stCondLst>
-                                        </p:cTn>
-                                        <p:tgtEl>
-                                          <p:spTgt spid="4">
-                                            <p:graphicEl>
-                                              <a:dgm id="{0053D2EA-E96A-485A-9B47-065EB2ECE275}"/>
-                                            </p:graphicEl>
-                                          </p:spTgt>
-                                        </p:tgtEl>
-                                        <p:attrNameLst>
-                                          <p:attrName>style.visibility</p:attrName>
-                                        </p:attrNameLst>
-                                      </p:cBhvr>
-                                      <p:to>
-                                        <p:strVal val="visible"/>
-                                      </p:to>
-                                    </p:set>
-                                    <p:anim calcmode="lin" valueType="num">
-                                      <p:cBhvr additive="base">
-                                        <p:cTn id="61" dur="250" fill="hold"/>
-                                        <p:tgtEl>
-                                          <p:spTgt spid="4">
-                                            <p:graphicEl>
-                                              <a:dgm id="{0053D2EA-E96A-485A-9B47-065EB2ECE275}"/>
-                                            </p:graphicEl>
-                                          </p:spTgt>
-                                        </p:tgtEl>
-                                        <p:attrNameLst>
-                                          <p:attrName>ppt_x</p:attrName>
-                                        </p:attrNameLst>
-                                      </p:cBhvr>
-                                      <p:tavLst>
-                                        <p:tav tm="0">
-                                          <p:val>
-                                            <p:strVal val="#ppt_x"/>
-                                          </p:val>
-                                        </p:tav>
-                                        <p:tav tm="100000">
-                                          <p:val>
-                                            <p:strVal val="#ppt_x"/>
-                                          </p:val>
-                                        </p:tav>
-                                      </p:tavLst>
-                                    </p:anim>
-                                    <p:anim calcmode="lin" valueType="num">
-                                      <p:cBhvr additive="base">
-                                        <p:cTn id="62" dur="250" fill="hold"/>
-                                        <p:tgtEl>
-                                          <p:spTgt spid="4">
-                                            <p:graphicEl>
-                                              <a:dgm id="{0053D2EA-E96A-485A-9B47-065EB2ECE275}"/>
-                                            </p:graphicEl>
-                                          </p:spTgt>
-                                        </p:tgtEl>
-                                        <p:attrNameLst>
-                                          <p:attrName>ppt_y</p:attrName>
-                                        </p:attrNameLst>
-                                      </p:cBhvr>
-                                      <p:tavLst>
-                                        <p:tav tm="0">
-                                          <p:val>
-                                            <p:strVal val="1+#ppt_h/2"/>
-                                          </p:val>
-                                        </p:tav>
-                                        <p:tav tm="100000">
-                                          <p:val>
-                                            <p:strVal val="#ppt_y"/>
-                                          </p:val>
-                                        </p:tav>
-                                      </p:tavLst>
-                                    </p:anim>
-                                  </p:childTnLst>
-                                </p:cTn>
-                              </p:par>
-                            </p:childTnLst>
-                          </p:cTn>
-                        </p:par>
-                      </p:childTnLst>
-                    </p:cTn>
-                  </p:par>
-                  <p:par>
-                    <p:cTn id="63" fill="hold">
-                      <p:stCondLst>
-                        <p:cond delay="indefinite"/>
-                      </p:stCondLst>
-                      <p:childTnLst>
-                        <p:par>
-                          <p:cTn id="64" fill="hold">
-                            <p:stCondLst>
-                              <p:cond delay="0"/>
-                            </p:stCondLst>
-                            <p:childTnLst>
-                              <p:par>
-                                <p:cTn id="65" presetID="2" presetClass="entr" presetSubtype="4" fill="hold" grpId="0" nodeType="clickEffect">
-                                  <p:stCondLst>
-                                    <p:cond delay="0"/>
-                                  </p:stCondLst>
-                                  <p:childTnLst>
-                                    <p:set>
-                                      <p:cBhvr>
-                                        <p:cTn id="66" dur="1" fill="hold">
-                                          <p:stCondLst>
-                                            <p:cond delay="0"/>
-                                          </p:stCondLst>
-                                        </p:cTn>
-                                        <p:tgtEl>
-                                          <p:spTgt spid="4">
-                                            <p:graphicEl>
-                                              <a:dgm id="{225C83A9-779B-4707-93D8-DCD1C911EBB6}"/>
-                                            </p:graphicEl>
-                                          </p:spTgt>
-                                        </p:tgtEl>
-                                        <p:attrNameLst>
-                                          <p:attrName>style.visibility</p:attrName>
-                                        </p:attrNameLst>
-                                      </p:cBhvr>
-                                      <p:to>
-                                        <p:strVal val="visible"/>
-                                      </p:to>
-                                    </p:set>
-                                    <p:anim calcmode="lin" valueType="num">
-                                      <p:cBhvr additive="base">
-                                        <p:cTn id="67" dur="250" fill="hold"/>
-                                        <p:tgtEl>
-                                          <p:spTgt spid="4">
-                                            <p:graphicEl>
-                                              <a:dgm id="{225C83A9-779B-4707-93D8-DCD1C911EBB6}"/>
-                                            </p:graphicEl>
-                                          </p:spTgt>
-                                        </p:tgtEl>
-                                        <p:attrNameLst>
-                                          <p:attrName>ppt_x</p:attrName>
-                                        </p:attrNameLst>
-                                      </p:cBhvr>
-                                      <p:tavLst>
-                                        <p:tav tm="0">
-                                          <p:val>
-                                            <p:strVal val="#ppt_x"/>
-                                          </p:val>
-                                        </p:tav>
-                                        <p:tav tm="100000">
-                                          <p:val>
-                                            <p:strVal val="#ppt_x"/>
-                                          </p:val>
-                                        </p:tav>
-                                      </p:tavLst>
-                                    </p:anim>
-                                    <p:anim calcmode="lin" valueType="num">
-                                      <p:cBhvr additive="base">
-                                        <p:cTn id="68" dur="250" fill="hold"/>
-                                        <p:tgtEl>
-                                          <p:spTgt spid="4">
-                                            <p:graphicEl>
-                                              <a:dgm id="{225C83A9-779B-4707-93D8-DCD1C911EBB6}"/>
-                                            </p:graphicEl>
-                                          </p:spTgt>
-                                        </p:tgtEl>
-                                        <p:attrNameLst>
-                                          <p:attrName>ppt_y</p:attrName>
-                                        </p:attrNameLst>
-                                      </p:cBhvr>
-                                      <p:tavLst>
-                                        <p:tav tm="0">
-                                          <p:val>
-                                            <p:strVal val="1+#ppt_h/2"/>
-                                          </p:val>
-                                        </p:tav>
-                                        <p:tav tm="100000">
-                                          <p:val>
-                                            <p:strVal val="#ppt_y"/>
-                                          </p:val>
-                                        </p:tav>
-                                      </p:tavLst>
-                                    </p:anim>
-                                  </p:childTnLst>
-                                </p:cTn>
-                              </p:par>
-                            </p:childTnLst>
-                          </p:cTn>
-                        </p:par>
-                      </p:childTnLst>
-                    </p:cTn>
-                  </p:par>
-                  <p:par>
-                    <p:cTn id="69" fill="hold">
-                      <p:stCondLst>
-                        <p:cond delay="indefinite"/>
-                      </p:stCondLst>
-                      <p:childTnLst>
-                        <p:par>
-                          <p:cTn id="70" fill="hold">
-                            <p:stCondLst>
-                              <p:cond delay="0"/>
-                            </p:stCondLst>
-                            <p:childTnLst>
-                              <p:par>
-                                <p:cTn id="71" presetID="2" presetClass="entr" presetSubtype="4" fill="hold" grpId="0" nodeType="clickEffect">
-                                  <p:stCondLst>
-                                    <p:cond delay="0"/>
-                                  </p:stCondLst>
-                                  <p:childTnLst>
-                                    <p:set>
-                                      <p:cBhvr>
-                                        <p:cTn id="72" dur="1" fill="hold">
-                                          <p:stCondLst>
-                                            <p:cond delay="0"/>
-                                          </p:stCondLst>
-                                        </p:cTn>
-                                        <p:tgtEl>
-                                          <p:spTgt spid="4">
-                                            <p:graphicEl>
-                                              <a:dgm id="{6574DC34-666A-4340-A81D-BCA3F02AB8AF}"/>
-                                            </p:graphicEl>
-                                          </p:spTgt>
-                                        </p:tgtEl>
-                                        <p:attrNameLst>
-                                          <p:attrName>style.visibility</p:attrName>
-                                        </p:attrNameLst>
-                                      </p:cBhvr>
-                                      <p:to>
-                                        <p:strVal val="visible"/>
-                                      </p:to>
-                                    </p:set>
-                                    <p:anim calcmode="lin" valueType="num">
-                                      <p:cBhvr additive="base">
-                                        <p:cTn id="73" dur="250" fill="hold"/>
-                                        <p:tgtEl>
-                                          <p:spTgt spid="4">
-                                            <p:graphicEl>
-                                              <a:dgm id="{6574DC34-666A-4340-A81D-BCA3F02AB8AF}"/>
-                                            </p:graphicEl>
-                                          </p:spTgt>
-                                        </p:tgtEl>
-                                        <p:attrNameLst>
-                                          <p:attrName>ppt_x</p:attrName>
-                                        </p:attrNameLst>
-                                      </p:cBhvr>
-                                      <p:tavLst>
-                                        <p:tav tm="0">
-                                          <p:val>
-                                            <p:strVal val="#ppt_x"/>
-                                          </p:val>
-                                        </p:tav>
-                                        <p:tav tm="100000">
-                                          <p:val>
-                                            <p:strVal val="#ppt_x"/>
-                                          </p:val>
-                                        </p:tav>
-                                      </p:tavLst>
-                                    </p:anim>
-                                    <p:anim calcmode="lin" valueType="num">
-                                      <p:cBhvr additive="base">
-                                        <p:cTn id="74" dur="250" fill="hold"/>
-                                        <p:tgtEl>
-                                          <p:spTgt spid="4">
-                                            <p:graphicEl>
-                                              <a:dgm id="{6574DC34-666A-4340-A81D-BCA3F02AB8AF}"/>
-                                            </p:graphicEl>
-                                          </p:spTgt>
-                                        </p:tgtEl>
-                                        <p:attrNameLst>
-                                          <p:attrName>ppt_y</p:attrName>
-                                        </p:attrNameLst>
-                                      </p:cBhvr>
-                                      <p:tavLst>
-                                        <p:tav tm="0">
-                                          <p:val>
-                                            <p:strVal val="1+#ppt_h/2"/>
-                                          </p:val>
-                                        </p:tav>
-                                        <p:tav tm="100000">
-                                          <p:val>
-                                            <p:strVal val="#ppt_y"/>
-                                          </p:val>
-                                        </p:tav>
-                                      </p:tavLst>
-                                    </p:anim>
-                                  </p:childTnLst>
-                                </p:cTn>
-                              </p:par>
-                            </p:childTnLst>
-                          </p:cTn>
-                        </p:par>
-                      </p:childTnLst>
-                    </p:cTn>
-                  </p:par>
-                </p:childTnLst>
-              </p:cTn>
-              <p:prevCondLst>
-                <p:cond evt="onPrev" delay="0">
-                  <p:tgtEl>
-                    <p:sldTgt/>
-                  </p:tgtEl>
-                </p:cond>
-              </p:prevCondLst>
-              <p:nextCondLst>
-                <p:cond evt="onNext" delay="0">
-                  <p:tgtEl>
-                    <p:sldTgt/>
-                  </p:tgtEl>
-                </p:cond>
-              </p:nextCondLst>
-            </p:seq>
-          </p:childTnLst>
-        </p:cTn>
-      </p:par>
-    </p:tnLst>
-    <p:bldLst>
-      <p:bldGraphic spid="4" grpId="0">
-        <p:bldSub>
-          <a:bldDgm bld="one"/>
-        </p:bldSub>
-      </p:bldGraphic>
-    </p:bldLst>
-  </p:timing>
-</p:sld>
-</file>
-
-<file path=ppt/slides/slide20.xml><?xml version="1.0" encoding="utf-8"?>
+<file path=ppt/slides/slide23.xml><?xml version="1.0" encoding="utf-8"?>
 <p:sld xmlns:a="http://schemas.openxmlformats.org/drawingml/2006/main" xmlns:r="http://schemas.openxmlformats.org/officeDocument/2006/relationships" xmlns:p="http://schemas.openxmlformats.org/presentationml/2006/main">
   <p:cSld>
     <p:bg>
@@ -26470,7 +26711,7 @@
           <a:p>
             <a:fld id="{91CCA55A-3F50-488D-A5E8-01F0969640CB}" type="slidenum">
               <a:rPr lang="en-US" smtClean="0"/>
-              <a:t>20</a:t>
+              <a:t>23</a:t>
             </a:fld>
             <a:endParaRPr lang="en-US"/>
           </a:p>
@@ -26526,7 +26767,7 @@
 </p:sld>
 </file>
 
-<file path=ppt/slides/slide21.xml><?xml version="1.0" encoding="utf-8"?>
+<file path=ppt/slides/slide24.xml><?xml version="1.0" encoding="utf-8"?>
 <p:sld xmlns:a="http://schemas.openxmlformats.org/drawingml/2006/main" xmlns:r="http://schemas.openxmlformats.org/officeDocument/2006/relationships" xmlns:p="http://schemas.openxmlformats.org/presentationml/2006/main">
   <p:cSld>
     <p:spTree>
@@ -26652,7 +26893,7 @@
           <a:p>
             <a:fld id="{91CCA55A-3F50-488D-A5E8-01F0969640CB}" type="slidenum">
               <a:rPr lang="en-US" smtClean="0"/>
-              <a:t>21</a:t>
+              <a:t>24</a:t>
             </a:fld>
             <a:endParaRPr lang="en-US"/>
           </a:p>

--- a/report and presentation/QuantLib1.3 16-01-2014-modified version.pptx
+++ b/report and presentation/QuantLib1.3 16-01-2014-modified version.pptx
@@ -1894,6 +1894,1081 @@
       <dsp:cNvGrpSpPr/>
     </dsp:nvGrpSpPr>
     <dsp:grpSpPr/>
+    <dsp:sp modelId="{889AD724-97DC-4930-B9DB-DBAB3D123053}">
+      <dsp:nvSpPr>
+        <dsp:cNvPr id="0" name=""/>
+        <dsp:cNvSpPr/>
+      </dsp:nvSpPr>
+      <dsp:spPr>
+        <a:xfrm rot="5400000">
+          <a:off x="-119380" y="121787"/>
+          <a:ext cx="795868" cy="557108"/>
+        </a:xfrm>
+        <a:prstGeom prst="chevron">
+          <a:avLst/>
+        </a:prstGeom>
+        <a:blipFill rotWithShape="0">
+          <a:blip xmlns:r="http://schemas.openxmlformats.org/officeDocument/2006/relationships" r:embed="rId1">
+            <a:duotone>
+              <a:schemeClr val="accent1">
+                <a:hueOff val="0"/>
+                <a:satOff val="0"/>
+                <a:lumOff val="0"/>
+                <a:alphaOff val="0"/>
+                <a:tint val="98000"/>
+                <a:lumMod val="102000"/>
+              </a:schemeClr>
+              <a:schemeClr val="accent1">
+                <a:hueOff val="0"/>
+                <a:satOff val="0"/>
+                <a:lumOff val="0"/>
+                <a:alphaOff val="0"/>
+                <a:shade val="98000"/>
+                <a:lumMod val="98000"/>
+              </a:schemeClr>
+            </a:duotone>
+          </a:blip>
+          <a:tile tx="0" ty="0" sx="100000" sy="100000" flip="none" algn="tl"/>
+        </a:blipFill>
+        <a:ln w="9525" cap="rnd" cmpd="sng" algn="ctr">
+          <a:solidFill>
+            <a:schemeClr val="accent1">
+              <a:hueOff val="0"/>
+              <a:satOff val="0"/>
+              <a:lumOff val="0"/>
+              <a:alphaOff val="0"/>
+            </a:schemeClr>
+          </a:solidFill>
+          <a:prstDash val="solid"/>
+        </a:ln>
+        <a:effectLst>
+          <a:innerShdw blurRad="63500" dist="25400" dir="13500000">
+            <a:srgbClr val="000000">
+              <a:alpha val="75000"/>
+            </a:srgbClr>
+          </a:innerShdw>
+        </a:effectLst>
+      </dsp:spPr>
+      <dsp:style>
+        <a:lnRef idx="1">
+          <a:scrgbClr r="0" g="0" b="0"/>
+        </a:lnRef>
+        <a:fillRef idx="3">
+          <a:scrgbClr r="0" g="0" b="0"/>
+        </a:fillRef>
+        <a:effectRef idx="3">
+          <a:scrgbClr r="0" g="0" b="0"/>
+        </a:effectRef>
+        <a:fontRef idx="minor">
+          <a:schemeClr val="lt1"/>
+        </a:fontRef>
+      </dsp:style>
+      <dsp:txBody>
+        <a:bodyPr spcFirstLastPara="0" vert="horz" wrap="square" lIns="22860" tIns="22860" rIns="22860" bIns="22860" numCol="1" spcCol="1270" anchor="ctr" anchorCtr="0">
+          <a:noAutofit/>
+        </a:bodyPr>
+        <a:lstStyle/>
+        <a:p>
+          <a:pPr lvl="0" algn="ctr" defTabSz="1600200">
+            <a:lnSpc>
+              <a:spcPct val="90000"/>
+            </a:lnSpc>
+            <a:spcBef>
+              <a:spcPct val="0"/>
+            </a:spcBef>
+            <a:spcAft>
+              <a:spcPct val="35000"/>
+            </a:spcAft>
+          </a:pPr>
+          <a:endParaRPr lang="fr-FR" sz="3600" b="1" kern="1200" noProof="0" dirty="0">
+            <a:solidFill>
+              <a:schemeClr val="bg1">
+                <a:lumMod val="95000"/>
+                <a:lumOff val="5000"/>
+              </a:schemeClr>
+            </a:solidFill>
+          </a:endParaRPr>
+        </a:p>
+      </dsp:txBody>
+      <dsp:txXfrm rot="-5400000">
+        <a:off x="0" y="280961"/>
+        <a:ext cx="557108" cy="238760"/>
+      </dsp:txXfrm>
+    </dsp:sp>
+    <dsp:sp modelId="{CF20245F-33D4-466F-898E-F5BB18451CED}">
+      <dsp:nvSpPr>
+        <dsp:cNvPr id="0" name=""/>
+        <dsp:cNvSpPr/>
+      </dsp:nvSpPr>
+      <dsp:spPr>
+        <a:xfrm rot="5400000">
+          <a:off x="4216583" y="-3657068"/>
+          <a:ext cx="517314" cy="7836265"/>
+        </a:xfrm>
+        <a:prstGeom prst="round2SameRect">
+          <a:avLst/>
+        </a:prstGeom>
+        <a:solidFill>
+          <a:schemeClr val="bg1">
+            <a:lumMod val="95000"/>
+            <a:lumOff val="5000"/>
+            <a:alpha val="90000"/>
+          </a:schemeClr>
+        </a:solidFill>
+        <a:ln w="9525" cap="rnd" cmpd="sng" algn="ctr">
+          <a:solidFill>
+            <a:schemeClr val="accent1">
+              <a:hueOff val="0"/>
+              <a:satOff val="0"/>
+              <a:lumOff val="0"/>
+              <a:alphaOff val="0"/>
+            </a:schemeClr>
+          </a:solidFill>
+          <a:prstDash val="solid"/>
+        </a:ln>
+        <a:effectLst/>
+      </dsp:spPr>
+      <dsp:style>
+        <a:lnRef idx="1">
+          <a:scrgbClr r="0" g="0" b="0"/>
+        </a:lnRef>
+        <a:fillRef idx="1">
+          <a:scrgbClr r="0" g="0" b="0"/>
+        </a:fillRef>
+        <a:effectRef idx="2">
+          <a:scrgbClr r="0" g="0" b="0"/>
+        </a:effectRef>
+        <a:fontRef idx="minor"/>
+      </dsp:style>
+      <dsp:txBody>
+        <a:bodyPr spcFirstLastPara="0" vert="horz" wrap="square" lIns="256032" tIns="22860" rIns="22860" bIns="22860" numCol="1" spcCol="1270" anchor="ctr" anchorCtr="0">
+          <a:noAutofit/>
+        </a:bodyPr>
+        <a:lstStyle/>
+        <a:p>
+          <a:pPr marL="285750" lvl="1" indent="-285750" algn="l" defTabSz="1600200">
+            <a:lnSpc>
+              <a:spcPct val="90000"/>
+            </a:lnSpc>
+            <a:spcBef>
+              <a:spcPct val="0"/>
+            </a:spcBef>
+            <a:spcAft>
+              <a:spcPct val="15000"/>
+            </a:spcAft>
+            <a:buChar char="••"/>
+          </a:pPr>
+          <a:r>
+            <a:rPr lang="fr-FR" sz="3600" b="1" kern="1200" noProof="0" dirty="0" smtClean="0">
+              <a:solidFill>
+                <a:schemeClr val="accent1">
+                  <a:lumMod val="75000"/>
+                </a:schemeClr>
+              </a:solidFill>
+            </a:rPr>
+            <a:t>I-QuantLib</a:t>
+          </a:r>
+          <a:endParaRPr lang="fr-FR" sz="3600" b="1" kern="1200" noProof="0" dirty="0">
+            <a:solidFill>
+              <a:schemeClr val="accent1">
+                <a:lumMod val="75000"/>
+              </a:schemeClr>
+            </a:solidFill>
+          </a:endParaRPr>
+        </a:p>
+      </dsp:txBody>
+      <dsp:txXfrm rot="-5400000">
+        <a:off x="557108" y="27660"/>
+        <a:ext cx="7811012" cy="466808"/>
+      </dsp:txXfrm>
+    </dsp:sp>
+    <dsp:sp modelId="{50E7F155-0B28-4EB8-A3DA-F62B28ED4788}">
+      <dsp:nvSpPr>
+        <dsp:cNvPr id="0" name=""/>
+        <dsp:cNvSpPr/>
+      </dsp:nvSpPr>
+      <dsp:spPr>
+        <a:xfrm rot="5400000">
+          <a:off x="-119380" y="818098"/>
+          <a:ext cx="795868" cy="557108"/>
+        </a:xfrm>
+        <a:prstGeom prst="chevron">
+          <a:avLst/>
+        </a:prstGeom>
+        <a:blipFill rotWithShape="0">
+          <a:blip xmlns:r="http://schemas.openxmlformats.org/officeDocument/2006/relationships" r:embed="rId1">
+            <a:duotone>
+              <a:schemeClr val="accent1">
+                <a:hueOff val="0"/>
+                <a:satOff val="0"/>
+                <a:lumOff val="0"/>
+                <a:alphaOff val="0"/>
+                <a:tint val="98000"/>
+                <a:lumMod val="102000"/>
+              </a:schemeClr>
+              <a:schemeClr val="accent1">
+                <a:hueOff val="0"/>
+                <a:satOff val="0"/>
+                <a:lumOff val="0"/>
+                <a:alphaOff val="0"/>
+                <a:shade val="98000"/>
+                <a:lumMod val="98000"/>
+              </a:schemeClr>
+            </a:duotone>
+          </a:blip>
+          <a:tile tx="0" ty="0" sx="100000" sy="100000" flip="none" algn="tl"/>
+        </a:blipFill>
+        <a:ln w="9525" cap="rnd" cmpd="sng" algn="ctr">
+          <a:solidFill>
+            <a:schemeClr val="accent1">
+              <a:hueOff val="0"/>
+              <a:satOff val="0"/>
+              <a:lumOff val="0"/>
+              <a:alphaOff val="0"/>
+            </a:schemeClr>
+          </a:solidFill>
+          <a:prstDash val="solid"/>
+        </a:ln>
+        <a:effectLst>
+          <a:innerShdw blurRad="63500" dist="25400" dir="13500000">
+            <a:srgbClr val="000000">
+              <a:alpha val="75000"/>
+            </a:srgbClr>
+          </a:innerShdw>
+        </a:effectLst>
+      </dsp:spPr>
+      <dsp:style>
+        <a:lnRef idx="1">
+          <a:scrgbClr r="0" g="0" b="0"/>
+        </a:lnRef>
+        <a:fillRef idx="3">
+          <a:scrgbClr r="0" g="0" b="0"/>
+        </a:fillRef>
+        <a:effectRef idx="3">
+          <a:scrgbClr r="0" g="0" b="0"/>
+        </a:effectRef>
+        <a:fontRef idx="minor">
+          <a:schemeClr val="lt1"/>
+        </a:fontRef>
+      </dsp:style>
+      <dsp:txBody>
+        <a:bodyPr spcFirstLastPara="0" vert="horz" wrap="square" lIns="22860" tIns="22860" rIns="22860" bIns="22860" numCol="1" spcCol="1270" anchor="ctr" anchorCtr="0">
+          <a:noAutofit/>
+        </a:bodyPr>
+        <a:lstStyle/>
+        <a:p>
+          <a:pPr lvl="0" algn="ctr" defTabSz="1600200">
+            <a:lnSpc>
+              <a:spcPct val="90000"/>
+            </a:lnSpc>
+            <a:spcBef>
+              <a:spcPct val="0"/>
+            </a:spcBef>
+            <a:spcAft>
+              <a:spcPct val="35000"/>
+            </a:spcAft>
+          </a:pPr>
+          <a:endParaRPr lang="fr-FR" sz="3600" b="1" kern="1200" noProof="0" dirty="0">
+            <a:solidFill>
+              <a:schemeClr val="tx1">
+                <a:lumMod val="75000"/>
+              </a:schemeClr>
+            </a:solidFill>
+          </a:endParaRPr>
+        </a:p>
+      </dsp:txBody>
+      <dsp:txXfrm rot="-5400000">
+        <a:off x="0" y="977272"/>
+        <a:ext cx="557108" cy="238760"/>
+      </dsp:txXfrm>
+    </dsp:sp>
+    <dsp:sp modelId="{5D21B0F4-0BFF-4375-93B3-BD56BB6213EC}">
+      <dsp:nvSpPr>
+        <dsp:cNvPr id="0" name=""/>
+        <dsp:cNvSpPr/>
+      </dsp:nvSpPr>
+      <dsp:spPr>
+        <a:xfrm rot="5400000">
+          <a:off x="4216583" y="-2960757"/>
+          <a:ext cx="517314" cy="7836265"/>
+        </a:xfrm>
+        <a:prstGeom prst="round2SameRect">
+          <a:avLst/>
+        </a:prstGeom>
+        <a:solidFill>
+          <a:schemeClr val="bg1">
+            <a:lumMod val="95000"/>
+            <a:lumOff val="5000"/>
+            <a:alpha val="90000"/>
+          </a:schemeClr>
+        </a:solidFill>
+        <a:ln w="9525" cap="rnd" cmpd="sng" algn="ctr">
+          <a:solidFill>
+            <a:schemeClr val="accent1">
+              <a:hueOff val="0"/>
+              <a:satOff val="0"/>
+              <a:lumOff val="0"/>
+              <a:alphaOff val="0"/>
+            </a:schemeClr>
+          </a:solidFill>
+          <a:prstDash val="solid"/>
+        </a:ln>
+        <a:effectLst/>
+      </dsp:spPr>
+      <dsp:style>
+        <a:lnRef idx="1">
+          <a:scrgbClr r="0" g="0" b="0"/>
+        </a:lnRef>
+        <a:fillRef idx="1">
+          <a:scrgbClr r="0" g="0" b="0"/>
+        </a:fillRef>
+        <a:effectRef idx="2">
+          <a:scrgbClr r="0" g="0" b="0"/>
+        </a:effectRef>
+        <a:fontRef idx="minor"/>
+      </dsp:style>
+      <dsp:txBody>
+        <a:bodyPr spcFirstLastPara="0" vert="horz" wrap="square" lIns="256032" tIns="22860" rIns="22860" bIns="22860" numCol="1" spcCol="1270" anchor="ctr" anchorCtr="0">
+          <a:noAutofit/>
+        </a:bodyPr>
+        <a:lstStyle/>
+        <a:p>
+          <a:pPr marL="285750" lvl="1" indent="-285750" algn="l" defTabSz="1600200">
+            <a:lnSpc>
+              <a:spcPct val="90000"/>
+            </a:lnSpc>
+            <a:spcBef>
+              <a:spcPct val="0"/>
+            </a:spcBef>
+            <a:spcAft>
+              <a:spcPct val="15000"/>
+            </a:spcAft>
+            <a:buChar char="••"/>
+          </a:pPr>
+          <a:r>
+            <a:rPr lang="fr-FR" sz="3600" b="1" kern="1200" noProof="0" dirty="0" smtClean="0">
+              <a:solidFill>
+                <a:schemeClr val="accent1">
+                  <a:lumMod val="75000"/>
+                </a:schemeClr>
+              </a:solidFill>
+            </a:rPr>
+            <a:t>II-Les composons de QuantLib</a:t>
+          </a:r>
+        </a:p>
+      </dsp:txBody>
+      <dsp:txXfrm rot="-5400000">
+        <a:off x="557108" y="723971"/>
+        <a:ext cx="7811012" cy="466808"/>
+      </dsp:txXfrm>
+    </dsp:sp>
+    <dsp:sp modelId="{F19540CE-E2C5-4FD1-A90C-A623A7080392}">
+      <dsp:nvSpPr>
+        <dsp:cNvPr id="0" name=""/>
+        <dsp:cNvSpPr/>
+      </dsp:nvSpPr>
+      <dsp:spPr>
+        <a:xfrm rot="5400000">
+          <a:off x="-119380" y="1514409"/>
+          <a:ext cx="795868" cy="557108"/>
+        </a:xfrm>
+        <a:prstGeom prst="chevron">
+          <a:avLst/>
+        </a:prstGeom>
+        <a:blipFill rotWithShape="0">
+          <a:blip xmlns:r="http://schemas.openxmlformats.org/officeDocument/2006/relationships" r:embed="rId1">
+            <a:duotone>
+              <a:schemeClr val="accent1">
+                <a:hueOff val="0"/>
+                <a:satOff val="0"/>
+                <a:lumOff val="0"/>
+                <a:alphaOff val="0"/>
+                <a:tint val="98000"/>
+                <a:lumMod val="102000"/>
+              </a:schemeClr>
+              <a:schemeClr val="accent1">
+                <a:hueOff val="0"/>
+                <a:satOff val="0"/>
+                <a:lumOff val="0"/>
+                <a:alphaOff val="0"/>
+                <a:shade val="98000"/>
+                <a:lumMod val="98000"/>
+              </a:schemeClr>
+            </a:duotone>
+          </a:blip>
+          <a:tile tx="0" ty="0" sx="100000" sy="100000" flip="none" algn="tl"/>
+        </a:blipFill>
+        <a:ln w="9525" cap="rnd" cmpd="sng" algn="ctr">
+          <a:solidFill>
+            <a:schemeClr val="accent1">
+              <a:hueOff val="0"/>
+              <a:satOff val="0"/>
+              <a:lumOff val="0"/>
+              <a:alphaOff val="0"/>
+            </a:schemeClr>
+          </a:solidFill>
+          <a:prstDash val="solid"/>
+        </a:ln>
+        <a:effectLst>
+          <a:innerShdw blurRad="63500" dist="25400" dir="13500000">
+            <a:srgbClr val="000000">
+              <a:alpha val="75000"/>
+            </a:srgbClr>
+          </a:innerShdw>
+        </a:effectLst>
+      </dsp:spPr>
+      <dsp:style>
+        <a:lnRef idx="1">
+          <a:scrgbClr r="0" g="0" b="0"/>
+        </a:lnRef>
+        <a:fillRef idx="3">
+          <a:scrgbClr r="0" g="0" b="0"/>
+        </a:fillRef>
+        <a:effectRef idx="3">
+          <a:scrgbClr r="0" g="0" b="0"/>
+        </a:effectRef>
+        <a:fontRef idx="minor">
+          <a:schemeClr val="lt1"/>
+        </a:fontRef>
+      </dsp:style>
+      <dsp:txBody>
+        <a:bodyPr spcFirstLastPara="0" vert="horz" wrap="square" lIns="22860" tIns="22860" rIns="22860" bIns="22860" numCol="1" spcCol="1270" anchor="ctr" anchorCtr="0">
+          <a:noAutofit/>
+        </a:bodyPr>
+        <a:lstStyle/>
+        <a:p>
+          <a:pPr lvl="0" algn="ctr" defTabSz="1600200">
+            <a:lnSpc>
+              <a:spcPct val="90000"/>
+            </a:lnSpc>
+            <a:spcBef>
+              <a:spcPct val="0"/>
+            </a:spcBef>
+            <a:spcAft>
+              <a:spcPct val="35000"/>
+            </a:spcAft>
+          </a:pPr>
+          <a:endParaRPr lang="fr-FR" sz="3600" b="1" kern="1200" noProof="0" dirty="0" smtClean="0">
+            <a:solidFill>
+              <a:schemeClr val="tx1">
+                <a:lumMod val="75000"/>
+              </a:schemeClr>
+            </a:solidFill>
+          </a:endParaRPr>
+        </a:p>
+      </dsp:txBody>
+      <dsp:txXfrm rot="-5400000">
+        <a:off x="0" y="1673583"/>
+        <a:ext cx="557108" cy="238760"/>
+      </dsp:txXfrm>
+    </dsp:sp>
+    <dsp:sp modelId="{3FF88047-6236-47E6-998D-4E3EA0983E72}">
+      <dsp:nvSpPr>
+        <dsp:cNvPr id="0" name=""/>
+        <dsp:cNvSpPr/>
+      </dsp:nvSpPr>
+      <dsp:spPr>
+        <a:xfrm rot="5400000">
+          <a:off x="4216583" y="-2264446"/>
+          <a:ext cx="517314" cy="7836265"/>
+        </a:xfrm>
+        <a:prstGeom prst="round2SameRect">
+          <a:avLst/>
+        </a:prstGeom>
+        <a:solidFill>
+          <a:schemeClr val="bg1">
+            <a:lumMod val="95000"/>
+            <a:lumOff val="5000"/>
+            <a:alpha val="90000"/>
+          </a:schemeClr>
+        </a:solidFill>
+        <a:ln w="9525" cap="rnd" cmpd="sng" algn="ctr">
+          <a:solidFill>
+            <a:schemeClr val="accent1">
+              <a:hueOff val="0"/>
+              <a:satOff val="0"/>
+              <a:lumOff val="0"/>
+              <a:alphaOff val="0"/>
+            </a:schemeClr>
+          </a:solidFill>
+          <a:prstDash val="solid"/>
+        </a:ln>
+        <a:effectLst/>
+      </dsp:spPr>
+      <dsp:style>
+        <a:lnRef idx="1">
+          <a:scrgbClr r="0" g="0" b="0"/>
+        </a:lnRef>
+        <a:fillRef idx="1">
+          <a:scrgbClr r="0" g="0" b="0"/>
+        </a:fillRef>
+        <a:effectRef idx="2">
+          <a:scrgbClr r="0" g="0" b="0"/>
+        </a:effectRef>
+        <a:fontRef idx="minor"/>
+      </dsp:style>
+      <dsp:txBody>
+        <a:bodyPr spcFirstLastPara="0" vert="horz" wrap="square" lIns="256032" tIns="22860" rIns="22860" bIns="22860" numCol="1" spcCol="1270" anchor="ctr" anchorCtr="0">
+          <a:noAutofit/>
+        </a:bodyPr>
+        <a:lstStyle/>
+        <a:p>
+          <a:pPr marL="285750" lvl="1" indent="-285750" algn="l" defTabSz="1600200">
+            <a:lnSpc>
+              <a:spcPct val="90000"/>
+            </a:lnSpc>
+            <a:spcBef>
+              <a:spcPct val="0"/>
+            </a:spcBef>
+            <a:spcAft>
+              <a:spcPct val="15000"/>
+            </a:spcAft>
+            <a:buChar char="••"/>
+          </a:pPr>
+          <a:r>
+            <a:rPr lang="fr-FR" sz="3600" b="1" kern="1200" noProof="0" smtClean="0">
+              <a:solidFill>
+                <a:schemeClr val="accent1">
+                  <a:lumMod val="75000"/>
+                </a:schemeClr>
+              </a:solidFill>
+            </a:rPr>
+            <a:t>III-Partial-Time-Barrier Options</a:t>
+          </a:r>
+          <a:endParaRPr lang="fr-FR" sz="3600" b="1" kern="1200" noProof="0" dirty="0" smtClean="0">
+            <a:solidFill>
+              <a:schemeClr val="accent1">
+                <a:lumMod val="75000"/>
+              </a:schemeClr>
+            </a:solidFill>
+          </a:endParaRPr>
+        </a:p>
+      </dsp:txBody>
+      <dsp:txXfrm rot="-5400000">
+        <a:off x="557108" y="1420282"/>
+        <a:ext cx="7811012" cy="466808"/>
+      </dsp:txXfrm>
+    </dsp:sp>
+    <dsp:sp modelId="{A6CE0B11-D65A-4EA5-AC61-673ADCCD0CA0}">
+      <dsp:nvSpPr>
+        <dsp:cNvPr id="0" name=""/>
+        <dsp:cNvSpPr/>
+      </dsp:nvSpPr>
+      <dsp:spPr>
+        <a:xfrm rot="5400000">
+          <a:off x="-119380" y="2210719"/>
+          <a:ext cx="795868" cy="557108"/>
+        </a:xfrm>
+        <a:prstGeom prst="chevron">
+          <a:avLst/>
+        </a:prstGeom>
+        <a:blipFill rotWithShape="0">
+          <a:blip xmlns:r="http://schemas.openxmlformats.org/officeDocument/2006/relationships" r:embed="rId1">
+            <a:duotone>
+              <a:schemeClr val="accent1">
+                <a:hueOff val="0"/>
+                <a:satOff val="0"/>
+                <a:lumOff val="0"/>
+                <a:alphaOff val="0"/>
+                <a:tint val="98000"/>
+                <a:lumMod val="102000"/>
+              </a:schemeClr>
+              <a:schemeClr val="accent1">
+                <a:hueOff val="0"/>
+                <a:satOff val="0"/>
+                <a:lumOff val="0"/>
+                <a:alphaOff val="0"/>
+                <a:shade val="98000"/>
+                <a:lumMod val="98000"/>
+              </a:schemeClr>
+            </a:duotone>
+          </a:blip>
+          <a:tile tx="0" ty="0" sx="100000" sy="100000" flip="none" algn="tl"/>
+        </a:blipFill>
+        <a:ln w="9525" cap="rnd" cmpd="sng" algn="ctr">
+          <a:solidFill>
+            <a:schemeClr val="accent1">
+              <a:hueOff val="0"/>
+              <a:satOff val="0"/>
+              <a:lumOff val="0"/>
+              <a:alphaOff val="0"/>
+            </a:schemeClr>
+          </a:solidFill>
+          <a:prstDash val="solid"/>
+        </a:ln>
+        <a:effectLst>
+          <a:innerShdw blurRad="63500" dist="25400" dir="13500000">
+            <a:srgbClr val="000000">
+              <a:alpha val="75000"/>
+            </a:srgbClr>
+          </a:innerShdw>
+        </a:effectLst>
+      </dsp:spPr>
+      <dsp:style>
+        <a:lnRef idx="1">
+          <a:scrgbClr r="0" g="0" b="0"/>
+        </a:lnRef>
+        <a:fillRef idx="3">
+          <a:scrgbClr r="0" g="0" b="0"/>
+        </a:fillRef>
+        <a:effectRef idx="3">
+          <a:scrgbClr r="0" g="0" b="0"/>
+        </a:effectRef>
+        <a:fontRef idx="minor">
+          <a:schemeClr val="lt1"/>
+        </a:fontRef>
+      </dsp:style>
+      <dsp:txBody>
+        <a:bodyPr spcFirstLastPara="0" vert="horz" wrap="square" lIns="22860" tIns="22860" rIns="22860" bIns="22860" numCol="1" spcCol="1270" anchor="ctr" anchorCtr="0">
+          <a:noAutofit/>
+        </a:bodyPr>
+        <a:lstStyle/>
+        <a:p>
+          <a:pPr lvl="0" algn="ctr" defTabSz="1600200">
+            <a:lnSpc>
+              <a:spcPct val="90000"/>
+            </a:lnSpc>
+            <a:spcBef>
+              <a:spcPct val="0"/>
+            </a:spcBef>
+            <a:spcAft>
+              <a:spcPct val="35000"/>
+            </a:spcAft>
+          </a:pPr>
+          <a:endParaRPr lang="fr-FR" sz="3600" b="1" kern="1200" noProof="0" dirty="0" smtClean="0">
+            <a:solidFill>
+              <a:schemeClr val="tx1">
+                <a:lumMod val="75000"/>
+              </a:schemeClr>
+            </a:solidFill>
+          </a:endParaRPr>
+        </a:p>
+      </dsp:txBody>
+      <dsp:txXfrm rot="-5400000">
+        <a:off x="0" y="2369893"/>
+        <a:ext cx="557108" cy="238760"/>
+      </dsp:txXfrm>
+    </dsp:sp>
+    <dsp:sp modelId="{8AB5A1D8-F846-4952-91D5-8A7FE5012D93}">
+      <dsp:nvSpPr>
+        <dsp:cNvPr id="0" name=""/>
+        <dsp:cNvSpPr/>
+      </dsp:nvSpPr>
+      <dsp:spPr>
+        <a:xfrm rot="5400000">
+          <a:off x="4216583" y="-1568136"/>
+          <a:ext cx="517314" cy="7836265"/>
+        </a:xfrm>
+        <a:prstGeom prst="round2SameRect">
+          <a:avLst/>
+        </a:prstGeom>
+        <a:solidFill>
+          <a:schemeClr val="bg1">
+            <a:lumMod val="95000"/>
+            <a:lumOff val="5000"/>
+            <a:alpha val="90000"/>
+          </a:schemeClr>
+        </a:solidFill>
+        <a:ln w="9525" cap="rnd" cmpd="sng" algn="ctr">
+          <a:solidFill>
+            <a:schemeClr val="accent1">
+              <a:hueOff val="0"/>
+              <a:satOff val="0"/>
+              <a:lumOff val="0"/>
+              <a:alphaOff val="0"/>
+            </a:schemeClr>
+          </a:solidFill>
+          <a:prstDash val="solid"/>
+        </a:ln>
+        <a:effectLst/>
+      </dsp:spPr>
+      <dsp:style>
+        <a:lnRef idx="1">
+          <a:scrgbClr r="0" g="0" b="0"/>
+        </a:lnRef>
+        <a:fillRef idx="1">
+          <a:scrgbClr r="0" g="0" b="0"/>
+        </a:fillRef>
+        <a:effectRef idx="2">
+          <a:scrgbClr r="0" g="0" b="0"/>
+        </a:effectRef>
+        <a:fontRef idx="minor"/>
+      </dsp:style>
+      <dsp:txBody>
+        <a:bodyPr spcFirstLastPara="0" vert="horz" wrap="square" lIns="256032" tIns="22860" rIns="22860" bIns="22860" numCol="1" spcCol="1270" anchor="ctr" anchorCtr="0">
+          <a:noAutofit/>
+        </a:bodyPr>
+        <a:lstStyle/>
+        <a:p>
+          <a:pPr marL="285750" lvl="1" indent="-285750" algn="l" defTabSz="1600200">
+            <a:lnSpc>
+              <a:spcPct val="90000"/>
+            </a:lnSpc>
+            <a:spcBef>
+              <a:spcPct val="0"/>
+            </a:spcBef>
+            <a:spcAft>
+              <a:spcPct val="15000"/>
+            </a:spcAft>
+            <a:buChar char="••"/>
+          </a:pPr>
+          <a:r>
+            <a:rPr lang="fr-FR" sz="3600" b="1" kern="1200" noProof="0" dirty="0" smtClean="0">
+              <a:solidFill>
+                <a:schemeClr val="accent1">
+                  <a:lumMod val="75000"/>
+                </a:schemeClr>
+              </a:solidFill>
+            </a:rPr>
+            <a:t>IV-Complex Chooser Options</a:t>
+          </a:r>
+        </a:p>
+      </dsp:txBody>
+      <dsp:txXfrm rot="-5400000">
+        <a:off x="557108" y="2116592"/>
+        <a:ext cx="7811012" cy="466808"/>
+      </dsp:txXfrm>
+    </dsp:sp>
+    <dsp:sp modelId="{B42C3359-B3EE-455E-8DA8-EEADBB34ADA4}">
+      <dsp:nvSpPr>
+        <dsp:cNvPr id="0" name=""/>
+        <dsp:cNvSpPr/>
+      </dsp:nvSpPr>
+      <dsp:spPr>
+        <a:xfrm rot="5400000">
+          <a:off x="-119380" y="2907030"/>
+          <a:ext cx="795868" cy="557108"/>
+        </a:xfrm>
+        <a:prstGeom prst="chevron">
+          <a:avLst/>
+        </a:prstGeom>
+        <a:blipFill rotWithShape="0">
+          <a:blip xmlns:r="http://schemas.openxmlformats.org/officeDocument/2006/relationships" r:embed="rId1">
+            <a:duotone>
+              <a:schemeClr val="accent1">
+                <a:hueOff val="0"/>
+                <a:satOff val="0"/>
+                <a:lumOff val="0"/>
+                <a:alphaOff val="0"/>
+                <a:tint val="98000"/>
+                <a:lumMod val="102000"/>
+              </a:schemeClr>
+              <a:schemeClr val="accent1">
+                <a:hueOff val="0"/>
+                <a:satOff val="0"/>
+                <a:lumOff val="0"/>
+                <a:alphaOff val="0"/>
+                <a:shade val="98000"/>
+                <a:lumMod val="98000"/>
+              </a:schemeClr>
+            </a:duotone>
+          </a:blip>
+          <a:tile tx="0" ty="0" sx="100000" sy="100000" flip="none" algn="tl"/>
+        </a:blipFill>
+        <a:ln w="9525" cap="rnd" cmpd="sng" algn="ctr">
+          <a:solidFill>
+            <a:schemeClr val="accent1">
+              <a:hueOff val="0"/>
+              <a:satOff val="0"/>
+              <a:lumOff val="0"/>
+              <a:alphaOff val="0"/>
+            </a:schemeClr>
+          </a:solidFill>
+          <a:prstDash val="solid"/>
+        </a:ln>
+        <a:effectLst>
+          <a:innerShdw blurRad="63500" dist="25400" dir="13500000">
+            <a:srgbClr val="000000">
+              <a:alpha val="75000"/>
+            </a:srgbClr>
+          </a:innerShdw>
+        </a:effectLst>
+      </dsp:spPr>
+      <dsp:style>
+        <a:lnRef idx="1">
+          <a:scrgbClr r="0" g="0" b="0"/>
+        </a:lnRef>
+        <a:fillRef idx="3">
+          <a:scrgbClr r="0" g="0" b="0"/>
+        </a:fillRef>
+        <a:effectRef idx="3">
+          <a:scrgbClr r="0" g="0" b="0"/>
+        </a:effectRef>
+        <a:fontRef idx="minor">
+          <a:schemeClr val="lt1"/>
+        </a:fontRef>
+      </dsp:style>
+      <dsp:txBody>
+        <a:bodyPr spcFirstLastPara="0" vert="horz" wrap="square" lIns="22860" tIns="22860" rIns="22860" bIns="22860" numCol="1" spcCol="1270" anchor="ctr" anchorCtr="0">
+          <a:noAutofit/>
+        </a:bodyPr>
+        <a:lstStyle/>
+        <a:p>
+          <a:pPr lvl="0" algn="ctr" defTabSz="1600200">
+            <a:lnSpc>
+              <a:spcPct val="90000"/>
+            </a:lnSpc>
+            <a:spcBef>
+              <a:spcPct val="0"/>
+            </a:spcBef>
+            <a:spcAft>
+              <a:spcPct val="35000"/>
+            </a:spcAft>
+          </a:pPr>
+          <a:endParaRPr lang="fr-FR" sz="3600" b="1" kern="1200" noProof="0" dirty="0" smtClean="0">
+            <a:solidFill>
+              <a:schemeClr val="tx1">
+                <a:lumMod val="75000"/>
+              </a:schemeClr>
+            </a:solidFill>
+          </a:endParaRPr>
+        </a:p>
+      </dsp:txBody>
+      <dsp:txXfrm rot="-5400000">
+        <a:off x="0" y="3066204"/>
+        <a:ext cx="557108" cy="238760"/>
+      </dsp:txXfrm>
+    </dsp:sp>
+    <dsp:sp modelId="{0053D2EA-E96A-485A-9B47-065EB2ECE275}">
+      <dsp:nvSpPr>
+        <dsp:cNvPr id="0" name=""/>
+        <dsp:cNvSpPr/>
+      </dsp:nvSpPr>
+      <dsp:spPr>
+        <a:xfrm rot="5400000">
+          <a:off x="4216583" y="-871825"/>
+          <a:ext cx="517314" cy="7836265"/>
+        </a:xfrm>
+        <a:prstGeom prst="round2SameRect">
+          <a:avLst/>
+        </a:prstGeom>
+        <a:solidFill>
+          <a:schemeClr val="bg1">
+            <a:lumMod val="95000"/>
+            <a:lumOff val="5000"/>
+            <a:alpha val="90000"/>
+          </a:schemeClr>
+        </a:solidFill>
+        <a:ln w="9525" cap="rnd" cmpd="sng" algn="ctr">
+          <a:solidFill>
+            <a:schemeClr val="accent1">
+              <a:hueOff val="0"/>
+              <a:satOff val="0"/>
+              <a:lumOff val="0"/>
+              <a:alphaOff val="0"/>
+            </a:schemeClr>
+          </a:solidFill>
+          <a:prstDash val="solid"/>
+        </a:ln>
+        <a:effectLst/>
+      </dsp:spPr>
+      <dsp:style>
+        <a:lnRef idx="1">
+          <a:scrgbClr r="0" g="0" b="0"/>
+        </a:lnRef>
+        <a:fillRef idx="1">
+          <a:scrgbClr r="0" g="0" b="0"/>
+        </a:fillRef>
+        <a:effectRef idx="2">
+          <a:scrgbClr r="0" g="0" b="0"/>
+        </a:effectRef>
+        <a:fontRef idx="minor"/>
+      </dsp:style>
+      <dsp:txBody>
+        <a:bodyPr spcFirstLastPara="0" vert="horz" wrap="square" lIns="256032" tIns="22860" rIns="22860" bIns="22860" numCol="1" spcCol="1270" anchor="ctr" anchorCtr="0">
+          <a:noAutofit/>
+        </a:bodyPr>
+        <a:lstStyle/>
+        <a:p>
+          <a:pPr marL="285750" lvl="1" indent="-285750" algn="l" defTabSz="1600200">
+            <a:lnSpc>
+              <a:spcPct val="90000"/>
+            </a:lnSpc>
+            <a:spcBef>
+              <a:spcPct val="0"/>
+            </a:spcBef>
+            <a:spcAft>
+              <a:spcPct val="15000"/>
+            </a:spcAft>
+            <a:buChar char="••"/>
+          </a:pPr>
+          <a:r>
+            <a:rPr lang="fr-FR" sz="3600" b="1" kern="1200" noProof="0" smtClean="0">
+              <a:solidFill>
+                <a:schemeClr val="accent1">
+                  <a:lumMod val="75000"/>
+                </a:schemeClr>
+              </a:solidFill>
+            </a:rPr>
+            <a:t>V-Extendible Options</a:t>
+          </a:r>
+          <a:endParaRPr lang="fr-FR" sz="3600" b="1" kern="1200" noProof="0" dirty="0" smtClean="0">
+            <a:solidFill>
+              <a:schemeClr val="accent1">
+                <a:lumMod val="75000"/>
+              </a:schemeClr>
+            </a:solidFill>
+          </a:endParaRPr>
+        </a:p>
+      </dsp:txBody>
+      <dsp:txXfrm rot="-5400000">
+        <a:off x="557108" y="2812903"/>
+        <a:ext cx="7811012" cy="466808"/>
+      </dsp:txXfrm>
+    </dsp:sp>
+    <dsp:sp modelId="{225C83A9-779B-4707-93D8-DCD1C911EBB6}">
+      <dsp:nvSpPr>
+        <dsp:cNvPr id="0" name=""/>
+        <dsp:cNvSpPr/>
+      </dsp:nvSpPr>
+      <dsp:spPr>
+        <a:xfrm rot="5400000">
+          <a:off x="-119380" y="3603341"/>
+          <a:ext cx="795868" cy="557108"/>
+        </a:xfrm>
+        <a:prstGeom prst="chevron">
+          <a:avLst/>
+        </a:prstGeom>
+        <a:solidFill>
+          <a:schemeClr val="accent1"/>
+        </a:solidFill>
+        <a:ln w="15875" cap="rnd" cmpd="sng" algn="ctr">
+          <a:solidFill>
+            <a:schemeClr val="accent1">
+              <a:shade val="50000"/>
+            </a:schemeClr>
+          </a:solidFill>
+          <a:prstDash val="solid"/>
+        </a:ln>
+        <a:effectLst/>
+      </dsp:spPr>
+      <dsp:style>
+        <a:lnRef idx="2">
+          <a:schemeClr val="accent1">
+            <a:shade val="50000"/>
+          </a:schemeClr>
+        </a:lnRef>
+        <a:fillRef idx="1">
+          <a:schemeClr val="accent1"/>
+        </a:fillRef>
+        <a:effectRef idx="0">
+          <a:schemeClr val="accent1"/>
+        </a:effectRef>
+        <a:fontRef idx="minor">
+          <a:schemeClr val="lt1"/>
+        </a:fontRef>
+      </dsp:style>
+      <dsp:txBody>
+        <a:bodyPr spcFirstLastPara="0" vert="horz" wrap="square" lIns="22860" tIns="22860" rIns="22860" bIns="22860" numCol="1" spcCol="1270" anchor="ctr" anchorCtr="0">
+          <a:noAutofit/>
+        </a:bodyPr>
+        <a:lstStyle/>
+        <a:p>
+          <a:pPr lvl="0" algn="ctr" defTabSz="1600200">
+            <a:lnSpc>
+              <a:spcPct val="90000"/>
+            </a:lnSpc>
+            <a:spcBef>
+              <a:spcPct val="0"/>
+            </a:spcBef>
+            <a:spcAft>
+              <a:spcPct val="35000"/>
+            </a:spcAft>
+          </a:pPr>
+          <a:endParaRPr lang="fr-FR" sz="3600" b="1" kern="1200" noProof="0" dirty="0" smtClean="0">
+            <a:solidFill>
+              <a:schemeClr val="accent1">
+                <a:lumMod val="75000"/>
+              </a:schemeClr>
+            </a:solidFill>
+          </a:endParaRPr>
+        </a:p>
+      </dsp:txBody>
+      <dsp:txXfrm rot="-5400000">
+        <a:off x="0" y="3762515"/>
+        <a:ext cx="557108" cy="238760"/>
+      </dsp:txXfrm>
+    </dsp:sp>
+    <dsp:sp modelId="{6574DC34-666A-4340-A81D-BCA3F02AB8AF}">
+      <dsp:nvSpPr>
+        <dsp:cNvPr id="0" name=""/>
+        <dsp:cNvSpPr/>
+      </dsp:nvSpPr>
+      <dsp:spPr>
+        <a:xfrm rot="5400000">
+          <a:off x="4216583" y="-175514"/>
+          <a:ext cx="517314" cy="7836265"/>
+        </a:xfrm>
+        <a:prstGeom prst="round2SameRect">
+          <a:avLst/>
+        </a:prstGeom>
+        <a:solidFill>
+          <a:schemeClr val="bg1">
+            <a:lumMod val="95000"/>
+            <a:lumOff val="5000"/>
+            <a:alpha val="90000"/>
+          </a:schemeClr>
+        </a:solidFill>
+        <a:ln w="9525" cap="rnd" cmpd="sng" algn="ctr">
+          <a:solidFill>
+            <a:schemeClr val="accent1">
+              <a:hueOff val="0"/>
+              <a:satOff val="0"/>
+              <a:lumOff val="0"/>
+              <a:alphaOff val="0"/>
+            </a:schemeClr>
+          </a:solidFill>
+          <a:prstDash val="solid"/>
+        </a:ln>
+        <a:effectLst/>
+      </dsp:spPr>
+      <dsp:style>
+        <a:lnRef idx="1">
+          <a:scrgbClr r="0" g="0" b="0"/>
+        </a:lnRef>
+        <a:fillRef idx="1">
+          <a:scrgbClr r="0" g="0" b="0"/>
+        </a:fillRef>
+        <a:effectRef idx="2">
+          <a:scrgbClr r="0" g="0" b="0"/>
+        </a:effectRef>
+        <a:fontRef idx="minor"/>
+      </dsp:style>
+      <dsp:txBody>
+        <a:bodyPr spcFirstLastPara="0" vert="horz" wrap="square" lIns="256032" tIns="22860" rIns="22860" bIns="22860" numCol="1" spcCol="1270" anchor="ctr" anchorCtr="0">
+          <a:noAutofit/>
+        </a:bodyPr>
+        <a:lstStyle/>
+        <a:p>
+          <a:pPr marL="285750" lvl="1" indent="-285750" algn="l" defTabSz="1600200">
+            <a:lnSpc>
+              <a:spcPct val="90000"/>
+            </a:lnSpc>
+            <a:spcBef>
+              <a:spcPct val="0"/>
+            </a:spcBef>
+            <a:spcAft>
+              <a:spcPct val="15000"/>
+            </a:spcAft>
+            <a:buChar char="••"/>
+          </a:pPr>
+          <a:r>
+            <a:rPr lang="fr-FR" sz="3600" b="1" kern="1200" noProof="0" dirty="0" smtClean="0">
+              <a:solidFill>
+                <a:schemeClr val="accent1">
+                  <a:lumMod val="75000"/>
+                </a:schemeClr>
+              </a:solidFill>
+            </a:rPr>
+            <a:t>VI-Conclusion</a:t>
+          </a:r>
+        </a:p>
+      </dsp:txBody>
+      <dsp:txXfrm rot="-5400000">
+        <a:off x="557108" y="3509214"/>
+        <a:ext cx="7811012" cy="466808"/>
+      </dsp:txXfrm>
+    </dsp:sp>
   </dsp:spTree>
 </dsp:drawing>
 </file>
@@ -3270,7 +4345,7 @@
           <a:p>
             <a:fld id="{A5B79866-9979-4A08-95CB-AFF34DA103C3}" type="datetimeFigureOut">
               <a:rPr lang="en-US" smtClean="0"/>
-              <a:t>2/25/2014</a:t>
+              <a:t>2/26/2014</a:t>
             </a:fld>
             <a:endParaRPr lang="en-US"/>
           </a:p>
@@ -3436,7 +4511,7 @@
           <a:p>
             <a:fld id="{152D1A2D-D097-4BDF-A626-3A1EA74F97C2}" type="datetimeFigureOut">
               <a:rPr lang="en-US" smtClean="0"/>
-              <a:t>2/25/2014</a:t>
+              <a:t>2/26/2014</a:t>
             </a:fld>
             <a:endParaRPr lang="en-US"/>
           </a:p>
@@ -5130,7 +6205,7 @@
           <a:effectLst/>
           <a:extLst>
             <a:ext uri="{91240B29-F687-4f45-9708-019B960494DF}">
-              <a14:hiddenLine xmlns="" xmlns:a14="http://schemas.microsoft.com/office/drawing/2010/main" w="9525">
+              <a14:hiddenLine xmlns:a14="http://schemas.microsoft.com/office/drawing/2010/main" xmlns="" w="9525">
                 <a:solidFill>
                   <a:srgbClr val="000000"/>
                 </a:solidFill>
@@ -5322,7 +6397,7 @@
           <a:p>
             <a:fld id="{64408C1B-E27F-4750-90A2-172F5E6AE3CF}" type="datetime1">
               <a:rPr lang="en-US" smtClean="0"/>
-              <a:t>2/25/2014</a:t>
+              <a:t>2/26/2014</a:t>
             </a:fld>
             <a:endParaRPr lang="en-US"/>
           </a:p>
@@ -5640,7 +6715,7 @@
           <a:p>
             <a:fld id="{A29C3021-4660-443F-933C-37B6173FF74F}" type="datetime1">
               <a:rPr lang="en-US" smtClean="0"/>
-              <a:t>2/25/2014</a:t>
+              <a:t>2/26/2014</a:t>
             </a:fld>
             <a:endParaRPr lang="en-US"/>
           </a:p>
@@ -6128,7 +7203,7 @@
           <a:p>
             <a:fld id="{20D7F35D-36A1-481B-9C9B-525989938D2D}" type="datetime1">
               <a:rPr lang="en-US" smtClean="0"/>
-              <a:t>2/25/2014</a:t>
+              <a:t>2/26/2014</a:t>
             </a:fld>
             <a:endParaRPr lang="en-US"/>
           </a:p>
@@ -6497,7 +7572,7 @@
           <a:p>
             <a:fld id="{0EF6AF76-15A8-414E-81A4-2A72B103673B}" type="datetime1">
               <a:rPr lang="en-US" smtClean="0"/>
-              <a:t>2/25/2014</a:t>
+              <a:t>2/26/2014</a:t>
             </a:fld>
             <a:endParaRPr lang="en-US"/>
           </a:p>
@@ -6652,7 +7727,7 @@
           <a:ln/>
           <a:extLst>
             <a:ext uri="{91240B29-F687-4f45-9708-019B960494DF}">
-              <a14:hiddenLine xmlns="" xmlns:a14="http://schemas.microsoft.com/office/drawing/2010/main" w="9525">
+              <a14:hiddenLine xmlns:a14="http://schemas.microsoft.com/office/drawing/2010/main" xmlns="" w="9525">
                 <a:solidFill>
                   <a:srgbClr val="000000"/>
                 </a:solidFill>
@@ -6770,7 +7845,7 @@
           <a:p>
             <a:fld id="{FABDD689-4121-446C-A447-2CABDA57F14C}" type="datetime1">
               <a:rPr lang="en-US" smtClean="0"/>
-              <a:t>2/25/2014</a:t>
+              <a:t>2/26/2014</a:t>
             </a:fld>
             <a:endParaRPr lang="en-US"/>
           </a:p>
@@ -6927,7 +8002,7 @@
           <a:ln/>
           <a:extLst>
             <a:ext uri="{91240B29-F687-4f45-9708-019B960494DF}">
-              <a14:hiddenLine xmlns="" xmlns:a14="http://schemas.microsoft.com/office/drawing/2010/main" w="9525">
+              <a14:hiddenLine xmlns:a14="http://schemas.microsoft.com/office/drawing/2010/main" xmlns="" w="9525">
                 <a:solidFill>
                   <a:srgbClr val="000000"/>
                 </a:solidFill>
@@ -7055,7 +8130,7 @@
           <a:p>
             <a:fld id="{6A4A1CD2-D8BA-475D-A560-4F8CE86FFE18}" type="datetime1">
               <a:rPr lang="en-US" smtClean="0"/>
-              <a:t>2/25/2014</a:t>
+              <a:t>2/26/2014</a:t>
             </a:fld>
             <a:endParaRPr lang="en-US"/>
           </a:p>
@@ -7210,7 +8285,7 @@
           <a:ln/>
           <a:extLst>
             <a:ext uri="{91240B29-F687-4f45-9708-019B960494DF}">
-              <a14:hiddenLine xmlns="" xmlns:a14="http://schemas.microsoft.com/office/drawing/2010/main" w="9525">
+              <a14:hiddenLine xmlns:a14="http://schemas.microsoft.com/office/drawing/2010/main" xmlns="" w="9525">
                 <a:solidFill>
                   <a:srgbClr val="000000"/>
                 </a:solidFill>
@@ -7338,7 +8413,7 @@
           <a:p>
             <a:fld id="{E36D99F4-DAB7-48D4-BBF7-9453DF7702EC}" type="datetime1">
               <a:rPr lang="en-US" smtClean="0"/>
-              <a:t>2/25/2014</a:t>
+              <a:t>2/26/2014</a:t>
             </a:fld>
             <a:endParaRPr lang="en-US"/>
           </a:p>
@@ -7697,7 +8772,7 @@
           <a:p>
             <a:fld id="{CEBB4ABB-AFDE-4B19-860A-C763908DCC21}" type="datetime1">
               <a:rPr lang="en-US" smtClean="0"/>
-              <a:t>2/25/2014</a:t>
+              <a:t>2/26/2014</a:t>
             </a:fld>
             <a:endParaRPr lang="en-US"/>
           </a:p>
@@ -7852,7 +8927,7 @@
           <a:ln/>
           <a:extLst>
             <a:ext uri="{91240B29-F687-4f45-9708-019B960494DF}">
-              <a14:hiddenLine xmlns="" xmlns:a14="http://schemas.microsoft.com/office/drawing/2010/main" w="9525">
+              <a14:hiddenLine xmlns:a14="http://schemas.microsoft.com/office/drawing/2010/main" xmlns="" w="9525">
                 <a:solidFill>
                   <a:srgbClr val="000000"/>
                 </a:solidFill>
@@ -8036,7 +9111,7 @@
           <a:p>
             <a:fld id="{E156797C-1ECB-4AED-B67E-0FA096189F67}" type="datetime1">
               <a:rPr lang="en-US" smtClean="0"/>
-              <a:t>2/25/2014</a:t>
+              <a:t>2/26/2014</a:t>
             </a:fld>
             <a:endParaRPr lang="en-US"/>
           </a:p>
@@ -8191,7 +9266,7 @@
           <a:ln/>
           <a:extLst>
             <a:ext uri="{91240B29-F687-4f45-9708-019B960494DF}">
-              <a14:hiddenLine xmlns="" xmlns:a14="http://schemas.microsoft.com/office/drawing/2010/main" w="9525">
+              <a14:hiddenLine xmlns:a14="http://schemas.microsoft.com/office/drawing/2010/main" xmlns="" w="9525">
                 <a:solidFill>
                   <a:srgbClr val="000000"/>
                 </a:solidFill>
@@ -8513,7 +9588,7 @@
           <a:p>
             <a:fld id="{94009BD9-F1D4-43B3-8CE3-60491EB9A4A0}" type="datetime1">
               <a:rPr lang="en-US" smtClean="0"/>
-              <a:t>2/25/2014</a:t>
+              <a:t>2/26/2014</a:t>
             </a:fld>
             <a:endParaRPr lang="en-US"/>
           </a:p>
@@ -8668,7 +9743,7 @@
           <a:ln/>
           <a:extLst>
             <a:ext uri="{91240B29-F687-4f45-9708-019B960494DF}">
-              <a14:hiddenLine xmlns="" xmlns:a14="http://schemas.microsoft.com/office/drawing/2010/main" w="9525">
+              <a14:hiddenLine xmlns:a14="http://schemas.microsoft.com/office/drawing/2010/main" xmlns="" w="9525">
                 <a:solidFill>
                   <a:srgbClr val="000000"/>
                 </a:solidFill>
@@ -8734,7 +9809,7 @@
           <a:p>
             <a:fld id="{91D6FE0E-0F98-43F5-9DBF-593FB21E7151}" type="datetime1">
               <a:rPr lang="en-US" smtClean="0"/>
-              <a:t>2/25/2014</a:t>
+              <a:t>2/26/2014</a:t>
             </a:fld>
             <a:endParaRPr lang="en-US"/>
           </a:p>
@@ -8829,7 +9904,7 @@
           <a:p>
             <a:fld id="{5E4AEE8F-E60F-4551-B8F0-B81F122A99CB}" type="datetime1">
               <a:rPr lang="en-US" smtClean="0"/>
-              <a:t>2/25/2014</a:t>
+              <a:t>2/26/2014</a:t>
             </a:fld>
             <a:endParaRPr lang="en-US"/>
           </a:p>
@@ -9097,7 +10172,7 @@
           <a:ln/>
           <a:extLst>
             <a:ext uri="{91240B29-F687-4f45-9708-019B960494DF}">
-              <a14:hiddenLine xmlns="" xmlns:a14="http://schemas.microsoft.com/office/drawing/2010/main" w="9525">
+              <a14:hiddenLine xmlns:a14="http://schemas.microsoft.com/office/drawing/2010/main" xmlns="" w="9525">
                 <a:solidFill>
                   <a:srgbClr val="000000"/>
                 </a:solidFill>
@@ -9296,7 +10371,7 @@
           <a:p>
             <a:fld id="{B07B33D9-6617-4082-8A65-B2A95CFC58F6}" type="datetime1">
               <a:rPr lang="en-US" smtClean="0"/>
-              <a:t>2/25/2014</a:t>
+              <a:t>2/26/2014</a:t>
             </a:fld>
             <a:endParaRPr lang="en-US"/>
           </a:p>
@@ -9609,7 +10684,7 @@
           <a:p>
             <a:fld id="{9130C0F2-38C7-4487-A30D-FD01D86C4D12}" type="datetime1">
               <a:rPr lang="en-US" smtClean="0"/>
-              <a:t>2/25/2014</a:t>
+              <a:t>2/26/2014</a:t>
             </a:fld>
             <a:endParaRPr lang="en-US"/>
           </a:p>
@@ -9879,7 +10954,7 @@
           <a:p>
             <a:fld id="{1648D1CC-20D3-40A0-82B6-ADEF953E3806}" type="datetime1">
               <a:rPr lang="en-US" smtClean="0"/>
-              <a:t>2/25/2014</a:t>
+              <a:t>2/26/2014</a:t>
             </a:fld>
             <a:endParaRPr lang="en-US"/>
           </a:p>
@@ -11247,6 +12322,14 @@
 <file path=ppt/slides/slide11.xml><?xml version="1.0" encoding="utf-8"?>
 <p:sld xmlns:a="http://schemas.openxmlformats.org/drawingml/2006/main" xmlns:r="http://schemas.openxmlformats.org/officeDocument/2006/relationships" xmlns:p="http://schemas.openxmlformats.org/presentationml/2006/main">
   <p:cSld>
+    <p:bg>
+      <p:bgPr>
+        <a:solidFill>
+          <a:schemeClr val="bg2"/>
+        </a:solidFill>
+        <a:effectLst/>
+      </p:bgPr>
+    </p:bg>
     <p:spTree>
       <p:nvGrpSpPr>
         <p:cNvPr id="1" name=""/>
@@ -17114,7 +18197,6 @@
               <a:rPr lang="en-US" dirty="0"/>
               <a:t>IV-Complex Chooser Options</a:t>
             </a:r>
-            <a:endParaRPr lang="en-US" dirty="0"/>
           </a:p>
         </p:txBody>
       </p:sp>
@@ -17266,7 +18348,6 @@
               <a:rPr lang="en-US" dirty="0"/>
               <a:t>IV-Complex Chooser Options</a:t>
             </a:r>
-            <a:endParaRPr lang="en-US" dirty="0"/>
           </a:p>
         </p:txBody>
       </p:sp>
@@ -26567,14 +27648,14 @@
       </p:sp>
       <p:pic>
         <p:nvPicPr>
-          <p:cNvPr id="5" name="Picture 4"/>
+          <p:cNvPr id="10" name="Picture 9"/>
           <p:cNvPicPr>
             <a:picLocks noChangeAspect="1"/>
           </p:cNvPicPr>
           <p:nvPr/>
         </p:nvPicPr>
         <p:blipFill>
-          <a:blip r:embed="rId3" cstate="print">
+          <a:blip r:embed="rId3">
             <a:extLst>
               <a:ext uri="{28A0092B-C50C-407E-A947-70E740481C1C}">
                 <a14:useLocalDpi xmlns:a14="http://schemas.microsoft.com/office/drawing/2010/main" val="0"/>
@@ -26587,8 +27668,8 @@
         </p:blipFill>
         <p:spPr>
           <a:xfrm>
-            <a:off x="519173" y="830422"/>
-            <a:ext cx="10446151" cy="5330765"/>
+            <a:off x="183178" y="585124"/>
+            <a:ext cx="11557308" cy="5897801"/>
           </a:xfrm>
           <a:prstGeom prst="rect">
             <a:avLst/>
@@ -27461,14 +28542,9 @@
   <p:cSld>
     <p:bg>
       <p:bgPr>
-        <a:pattFill prst="pct5">
-          <a:fgClr>
-            <a:schemeClr val="bg2"/>
-          </a:fgClr>
-          <a:bgClr>
-            <a:schemeClr val="bg1"/>
-          </a:bgClr>
-        </a:pattFill>
+        <a:solidFill>
+          <a:schemeClr val="bg2"/>
+        </a:solidFill>
         <a:effectLst/>
       </p:bgPr>
     </p:bg>
@@ -28506,14 +29582,9 @@
   <p:cSld>
     <p:bg>
       <p:bgPr>
-        <a:pattFill prst="pct5">
-          <a:fgClr>
-            <a:schemeClr val="bg2"/>
-          </a:fgClr>
-          <a:bgClr>
-            <a:schemeClr val="bg1"/>
-          </a:bgClr>
-        </a:pattFill>
+        <a:solidFill>
+          <a:schemeClr val="bg2"/>
+        </a:solidFill>
         <a:effectLst/>
       </p:bgPr>
     </p:bg>
@@ -28937,14 +30008,9 @@
   <p:cSld>
     <p:bg>
       <p:bgPr>
-        <a:pattFill prst="pct5">
-          <a:fgClr>
-            <a:schemeClr val="bg2"/>
-          </a:fgClr>
-          <a:bgClr>
-            <a:schemeClr val="bg1"/>
-          </a:bgClr>
-        </a:pattFill>
+        <a:solidFill>
+          <a:schemeClr val="bg2"/>
+        </a:solidFill>
         <a:effectLst/>
       </p:bgPr>
     </p:bg>
@@ -29734,14 +30800,9 @@
   <p:cSld>
     <p:bg>
       <p:bgPr>
-        <a:pattFill prst="pct5">
-          <a:fgClr>
-            <a:schemeClr val="bg2"/>
-          </a:fgClr>
-          <a:bgClr>
-            <a:schemeClr val="bg1"/>
-          </a:bgClr>
-        </a:pattFill>
+        <a:solidFill>
+          <a:schemeClr val="bg2"/>
+        </a:solidFill>
         <a:effectLst/>
       </p:bgPr>
     </p:bg>

--- a/report and presentation/QuantLib1.3 16-01-2014-modified version.pptx
+++ b/report and presentation/QuantLib1.3 16-01-2014-modified version.pptx
@@ -1894,1081 +1894,6 @@
       <dsp:cNvGrpSpPr/>
     </dsp:nvGrpSpPr>
     <dsp:grpSpPr/>
-    <dsp:sp modelId="{889AD724-97DC-4930-B9DB-DBAB3D123053}">
-      <dsp:nvSpPr>
-        <dsp:cNvPr id="0" name=""/>
-        <dsp:cNvSpPr/>
-      </dsp:nvSpPr>
-      <dsp:spPr>
-        <a:xfrm rot="5400000">
-          <a:off x="-119380" y="121787"/>
-          <a:ext cx="795868" cy="557108"/>
-        </a:xfrm>
-        <a:prstGeom prst="chevron">
-          <a:avLst/>
-        </a:prstGeom>
-        <a:blipFill rotWithShape="0">
-          <a:blip xmlns:r="http://schemas.openxmlformats.org/officeDocument/2006/relationships" r:embed="rId1">
-            <a:duotone>
-              <a:schemeClr val="accent1">
-                <a:hueOff val="0"/>
-                <a:satOff val="0"/>
-                <a:lumOff val="0"/>
-                <a:alphaOff val="0"/>
-                <a:tint val="98000"/>
-                <a:lumMod val="102000"/>
-              </a:schemeClr>
-              <a:schemeClr val="accent1">
-                <a:hueOff val="0"/>
-                <a:satOff val="0"/>
-                <a:lumOff val="0"/>
-                <a:alphaOff val="0"/>
-                <a:shade val="98000"/>
-                <a:lumMod val="98000"/>
-              </a:schemeClr>
-            </a:duotone>
-          </a:blip>
-          <a:tile tx="0" ty="0" sx="100000" sy="100000" flip="none" algn="tl"/>
-        </a:blipFill>
-        <a:ln w="9525" cap="rnd" cmpd="sng" algn="ctr">
-          <a:solidFill>
-            <a:schemeClr val="accent1">
-              <a:hueOff val="0"/>
-              <a:satOff val="0"/>
-              <a:lumOff val="0"/>
-              <a:alphaOff val="0"/>
-            </a:schemeClr>
-          </a:solidFill>
-          <a:prstDash val="solid"/>
-        </a:ln>
-        <a:effectLst>
-          <a:innerShdw blurRad="63500" dist="25400" dir="13500000">
-            <a:srgbClr val="000000">
-              <a:alpha val="75000"/>
-            </a:srgbClr>
-          </a:innerShdw>
-        </a:effectLst>
-      </dsp:spPr>
-      <dsp:style>
-        <a:lnRef idx="1">
-          <a:scrgbClr r="0" g="0" b="0"/>
-        </a:lnRef>
-        <a:fillRef idx="3">
-          <a:scrgbClr r="0" g="0" b="0"/>
-        </a:fillRef>
-        <a:effectRef idx="3">
-          <a:scrgbClr r="0" g="0" b="0"/>
-        </a:effectRef>
-        <a:fontRef idx="minor">
-          <a:schemeClr val="lt1"/>
-        </a:fontRef>
-      </dsp:style>
-      <dsp:txBody>
-        <a:bodyPr spcFirstLastPara="0" vert="horz" wrap="square" lIns="22860" tIns="22860" rIns="22860" bIns="22860" numCol="1" spcCol="1270" anchor="ctr" anchorCtr="0">
-          <a:noAutofit/>
-        </a:bodyPr>
-        <a:lstStyle/>
-        <a:p>
-          <a:pPr lvl="0" algn="ctr" defTabSz="1600200">
-            <a:lnSpc>
-              <a:spcPct val="90000"/>
-            </a:lnSpc>
-            <a:spcBef>
-              <a:spcPct val="0"/>
-            </a:spcBef>
-            <a:spcAft>
-              <a:spcPct val="35000"/>
-            </a:spcAft>
-          </a:pPr>
-          <a:endParaRPr lang="fr-FR" sz="3600" b="1" kern="1200" noProof="0" dirty="0">
-            <a:solidFill>
-              <a:schemeClr val="bg1">
-                <a:lumMod val="95000"/>
-                <a:lumOff val="5000"/>
-              </a:schemeClr>
-            </a:solidFill>
-          </a:endParaRPr>
-        </a:p>
-      </dsp:txBody>
-      <dsp:txXfrm rot="-5400000">
-        <a:off x="0" y="280961"/>
-        <a:ext cx="557108" cy="238760"/>
-      </dsp:txXfrm>
-    </dsp:sp>
-    <dsp:sp modelId="{CF20245F-33D4-466F-898E-F5BB18451CED}">
-      <dsp:nvSpPr>
-        <dsp:cNvPr id="0" name=""/>
-        <dsp:cNvSpPr/>
-      </dsp:nvSpPr>
-      <dsp:spPr>
-        <a:xfrm rot="5400000">
-          <a:off x="4216583" y="-3657068"/>
-          <a:ext cx="517314" cy="7836265"/>
-        </a:xfrm>
-        <a:prstGeom prst="round2SameRect">
-          <a:avLst/>
-        </a:prstGeom>
-        <a:solidFill>
-          <a:schemeClr val="bg1">
-            <a:lumMod val="95000"/>
-            <a:lumOff val="5000"/>
-            <a:alpha val="90000"/>
-          </a:schemeClr>
-        </a:solidFill>
-        <a:ln w="9525" cap="rnd" cmpd="sng" algn="ctr">
-          <a:solidFill>
-            <a:schemeClr val="accent1">
-              <a:hueOff val="0"/>
-              <a:satOff val="0"/>
-              <a:lumOff val="0"/>
-              <a:alphaOff val="0"/>
-            </a:schemeClr>
-          </a:solidFill>
-          <a:prstDash val="solid"/>
-        </a:ln>
-        <a:effectLst/>
-      </dsp:spPr>
-      <dsp:style>
-        <a:lnRef idx="1">
-          <a:scrgbClr r="0" g="0" b="0"/>
-        </a:lnRef>
-        <a:fillRef idx="1">
-          <a:scrgbClr r="0" g="0" b="0"/>
-        </a:fillRef>
-        <a:effectRef idx="2">
-          <a:scrgbClr r="0" g="0" b="0"/>
-        </a:effectRef>
-        <a:fontRef idx="minor"/>
-      </dsp:style>
-      <dsp:txBody>
-        <a:bodyPr spcFirstLastPara="0" vert="horz" wrap="square" lIns="256032" tIns="22860" rIns="22860" bIns="22860" numCol="1" spcCol="1270" anchor="ctr" anchorCtr="0">
-          <a:noAutofit/>
-        </a:bodyPr>
-        <a:lstStyle/>
-        <a:p>
-          <a:pPr marL="285750" lvl="1" indent="-285750" algn="l" defTabSz="1600200">
-            <a:lnSpc>
-              <a:spcPct val="90000"/>
-            </a:lnSpc>
-            <a:spcBef>
-              <a:spcPct val="0"/>
-            </a:spcBef>
-            <a:spcAft>
-              <a:spcPct val="15000"/>
-            </a:spcAft>
-            <a:buChar char="••"/>
-          </a:pPr>
-          <a:r>
-            <a:rPr lang="fr-FR" sz="3600" b="1" kern="1200" noProof="0" dirty="0" smtClean="0">
-              <a:solidFill>
-                <a:schemeClr val="accent1">
-                  <a:lumMod val="75000"/>
-                </a:schemeClr>
-              </a:solidFill>
-            </a:rPr>
-            <a:t>I-QuantLib</a:t>
-          </a:r>
-          <a:endParaRPr lang="fr-FR" sz="3600" b="1" kern="1200" noProof="0" dirty="0">
-            <a:solidFill>
-              <a:schemeClr val="accent1">
-                <a:lumMod val="75000"/>
-              </a:schemeClr>
-            </a:solidFill>
-          </a:endParaRPr>
-        </a:p>
-      </dsp:txBody>
-      <dsp:txXfrm rot="-5400000">
-        <a:off x="557108" y="27660"/>
-        <a:ext cx="7811012" cy="466808"/>
-      </dsp:txXfrm>
-    </dsp:sp>
-    <dsp:sp modelId="{50E7F155-0B28-4EB8-A3DA-F62B28ED4788}">
-      <dsp:nvSpPr>
-        <dsp:cNvPr id="0" name=""/>
-        <dsp:cNvSpPr/>
-      </dsp:nvSpPr>
-      <dsp:spPr>
-        <a:xfrm rot="5400000">
-          <a:off x="-119380" y="818098"/>
-          <a:ext cx="795868" cy="557108"/>
-        </a:xfrm>
-        <a:prstGeom prst="chevron">
-          <a:avLst/>
-        </a:prstGeom>
-        <a:blipFill rotWithShape="0">
-          <a:blip xmlns:r="http://schemas.openxmlformats.org/officeDocument/2006/relationships" r:embed="rId1">
-            <a:duotone>
-              <a:schemeClr val="accent1">
-                <a:hueOff val="0"/>
-                <a:satOff val="0"/>
-                <a:lumOff val="0"/>
-                <a:alphaOff val="0"/>
-                <a:tint val="98000"/>
-                <a:lumMod val="102000"/>
-              </a:schemeClr>
-              <a:schemeClr val="accent1">
-                <a:hueOff val="0"/>
-                <a:satOff val="0"/>
-                <a:lumOff val="0"/>
-                <a:alphaOff val="0"/>
-                <a:shade val="98000"/>
-                <a:lumMod val="98000"/>
-              </a:schemeClr>
-            </a:duotone>
-          </a:blip>
-          <a:tile tx="0" ty="0" sx="100000" sy="100000" flip="none" algn="tl"/>
-        </a:blipFill>
-        <a:ln w="9525" cap="rnd" cmpd="sng" algn="ctr">
-          <a:solidFill>
-            <a:schemeClr val="accent1">
-              <a:hueOff val="0"/>
-              <a:satOff val="0"/>
-              <a:lumOff val="0"/>
-              <a:alphaOff val="0"/>
-            </a:schemeClr>
-          </a:solidFill>
-          <a:prstDash val="solid"/>
-        </a:ln>
-        <a:effectLst>
-          <a:innerShdw blurRad="63500" dist="25400" dir="13500000">
-            <a:srgbClr val="000000">
-              <a:alpha val="75000"/>
-            </a:srgbClr>
-          </a:innerShdw>
-        </a:effectLst>
-      </dsp:spPr>
-      <dsp:style>
-        <a:lnRef idx="1">
-          <a:scrgbClr r="0" g="0" b="0"/>
-        </a:lnRef>
-        <a:fillRef idx="3">
-          <a:scrgbClr r="0" g="0" b="0"/>
-        </a:fillRef>
-        <a:effectRef idx="3">
-          <a:scrgbClr r="0" g="0" b="0"/>
-        </a:effectRef>
-        <a:fontRef idx="minor">
-          <a:schemeClr val="lt1"/>
-        </a:fontRef>
-      </dsp:style>
-      <dsp:txBody>
-        <a:bodyPr spcFirstLastPara="0" vert="horz" wrap="square" lIns="22860" tIns="22860" rIns="22860" bIns="22860" numCol="1" spcCol="1270" anchor="ctr" anchorCtr="0">
-          <a:noAutofit/>
-        </a:bodyPr>
-        <a:lstStyle/>
-        <a:p>
-          <a:pPr lvl="0" algn="ctr" defTabSz="1600200">
-            <a:lnSpc>
-              <a:spcPct val="90000"/>
-            </a:lnSpc>
-            <a:spcBef>
-              <a:spcPct val="0"/>
-            </a:spcBef>
-            <a:spcAft>
-              <a:spcPct val="35000"/>
-            </a:spcAft>
-          </a:pPr>
-          <a:endParaRPr lang="fr-FR" sz="3600" b="1" kern="1200" noProof="0" dirty="0">
-            <a:solidFill>
-              <a:schemeClr val="tx1">
-                <a:lumMod val="75000"/>
-              </a:schemeClr>
-            </a:solidFill>
-          </a:endParaRPr>
-        </a:p>
-      </dsp:txBody>
-      <dsp:txXfrm rot="-5400000">
-        <a:off x="0" y="977272"/>
-        <a:ext cx="557108" cy="238760"/>
-      </dsp:txXfrm>
-    </dsp:sp>
-    <dsp:sp modelId="{5D21B0F4-0BFF-4375-93B3-BD56BB6213EC}">
-      <dsp:nvSpPr>
-        <dsp:cNvPr id="0" name=""/>
-        <dsp:cNvSpPr/>
-      </dsp:nvSpPr>
-      <dsp:spPr>
-        <a:xfrm rot="5400000">
-          <a:off x="4216583" y="-2960757"/>
-          <a:ext cx="517314" cy="7836265"/>
-        </a:xfrm>
-        <a:prstGeom prst="round2SameRect">
-          <a:avLst/>
-        </a:prstGeom>
-        <a:solidFill>
-          <a:schemeClr val="bg1">
-            <a:lumMod val="95000"/>
-            <a:lumOff val="5000"/>
-            <a:alpha val="90000"/>
-          </a:schemeClr>
-        </a:solidFill>
-        <a:ln w="9525" cap="rnd" cmpd="sng" algn="ctr">
-          <a:solidFill>
-            <a:schemeClr val="accent1">
-              <a:hueOff val="0"/>
-              <a:satOff val="0"/>
-              <a:lumOff val="0"/>
-              <a:alphaOff val="0"/>
-            </a:schemeClr>
-          </a:solidFill>
-          <a:prstDash val="solid"/>
-        </a:ln>
-        <a:effectLst/>
-      </dsp:spPr>
-      <dsp:style>
-        <a:lnRef idx="1">
-          <a:scrgbClr r="0" g="0" b="0"/>
-        </a:lnRef>
-        <a:fillRef idx="1">
-          <a:scrgbClr r="0" g="0" b="0"/>
-        </a:fillRef>
-        <a:effectRef idx="2">
-          <a:scrgbClr r="0" g="0" b="0"/>
-        </a:effectRef>
-        <a:fontRef idx="minor"/>
-      </dsp:style>
-      <dsp:txBody>
-        <a:bodyPr spcFirstLastPara="0" vert="horz" wrap="square" lIns="256032" tIns="22860" rIns="22860" bIns="22860" numCol="1" spcCol="1270" anchor="ctr" anchorCtr="0">
-          <a:noAutofit/>
-        </a:bodyPr>
-        <a:lstStyle/>
-        <a:p>
-          <a:pPr marL="285750" lvl="1" indent="-285750" algn="l" defTabSz="1600200">
-            <a:lnSpc>
-              <a:spcPct val="90000"/>
-            </a:lnSpc>
-            <a:spcBef>
-              <a:spcPct val="0"/>
-            </a:spcBef>
-            <a:spcAft>
-              <a:spcPct val="15000"/>
-            </a:spcAft>
-            <a:buChar char="••"/>
-          </a:pPr>
-          <a:r>
-            <a:rPr lang="fr-FR" sz="3600" b="1" kern="1200" noProof="0" dirty="0" smtClean="0">
-              <a:solidFill>
-                <a:schemeClr val="accent1">
-                  <a:lumMod val="75000"/>
-                </a:schemeClr>
-              </a:solidFill>
-            </a:rPr>
-            <a:t>II-Les composons de QuantLib</a:t>
-          </a:r>
-        </a:p>
-      </dsp:txBody>
-      <dsp:txXfrm rot="-5400000">
-        <a:off x="557108" y="723971"/>
-        <a:ext cx="7811012" cy="466808"/>
-      </dsp:txXfrm>
-    </dsp:sp>
-    <dsp:sp modelId="{F19540CE-E2C5-4FD1-A90C-A623A7080392}">
-      <dsp:nvSpPr>
-        <dsp:cNvPr id="0" name=""/>
-        <dsp:cNvSpPr/>
-      </dsp:nvSpPr>
-      <dsp:spPr>
-        <a:xfrm rot="5400000">
-          <a:off x="-119380" y="1514409"/>
-          <a:ext cx="795868" cy="557108"/>
-        </a:xfrm>
-        <a:prstGeom prst="chevron">
-          <a:avLst/>
-        </a:prstGeom>
-        <a:blipFill rotWithShape="0">
-          <a:blip xmlns:r="http://schemas.openxmlformats.org/officeDocument/2006/relationships" r:embed="rId1">
-            <a:duotone>
-              <a:schemeClr val="accent1">
-                <a:hueOff val="0"/>
-                <a:satOff val="0"/>
-                <a:lumOff val="0"/>
-                <a:alphaOff val="0"/>
-                <a:tint val="98000"/>
-                <a:lumMod val="102000"/>
-              </a:schemeClr>
-              <a:schemeClr val="accent1">
-                <a:hueOff val="0"/>
-                <a:satOff val="0"/>
-                <a:lumOff val="0"/>
-                <a:alphaOff val="0"/>
-                <a:shade val="98000"/>
-                <a:lumMod val="98000"/>
-              </a:schemeClr>
-            </a:duotone>
-          </a:blip>
-          <a:tile tx="0" ty="0" sx="100000" sy="100000" flip="none" algn="tl"/>
-        </a:blipFill>
-        <a:ln w="9525" cap="rnd" cmpd="sng" algn="ctr">
-          <a:solidFill>
-            <a:schemeClr val="accent1">
-              <a:hueOff val="0"/>
-              <a:satOff val="0"/>
-              <a:lumOff val="0"/>
-              <a:alphaOff val="0"/>
-            </a:schemeClr>
-          </a:solidFill>
-          <a:prstDash val="solid"/>
-        </a:ln>
-        <a:effectLst>
-          <a:innerShdw blurRad="63500" dist="25400" dir="13500000">
-            <a:srgbClr val="000000">
-              <a:alpha val="75000"/>
-            </a:srgbClr>
-          </a:innerShdw>
-        </a:effectLst>
-      </dsp:spPr>
-      <dsp:style>
-        <a:lnRef idx="1">
-          <a:scrgbClr r="0" g="0" b="0"/>
-        </a:lnRef>
-        <a:fillRef idx="3">
-          <a:scrgbClr r="0" g="0" b="0"/>
-        </a:fillRef>
-        <a:effectRef idx="3">
-          <a:scrgbClr r="0" g="0" b="0"/>
-        </a:effectRef>
-        <a:fontRef idx="minor">
-          <a:schemeClr val="lt1"/>
-        </a:fontRef>
-      </dsp:style>
-      <dsp:txBody>
-        <a:bodyPr spcFirstLastPara="0" vert="horz" wrap="square" lIns="22860" tIns="22860" rIns="22860" bIns="22860" numCol="1" spcCol="1270" anchor="ctr" anchorCtr="0">
-          <a:noAutofit/>
-        </a:bodyPr>
-        <a:lstStyle/>
-        <a:p>
-          <a:pPr lvl="0" algn="ctr" defTabSz="1600200">
-            <a:lnSpc>
-              <a:spcPct val="90000"/>
-            </a:lnSpc>
-            <a:spcBef>
-              <a:spcPct val="0"/>
-            </a:spcBef>
-            <a:spcAft>
-              <a:spcPct val="35000"/>
-            </a:spcAft>
-          </a:pPr>
-          <a:endParaRPr lang="fr-FR" sz="3600" b="1" kern="1200" noProof="0" dirty="0" smtClean="0">
-            <a:solidFill>
-              <a:schemeClr val="tx1">
-                <a:lumMod val="75000"/>
-              </a:schemeClr>
-            </a:solidFill>
-          </a:endParaRPr>
-        </a:p>
-      </dsp:txBody>
-      <dsp:txXfrm rot="-5400000">
-        <a:off x="0" y="1673583"/>
-        <a:ext cx="557108" cy="238760"/>
-      </dsp:txXfrm>
-    </dsp:sp>
-    <dsp:sp modelId="{3FF88047-6236-47E6-998D-4E3EA0983E72}">
-      <dsp:nvSpPr>
-        <dsp:cNvPr id="0" name=""/>
-        <dsp:cNvSpPr/>
-      </dsp:nvSpPr>
-      <dsp:spPr>
-        <a:xfrm rot="5400000">
-          <a:off x="4216583" y="-2264446"/>
-          <a:ext cx="517314" cy="7836265"/>
-        </a:xfrm>
-        <a:prstGeom prst="round2SameRect">
-          <a:avLst/>
-        </a:prstGeom>
-        <a:solidFill>
-          <a:schemeClr val="bg1">
-            <a:lumMod val="95000"/>
-            <a:lumOff val="5000"/>
-            <a:alpha val="90000"/>
-          </a:schemeClr>
-        </a:solidFill>
-        <a:ln w="9525" cap="rnd" cmpd="sng" algn="ctr">
-          <a:solidFill>
-            <a:schemeClr val="accent1">
-              <a:hueOff val="0"/>
-              <a:satOff val="0"/>
-              <a:lumOff val="0"/>
-              <a:alphaOff val="0"/>
-            </a:schemeClr>
-          </a:solidFill>
-          <a:prstDash val="solid"/>
-        </a:ln>
-        <a:effectLst/>
-      </dsp:spPr>
-      <dsp:style>
-        <a:lnRef idx="1">
-          <a:scrgbClr r="0" g="0" b="0"/>
-        </a:lnRef>
-        <a:fillRef idx="1">
-          <a:scrgbClr r="0" g="0" b="0"/>
-        </a:fillRef>
-        <a:effectRef idx="2">
-          <a:scrgbClr r="0" g="0" b="0"/>
-        </a:effectRef>
-        <a:fontRef idx="minor"/>
-      </dsp:style>
-      <dsp:txBody>
-        <a:bodyPr spcFirstLastPara="0" vert="horz" wrap="square" lIns="256032" tIns="22860" rIns="22860" bIns="22860" numCol="1" spcCol="1270" anchor="ctr" anchorCtr="0">
-          <a:noAutofit/>
-        </a:bodyPr>
-        <a:lstStyle/>
-        <a:p>
-          <a:pPr marL="285750" lvl="1" indent="-285750" algn="l" defTabSz="1600200">
-            <a:lnSpc>
-              <a:spcPct val="90000"/>
-            </a:lnSpc>
-            <a:spcBef>
-              <a:spcPct val="0"/>
-            </a:spcBef>
-            <a:spcAft>
-              <a:spcPct val="15000"/>
-            </a:spcAft>
-            <a:buChar char="••"/>
-          </a:pPr>
-          <a:r>
-            <a:rPr lang="fr-FR" sz="3600" b="1" kern="1200" noProof="0" smtClean="0">
-              <a:solidFill>
-                <a:schemeClr val="accent1">
-                  <a:lumMod val="75000"/>
-                </a:schemeClr>
-              </a:solidFill>
-            </a:rPr>
-            <a:t>III-Partial-Time-Barrier Options</a:t>
-          </a:r>
-          <a:endParaRPr lang="fr-FR" sz="3600" b="1" kern="1200" noProof="0" dirty="0" smtClean="0">
-            <a:solidFill>
-              <a:schemeClr val="accent1">
-                <a:lumMod val="75000"/>
-              </a:schemeClr>
-            </a:solidFill>
-          </a:endParaRPr>
-        </a:p>
-      </dsp:txBody>
-      <dsp:txXfrm rot="-5400000">
-        <a:off x="557108" y="1420282"/>
-        <a:ext cx="7811012" cy="466808"/>
-      </dsp:txXfrm>
-    </dsp:sp>
-    <dsp:sp modelId="{A6CE0B11-D65A-4EA5-AC61-673ADCCD0CA0}">
-      <dsp:nvSpPr>
-        <dsp:cNvPr id="0" name=""/>
-        <dsp:cNvSpPr/>
-      </dsp:nvSpPr>
-      <dsp:spPr>
-        <a:xfrm rot="5400000">
-          <a:off x="-119380" y="2210719"/>
-          <a:ext cx="795868" cy="557108"/>
-        </a:xfrm>
-        <a:prstGeom prst="chevron">
-          <a:avLst/>
-        </a:prstGeom>
-        <a:blipFill rotWithShape="0">
-          <a:blip xmlns:r="http://schemas.openxmlformats.org/officeDocument/2006/relationships" r:embed="rId1">
-            <a:duotone>
-              <a:schemeClr val="accent1">
-                <a:hueOff val="0"/>
-                <a:satOff val="0"/>
-                <a:lumOff val="0"/>
-                <a:alphaOff val="0"/>
-                <a:tint val="98000"/>
-                <a:lumMod val="102000"/>
-              </a:schemeClr>
-              <a:schemeClr val="accent1">
-                <a:hueOff val="0"/>
-                <a:satOff val="0"/>
-                <a:lumOff val="0"/>
-                <a:alphaOff val="0"/>
-                <a:shade val="98000"/>
-                <a:lumMod val="98000"/>
-              </a:schemeClr>
-            </a:duotone>
-          </a:blip>
-          <a:tile tx="0" ty="0" sx="100000" sy="100000" flip="none" algn="tl"/>
-        </a:blipFill>
-        <a:ln w="9525" cap="rnd" cmpd="sng" algn="ctr">
-          <a:solidFill>
-            <a:schemeClr val="accent1">
-              <a:hueOff val="0"/>
-              <a:satOff val="0"/>
-              <a:lumOff val="0"/>
-              <a:alphaOff val="0"/>
-            </a:schemeClr>
-          </a:solidFill>
-          <a:prstDash val="solid"/>
-        </a:ln>
-        <a:effectLst>
-          <a:innerShdw blurRad="63500" dist="25400" dir="13500000">
-            <a:srgbClr val="000000">
-              <a:alpha val="75000"/>
-            </a:srgbClr>
-          </a:innerShdw>
-        </a:effectLst>
-      </dsp:spPr>
-      <dsp:style>
-        <a:lnRef idx="1">
-          <a:scrgbClr r="0" g="0" b="0"/>
-        </a:lnRef>
-        <a:fillRef idx="3">
-          <a:scrgbClr r="0" g="0" b="0"/>
-        </a:fillRef>
-        <a:effectRef idx="3">
-          <a:scrgbClr r="0" g="0" b="0"/>
-        </a:effectRef>
-        <a:fontRef idx="minor">
-          <a:schemeClr val="lt1"/>
-        </a:fontRef>
-      </dsp:style>
-      <dsp:txBody>
-        <a:bodyPr spcFirstLastPara="0" vert="horz" wrap="square" lIns="22860" tIns="22860" rIns="22860" bIns="22860" numCol="1" spcCol="1270" anchor="ctr" anchorCtr="0">
-          <a:noAutofit/>
-        </a:bodyPr>
-        <a:lstStyle/>
-        <a:p>
-          <a:pPr lvl="0" algn="ctr" defTabSz="1600200">
-            <a:lnSpc>
-              <a:spcPct val="90000"/>
-            </a:lnSpc>
-            <a:spcBef>
-              <a:spcPct val="0"/>
-            </a:spcBef>
-            <a:spcAft>
-              <a:spcPct val="35000"/>
-            </a:spcAft>
-          </a:pPr>
-          <a:endParaRPr lang="fr-FR" sz="3600" b="1" kern="1200" noProof="0" dirty="0" smtClean="0">
-            <a:solidFill>
-              <a:schemeClr val="tx1">
-                <a:lumMod val="75000"/>
-              </a:schemeClr>
-            </a:solidFill>
-          </a:endParaRPr>
-        </a:p>
-      </dsp:txBody>
-      <dsp:txXfrm rot="-5400000">
-        <a:off x="0" y="2369893"/>
-        <a:ext cx="557108" cy="238760"/>
-      </dsp:txXfrm>
-    </dsp:sp>
-    <dsp:sp modelId="{8AB5A1D8-F846-4952-91D5-8A7FE5012D93}">
-      <dsp:nvSpPr>
-        <dsp:cNvPr id="0" name=""/>
-        <dsp:cNvSpPr/>
-      </dsp:nvSpPr>
-      <dsp:spPr>
-        <a:xfrm rot="5400000">
-          <a:off x="4216583" y="-1568136"/>
-          <a:ext cx="517314" cy="7836265"/>
-        </a:xfrm>
-        <a:prstGeom prst="round2SameRect">
-          <a:avLst/>
-        </a:prstGeom>
-        <a:solidFill>
-          <a:schemeClr val="bg1">
-            <a:lumMod val="95000"/>
-            <a:lumOff val="5000"/>
-            <a:alpha val="90000"/>
-          </a:schemeClr>
-        </a:solidFill>
-        <a:ln w="9525" cap="rnd" cmpd="sng" algn="ctr">
-          <a:solidFill>
-            <a:schemeClr val="accent1">
-              <a:hueOff val="0"/>
-              <a:satOff val="0"/>
-              <a:lumOff val="0"/>
-              <a:alphaOff val="0"/>
-            </a:schemeClr>
-          </a:solidFill>
-          <a:prstDash val="solid"/>
-        </a:ln>
-        <a:effectLst/>
-      </dsp:spPr>
-      <dsp:style>
-        <a:lnRef idx="1">
-          <a:scrgbClr r="0" g="0" b="0"/>
-        </a:lnRef>
-        <a:fillRef idx="1">
-          <a:scrgbClr r="0" g="0" b="0"/>
-        </a:fillRef>
-        <a:effectRef idx="2">
-          <a:scrgbClr r="0" g="0" b="0"/>
-        </a:effectRef>
-        <a:fontRef idx="minor"/>
-      </dsp:style>
-      <dsp:txBody>
-        <a:bodyPr spcFirstLastPara="0" vert="horz" wrap="square" lIns="256032" tIns="22860" rIns="22860" bIns="22860" numCol="1" spcCol="1270" anchor="ctr" anchorCtr="0">
-          <a:noAutofit/>
-        </a:bodyPr>
-        <a:lstStyle/>
-        <a:p>
-          <a:pPr marL="285750" lvl="1" indent="-285750" algn="l" defTabSz="1600200">
-            <a:lnSpc>
-              <a:spcPct val="90000"/>
-            </a:lnSpc>
-            <a:spcBef>
-              <a:spcPct val="0"/>
-            </a:spcBef>
-            <a:spcAft>
-              <a:spcPct val="15000"/>
-            </a:spcAft>
-            <a:buChar char="••"/>
-          </a:pPr>
-          <a:r>
-            <a:rPr lang="fr-FR" sz="3600" b="1" kern="1200" noProof="0" dirty="0" smtClean="0">
-              <a:solidFill>
-                <a:schemeClr val="accent1">
-                  <a:lumMod val="75000"/>
-                </a:schemeClr>
-              </a:solidFill>
-            </a:rPr>
-            <a:t>IV-Complex Chooser Options</a:t>
-          </a:r>
-        </a:p>
-      </dsp:txBody>
-      <dsp:txXfrm rot="-5400000">
-        <a:off x="557108" y="2116592"/>
-        <a:ext cx="7811012" cy="466808"/>
-      </dsp:txXfrm>
-    </dsp:sp>
-    <dsp:sp modelId="{B42C3359-B3EE-455E-8DA8-EEADBB34ADA4}">
-      <dsp:nvSpPr>
-        <dsp:cNvPr id="0" name=""/>
-        <dsp:cNvSpPr/>
-      </dsp:nvSpPr>
-      <dsp:spPr>
-        <a:xfrm rot="5400000">
-          <a:off x="-119380" y="2907030"/>
-          <a:ext cx="795868" cy="557108"/>
-        </a:xfrm>
-        <a:prstGeom prst="chevron">
-          <a:avLst/>
-        </a:prstGeom>
-        <a:blipFill rotWithShape="0">
-          <a:blip xmlns:r="http://schemas.openxmlformats.org/officeDocument/2006/relationships" r:embed="rId1">
-            <a:duotone>
-              <a:schemeClr val="accent1">
-                <a:hueOff val="0"/>
-                <a:satOff val="0"/>
-                <a:lumOff val="0"/>
-                <a:alphaOff val="0"/>
-                <a:tint val="98000"/>
-                <a:lumMod val="102000"/>
-              </a:schemeClr>
-              <a:schemeClr val="accent1">
-                <a:hueOff val="0"/>
-                <a:satOff val="0"/>
-                <a:lumOff val="0"/>
-                <a:alphaOff val="0"/>
-                <a:shade val="98000"/>
-                <a:lumMod val="98000"/>
-              </a:schemeClr>
-            </a:duotone>
-          </a:blip>
-          <a:tile tx="0" ty="0" sx="100000" sy="100000" flip="none" algn="tl"/>
-        </a:blipFill>
-        <a:ln w="9525" cap="rnd" cmpd="sng" algn="ctr">
-          <a:solidFill>
-            <a:schemeClr val="accent1">
-              <a:hueOff val="0"/>
-              <a:satOff val="0"/>
-              <a:lumOff val="0"/>
-              <a:alphaOff val="0"/>
-            </a:schemeClr>
-          </a:solidFill>
-          <a:prstDash val="solid"/>
-        </a:ln>
-        <a:effectLst>
-          <a:innerShdw blurRad="63500" dist="25400" dir="13500000">
-            <a:srgbClr val="000000">
-              <a:alpha val="75000"/>
-            </a:srgbClr>
-          </a:innerShdw>
-        </a:effectLst>
-      </dsp:spPr>
-      <dsp:style>
-        <a:lnRef idx="1">
-          <a:scrgbClr r="0" g="0" b="0"/>
-        </a:lnRef>
-        <a:fillRef idx="3">
-          <a:scrgbClr r="0" g="0" b="0"/>
-        </a:fillRef>
-        <a:effectRef idx="3">
-          <a:scrgbClr r="0" g="0" b="0"/>
-        </a:effectRef>
-        <a:fontRef idx="minor">
-          <a:schemeClr val="lt1"/>
-        </a:fontRef>
-      </dsp:style>
-      <dsp:txBody>
-        <a:bodyPr spcFirstLastPara="0" vert="horz" wrap="square" lIns="22860" tIns="22860" rIns="22860" bIns="22860" numCol="1" spcCol="1270" anchor="ctr" anchorCtr="0">
-          <a:noAutofit/>
-        </a:bodyPr>
-        <a:lstStyle/>
-        <a:p>
-          <a:pPr lvl="0" algn="ctr" defTabSz="1600200">
-            <a:lnSpc>
-              <a:spcPct val="90000"/>
-            </a:lnSpc>
-            <a:spcBef>
-              <a:spcPct val="0"/>
-            </a:spcBef>
-            <a:spcAft>
-              <a:spcPct val="35000"/>
-            </a:spcAft>
-          </a:pPr>
-          <a:endParaRPr lang="fr-FR" sz="3600" b="1" kern="1200" noProof="0" dirty="0" smtClean="0">
-            <a:solidFill>
-              <a:schemeClr val="tx1">
-                <a:lumMod val="75000"/>
-              </a:schemeClr>
-            </a:solidFill>
-          </a:endParaRPr>
-        </a:p>
-      </dsp:txBody>
-      <dsp:txXfrm rot="-5400000">
-        <a:off x="0" y="3066204"/>
-        <a:ext cx="557108" cy="238760"/>
-      </dsp:txXfrm>
-    </dsp:sp>
-    <dsp:sp modelId="{0053D2EA-E96A-485A-9B47-065EB2ECE275}">
-      <dsp:nvSpPr>
-        <dsp:cNvPr id="0" name=""/>
-        <dsp:cNvSpPr/>
-      </dsp:nvSpPr>
-      <dsp:spPr>
-        <a:xfrm rot="5400000">
-          <a:off x="4216583" y="-871825"/>
-          <a:ext cx="517314" cy="7836265"/>
-        </a:xfrm>
-        <a:prstGeom prst="round2SameRect">
-          <a:avLst/>
-        </a:prstGeom>
-        <a:solidFill>
-          <a:schemeClr val="bg1">
-            <a:lumMod val="95000"/>
-            <a:lumOff val="5000"/>
-            <a:alpha val="90000"/>
-          </a:schemeClr>
-        </a:solidFill>
-        <a:ln w="9525" cap="rnd" cmpd="sng" algn="ctr">
-          <a:solidFill>
-            <a:schemeClr val="accent1">
-              <a:hueOff val="0"/>
-              <a:satOff val="0"/>
-              <a:lumOff val="0"/>
-              <a:alphaOff val="0"/>
-            </a:schemeClr>
-          </a:solidFill>
-          <a:prstDash val="solid"/>
-        </a:ln>
-        <a:effectLst/>
-      </dsp:spPr>
-      <dsp:style>
-        <a:lnRef idx="1">
-          <a:scrgbClr r="0" g="0" b="0"/>
-        </a:lnRef>
-        <a:fillRef idx="1">
-          <a:scrgbClr r="0" g="0" b="0"/>
-        </a:fillRef>
-        <a:effectRef idx="2">
-          <a:scrgbClr r="0" g="0" b="0"/>
-        </a:effectRef>
-        <a:fontRef idx="minor"/>
-      </dsp:style>
-      <dsp:txBody>
-        <a:bodyPr spcFirstLastPara="0" vert="horz" wrap="square" lIns="256032" tIns="22860" rIns="22860" bIns="22860" numCol="1" spcCol="1270" anchor="ctr" anchorCtr="0">
-          <a:noAutofit/>
-        </a:bodyPr>
-        <a:lstStyle/>
-        <a:p>
-          <a:pPr marL="285750" lvl="1" indent="-285750" algn="l" defTabSz="1600200">
-            <a:lnSpc>
-              <a:spcPct val="90000"/>
-            </a:lnSpc>
-            <a:spcBef>
-              <a:spcPct val="0"/>
-            </a:spcBef>
-            <a:spcAft>
-              <a:spcPct val="15000"/>
-            </a:spcAft>
-            <a:buChar char="••"/>
-          </a:pPr>
-          <a:r>
-            <a:rPr lang="fr-FR" sz="3600" b="1" kern="1200" noProof="0" smtClean="0">
-              <a:solidFill>
-                <a:schemeClr val="accent1">
-                  <a:lumMod val="75000"/>
-                </a:schemeClr>
-              </a:solidFill>
-            </a:rPr>
-            <a:t>V-Extendible Options</a:t>
-          </a:r>
-          <a:endParaRPr lang="fr-FR" sz="3600" b="1" kern="1200" noProof="0" dirty="0" smtClean="0">
-            <a:solidFill>
-              <a:schemeClr val="accent1">
-                <a:lumMod val="75000"/>
-              </a:schemeClr>
-            </a:solidFill>
-          </a:endParaRPr>
-        </a:p>
-      </dsp:txBody>
-      <dsp:txXfrm rot="-5400000">
-        <a:off x="557108" y="2812903"/>
-        <a:ext cx="7811012" cy="466808"/>
-      </dsp:txXfrm>
-    </dsp:sp>
-    <dsp:sp modelId="{225C83A9-779B-4707-93D8-DCD1C911EBB6}">
-      <dsp:nvSpPr>
-        <dsp:cNvPr id="0" name=""/>
-        <dsp:cNvSpPr/>
-      </dsp:nvSpPr>
-      <dsp:spPr>
-        <a:xfrm rot="5400000">
-          <a:off x="-119380" y="3603341"/>
-          <a:ext cx="795868" cy="557108"/>
-        </a:xfrm>
-        <a:prstGeom prst="chevron">
-          <a:avLst/>
-        </a:prstGeom>
-        <a:solidFill>
-          <a:schemeClr val="accent1"/>
-        </a:solidFill>
-        <a:ln w="15875" cap="rnd" cmpd="sng" algn="ctr">
-          <a:solidFill>
-            <a:schemeClr val="accent1">
-              <a:shade val="50000"/>
-            </a:schemeClr>
-          </a:solidFill>
-          <a:prstDash val="solid"/>
-        </a:ln>
-        <a:effectLst/>
-      </dsp:spPr>
-      <dsp:style>
-        <a:lnRef idx="2">
-          <a:schemeClr val="accent1">
-            <a:shade val="50000"/>
-          </a:schemeClr>
-        </a:lnRef>
-        <a:fillRef idx="1">
-          <a:schemeClr val="accent1"/>
-        </a:fillRef>
-        <a:effectRef idx="0">
-          <a:schemeClr val="accent1"/>
-        </a:effectRef>
-        <a:fontRef idx="minor">
-          <a:schemeClr val="lt1"/>
-        </a:fontRef>
-      </dsp:style>
-      <dsp:txBody>
-        <a:bodyPr spcFirstLastPara="0" vert="horz" wrap="square" lIns="22860" tIns="22860" rIns="22860" bIns="22860" numCol="1" spcCol="1270" anchor="ctr" anchorCtr="0">
-          <a:noAutofit/>
-        </a:bodyPr>
-        <a:lstStyle/>
-        <a:p>
-          <a:pPr lvl="0" algn="ctr" defTabSz="1600200">
-            <a:lnSpc>
-              <a:spcPct val="90000"/>
-            </a:lnSpc>
-            <a:spcBef>
-              <a:spcPct val="0"/>
-            </a:spcBef>
-            <a:spcAft>
-              <a:spcPct val="35000"/>
-            </a:spcAft>
-          </a:pPr>
-          <a:endParaRPr lang="fr-FR" sz="3600" b="1" kern="1200" noProof="0" dirty="0" smtClean="0">
-            <a:solidFill>
-              <a:schemeClr val="accent1">
-                <a:lumMod val="75000"/>
-              </a:schemeClr>
-            </a:solidFill>
-          </a:endParaRPr>
-        </a:p>
-      </dsp:txBody>
-      <dsp:txXfrm rot="-5400000">
-        <a:off x="0" y="3762515"/>
-        <a:ext cx="557108" cy="238760"/>
-      </dsp:txXfrm>
-    </dsp:sp>
-    <dsp:sp modelId="{6574DC34-666A-4340-A81D-BCA3F02AB8AF}">
-      <dsp:nvSpPr>
-        <dsp:cNvPr id="0" name=""/>
-        <dsp:cNvSpPr/>
-      </dsp:nvSpPr>
-      <dsp:spPr>
-        <a:xfrm rot="5400000">
-          <a:off x="4216583" y="-175514"/>
-          <a:ext cx="517314" cy="7836265"/>
-        </a:xfrm>
-        <a:prstGeom prst="round2SameRect">
-          <a:avLst/>
-        </a:prstGeom>
-        <a:solidFill>
-          <a:schemeClr val="bg1">
-            <a:lumMod val="95000"/>
-            <a:lumOff val="5000"/>
-            <a:alpha val="90000"/>
-          </a:schemeClr>
-        </a:solidFill>
-        <a:ln w="9525" cap="rnd" cmpd="sng" algn="ctr">
-          <a:solidFill>
-            <a:schemeClr val="accent1">
-              <a:hueOff val="0"/>
-              <a:satOff val="0"/>
-              <a:lumOff val="0"/>
-              <a:alphaOff val="0"/>
-            </a:schemeClr>
-          </a:solidFill>
-          <a:prstDash val="solid"/>
-        </a:ln>
-        <a:effectLst/>
-      </dsp:spPr>
-      <dsp:style>
-        <a:lnRef idx="1">
-          <a:scrgbClr r="0" g="0" b="0"/>
-        </a:lnRef>
-        <a:fillRef idx="1">
-          <a:scrgbClr r="0" g="0" b="0"/>
-        </a:fillRef>
-        <a:effectRef idx="2">
-          <a:scrgbClr r="0" g="0" b="0"/>
-        </a:effectRef>
-        <a:fontRef idx="minor"/>
-      </dsp:style>
-      <dsp:txBody>
-        <a:bodyPr spcFirstLastPara="0" vert="horz" wrap="square" lIns="256032" tIns="22860" rIns="22860" bIns="22860" numCol="1" spcCol="1270" anchor="ctr" anchorCtr="0">
-          <a:noAutofit/>
-        </a:bodyPr>
-        <a:lstStyle/>
-        <a:p>
-          <a:pPr marL="285750" lvl="1" indent="-285750" algn="l" defTabSz="1600200">
-            <a:lnSpc>
-              <a:spcPct val="90000"/>
-            </a:lnSpc>
-            <a:spcBef>
-              <a:spcPct val="0"/>
-            </a:spcBef>
-            <a:spcAft>
-              <a:spcPct val="15000"/>
-            </a:spcAft>
-            <a:buChar char="••"/>
-          </a:pPr>
-          <a:r>
-            <a:rPr lang="fr-FR" sz="3600" b="1" kern="1200" noProof="0" dirty="0" smtClean="0">
-              <a:solidFill>
-                <a:schemeClr val="accent1">
-                  <a:lumMod val="75000"/>
-                </a:schemeClr>
-              </a:solidFill>
-            </a:rPr>
-            <a:t>VI-Conclusion</a:t>
-          </a:r>
-        </a:p>
-      </dsp:txBody>
-      <dsp:txXfrm rot="-5400000">
-        <a:off x="557108" y="3509214"/>
-        <a:ext cx="7811012" cy="466808"/>
-      </dsp:txXfrm>
-    </dsp:sp>
   </dsp:spTree>
 </dsp:drawing>
 </file>
@@ -4411,7 +3336,7 @@
           <a:p>
             <a:fld id="{B2FE3A97-0B40-47F5-A976-A7C7A0FD8429}" type="slidenum">
               <a:rPr lang="en-US" smtClean="0"/>
-              <a:t>‹#›</a:t>
+              <a:t>‹N°›</a:t>
             </a:fld>
             <a:endParaRPr lang="en-US"/>
           </a:p>
@@ -4670,7 +3595,7 @@
           <a:p>
             <a:fld id="{6BA41965-3D40-4735-8368-97257CDCD385}" type="slidenum">
               <a:rPr lang="en-US" smtClean="0"/>
-              <a:t>‹#›</a:t>
+              <a:t>‹N°›</a:t>
             </a:fld>
             <a:endParaRPr lang="en-US"/>
           </a:p>
@@ -6205,7 +5130,7 @@
           <a:effectLst/>
           <a:extLst>
             <a:ext uri="{91240B29-F687-4f45-9708-019B960494DF}">
-              <a14:hiddenLine xmlns:a14="http://schemas.microsoft.com/office/drawing/2010/main" xmlns="" w="9525">
+              <a14:hiddenLine xmlns="" xmlns:a14="http://schemas.microsoft.com/office/drawing/2010/main" w="9525">
                 <a:solidFill>
                   <a:srgbClr val="000000"/>
                 </a:solidFill>
@@ -6439,7 +5364,7 @@
           <a:p>
             <a:fld id="{91CCA55A-3F50-488D-A5E8-01F0969640CB}" type="slidenum">
               <a:rPr lang="en-US" smtClean="0"/>
-              <a:t>‹#›</a:t>
+              <a:t>‹N°›</a:t>
             </a:fld>
             <a:endParaRPr lang="en-US"/>
           </a:p>
@@ -6757,7 +5682,7 @@
           <a:p>
             <a:fld id="{91CCA55A-3F50-488D-A5E8-01F0969640CB}" type="slidenum">
               <a:rPr lang="en-US" smtClean="0"/>
-              <a:t>‹#›</a:t>
+              <a:t>‹N°›</a:t>
             </a:fld>
             <a:endParaRPr lang="en-US"/>
           </a:p>
@@ -7245,7 +6170,7 @@
           <a:p>
             <a:fld id="{91CCA55A-3F50-488D-A5E8-01F0969640CB}" type="slidenum">
               <a:rPr lang="en-US" smtClean="0"/>
-              <a:t>‹#›</a:t>
+              <a:t>‹N°›</a:t>
             </a:fld>
             <a:endParaRPr lang="en-US"/>
           </a:p>
@@ -7614,7 +6539,7 @@
           <a:p>
             <a:fld id="{91CCA55A-3F50-488D-A5E8-01F0969640CB}" type="slidenum">
               <a:rPr lang="en-US" smtClean="0"/>
-              <a:t>‹#›</a:t>
+              <a:t>‹N°›</a:t>
             </a:fld>
             <a:endParaRPr lang="en-US"/>
           </a:p>
@@ -7727,7 +6652,7 @@
           <a:ln/>
           <a:extLst>
             <a:ext uri="{91240B29-F687-4f45-9708-019B960494DF}">
-              <a14:hiddenLine xmlns:a14="http://schemas.microsoft.com/office/drawing/2010/main" xmlns="" w="9525">
+              <a14:hiddenLine xmlns="" xmlns:a14="http://schemas.microsoft.com/office/drawing/2010/main" w="9525">
                 <a:solidFill>
                   <a:srgbClr val="000000"/>
                 </a:solidFill>
@@ -7887,7 +6812,7 @@
           <a:p>
             <a:fld id="{91CCA55A-3F50-488D-A5E8-01F0969640CB}" type="slidenum">
               <a:rPr lang="en-US" smtClean="0"/>
-              <a:t>‹#›</a:t>
+              <a:t>‹N°›</a:t>
             </a:fld>
             <a:endParaRPr lang="en-US"/>
           </a:p>
@@ -8002,7 +6927,7 @@
           <a:ln/>
           <a:extLst>
             <a:ext uri="{91240B29-F687-4f45-9708-019B960494DF}">
-              <a14:hiddenLine xmlns:a14="http://schemas.microsoft.com/office/drawing/2010/main" xmlns="" w="9525">
+              <a14:hiddenLine xmlns="" xmlns:a14="http://schemas.microsoft.com/office/drawing/2010/main" w="9525">
                 <a:solidFill>
                   <a:srgbClr val="000000"/>
                 </a:solidFill>
@@ -8172,7 +7097,7 @@
           <a:p>
             <a:fld id="{91CCA55A-3F50-488D-A5E8-01F0969640CB}" type="slidenum">
               <a:rPr lang="en-US" smtClean="0"/>
-              <a:t>‹#›</a:t>
+              <a:t>‹N°›</a:t>
             </a:fld>
             <a:endParaRPr lang="en-US"/>
           </a:p>
@@ -8285,7 +7210,7 @@
           <a:ln/>
           <a:extLst>
             <a:ext uri="{91240B29-F687-4f45-9708-019B960494DF}">
-              <a14:hiddenLine xmlns:a14="http://schemas.microsoft.com/office/drawing/2010/main" xmlns="" w="9525">
+              <a14:hiddenLine xmlns="" xmlns:a14="http://schemas.microsoft.com/office/drawing/2010/main" w="9525">
                 <a:solidFill>
                   <a:srgbClr val="000000"/>
                 </a:solidFill>
@@ -8464,7 +7389,7 @@
             <a:fld id="{91CCA55A-3F50-488D-A5E8-01F0969640CB}" type="slidenum">
               <a:rPr lang="en-US" smtClean="0"/>
               <a:pPr/>
-              <a:t>‹#›</a:t>
+              <a:t>‹N°›</a:t>
             </a:fld>
             <a:endParaRPr lang="en-US" dirty="0"/>
           </a:p>
@@ -8814,7 +7739,7 @@
           <a:p>
             <a:fld id="{91CCA55A-3F50-488D-A5E8-01F0969640CB}" type="slidenum">
               <a:rPr lang="en-US" smtClean="0"/>
-              <a:t>‹#›</a:t>
+              <a:t>‹N°›</a:t>
             </a:fld>
             <a:endParaRPr lang="en-US"/>
           </a:p>
@@ -8927,7 +7852,7 @@
           <a:ln/>
           <a:extLst>
             <a:ext uri="{91240B29-F687-4f45-9708-019B960494DF}">
-              <a14:hiddenLine xmlns:a14="http://schemas.microsoft.com/office/drawing/2010/main" xmlns="" w="9525">
+              <a14:hiddenLine xmlns="" xmlns:a14="http://schemas.microsoft.com/office/drawing/2010/main" w="9525">
                 <a:solidFill>
                   <a:srgbClr val="000000"/>
                 </a:solidFill>
@@ -9153,7 +8078,7 @@
           <a:p>
             <a:fld id="{91CCA55A-3F50-488D-A5E8-01F0969640CB}" type="slidenum">
               <a:rPr lang="en-US" smtClean="0"/>
-              <a:t>‹#›</a:t>
+              <a:t>‹N°›</a:t>
             </a:fld>
             <a:endParaRPr lang="en-US"/>
           </a:p>
@@ -9266,7 +8191,7 @@
           <a:ln/>
           <a:extLst>
             <a:ext uri="{91240B29-F687-4f45-9708-019B960494DF}">
-              <a14:hiddenLine xmlns:a14="http://schemas.microsoft.com/office/drawing/2010/main" xmlns="" w="9525">
+              <a14:hiddenLine xmlns="" xmlns:a14="http://schemas.microsoft.com/office/drawing/2010/main" w="9525">
                 <a:solidFill>
                   <a:srgbClr val="000000"/>
                 </a:solidFill>
@@ -9630,7 +8555,7 @@
           <a:p>
             <a:fld id="{91CCA55A-3F50-488D-A5E8-01F0969640CB}" type="slidenum">
               <a:rPr lang="en-US" smtClean="0"/>
-              <a:t>‹#›</a:t>
+              <a:t>‹N°›</a:t>
             </a:fld>
             <a:endParaRPr lang="en-US"/>
           </a:p>
@@ -9743,7 +8668,7 @@
           <a:ln/>
           <a:extLst>
             <a:ext uri="{91240B29-F687-4f45-9708-019B960494DF}">
-              <a14:hiddenLine xmlns:a14="http://schemas.microsoft.com/office/drawing/2010/main" xmlns="" w="9525">
+              <a14:hiddenLine xmlns="" xmlns:a14="http://schemas.microsoft.com/office/drawing/2010/main" w="9525">
                 <a:solidFill>
                   <a:srgbClr val="000000"/>
                 </a:solidFill>
@@ -9851,7 +8776,7 @@
           <a:p>
             <a:fld id="{91CCA55A-3F50-488D-A5E8-01F0969640CB}" type="slidenum">
               <a:rPr lang="en-US" smtClean="0"/>
-              <a:t>‹#›</a:t>
+              <a:t>‹N°›</a:t>
             </a:fld>
             <a:endParaRPr lang="en-US"/>
           </a:p>
@@ -9946,7 +8871,7 @@
           <a:p>
             <a:fld id="{91CCA55A-3F50-488D-A5E8-01F0969640CB}" type="slidenum">
               <a:rPr lang="en-US" smtClean="0"/>
-              <a:t>‹#›</a:t>
+              <a:t>‹N°›</a:t>
             </a:fld>
             <a:endParaRPr lang="en-US"/>
           </a:p>
@@ -10172,7 +9097,7 @@
           <a:ln/>
           <a:extLst>
             <a:ext uri="{91240B29-F687-4f45-9708-019B960494DF}">
-              <a14:hiddenLine xmlns:a14="http://schemas.microsoft.com/office/drawing/2010/main" xmlns="" w="9525">
+              <a14:hiddenLine xmlns="" xmlns:a14="http://schemas.microsoft.com/office/drawing/2010/main" w="9525">
                 <a:solidFill>
                   <a:srgbClr val="000000"/>
                 </a:solidFill>
@@ -10413,7 +9338,7 @@
           <a:p>
             <a:fld id="{91CCA55A-3F50-488D-A5E8-01F0969640CB}" type="slidenum">
               <a:rPr lang="en-US" smtClean="0"/>
-              <a:t>‹#›</a:t>
+              <a:t>‹N°›</a:t>
             </a:fld>
             <a:endParaRPr lang="en-US"/>
           </a:p>
@@ -10736,7 +9661,7 @@
           <a:p>
             <a:fld id="{91CCA55A-3F50-488D-A5E8-01F0969640CB}" type="slidenum">
               <a:rPr lang="en-US" smtClean="0"/>
-              <a:t>‹#›</a:t>
+              <a:t>‹N°›</a:t>
             </a:fld>
             <a:endParaRPr lang="en-US"/>
           </a:p>
@@ -10993,7 +9918,7 @@
           <a:p>
             <a:fld id="{91CCA55A-3F50-488D-A5E8-01F0969640CB}" type="slidenum">
               <a:rPr lang="en-US" smtClean="0"/>
-              <a:t>‹#›</a:t>
+              <a:t>‹N°›</a:t>
             </a:fld>
             <a:endParaRPr lang="en-US"/>
           </a:p>
@@ -12378,7 +11303,30 @@
       </p:sp>
       <p:sp>
         <p:nvSpPr>
-          <p:cNvPr id="7" name="Content Placeholder 2"/>
+          <p:cNvPr id="3" name="Slide Number Placeholder 2"/>
+          <p:cNvSpPr>
+            <a:spLocks noGrp="1"/>
+          </p:cNvSpPr>
+          <p:nvPr>
+            <p:ph type="sldNum" sz="quarter" idx="12"/>
+          </p:nvPr>
+        </p:nvSpPr>
+        <p:spPr/>
+        <p:txBody>
+          <a:bodyPr/>
+          <a:lstStyle/>
+          <a:p>
+            <a:fld id="{91CCA55A-3F50-488D-A5E8-01F0969640CB}" type="slidenum">
+              <a:rPr lang="en-US" smtClean="0"/>
+              <a:t>11</a:t>
+            </a:fld>
+            <a:endParaRPr lang="en-US"/>
+          </a:p>
+        </p:txBody>
+      </p:sp>
+      <p:sp>
+        <p:nvSpPr>
+          <p:cNvPr id="5" name="Content Placeholder 2"/>
           <p:cNvSpPr txBox="1">
             <a:spLocks/>
           </p:cNvSpPr>
@@ -12402,7 +11350,7 @@
         </p:spPr>
         <p:txBody>
           <a:bodyPr vert="horz" lIns="91440" tIns="45720" rIns="91440" bIns="45720" rtlCol="0" anchor="ctr">
-            <a:normAutofit lnSpcReduction="10000"/>
+            <a:normAutofit/>
           </a:bodyPr>
           <a:lstStyle>
             <a:lvl1pPr marL="342900" indent="-342900" algn="l" defTabSz="457200" rtl="0" eaLnBrk="1" latinLnBrk="0" hangingPunct="1">
@@ -12612,60 +11560,15 @@
               </a:rPr>
               <a:t> la nature de l’option </a:t>
             </a:r>
-          </a:p>
-          <a:p>
-            <a:pPr lvl="1"/>
             <a:r>
               <a:rPr lang="fr-FR" sz="3400" dirty="0" smtClean="0">
                 <a:latin typeface="Times New Roman" panose="02020603050405020304" pitchFamily="18" charset="0"/>
                 <a:ea typeface="Times New Roman" panose="02020603050405020304" pitchFamily="18" charset="0"/>
                 <a:cs typeface="Times New Roman" panose="02020603050405020304" pitchFamily="18" charset="0"/>
               </a:rPr>
-              <a:t>après une certaine période &lt; maturité </a:t>
+              <a:t>après une certaine période &lt; maturité</a:t>
             </a:r>
-            <a:r>
-              <a:rPr lang="fr-FR" sz="3400" dirty="0">
-                <a:latin typeface="Times New Roman" panose="02020603050405020304" pitchFamily="18" charset="0"/>
-                <a:ea typeface="Times New Roman" panose="02020603050405020304" pitchFamily="18" charset="0"/>
-                <a:cs typeface="Times New Roman" panose="02020603050405020304" pitchFamily="18" charset="0"/>
-              </a:rPr>
-              <a:t>:</a:t>
-            </a:r>
-            <a:r>
-              <a:rPr lang="en-US" sz="3400" dirty="0">
-                <a:latin typeface="Times New Roman" panose="02020603050405020304" pitchFamily="18" charset="0"/>
-                <a:ea typeface="Times New Roman" panose="02020603050405020304" pitchFamily="18" charset="0"/>
-                <a:cs typeface="Times New Roman" panose="02020603050405020304" pitchFamily="18" charset="0"/>
-              </a:rPr>
-              <a:t> path-dependent options</a:t>
-            </a:r>
-            <a:r>
-              <a:rPr lang="en-US" sz="3400" dirty="0" smtClean="0">
-                <a:latin typeface="Times New Roman" panose="02020603050405020304" pitchFamily="18" charset="0"/>
-                <a:ea typeface="Times New Roman" panose="02020603050405020304" pitchFamily="18" charset="0"/>
-                <a:cs typeface="Times New Roman" panose="02020603050405020304" pitchFamily="18" charset="0"/>
-              </a:rPr>
-              <a:t>.</a:t>
-            </a:r>
-          </a:p>
-          <a:p>
-            <a:r>
-              <a:rPr lang="fr-FR" sz="3600" dirty="0">
-                <a:latin typeface="Times New Roman" panose="02020603050405020304" pitchFamily="18" charset="0"/>
-                <a:ea typeface="Times New Roman" panose="02020603050405020304" pitchFamily="18" charset="0"/>
-                <a:cs typeface="Times New Roman" panose="02020603050405020304" pitchFamily="18" charset="0"/>
-              </a:rPr>
-              <a:t>Echangées dès les années 9</a:t>
-            </a:r>
-            <a:r>
-              <a:rPr lang="fr-FR" sz="3600" dirty="0" smtClean="0">
-                <a:latin typeface="Times New Roman" panose="02020603050405020304" pitchFamily="18" charset="0"/>
-                <a:ea typeface="Times New Roman" panose="02020603050405020304" pitchFamily="18" charset="0"/>
-                <a:cs typeface="Times New Roman" panose="02020603050405020304" pitchFamily="18" charset="0"/>
-              </a:rPr>
-              <a:t>0</a:t>
-            </a:r>
-            <a:endParaRPr lang="fr-FR" sz="3600" dirty="0">
+            <a:endParaRPr lang="en-US" sz="3400" dirty="0" smtClean="0">
               <a:latin typeface="Times New Roman" panose="02020603050405020304" pitchFamily="18" charset="0"/>
               <a:ea typeface="Times New Roman" panose="02020603050405020304" pitchFamily="18" charset="0"/>
               <a:cs typeface="Times New Roman" panose="02020603050405020304" pitchFamily="18" charset="0"/>
@@ -12673,7 +11576,7 @@
           </a:p>
           <a:p>
             <a:r>
-              <a:rPr lang="fr-FR" sz="3600" dirty="0" smtClean="0">
+              <a:rPr lang="fr-FR" sz="3800" dirty="0" smtClean="0">
                 <a:solidFill>
                   <a:schemeClr val="accent1">
                     <a:lumMod val="60000"/>
@@ -12687,12 +11590,28 @@
               <a:t>Simple</a:t>
             </a:r>
             <a:r>
-              <a:rPr lang="fr-FR" sz="3600" dirty="0" smtClean="0">
+              <a:rPr lang="fr-FR" sz="3800" dirty="0" smtClean="0">
                 <a:latin typeface="Times New Roman" panose="02020603050405020304" pitchFamily="18" charset="0"/>
                 <a:ea typeface="Times New Roman" panose="02020603050405020304" pitchFamily="18" charset="0"/>
                 <a:cs typeface="Times New Roman" panose="02020603050405020304" pitchFamily="18" charset="0"/>
               </a:rPr>
-              <a:t> Chooser Options:</a:t>
+              <a:t> </a:t>
+            </a:r>
+            <a:r>
+              <a:rPr lang="fr-FR" sz="3800" dirty="0" err="1" smtClean="0">
+                <a:latin typeface="Times New Roman" panose="02020603050405020304" pitchFamily="18" charset="0"/>
+                <a:ea typeface="Times New Roman" panose="02020603050405020304" pitchFamily="18" charset="0"/>
+                <a:cs typeface="Times New Roman" panose="02020603050405020304" pitchFamily="18" charset="0"/>
+              </a:rPr>
+              <a:t>Chooser</a:t>
+            </a:r>
+            <a:r>
+              <a:rPr lang="fr-FR" sz="3800" dirty="0" smtClean="0">
+                <a:latin typeface="Times New Roman" panose="02020603050405020304" pitchFamily="18" charset="0"/>
+                <a:ea typeface="Times New Roman" panose="02020603050405020304" pitchFamily="18" charset="0"/>
+                <a:cs typeface="Times New Roman" panose="02020603050405020304" pitchFamily="18" charset="0"/>
+              </a:rPr>
+              <a:t> Options:</a:t>
             </a:r>
           </a:p>
           <a:p>
@@ -12703,31 +11622,30 @@
                 <a:ea typeface="Times New Roman" panose="02020603050405020304" pitchFamily="18" charset="0"/>
                 <a:cs typeface="Times New Roman" panose="02020603050405020304" pitchFamily="18" charset="0"/>
               </a:rPr>
-              <a:t>Les paramètres: la date du choix + les paramètres d’une option standard</a:t>
+              <a:t>La date du choix</a:t>
             </a:r>
           </a:p>
-        </p:txBody>
-      </p:sp>
-      <p:sp>
-        <p:nvSpPr>
-          <p:cNvPr id="3" name="Slide Number Placeholder 2"/>
-          <p:cNvSpPr>
-            <a:spLocks noGrp="1"/>
-          </p:cNvSpPr>
-          <p:nvPr>
-            <p:ph type="sldNum" sz="quarter" idx="12"/>
-          </p:nvPr>
-        </p:nvSpPr>
-        <p:spPr/>
-        <p:txBody>
-          <a:bodyPr/>
-          <a:lstStyle/>
           <a:p>
-            <a:fld id="{91CCA55A-3F50-488D-A5E8-01F0969640CB}" type="slidenum">
-              <a:rPr lang="en-US" smtClean="0"/>
-              <a:t>11</a:t>
-            </a:fld>
-            <a:endParaRPr lang="en-US"/>
+            <a:pPr lvl="1"/>
+            <a:r>
+              <a:rPr lang="fr-FR" sz="3400" dirty="0" smtClean="0">
+                <a:latin typeface="Times New Roman" panose="02020603050405020304" pitchFamily="18" charset="0"/>
+                <a:ea typeface="Times New Roman" panose="02020603050405020304" pitchFamily="18" charset="0"/>
+                <a:cs typeface="Times New Roman" panose="02020603050405020304" pitchFamily="18" charset="0"/>
+              </a:rPr>
+              <a:t>Strike identique pour le Call et Put</a:t>
+            </a:r>
+          </a:p>
+          <a:p>
+            <a:pPr lvl="1"/>
+            <a:r>
+              <a:rPr lang="fr-FR" sz="3400" dirty="0" smtClean="0">
+                <a:latin typeface="Times New Roman" panose="02020603050405020304" pitchFamily="18" charset="0"/>
+                <a:ea typeface="Times New Roman" panose="02020603050405020304" pitchFamily="18" charset="0"/>
+                <a:cs typeface="Times New Roman" panose="02020603050405020304" pitchFamily="18" charset="0"/>
+              </a:rPr>
+              <a:t>Maturité identique pour le Call et Put</a:t>
+            </a:r>
           </a:p>
         </p:txBody>
       </p:sp>
@@ -12775,7 +11693,7 @@
                                           </p:stCondLst>
                                         </p:cTn>
                                         <p:tgtEl>
-                                          <p:spTgt spid="7">
+                                          <p:spTgt spid="5">
                                             <p:txEl>
                                               <p:pRg st="0" end="0"/>
                                             </p:txEl>
@@ -12793,7 +11711,7 @@
                                       <p:cBhvr additive="base">
                                         <p:cTn id="7" dur="500" fill="hold"/>
                                         <p:tgtEl>
-                                          <p:spTgt spid="7">
+                                          <p:spTgt spid="5">
                                             <p:txEl>
                                               <p:pRg st="0" end="0"/>
                                             </p:txEl>
@@ -12820,94 +11738,9 @@
                                       <p:cBhvr additive="base">
                                         <p:cTn id="8" dur="500" fill="hold"/>
                                         <p:tgtEl>
-                                          <p:spTgt spid="7">
+                                          <p:spTgt spid="5">
                                             <p:txEl>
                                               <p:pRg st="0" end="0"/>
-                                            </p:txEl>
-                                          </p:spTgt>
-                                        </p:tgtEl>
-                                        <p:attrNameLst>
-                                          <p:attrName>ppt_y</p:attrName>
-                                        </p:attrNameLst>
-                                      </p:cBhvr>
-                                      <p:tavLst>
-                                        <p:tav tm="0">
-                                          <p:val>
-                                            <p:strVal val="1+#ppt_h/2"/>
-                                          </p:val>
-                                        </p:tav>
-                                        <p:tav tm="100000">
-                                          <p:val>
-                                            <p:strVal val="#ppt_y"/>
-                                          </p:val>
-                                        </p:tav>
-                                      </p:tavLst>
-                                    </p:anim>
-                                  </p:childTnLst>
-                                </p:cTn>
-                              </p:par>
-                              <p:par>
-                                <p:cTn id="9" presetID="2" presetClass="entr" presetSubtype="4" fill="hold" grpId="0" nodeType="withEffect">
-                                  <p:stCondLst>
-                                    <p:cond delay="0"/>
-                                  </p:stCondLst>
-                                  <p:childTnLst>
-                                    <p:set>
-                                      <p:cBhvr>
-                                        <p:cTn id="10" dur="1" fill="hold">
-                                          <p:stCondLst>
-                                            <p:cond delay="0"/>
-                                          </p:stCondLst>
-                                        </p:cTn>
-                                        <p:tgtEl>
-                                          <p:spTgt spid="7">
-                                            <p:txEl>
-                                              <p:pRg st="1" end="1"/>
-                                            </p:txEl>
-                                          </p:spTgt>
-                                        </p:tgtEl>
-                                        <p:attrNameLst>
-                                          <p:attrName>style.visibility</p:attrName>
-                                        </p:attrNameLst>
-                                      </p:cBhvr>
-                                      <p:to>
-                                        <p:strVal val="visible"/>
-                                      </p:to>
-                                    </p:set>
-                                    <p:anim calcmode="lin" valueType="num">
-                                      <p:cBhvr additive="base">
-                                        <p:cTn id="11" dur="500" fill="hold"/>
-                                        <p:tgtEl>
-                                          <p:spTgt spid="7">
-                                            <p:txEl>
-                                              <p:pRg st="1" end="1"/>
-                                            </p:txEl>
-                                          </p:spTgt>
-                                        </p:tgtEl>
-                                        <p:attrNameLst>
-                                          <p:attrName>ppt_x</p:attrName>
-                                        </p:attrNameLst>
-                                      </p:cBhvr>
-                                      <p:tavLst>
-                                        <p:tav tm="0">
-                                          <p:val>
-                                            <p:strVal val="#ppt_x"/>
-                                          </p:val>
-                                        </p:tav>
-                                        <p:tav tm="100000">
-                                          <p:val>
-                                            <p:strVal val="#ppt_x"/>
-                                          </p:val>
-                                        </p:tav>
-                                      </p:tavLst>
-                                    </p:anim>
-                                    <p:anim calcmode="lin" valueType="num">
-                                      <p:cBhvr additive="base">
-                                        <p:cTn id="12" dur="500" fill="hold"/>
-                                        <p:tgtEl>
-                                          <p:spTgt spid="7">
-                                            <p:txEl>
-                                              <p:pRg st="1" end="1"/>
                                             </p:txEl>
                                           </p:spTgt>
                                         </p:tgtEl>
@@ -12938,19 +11771,104 @@
                     </p:cTn>
                   </p:par>
                   <p:par>
-                    <p:cTn id="13" fill="hold">
+                    <p:cTn id="9" fill="hold">
                       <p:stCondLst>
                         <p:cond delay="indefinite"/>
                       </p:stCondLst>
                       <p:childTnLst>
                         <p:par>
-                          <p:cTn id="14" fill="hold">
+                          <p:cTn id="10" fill="hold">
                             <p:stCondLst>
                               <p:cond delay="0"/>
                             </p:stCondLst>
                             <p:childTnLst>
                               <p:par>
-                                <p:cTn id="15" presetID="2" presetClass="entr" presetSubtype="4" fill="hold" grpId="0" nodeType="clickEffect">
+                                <p:cTn id="11" presetID="2" presetClass="entr" presetSubtype="4" fill="hold" grpId="0" nodeType="clickEffect">
+                                  <p:stCondLst>
+                                    <p:cond delay="0"/>
+                                  </p:stCondLst>
+                                  <p:childTnLst>
+                                    <p:set>
+                                      <p:cBhvr>
+                                        <p:cTn id="12" dur="1" fill="hold">
+                                          <p:stCondLst>
+                                            <p:cond delay="0"/>
+                                          </p:stCondLst>
+                                        </p:cTn>
+                                        <p:tgtEl>
+                                          <p:spTgt spid="5">
+                                            <p:txEl>
+                                              <p:pRg st="1" end="1"/>
+                                            </p:txEl>
+                                          </p:spTgt>
+                                        </p:tgtEl>
+                                        <p:attrNameLst>
+                                          <p:attrName>style.visibility</p:attrName>
+                                        </p:attrNameLst>
+                                      </p:cBhvr>
+                                      <p:to>
+                                        <p:strVal val="visible"/>
+                                      </p:to>
+                                    </p:set>
+                                    <p:anim calcmode="lin" valueType="num">
+                                      <p:cBhvr additive="base">
+                                        <p:cTn id="13" dur="500" fill="hold"/>
+                                        <p:tgtEl>
+                                          <p:spTgt spid="5">
+                                            <p:txEl>
+                                              <p:pRg st="1" end="1"/>
+                                            </p:txEl>
+                                          </p:spTgt>
+                                        </p:tgtEl>
+                                        <p:attrNameLst>
+                                          <p:attrName>ppt_x</p:attrName>
+                                        </p:attrNameLst>
+                                      </p:cBhvr>
+                                      <p:tavLst>
+                                        <p:tav tm="0">
+                                          <p:val>
+                                            <p:strVal val="#ppt_x"/>
+                                          </p:val>
+                                        </p:tav>
+                                        <p:tav tm="100000">
+                                          <p:val>
+                                            <p:strVal val="#ppt_x"/>
+                                          </p:val>
+                                        </p:tav>
+                                      </p:tavLst>
+                                    </p:anim>
+                                    <p:anim calcmode="lin" valueType="num">
+                                      <p:cBhvr additive="base">
+                                        <p:cTn id="14" dur="500" fill="hold"/>
+                                        <p:tgtEl>
+                                          <p:spTgt spid="5">
+                                            <p:txEl>
+                                              <p:pRg st="1" end="1"/>
+                                            </p:txEl>
+                                          </p:spTgt>
+                                        </p:tgtEl>
+                                        <p:attrNameLst>
+                                          <p:attrName>ppt_y</p:attrName>
+                                        </p:attrNameLst>
+                                      </p:cBhvr>
+                                      <p:tavLst>
+                                        <p:tav tm="0">
+                                          <p:val>
+                                            <p:strVal val="1+#ppt_h/2"/>
+                                          </p:val>
+                                        </p:tav>
+                                        <p:tav tm="100000">
+                                          <p:val>
+                                            <p:strVal val="#ppt_y"/>
+                                          </p:val>
+                                        </p:tav>
+                                      </p:tavLst>
+                                    </p:anim>
+                                  </p:childTnLst>
+                                </p:cTn>
+                              </p:par>
+                              <p:par>
+                                <p:cTn id="15" presetID="2" presetClass="entr" presetSubtype="4" fill="hold" grpId="0" nodeType="withEffect">
                                   <p:stCondLst>
                                     <p:cond delay="0"/>
                                   </p:stCondLst>
@@ -12963,7 +11881,7 @@
                                           </p:stCondLst>
                                         </p:cTn>
                                         <p:tgtEl>
-                                          <p:spTgt spid="7">
+                                          <p:spTgt spid="5">
                                             <p:txEl>
                                               <p:pRg st="2" end="2"/>
                                             </p:txEl>
@@ -12979,9 +11897,9 @@
                                     </p:set>
                                     <p:anim calcmode="lin" valueType="num">
                                       <p:cBhvr additive="base">
-                                        <p:cTn id="17" dur="500" fill="hold"/>
-                                        <p:tgtEl>
-                                          <p:spTgt spid="7">
+                                        <p:cTn id="17" dur="750" fill="hold"/>
+                                        <p:tgtEl>
+                                          <p:spTgt spid="5">
                                             <p:txEl>
                                               <p:pRg st="2" end="2"/>
                                             </p:txEl>
@@ -13006,9 +11924,9 @@
                                     </p:anim>
                                     <p:anim calcmode="lin" valueType="num">
                                       <p:cBhvr additive="base">
-                                        <p:cTn id="18" dur="500" fill="hold"/>
-                                        <p:tgtEl>
-                                          <p:spTgt spid="7">
+                                        <p:cTn id="18" dur="750" fill="hold"/>
+                                        <p:tgtEl>
+                                          <p:spTgt spid="5">
                                             <p:txEl>
                                               <p:pRg st="2" end="2"/>
                                             </p:txEl>
@@ -13034,39 +11952,21 @@
                                   </p:childTnLst>
                                 </p:cTn>
                               </p:par>
-                            </p:childTnLst>
-                          </p:cTn>
-                        </p:par>
-                      </p:childTnLst>
-                    </p:cTn>
-                  </p:par>
-                  <p:par>
-                    <p:cTn id="19" fill="hold">
-                      <p:stCondLst>
-                        <p:cond delay="indefinite"/>
-                      </p:stCondLst>
-                      <p:childTnLst>
-                        <p:par>
-                          <p:cTn id="20" fill="hold">
-                            <p:stCondLst>
-                              <p:cond delay="0"/>
-                            </p:stCondLst>
-                            <p:childTnLst>
                               <p:par>
-                                <p:cTn id="21" presetID="2" presetClass="entr" presetSubtype="8" fill="hold" grpId="0" nodeType="clickEffect">
+                                <p:cTn id="19" presetID="2" presetClass="entr" presetSubtype="4" fill="hold" grpId="0" nodeType="withEffect">
                                   <p:stCondLst>
                                     <p:cond delay="0"/>
                                   </p:stCondLst>
                                   <p:childTnLst>
                                     <p:set>
                                       <p:cBhvr>
-                                        <p:cTn id="22" dur="1" fill="hold">
+                                        <p:cTn id="20" dur="1" fill="hold">
                                           <p:stCondLst>
                                             <p:cond delay="0"/>
                                           </p:stCondLst>
                                         </p:cTn>
                                         <p:tgtEl>
-                                          <p:spTgt spid="7">
+                                          <p:spTgt spid="5">
                                             <p:txEl>
                                               <p:pRg st="3" end="3"/>
                                             </p:txEl>
@@ -13082,9 +11982,9 @@
                                     </p:set>
                                     <p:anim calcmode="lin" valueType="num">
                                       <p:cBhvr additive="base">
-                                        <p:cTn id="23" dur="750" fill="hold"/>
-                                        <p:tgtEl>
-                                          <p:spTgt spid="7">
+                                        <p:cTn id="21" dur="750" fill="hold"/>
+                                        <p:tgtEl>
+                                          <p:spTgt spid="5">
                                             <p:txEl>
                                               <p:pRg st="3" end="3"/>
                                             </p:txEl>
@@ -13097,7 +11997,7 @@
                                       <p:tavLst>
                                         <p:tav tm="0">
                                           <p:val>
-                                            <p:strVal val="0-#ppt_w/2"/>
+                                            <p:strVal val="#ppt_x"/>
                                           </p:val>
                                         </p:tav>
                                         <p:tav tm="100000">
@@ -13109,9 +12009,9 @@
                                     </p:anim>
                                     <p:anim calcmode="lin" valueType="num">
                                       <p:cBhvr additive="base">
-                                        <p:cTn id="24" dur="750" fill="hold"/>
-                                        <p:tgtEl>
-                                          <p:spTgt spid="7">
+                                        <p:cTn id="22" dur="750" fill="hold"/>
+                                        <p:tgtEl>
+                                          <p:spTgt spid="5">
                                             <p:txEl>
                                               <p:pRg st="3" end="3"/>
                                             </p:txEl>
@@ -13124,7 +12024,7 @@
                                       <p:tavLst>
                                         <p:tav tm="0">
                                           <p:val>
-                                            <p:strVal val="#ppt_y"/>
+                                            <p:strVal val="1+#ppt_h/2"/>
                                           </p:val>
                                         </p:tav>
                                         <p:tav tm="100000">
@@ -13137,30 +12037,21 @@
                                   </p:childTnLst>
                                 </p:cTn>
                               </p:par>
-                            </p:childTnLst>
-                          </p:cTn>
-                        </p:par>
-                        <p:par>
-                          <p:cTn id="25" fill="hold">
-                            <p:stCondLst>
-                              <p:cond delay="750"/>
-                            </p:stCondLst>
-                            <p:childTnLst>
                               <p:par>
-                                <p:cTn id="26" presetID="2" presetClass="entr" presetSubtype="4" fill="hold" grpId="0" nodeType="afterEffect">
+                                <p:cTn id="23" presetID="2" presetClass="entr" presetSubtype="4" fill="hold" grpId="0" nodeType="withEffect">
                                   <p:stCondLst>
                                     <p:cond delay="0"/>
                                   </p:stCondLst>
                                   <p:childTnLst>
                                     <p:set>
                                       <p:cBhvr>
-                                        <p:cTn id="27" dur="1" fill="hold">
+                                        <p:cTn id="24" dur="1" fill="hold">
                                           <p:stCondLst>
                                             <p:cond delay="0"/>
                                           </p:stCondLst>
                                         </p:cTn>
                                         <p:tgtEl>
-                                          <p:spTgt spid="7">
+                                          <p:spTgt spid="5">
                                             <p:txEl>
                                               <p:pRg st="4" end="4"/>
                                             </p:txEl>
@@ -13176,9 +12067,9 @@
                                     </p:set>
                                     <p:anim calcmode="lin" valueType="num">
                                       <p:cBhvr additive="base">
-                                        <p:cTn id="28" dur="750" fill="hold"/>
-                                        <p:tgtEl>
-                                          <p:spTgt spid="7">
+                                        <p:cTn id="25" dur="750" fill="hold"/>
+                                        <p:tgtEl>
+                                          <p:spTgt spid="5">
                                             <p:txEl>
                                               <p:pRg st="4" end="4"/>
                                             </p:txEl>
@@ -13203,9 +12094,9 @@
                                     </p:anim>
                                     <p:anim calcmode="lin" valueType="num">
                                       <p:cBhvr additive="base">
-                                        <p:cTn id="29" dur="750" fill="hold"/>
-                                        <p:tgtEl>
-                                          <p:spTgt spid="7">
+                                        <p:cTn id="26" dur="750" fill="hold"/>
+                                        <p:tgtEl>
+                                          <p:spTgt spid="5">
                                             <p:txEl>
                                               <p:pRg st="4" end="4"/>
                                             </p:txEl>
@@ -13259,7 +12150,7 @@
       </p:par>
     </p:tnLst>
     <p:bldLst>
-      <p:bldP spid="7" grpId="0" uiExpand="1" build="p"/>
+      <p:bldP spid="5" grpId="0" build="p"/>
     </p:bldLst>
   </p:timing>
 </p:sld>
@@ -13316,7 +12207,30 @@
       </p:sp>
       <p:sp>
         <p:nvSpPr>
-          <p:cNvPr id="7" name="Content Placeholder 2"/>
+          <p:cNvPr id="3" name="Slide Number Placeholder 2"/>
+          <p:cNvSpPr>
+            <a:spLocks noGrp="1"/>
+          </p:cNvSpPr>
+          <p:nvPr>
+            <p:ph type="sldNum" sz="quarter" idx="12"/>
+          </p:nvPr>
+        </p:nvSpPr>
+        <p:spPr/>
+        <p:txBody>
+          <a:bodyPr/>
+          <a:lstStyle/>
+          <a:p>
+            <a:fld id="{91CCA55A-3F50-488D-A5E8-01F0969640CB}" type="slidenum">
+              <a:rPr lang="en-US" smtClean="0"/>
+              <a:t>12</a:t>
+            </a:fld>
+            <a:endParaRPr lang="en-US"/>
+          </a:p>
+        </p:txBody>
+      </p:sp>
+      <p:sp>
+        <p:nvSpPr>
+          <p:cNvPr id="5" name="Content Placeholder 2"/>
           <p:cNvSpPr txBox="1">
             <a:spLocks/>
           </p:cNvSpPr>
@@ -13657,7 +12571,7 @@
               <a:t>Tc et </a:t>
             </a:r>
             <a:r>
-              <a:rPr lang="fr-FR" sz="3400" dirty="0" err="1">
+              <a:rPr lang="fr-FR" sz="3400" dirty="0" err="1" smtClean="0">
                 <a:solidFill>
                   <a:schemeClr val="accent1">
                     <a:lumMod val="60000"/>
@@ -13671,50 +12585,10 @@
               <a:t>Tp</a:t>
             </a:r>
             <a:endParaRPr lang="fr-FR" sz="3400" dirty="0">
-              <a:solidFill>
-                <a:schemeClr val="accent1">
-                  <a:lumMod val="60000"/>
-                  <a:lumOff val="40000"/>
-                </a:schemeClr>
-              </a:solidFill>
               <a:latin typeface="Times New Roman" panose="02020603050405020304" pitchFamily="18" charset="0"/>
               <a:ea typeface="Times New Roman" panose="02020603050405020304" pitchFamily="18" charset="0"/>
               <a:cs typeface="Times New Roman" panose="02020603050405020304" pitchFamily="18" charset="0"/>
             </a:endParaRPr>
-          </a:p>
-          <a:p>
-            <a:pPr lvl="1"/>
-            <a:r>
-              <a:rPr lang="fr-FR" sz="3400" dirty="0">
-                <a:latin typeface="Times New Roman" panose="02020603050405020304" pitchFamily="18" charset="0"/>
-                <a:ea typeface="Times New Roman" panose="02020603050405020304" pitchFamily="18" charset="0"/>
-                <a:cs typeface="Times New Roman" panose="02020603050405020304" pitchFamily="18" charset="0"/>
-              </a:rPr>
-              <a:t>+Les paramètres d’une option standard</a:t>
-            </a:r>
-          </a:p>
-        </p:txBody>
-      </p:sp>
-      <p:sp>
-        <p:nvSpPr>
-          <p:cNvPr id="3" name="Slide Number Placeholder 2"/>
-          <p:cNvSpPr>
-            <a:spLocks noGrp="1"/>
-          </p:cNvSpPr>
-          <p:nvPr>
-            <p:ph type="sldNum" sz="quarter" idx="12"/>
-          </p:nvPr>
-        </p:nvSpPr>
-        <p:spPr/>
-        <p:txBody>
-          <a:bodyPr/>
-          <a:lstStyle/>
-          <a:p>
-            <a:fld id="{91CCA55A-3F50-488D-A5E8-01F0969640CB}" type="slidenum">
-              <a:rPr lang="en-US" smtClean="0"/>
-              <a:t>12</a:t>
-            </a:fld>
-            <a:endParaRPr lang="en-US"/>
           </a:p>
         </p:txBody>
       </p:sp>
@@ -13762,7 +12636,7 @@
                                           </p:stCondLst>
                                         </p:cTn>
                                         <p:tgtEl>
-                                          <p:spTgt spid="7">
+                                          <p:spTgt spid="5">
                                             <p:txEl>
                                               <p:pRg st="0" end="0"/>
                                             </p:txEl>
@@ -13780,7 +12654,7 @@
                                       <p:cBhvr additive="base">
                                         <p:cTn id="7" dur="500" fill="hold"/>
                                         <p:tgtEl>
-                                          <p:spTgt spid="7">
+                                          <p:spTgt spid="5">
                                             <p:txEl>
                                               <p:pRg st="0" end="0"/>
                                             </p:txEl>
@@ -13807,7 +12681,7 @@
                                       <p:cBhvr additive="base">
                                         <p:cTn id="8" dur="500" fill="hold"/>
                                         <p:tgtEl>
-                                          <p:spTgt spid="7">
+                                          <p:spTgt spid="5">
                                             <p:txEl>
                                               <p:pRg st="0" end="0"/>
                                             </p:txEl>
@@ -13847,7 +12721,7 @@
                                           </p:stCondLst>
                                         </p:cTn>
                                         <p:tgtEl>
-                                          <p:spTgt spid="7">
+                                          <p:spTgt spid="5">
                                             <p:txEl>
                                               <p:pRg st="1" end="1"/>
                                             </p:txEl>
@@ -13865,7 +12739,7 @@
                                       <p:cBhvr additive="base">
                                         <p:cTn id="11" dur="500" fill="hold"/>
                                         <p:tgtEl>
-                                          <p:spTgt spid="7">
+                                          <p:spTgt spid="5">
                                             <p:txEl>
                                               <p:pRg st="1" end="1"/>
                                             </p:txEl>
@@ -13892,7 +12766,7 @@
                                       <p:cBhvr additive="base">
                                         <p:cTn id="12" dur="500" fill="hold"/>
                                         <p:tgtEl>
-                                          <p:spTgt spid="7">
+                                          <p:spTgt spid="5">
                                             <p:txEl>
                                               <p:pRg st="1" end="1"/>
                                             </p:txEl>
@@ -13932,7 +12806,7 @@
                                           </p:stCondLst>
                                         </p:cTn>
                                         <p:tgtEl>
-                                          <p:spTgt spid="7">
+                                          <p:spTgt spid="5">
                                             <p:txEl>
                                               <p:pRg st="2" end="2"/>
                                             </p:txEl>
@@ -13950,7 +12824,7 @@
                                       <p:cBhvr additive="base">
                                         <p:cTn id="15" dur="500" fill="hold"/>
                                         <p:tgtEl>
-                                          <p:spTgt spid="7">
+                                          <p:spTgt spid="5">
                                             <p:txEl>
                                               <p:pRg st="2" end="2"/>
                                             </p:txEl>
@@ -13977,7 +12851,7 @@
                                       <p:cBhvr additive="base">
                                         <p:cTn id="16" dur="500" fill="hold"/>
                                         <p:tgtEl>
-                                          <p:spTgt spid="7">
+                                          <p:spTgt spid="5">
                                             <p:txEl>
                                               <p:pRg st="2" end="2"/>
                                             </p:txEl>
@@ -14017,7 +12891,7 @@
                                           </p:stCondLst>
                                         </p:cTn>
                                         <p:tgtEl>
-                                          <p:spTgt spid="7">
+                                          <p:spTgt spid="5">
                                             <p:txEl>
                                               <p:pRg st="3" end="3"/>
                                             </p:txEl>
@@ -14035,7 +12909,7 @@
                                       <p:cBhvr additive="base">
                                         <p:cTn id="19" dur="500" fill="hold"/>
                                         <p:tgtEl>
-                                          <p:spTgt spid="7">
+                                          <p:spTgt spid="5">
                                             <p:txEl>
                                               <p:pRg st="3" end="3"/>
                                             </p:txEl>
@@ -14062,94 +12936,9 @@
                                       <p:cBhvr additive="base">
                                         <p:cTn id="20" dur="500" fill="hold"/>
                                         <p:tgtEl>
-                                          <p:spTgt spid="7">
+                                          <p:spTgt spid="5">
                                             <p:txEl>
                                               <p:pRg st="3" end="3"/>
-                                            </p:txEl>
-                                          </p:spTgt>
-                                        </p:tgtEl>
-                                        <p:attrNameLst>
-                                          <p:attrName>ppt_y</p:attrName>
-                                        </p:attrNameLst>
-                                      </p:cBhvr>
-                                      <p:tavLst>
-                                        <p:tav tm="0">
-                                          <p:val>
-                                            <p:strVal val="1+#ppt_h/2"/>
-                                          </p:val>
-                                        </p:tav>
-                                        <p:tav tm="100000">
-                                          <p:val>
-                                            <p:strVal val="#ppt_y"/>
-                                          </p:val>
-                                        </p:tav>
-                                      </p:tavLst>
-                                    </p:anim>
-                                  </p:childTnLst>
-                                </p:cTn>
-                              </p:par>
-                              <p:par>
-                                <p:cTn id="21" presetID="2" presetClass="entr" presetSubtype="4" fill="hold" grpId="0" nodeType="withEffect">
-                                  <p:stCondLst>
-                                    <p:cond delay="0"/>
-                                  </p:stCondLst>
-                                  <p:childTnLst>
-                                    <p:set>
-                                      <p:cBhvr>
-                                        <p:cTn id="22" dur="1" fill="hold">
-                                          <p:stCondLst>
-                                            <p:cond delay="0"/>
-                                          </p:stCondLst>
-                                        </p:cTn>
-                                        <p:tgtEl>
-                                          <p:spTgt spid="7">
-                                            <p:txEl>
-                                              <p:pRg st="4" end="4"/>
-                                            </p:txEl>
-                                          </p:spTgt>
-                                        </p:tgtEl>
-                                        <p:attrNameLst>
-                                          <p:attrName>style.visibility</p:attrName>
-                                        </p:attrNameLst>
-                                      </p:cBhvr>
-                                      <p:to>
-                                        <p:strVal val="visible"/>
-                                      </p:to>
-                                    </p:set>
-                                    <p:anim calcmode="lin" valueType="num">
-                                      <p:cBhvr additive="base">
-                                        <p:cTn id="23" dur="500" fill="hold"/>
-                                        <p:tgtEl>
-                                          <p:spTgt spid="7">
-                                            <p:txEl>
-                                              <p:pRg st="4" end="4"/>
-                                            </p:txEl>
-                                          </p:spTgt>
-                                        </p:tgtEl>
-                                        <p:attrNameLst>
-                                          <p:attrName>ppt_x</p:attrName>
-                                        </p:attrNameLst>
-                                      </p:cBhvr>
-                                      <p:tavLst>
-                                        <p:tav tm="0">
-                                          <p:val>
-                                            <p:strVal val="#ppt_x"/>
-                                          </p:val>
-                                        </p:tav>
-                                        <p:tav tm="100000">
-                                          <p:val>
-                                            <p:strVal val="#ppt_x"/>
-                                          </p:val>
-                                        </p:tav>
-                                      </p:tavLst>
-                                    </p:anim>
-                                    <p:anim calcmode="lin" valueType="num">
-                                      <p:cBhvr additive="base">
-                                        <p:cTn id="24" dur="500" fill="hold"/>
-                                        <p:tgtEl>
-                                          <p:spTgt spid="7">
-                                            <p:txEl>
-                                              <p:pRg st="4" end="4"/>
                                             </p:txEl>
                                           </p:spTgt>
                                         </p:tgtEl>
@@ -14201,7 +12990,7 @@
       </p:par>
     </p:tnLst>
     <p:bldLst>
-      <p:bldP spid="7" grpId="0" build="p"/>
+      <p:bldP spid="5" grpId="0" build="p"/>
     </p:bldLst>
   </p:timing>
 </p:sld>
@@ -17087,7 +15876,30 @@
       </p:sp>
       <p:sp>
         <p:nvSpPr>
-          <p:cNvPr id="25" name="Content Placeholder 2"/>
+          <p:cNvPr id="3" name="Slide Number Placeholder 2"/>
+          <p:cNvSpPr>
+            <a:spLocks noGrp="1"/>
+          </p:cNvSpPr>
+          <p:nvPr>
+            <p:ph type="sldNum" sz="quarter" idx="12"/>
+          </p:nvPr>
+        </p:nvSpPr>
+        <p:spPr/>
+        <p:txBody>
+          <a:bodyPr/>
+          <a:lstStyle/>
+          <a:p>
+            <a:fld id="{91CCA55A-3F50-488D-A5E8-01F0969640CB}" type="slidenum">
+              <a:rPr lang="en-US" smtClean="0"/>
+              <a:t>14</a:t>
+            </a:fld>
+            <a:endParaRPr lang="en-US"/>
+          </a:p>
+        </p:txBody>
+      </p:sp>
+      <p:sp>
+        <p:nvSpPr>
+          <p:cNvPr id="6" name="Content Placeholder 2"/>
           <p:cNvSpPr txBox="1">
             <a:spLocks/>
           </p:cNvSpPr>
@@ -17111,7 +15923,7 @@
         </p:spPr>
         <p:txBody>
           <a:bodyPr vert="horz" lIns="91440" tIns="45720" rIns="91440" bIns="45720" rtlCol="0" anchor="ctr">
-            <a:normAutofit/>
+            <a:normAutofit lnSpcReduction="10000"/>
           </a:bodyPr>
           <a:lstStyle>
             <a:lvl1pPr marL="342900" indent="-342900" algn="l" defTabSz="457200" rtl="0" eaLnBrk="1" latinLnBrk="0" hangingPunct="1">
@@ -17314,7 +16126,7 @@
             <a:pPr lvl="1"/>
             <a:r>
               <a:rPr lang="fr-FR" sz="2400" dirty="0" smtClean="0"/>
-              <a:t>Plus risquée que la stratégie </a:t>
+              <a:t>Plus risquée mais moins chère que la stratégie </a:t>
             </a:r>
             <a:r>
               <a:rPr lang="fr-FR" sz="2400" dirty="0" smtClean="0">
@@ -17372,8 +16184,16 @@
               <a:buChar char="v"/>
             </a:pPr>
             <a:r>
+              <a:rPr lang="fr-FR" sz="3200" dirty="0"/>
+              <a:t>P</a:t>
+            </a:r>
+            <a:r>
               <a:rPr lang="fr-FR" sz="3200" dirty="0" smtClean="0"/>
-              <a:t>plus chère qu’une option vanille</a:t>
+              <a:t>lus </a:t>
+            </a:r>
+            <a:r>
+              <a:rPr lang="fr-FR" sz="3200" dirty="0" smtClean="0"/>
+              <a:t>chère qu’une option vanille</a:t>
             </a:r>
           </a:p>
           <a:p>
@@ -17383,29 +16203,6 @@
               <a:t>Individu averse au risque.</a:t>
             </a:r>
             <a:endParaRPr lang="fr-FR" sz="2400" dirty="0"/>
-          </a:p>
-        </p:txBody>
-      </p:sp>
-      <p:sp>
-        <p:nvSpPr>
-          <p:cNvPr id="3" name="Slide Number Placeholder 2"/>
-          <p:cNvSpPr>
-            <a:spLocks noGrp="1"/>
-          </p:cNvSpPr>
-          <p:nvPr>
-            <p:ph type="sldNum" sz="quarter" idx="12"/>
-          </p:nvPr>
-        </p:nvSpPr>
-        <p:spPr/>
-        <p:txBody>
-          <a:bodyPr/>
-          <a:lstStyle/>
-          <a:p>
-            <a:fld id="{91CCA55A-3F50-488D-A5E8-01F0969640CB}" type="slidenum">
-              <a:rPr lang="en-US" smtClean="0"/>
-              <a:t>14</a:t>
-            </a:fld>
-            <a:endParaRPr lang="en-US"/>
           </a:p>
         </p:txBody>
       </p:sp>
@@ -17453,7 +16250,7 @@
                                           </p:stCondLst>
                                         </p:cTn>
                                         <p:tgtEl>
-                                          <p:spTgt spid="25">
+                                          <p:spTgt spid="6">
                                             <p:txEl>
                                               <p:pRg st="0" end="0"/>
                                             </p:txEl>
@@ -17471,7 +16268,7 @@
                                       <p:cBhvr additive="base">
                                         <p:cTn id="7" dur="500" fill="hold"/>
                                         <p:tgtEl>
-                                          <p:spTgt spid="25">
+                                          <p:spTgt spid="6">
                                             <p:txEl>
                                               <p:pRg st="0" end="0"/>
                                             </p:txEl>
@@ -17498,7 +16295,7 @@
                                       <p:cBhvr additive="base">
                                         <p:cTn id="8" dur="500" fill="hold"/>
                                         <p:tgtEl>
-                                          <p:spTgt spid="25">
+                                          <p:spTgt spid="6">
                                             <p:txEl>
                                               <p:pRg st="0" end="0"/>
                                             </p:txEl>
@@ -17538,7 +16335,7 @@
                                           </p:stCondLst>
                                         </p:cTn>
                                         <p:tgtEl>
-                                          <p:spTgt spid="25">
+                                          <p:spTgt spid="6">
                                             <p:txEl>
                                               <p:pRg st="1" end="1"/>
                                             </p:txEl>
@@ -17556,7 +16353,7 @@
                                       <p:cBhvr additive="base">
                                         <p:cTn id="11" dur="500" fill="hold"/>
                                         <p:tgtEl>
-                                          <p:spTgt spid="25">
+                                          <p:spTgt spid="6">
                                             <p:txEl>
                                               <p:pRg st="1" end="1"/>
                                             </p:txEl>
@@ -17583,7 +16380,7 @@
                                       <p:cBhvr additive="base">
                                         <p:cTn id="12" dur="500" fill="hold"/>
                                         <p:tgtEl>
-                                          <p:spTgt spid="25">
+                                          <p:spTgt spid="6">
                                             <p:txEl>
                                               <p:pRg st="1" end="1"/>
                                             </p:txEl>
@@ -17641,7 +16438,7 @@
                                           </p:stCondLst>
                                         </p:cTn>
                                         <p:tgtEl>
-                                          <p:spTgt spid="25">
+                                          <p:spTgt spid="6">
                                             <p:txEl>
                                               <p:pRg st="2" end="2"/>
                                             </p:txEl>
@@ -17659,7 +16456,7 @@
                                       <p:cBhvr additive="base">
                                         <p:cTn id="17" dur="500" fill="hold"/>
                                         <p:tgtEl>
-                                          <p:spTgt spid="25">
+                                          <p:spTgt spid="6">
                                             <p:txEl>
                                               <p:pRg st="2" end="2"/>
                                             </p:txEl>
@@ -17686,7 +16483,7 @@
                                       <p:cBhvr additive="base">
                                         <p:cTn id="18" dur="500" fill="hold"/>
                                         <p:tgtEl>
-                                          <p:spTgt spid="25">
+                                          <p:spTgt spid="6">
                                             <p:txEl>
                                               <p:pRg st="2" end="2"/>
                                             </p:txEl>
@@ -17744,7 +16541,7 @@
                                           </p:stCondLst>
                                         </p:cTn>
                                         <p:tgtEl>
-                                          <p:spTgt spid="25">
+                                          <p:spTgt spid="6">
                                             <p:txEl>
                                               <p:pRg st="3" end="3"/>
                                             </p:txEl>
@@ -17762,7 +16559,7 @@
                                       <p:cBhvr additive="base">
                                         <p:cTn id="23" dur="500" fill="hold"/>
                                         <p:tgtEl>
-                                          <p:spTgt spid="25">
+                                          <p:spTgt spid="6">
                                             <p:txEl>
                                               <p:pRg st="3" end="3"/>
                                             </p:txEl>
@@ -17789,7 +16586,7 @@
                                       <p:cBhvr additive="base">
                                         <p:cTn id="24" dur="500" fill="hold"/>
                                         <p:tgtEl>
-                                          <p:spTgt spid="25">
+                                          <p:spTgt spid="6">
                                             <p:txEl>
                                               <p:pRg st="3" end="3"/>
                                             </p:txEl>
@@ -17829,7 +16626,7 @@
                                           </p:stCondLst>
                                         </p:cTn>
                                         <p:tgtEl>
-                                          <p:spTgt spid="25">
+                                          <p:spTgt spid="6">
                                             <p:txEl>
                                               <p:pRg st="4" end="4"/>
                                             </p:txEl>
@@ -17847,7 +16644,7 @@
                                       <p:cBhvr additive="base">
                                         <p:cTn id="27" dur="500" fill="hold"/>
                                         <p:tgtEl>
-                                          <p:spTgt spid="25">
+                                          <p:spTgt spid="6">
                                             <p:txEl>
                                               <p:pRg st="4" end="4"/>
                                             </p:txEl>
@@ -17874,7 +16671,7 @@
                                       <p:cBhvr additive="base">
                                         <p:cTn id="28" dur="500" fill="hold"/>
                                         <p:tgtEl>
-                                          <p:spTgt spid="25">
+                                          <p:spTgt spid="6">
                                             <p:txEl>
                                               <p:pRg st="4" end="4"/>
                                             </p:txEl>
@@ -17932,7 +16729,7 @@
                                           </p:stCondLst>
                                         </p:cTn>
                                         <p:tgtEl>
-                                          <p:spTgt spid="25">
+                                          <p:spTgt spid="6">
                                             <p:txEl>
                                               <p:pRg st="5" end="5"/>
                                             </p:txEl>
@@ -17950,7 +16747,7 @@
                                       <p:cBhvr additive="base">
                                         <p:cTn id="33" dur="500" fill="hold"/>
                                         <p:tgtEl>
-                                          <p:spTgt spid="25">
+                                          <p:spTgt spid="6">
                                             <p:txEl>
                                               <p:pRg st="5" end="5"/>
                                             </p:txEl>
@@ -17977,7 +16774,7 @@
                                       <p:cBhvr additive="base">
                                         <p:cTn id="34" dur="500" fill="hold"/>
                                         <p:tgtEl>
-                                          <p:spTgt spid="25">
+                                          <p:spTgt spid="6">
                                             <p:txEl>
                                               <p:pRg st="5" end="5"/>
                                             </p:txEl>
@@ -18017,7 +16814,7 @@
                                           </p:stCondLst>
                                         </p:cTn>
                                         <p:tgtEl>
-                                          <p:spTgt spid="25">
+                                          <p:spTgt spid="6">
                                             <p:txEl>
                                               <p:pRg st="6" end="6"/>
                                             </p:txEl>
@@ -18035,7 +16832,7 @@
                                       <p:cBhvr additive="base">
                                         <p:cTn id="37" dur="500" fill="hold"/>
                                         <p:tgtEl>
-                                          <p:spTgt spid="25">
+                                          <p:spTgt spid="6">
                                             <p:txEl>
                                               <p:pRg st="6" end="6"/>
                                             </p:txEl>
@@ -18062,7 +16859,7 @@
                                       <p:cBhvr additive="base">
                                         <p:cTn id="38" dur="500" fill="hold"/>
                                         <p:tgtEl>
-                                          <p:spTgt spid="25">
+                                          <p:spTgt spid="6">
                                             <p:txEl>
                                               <p:pRg st="6" end="6"/>
                                             </p:txEl>
@@ -18116,7 +16913,7 @@
       </p:par>
     </p:tnLst>
     <p:bldLst>
-      <p:bldP spid="25" grpId="0" build="p"/>
+      <p:bldP spid="6" grpId="0" build="p"/>
     </p:bldLst>
   </p:timing>
 </p:sld>

--- a/report and presentation/QuantLib1.3 16-01-2014-modified version.pptx
+++ b/report and presentation/QuantLib1.3 16-01-2014-modified version.pptx
@@ -135,7 +135,7 @@
   </p:defaultTextStyle>
   <p:extLst>
     <p:ext uri="{EFAFB233-063F-42B5-8137-9DF3F51BA10A}">
-      <p15:sldGuideLst xmlns:p15="http://schemas.microsoft.com/office/powerpoint/2012/main"/>
+      <p15:sldGuideLst xmlns:p15="http://schemas.microsoft.com/office/powerpoint/2012/main" xmlns=""/>
     </p:ext>
   </p:extLst>
 </p:presentation>
@@ -146,7 +146,7 @@
   <p:cmAuthor id="1" name="Compte Microsoft" initials="CM" lastIdx="1" clrIdx="0">
     <p:extLst>
       <p:ext uri="{19B8F6BF-5375-455C-9EA6-DF929625EA0E}">
-        <p15:presenceInfo xmlns:p15="http://schemas.microsoft.com/office/powerpoint/2012/main" userId="256705d7ec642531" providerId="Windows Live"/>
+        <p15:presenceInfo xmlns:p15="http://schemas.microsoft.com/office/powerpoint/2012/main" xmlns="" userId="256705d7ec642531" providerId="Windows Live"/>
       </p:ext>
     </p:extLst>
   </p:cmAuthor>
@@ -160,7 +160,7 @@
     <p:text/>
     <p:extLst>
       <p:ext uri="{C676402C-5697-4E1C-873F-D02D1690AC5C}">
-        <p15:threadingInfo xmlns:p15="http://schemas.microsoft.com/office/powerpoint/2012/main" timeZoneBias="-60"/>
+        <p15:threadingInfo xmlns:p15="http://schemas.microsoft.com/office/powerpoint/2012/main" xmlns="" timeZoneBias="-60"/>
       </p:ext>
     </p:extLst>
   </p:cm>
@@ -1894,6 +1894,1081 @@
       <dsp:cNvGrpSpPr/>
     </dsp:nvGrpSpPr>
     <dsp:grpSpPr/>
+    <dsp:sp modelId="{889AD724-97DC-4930-B9DB-DBAB3D123053}">
+      <dsp:nvSpPr>
+        <dsp:cNvPr id="0" name=""/>
+        <dsp:cNvSpPr/>
+      </dsp:nvSpPr>
+      <dsp:spPr>
+        <a:xfrm rot="5400000">
+          <a:off x="-119380" y="121787"/>
+          <a:ext cx="795868" cy="557108"/>
+        </a:xfrm>
+        <a:prstGeom prst="chevron">
+          <a:avLst/>
+        </a:prstGeom>
+        <a:blipFill rotWithShape="0">
+          <a:blip xmlns:r="http://schemas.openxmlformats.org/officeDocument/2006/relationships" r:embed="rId1">
+            <a:duotone>
+              <a:schemeClr val="accent1">
+                <a:hueOff val="0"/>
+                <a:satOff val="0"/>
+                <a:lumOff val="0"/>
+                <a:alphaOff val="0"/>
+                <a:tint val="98000"/>
+                <a:lumMod val="102000"/>
+              </a:schemeClr>
+              <a:schemeClr val="accent1">
+                <a:hueOff val="0"/>
+                <a:satOff val="0"/>
+                <a:lumOff val="0"/>
+                <a:alphaOff val="0"/>
+                <a:shade val="98000"/>
+                <a:lumMod val="98000"/>
+              </a:schemeClr>
+            </a:duotone>
+          </a:blip>
+          <a:tile tx="0" ty="0" sx="100000" sy="100000" flip="none" algn="tl"/>
+        </a:blipFill>
+        <a:ln w="9525" cap="rnd" cmpd="sng" algn="ctr">
+          <a:solidFill>
+            <a:schemeClr val="accent1">
+              <a:hueOff val="0"/>
+              <a:satOff val="0"/>
+              <a:lumOff val="0"/>
+              <a:alphaOff val="0"/>
+            </a:schemeClr>
+          </a:solidFill>
+          <a:prstDash val="solid"/>
+        </a:ln>
+        <a:effectLst>
+          <a:innerShdw blurRad="63500" dist="25400" dir="13500000">
+            <a:srgbClr val="000000">
+              <a:alpha val="75000"/>
+            </a:srgbClr>
+          </a:innerShdw>
+        </a:effectLst>
+      </dsp:spPr>
+      <dsp:style>
+        <a:lnRef idx="1">
+          <a:scrgbClr r="0" g="0" b="0"/>
+        </a:lnRef>
+        <a:fillRef idx="3">
+          <a:scrgbClr r="0" g="0" b="0"/>
+        </a:fillRef>
+        <a:effectRef idx="3">
+          <a:scrgbClr r="0" g="0" b="0"/>
+        </a:effectRef>
+        <a:fontRef idx="minor">
+          <a:schemeClr val="lt1"/>
+        </a:fontRef>
+      </dsp:style>
+      <dsp:txBody>
+        <a:bodyPr spcFirstLastPara="0" vert="horz" wrap="square" lIns="22860" tIns="22860" rIns="22860" bIns="22860" numCol="1" spcCol="1270" anchor="ctr" anchorCtr="0">
+          <a:noAutofit/>
+        </a:bodyPr>
+        <a:lstStyle/>
+        <a:p>
+          <a:pPr lvl="0" algn="ctr" defTabSz="1600200">
+            <a:lnSpc>
+              <a:spcPct val="90000"/>
+            </a:lnSpc>
+            <a:spcBef>
+              <a:spcPct val="0"/>
+            </a:spcBef>
+            <a:spcAft>
+              <a:spcPct val="35000"/>
+            </a:spcAft>
+          </a:pPr>
+          <a:endParaRPr lang="fr-FR" sz="3600" b="1" kern="1200" noProof="0" dirty="0">
+            <a:solidFill>
+              <a:schemeClr val="bg1">
+                <a:lumMod val="95000"/>
+                <a:lumOff val="5000"/>
+              </a:schemeClr>
+            </a:solidFill>
+          </a:endParaRPr>
+        </a:p>
+      </dsp:txBody>
+      <dsp:txXfrm rot="-5400000">
+        <a:off x="0" y="280961"/>
+        <a:ext cx="557108" cy="238760"/>
+      </dsp:txXfrm>
+    </dsp:sp>
+    <dsp:sp modelId="{CF20245F-33D4-466F-898E-F5BB18451CED}">
+      <dsp:nvSpPr>
+        <dsp:cNvPr id="0" name=""/>
+        <dsp:cNvSpPr/>
+      </dsp:nvSpPr>
+      <dsp:spPr>
+        <a:xfrm rot="5400000">
+          <a:off x="4216583" y="-3657068"/>
+          <a:ext cx="517314" cy="7836265"/>
+        </a:xfrm>
+        <a:prstGeom prst="round2SameRect">
+          <a:avLst/>
+        </a:prstGeom>
+        <a:solidFill>
+          <a:schemeClr val="bg1">
+            <a:lumMod val="95000"/>
+            <a:lumOff val="5000"/>
+            <a:alpha val="90000"/>
+          </a:schemeClr>
+        </a:solidFill>
+        <a:ln w="9525" cap="rnd" cmpd="sng" algn="ctr">
+          <a:solidFill>
+            <a:schemeClr val="accent1">
+              <a:hueOff val="0"/>
+              <a:satOff val="0"/>
+              <a:lumOff val="0"/>
+              <a:alphaOff val="0"/>
+            </a:schemeClr>
+          </a:solidFill>
+          <a:prstDash val="solid"/>
+        </a:ln>
+        <a:effectLst/>
+      </dsp:spPr>
+      <dsp:style>
+        <a:lnRef idx="1">
+          <a:scrgbClr r="0" g="0" b="0"/>
+        </a:lnRef>
+        <a:fillRef idx="1">
+          <a:scrgbClr r="0" g="0" b="0"/>
+        </a:fillRef>
+        <a:effectRef idx="2">
+          <a:scrgbClr r="0" g="0" b="0"/>
+        </a:effectRef>
+        <a:fontRef idx="minor"/>
+      </dsp:style>
+      <dsp:txBody>
+        <a:bodyPr spcFirstLastPara="0" vert="horz" wrap="square" lIns="256032" tIns="22860" rIns="22860" bIns="22860" numCol="1" spcCol="1270" anchor="ctr" anchorCtr="0">
+          <a:noAutofit/>
+        </a:bodyPr>
+        <a:lstStyle/>
+        <a:p>
+          <a:pPr marL="285750" lvl="1" indent="-285750" algn="l" defTabSz="1600200">
+            <a:lnSpc>
+              <a:spcPct val="90000"/>
+            </a:lnSpc>
+            <a:spcBef>
+              <a:spcPct val="0"/>
+            </a:spcBef>
+            <a:spcAft>
+              <a:spcPct val="15000"/>
+            </a:spcAft>
+            <a:buChar char="••"/>
+          </a:pPr>
+          <a:r>
+            <a:rPr lang="fr-FR" sz="3600" b="1" kern="1200" noProof="0" dirty="0" smtClean="0">
+              <a:solidFill>
+                <a:schemeClr val="accent1">
+                  <a:lumMod val="75000"/>
+                </a:schemeClr>
+              </a:solidFill>
+            </a:rPr>
+            <a:t>I-QuantLib</a:t>
+          </a:r>
+          <a:endParaRPr lang="fr-FR" sz="3600" b="1" kern="1200" noProof="0" dirty="0">
+            <a:solidFill>
+              <a:schemeClr val="accent1">
+                <a:lumMod val="75000"/>
+              </a:schemeClr>
+            </a:solidFill>
+          </a:endParaRPr>
+        </a:p>
+      </dsp:txBody>
+      <dsp:txXfrm rot="-5400000">
+        <a:off x="557108" y="27660"/>
+        <a:ext cx="7811012" cy="466808"/>
+      </dsp:txXfrm>
+    </dsp:sp>
+    <dsp:sp modelId="{50E7F155-0B28-4EB8-A3DA-F62B28ED4788}">
+      <dsp:nvSpPr>
+        <dsp:cNvPr id="0" name=""/>
+        <dsp:cNvSpPr/>
+      </dsp:nvSpPr>
+      <dsp:spPr>
+        <a:xfrm rot="5400000">
+          <a:off x="-119380" y="818098"/>
+          <a:ext cx="795868" cy="557108"/>
+        </a:xfrm>
+        <a:prstGeom prst="chevron">
+          <a:avLst/>
+        </a:prstGeom>
+        <a:blipFill rotWithShape="0">
+          <a:blip xmlns:r="http://schemas.openxmlformats.org/officeDocument/2006/relationships" r:embed="rId1">
+            <a:duotone>
+              <a:schemeClr val="accent1">
+                <a:hueOff val="0"/>
+                <a:satOff val="0"/>
+                <a:lumOff val="0"/>
+                <a:alphaOff val="0"/>
+                <a:tint val="98000"/>
+                <a:lumMod val="102000"/>
+              </a:schemeClr>
+              <a:schemeClr val="accent1">
+                <a:hueOff val="0"/>
+                <a:satOff val="0"/>
+                <a:lumOff val="0"/>
+                <a:alphaOff val="0"/>
+                <a:shade val="98000"/>
+                <a:lumMod val="98000"/>
+              </a:schemeClr>
+            </a:duotone>
+          </a:blip>
+          <a:tile tx="0" ty="0" sx="100000" sy="100000" flip="none" algn="tl"/>
+        </a:blipFill>
+        <a:ln w="9525" cap="rnd" cmpd="sng" algn="ctr">
+          <a:solidFill>
+            <a:schemeClr val="accent1">
+              <a:hueOff val="0"/>
+              <a:satOff val="0"/>
+              <a:lumOff val="0"/>
+              <a:alphaOff val="0"/>
+            </a:schemeClr>
+          </a:solidFill>
+          <a:prstDash val="solid"/>
+        </a:ln>
+        <a:effectLst>
+          <a:innerShdw blurRad="63500" dist="25400" dir="13500000">
+            <a:srgbClr val="000000">
+              <a:alpha val="75000"/>
+            </a:srgbClr>
+          </a:innerShdw>
+        </a:effectLst>
+      </dsp:spPr>
+      <dsp:style>
+        <a:lnRef idx="1">
+          <a:scrgbClr r="0" g="0" b="0"/>
+        </a:lnRef>
+        <a:fillRef idx="3">
+          <a:scrgbClr r="0" g="0" b="0"/>
+        </a:fillRef>
+        <a:effectRef idx="3">
+          <a:scrgbClr r="0" g="0" b="0"/>
+        </a:effectRef>
+        <a:fontRef idx="minor">
+          <a:schemeClr val="lt1"/>
+        </a:fontRef>
+      </dsp:style>
+      <dsp:txBody>
+        <a:bodyPr spcFirstLastPara="0" vert="horz" wrap="square" lIns="22860" tIns="22860" rIns="22860" bIns="22860" numCol="1" spcCol="1270" anchor="ctr" anchorCtr="0">
+          <a:noAutofit/>
+        </a:bodyPr>
+        <a:lstStyle/>
+        <a:p>
+          <a:pPr lvl="0" algn="ctr" defTabSz="1600200">
+            <a:lnSpc>
+              <a:spcPct val="90000"/>
+            </a:lnSpc>
+            <a:spcBef>
+              <a:spcPct val="0"/>
+            </a:spcBef>
+            <a:spcAft>
+              <a:spcPct val="35000"/>
+            </a:spcAft>
+          </a:pPr>
+          <a:endParaRPr lang="fr-FR" sz="3600" b="1" kern="1200" noProof="0" dirty="0">
+            <a:solidFill>
+              <a:schemeClr val="tx1">
+                <a:lumMod val="75000"/>
+              </a:schemeClr>
+            </a:solidFill>
+          </a:endParaRPr>
+        </a:p>
+      </dsp:txBody>
+      <dsp:txXfrm rot="-5400000">
+        <a:off x="0" y="977272"/>
+        <a:ext cx="557108" cy="238760"/>
+      </dsp:txXfrm>
+    </dsp:sp>
+    <dsp:sp modelId="{5D21B0F4-0BFF-4375-93B3-BD56BB6213EC}">
+      <dsp:nvSpPr>
+        <dsp:cNvPr id="0" name=""/>
+        <dsp:cNvSpPr/>
+      </dsp:nvSpPr>
+      <dsp:spPr>
+        <a:xfrm rot="5400000">
+          <a:off x="4216583" y="-2960757"/>
+          <a:ext cx="517314" cy="7836265"/>
+        </a:xfrm>
+        <a:prstGeom prst="round2SameRect">
+          <a:avLst/>
+        </a:prstGeom>
+        <a:solidFill>
+          <a:schemeClr val="bg1">
+            <a:lumMod val="95000"/>
+            <a:lumOff val="5000"/>
+            <a:alpha val="90000"/>
+          </a:schemeClr>
+        </a:solidFill>
+        <a:ln w="9525" cap="rnd" cmpd="sng" algn="ctr">
+          <a:solidFill>
+            <a:schemeClr val="accent1">
+              <a:hueOff val="0"/>
+              <a:satOff val="0"/>
+              <a:lumOff val="0"/>
+              <a:alphaOff val="0"/>
+            </a:schemeClr>
+          </a:solidFill>
+          <a:prstDash val="solid"/>
+        </a:ln>
+        <a:effectLst/>
+      </dsp:spPr>
+      <dsp:style>
+        <a:lnRef idx="1">
+          <a:scrgbClr r="0" g="0" b="0"/>
+        </a:lnRef>
+        <a:fillRef idx="1">
+          <a:scrgbClr r="0" g="0" b="0"/>
+        </a:fillRef>
+        <a:effectRef idx="2">
+          <a:scrgbClr r="0" g="0" b="0"/>
+        </a:effectRef>
+        <a:fontRef idx="minor"/>
+      </dsp:style>
+      <dsp:txBody>
+        <a:bodyPr spcFirstLastPara="0" vert="horz" wrap="square" lIns="256032" tIns="22860" rIns="22860" bIns="22860" numCol="1" spcCol="1270" anchor="ctr" anchorCtr="0">
+          <a:noAutofit/>
+        </a:bodyPr>
+        <a:lstStyle/>
+        <a:p>
+          <a:pPr marL="285750" lvl="1" indent="-285750" algn="l" defTabSz="1600200">
+            <a:lnSpc>
+              <a:spcPct val="90000"/>
+            </a:lnSpc>
+            <a:spcBef>
+              <a:spcPct val="0"/>
+            </a:spcBef>
+            <a:spcAft>
+              <a:spcPct val="15000"/>
+            </a:spcAft>
+            <a:buChar char="••"/>
+          </a:pPr>
+          <a:r>
+            <a:rPr lang="fr-FR" sz="3600" b="1" kern="1200" noProof="0" dirty="0" smtClean="0">
+              <a:solidFill>
+                <a:schemeClr val="accent1">
+                  <a:lumMod val="75000"/>
+                </a:schemeClr>
+              </a:solidFill>
+            </a:rPr>
+            <a:t>II-Les composons de QuantLib</a:t>
+          </a:r>
+        </a:p>
+      </dsp:txBody>
+      <dsp:txXfrm rot="-5400000">
+        <a:off x="557108" y="723971"/>
+        <a:ext cx="7811012" cy="466808"/>
+      </dsp:txXfrm>
+    </dsp:sp>
+    <dsp:sp modelId="{F19540CE-E2C5-4FD1-A90C-A623A7080392}">
+      <dsp:nvSpPr>
+        <dsp:cNvPr id="0" name=""/>
+        <dsp:cNvSpPr/>
+      </dsp:nvSpPr>
+      <dsp:spPr>
+        <a:xfrm rot="5400000">
+          <a:off x="-119380" y="1514409"/>
+          <a:ext cx="795868" cy="557108"/>
+        </a:xfrm>
+        <a:prstGeom prst="chevron">
+          <a:avLst/>
+        </a:prstGeom>
+        <a:blipFill rotWithShape="0">
+          <a:blip xmlns:r="http://schemas.openxmlformats.org/officeDocument/2006/relationships" r:embed="rId1">
+            <a:duotone>
+              <a:schemeClr val="accent1">
+                <a:hueOff val="0"/>
+                <a:satOff val="0"/>
+                <a:lumOff val="0"/>
+                <a:alphaOff val="0"/>
+                <a:tint val="98000"/>
+                <a:lumMod val="102000"/>
+              </a:schemeClr>
+              <a:schemeClr val="accent1">
+                <a:hueOff val="0"/>
+                <a:satOff val="0"/>
+                <a:lumOff val="0"/>
+                <a:alphaOff val="0"/>
+                <a:shade val="98000"/>
+                <a:lumMod val="98000"/>
+              </a:schemeClr>
+            </a:duotone>
+          </a:blip>
+          <a:tile tx="0" ty="0" sx="100000" sy="100000" flip="none" algn="tl"/>
+        </a:blipFill>
+        <a:ln w="9525" cap="rnd" cmpd="sng" algn="ctr">
+          <a:solidFill>
+            <a:schemeClr val="accent1">
+              <a:hueOff val="0"/>
+              <a:satOff val="0"/>
+              <a:lumOff val="0"/>
+              <a:alphaOff val="0"/>
+            </a:schemeClr>
+          </a:solidFill>
+          <a:prstDash val="solid"/>
+        </a:ln>
+        <a:effectLst>
+          <a:innerShdw blurRad="63500" dist="25400" dir="13500000">
+            <a:srgbClr val="000000">
+              <a:alpha val="75000"/>
+            </a:srgbClr>
+          </a:innerShdw>
+        </a:effectLst>
+      </dsp:spPr>
+      <dsp:style>
+        <a:lnRef idx="1">
+          <a:scrgbClr r="0" g="0" b="0"/>
+        </a:lnRef>
+        <a:fillRef idx="3">
+          <a:scrgbClr r="0" g="0" b="0"/>
+        </a:fillRef>
+        <a:effectRef idx="3">
+          <a:scrgbClr r="0" g="0" b="0"/>
+        </a:effectRef>
+        <a:fontRef idx="minor">
+          <a:schemeClr val="lt1"/>
+        </a:fontRef>
+      </dsp:style>
+      <dsp:txBody>
+        <a:bodyPr spcFirstLastPara="0" vert="horz" wrap="square" lIns="22860" tIns="22860" rIns="22860" bIns="22860" numCol="1" spcCol="1270" anchor="ctr" anchorCtr="0">
+          <a:noAutofit/>
+        </a:bodyPr>
+        <a:lstStyle/>
+        <a:p>
+          <a:pPr lvl="0" algn="ctr" defTabSz="1600200">
+            <a:lnSpc>
+              <a:spcPct val="90000"/>
+            </a:lnSpc>
+            <a:spcBef>
+              <a:spcPct val="0"/>
+            </a:spcBef>
+            <a:spcAft>
+              <a:spcPct val="35000"/>
+            </a:spcAft>
+          </a:pPr>
+          <a:endParaRPr lang="fr-FR" sz="3600" b="1" kern="1200" noProof="0" dirty="0" smtClean="0">
+            <a:solidFill>
+              <a:schemeClr val="tx1">
+                <a:lumMod val="75000"/>
+              </a:schemeClr>
+            </a:solidFill>
+          </a:endParaRPr>
+        </a:p>
+      </dsp:txBody>
+      <dsp:txXfrm rot="-5400000">
+        <a:off x="0" y="1673583"/>
+        <a:ext cx="557108" cy="238760"/>
+      </dsp:txXfrm>
+    </dsp:sp>
+    <dsp:sp modelId="{3FF88047-6236-47E6-998D-4E3EA0983E72}">
+      <dsp:nvSpPr>
+        <dsp:cNvPr id="0" name=""/>
+        <dsp:cNvSpPr/>
+      </dsp:nvSpPr>
+      <dsp:spPr>
+        <a:xfrm rot="5400000">
+          <a:off x="4216583" y="-2264446"/>
+          <a:ext cx="517314" cy="7836265"/>
+        </a:xfrm>
+        <a:prstGeom prst="round2SameRect">
+          <a:avLst/>
+        </a:prstGeom>
+        <a:solidFill>
+          <a:schemeClr val="bg1">
+            <a:lumMod val="95000"/>
+            <a:lumOff val="5000"/>
+            <a:alpha val="90000"/>
+          </a:schemeClr>
+        </a:solidFill>
+        <a:ln w="9525" cap="rnd" cmpd="sng" algn="ctr">
+          <a:solidFill>
+            <a:schemeClr val="accent1">
+              <a:hueOff val="0"/>
+              <a:satOff val="0"/>
+              <a:lumOff val="0"/>
+              <a:alphaOff val="0"/>
+            </a:schemeClr>
+          </a:solidFill>
+          <a:prstDash val="solid"/>
+        </a:ln>
+        <a:effectLst/>
+      </dsp:spPr>
+      <dsp:style>
+        <a:lnRef idx="1">
+          <a:scrgbClr r="0" g="0" b="0"/>
+        </a:lnRef>
+        <a:fillRef idx="1">
+          <a:scrgbClr r="0" g="0" b="0"/>
+        </a:fillRef>
+        <a:effectRef idx="2">
+          <a:scrgbClr r="0" g="0" b="0"/>
+        </a:effectRef>
+        <a:fontRef idx="minor"/>
+      </dsp:style>
+      <dsp:txBody>
+        <a:bodyPr spcFirstLastPara="0" vert="horz" wrap="square" lIns="256032" tIns="22860" rIns="22860" bIns="22860" numCol="1" spcCol="1270" anchor="ctr" anchorCtr="0">
+          <a:noAutofit/>
+        </a:bodyPr>
+        <a:lstStyle/>
+        <a:p>
+          <a:pPr marL="285750" lvl="1" indent="-285750" algn="l" defTabSz="1600200">
+            <a:lnSpc>
+              <a:spcPct val="90000"/>
+            </a:lnSpc>
+            <a:spcBef>
+              <a:spcPct val="0"/>
+            </a:spcBef>
+            <a:spcAft>
+              <a:spcPct val="15000"/>
+            </a:spcAft>
+            <a:buChar char="••"/>
+          </a:pPr>
+          <a:r>
+            <a:rPr lang="fr-FR" sz="3600" b="1" kern="1200" noProof="0" smtClean="0">
+              <a:solidFill>
+                <a:schemeClr val="accent1">
+                  <a:lumMod val="75000"/>
+                </a:schemeClr>
+              </a:solidFill>
+            </a:rPr>
+            <a:t>III-Partial-Time-Barrier Options</a:t>
+          </a:r>
+          <a:endParaRPr lang="fr-FR" sz="3600" b="1" kern="1200" noProof="0" dirty="0" smtClean="0">
+            <a:solidFill>
+              <a:schemeClr val="accent1">
+                <a:lumMod val="75000"/>
+              </a:schemeClr>
+            </a:solidFill>
+          </a:endParaRPr>
+        </a:p>
+      </dsp:txBody>
+      <dsp:txXfrm rot="-5400000">
+        <a:off x="557108" y="1420282"/>
+        <a:ext cx="7811012" cy="466808"/>
+      </dsp:txXfrm>
+    </dsp:sp>
+    <dsp:sp modelId="{A6CE0B11-D65A-4EA5-AC61-673ADCCD0CA0}">
+      <dsp:nvSpPr>
+        <dsp:cNvPr id="0" name=""/>
+        <dsp:cNvSpPr/>
+      </dsp:nvSpPr>
+      <dsp:spPr>
+        <a:xfrm rot="5400000">
+          <a:off x="-119380" y="2210719"/>
+          <a:ext cx="795868" cy="557108"/>
+        </a:xfrm>
+        <a:prstGeom prst="chevron">
+          <a:avLst/>
+        </a:prstGeom>
+        <a:blipFill rotWithShape="0">
+          <a:blip xmlns:r="http://schemas.openxmlformats.org/officeDocument/2006/relationships" r:embed="rId1">
+            <a:duotone>
+              <a:schemeClr val="accent1">
+                <a:hueOff val="0"/>
+                <a:satOff val="0"/>
+                <a:lumOff val="0"/>
+                <a:alphaOff val="0"/>
+                <a:tint val="98000"/>
+                <a:lumMod val="102000"/>
+              </a:schemeClr>
+              <a:schemeClr val="accent1">
+                <a:hueOff val="0"/>
+                <a:satOff val="0"/>
+                <a:lumOff val="0"/>
+                <a:alphaOff val="0"/>
+                <a:shade val="98000"/>
+                <a:lumMod val="98000"/>
+              </a:schemeClr>
+            </a:duotone>
+          </a:blip>
+          <a:tile tx="0" ty="0" sx="100000" sy="100000" flip="none" algn="tl"/>
+        </a:blipFill>
+        <a:ln w="9525" cap="rnd" cmpd="sng" algn="ctr">
+          <a:solidFill>
+            <a:schemeClr val="accent1">
+              <a:hueOff val="0"/>
+              <a:satOff val="0"/>
+              <a:lumOff val="0"/>
+              <a:alphaOff val="0"/>
+            </a:schemeClr>
+          </a:solidFill>
+          <a:prstDash val="solid"/>
+        </a:ln>
+        <a:effectLst>
+          <a:innerShdw blurRad="63500" dist="25400" dir="13500000">
+            <a:srgbClr val="000000">
+              <a:alpha val="75000"/>
+            </a:srgbClr>
+          </a:innerShdw>
+        </a:effectLst>
+      </dsp:spPr>
+      <dsp:style>
+        <a:lnRef idx="1">
+          <a:scrgbClr r="0" g="0" b="0"/>
+        </a:lnRef>
+        <a:fillRef idx="3">
+          <a:scrgbClr r="0" g="0" b="0"/>
+        </a:fillRef>
+        <a:effectRef idx="3">
+          <a:scrgbClr r="0" g="0" b="0"/>
+        </a:effectRef>
+        <a:fontRef idx="minor">
+          <a:schemeClr val="lt1"/>
+        </a:fontRef>
+      </dsp:style>
+      <dsp:txBody>
+        <a:bodyPr spcFirstLastPara="0" vert="horz" wrap="square" lIns="22860" tIns="22860" rIns="22860" bIns="22860" numCol="1" spcCol="1270" anchor="ctr" anchorCtr="0">
+          <a:noAutofit/>
+        </a:bodyPr>
+        <a:lstStyle/>
+        <a:p>
+          <a:pPr lvl="0" algn="ctr" defTabSz="1600200">
+            <a:lnSpc>
+              <a:spcPct val="90000"/>
+            </a:lnSpc>
+            <a:spcBef>
+              <a:spcPct val="0"/>
+            </a:spcBef>
+            <a:spcAft>
+              <a:spcPct val="35000"/>
+            </a:spcAft>
+          </a:pPr>
+          <a:endParaRPr lang="fr-FR" sz="3600" b="1" kern="1200" noProof="0" dirty="0" smtClean="0">
+            <a:solidFill>
+              <a:schemeClr val="tx1">
+                <a:lumMod val="75000"/>
+              </a:schemeClr>
+            </a:solidFill>
+          </a:endParaRPr>
+        </a:p>
+      </dsp:txBody>
+      <dsp:txXfrm rot="-5400000">
+        <a:off x="0" y="2369893"/>
+        <a:ext cx="557108" cy="238760"/>
+      </dsp:txXfrm>
+    </dsp:sp>
+    <dsp:sp modelId="{8AB5A1D8-F846-4952-91D5-8A7FE5012D93}">
+      <dsp:nvSpPr>
+        <dsp:cNvPr id="0" name=""/>
+        <dsp:cNvSpPr/>
+      </dsp:nvSpPr>
+      <dsp:spPr>
+        <a:xfrm rot="5400000">
+          <a:off x="4216583" y="-1568136"/>
+          <a:ext cx="517314" cy="7836265"/>
+        </a:xfrm>
+        <a:prstGeom prst="round2SameRect">
+          <a:avLst/>
+        </a:prstGeom>
+        <a:solidFill>
+          <a:schemeClr val="bg1">
+            <a:lumMod val="95000"/>
+            <a:lumOff val="5000"/>
+            <a:alpha val="90000"/>
+          </a:schemeClr>
+        </a:solidFill>
+        <a:ln w="9525" cap="rnd" cmpd="sng" algn="ctr">
+          <a:solidFill>
+            <a:schemeClr val="accent1">
+              <a:hueOff val="0"/>
+              <a:satOff val="0"/>
+              <a:lumOff val="0"/>
+              <a:alphaOff val="0"/>
+            </a:schemeClr>
+          </a:solidFill>
+          <a:prstDash val="solid"/>
+        </a:ln>
+        <a:effectLst/>
+      </dsp:spPr>
+      <dsp:style>
+        <a:lnRef idx="1">
+          <a:scrgbClr r="0" g="0" b="0"/>
+        </a:lnRef>
+        <a:fillRef idx="1">
+          <a:scrgbClr r="0" g="0" b="0"/>
+        </a:fillRef>
+        <a:effectRef idx="2">
+          <a:scrgbClr r="0" g="0" b="0"/>
+        </a:effectRef>
+        <a:fontRef idx="minor"/>
+      </dsp:style>
+      <dsp:txBody>
+        <a:bodyPr spcFirstLastPara="0" vert="horz" wrap="square" lIns="256032" tIns="22860" rIns="22860" bIns="22860" numCol="1" spcCol="1270" anchor="ctr" anchorCtr="0">
+          <a:noAutofit/>
+        </a:bodyPr>
+        <a:lstStyle/>
+        <a:p>
+          <a:pPr marL="285750" lvl="1" indent="-285750" algn="l" defTabSz="1600200">
+            <a:lnSpc>
+              <a:spcPct val="90000"/>
+            </a:lnSpc>
+            <a:spcBef>
+              <a:spcPct val="0"/>
+            </a:spcBef>
+            <a:spcAft>
+              <a:spcPct val="15000"/>
+            </a:spcAft>
+            <a:buChar char="••"/>
+          </a:pPr>
+          <a:r>
+            <a:rPr lang="fr-FR" sz="3600" b="1" kern="1200" noProof="0" dirty="0" smtClean="0">
+              <a:solidFill>
+                <a:schemeClr val="accent1">
+                  <a:lumMod val="75000"/>
+                </a:schemeClr>
+              </a:solidFill>
+            </a:rPr>
+            <a:t>IV-Complex Chooser Options</a:t>
+          </a:r>
+        </a:p>
+      </dsp:txBody>
+      <dsp:txXfrm rot="-5400000">
+        <a:off x="557108" y="2116592"/>
+        <a:ext cx="7811012" cy="466808"/>
+      </dsp:txXfrm>
+    </dsp:sp>
+    <dsp:sp modelId="{B42C3359-B3EE-455E-8DA8-EEADBB34ADA4}">
+      <dsp:nvSpPr>
+        <dsp:cNvPr id="0" name=""/>
+        <dsp:cNvSpPr/>
+      </dsp:nvSpPr>
+      <dsp:spPr>
+        <a:xfrm rot="5400000">
+          <a:off x="-119380" y="2907030"/>
+          <a:ext cx="795868" cy="557108"/>
+        </a:xfrm>
+        <a:prstGeom prst="chevron">
+          <a:avLst/>
+        </a:prstGeom>
+        <a:blipFill rotWithShape="0">
+          <a:blip xmlns:r="http://schemas.openxmlformats.org/officeDocument/2006/relationships" r:embed="rId1">
+            <a:duotone>
+              <a:schemeClr val="accent1">
+                <a:hueOff val="0"/>
+                <a:satOff val="0"/>
+                <a:lumOff val="0"/>
+                <a:alphaOff val="0"/>
+                <a:tint val="98000"/>
+                <a:lumMod val="102000"/>
+              </a:schemeClr>
+              <a:schemeClr val="accent1">
+                <a:hueOff val="0"/>
+                <a:satOff val="0"/>
+                <a:lumOff val="0"/>
+                <a:alphaOff val="0"/>
+                <a:shade val="98000"/>
+                <a:lumMod val="98000"/>
+              </a:schemeClr>
+            </a:duotone>
+          </a:blip>
+          <a:tile tx="0" ty="0" sx="100000" sy="100000" flip="none" algn="tl"/>
+        </a:blipFill>
+        <a:ln w="9525" cap="rnd" cmpd="sng" algn="ctr">
+          <a:solidFill>
+            <a:schemeClr val="accent1">
+              <a:hueOff val="0"/>
+              <a:satOff val="0"/>
+              <a:lumOff val="0"/>
+              <a:alphaOff val="0"/>
+            </a:schemeClr>
+          </a:solidFill>
+          <a:prstDash val="solid"/>
+        </a:ln>
+        <a:effectLst>
+          <a:innerShdw blurRad="63500" dist="25400" dir="13500000">
+            <a:srgbClr val="000000">
+              <a:alpha val="75000"/>
+            </a:srgbClr>
+          </a:innerShdw>
+        </a:effectLst>
+      </dsp:spPr>
+      <dsp:style>
+        <a:lnRef idx="1">
+          <a:scrgbClr r="0" g="0" b="0"/>
+        </a:lnRef>
+        <a:fillRef idx="3">
+          <a:scrgbClr r="0" g="0" b="0"/>
+        </a:fillRef>
+        <a:effectRef idx="3">
+          <a:scrgbClr r="0" g="0" b="0"/>
+        </a:effectRef>
+        <a:fontRef idx="minor">
+          <a:schemeClr val="lt1"/>
+        </a:fontRef>
+      </dsp:style>
+      <dsp:txBody>
+        <a:bodyPr spcFirstLastPara="0" vert="horz" wrap="square" lIns="22860" tIns="22860" rIns="22860" bIns="22860" numCol="1" spcCol="1270" anchor="ctr" anchorCtr="0">
+          <a:noAutofit/>
+        </a:bodyPr>
+        <a:lstStyle/>
+        <a:p>
+          <a:pPr lvl="0" algn="ctr" defTabSz="1600200">
+            <a:lnSpc>
+              <a:spcPct val="90000"/>
+            </a:lnSpc>
+            <a:spcBef>
+              <a:spcPct val="0"/>
+            </a:spcBef>
+            <a:spcAft>
+              <a:spcPct val="35000"/>
+            </a:spcAft>
+          </a:pPr>
+          <a:endParaRPr lang="fr-FR" sz="3600" b="1" kern="1200" noProof="0" dirty="0" smtClean="0">
+            <a:solidFill>
+              <a:schemeClr val="tx1">
+                <a:lumMod val="75000"/>
+              </a:schemeClr>
+            </a:solidFill>
+          </a:endParaRPr>
+        </a:p>
+      </dsp:txBody>
+      <dsp:txXfrm rot="-5400000">
+        <a:off x="0" y="3066204"/>
+        <a:ext cx="557108" cy="238760"/>
+      </dsp:txXfrm>
+    </dsp:sp>
+    <dsp:sp modelId="{0053D2EA-E96A-485A-9B47-065EB2ECE275}">
+      <dsp:nvSpPr>
+        <dsp:cNvPr id="0" name=""/>
+        <dsp:cNvSpPr/>
+      </dsp:nvSpPr>
+      <dsp:spPr>
+        <a:xfrm rot="5400000">
+          <a:off x="4216583" y="-871825"/>
+          <a:ext cx="517314" cy="7836265"/>
+        </a:xfrm>
+        <a:prstGeom prst="round2SameRect">
+          <a:avLst/>
+        </a:prstGeom>
+        <a:solidFill>
+          <a:schemeClr val="bg1">
+            <a:lumMod val="95000"/>
+            <a:lumOff val="5000"/>
+            <a:alpha val="90000"/>
+          </a:schemeClr>
+        </a:solidFill>
+        <a:ln w="9525" cap="rnd" cmpd="sng" algn="ctr">
+          <a:solidFill>
+            <a:schemeClr val="accent1">
+              <a:hueOff val="0"/>
+              <a:satOff val="0"/>
+              <a:lumOff val="0"/>
+              <a:alphaOff val="0"/>
+            </a:schemeClr>
+          </a:solidFill>
+          <a:prstDash val="solid"/>
+        </a:ln>
+        <a:effectLst/>
+      </dsp:spPr>
+      <dsp:style>
+        <a:lnRef idx="1">
+          <a:scrgbClr r="0" g="0" b="0"/>
+        </a:lnRef>
+        <a:fillRef idx="1">
+          <a:scrgbClr r="0" g="0" b="0"/>
+        </a:fillRef>
+        <a:effectRef idx="2">
+          <a:scrgbClr r="0" g="0" b="0"/>
+        </a:effectRef>
+        <a:fontRef idx="minor"/>
+      </dsp:style>
+      <dsp:txBody>
+        <a:bodyPr spcFirstLastPara="0" vert="horz" wrap="square" lIns="256032" tIns="22860" rIns="22860" bIns="22860" numCol="1" spcCol="1270" anchor="ctr" anchorCtr="0">
+          <a:noAutofit/>
+        </a:bodyPr>
+        <a:lstStyle/>
+        <a:p>
+          <a:pPr marL="285750" lvl="1" indent="-285750" algn="l" defTabSz="1600200">
+            <a:lnSpc>
+              <a:spcPct val="90000"/>
+            </a:lnSpc>
+            <a:spcBef>
+              <a:spcPct val="0"/>
+            </a:spcBef>
+            <a:spcAft>
+              <a:spcPct val="15000"/>
+            </a:spcAft>
+            <a:buChar char="••"/>
+          </a:pPr>
+          <a:r>
+            <a:rPr lang="fr-FR" sz="3600" b="1" kern="1200" noProof="0" smtClean="0">
+              <a:solidFill>
+                <a:schemeClr val="accent1">
+                  <a:lumMod val="75000"/>
+                </a:schemeClr>
+              </a:solidFill>
+            </a:rPr>
+            <a:t>V-Extendible Options</a:t>
+          </a:r>
+          <a:endParaRPr lang="fr-FR" sz="3600" b="1" kern="1200" noProof="0" dirty="0" smtClean="0">
+            <a:solidFill>
+              <a:schemeClr val="accent1">
+                <a:lumMod val="75000"/>
+              </a:schemeClr>
+            </a:solidFill>
+          </a:endParaRPr>
+        </a:p>
+      </dsp:txBody>
+      <dsp:txXfrm rot="-5400000">
+        <a:off x="557108" y="2812903"/>
+        <a:ext cx="7811012" cy="466808"/>
+      </dsp:txXfrm>
+    </dsp:sp>
+    <dsp:sp modelId="{225C83A9-779B-4707-93D8-DCD1C911EBB6}">
+      <dsp:nvSpPr>
+        <dsp:cNvPr id="0" name=""/>
+        <dsp:cNvSpPr/>
+      </dsp:nvSpPr>
+      <dsp:spPr>
+        <a:xfrm rot="5400000">
+          <a:off x="-119380" y="3603341"/>
+          <a:ext cx="795868" cy="557108"/>
+        </a:xfrm>
+        <a:prstGeom prst="chevron">
+          <a:avLst/>
+        </a:prstGeom>
+        <a:solidFill>
+          <a:schemeClr val="accent1"/>
+        </a:solidFill>
+        <a:ln w="15875" cap="rnd" cmpd="sng" algn="ctr">
+          <a:solidFill>
+            <a:schemeClr val="accent1">
+              <a:shade val="50000"/>
+            </a:schemeClr>
+          </a:solidFill>
+          <a:prstDash val="solid"/>
+        </a:ln>
+        <a:effectLst/>
+      </dsp:spPr>
+      <dsp:style>
+        <a:lnRef idx="2">
+          <a:schemeClr val="accent1">
+            <a:shade val="50000"/>
+          </a:schemeClr>
+        </a:lnRef>
+        <a:fillRef idx="1">
+          <a:schemeClr val="accent1"/>
+        </a:fillRef>
+        <a:effectRef idx="0">
+          <a:schemeClr val="accent1"/>
+        </a:effectRef>
+        <a:fontRef idx="minor">
+          <a:schemeClr val="lt1"/>
+        </a:fontRef>
+      </dsp:style>
+      <dsp:txBody>
+        <a:bodyPr spcFirstLastPara="0" vert="horz" wrap="square" lIns="22860" tIns="22860" rIns="22860" bIns="22860" numCol="1" spcCol="1270" anchor="ctr" anchorCtr="0">
+          <a:noAutofit/>
+        </a:bodyPr>
+        <a:lstStyle/>
+        <a:p>
+          <a:pPr lvl="0" algn="ctr" defTabSz="1600200">
+            <a:lnSpc>
+              <a:spcPct val="90000"/>
+            </a:lnSpc>
+            <a:spcBef>
+              <a:spcPct val="0"/>
+            </a:spcBef>
+            <a:spcAft>
+              <a:spcPct val="35000"/>
+            </a:spcAft>
+          </a:pPr>
+          <a:endParaRPr lang="fr-FR" sz="3600" b="1" kern="1200" noProof="0" dirty="0" smtClean="0">
+            <a:solidFill>
+              <a:schemeClr val="accent1">
+                <a:lumMod val="75000"/>
+              </a:schemeClr>
+            </a:solidFill>
+          </a:endParaRPr>
+        </a:p>
+      </dsp:txBody>
+      <dsp:txXfrm rot="-5400000">
+        <a:off x="0" y="3762515"/>
+        <a:ext cx="557108" cy="238760"/>
+      </dsp:txXfrm>
+    </dsp:sp>
+    <dsp:sp modelId="{6574DC34-666A-4340-A81D-BCA3F02AB8AF}">
+      <dsp:nvSpPr>
+        <dsp:cNvPr id="0" name=""/>
+        <dsp:cNvSpPr/>
+      </dsp:nvSpPr>
+      <dsp:spPr>
+        <a:xfrm rot="5400000">
+          <a:off x="4216583" y="-175514"/>
+          <a:ext cx="517314" cy="7836265"/>
+        </a:xfrm>
+        <a:prstGeom prst="round2SameRect">
+          <a:avLst/>
+        </a:prstGeom>
+        <a:solidFill>
+          <a:schemeClr val="bg1">
+            <a:lumMod val="95000"/>
+            <a:lumOff val="5000"/>
+            <a:alpha val="90000"/>
+          </a:schemeClr>
+        </a:solidFill>
+        <a:ln w="9525" cap="rnd" cmpd="sng" algn="ctr">
+          <a:solidFill>
+            <a:schemeClr val="accent1">
+              <a:hueOff val="0"/>
+              <a:satOff val="0"/>
+              <a:lumOff val="0"/>
+              <a:alphaOff val="0"/>
+            </a:schemeClr>
+          </a:solidFill>
+          <a:prstDash val="solid"/>
+        </a:ln>
+        <a:effectLst/>
+      </dsp:spPr>
+      <dsp:style>
+        <a:lnRef idx="1">
+          <a:scrgbClr r="0" g="0" b="0"/>
+        </a:lnRef>
+        <a:fillRef idx="1">
+          <a:scrgbClr r="0" g="0" b="0"/>
+        </a:fillRef>
+        <a:effectRef idx="2">
+          <a:scrgbClr r="0" g="0" b="0"/>
+        </a:effectRef>
+        <a:fontRef idx="minor"/>
+      </dsp:style>
+      <dsp:txBody>
+        <a:bodyPr spcFirstLastPara="0" vert="horz" wrap="square" lIns="256032" tIns="22860" rIns="22860" bIns="22860" numCol="1" spcCol="1270" anchor="ctr" anchorCtr="0">
+          <a:noAutofit/>
+        </a:bodyPr>
+        <a:lstStyle/>
+        <a:p>
+          <a:pPr marL="285750" lvl="1" indent="-285750" algn="l" defTabSz="1600200">
+            <a:lnSpc>
+              <a:spcPct val="90000"/>
+            </a:lnSpc>
+            <a:spcBef>
+              <a:spcPct val="0"/>
+            </a:spcBef>
+            <a:spcAft>
+              <a:spcPct val="15000"/>
+            </a:spcAft>
+            <a:buChar char="••"/>
+          </a:pPr>
+          <a:r>
+            <a:rPr lang="fr-FR" sz="3600" b="1" kern="1200" noProof="0" dirty="0" smtClean="0">
+              <a:solidFill>
+                <a:schemeClr val="accent1">
+                  <a:lumMod val="75000"/>
+                </a:schemeClr>
+              </a:solidFill>
+            </a:rPr>
+            <a:t>VI-Conclusion</a:t>
+          </a:r>
+        </a:p>
+      </dsp:txBody>
+      <dsp:txXfrm rot="-5400000">
+        <a:off x="557108" y="3509214"/>
+        <a:ext cx="7811012" cy="466808"/>
+      </dsp:txXfrm>
+    </dsp:sp>
   </dsp:spTree>
 </dsp:drawing>
 </file>
@@ -5129,8 +6204,8 @@
           <a:ln/>
           <a:effectLst/>
           <a:extLst>
-            <a:ext uri="{91240B29-F687-4f45-9708-019B960494DF}">
-              <a14:hiddenLine xmlns="" xmlns:a14="http://schemas.microsoft.com/office/drawing/2010/main" w="9525">
+            <a:ext uri="{91240B29-F687-4F45-9708-019B960494DF}">
+              <a14:hiddenLine xmlns:a14="http://schemas.microsoft.com/office/drawing/2010/main" w="9525">
                 <a:solidFill>
                   <a:srgbClr val="000000"/>
                 </a:solidFill>
@@ -6651,8 +7726,8 @@
           </a:custGeom>
           <a:ln/>
           <a:extLst>
-            <a:ext uri="{91240B29-F687-4f45-9708-019B960494DF}">
-              <a14:hiddenLine xmlns="" xmlns:a14="http://schemas.microsoft.com/office/drawing/2010/main" w="9525">
+            <a:ext uri="{91240B29-F687-4F45-9708-019B960494DF}">
+              <a14:hiddenLine xmlns:a14="http://schemas.microsoft.com/office/drawing/2010/main" w="9525">
                 <a:solidFill>
                   <a:srgbClr val="000000"/>
                 </a:solidFill>
@@ -6926,8 +8001,8 @@
           </a:custGeom>
           <a:ln/>
           <a:extLst>
-            <a:ext uri="{91240B29-F687-4f45-9708-019B960494DF}">
-              <a14:hiddenLine xmlns="" xmlns:a14="http://schemas.microsoft.com/office/drawing/2010/main" w="9525">
+            <a:ext uri="{91240B29-F687-4F45-9708-019B960494DF}">
+              <a14:hiddenLine xmlns:a14="http://schemas.microsoft.com/office/drawing/2010/main" w="9525">
                 <a:solidFill>
                   <a:srgbClr val="000000"/>
                 </a:solidFill>
@@ -7209,8 +8284,8 @@
           </a:custGeom>
           <a:ln/>
           <a:extLst>
-            <a:ext uri="{91240B29-F687-4f45-9708-019B960494DF}">
-              <a14:hiddenLine xmlns="" xmlns:a14="http://schemas.microsoft.com/office/drawing/2010/main" w="9525">
+            <a:ext uri="{91240B29-F687-4F45-9708-019B960494DF}">
+              <a14:hiddenLine xmlns:a14="http://schemas.microsoft.com/office/drawing/2010/main" w="9525">
                 <a:solidFill>
                   <a:srgbClr val="000000"/>
                 </a:solidFill>
@@ -7851,8 +8926,8 @@
           </a:custGeom>
           <a:ln/>
           <a:extLst>
-            <a:ext uri="{91240B29-F687-4f45-9708-019B960494DF}">
-              <a14:hiddenLine xmlns="" xmlns:a14="http://schemas.microsoft.com/office/drawing/2010/main" w="9525">
+            <a:ext uri="{91240B29-F687-4F45-9708-019B960494DF}">
+              <a14:hiddenLine xmlns:a14="http://schemas.microsoft.com/office/drawing/2010/main" w="9525">
                 <a:solidFill>
                   <a:srgbClr val="000000"/>
                 </a:solidFill>
@@ -8190,8 +9265,8 @@
           </a:custGeom>
           <a:ln/>
           <a:extLst>
-            <a:ext uri="{91240B29-F687-4f45-9708-019B960494DF}">
-              <a14:hiddenLine xmlns="" xmlns:a14="http://schemas.microsoft.com/office/drawing/2010/main" w="9525">
+            <a:ext uri="{91240B29-F687-4F45-9708-019B960494DF}">
+              <a14:hiddenLine xmlns:a14="http://schemas.microsoft.com/office/drawing/2010/main" w="9525">
                 <a:solidFill>
                   <a:srgbClr val="000000"/>
                 </a:solidFill>
@@ -8667,8 +9742,8 @@
           </a:custGeom>
           <a:ln/>
           <a:extLst>
-            <a:ext uri="{91240B29-F687-4f45-9708-019B960494DF}">
-              <a14:hiddenLine xmlns="" xmlns:a14="http://schemas.microsoft.com/office/drawing/2010/main" w="9525">
+            <a:ext uri="{91240B29-F687-4F45-9708-019B960494DF}">
+              <a14:hiddenLine xmlns:a14="http://schemas.microsoft.com/office/drawing/2010/main" w="9525">
                 <a:solidFill>
                   <a:srgbClr val="000000"/>
                 </a:solidFill>
@@ -9096,8 +10171,8 @@
           </a:custGeom>
           <a:ln/>
           <a:extLst>
-            <a:ext uri="{91240B29-F687-4f45-9708-019B960494DF}">
-              <a14:hiddenLine xmlns="" xmlns:a14="http://schemas.microsoft.com/office/drawing/2010/main" w="9525">
+            <a:ext uri="{91240B29-F687-4F45-9708-019B960494DF}">
+              <a14:hiddenLine xmlns:a14="http://schemas.microsoft.com/office/drawing/2010/main" w="9525">
                 <a:solidFill>
                   <a:srgbClr val="000000"/>
                 </a:solidFill>
@@ -10438,7 +11513,7 @@
           <p:nvPr>
             <p:extLst>
               <p:ext uri="{D42A27DB-BD31-4B8C-83A1-F6EECF244321}">
-                <p14:modId xmlns:p14="http://schemas.microsoft.com/office/powerpoint/2010/main" val="3682734759"/>
+                <p14:modId xmlns:p14="http://schemas.microsoft.com/office/powerpoint/2010/main" val="2819026971"/>
               </p:ext>
             </p:extLst>
           </p:nvPr>
@@ -10532,7 +11607,7 @@
                     </a:p>
                     <a:p>
                       <a:r>
-                        <a:rPr lang="fr-FR" sz="2000" noProof="0" dirty="0" smtClean="0">
+                        <a:rPr lang="fr-FR" sz="2000" noProof="0" smtClean="0">
                           <a:ln w="0"/>
                           <a:solidFill>
                             <a:schemeClr val="accent1"/>
@@ -10545,8 +11620,37 @@
                             </a:outerShdw>
                           </a:effectLst>
                         </a:rPr>
-                        <a:t>Nathan D.Kruck</a:t>
+                        <a:t>Nathan </a:t>
                       </a:r>
+                      <a:r>
+                        <a:rPr lang="fr-FR" sz="2000" noProof="0" smtClean="0">
+                          <a:ln w="0"/>
+                          <a:solidFill>
+                            <a:schemeClr val="accent1"/>
+                          </a:solidFill>
+                          <a:effectLst>
+                            <a:outerShdw blurRad="38100" dist="25400" dir="5400000" algn="ctr" rotWithShape="0">
+                              <a:srgbClr val="6E747A">
+                                <a:alpha val="43000"/>
+                              </a:srgbClr>
+                            </a:outerShdw>
+                          </a:effectLst>
+                        </a:rPr>
+                        <a:t>Kruck</a:t>
+                      </a:r>
+                      <a:endParaRPr lang="fr-FR" sz="2000" noProof="0" dirty="0" smtClean="0">
+                        <a:ln w="0"/>
+                        <a:solidFill>
+                          <a:schemeClr val="accent1"/>
+                        </a:solidFill>
+                        <a:effectLst>
+                          <a:outerShdw blurRad="38100" dist="25400" dir="5400000" algn="ctr" rotWithShape="0">
+                            <a:srgbClr val="6E747A">
+                              <a:alpha val="43000"/>
+                            </a:srgbClr>
+                          </a:outerShdw>
+                        </a:effectLst>
+                      </a:endParaRPr>
                     </a:p>
                     <a:p>
                       <a:r>
@@ -16189,11 +17293,7 @@
             </a:r>
             <a:r>
               <a:rPr lang="fr-FR" sz="3200" dirty="0" smtClean="0"/>
-              <a:t>lus </a:t>
-            </a:r>
-            <a:r>
-              <a:rPr lang="fr-FR" sz="3200" dirty="0" smtClean="0"/>
-              <a:t>chère qu’une option vanille</a:t>
+              <a:t>lus chère qu’une option vanille</a:t>
             </a:r>
           </a:p>
           <a:p>
@@ -30619,7 +31719,7 @@
     </a:clrScheme>
     <a:fontScheme name="Quotable">
       <a:majorFont>
-        <a:latin typeface="Century Gothic" panose="020B0502020202020204"/>
+        <a:latin typeface="Century Gothic"/>
         <a:ea typeface=""/>
         <a:cs typeface=""/>
         <a:font script="Jpan" typeface="ＭＳ ゴシック"/>
@@ -30654,7 +31754,7 @@
         <a:font script="Geor" typeface="Sylfaen"/>
       </a:majorFont>
       <a:minorFont>
-        <a:latin typeface="Century Gothic" panose="020B0502020202020204"/>
+        <a:latin typeface="Century Gothic"/>
         <a:ea typeface=""/>
         <a:cs typeface=""/>
         <a:font script="Jpan" typeface="ＭＳ ゴシック"/>
@@ -30807,7 +31907,7 @@
   <a:extraClrSchemeLst/>
   <a:extLst>
     <a:ext uri="{05A4C25C-085E-4340-85A3-A5531E510DB2}">
-      <thm15:themeFamily xmlns:thm15="http://schemas.microsoft.com/office/thememl/2012/main" name="Quotable" id="{39EC5628-30ED-4578-ACD8-9820EDB8E15A}" vid="{6F3559E9-1A4C-49D8-94D4-F41003531C49}"/>
+      <thm15:themeFamily xmlns:thm15="http://schemas.microsoft.com/office/thememl/2012/main" xmlns="" name="Quotable" id="{39EC5628-30ED-4578-ACD8-9820EDB8E15A}" vid="{6F3559E9-1A4C-49D8-94D4-F41003531C49}"/>
     </a:ext>
   </a:extLst>
 </a:theme>
@@ -30856,7 +31956,7 @@
     </a:clrScheme>
     <a:fontScheme name="Office">
       <a:majorFont>
-        <a:latin typeface="Calibri Light" panose="020F0302020204030204"/>
+        <a:latin typeface="Calibri Light"/>
         <a:ea typeface=""/>
         <a:cs typeface=""/>
         <a:font script="Jpan" typeface="ＭＳ Ｐゴシック"/>
@@ -30891,7 +31991,7 @@
         <a:font script="Geor" typeface="Sylfaen"/>
       </a:majorFont>
       <a:minorFont>
-        <a:latin typeface="Calibri" panose="020F0502020204030204"/>
+        <a:latin typeface="Calibri"/>
         <a:ea typeface=""/>
         <a:cs typeface=""/>
         <a:font script="Jpan" typeface="ＭＳ Ｐゴシック"/>
@@ -31068,7 +32168,7 @@
   <a:extraClrSchemeLst/>
   <a:extLst>
     <a:ext uri="{05A4C25C-085E-4340-85A3-A5531E510DB2}">
-      <thm15:themeFamily xmlns:thm15="http://schemas.microsoft.com/office/thememl/2012/main" name="Office Theme" id="{62F939B6-93AF-4DB8-9C6B-D6C7DFDC589F}" vid="{4A3C46E8-61CC-4603-A589-7422A47A8E4A}"/>
+      <thm15:themeFamily xmlns:thm15="http://schemas.microsoft.com/office/thememl/2012/main" xmlns="" name="Office Theme" id="{62F939B6-93AF-4DB8-9C6B-D6C7DFDC589F}" vid="{4A3C46E8-61CC-4603-A589-7422A47A8E4A}"/>
     </a:ext>
   </a:extLst>
 </a:theme>
@@ -31117,7 +32217,7 @@
     </a:clrScheme>
     <a:fontScheme name="Office">
       <a:majorFont>
-        <a:latin typeface="Calibri Light" panose="020F0302020204030204"/>
+        <a:latin typeface="Calibri Light"/>
         <a:ea typeface=""/>
         <a:cs typeface=""/>
         <a:font script="Jpan" typeface="ＭＳ Ｐゴシック"/>
@@ -31152,7 +32252,7 @@
         <a:font script="Geor" typeface="Sylfaen"/>
       </a:majorFont>
       <a:minorFont>
-        <a:latin typeface="Calibri" panose="020F0502020204030204"/>
+        <a:latin typeface="Calibri"/>
         <a:ea typeface=""/>
         <a:cs typeface=""/>
         <a:font script="Jpan" typeface="ＭＳ Ｐゴシック"/>
@@ -31329,7 +32429,7 @@
   <a:extraClrSchemeLst/>
   <a:extLst>
     <a:ext uri="{05A4C25C-085E-4340-85A3-A5531E510DB2}">
-      <thm15:themeFamily xmlns:thm15="http://schemas.microsoft.com/office/thememl/2012/main" name="Office Theme" id="{62F939B6-93AF-4DB8-9C6B-D6C7DFDC589F}" vid="{4A3C46E8-61CC-4603-A589-7422A47A8E4A}"/>
+      <thm15:themeFamily xmlns:thm15="http://schemas.microsoft.com/office/thememl/2012/main" xmlns="" name="Office Theme" id="{62F939B6-93AF-4DB8-9C6B-D6C7DFDC589F}" vid="{4A3C46E8-61CC-4603-A589-7422A47A8E4A}"/>
     </a:ext>
   </a:extLst>
 </a:theme>

--- a/report and presentation/QuantLib1.3 16-01-2014-modified version.pptx
+++ b/report and presentation/QuantLib1.3 16-01-2014-modified version.pptx
@@ -5,36 +5,35 @@
     <p:sldMasterId id="2147483660" r:id="rId1"/>
   </p:sldMasterIdLst>
   <p:notesMasterIdLst>
-    <p:notesMasterId r:id="rId26"/>
+    <p:notesMasterId r:id="rId25"/>
   </p:notesMasterIdLst>
   <p:handoutMasterIdLst>
-    <p:handoutMasterId r:id="rId27"/>
+    <p:handoutMasterId r:id="rId26"/>
   </p:handoutMasterIdLst>
   <p:sldIdLst>
     <p:sldId id="256" r:id="rId2"/>
     <p:sldId id="257" r:id="rId3"/>
-    <p:sldId id="258" r:id="rId4"/>
-    <p:sldId id="263" r:id="rId5"/>
-    <p:sldId id="266" r:id="rId6"/>
-    <p:sldId id="269" r:id="rId7"/>
-    <p:sldId id="267" r:id="rId8"/>
-    <p:sldId id="265" r:id="rId9"/>
-    <p:sldId id="264" r:id="rId10"/>
-    <p:sldId id="283" r:id="rId11"/>
-    <p:sldId id="270" r:id="rId12"/>
-    <p:sldId id="272" r:id="rId13"/>
-    <p:sldId id="271" r:id="rId14"/>
-    <p:sldId id="273" r:id="rId15"/>
-    <p:sldId id="284" r:id="rId16"/>
-    <p:sldId id="285" r:id="rId17"/>
-    <p:sldId id="277" r:id="rId18"/>
-    <p:sldId id="278" r:id="rId19"/>
-    <p:sldId id="280" r:id="rId20"/>
-    <p:sldId id="279" r:id="rId21"/>
-    <p:sldId id="281" r:id="rId22"/>
-    <p:sldId id="276" r:id="rId23"/>
-    <p:sldId id="282" r:id="rId24"/>
-    <p:sldId id="262" r:id="rId25"/>
+    <p:sldId id="263" r:id="rId4"/>
+    <p:sldId id="266" r:id="rId5"/>
+    <p:sldId id="269" r:id="rId6"/>
+    <p:sldId id="267" r:id="rId7"/>
+    <p:sldId id="265" r:id="rId8"/>
+    <p:sldId id="264" r:id="rId9"/>
+    <p:sldId id="283" r:id="rId10"/>
+    <p:sldId id="270" r:id="rId11"/>
+    <p:sldId id="272" r:id="rId12"/>
+    <p:sldId id="271" r:id="rId13"/>
+    <p:sldId id="273" r:id="rId14"/>
+    <p:sldId id="284" r:id="rId15"/>
+    <p:sldId id="285" r:id="rId16"/>
+    <p:sldId id="277" r:id="rId17"/>
+    <p:sldId id="278" r:id="rId18"/>
+    <p:sldId id="280" r:id="rId19"/>
+    <p:sldId id="279" r:id="rId20"/>
+    <p:sldId id="281" r:id="rId21"/>
+    <p:sldId id="276" r:id="rId22"/>
+    <p:sldId id="282" r:id="rId23"/>
+    <p:sldId id="262" r:id="rId24"/>
   </p:sldIdLst>
   <p:sldSz cx="12192000" cy="6858000"/>
   <p:notesSz cx="6858000" cy="9144000"/>
@@ -135,7 +134,7 @@
   </p:defaultTextStyle>
   <p:extLst>
     <p:ext uri="{EFAFB233-063F-42B5-8137-9DF3F51BA10A}">
-      <p15:sldGuideLst xmlns:p15="http://schemas.microsoft.com/office/powerpoint/2012/main" xmlns=""/>
+      <p15:sldGuideLst xmlns:p15="http://schemas.microsoft.com/office/powerpoint/2012/main"/>
     </p:ext>
   </p:extLst>
 </p:presentation>
@@ -146,25 +145,11 @@
   <p:cmAuthor id="1" name="Compte Microsoft" initials="CM" lastIdx="1" clrIdx="0">
     <p:extLst>
       <p:ext uri="{19B8F6BF-5375-455C-9EA6-DF929625EA0E}">
-        <p15:presenceInfo xmlns:p15="http://schemas.microsoft.com/office/powerpoint/2012/main" xmlns="" userId="256705d7ec642531" providerId="Windows Live"/>
+        <p15:presenceInfo xmlns:p15="http://schemas.microsoft.com/office/powerpoint/2012/main" userId="256705d7ec642531" providerId="Windows Live"/>
       </p:ext>
     </p:extLst>
   </p:cmAuthor>
 </p:cmAuthorLst>
-</file>
-
-<file path=ppt/comments/comment1.xml><?xml version="1.0" encoding="utf-8"?>
-<p:cmLst xmlns:a="http://schemas.openxmlformats.org/drawingml/2006/main" xmlns:r="http://schemas.openxmlformats.org/officeDocument/2006/relationships" xmlns:p="http://schemas.openxmlformats.org/presentationml/2006/main">
-  <p:cm authorId="1" dt="2014-02-25T13:05:22.157" idx="1">
-    <p:pos x="7164" y="1400"/>
-    <p:text/>
-    <p:extLst>
-      <p:ext uri="{C676402C-5697-4E1C-873F-D02D1690AC5C}">
-        <p15:threadingInfo xmlns:p15="http://schemas.microsoft.com/office/powerpoint/2012/main" xmlns="" timeZoneBias="-60"/>
-      </p:ext>
-    </p:extLst>
-  </p:cm>
-</p:cmLst>
 </file>
 
 <file path=ppt/diagrams/colors1.xml><?xml version="1.0" encoding="utf-8"?>
@@ -928,7 +913,7 @@
         </a:p>
       </dgm:t>
     </dgm:pt>
-    <dgm:pt modelId="{3D661867-E1C8-4021-8727-E93C87587F62}">
+    <dgm:pt modelId="{DF3886B3-D9F0-4449-97A7-82FBFE04BDB1}">
       <dgm:prSet custT="1"/>
       <dgm:spPr>
         <a:solidFill>
@@ -951,122 +936,38 @@
                 </a:schemeClr>
               </a:solidFill>
             </a:rPr>
-            <a:t>II-Les composons de QuantLib</a:t>
+            <a:t>III-</a:t>
           </a:r>
-        </a:p>
-      </dgm:t>
-    </dgm:pt>
-    <dgm:pt modelId="{46034F4C-58A5-4F47-A178-C87E8026F23A}" type="parTrans" cxnId="{1A30709A-9FCB-4E92-9921-7978C9A47D9C}">
-      <dgm:prSet/>
-      <dgm:spPr/>
-      <dgm:t>
-        <a:bodyPr/>
-        <a:lstStyle/>
-        <a:p>
-          <a:endParaRPr lang="en-US"/>
-        </a:p>
-      </dgm:t>
-    </dgm:pt>
-    <dgm:pt modelId="{7CEC64C7-C80B-44C0-A26D-876C874B7D55}" type="sibTrans" cxnId="{1A30709A-9FCB-4E92-9921-7978C9A47D9C}">
-      <dgm:prSet/>
-      <dgm:spPr/>
-      <dgm:t>
-        <a:bodyPr/>
-        <a:lstStyle/>
-        <a:p>
-          <a:endParaRPr lang="en-US"/>
-        </a:p>
-      </dgm:t>
-    </dgm:pt>
-    <dgm:pt modelId="{2EA11D65-00CA-4A78-B78B-D77872EDCBD9}">
-      <dgm:prSet custT="1"/>
-      <dgm:spPr>
-        <a:solidFill>
-          <a:schemeClr val="bg1">
-            <a:lumMod val="95000"/>
-            <a:lumOff val="5000"/>
-            <a:alpha val="90000"/>
-          </a:schemeClr>
-        </a:solidFill>
-      </dgm:spPr>
-      <dgm:t>
-        <a:bodyPr/>
-        <a:lstStyle/>
-        <a:p>
           <a:r>
-            <a:rPr lang="fr-FR" sz="3600" b="1" noProof="0" smtClean="0">
+            <a:rPr lang="fr-FR" sz="3600" b="1" noProof="0" dirty="0" err="1" smtClean="0">
               <a:solidFill>
                 <a:schemeClr val="accent1">
                   <a:lumMod val="75000"/>
                 </a:schemeClr>
               </a:solidFill>
             </a:rPr>
-            <a:t>III-Partial-Time-Barrier Options</a:t>
+            <a:t>Extendible</a:t>
           </a:r>
-          <a:endParaRPr lang="fr-FR" sz="3600" b="1" noProof="0" dirty="0" smtClean="0">
-            <a:solidFill>
-              <a:schemeClr val="accent1">
-                <a:lumMod val="75000"/>
-              </a:schemeClr>
-            </a:solidFill>
-          </a:endParaRPr>
-        </a:p>
-      </dgm:t>
-    </dgm:pt>
-    <dgm:pt modelId="{1CA6863B-F056-4DFB-93B2-51C9DD6B7CEB}" type="parTrans" cxnId="{D3975777-760C-4AB4-BA55-42F632808929}">
-      <dgm:prSet/>
-      <dgm:spPr/>
-      <dgm:t>
-        <a:bodyPr/>
-        <a:lstStyle/>
-        <a:p>
-          <a:endParaRPr lang="en-US"/>
-        </a:p>
-      </dgm:t>
-    </dgm:pt>
-    <dgm:pt modelId="{DF648B09-2058-4DB1-9CFD-BEA71015B7D5}" type="sibTrans" cxnId="{D3975777-760C-4AB4-BA55-42F632808929}">
-      <dgm:prSet/>
-      <dgm:spPr/>
-      <dgm:t>
-        <a:bodyPr/>
-        <a:lstStyle/>
-        <a:p>
-          <a:endParaRPr lang="en-US"/>
-        </a:p>
-      </dgm:t>
-    </dgm:pt>
-    <dgm:pt modelId="{DF3886B3-D9F0-4449-97A7-82FBFE04BDB1}">
-      <dgm:prSet custT="1"/>
-      <dgm:spPr>
-        <a:solidFill>
-          <a:schemeClr val="bg1">
-            <a:lumMod val="95000"/>
-            <a:lumOff val="5000"/>
-            <a:alpha val="90000"/>
-          </a:schemeClr>
-        </a:solidFill>
-      </dgm:spPr>
-      <dgm:t>
-        <a:bodyPr/>
-        <a:lstStyle/>
-        <a:p>
           <a:r>
-            <a:rPr lang="fr-FR" sz="3600" b="1" noProof="0" smtClean="0">
+            <a:rPr lang="fr-FR" sz="3600" b="1" noProof="0" dirty="0" smtClean="0">
               <a:solidFill>
                 <a:schemeClr val="accent1">
                   <a:lumMod val="75000"/>
                 </a:schemeClr>
               </a:solidFill>
             </a:rPr>
-            <a:t>V-Extendible Options</a:t>
+            <a:t> </a:t>
           </a:r>
-          <a:endParaRPr lang="fr-FR" sz="3600" b="1" noProof="0" dirty="0" smtClean="0">
-            <a:solidFill>
-              <a:schemeClr val="accent1">
-                <a:lumMod val="75000"/>
-              </a:schemeClr>
-            </a:solidFill>
-          </a:endParaRPr>
+          <a:r>
+            <a:rPr lang="fr-FR" sz="3600" b="1" noProof="0" dirty="0" smtClean="0">
+              <a:solidFill>
+                <a:schemeClr val="accent1">
+                  <a:lumMod val="75000"/>
+                </a:schemeClr>
+              </a:solidFill>
+            </a:rPr>
+            <a:t>Options</a:t>
+          </a:r>
         </a:p>
       </dgm:t>
     </dgm:pt>
@@ -1082,181 +983,6 @@
       </dgm:t>
     </dgm:pt>
     <dgm:pt modelId="{A29424F8-1EAE-4387-AE6C-BB8741CB6684}" type="sibTrans" cxnId="{E7E38B2F-772E-4C87-AC28-CED8FDDB5C21}">
-      <dgm:prSet/>
-      <dgm:spPr/>
-      <dgm:t>
-        <a:bodyPr/>
-        <a:lstStyle/>
-        <a:p>
-          <a:endParaRPr lang="en-US"/>
-        </a:p>
-      </dgm:t>
-    </dgm:pt>
-    <dgm:pt modelId="{6965A9E9-7D1D-4526-AC3D-4F67C234D037}">
-      <dgm:prSet phldrT="[Text]" custT="1"/>
-      <dgm:spPr>
-        <a:solidFill>
-          <a:schemeClr val="bg1">
-            <a:lumMod val="95000"/>
-            <a:lumOff val="5000"/>
-            <a:alpha val="90000"/>
-          </a:schemeClr>
-        </a:solidFill>
-      </dgm:spPr>
-      <dgm:t>
-        <a:bodyPr/>
-        <a:lstStyle/>
-        <a:p>
-          <a:r>
-            <a:rPr lang="fr-FR" sz="3600" b="1" noProof="0" dirty="0" smtClean="0">
-              <a:solidFill>
-                <a:schemeClr val="accent1">
-                  <a:lumMod val="75000"/>
-                </a:schemeClr>
-              </a:solidFill>
-            </a:rPr>
-            <a:t>I-QuantLib</a:t>
-          </a:r>
-          <a:endParaRPr lang="fr-FR" sz="3600" b="1" noProof="0" dirty="0">
-            <a:solidFill>
-              <a:schemeClr val="accent1">
-                <a:lumMod val="75000"/>
-              </a:schemeClr>
-            </a:solidFill>
-          </a:endParaRPr>
-        </a:p>
-      </dgm:t>
-    </dgm:pt>
-    <dgm:pt modelId="{058F3EBC-0793-44F0-8BC8-27729EE5DAAF}" type="parTrans" cxnId="{326734E3-0048-4A95-9CD3-3B086DFF48FE}">
-      <dgm:prSet/>
-      <dgm:spPr/>
-      <dgm:t>
-        <a:bodyPr/>
-        <a:lstStyle/>
-        <a:p>
-          <a:endParaRPr lang="en-US"/>
-        </a:p>
-      </dgm:t>
-    </dgm:pt>
-    <dgm:pt modelId="{0231198A-87DC-46EE-A3D8-F511E24C6DBE}" type="sibTrans" cxnId="{326734E3-0048-4A95-9CD3-3B086DFF48FE}">
-      <dgm:prSet/>
-      <dgm:spPr/>
-      <dgm:t>
-        <a:bodyPr/>
-        <a:lstStyle/>
-        <a:p>
-          <a:endParaRPr lang="en-US"/>
-        </a:p>
-      </dgm:t>
-    </dgm:pt>
-    <dgm:pt modelId="{1EECF149-7A76-4C15-B14C-F06875EB4D75}">
-      <dgm:prSet phldrT="[Text]" custT="1"/>
-      <dgm:spPr/>
-      <dgm:t>
-        <a:bodyPr/>
-        <a:lstStyle/>
-        <a:p>
-          <a:endParaRPr lang="fr-FR" sz="3600" b="1" noProof="0" dirty="0">
-            <a:solidFill>
-              <a:schemeClr val="bg1">
-                <a:lumMod val="95000"/>
-                <a:lumOff val="5000"/>
-              </a:schemeClr>
-            </a:solidFill>
-          </a:endParaRPr>
-        </a:p>
-      </dgm:t>
-    </dgm:pt>
-    <dgm:pt modelId="{0ACD2AF6-740D-4014-917E-8B0B20FAD948}" type="parTrans" cxnId="{7CBCAA00-4623-4628-8B0B-C6751DF01BE4}">
-      <dgm:prSet/>
-      <dgm:spPr/>
-      <dgm:t>
-        <a:bodyPr/>
-        <a:lstStyle/>
-        <a:p>
-          <a:endParaRPr lang="en-US"/>
-        </a:p>
-      </dgm:t>
-    </dgm:pt>
-    <dgm:pt modelId="{A1E9EB9D-5A06-4C81-8536-4377F9B66C57}" type="sibTrans" cxnId="{7CBCAA00-4623-4628-8B0B-C6751DF01BE4}">
-      <dgm:prSet/>
-      <dgm:spPr/>
-      <dgm:t>
-        <a:bodyPr/>
-        <a:lstStyle/>
-        <a:p>
-          <a:endParaRPr lang="en-US"/>
-        </a:p>
-      </dgm:t>
-    </dgm:pt>
-    <dgm:pt modelId="{885755C5-982A-4DE5-B141-3DF88E43641B}">
-      <dgm:prSet phldrT="[Text]" custT="1"/>
-      <dgm:spPr/>
-      <dgm:t>
-        <a:bodyPr/>
-        <a:lstStyle/>
-        <a:p>
-          <a:endParaRPr lang="fr-FR" sz="3600" b="1" noProof="0" dirty="0">
-            <a:solidFill>
-              <a:schemeClr val="tx1">
-                <a:lumMod val="75000"/>
-              </a:schemeClr>
-            </a:solidFill>
-          </a:endParaRPr>
-        </a:p>
-      </dgm:t>
-    </dgm:pt>
-    <dgm:pt modelId="{231D4BC0-B307-4531-B3BB-D525237B1B29}" type="parTrans" cxnId="{E10EE016-9C84-4394-A60C-F968C19245E2}">
-      <dgm:prSet/>
-      <dgm:spPr/>
-      <dgm:t>
-        <a:bodyPr/>
-        <a:lstStyle/>
-        <a:p>
-          <a:endParaRPr lang="en-US"/>
-        </a:p>
-      </dgm:t>
-    </dgm:pt>
-    <dgm:pt modelId="{BDF1DE11-6C9F-453A-B110-4C527D6E7303}" type="sibTrans" cxnId="{E10EE016-9C84-4394-A60C-F968C19245E2}">
-      <dgm:prSet/>
-      <dgm:spPr/>
-      <dgm:t>
-        <a:bodyPr/>
-        <a:lstStyle/>
-        <a:p>
-          <a:endParaRPr lang="en-US"/>
-        </a:p>
-      </dgm:t>
-    </dgm:pt>
-    <dgm:pt modelId="{7B5B3069-EFAE-4C94-921D-D6D3B7C28BB1}">
-      <dgm:prSet custT="1"/>
-      <dgm:spPr/>
-      <dgm:t>
-        <a:bodyPr/>
-        <a:lstStyle/>
-        <a:p>
-          <a:endParaRPr lang="fr-FR" sz="3600" b="1" noProof="0" dirty="0" smtClean="0">
-            <a:solidFill>
-              <a:schemeClr val="tx1">
-                <a:lumMod val="75000"/>
-              </a:schemeClr>
-            </a:solidFill>
-          </a:endParaRPr>
-        </a:p>
-      </dgm:t>
-    </dgm:pt>
-    <dgm:pt modelId="{43DF23F0-5780-4289-94E2-06D88C921A65}" type="parTrans" cxnId="{774D652A-5903-4471-B929-F3BD71637E42}">
-      <dgm:prSet/>
-      <dgm:spPr/>
-      <dgm:t>
-        <a:bodyPr/>
-        <a:lstStyle/>
-        <a:p>
-          <a:endParaRPr lang="en-US"/>
-        </a:p>
-      </dgm:t>
-    </dgm:pt>
-    <dgm:pt modelId="{5FB3A044-CF8B-464B-B94E-A473F34034FF}" type="sibTrans" cxnId="{774D652A-5903-4471-B929-F3BD71637E42}">
       <dgm:prSet/>
       <dgm:spPr/>
       <dgm:t>
@@ -1290,7 +1016,37 @@
                 </a:schemeClr>
               </a:solidFill>
             </a:rPr>
-            <a:t>IV-Complex Chooser Options</a:t>
+            <a:t>II-</a:t>
+          </a:r>
+          <a:r>
+            <a:rPr lang="fr-FR" sz="3600" b="1" noProof="0" dirty="0" err="1" smtClean="0">
+              <a:solidFill>
+                <a:schemeClr val="accent1">
+                  <a:lumMod val="75000"/>
+                </a:schemeClr>
+              </a:solidFill>
+            </a:rPr>
+            <a:t>Complex</a:t>
+          </a:r>
+          <a:r>
+            <a:rPr lang="fr-FR" sz="3600" b="1" noProof="0" dirty="0" smtClean="0">
+              <a:solidFill>
+                <a:schemeClr val="accent1">
+                  <a:lumMod val="75000"/>
+                </a:schemeClr>
+              </a:solidFill>
+            </a:rPr>
+            <a:t> </a:t>
+          </a:r>
+          <a:r>
+            <a:rPr lang="fr-FR" sz="3600" b="1" noProof="0" dirty="0" smtClean="0">
+              <a:solidFill>
+                <a:schemeClr val="accent1">
+                  <a:lumMod val="75000"/>
+                </a:schemeClr>
+              </a:solidFill>
+            </a:rPr>
+            <a:t>Chooser Options</a:t>
           </a:r>
         </a:p>
       </dgm:t>
@@ -1418,8 +1174,15 @@
                 </a:schemeClr>
               </a:solidFill>
             </a:rPr>
-            <a:t>VI-Conclusion</a:t>
+            <a:t>IV-Conclusion</a:t>
           </a:r>
+          <a:endParaRPr lang="fr-FR" sz="3600" b="1" noProof="0" dirty="0" smtClean="0">
+            <a:solidFill>
+              <a:schemeClr val="accent1">
+                <a:lumMod val="75000"/>
+              </a:schemeClr>
+            </a:solidFill>
+          </a:endParaRPr>
         </a:p>
       </dgm:t>
     </dgm:pt>
@@ -1501,14 +1264,25 @@
         </a:p>
       </dgm:t>
     </dgm:pt>
-    <dgm:pt modelId="{7AF6DB63-6D9D-4C50-9DD7-ECCE3A23BA6F}" type="pres">
-      <dgm:prSet presAssocID="{E42F0122-757C-4C37-88A0-FB81BA512B4D}" presName="linearFlow" presStyleCnt="0">
-        <dgm:presLayoutVars>
-          <dgm:dir/>
-          <dgm:animLvl val="lvl"/>
-          <dgm:resizeHandles val="exact"/>
-        </dgm:presLayoutVars>
-      </dgm:prSet>
+    <dgm:pt modelId="{7B5B3069-EFAE-4C94-921D-D6D3B7C28BB1}">
+      <dgm:prSet custT="1"/>
+      <dgm:spPr/>
+      <dgm:t>
+        <a:bodyPr/>
+        <a:lstStyle/>
+        <a:p>
+          <a:endParaRPr lang="fr-FR" sz="3600" b="1" noProof="0" dirty="0" smtClean="0">
+            <a:solidFill>
+              <a:schemeClr val="tx1">
+                <a:lumMod val="75000"/>
+              </a:schemeClr>
+            </a:solidFill>
+          </a:endParaRPr>
+        </a:p>
+      </dgm:t>
+    </dgm:pt>
+    <dgm:pt modelId="{5FB3A044-CF8B-464B-B94E-A473F34034FF}" type="sibTrans" cxnId="{774D652A-5903-4471-B929-F3BD71637E42}">
+      <dgm:prSet/>
       <dgm:spPr/>
       <dgm:t>
         <a:bodyPr/>
@@ -1518,8 +1292,8 @@
         </a:p>
       </dgm:t>
     </dgm:pt>
-    <dgm:pt modelId="{52AE4C21-0F3C-46FC-A703-8C30012A3A65}" type="pres">
-      <dgm:prSet presAssocID="{1EECF149-7A76-4C15-B14C-F06875EB4D75}" presName="composite" presStyleCnt="0"/>
+    <dgm:pt modelId="{43DF23F0-5780-4289-94E2-06D88C921A65}" type="parTrans" cxnId="{774D652A-5903-4471-B929-F3BD71637E42}">
+      <dgm:prSet/>
       <dgm:spPr/>
       <dgm:t>
         <a:bodyPr/>
@@ -1529,13 +1303,66 @@
         </a:p>
       </dgm:t>
     </dgm:pt>
-    <dgm:pt modelId="{889AD724-97DC-4930-B9DB-DBAB3D123053}" type="pres">
-      <dgm:prSet presAssocID="{1EECF149-7A76-4C15-B14C-F06875EB4D75}" presName="parentText" presStyleLbl="alignNode1" presStyleIdx="0" presStyleCnt="6">
-        <dgm:presLayoutVars>
-          <dgm:chMax val="1"/>
-          <dgm:bulletEnabled val="1"/>
-        </dgm:presLayoutVars>
-      </dgm:prSet>
+    <dgm:pt modelId="{2EA11D65-00CA-4A78-B78B-D77872EDCBD9}">
+      <dgm:prSet custT="1"/>
+      <dgm:spPr>
+        <a:solidFill>
+          <a:schemeClr val="bg1">
+            <a:lumMod val="95000"/>
+            <a:lumOff val="5000"/>
+            <a:alpha val="90000"/>
+          </a:schemeClr>
+        </a:solidFill>
+      </dgm:spPr>
+      <dgm:t>
+        <a:bodyPr/>
+        <a:lstStyle/>
+        <a:p>
+          <a:r>
+            <a:rPr lang="fr-FR" sz="3600" b="1" noProof="0" dirty="0" smtClean="0">
+              <a:solidFill>
+                <a:schemeClr val="accent1">
+                  <a:lumMod val="75000"/>
+                </a:schemeClr>
+              </a:solidFill>
+            </a:rPr>
+            <a:t>I-Partial-Time </a:t>
+          </a:r>
+          <a:r>
+            <a:rPr lang="fr-FR" sz="3600" b="1" noProof="0" dirty="0" err="1" smtClean="0">
+              <a:solidFill>
+                <a:schemeClr val="accent1">
+                  <a:lumMod val="75000"/>
+                </a:schemeClr>
+              </a:solidFill>
+            </a:rPr>
+            <a:t>Barrier</a:t>
+          </a:r>
+          <a:r>
+            <a:rPr lang="fr-FR" sz="3600" b="1" noProof="0" dirty="0" smtClean="0">
+              <a:solidFill>
+                <a:schemeClr val="accent1">
+                  <a:lumMod val="75000"/>
+                </a:schemeClr>
+              </a:solidFill>
+            </a:rPr>
+            <a:t> </a:t>
+          </a:r>
+          <a:r>
+            <a:rPr lang="fr-FR" sz="3600" b="1" noProof="0" dirty="0" smtClean="0">
+              <a:solidFill>
+                <a:schemeClr val="accent1">
+                  <a:lumMod val="75000"/>
+                </a:schemeClr>
+              </a:solidFill>
+            </a:rPr>
+            <a:t>Options</a:t>
+          </a:r>
+        </a:p>
+      </dgm:t>
+    </dgm:pt>
+    <dgm:pt modelId="{DF648B09-2058-4DB1-9CFD-BEA71015B7D5}" type="sibTrans" cxnId="{D3975777-760C-4AB4-BA55-42F632808929}">
+      <dgm:prSet/>
       <dgm:spPr/>
       <dgm:t>
         <a:bodyPr/>
@@ -1545,12 +1372,8 @@
         </a:p>
       </dgm:t>
     </dgm:pt>
-    <dgm:pt modelId="{CF20245F-33D4-466F-898E-F5BB18451CED}" type="pres">
-      <dgm:prSet presAssocID="{1EECF149-7A76-4C15-B14C-F06875EB4D75}" presName="descendantText" presStyleLbl="alignAcc1" presStyleIdx="0" presStyleCnt="6" custLinFactNeighborX="174">
-        <dgm:presLayoutVars>
-          <dgm:bulletEnabled val="1"/>
-        </dgm:presLayoutVars>
-      </dgm:prSet>
+    <dgm:pt modelId="{1CA6863B-F056-4DFB-93B2-51C9DD6B7CEB}" type="parTrans" cxnId="{D3975777-760C-4AB4-BA55-42F632808929}">
+      <dgm:prSet/>
       <dgm:spPr/>
       <dgm:t>
         <a:bodyPr/>
@@ -1560,61 +1383,14 @@
         </a:p>
       </dgm:t>
     </dgm:pt>
-    <dgm:pt modelId="{65E19D74-4821-48BF-A576-70329B132646}" type="pres">
-      <dgm:prSet presAssocID="{A1E9EB9D-5A06-4C81-8536-4377F9B66C57}" presName="sp" presStyleCnt="0"/>
-      <dgm:spPr/>
-      <dgm:t>
-        <a:bodyPr/>
-        <a:lstStyle/>
-        <a:p>
-          <a:endParaRPr lang="en-US"/>
-        </a:p>
-      </dgm:t>
-    </dgm:pt>
-    <dgm:pt modelId="{FFCB98C8-82A2-4716-BC9F-35CA11AF948A}" type="pres">
-      <dgm:prSet presAssocID="{885755C5-982A-4DE5-B141-3DF88E43641B}" presName="composite" presStyleCnt="0"/>
-      <dgm:spPr/>
-      <dgm:t>
-        <a:bodyPr/>
-        <a:lstStyle/>
-        <a:p>
-          <a:endParaRPr lang="en-US"/>
-        </a:p>
-      </dgm:t>
-    </dgm:pt>
-    <dgm:pt modelId="{50E7F155-0B28-4EB8-A3DA-F62B28ED4788}" type="pres">
-      <dgm:prSet presAssocID="{885755C5-982A-4DE5-B141-3DF88E43641B}" presName="parentText" presStyleLbl="alignNode1" presStyleIdx="1" presStyleCnt="6">
+    <dgm:pt modelId="{7AF6DB63-6D9D-4C50-9DD7-ECCE3A23BA6F}" type="pres">
+      <dgm:prSet presAssocID="{E42F0122-757C-4C37-88A0-FB81BA512B4D}" presName="linearFlow" presStyleCnt="0">
         <dgm:presLayoutVars>
-          <dgm:chMax val="1"/>
-          <dgm:bulletEnabled val="1"/>
+          <dgm:dir/>
+          <dgm:animLvl val="lvl"/>
+          <dgm:resizeHandles val="exact"/>
         </dgm:presLayoutVars>
       </dgm:prSet>
-      <dgm:spPr/>
-      <dgm:t>
-        <a:bodyPr/>
-        <a:lstStyle/>
-        <a:p>
-          <a:endParaRPr lang="en-US"/>
-        </a:p>
-      </dgm:t>
-    </dgm:pt>
-    <dgm:pt modelId="{5D21B0F4-0BFF-4375-93B3-BD56BB6213EC}" type="pres">
-      <dgm:prSet presAssocID="{885755C5-982A-4DE5-B141-3DF88E43641B}" presName="descendantText" presStyleLbl="alignAcc1" presStyleIdx="1" presStyleCnt="6">
-        <dgm:presLayoutVars>
-          <dgm:bulletEnabled val="1"/>
-        </dgm:presLayoutVars>
-      </dgm:prSet>
-      <dgm:spPr/>
-      <dgm:t>
-        <a:bodyPr/>
-        <a:lstStyle/>
-        <a:p>
-          <a:endParaRPr lang="en-US"/>
-        </a:p>
-      </dgm:t>
-    </dgm:pt>
-    <dgm:pt modelId="{7F71CF00-72A0-44C0-954B-90A6D44C27ED}" type="pres">
-      <dgm:prSet presAssocID="{BDF1DE11-6C9F-453A-B110-4C527D6E7303}" presName="sp" presStyleCnt="0"/>
       <dgm:spPr/>
       <dgm:t>
         <a:bodyPr/>
@@ -1636,7 +1412,7 @@
       </dgm:t>
     </dgm:pt>
     <dgm:pt modelId="{F19540CE-E2C5-4FD1-A90C-A623A7080392}" type="pres">
-      <dgm:prSet presAssocID="{7B5B3069-EFAE-4C94-921D-D6D3B7C28BB1}" presName="parentText" presStyleLbl="alignNode1" presStyleIdx="2" presStyleCnt="6">
+      <dgm:prSet presAssocID="{7B5B3069-EFAE-4C94-921D-D6D3B7C28BB1}" presName="parentText" presStyleLbl="alignNode1" presStyleIdx="0" presStyleCnt="4">
         <dgm:presLayoutVars>
           <dgm:chMax val="1"/>
           <dgm:bulletEnabled val="1"/>
@@ -1652,7 +1428,7 @@
       </dgm:t>
     </dgm:pt>
     <dgm:pt modelId="{3FF88047-6236-47E6-998D-4E3EA0983E72}" type="pres">
-      <dgm:prSet presAssocID="{7B5B3069-EFAE-4C94-921D-D6D3B7C28BB1}" presName="descendantText" presStyleLbl="alignAcc1" presStyleIdx="2" presStyleCnt="6">
+      <dgm:prSet presAssocID="{7B5B3069-EFAE-4C94-921D-D6D3B7C28BB1}" presName="descendantText" presStyleLbl="alignAcc1" presStyleIdx="0" presStyleCnt="4">
         <dgm:presLayoutVars>
           <dgm:bulletEnabled val="1"/>
         </dgm:presLayoutVars>
@@ -1689,7 +1465,7 @@
       </dgm:t>
     </dgm:pt>
     <dgm:pt modelId="{A6CE0B11-D65A-4EA5-AC61-673ADCCD0CA0}" type="pres">
-      <dgm:prSet presAssocID="{85AB4DCC-A184-4667-8FA8-A2A32DFE6220}" presName="parentText" presStyleLbl="alignNode1" presStyleIdx="3" presStyleCnt="6">
+      <dgm:prSet presAssocID="{85AB4DCC-A184-4667-8FA8-A2A32DFE6220}" presName="parentText" presStyleLbl="alignNode1" presStyleIdx="1" presStyleCnt="4">
         <dgm:presLayoutVars>
           <dgm:chMax val="1"/>
           <dgm:bulletEnabled val="1"/>
@@ -1705,7 +1481,7 @@
       </dgm:t>
     </dgm:pt>
     <dgm:pt modelId="{8AB5A1D8-F846-4952-91D5-8A7FE5012D93}" type="pres">
-      <dgm:prSet presAssocID="{85AB4DCC-A184-4667-8FA8-A2A32DFE6220}" presName="descendantText" presStyleLbl="alignAcc1" presStyleIdx="3" presStyleCnt="6">
+      <dgm:prSet presAssocID="{85AB4DCC-A184-4667-8FA8-A2A32DFE6220}" presName="descendantText" presStyleLbl="alignAcc1" presStyleIdx="1" presStyleCnt="4">
         <dgm:presLayoutVars>
           <dgm:bulletEnabled val="1"/>
         </dgm:presLayoutVars>
@@ -1742,7 +1518,7 @@
       </dgm:t>
     </dgm:pt>
     <dgm:pt modelId="{B42C3359-B3EE-455E-8DA8-EEADBB34ADA4}" type="pres">
-      <dgm:prSet presAssocID="{1D401610-B815-437E-A4BB-1F07B9E46326}" presName="parentText" presStyleLbl="alignNode1" presStyleIdx="4" presStyleCnt="6">
+      <dgm:prSet presAssocID="{1D401610-B815-437E-A4BB-1F07B9E46326}" presName="parentText" presStyleLbl="alignNode1" presStyleIdx="2" presStyleCnt="4">
         <dgm:presLayoutVars>
           <dgm:chMax val="1"/>
           <dgm:bulletEnabled val="1"/>
@@ -1758,7 +1534,7 @@
       </dgm:t>
     </dgm:pt>
     <dgm:pt modelId="{0053D2EA-E96A-485A-9B47-065EB2ECE275}" type="pres">
-      <dgm:prSet presAssocID="{1D401610-B815-437E-A4BB-1F07B9E46326}" presName="descendantText" presStyleLbl="alignAcc1" presStyleIdx="4" presStyleCnt="6">
+      <dgm:prSet presAssocID="{1D401610-B815-437E-A4BB-1F07B9E46326}" presName="descendantText" presStyleLbl="alignAcc1" presStyleIdx="2" presStyleCnt="4">
         <dgm:presLayoutVars>
           <dgm:bulletEnabled val="1"/>
         </dgm:presLayoutVars>
@@ -1795,7 +1571,7 @@
       </dgm:t>
     </dgm:pt>
     <dgm:pt modelId="{225C83A9-779B-4707-93D8-DCD1C911EBB6}" type="pres">
-      <dgm:prSet presAssocID="{EB26E467-781D-4EC7-B406-563E5B4FB7F8}" presName="parentText" presStyleLbl="alignNode1" presStyleIdx="5" presStyleCnt="6">
+      <dgm:prSet presAssocID="{EB26E467-781D-4EC7-B406-563E5B4FB7F8}" presName="parentText" presStyleLbl="alignNode1" presStyleIdx="3" presStyleCnt="4">
         <dgm:presLayoutVars>
           <dgm:chMax val="1"/>
           <dgm:bulletEnabled val="1"/>
@@ -1811,7 +1587,7 @@
       </dgm:t>
     </dgm:pt>
     <dgm:pt modelId="{6574DC34-666A-4340-A81D-BCA3F02AB8AF}" type="pres">
-      <dgm:prSet presAssocID="{EB26E467-781D-4EC7-B406-563E5B4FB7F8}" presName="descendantText" presStyleLbl="alignAcc1" presStyleIdx="5" presStyleCnt="6">
+      <dgm:prSet presAssocID="{EB26E467-781D-4EC7-B406-563E5B4FB7F8}" presName="descendantText" presStyleLbl="alignAcc1" presStyleIdx="3" presStyleCnt="4">
         <dgm:presLayoutVars>
           <dgm:bulletEnabled val="1"/>
         </dgm:presLayoutVars>
@@ -1833,46 +1609,30 @@
     <dgm:cxn modelId="{40DDB7B8-96D2-4133-A976-3D219E9E6121}" type="presOf" srcId="{DF3886B3-D9F0-4449-97A7-82FBFE04BDB1}" destId="{0053D2EA-E96A-485A-9B47-065EB2ECE275}" srcOrd="0" destOrd="0" presId="urn:microsoft.com/office/officeart/2005/8/layout/chevron2"/>
     <dgm:cxn modelId="{D3975777-760C-4AB4-BA55-42F632808929}" srcId="{7B5B3069-EFAE-4C94-921D-D6D3B7C28BB1}" destId="{2EA11D65-00CA-4A78-B78B-D77872EDCBD9}" srcOrd="0" destOrd="0" parTransId="{1CA6863B-F056-4DFB-93B2-51C9DD6B7CEB}" sibTransId="{DF648B09-2058-4DB1-9CFD-BEA71015B7D5}"/>
     <dgm:cxn modelId="{E7E38B2F-772E-4C87-AC28-CED8FDDB5C21}" srcId="{1D401610-B815-437E-A4BB-1F07B9E46326}" destId="{DF3886B3-D9F0-4449-97A7-82FBFE04BDB1}" srcOrd="0" destOrd="0" parTransId="{88FAFEC4-219F-4CD8-9A78-8CFED220EC4B}" sibTransId="{A29424F8-1EAE-4387-AE6C-BB8741CB6684}"/>
-    <dgm:cxn modelId="{10030D95-879B-4074-A9AF-ADCE62F42AF1}" srcId="{E42F0122-757C-4C37-88A0-FB81BA512B4D}" destId="{EB26E467-781D-4EC7-B406-563E5B4FB7F8}" srcOrd="5" destOrd="0" parTransId="{35E7EDCC-9FED-4DEE-9B22-D198F66DDC6E}" sibTransId="{4843D217-E09B-4B51-B002-5C8694A6B122}"/>
-    <dgm:cxn modelId="{7CBCAA00-4623-4628-8B0B-C6751DF01BE4}" srcId="{E42F0122-757C-4C37-88A0-FB81BA512B4D}" destId="{1EECF149-7A76-4C15-B14C-F06875EB4D75}" srcOrd="0" destOrd="0" parTransId="{0ACD2AF6-740D-4014-917E-8B0B20FAD948}" sibTransId="{A1E9EB9D-5A06-4C81-8536-4377F9B66C57}"/>
-    <dgm:cxn modelId="{774D652A-5903-4471-B929-F3BD71637E42}" srcId="{E42F0122-757C-4C37-88A0-FB81BA512B4D}" destId="{7B5B3069-EFAE-4C94-921D-D6D3B7C28BB1}" srcOrd="2" destOrd="0" parTransId="{43DF23F0-5780-4289-94E2-06D88C921A65}" sibTransId="{5FB3A044-CF8B-464B-B94E-A473F34034FF}"/>
-    <dgm:cxn modelId="{1A30709A-9FCB-4E92-9921-7978C9A47D9C}" srcId="{885755C5-982A-4DE5-B141-3DF88E43641B}" destId="{3D661867-E1C8-4021-8727-E93C87587F62}" srcOrd="0" destOrd="0" parTransId="{46034F4C-58A5-4F47-A178-C87E8026F23A}" sibTransId="{7CEC64C7-C80B-44C0-A26D-876C874B7D55}"/>
-    <dgm:cxn modelId="{E10EE016-9C84-4394-A60C-F968C19245E2}" srcId="{E42F0122-757C-4C37-88A0-FB81BA512B4D}" destId="{885755C5-982A-4DE5-B141-3DF88E43641B}" srcOrd="1" destOrd="0" parTransId="{231D4BC0-B307-4531-B3BB-D525237B1B29}" sibTransId="{BDF1DE11-6C9F-453A-B110-4C527D6E7303}"/>
+    <dgm:cxn modelId="{10030D95-879B-4074-A9AF-ADCE62F42AF1}" srcId="{E42F0122-757C-4C37-88A0-FB81BA512B4D}" destId="{EB26E467-781D-4EC7-B406-563E5B4FB7F8}" srcOrd="3" destOrd="0" parTransId="{35E7EDCC-9FED-4DEE-9B22-D198F66DDC6E}" sibTransId="{4843D217-E09B-4B51-B002-5C8694A6B122}"/>
+    <dgm:cxn modelId="{774D652A-5903-4471-B929-F3BD71637E42}" srcId="{E42F0122-757C-4C37-88A0-FB81BA512B4D}" destId="{7B5B3069-EFAE-4C94-921D-D6D3B7C28BB1}" srcOrd="0" destOrd="0" parTransId="{43DF23F0-5780-4289-94E2-06D88C921A65}" sibTransId="{5FB3A044-CF8B-464B-B94E-A473F34034FF}"/>
     <dgm:cxn modelId="{184D39D7-F755-4DE4-9B48-06ED85E8AE5B}" srcId="{85AB4DCC-A184-4667-8FA8-A2A32DFE6220}" destId="{9CB0A8F5-1980-4068-9CC1-40FA56BD43D0}" srcOrd="0" destOrd="0" parTransId="{C6524B4D-7A59-44E9-A5A5-D5702AFAF48F}" sibTransId="{F19D15A0-2CC6-46D0-8D94-AC3B4044370F}"/>
+    <dgm:cxn modelId="{0813311E-E578-4D32-8979-2C51CF645B1D}" srcId="{E42F0122-757C-4C37-88A0-FB81BA512B4D}" destId="{85AB4DCC-A184-4667-8FA8-A2A32DFE6220}" srcOrd="1" destOrd="0" parTransId="{DD0824FD-88DD-4540-82A2-9EEAE8B4599B}" sibTransId="{5B136187-5275-48E0-A906-484E6785145E}"/>
     <dgm:cxn modelId="{4B3A80E3-44FF-4159-90A3-D24332A56200}" type="presOf" srcId="{7B5B3069-EFAE-4C94-921D-D6D3B7C28BB1}" destId="{F19540CE-E2C5-4FD1-A90C-A623A7080392}" srcOrd="0" destOrd="0" presId="urn:microsoft.com/office/officeart/2005/8/layout/chevron2"/>
-    <dgm:cxn modelId="{0813311E-E578-4D32-8979-2C51CF645B1D}" srcId="{E42F0122-757C-4C37-88A0-FB81BA512B4D}" destId="{85AB4DCC-A184-4667-8FA8-A2A32DFE6220}" srcOrd="3" destOrd="0" parTransId="{DD0824FD-88DD-4540-82A2-9EEAE8B4599B}" sibTransId="{5B136187-5275-48E0-A906-484E6785145E}"/>
     <dgm:cxn modelId="{D8461707-96CE-4C1C-9241-42F9322369E2}" type="presOf" srcId="{64F7D946-2376-425B-9BB6-243BA3BDB128}" destId="{6574DC34-666A-4340-A81D-BCA3F02AB8AF}" srcOrd="0" destOrd="0" presId="urn:microsoft.com/office/officeart/2005/8/layout/chevron2"/>
-    <dgm:cxn modelId="{37E27C8A-AEF0-40F0-8F7A-5C03254F2FEF}" type="presOf" srcId="{6965A9E9-7D1D-4526-AC3D-4F67C234D037}" destId="{CF20245F-33D4-466F-898E-F5BB18451CED}" srcOrd="0" destOrd="0" presId="urn:microsoft.com/office/officeart/2005/8/layout/chevron2"/>
-    <dgm:cxn modelId="{669133A1-0926-46A5-BF9B-ACB75A21F02E}" type="presOf" srcId="{3D661867-E1C8-4021-8727-E93C87587F62}" destId="{5D21B0F4-0BFF-4375-93B3-BD56BB6213EC}" srcOrd="0" destOrd="0" presId="urn:microsoft.com/office/officeart/2005/8/layout/chevron2"/>
     <dgm:cxn modelId="{558CF4B1-7141-4AB4-939A-6259A99BDAFF}" type="presOf" srcId="{EB26E467-781D-4EC7-B406-563E5B4FB7F8}" destId="{225C83A9-779B-4707-93D8-DCD1C911EBB6}" srcOrd="0" destOrd="0" presId="urn:microsoft.com/office/officeart/2005/8/layout/chevron2"/>
     <dgm:cxn modelId="{AB04F998-B988-4854-948A-7ED8494B8BCA}" type="presOf" srcId="{9CB0A8F5-1980-4068-9CC1-40FA56BD43D0}" destId="{8AB5A1D8-F846-4952-91D5-8A7FE5012D93}" srcOrd="0" destOrd="0" presId="urn:microsoft.com/office/officeart/2005/8/layout/chevron2"/>
-    <dgm:cxn modelId="{5A023A98-8DD0-49B8-8CD5-158700635EDE}" type="presOf" srcId="{1EECF149-7A76-4C15-B14C-F06875EB4D75}" destId="{889AD724-97DC-4930-B9DB-DBAB3D123053}" srcOrd="0" destOrd="0" presId="urn:microsoft.com/office/officeart/2005/8/layout/chevron2"/>
-    <dgm:cxn modelId="{326734E3-0048-4A95-9CD3-3B086DFF48FE}" srcId="{1EECF149-7A76-4C15-B14C-F06875EB4D75}" destId="{6965A9E9-7D1D-4526-AC3D-4F67C234D037}" srcOrd="0" destOrd="0" parTransId="{058F3EBC-0793-44F0-8BC8-27729EE5DAAF}" sibTransId="{0231198A-87DC-46EE-A3D8-F511E24C6DBE}"/>
     <dgm:cxn modelId="{3299DEDE-CE00-4563-878A-86B312E36129}" type="presOf" srcId="{85AB4DCC-A184-4667-8FA8-A2A32DFE6220}" destId="{A6CE0B11-D65A-4EA5-AC61-673ADCCD0CA0}" srcOrd="0" destOrd="0" presId="urn:microsoft.com/office/officeart/2005/8/layout/chevron2"/>
-    <dgm:cxn modelId="{CD31F1AC-3B9A-4560-85DB-71A0279713F8}" srcId="{E42F0122-757C-4C37-88A0-FB81BA512B4D}" destId="{1D401610-B815-437E-A4BB-1F07B9E46326}" srcOrd="4" destOrd="0" parTransId="{A065899F-8DF3-4BF5-81D3-CCAB2CF4E6DC}" sibTransId="{60823CD2-4541-4D09-BD0F-61B215A1E742}"/>
+    <dgm:cxn modelId="{CD31F1AC-3B9A-4560-85DB-71A0279713F8}" srcId="{E42F0122-757C-4C37-88A0-FB81BA512B4D}" destId="{1D401610-B815-437E-A4BB-1F07B9E46326}" srcOrd="2" destOrd="0" parTransId="{A065899F-8DF3-4BF5-81D3-CCAB2CF4E6DC}" sibTransId="{60823CD2-4541-4D09-BD0F-61B215A1E742}"/>
     <dgm:cxn modelId="{B2FB4DA1-268C-45B5-AA69-88810A648ABC}" type="presOf" srcId="{2EA11D65-00CA-4A78-B78B-D77872EDCBD9}" destId="{3FF88047-6236-47E6-998D-4E3EA0983E72}" srcOrd="0" destOrd="0" presId="urn:microsoft.com/office/officeart/2005/8/layout/chevron2"/>
-    <dgm:cxn modelId="{ADA404A4-2709-4F6B-955B-134B6B2111D0}" type="presOf" srcId="{885755C5-982A-4DE5-B141-3DF88E43641B}" destId="{50E7F155-0B28-4EB8-A3DA-F62B28ED4788}" srcOrd="0" destOrd="0" presId="urn:microsoft.com/office/officeart/2005/8/layout/chevron2"/>
-    <dgm:cxn modelId="{7B30810B-7DF3-4DE6-AC37-0E36A748131E}" type="presParOf" srcId="{7AF6DB63-6D9D-4C50-9DD7-ECCE3A23BA6F}" destId="{52AE4C21-0F3C-46FC-A703-8C30012A3A65}" srcOrd="0" destOrd="0" presId="urn:microsoft.com/office/officeart/2005/8/layout/chevron2"/>
-    <dgm:cxn modelId="{6A2722F9-D5A9-477C-BC5A-ADDA627EB8C4}" type="presParOf" srcId="{52AE4C21-0F3C-46FC-A703-8C30012A3A65}" destId="{889AD724-97DC-4930-B9DB-DBAB3D123053}" srcOrd="0" destOrd="0" presId="urn:microsoft.com/office/officeart/2005/8/layout/chevron2"/>
-    <dgm:cxn modelId="{3DC27FD3-6064-43A1-95C6-868D7B019C6F}" type="presParOf" srcId="{52AE4C21-0F3C-46FC-A703-8C30012A3A65}" destId="{CF20245F-33D4-466F-898E-F5BB18451CED}" srcOrd="1" destOrd="0" presId="urn:microsoft.com/office/officeart/2005/8/layout/chevron2"/>
-    <dgm:cxn modelId="{426293F6-0C1D-4049-9B13-7783AC1A9327}" type="presParOf" srcId="{7AF6DB63-6D9D-4C50-9DD7-ECCE3A23BA6F}" destId="{65E19D74-4821-48BF-A576-70329B132646}" srcOrd="1" destOrd="0" presId="urn:microsoft.com/office/officeart/2005/8/layout/chevron2"/>
-    <dgm:cxn modelId="{A2986A01-FF85-4B2F-97CA-7501B9EF58F9}" type="presParOf" srcId="{7AF6DB63-6D9D-4C50-9DD7-ECCE3A23BA6F}" destId="{FFCB98C8-82A2-4716-BC9F-35CA11AF948A}" srcOrd="2" destOrd="0" presId="urn:microsoft.com/office/officeart/2005/8/layout/chevron2"/>
-    <dgm:cxn modelId="{2C60219A-8E14-4515-9BD6-4054E5DE3D8E}" type="presParOf" srcId="{FFCB98C8-82A2-4716-BC9F-35CA11AF948A}" destId="{50E7F155-0B28-4EB8-A3DA-F62B28ED4788}" srcOrd="0" destOrd="0" presId="urn:microsoft.com/office/officeart/2005/8/layout/chevron2"/>
-    <dgm:cxn modelId="{33EFA07E-0525-4836-8CFC-F2547E69A454}" type="presParOf" srcId="{FFCB98C8-82A2-4716-BC9F-35CA11AF948A}" destId="{5D21B0F4-0BFF-4375-93B3-BD56BB6213EC}" srcOrd="1" destOrd="0" presId="urn:microsoft.com/office/officeart/2005/8/layout/chevron2"/>
-    <dgm:cxn modelId="{A20AC7FC-20A2-437D-92AE-4EF0A008A128}" type="presParOf" srcId="{7AF6DB63-6D9D-4C50-9DD7-ECCE3A23BA6F}" destId="{7F71CF00-72A0-44C0-954B-90A6D44C27ED}" srcOrd="3" destOrd="0" presId="urn:microsoft.com/office/officeart/2005/8/layout/chevron2"/>
-    <dgm:cxn modelId="{1F9CDBB9-9613-4E80-A79F-9104FFA9A7AE}" type="presParOf" srcId="{7AF6DB63-6D9D-4C50-9DD7-ECCE3A23BA6F}" destId="{FCA75C7B-57D7-4F43-9004-4C8E28689022}" srcOrd="4" destOrd="0" presId="urn:microsoft.com/office/officeart/2005/8/layout/chevron2"/>
+    <dgm:cxn modelId="{1F9CDBB9-9613-4E80-A79F-9104FFA9A7AE}" type="presParOf" srcId="{7AF6DB63-6D9D-4C50-9DD7-ECCE3A23BA6F}" destId="{FCA75C7B-57D7-4F43-9004-4C8E28689022}" srcOrd="0" destOrd="0" presId="urn:microsoft.com/office/officeart/2005/8/layout/chevron2"/>
     <dgm:cxn modelId="{5ADCD4F2-95F0-40E4-966A-0C65B7421B89}" type="presParOf" srcId="{FCA75C7B-57D7-4F43-9004-4C8E28689022}" destId="{F19540CE-E2C5-4FD1-A90C-A623A7080392}" srcOrd="0" destOrd="0" presId="urn:microsoft.com/office/officeart/2005/8/layout/chevron2"/>
     <dgm:cxn modelId="{EEA78189-5CE8-4448-9E9B-CB4D1B4A276A}" type="presParOf" srcId="{FCA75C7B-57D7-4F43-9004-4C8E28689022}" destId="{3FF88047-6236-47E6-998D-4E3EA0983E72}" srcOrd="1" destOrd="0" presId="urn:microsoft.com/office/officeart/2005/8/layout/chevron2"/>
-    <dgm:cxn modelId="{DBBA1B44-A59B-4535-ABA2-F9CE43C8BFD5}" type="presParOf" srcId="{7AF6DB63-6D9D-4C50-9DD7-ECCE3A23BA6F}" destId="{A9B51FF0-9FE7-42A3-BB2A-C2AE5E75E43C}" srcOrd="5" destOrd="0" presId="urn:microsoft.com/office/officeart/2005/8/layout/chevron2"/>
-    <dgm:cxn modelId="{5EDB84A4-0165-49FD-8802-041B2A3D4D0C}" type="presParOf" srcId="{7AF6DB63-6D9D-4C50-9DD7-ECCE3A23BA6F}" destId="{3C0D4DEB-0D77-4627-AA3B-0CFDE23BFBC3}" srcOrd="6" destOrd="0" presId="urn:microsoft.com/office/officeart/2005/8/layout/chevron2"/>
+    <dgm:cxn modelId="{DBBA1B44-A59B-4535-ABA2-F9CE43C8BFD5}" type="presParOf" srcId="{7AF6DB63-6D9D-4C50-9DD7-ECCE3A23BA6F}" destId="{A9B51FF0-9FE7-42A3-BB2A-C2AE5E75E43C}" srcOrd="1" destOrd="0" presId="urn:microsoft.com/office/officeart/2005/8/layout/chevron2"/>
+    <dgm:cxn modelId="{5EDB84A4-0165-49FD-8802-041B2A3D4D0C}" type="presParOf" srcId="{7AF6DB63-6D9D-4C50-9DD7-ECCE3A23BA6F}" destId="{3C0D4DEB-0D77-4627-AA3B-0CFDE23BFBC3}" srcOrd="2" destOrd="0" presId="urn:microsoft.com/office/officeart/2005/8/layout/chevron2"/>
     <dgm:cxn modelId="{CA3B7D52-BC1F-4EB8-B588-0C357E484DF7}" type="presParOf" srcId="{3C0D4DEB-0D77-4627-AA3B-0CFDE23BFBC3}" destId="{A6CE0B11-D65A-4EA5-AC61-673ADCCD0CA0}" srcOrd="0" destOrd="0" presId="urn:microsoft.com/office/officeart/2005/8/layout/chevron2"/>
     <dgm:cxn modelId="{22EA0B35-4B2D-430C-B79C-3A94F4630D42}" type="presParOf" srcId="{3C0D4DEB-0D77-4627-AA3B-0CFDE23BFBC3}" destId="{8AB5A1D8-F846-4952-91D5-8A7FE5012D93}" srcOrd="1" destOrd="0" presId="urn:microsoft.com/office/officeart/2005/8/layout/chevron2"/>
-    <dgm:cxn modelId="{102CA2B0-9AB2-4C57-B0C5-4F03F5D53E06}" type="presParOf" srcId="{7AF6DB63-6D9D-4C50-9DD7-ECCE3A23BA6F}" destId="{B6913098-B9D0-4A07-9974-2E7E07B08C20}" srcOrd="7" destOrd="0" presId="urn:microsoft.com/office/officeart/2005/8/layout/chevron2"/>
-    <dgm:cxn modelId="{574BFE4D-C635-4848-ADD7-D5F30C710DF5}" type="presParOf" srcId="{7AF6DB63-6D9D-4C50-9DD7-ECCE3A23BA6F}" destId="{7A46B177-869F-42B2-A9C9-378BC65F37C4}" srcOrd="8" destOrd="0" presId="urn:microsoft.com/office/officeart/2005/8/layout/chevron2"/>
+    <dgm:cxn modelId="{102CA2B0-9AB2-4C57-B0C5-4F03F5D53E06}" type="presParOf" srcId="{7AF6DB63-6D9D-4C50-9DD7-ECCE3A23BA6F}" destId="{B6913098-B9D0-4A07-9974-2E7E07B08C20}" srcOrd="3" destOrd="0" presId="urn:microsoft.com/office/officeart/2005/8/layout/chevron2"/>
+    <dgm:cxn modelId="{574BFE4D-C635-4848-ADD7-D5F30C710DF5}" type="presParOf" srcId="{7AF6DB63-6D9D-4C50-9DD7-ECCE3A23BA6F}" destId="{7A46B177-869F-42B2-A9C9-378BC65F37C4}" srcOrd="4" destOrd="0" presId="urn:microsoft.com/office/officeart/2005/8/layout/chevron2"/>
     <dgm:cxn modelId="{5B610610-ACC9-411B-8B58-079480B2D875}" type="presParOf" srcId="{7A46B177-869F-42B2-A9C9-378BC65F37C4}" destId="{B42C3359-B3EE-455E-8DA8-EEADBB34ADA4}" srcOrd="0" destOrd="0" presId="urn:microsoft.com/office/officeart/2005/8/layout/chevron2"/>
     <dgm:cxn modelId="{8F8A01E5-B147-470C-B877-AD49B64ED23E}" type="presParOf" srcId="{7A46B177-869F-42B2-A9C9-378BC65F37C4}" destId="{0053D2EA-E96A-485A-9B47-065EB2ECE275}" srcOrd="1" destOrd="0" presId="urn:microsoft.com/office/officeart/2005/8/layout/chevron2"/>
-    <dgm:cxn modelId="{54DC8C30-7C6E-4D57-A68F-88DE37A3029F}" type="presParOf" srcId="{7AF6DB63-6D9D-4C50-9DD7-ECCE3A23BA6F}" destId="{84DD139E-22CB-440B-866E-9932A5E528B0}" srcOrd="9" destOrd="0" presId="urn:microsoft.com/office/officeart/2005/8/layout/chevron2"/>
-    <dgm:cxn modelId="{8959D11B-D045-4A79-862A-E1C3F7AE215C}" type="presParOf" srcId="{7AF6DB63-6D9D-4C50-9DD7-ECCE3A23BA6F}" destId="{B594795E-08D2-4E6B-ACEF-106730B60B80}" srcOrd="10" destOrd="0" presId="urn:microsoft.com/office/officeart/2005/8/layout/chevron2"/>
+    <dgm:cxn modelId="{54DC8C30-7C6E-4D57-A68F-88DE37A3029F}" type="presParOf" srcId="{7AF6DB63-6D9D-4C50-9DD7-ECCE3A23BA6F}" destId="{84DD139E-22CB-440B-866E-9932A5E528B0}" srcOrd="5" destOrd="0" presId="urn:microsoft.com/office/officeart/2005/8/layout/chevron2"/>
+    <dgm:cxn modelId="{8959D11B-D045-4A79-862A-E1C3F7AE215C}" type="presParOf" srcId="{7AF6DB63-6D9D-4C50-9DD7-ECCE3A23BA6F}" destId="{B594795E-08D2-4E6B-ACEF-106730B60B80}" srcOrd="6" destOrd="0" presId="urn:microsoft.com/office/officeart/2005/8/layout/chevron2"/>
     <dgm:cxn modelId="{10124680-36A0-4090-86F6-E6F214797D74}" type="presParOf" srcId="{B594795E-08D2-4E6B-ACEF-106730B60B80}" destId="{225C83A9-779B-4707-93D8-DCD1C911EBB6}" srcOrd="0" destOrd="0" presId="urn:microsoft.com/office/officeart/2005/8/layout/chevron2"/>
     <dgm:cxn modelId="{DA60D8BC-1DD6-49D1-B241-D1D07E063F5A}" type="presParOf" srcId="{B594795E-08D2-4E6B-ACEF-106730B60B80}" destId="{6574DC34-666A-4340-A81D-BCA3F02AB8AF}" srcOrd="1" destOrd="0" presId="urn:microsoft.com/office/officeart/2005/8/layout/chevron2"/>
   </dgm:cxnLst>
@@ -1894,374 +1654,6 @@
       <dsp:cNvGrpSpPr/>
     </dsp:nvGrpSpPr>
     <dsp:grpSpPr/>
-    <dsp:sp modelId="{889AD724-97DC-4930-B9DB-DBAB3D123053}">
-      <dsp:nvSpPr>
-        <dsp:cNvPr id="0" name=""/>
-        <dsp:cNvSpPr/>
-      </dsp:nvSpPr>
-      <dsp:spPr>
-        <a:xfrm rot="5400000">
-          <a:off x="-119380" y="121787"/>
-          <a:ext cx="795868" cy="557108"/>
-        </a:xfrm>
-        <a:prstGeom prst="chevron">
-          <a:avLst/>
-        </a:prstGeom>
-        <a:blipFill rotWithShape="0">
-          <a:blip xmlns:r="http://schemas.openxmlformats.org/officeDocument/2006/relationships" r:embed="rId1">
-            <a:duotone>
-              <a:schemeClr val="accent1">
-                <a:hueOff val="0"/>
-                <a:satOff val="0"/>
-                <a:lumOff val="0"/>
-                <a:alphaOff val="0"/>
-                <a:tint val="98000"/>
-                <a:lumMod val="102000"/>
-              </a:schemeClr>
-              <a:schemeClr val="accent1">
-                <a:hueOff val="0"/>
-                <a:satOff val="0"/>
-                <a:lumOff val="0"/>
-                <a:alphaOff val="0"/>
-                <a:shade val="98000"/>
-                <a:lumMod val="98000"/>
-              </a:schemeClr>
-            </a:duotone>
-          </a:blip>
-          <a:tile tx="0" ty="0" sx="100000" sy="100000" flip="none" algn="tl"/>
-        </a:blipFill>
-        <a:ln w="9525" cap="rnd" cmpd="sng" algn="ctr">
-          <a:solidFill>
-            <a:schemeClr val="accent1">
-              <a:hueOff val="0"/>
-              <a:satOff val="0"/>
-              <a:lumOff val="0"/>
-              <a:alphaOff val="0"/>
-            </a:schemeClr>
-          </a:solidFill>
-          <a:prstDash val="solid"/>
-        </a:ln>
-        <a:effectLst>
-          <a:innerShdw blurRad="63500" dist="25400" dir="13500000">
-            <a:srgbClr val="000000">
-              <a:alpha val="75000"/>
-            </a:srgbClr>
-          </a:innerShdw>
-        </a:effectLst>
-      </dsp:spPr>
-      <dsp:style>
-        <a:lnRef idx="1">
-          <a:scrgbClr r="0" g="0" b="0"/>
-        </a:lnRef>
-        <a:fillRef idx="3">
-          <a:scrgbClr r="0" g="0" b="0"/>
-        </a:fillRef>
-        <a:effectRef idx="3">
-          <a:scrgbClr r="0" g="0" b="0"/>
-        </a:effectRef>
-        <a:fontRef idx="minor">
-          <a:schemeClr val="lt1"/>
-        </a:fontRef>
-      </dsp:style>
-      <dsp:txBody>
-        <a:bodyPr spcFirstLastPara="0" vert="horz" wrap="square" lIns="22860" tIns="22860" rIns="22860" bIns="22860" numCol="1" spcCol="1270" anchor="ctr" anchorCtr="0">
-          <a:noAutofit/>
-        </a:bodyPr>
-        <a:lstStyle/>
-        <a:p>
-          <a:pPr lvl="0" algn="ctr" defTabSz="1600200">
-            <a:lnSpc>
-              <a:spcPct val="90000"/>
-            </a:lnSpc>
-            <a:spcBef>
-              <a:spcPct val="0"/>
-            </a:spcBef>
-            <a:spcAft>
-              <a:spcPct val="35000"/>
-            </a:spcAft>
-          </a:pPr>
-          <a:endParaRPr lang="fr-FR" sz="3600" b="1" kern="1200" noProof="0" dirty="0">
-            <a:solidFill>
-              <a:schemeClr val="bg1">
-                <a:lumMod val="95000"/>
-                <a:lumOff val="5000"/>
-              </a:schemeClr>
-            </a:solidFill>
-          </a:endParaRPr>
-        </a:p>
-      </dsp:txBody>
-      <dsp:txXfrm rot="-5400000">
-        <a:off x="0" y="280961"/>
-        <a:ext cx="557108" cy="238760"/>
-      </dsp:txXfrm>
-    </dsp:sp>
-    <dsp:sp modelId="{CF20245F-33D4-466F-898E-F5BB18451CED}">
-      <dsp:nvSpPr>
-        <dsp:cNvPr id="0" name=""/>
-        <dsp:cNvSpPr/>
-      </dsp:nvSpPr>
-      <dsp:spPr>
-        <a:xfrm rot="5400000">
-          <a:off x="4216583" y="-3657068"/>
-          <a:ext cx="517314" cy="7836265"/>
-        </a:xfrm>
-        <a:prstGeom prst="round2SameRect">
-          <a:avLst/>
-        </a:prstGeom>
-        <a:solidFill>
-          <a:schemeClr val="bg1">
-            <a:lumMod val="95000"/>
-            <a:lumOff val="5000"/>
-            <a:alpha val="90000"/>
-          </a:schemeClr>
-        </a:solidFill>
-        <a:ln w="9525" cap="rnd" cmpd="sng" algn="ctr">
-          <a:solidFill>
-            <a:schemeClr val="accent1">
-              <a:hueOff val="0"/>
-              <a:satOff val="0"/>
-              <a:lumOff val="0"/>
-              <a:alphaOff val="0"/>
-            </a:schemeClr>
-          </a:solidFill>
-          <a:prstDash val="solid"/>
-        </a:ln>
-        <a:effectLst/>
-      </dsp:spPr>
-      <dsp:style>
-        <a:lnRef idx="1">
-          <a:scrgbClr r="0" g="0" b="0"/>
-        </a:lnRef>
-        <a:fillRef idx="1">
-          <a:scrgbClr r="0" g="0" b="0"/>
-        </a:fillRef>
-        <a:effectRef idx="2">
-          <a:scrgbClr r="0" g="0" b="0"/>
-        </a:effectRef>
-        <a:fontRef idx="minor"/>
-      </dsp:style>
-      <dsp:txBody>
-        <a:bodyPr spcFirstLastPara="0" vert="horz" wrap="square" lIns="256032" tIns="22860" rIns="22860" bIns="22860" numCol="1" spcCol="1270" anchor="ctr" anchorCtr="0">
-          <a:noAutofit/>
-        </a:bodyPr>
-        <a:lstStyle/>
-        <a:p>
-          <a:pPr marL="285750" lvl="1" indent="-285750" algn="l" defTabSz="1600200">
-            <a:lnSpc>
-              <a:spcPct val="90000"/>
-            </a:lnSpc>
-            <a:spcBef>
-              <a:spcPct val="0"/>
-            </a:spcBef>
-            <a:spcAft>
-              <a:spcPct val="15000"/>
-            </a:spcAft>
-            <a:buChar char="••"/>
-          </a:pPr>
-          <a:r>
-            <a:rPr lang="fr-FR" sz="3600" b="1" kern="1200" noProof="0" dirty="0" smtClean="0">
-              <a:solidFill>
-                <a:schemeClr val="accent1">
-                  <a:lumMod val="75000"/>
-                </a:schemeClr>
-              </a:solidFill>
-            </a:rPr>
-            <a:t>I-QuantLib</a:t>
-          </a:r>
-          <a:endParaRPr lang="fr-FR" sz="3600" b="1" kern="1200" noProof="0" dirty="0">
-            <a:solidFill>
-              <a:schemeClr val="accent1">
-                <a:lumMod val="75000"/>
-              </a:schemeClr>
-            </a:solidFill>
-          </a:endParaRPr>
-        </a:p>
-      </dsp:txBody>
-      <dsp:txXfrm rot="-5400000">
-        <a:off x="557108" y="27660"/>
-        <a:ext cx="7811012" cy="466808"/>
-      </dsp:txXfrm>
-    </dsp:sp>
-    <dsp:sp modelId="{50E7F155-0B28-4EB8-A3DA-F62B28ED4788}">
-      <dsp:nvSpPr>
-        <dsp:cNvPr id="0" name=""/>
-        <dsp:cNvSpPr/>
-      </dsp:nvSpPr>
-      <dsp:spPr>
-        <a:xfrm rot="5400000">
-          <a:off x="-119380" y="818098"/>
-          <a:ext cx="795868" cy="557108"/>
-        </a:xfrm>
-        <a:prstGeom prst="chevron">
-          <a:avLst/>
-        </a:prstGeom>
-        <a:blipFill rotWithShape="0">
-          <a:blip xmlns:r="http://schemas.openxmlformats.org/officeDocument/2006/relationships" r:embed="rId1">
-            <a:duotone>
-              <a:schemeClr val="accent1">
-                <a:hueOff val="0"/>
-                <a:satOff val="0"/>
-                <a:lumOff val="0"/>
-                <a:alphaOff val="0"/>
-                <a:tint val="98000"/>
-                <a:lumMod val="102000"/>
-              </a:schemeClr>
-              <a:schemeClr val="accent1">
-                <a:hueOff val="0"/>
-                <a:satOff val="0"/>
-                <a:lumOff val="0"/>
-                <a:alphaOff val="0"/>
-                <a:shade val="98000"/>
-                <a:lumMod val="98000"/>
-              </a:schemeClr>
-            </a:duotone>
-          </a:blip>
-          <a:tile tx="0" ty="0" sx="100000" sy="100000" flip="none" algn="tl"/>
-        </a:blipFill>
-        <a:ln w="9525" cap="rnd" cmpd="sng" algn="ctr">
-          <a:solidFill>
-            <a:schemeClr val="accent1">
-              <a:hueOff val="0"/>
-              <a:satOff val="0"/>
-              <a:lumOff val="0"/>
-              <a:alphaOff val="0"/>
-            </a:schemeClr>
-          </a:solidFill>
-          <a:prstDash val="solid"/>
-        </a:ln>
-        <a:effectLst>
-          <a:innerShdw blurRad="63500" dist="25400" dir="13500000">
-            <a:srgbClr val="000000">
-              <a:alpha val="75000"/>
-            </a:srgbClr>
-          </a:innerShdw>
-        </a:effectLst>
-      </dsp:spPr>
-      <dsp:style>
-        <a:lnRef idx="1">
-          <a:scrgbClr r="0" g="0" b="0"/>
-        </a:lnRef>
-        <a:fillRef idx="3">
-          <a:scrgbClr r="0" g="0" b="0"/>
-        </a:fillRef>
-        <a:effectRef idx="3">
-          <a:scrgbClr r="0" g="0" b="0"/>
-        </a:effectRef>
-        <a:fontRef idx="minor">
-          <a:schemeClr val="lt1"/>
-        </a:fontRef>
-      </dsp:style>
-      <dsp:txBody>
-        <a:bodyPr spcFirstLastPara="0" vert="horz" wrap="square" lIns="22860" tIns="22860" rIns="22860" bIns="22860" numCol="1" spcCol="1270" anchor="ctr" anchorCtr="0">
-          <a:noAutofit/>
-        </a:bodyPr>
-        <a:lstStyle/>
-        <a:p>
-          <a:pPr lvl="0" algn="ctr" defTabSz="1600200">
-            <a:lnSpc>
-              <a:spcPct val="90000"/>
-            </a:lnSpc>
-            <a:spcBef>
-              <a:spcPct val="0"/>
-            </a:spcBef>
-            <a:spcAft>
-              <a:spcPct val="35000"/>
-            </a:spcAft>
-          </a:pPr>
-          <a:endParaRPr lang="fr-FR" sz="3600" b="1" kern="1200" noProof="0" dirty="0">
-            <a:solidFill>
-              <a:schemeClr val="tx1">
-                <a:lumMod val="75000"/>
-              </a:schemeClr>
-            </a:solidFill>
-          </a:endParaRPr>
-        </a:p>
-      </dsp:txBody>
-      <dsp:txXfrm rot="-5400000">
-        <a:off x="0" y="977272"/>
-        <a:ext cx="557108" cy="238760"/>
-      </dsp:txXfrm>
-    </dsp:sp>
-    <dsp:sp modelId="{5D21B0F4-0BFF-4375-93B3-BD56BB6213EC}">
-      <dsp:nvSpPr>
-        <dsp:cNvPr id="0" name=""/>
-        <dsp:cNvSpPr/>
-      </dsp:nvSpPr>
-      <dsp:spPr>
-        <a:xfrm rot="5400000">
-          <a:off x="4216583" y="-2960757"/>
-          <a:ext cx="517314" cy="7836265"/>
-        </a:xfrm>
-        <a:prstGeom prst="round2SameRect">
-          <a:avLst/>
-        </a:prstGeom>
-        <a:solidFill>
-          <a:schemeClr val="bg1">
-            <a:lumMod val="95000"/>
-            <a:lumOff val="5000"/>
-            <a:alpha val="90000"/>
-          </a:schemeClr>
-        </a:solidFill>
-        <a:ln w="9525" cap="rnd" cmpd="sng" algn="ctr">
-          <a:solidFill>
-            <a:schemeClr val="accent1">
-              <a:hueOff val="0"/>
-              <a:satOff val="0"/>
-              <a:lumOff val="0"/>
-              <a:alphaOff val="0"/>
-            </a:schemeClr>
-          </a:solidFill>
-          <a:prstDash val="solid"/>
-        </a:ln>
-        <a:effectLst/>
-      </dsp:spPr>
-      <dsp:style>
-        <a:lnRef idx="1">
-          <a:scrgbClr r="0" g="0" b="0"/>
-        </a:lnRef>
-        <a:fillRef idx="1">
-          <a:scrgbClr r="0" g="0" b="0"/>
-        </a:fillRef>
-        <a:effectRef idx="2">
-          <a:scrgbClr r="0" g="0" b="0"/>
-        </a:effectRef>
-        <a:fontRef idx="minor"/>
-      </dsp:style>
-      <dsp:txBody>
-        <a:bodyPr spcFirstLastPara="0" vert="horz" wrap="square" lIns="256032" tIns="22860" rIns="22860" bIns="22860" numCol="1" spcCol="1270" anchor="ctr" anchorCtr="0">
-          <a:noAutofit/>
-        </a:bodyPr>
-        <a:lstStyle/>
-        <a:p>
-          <a:pPr marL="285750" lvl="1" indent="-285750" algn="l" defTabSz="1600200">
-            <a:lnSpc>
-              <a:spcPct val="90000"/>
-            </a:lnSpc>
-            <a:spcBef>
-              <a:spcPct val="0"/>
-            </a:spcBef>
-            <a:spcAft>
-              <a:spcPct val="15000"/>
-            </a:spcAft>
-            <a:buChar char="••"/>
-          </a:pPr>
-          <a:r>
-            <a:rPr lang="fr-FR" sz="3600" b="1" kern="1200" noProof="0" dirty="0" smtClean="0">
-              <a:solidFill>
-                <a:schemeClr val="accent1">
-                  <a:lumMod val="75000"/>
-                </a:schemeClr>
-              </a:solidFill>
-            </a:rPr>
-            <a:t>II-Les composons de QuantLib</a:t>
-          </a:r>
-        </a:p>
-      </dsp:txBody>
-      <dsp:txXfrm rot="-5400000">
-        <a:off x="557108" y="723971"/>
-        <a:ext cx="7811012" cy="466808"/>
-      </dsp:txXfrm>
-    </dsp:sp>
     <dsp:sp modelId="{F19540CE-E2C5-4FD1-A90C-A623A7080392}">
       <dsp:nvSpPr>
         <dsp:cNvPr id="0" name=""/>
@@ -2269,8 +1661,8 @@
       </dsp:nvSpPr>
       <dsp:spPr>
         <a:xfrm rot="5400000">
-          <a:off x="-119380" y="1514409"/>
-          <a:ext cx="795868" cy="557108"/>
+          <a:off x="-177206" y="177241"/>
+          <a:ext cx="1181378" cy="826965"/>
         </a:xfrm>
         <a:prstGeom prst="chevron">
           <a:avLst/>
@@ -2358,8 +1750,8 @@
         </a:p>
       </dsp:txBody>
       <dsp:txXfrm rot="-5400000">
-        <a:off x="0" y="1673583"/>
-        <a:ext cx="557108" cy="238760"/>
+        <a:off x="1" y="413518"/>
+        <a:ext cx="826965" cy="354413"/>
       </dsp:txXfrm>
     </dsp:sp>
     <dsp:sp modelId="{3FF88047-6236-47E6-998D-4E3EA0983E72}">
@@ -2369,8 +1761,8 @@
       </dsp:nvSpPr>
       <dsp:spPr>
         <a:xfrm rot="5400000">
-          <a:off x="4216583" y="-2264446"/>
-          <a:ext cx="517314" cy="7836265"/>
+          <a:off x="4226221" y="-3399221"/>
+          <a:ext cx="767896" cy="7566408"/>
         </a:xfrm>
         <a:prstGeom prst="round2SameRect">
           <a:avLst/>
@@ -2426,27 +1818,50 @@
             <a:buChar char="••"/>
           </a:pPr>
           <a:r>
-            <a:rPr lang="fr-FR" sz="3600" b="1" kern="1200" noProof="0" smtClean="0">
+            <a:rPr lang="fr-FR" sz="3600" b="1" kern="1200" noProof="0" dirty="0" smtClean="0">
               <a:solidFill>
                 <a:schemeClr val="accent1">
                   <a:lumMod val="75000"/>
                 </a:schemeClr>
               </a:solidFill>
             </a:rPr>
-            <a:t>III-Partial-Time-Barrier Options</a:t>
+            <a:t>I-Partial-Time </a:t>
           </a:r>
-          <a:endParaRPr lang="fr-FR" sz="3600" b="1" kern="1200" noProof="0" dirty="0" smtClean="0">
-            <a:solidFill>
-              <a:schemeClr val="accent1">
-                <a:lumMod val="75000"/>
-              </a:schemeClr>
-            </a:solidFill>
-          </a:endParaRPr>
+          <a:r>
+            <a:rPr lang="fr-FR" sz="3600" b="1" kern="1200" noProof="0" dirty="0" err="1" smtClean="0">
+              <a:solidFill>
+                <a:schemeClr val="accent1">
+                  <a:lumMod val="75000"/>
+                </a:schemeClr>
+              </a:solidFill>
+            </a:rPr>
+            <a:t>Barrier</a:t>
+          </a:r>
+          <a:r>
+            <a:rPr lang="fr-FR" sz="3600" b="1" kern="1200" noProof="0" dirty="0" smtClean="0">
+              <a:solidFill>
+                <a:schemeClr val="accent1">
+                  <a:lumMod val="75000"/>
+                </a:schemeClr>
+              </a:solidFill>
+            </a:rPr>
+            <a:t> </a:t>
+          </a:r>
+          <a:r>
+            <a:rPr lang="fr-FR" sz="3600" b="1" kern="1200" noProof="0" dirty="0" smtClean="0">
+              <a:solidFill>
+                <a:schemeClr val="accent1">
+                  <a:lumMod val="75000"/>
+                </a:schemeClr>
+              </a:solidFill>
+            </a:rPr>
+            <a:t>Options</a:t>
+          </a:r>
         </a:p>
       </dsp:txBody>
       <dsp:txXfrm rot="-5400000">
-        <a:off x="557108" y="1420282"/>
-        <a:ext cx="7811012" cy="466808"/>
+        <a:off x="826965" y="37521"/>
+        <a:ext cx="7528922" cy="692924"/>
       </dsp:txXfrm>
     </dsp:sp>
     <dsp:sp modelId="{A6CE0B11-D65A-4EA5-AC61-673ADCCD0CA0}">
@@ -2456,8 +1871,8 @@
       </dsp:nvSpPr>
       <dsp:spPr>
         <a:xfrm rot="5400000">
-          <a:off x="-119380" y="2210719"/>
-          <a:ext cx="795868" cy="557108"/>
+          <a:off x="-177206" y="1210837"/>
+          <a:ext cx="1181378" cy="826965"/>
         </a:xfrm>
         <a:prstGeom prst="chevron">
           <a:avLst/>
@@ -2545,8 +1960,8 @@
         </a:p>
       </dsp:txBody>
       <dsp:txXfrm rot="-5400000">
-        <a:off x="0" y="2369893"/>
-        <a:ext cx="557108" cy="238760"/>
+        <a:off x="1" y="1447114"/>
+        <a:ext cx="826965" cy="354413"/>
       </dsp:txXfrm>
     </dsp:sp>
     <dsp:sp modelId="{8AB5A1D8-F846-4952-91D5-8A7FE5012D93}">
@@ -2556,8 +1971,8 @@
       </dsp:nvSpPr>
       <dsp:spPr>
         <a:xfrm rot="5400000">
-          <a:off x="4216583" y="-1568136"/>
-          <a:ext cx="517314" cy="7836265"/>
+          <a:off x="4226221" y="-2365625"/>
+          <a:ext cx="767896" cy="7566408"/>
         </a:xfrm>
         <a:prstGeom prst="round2SameRect">
           <a:avLst/>
@@ -2620,13 +2035,43 @@
                 </a:schemeClr>
               </a:solidFill>
             </a:rPr>
-            <a:t>IV-Complex Chooser Options</a:t>
+            <a:t>II-</a:t>
+          </a:r>
+          <a:r>
+            <a:rPr lang="fr-FR" sz="3600" b="1" kern="1200" noProof="0" dirty="0" err="1" smtClean="0">
+              <a:solidFill>
+                <a:schemeClr val="accent1">
+                  <a:lumMod val="75000"/>
+                </a:schemeClr>
+              </a:solidFill>
+            </a:rPr>
+            <a:t>Complex</a:t>
+          </a:r>
+          <a:r>
+            <a:rPr lang="fr-FR" sz="3600" b="1" kern="1200" noProof="0" dirty="0" smtClean="0">
+              <a:solidFill>
+                <a:schemeClr val="accent1">
+                  <a:lumMod val="75000"/>
+                </a:schemeClr>
+              </a:solidFill>
+            </a:rPr>
+            <a:t> </a:t>
+          </a:r>
+          <a:r>
+            <a:rPr lang="fr-FR" sz="3600" b="1" kern="1200" noProof="0" dirty="0" smtClean="0">
+              <a:solidFill>
+                <a:schemeClr val="accent1">
+                  <a:lumMod val="75000"/>
+                </a:schemeClr>
+              </a:solidFill>
+            </a:rPr>
+            <a:t>Chooser Options</a:t>
           </a:r>
         </a:p>
       </dsp:txBody>
       <dsp:txXfrm rot="-5400000">
-        <a:off x="557108" y="2116592"/>
-        <a:ext cx="7811012" cy="466808"/>
+        <a:off x="826965" y="1071117"/>
+        <a:ext cx="7528922" cy="692924"/>
       </dsp:txXfrm>
     </dsp:sp>
     <dsp:sp modelId="{B42C3359-B3EE-455E-8DA8-EEADBB34ADA4}">
@@ -2636,8 +2081,8 @@
       </dsp:nvSpPr>
       <dsp:spPr>
         <a:xfrm rot="5400000">
-          <a:off x="-119380" y="2907030"/>
-          <a:ext cx="795868" cy="557108"/>
+          <a:off x="-177206" y="2244433"/>
+          <a:ext cx="1181378" cy="826965"/>
         </a:xfrm>
         <a:prstGeom prst="chevron">
           <a:avLst/>
@@ -2725,8 +2170,8 @@
         </a:p>
       </dsp:txBody>
       <dsp:txXfrm rot="-5400000">
-        <a:off x="0" y="3066204"/>
-        <a:ext cx="557108" cy="238760"/>
+        <a:off x="1" y="2480710"/>
+        <a:ext cx="826965" cy="354413"/>
       </dsp:txXfrm>
     </dsp:sp>
     <dsp:sp modelId="{0053D2EA-E96A-485A-9B47-065EB2ECE275}">
@@ -2736,168 +2181,8 @@
       </dsp:nvSpPr>
       <dsp:spPr>
         <a:xfrm rot="5400000">
-          <a:off x="4216583" y="-871825"/>
-          <a:ext cx="517314" cy="7836265"/>
-        </a:xfrm>
-        <a:prstGeom prst="round2SameRect">
-          <a:avLst/>
-        </a:prstGeom>
-        <a:solidFill>
-          <a:schemeClr val="bg1">
-            <a:lumMod val="95000"/>
-            <a:lumOff val="5000"/>
-            <a:alpha val="90000"/>
-          </a:schemeClr>
-        </a:solidFill>
-        <a:ln w="9525" cap="rnd" cmpd="sng" algn="ctr">
-          <a:solidFill>
-            <a:schemeClr val="accent1">
-              <a:hueOff val="0"/>
-              <a:satOff val="0"/>
-              <a:lumOff val="0"/>
-              <a:alphaOff val="0"/>
-            </a:schemeClr>
-          </a:solidFill>
-          <a:prstDash val="solid"/>
-        </a:ln>
-        <a:effectLst/>
-      </dsp:spPr>
-      <dsp:style>
-        <a:lnRef idx="1">
-          <a:scrgbClr r="0" g="0" b="0"/>
-        </a:lnRef>
-        <a:fillRef idx="1">
-          <a:scrgbClr r="0" g="0" b="0"/>
-        </a:fillRef>
-        <a:effectRef idx="2">
-          <a:scrgbClr r="0" g="0" b="0"/>
-        </a:effectRef>
-        <a:fontRef idx="minor"/>
-      </dsp:style>
-      <dsp:txBody>
-        <a:bodyPr spcFirstLastPara="0" vert="horz" wrap="square" lIns="256032" tIns="22860" rIns="22860" bIns="22860" numCol="1" spcCol="1270" anchor="ctr" anchorCtr="0">
-          <a:noAutofit/>
-        </a:bodyPr>
-        <a:lstStyle/>
-        <a:p>
-          <a:pPr marL="285750" lvl="1" indent="-285750" algn="l" defTabSz="1600200">
-            <a:lnSpc>
-              <a:spcPct val="90000"/>
-            </a:lnSpc>
-            <a:spcBef>
-              <a:spcPct val="0"/>
-            </a:spcBef>
-            <a:spcAft>
-              <a:spcPct val="15000"/>
-            </a:spcAft>
-            <a:buChar char="••"/>
-          </a:pPr>
-          <a:r>
-            <a:rPr lang="fr-FR" sz="3600" b="1" kern="1200" noProof="0" smtClean="0">
-              <a:solidFill>
-                <a:schemeClr val="accent1">
-                  <a:lumMod val="75000"/>
-                </a:schemeClr>
-              </a:solidFill>
-            </a:rPr>
-            <a:t>V-Extendible Options</a:t>
-          </a:r>
-          <a:endParaRPr lang="fr-FR" sz="3600" b="1" kern="1200" noProof="0" dirty="0" smtClean="0">
-            <a:solidFill>
-              <a:schemeClr val="accent1">
-                <a:lumMod val="75000"/>
-              </a:schemeClr>
-            </a:solidFill>
-          </a:endParaRPr>
-        </a:p>
-      </dsp:txBody>
-      <dsp:txXfrm rot="-5400000">
-        <a:off x="557108" y="2812903"/>
-        <a:ext cx="7811012" cy="466808"/>
-      </dsp:txXfrm>
-    </dsp:sp>
-    <dsp:sp modelId="{225C83A9-779B-4707-93D8-DCD1C911EBB6}">
-      <dsp:nvSpPr>
-        <dsp:cNvPr id="0" name=""/>
-        <dsp:cNvSpPr/>
-      </dsp:nvSpPr>
-      <dsp:spPr>
-        <a:xfrm rot="5400000">
-          <a:off x="-119380" y="3603341"/>
-          <a:ext cx="795868" cy="557108"/>
-        </a:xfrm>
-        <a:prstGeom prst="chevron">
-          <a:avLst/>
-        </a:prstGeom>
-        <a:solidFill>
-          <a:schemeClr val="accent1"/>
-        </a:solidFill>
-        <a:ln w="15875" cap="rnd" cmpd="sng" algn="ctr">
-          <a:solidFill>
-            <a:schemeClr val="accent1">
-              <a:shade val="50000"/>
-            </a:schemeClr>
-          </a:solidFill>
-          <a:prstDash val="solid"/>
-        </a:ln>
-        <a:effectLst/>
-      </dsp:spPr>
-      <dsp:style>
-        <a:lnRef idx="2">
-          <a:schemeClr val="accent1">
-            <a:shade val="50000"/>
-          </a:schemeClr>
-        </a:lnRef>
-        <a:fillRef idx="1">
-          <a:schemeClr val="accent1"/>
-        </a:fillRef>
-        <a:effectRef idx="0">
-          <a:schemeClr val="accent1"/>
-        </a:effectRef>
-        <a:fontRef idx="minor">
-          <a:schemeClr val="lt1"/>
-        </a:fontRef>
-      </dsp:style>
-      <dsp:txBody>
-        <a:bodyPr spcFirstLastPara="0" vert="horz" wrap="square" lIns="22860" tIns="22860" rIns="22860" bIns="22860" numCol="1" spcCol="1270" anchor="ctr" anchorCtr="0">
-          <a:noAutofit/>
-        </a:bodyPr>
-        <a:lstStyle/>
-        <a:p>
-          <a:pPr lvl="0" algn="ctr" defTabSz="1600200">
-            <a:lnSpc>
-              <a:spcPct val="90000"/>
-            </a:lnSpc>
-            <a:spcBef>
-              <a:spcPct val="0"/>
-            </a:spcBef>
-            <a:spcAft>
-              <a:spcPct val="35000"/>
-            </a:spcAft>
-          </a:pPr>
-          <a:endParaRPr lang="fr-FR" sz="3600" b="1" kern="1200" noProof="0" dirty="0" smtClean="0">
-            <a:solidFill>
-              <a:schemeClr val="accent1">
-                <a:lumMod val="75000"/>
-              </a:schemeClr>
-            </a:solidFill>
-          </a:endParaRPr>
-        </a:p>
-      </dsp:txBody>
-      <dsp:txXfrm rot="-5400000">
-        <a:off x="0" y="3762515"/>
-        <a:ext cx="557108" cy="238760"/>
-      </dsp:txXfrm>
-    </dsp:sp>
-    <dsp:sp modelId="{6574DC34-666A-4340-A81D-BCA3F02AB8AF}">
-      <dsp:nvSpPr>
-        <dsp:cNvPr id="0" name=""/>
-        <dsp:cNvSpPr/>
-      </dsp:nvSpPr>
-      <dsp:spPr>
-        <a:xfrm rot="5400000">
-          <a:off x="4216583" y="-175514"/>
-          <a:ext cx="517314" cy="7836265"/>
+          <a:off x="4226221" y="-1332029"/>
+          <a:ext cx="767896" cy="7566408"/>
         </a:xfrm>
         <a:prstGeom prst="round2SameRect">
           <a:avLst/>
@@ -2960,13 +2245,203 @@
                 </a:schemeClr>
               </a:solidFill>
             </a:rPr>
-            <a:t>VI-Conclusion</a:t>
+            <a:t>III-</a:t>
+          </a:r>
+          <a:r>
+            <a:rPr lang="fr-FR" sz="3600" b="1" kern="1200" noProof="0" dirty="0" err="1" smtClean="0">
+              <a:solidFill>
+                <a:schemeClr val="accent1">
+                  <a:lumMod val="75000"/>
+                </a:schemeClr>
+              </a:solidFill>
+            </a:rPr>
+            <a:t>Extendible</a:t>
+          </a:r>
+          <a:r>
+            <a:rPr lang="fr-FR" sz="3600" b="1" kern="1200" noProof="0" dirty="0" smtClean="0">
+              <a:solidFill>
+                <a:schemeClr val="accent1">
+                  <a:lumMod val="75000"/>
+                </a:schemeClr>
+              </a:solidFill>
+            </a:rPr>
+            <a:t> </a:t>
+          </a:r>
+          <a:r>
+            <a:rPr lang="fr-FR" sz="3600" b="1" kern="1200" noProof="0" dirty="0" smtClean="0">
+              <a:solidFill>
+                <a:schemeClr val="accent1">
+                  <a:lumMod val="75000"/>
+                </a:schemeClr>
+              </a:solidFill>
+            </a:rPr>
+            <a:t>Options</a:t>
           </a:r>
         </a:p>
       </dsp:txBody>
       <dsp:txXfrm rot="-5400000">
-        <a:off x="557108" y="3509214"/>
-        <a:ext cx="7811012" cy="466808"/>
+        <a:off x="826965" y="2104713"/>
+        <a:ext cx="7528922" cy="692924"/>
+      </dsp:txXfrm>
+    </dsp:sp>
+    <dsp:sp modelId="{225C83A9-779B-4707-93D8-DCD1C911EBB6}">
+      <dsp:nvSpPr>
+        <dsp:cNvPr id="0" name=""/>
+        <dsp:cNvSpPr/>
+      </dsp:nvSpPr>
+      <dsp:spPr>
+        <a:xfrm rot="5400000">
+          <a:off x="-177206" y="3278029"/>
+          <a:ext cx="1181378" cy="826965"/>
+        </a:xfrm>
+        <a:prstGeom prst="chevron">
+          <a:avLst/>
+        </a:prstGeom>
+        <a:solidFill>
+          <a:schemeClr val="accent1"/>
+        </a:solidFill>
+        <a:ln w="15875" cap="rnd" cmpd="sng" algn="ctr">
+          <a:solidFill>
+            <a:schemeClr val="accent1">
+              <a:shade val="50000"/>
+            </a:schemeClr>
+          </a:solidFill>
+          <a:prstDash val="solid"/>
+        </a:ln>
+        <a:effectLst/>
+      </dsp:spPr>
+      <dsp:style>
+        <a:lnRef idx="2">
+          <a:schemeClr val="accent1">
+            <a:shade val="50000"/>
+          </a:schemeClr>
+        </a:lnRef>
+        <a:fillRef idx="1">
+          <a:schemeClr val="accent1"/>
+        </a:fillRef>
+        <a:effectRef idx="0">
+          <a:schemeClr val="accent1"/>
+        </a:effectRef>
+        <a:fontRef idx="minor">
+          <a:schemeClr val="lt1"/>
+        </a:fontRef>
+      </dsp:style>
+      <dsp:txBody>
+        <a:bodyPr spcFirstLastPara="0" vert="horz" wrap="square" lIns="22860" tIns="22860" rIns="22860" bIns="22860" numCol="1" spcCol="1270" anchor="ctr" anchorCtr="0">
+          <a:noAutofit/>
+        </a:bodyPr>
+        <a:lstStyle/>
+        <a:p>
+          <a:pPr lvl="0" algn="ctr" defTabSz="1600200">
+            <a:lnSpc>
+              <a:spcPct val="90000"/>
+            </a:lnSpc>
+            <a:spcBef>
+              <a:spcPct val="0"/>
+            </a:spcBef>
+            <a:spcAft>
+              <a:spcPct val="35000"/>
+            </a:spcAft>
+          </a:pPr>
+          <a:endParaRPr lang="fr-FR" sz="3600" b="1" kern="1200" noProof="0" dirty="0" smtClean="0">
+            <a:solidFill>
+              <a:schemeClr val="accent1">
+                <a:lumMod val="75000"/>
+              </a:schemeClr>
+            </a:solidFill>
+          </a:endParaRPr>
+        </a:p>
+      </dsp:txBody>
+      <dsp:txXfrm rot="-5400000">
+        <a:off x="1" y="3514306"/>
+        <a:ext cx="826965" cy="354413"/>
+      </dsp:txXfrm>
+    </dsp:sp>
+    <dsp:sp modelId="{6574DC34-666A-4340-A81D-BCA3F02AB8AF}">
+      <dsp:nvSpPr>
+        <dsp:cNvPr id="0" name=""/>
+        <dsp:cNvSpPr/>
+      </dsp:nvSpPr>
+      <dsp:spPr>
+        <a:xfrm rot="5400000">
+          <a:off x="4226221" y="-298433"/>
+          <a:ext cx="767896" cy="7566408"/>
+        </a:xfrm>
+        <a:prstGeom prst="round2SameRect">
+          <a:avLst/>
+        </a:prstGeom>
+        <a:solidFill>
+          <a:schemeClr val="bg1">
+            <a:lumMod val="95000"/>
+            <a:lumOff val="5000"/>
+            <a:alpha val="90000"/>
+          </a:schemeClr>
+        </a:solidFill>
+        <a:ln w="9525" cap="rnd" cmpd="sng" algn="ctr">
+          <a:solidFill>
+            <a:schemeClr val="accent1">
+              <a:hueOff val="0"/>
+              <a:satOff val="0"/>
+              <a:lumOff val="0"/>
+              <a:alphaOff val="0"/>
+            </a:schemeClr>
+          </a:solidFill>
+          <a:prstDash val="solid"/>
+        </a:ln>
+        <a:effectLst/>
+      </dsp:spPr>
+      <dsp:style>
+        <a:lnRef idx="1">
+          <a:scrgbClr r="0" g="0" b="0"/>
+        </a:lnRef>
+        <a:fillRef idx="1">
+          <a:scrgbClr r="0" g="0" b="0"/>
+        </a:fillRef>
+        <a:effectRef idx="2">
+          <a:scrgbClr r="0" g="0" b="0"/>
+        </a:effectRef>
+        <a:fontRef idx="minor"/>
+      </dsp:style>
+      <dsp:txBody>
+        <a:bodyPr spcFirstLastPara="0" vert="horz" wrap="square" lIns="256032" tIns="22860" rIns="22860" bIns="22860" numCol="1" spcCol="1270" anchor="ctr" anchorCtr="0">
+          <a:noAutofit/>
+        </a:bodyPr>
+        <a:lstStyle/>
+        <a:p>
+          <a:pPr marL="285750" lvl="1" indent="-285750" algn="l" defTabSz="1600200">
+            <a:lnSpc>
+              <a:spcPct val="90000"/>
+            </a:lnSpc>
+            <a:spcBef>
+              <a:spcPct val="0"/>
+            </a:spcBef>
+            <a:spcAft>
+              <a:spcPct val="15000"/>
+            </a:spcAft>
+            <a:buChar char="••"/>
+          </a:pPr>
+          <a:r>
+            <a:rPr lang="fr-FR" sz="3600" b="1" kern="1200" noProof="0" dirty="0" smtClean="0">
+              <a:solidFill>
+                <a:schemeClr val="accent1">
+                  <a:lumMod val="75000"/>
+                </a:schemeClr>
+              </a:solidFill>
+            </a:rPr>
+            <a:t>IV-Conclusion</a:t>
+          </a:r>
+          <a:endParaRPr lang="fr-FR" sz="3600" b="1" kern="1200" noProof="0" dirty="0" smtClean="0">
+            <a:solidFill>
+              <a:schemeClr val="accent1">
+                <a:lumMod val="75000"/>
+              </a:schemeClr>
+            </a:solidFill>
+          </a:endParaRPr>
+        </a:p>
+      </dsp:txBody>
+      <dsp:txXfrm rot="-5400000">
+        <a:off x="826965" y="3138309"/>
+        <a:ext cx="7528922" cy="692924"/>
       </dsp:txXfrm>
     </dsp:sp>
   </dsp:spTree>
@@ -4345,7 +3820,7 @@
           <a:p>
             <a:fld id="{A5B79866-9979-4A08-95CB-AFF34DA103C3}" type="datetimeFigureOut">
               <a:rPr lang="en-US" smtClean="0"/>
-              <a:t>2/26/2014</a:t>
+              <a:t>2/27/2014</a:t>
             </a:fld>
             <a:endParaRPr lang="en-US"/>
           </a:p>
@@ -4511,7 +3986,7 @@
           <a:p>
             <a:fld id="{152D1A2D-D097-4BDF-A626-3A1EA74F97C2}" type="datetimeFigureOut">
               <a:rPr lang="en-US" smtClean="0"/>
-              <a:t>2/26/2014</a:t>
+              <a:t>2/27/2014</a:t>
             </a:fld>
             <a:endParaRPr lang="en-US"/>
           </a:p>
@@ -4929,7 +4404,7 @@
           <a:p>
             <a:fld id="{6BA41965-3D40-4735-8368-97257CDCD385}" type="slidenum">
               <a:rPr lang="en-US" smtClean="0"/>
-              <a:t>10</a:t>
+              <a:t>14</a:t>
             </a:fld>
             <a:endParaRPr lang="en-US"/>
           </a:p>
@@ -4938,7 +4413,7 @@
     </p:spTree>
     <p:extLst>
       <p:ext uri="{BB962C8B-B14F-4D97-AF65-F5344CB8AC3E}">
-        <p14:creationId xmlns:p14="http://schemas.microsoft.com/office/powerpoint/2010/main" val="642588764"/>
+        <p14:creationId xmlns:p14="http://schemas.microsoft.com/office/powerpoint/2010/main" val="1118905151"/>
       </p:ext>
     </p:extLst>
   </p:cSld>
@@ -5022,7 +4497,7 @@
     </p:spTree>
     <p:extLst>
       <p:ext uri="{BB962C8B-B14F-4D97-AF65-F5344CB8AC3E}">
-        <p14:creationId xmlns:p14="http://schemas.microsoft.com/office/powerpoint/2010/main" val="1118905151"/>
+        <p14:creationId xmlns:p14="http://schemas.microsoft.com/office/powerpoint/2010/main" val="4032572888"/>
       </p:ext>
     </p:extLst>
   </p:cSld>
@@ -5097,7 +4572,7 @@
           <a:p>
             <a:fld id="{6BA41965-3D40-4735-8368-97257CDCD385}" type="slidenum">
               <a:rPr lang="en-US" smtClean="0"/>
-              <a:t>16</a:t>
+              <a:t>21</a:t>
             </a:fld>
             <a:endParaRPr lang="en-US"/>
           </a:p>
@@ -5106,7 +4581,7 @@
     </p:spTree>
     <p:extLst>
       <p:ext uri="{BB962C8B-B14F-4D97-AF65-F5344CB8AC3E}">
-        <p14:creationId xmlns:p14="http://schemas.microsoft.com/office/powerpoint/2010/main" val="4032572888"/>
+        <p14:creationId xmlns:p14="http://schemas.microsoft.com/office/powerpoint/2010/main" val="469351090"/>
       </p:ext>
     </p:extLst>
   </p:cSld>
@@ -5182,90 +4657,6 @@
             <a:fld id="{6BA41965-3D40-4735-8368-97257CDCD385}" type="slidenum">
               <a:rPr lang="en-US" smtClean="0"/>
               <a:t>22</a:t>
-            </a:fld>
-            <a:endParaRPr lang="en-US"/>
-          </a:p>
-        </p:txBody>
-      </p:sp>
-    </p:spTree>
-    <p:extLst>
-      <p:ext uri="{BB962C8B-B14F-4D97-AF65-F5344CB8AC3E}">
-        <p14:creationId xmlns:p14="http://schemas.microsoft.com/office/powerpoint/2010/main" val="469351090"/>
-      </p:ext>
-    </p:extLst>
-  </p:cSld>
-  <p:clrMapOvr>
-    <a:masterClrMapping/>
-  </p:clrMapOvr>
-</p:notes>
-</file>
-
-<file path=ppt/notesSlides/notesSlide14.xml><?xml version="1.0" encoding="utf-8"?>
-<p:notes xmlns:a="http://schemas.openxmlformats.org/drawingml/2006/main" xmlns:r="http://schemas.openxmlformats.org/officeDocument/2006/relationships" xmlns:p="http://schemas.openxmlformats.org/presentationml/2006/main">
-  <p:cSld>
-    <p:spTree>
-      <p:nvGrpSpPr>
-        <p:cNvPr id="1" name=""/>
-        <p:cNvGrpSpPr/>
-        <p:nvPr/>
-      </p:nvGrpSpPr>
-      <p:grpSpPr>
-        <a:xfrm>
-          <a:off x="0" y="0"/>
-          <a:ext cx="0" cy="0"/>
-          <a:chOff x="0" y="0"/>
-          <a:chExt cx="0" cy="0"/>
-        </a:xfrm>
-      </p:grpSpPr>
-      <p:sp>
-        <p:nvSpPr>
-          <p:cNvPr id="2" name="Slide Image Placeholder 1"/>
-          <p:cNvSpPr>
-            <a:spLocks noGrp="1" noRot="1" noChangeAspect="1"/>
-          </p:cNvSpPr>
-          <p:nvPr>
-            <p:ph type="sldImg"/>
-          </p:nvPr>
-        </p:nvSpPr>
-        <p:spPr/>
-      </p:sp>
-      <p:sp>
-        <p:nvSpPr>
-          <p:cNvPr id="3" name="Notes Placeholder 2"/>
-          <p:cNvSpPr>
-            <a:spLocks noGrp="1"/>
-          </p:cNvSpPr>
-          <p:nvPr>
-            <p:ph type="body" idx="1"/>
-          </p:nvPr>
-        </p:nvSpPr>
-        <p:spPr/>
-        <p:txBody>
-          <a:bodyPr/>
-          <a:lstStyle/>
-          <a:p>
-            <a:endParaRPr lang="en-US" dirty="0"/>
-          </a:p>
-        </p:txBody>
-      </p:sp>
-      <p:sp>
-        <p:nvSpPr>
-          <p:cNvPr id="4" name="Slide Number Placeholder 3"/>
-          <p:cNvSpPr>
-            <a:spLocks noGrp="1"/>
-          </p:cNvSpPr>
-          <p:nvPr>
-            <p:ph type="sldNum" sz="quarter" idx="10"/>
-          </p:nvPr>
-        </p:nvSpPr>
-        <p:spPr/>
-        <p:txBody>
-          <a:bodyPr/>
-          <a:lstStyle/>
-          <a:p>
-            <a:fld id="{6BA41965-3D40-4735-8368-97257CDCD385}" type="slidenum">
-              <a:rPr lang="en-US" smtClean="0"/>
-              <a:t>23</a:t>
             </a:fld>
             <a:endParaRPr lang="en-US"/>
           </a:p>
@@ -5412,69 +4803,13 @@
           <a:bodyPr/>
           <a:lstStyle/>
           <a:p>
-            <a:pPr marL="0" marR="0" indent="0" algn="l" defTabSz="914400" rtl="0" eaLnBrk="1" fontAlgn="auto" latinLnBrk="0" hangingPunct="1">
-              <a:lnSpc>
-                <a:spcPct val="100000"/>
-              </a:lnSpc>
-              <a:spcBef>
-                <a:spcPts val="0"/>
-              </a:spcBef>
-              <a:spcAft>
-                <a:spcPts val="0"/>
-              </a:spcAft>
-              <a:buClrTx/>
-              <a:buSzTx/>
-              <a:buFontTx/>
-              <a:buNone/>
-              <a:tabLst/>
-              <a:defRPr/>
-            </a:pPr>
             <a:r>
-              <a:rPr lang="en-US" sz="1200" dirty="0" smtClean="0"/>
-              <a:t>-The initial QuantLib</a:t>
-            </a:r>
-            <a:r>
-              <a:rPr lang="en-US" sz="1200" baseline="0" dirty="0" smtClean="0"/>
-              <a:t> </a:t>
-            </a:r>
-            <a:r>
-              <a:rPr lang="en-US" sz="1200" dirty="0" smtClean="0"/>
-              <a:t>release  was 0.1.1 in Nov</a:t>
-            </a:r>
-            <a:r>
-              <a:rPr lang="en-US" sz="1200" baseline="0" dirty="0" smtClean="0"/>
-              <a:t> </a:t>
-            </a:r>
-            <a:r>
-              <a:rPr lang="en-US" sz="1200" dirty="0" smtClean="0"/>
-              <a:t>2000</a:t>
-            </a:r>
-          </a:p>
-          <a:p>
-            <a:r>
-              <a:rPr lang="en-US" sz="1200" b="0" i="0" u="none" strike="noStrike" kern="1200" baseline="0" dirty="0" smtClean="0">
-                <a:solidFill>
-                  <a:schemeClr val="tx1"/>
-                </a:solidFill>
-                <a:latin typeface="+mn-lt"/>
-                <a:ea typeface="+mn-ea"/>
-                <a:cs typeface="+mn-cs"/>
+              <a:rPr lang="en-US" sz="1200" dirty="0" smtClean="0">
+                <a:latin typeface="Times New Roman" panose="02020603050405020304" pitchFamily="18" charset="0"/>
+                <a:ea typeface="Times New Roman" panose="02020603050405020304" pitchFamily="18" charset="0"/>
+                <a:cs typeface="Times New Roman" panose="02020603050405020304" pitchFamily="18" charset="0"/>
               </a:rPr>
-              <a:t>-Is primarily the work of Ferdinando Ametrano and Luigi Ballabio</a:t>
-            </a:r>
-            <a:endParaRPr lang="en-US" sz="1200" dirty="0" smtClean="0"/>
-          </a:p>
-          <a:p>
-            <a:r>
-              <a:rPr lang="en-US" sz="1200" b="0" i="0" u="none" strike="noStrike" kern="1200" baseline="0" dirty="0" smtClean="0">
-                <a:solidFill>
-                  <a:schemeClr val="tx1"/>
-                </a:solidFill>
-                <a:latin typeface="+mn-lt"/>
-                <a:ea typeface="+mn-ea"/>
-                <a:cs typeface="+mn-cs"/>
-              </a:rPr>
-              <a:t>-Boost has been a QuantLib requirement since July 2004</a:t>
+              <a:t>the price is based on the fluctuations in the underlying's value during all or part of the contract term.</a:t>
             </a:r>
             <a:endParaRPr lang="en-US" dirty="0"/>
           </a:p>
@@ -5506,7 +4841,7 @@
     </p:spTree>
     <p:extLst>
       <p:ext uri="{BB962C8B-B14F-4D97-AF65-F5344CB8AC3E}">
-        <p14:creationId xmlns:p14="http://schemas.microsoft.com/office/powerpoint/2010/main" val="789169915"/>
+        <p14:creationId xmlns:p14="http://schemas.microsoft.com/office/powerpoint/2010/main" val="3623625845"/>
       </p:ext>
     </p:extLst>
   </p:cSld>
@@ -5560,14 +4895,6 @@
           <a:bodyPr/>
           <a:lstStyle/>
           <a:p>
-            <a:r>
-              <a:rPr lang="en-US" sz="1200" dirty="0" smtClean="0">
-                <a:latin typeface="Times New Roman" panose="02020603050405020304" pitchFamily="18" charset="0"/>
-                <a:ea typeface="Times New Roman" panose="02020603050405020304" pitchFamily="18" charset="0"/>
-                <a:cs typeface="Times New Roman" panose="02020603050405020304" pitchFamily="18" charset="0"/>
-              </a:rPr>
-              <a:t>the price is based on the fluctuations in the underlying's value during all or part of the contract term.</a:t>
-            </a:r>
             <a:endParaRPr lang="en-US" dirty="0"/>
           </a:p>
         </p:txBody>
@@ -5598,7 +4925,7 @@
     </p:spTree>
     <p:extLst>
       <p:ext uri="{BB962C8B-B14F-4D97-AF65-F5344CB8AC3E}">
-        <p14:creationId xmlns:p14="http://schemas.microsoft.com/office/powerpoint/2010/main" val="3623625845"/>
+        <p14:creationId xmlns:p14="http://schemas.microsoft.com/office/powerpoint/2010/main" val="2062271884"/>
       </p:ext>
     </p:extLst>
   </p:cSld>
@@ -5682,7 +5009,7 @@
     </p:spTree>
     <p:extLst>
       <p:ext uri="{BB962C8B-B14F-4D97-AF65-F5344CB8AC3E}">
-        <p14:creationId xmlns:p14="http://schemas.microsoft.com/office/powerpoint/2010/main" val="2062271884"/>
+        <p14:creationId xmlns:p14="http://schemas.microsoft.com/office/powerpoint/2010/main" val="1131708734"/>
       </p:ext>
     </p:extLst>
   </p:cSld>
@@ -5736,7 +5063,89 @@
           <a:bodyPr/>
           <a:lstStyle/>
           <a:p>
-            <a:endParaRPr lang="en-US" dirty="0"/>
+            <a:r>
+              <a:rPr lang="en-US" sz="2000" b="0" i="0" kern="1200" dirty="0" smtClean="0">
+                <a:solidFill>
+                  <a:schemeClr val="tx1"/>
+                </a:solidFill>
+                <a:effectLst/>
+                <a:latin typeface="+mn-lt"/>
+                <a:ea typeface="+mn-ea"/>
+                <a:cs typeface="+mn-cs"/>
+              </a:rPr>
+              <a:t>-These are similar to regular barrier options,</a:t>
+            </a:r>
+            <a:r>
+              <a:rPr lang="en-US" sz="2000" b="0" i="0" kern="1200" baseline="0" dirty="0" smtClean="0">
+                <a:solidFill>
+                  <a:schemeClr val="tx1"/>
+                </a:solidFill>
+                <a:effectLst/>
+                <a:latin typeface="+mn-lt"/>
+                <a:ea typeface="+mn-ea"/>
+                <a:cs typeface="+mn-cs"/>
+              </a:rPr>
+              <a:t> </a:t>
+            </a:r>
+            <a:r>
+              <a:rPr lang="en-US" sz="2000" dirty="0" smtClean="0"/>
+              <a:t>the behavior is modified by the addition of a trigger window.</a:t>
+            </a:r>
+          </a:p>
+          <a:p>
+            <a:r>
+              <a:rPr lang="en-US" sz="2000" dirty="0" smtClean="0"/>
+              <a:t>	-It is monitored for hits only during specific points in time. </a:t>
+            </a:r>
+          </a:p>
+          <a:p>
+            <a:pPr lvl="1"/>
+            <a:r>
+              <a:rPr lang="en-US" sz="2000" dirty="0" smtClean="0"/>
+              <a:t>		That means the barrier is inactive for part of the option's lifespan. </a:t>
+            </a:r>
+          </a:p>
+          <a:p>
+            <a:r>
+              <a:rPr lang="en-US" sz="2000" dirty="0" smtClean="0"/>
+              <a:t>	-The monitoring period can be at the beginning section or the end section of the option's life.</a:t>
+            </a:r>
+          </a:p>
+          <a:p>
+            <a:r>
+              <a:rPr lang="en-US" sz="2000" dirty="0" smtClean="0"/>
+              <a:t>	-Two distinct types: </a:t>
+            </a:r>
+          </a:p>
+          <a:p>
+            <a:pPr lvl="1"/>
+            <a:r>
+              <a:rPr lang="en-US" sz="2000" dirty="0" smtClean="0"/>
+              <a:t>		</a:t>
+            </a:r>
+            <a:r>
+              <a:rPr lang="en-US" sz="2000" b="1" dirty="0" smtClean="0"/>
+              <a:t>partial-time start options</a:t>
+            </a:r>
+            <a:r>
+              <a:rPr lang="en-US" sz="2000" dirty="0" smtClean="0"/>
+              <a:t>, which have a knock-out barrier at the beginning of the option's life that is 			removed at some preset point in time</a:t>
+            </a:r>
+          </a:p>
+          <a:p>
+            <a:pPr lvl="1"/>
+            <a:r>
+              <a:rPr lang="en-US" sz="2000" dirty="0" smtClean="0"/>
+              <a:t>		</a:t>
+            </a:r>
+            <a:r>
+              <a:rPr lang="en-US" sz="2000" b="1" dirty="0" smtClean="0"/>
+              <a:t>partial-time end options </a:t>
+            </a:r>
+            <a:r>
+              <a:rPr lang="en-US" sz="2000" dirty="0" smtClean="0"/>
+              <a:t>(or protected barrier options), which cannot be knocked out at the beginning of their lives.</a:t>
+            </a:r>
           </a:p>
         </p:txBody>
       </p:sp>
@@ -5766,7 +5175,7 @@
     </p:spTree>
     <p:extLst>
       <p:ext uri="{BB962C8B-B14F-4D97-AF65-F5344CB8AC3E}">
-        <p14:creationId xmlns:p14="http://schemas.microsoft.com/office/powerpoint/2010/main" val="1131708734"/>
+        <p14:creationId xmlns:p14="http://schemas.microsoft.com/office/powerpoint/2010/main" val="4019337418"/>
       </p:ext>
     </p:extLst>
   </p:cSld>
@@ -5820,89 +5229,7 @@
           <a:bodyPr/>
           <a:lstStyle/>
           <a:p>
-            <a:r>
-              <a:rPr lang="en-US" sz="2000" b="0" i="0" kern="1200" dirty="0" smtClean="0">
-                <a:solidFill>
-                  <a:schemeClr val="tx1"/>
-                </a:solidFill>
-                <a:effectLst/>
-                <a:latin typeface="+mn-lt"/>
-                <a:ea typeface="+mn-ea"/>
-                <a:cs typeface="+mn-cs"/>
-              </a:rPr>
-              <a:t>-These are similar to regular barrier options,</a:t>
-            </a:r>
-            <a:r>
-              <a:rPr lang="en-US" sz="2000" b="0" i="0" kern="1200" baseline="0" dirty="0" smtClean="0">
-                <a:solidFill>
-                  <a:schemeClr val="tx1"/>
-                </a:solidFill>
-                <a:effectLst/>
-                <a:latin typeface="+mn-lt"/>
-                <a:ea typeface="+mn-ea"/>
-                <a:cs typeface="+mn-cs"/>
-              </a:rPr>
-              <a:t> </a:t>
-            </a:r>
-            <a:r>
-              <a:rPr lang="en-US" sz="2000" dirty="0" smtClean="0"/>
-              <a:t>the behavior is modified by the addition of a trigger window.</a:t>
-            </a:r>
-          </a:p>
-          <a:p>
-            <a:r>
-              <a:rPr lang="en-US" sz="2000" dirty="0" smtClean="0"/>
-              <a:t>	-It is monitored for hits only during specific points in time. </a:t>
-            </a:r>
-          </a:p>
-          <a:p>
-            <a:pPr lvl="1"/>
-            <a:r>
-              <a:rPr lang="en-US" sz="2000" dirty="0" smtClean="0"/>
-              <a:t>		That means the barrier is inactive for part of the option's lifespan. </a:t>
-            </a:r>
-          </a:p>
-          <a:p>
-            <a:r>
-              <a:rPr lang="en-US" sz="2000" dirty="0" smtClean="0"/>
-              <a:t>	-The monitoring period can be at the beginning section or the end section of the option's life.</a:t>
-            </a:r>
-          </a:p>
-          <a:p>
-            <a:r>
-              <a:rPr lang="en-US" sz="2000" dirty="0" smtClean="0"/>
-              <a:t>	-Two distinct types: </a:t>
-            </a:r>
-          </a:p>
-          <a:p>
-            <a:pPr lvl="1"/>
-            <a:r>
-              <a:rPr lang="en-US" sz="2000" dirty="0" smtClean="0"/>
-              <a:t>		</a:t>
-            </a:r>
-            <a:r>
-              <a:rPr lang="en-US" sz="2000" b="1" dirty="0" smtClean="0"/>
-              <a:t>partial-time start options</a:t>
-            </a:r>
-            <a:r>
-              <a:rPr lang="en-US" sz="2000" dirty="0" smtClean="0"/>
-              <a:t>, which have a knock-out barrier at the beginning of the option's life that is 			removed at some preset point in time</a:t>
-            </a:r>
-          </a:p>
-          <a:p>
-            <a:pPr lvl="1"/>
-            <a:r>
-              <a:rPr lang="en-US" sz="2000" dirty="0" smtClean="0"/>
-              <a:t>		</a:t>
-            </a:r>
-            <a:r>
-              <a:rPr lang="en-US" sz="2000" b="1" dirty="0" smtClean="0"/>
-              <a:t>partial-time end options </a:t>
-            </a:r>
-            <a:r>
-              <a:rPr lang="en-US" sz="2000" dirty="0" smtClean="0"/>
-              <a:t>(or protected barrier options), which cannot be knocked out at the beginning of their lives.</a:t>
-            </a:r>
+            <a:endParaRPr lang="en-US" dirty="0"/>
           </a:p>
         </p:txBody>
       </p:sp>
@@ -5932,7 +5259,7 @@
     </p:spTree>
     <p:extLst>
       <p:ext uri="{BB962C8B-B14F-4D97-AF65-F5344CB8AC3E}">
-        <p14:creationId xmlns:p14="http://schemas.microsoft.com/office/powerpoint/2010/main" val="4019337418"/>
+        <p14:creationId xmlns:p14="http://schemas.microsoft.com/office/powerpoint/2010/main" val="2187843495"/>
       </p:ext>
     </p:extLst>
   </p:cSld>
@@ -6016,7 +5343,7 @@
     </p:spTree>
     <p:extLst>
       <p:ext uri="{BB962C8B-B14F-4D97-AF65-F5344CB8AC3E}">
-        <p14:creationId xmlns:p14="http://schemas.microsoft.com/office/powerpoint/2010/main" val="2187843495"/>
+        <p14:creationId xmlns:p14="http://schemas.microsoft.com/office/powerpoint/2010/main" val="3520252298"/>
       </p:ext>
     </p:extLst>
   </p:cSld>
@@ -6100,7 +5427,7 @@
     </p:spTree>
     <p:extLst>
       <p:ext uri="{BB962C8B-B14F-4D97-AF65-F5344CB8AC3E}">
-        <p14:creationId xmlns:p14="http://schemas.microsoft.com/office/powerpoint/2010/main" val="3520252298"/>
+        <p14:creationId xmlns:p14="http://schemas.microsoft.com/office/powerpoint/2010/main" val="642588764"/>
       </p:ext>
     </p:extLst>
   </p:cSld>
@@ -6204,8 +5531,8 @@
           <a:ln/>
           <a:effectLst/>
           <a:extLst>
-            <a:ext uri="{91240B29-F687-4F45-9708-019B960494DF}">
-              <a14:hiddenLine xmlns:a14="http://schemas.microsoft.com/office/drawing/2010/main" w="9525">
+            <a:ext uri="{91240B29-F687-4f45-9708-019B960494DF}">
+              <a14:hiddenLine xmlns="" xmlns:a14="http://schemas.microsoft.com/office/drawing/2010/main" w="9525">
                 <a:solidFill>
                   <a:srgbClr val="000000"/>
                 </a:solidFill>
@@ -6397,7 +5724,7 @@
           <a:p>
             <a:fld id="{64408C1B-E27F-4750-90A2-172F5E6AE3CF}" type="datetime1">
               <a:rPr lang="en-US" smtClean="0"/>
-              <a:t>2/26/2014</a:t>
+              <a:t>2/27/2014</a:t>
             </a:fld>
             <a:endParaRPr lang="en-US"/>
           </a:p>
@@ -6715,7 +6042,7 @@
           <a:p>
             <a:fld id="{A29C3021-4660-443F-933C-37B6173FF74F}" type="datetime1">
               <a:rPr lang="en-US" smtClean="0"/>
-              <a:t>2/26/2014</a:t>
+              <a:t>2/27/2014</a:t>
             </a:fld>
             <a:endParaRPr lang="en-US"/>
           </a:p>
@@ -7203,7 +6530,7 @@
           <a:p>
             <a:fld id="{20D7F35D-36A1-481B-9C9B-525989938D2D}" type="datetime1">
               <a:rPr lang="en-US" smtClean="0"/>
-              <a:t>2/26/2014</a:t>
+              <a:t>2/27/2014</a:t>
             </a:fld>
             <a:endParaRPr lang="en-US"/>
           </a:p>
@@ -7572,7 +6899,7 @@
           <a:p>
             <a:fld id="{0EF6AF76-15A8-414E-81A4-2A72B103673B}" type="datetime1">
               <a:rPr lang="en-US" smtClean="0"/>
-              <a:t>2/26/2014</a:t>
+              <a:t>2/27/2014</a:t>
             </a:fld>
             <a:endParaRPr lang="en-US"/>
           </a:p>
@@ -7726,8 +7053,8 @@
           </a:custGeom>
           <a:ln/>
           <a:extLst>
-            <a:ext uri="{91240B29-F687-4F45-9708-019B960494DF}">
-              <a14:hiddenLine xmlns:a14="http://schemas.microsoft.com/office/drawing/2010/main" w="9525">
+            <a:ext uri="{91240B29-F687-4f45-9708-019B960494DF}">
+              <a14:hiddenLine xmlns="" xmlns:a14="http://schemas.microsoft.com/office/drawing/2010/main" w="9525">
                 <a:solidFill>
                   <a:srgbClr val="000000"/>
                 </a:solidFill>
@@ -7845,7 +7172,7 @@
           <a:p>
             <a:fld id="{FABDD689-4121-446C-A447-2CABDA57F14C}" type="datetime1">
               <a:rPr lang="en-US" smtClean="0"/>
-              <a:t>2/26/2014</a:t>
+              <a:t>2/27/2014</a:t>
             </a:fld>
             <a:endParaRPr lang="en-US"/>
           </a:p>
@@ -8001,8 +7328,8 @@
           </a:custGeom>
           <a:ln/>
           <a:extLst>
-            <a:ext uri="{91240B29-F687-4F45-9708-019B960494DF}">
-              <a14:hiddenLine xmlns:a14="http://schemas.microsoft.com/office/drawing/2010/main" w="9525">
+            <a:ext uri="{91240B29-F687-4f45-9708-019B960494DF}">
+              <a14:hiddenLine xmlns="" xmlns:a14="http://schemas.microsoft.com/office/drawing/2010/main" w="9525">
                 <a:solidFill>
                   <a:srgbClr val="000000"/>
                 </a:solidFill>
@@ -8130,7 +7457,7 @@
           <a:p>
             <a:fld id="{6A4A1CD2-D8BA-475D-A560-4F8CE86FFE18}" type="datetime1">
               <a:rPr lang="en-US" smtClean="0"/>
-              <a:t>2/26/2014</a:t>
+              <a:t>2/27/2014</a:t>
             </a:fld>
             <a:endParaRPr lang="en-US"/>
           </a:p>
@@ -8284,8 +7611,8 @@
           </a:custGeom>
           <a:ln/>
           <a:extLst>
-            <a:ext uri="{91240B29-F687-4F45-9708-019B960494DF}">
-              <a14:hiddenLine xmlns:a14="http://schemas.microsoft.com/office/drawing/2010/main" w="9525">
+            <a:ext uri="{91240B29-F687-4f45-9708-019B960494DF}">
+              <a14:hiddenLine xmlns="" xmlns:a14="http://schemas.microsoft.com/office/drawing/2010/main" w="9525">
                 <a:solidFill>
                   <a:srgbClr val="000000"/>
                 </a:solidFill>
@@ -8413,7 +7740,7 @@
           <a:p>
             <a:fld id="{E36D99F4-DAB7-48D4-BBF7-9453DF7702EC}" type="datetime1">
               <a:rPr lang="en-US" smtClean="0"/>
-              <a:t>2/26/2014</a:t>
+              <a:t>2/27/2014</a:t>
             </a:fld>
             <a:endParaRPr lang="en-US"/>
           </a:p>
@@ -8772,7 +8099,7 @@
           <a:p>
             <a:fld id="{CEBB4ABB-AFDE-4B19-860A-C763908DCC21}" type="datetime1">
               <a:rPr lang="en-US" smtClean="0"/>
-              <a:t>2/26/2014</a:t>
+              <a:t>2/27/2014</a:t>
             </a:fld>
             <a:endParaRPr lang="en-US"/>
           </a:p>
@@ -8926,8 +8253,8 @@
           </a:custGeom>
           <a:ln/>
           <a:extLst>
-            <a:ext uri="{91240B29-F687-4F45-9708-019B960494DF}">
-              <a14:hiddenLine xmlns:a14="http://schemas.microsoft.com/office/drawing/2010/main" w="9525">
+            <a:ext uri="{91240B29-F687-4f45-9708-019B960494DF}">
+              <a14:hiddenLine xmlns="" xmlns:a14="http://schemas.microsoft.com/office/drawing/2010/main" w="9525">
                 <a:solidFill>
                   <a:srgbClr val="000000"/>
                 </a:solidFill>
@@ -9111,7 +8438,7 @@
           <a:p>
             <a:fld id="{E156797C-1ECB-4AED-B67E-0FA096189F67}" type="datetime1">
               <a:rPr lang="en-US" smtClean="0"/>
-              <a:t>2/26/2014</a:t>
+              <a:t>2/27/2014</a:t>
             </a:fld>
             <a:endParaRPr lang="en-US"/>
           </a:p>
@@ -9265,8 +8592,8 @@
           </a:custGeom>
           <a:ln/>
           <a:extLst>
-            <a:ext uri="{91240B29-F687-4F45-9708-019B960494DF}">
-              <a14:hiddenLine xmlns:a14="http://schemas.microsoft.com/office/drawing/2010/main" w="9525">
+            <a:ext uri="{91240B29-F687-4f45-9708-019B960494DF}">
+              <a14:hiddenLine xmlns="" xmlns:a14="http://schemas.microsoft.com/office/drawing/2010/main" w="9525">
                 <a:solidFill>
                   <a:srgbClr val="000000"/>
                 </a:solidFill>
@@ -9588,7 +8915,7 @@
           <a:p>
             <a:fld id="{94009BD9-F1D4-43B3-8CE3-60491EB9A4A0}" type="datetime1">
               <a:rPr lang="en-US" smtClean="0"/>
-              <a:t>2/26/2014</a:t>
+              <a:t>2/27/2014</a:t>
             </a:fld>
             <a:endParaRPr lang="en-US"/>
           </a:p>
@@ -9742,8 +9069,8 @@
           </a:custGeom>
           <a:ln/>
           <a:extLst>
-            <a:ext uri="{91240B29-F687-4F45-9708-019B960494DF}">
-              <a14:hiddenLine xmlns:a14="http://schemas.microsoft.com/office/drawing/2010/main" w="9525">
+            <a:ext uri="{91240B29-F687-4f45-9708-019B960494DF}">
+              <a14:hiddenLine xmlns="" xmlns:a14="http://schemas.microsoft.com/office/drawing/2010/main" w="9525">
                 <a:solidFill>
                   <a:srgbClr val="000000"/>
                 </a:solidFill>
@@ -9809,7 +9136,7 @@
           <a:p>
             <a:fld id="{91D6FE0E-0F98-43F5-9DBF-593FB21E7151}" type="datetime1">
               <a:rPr lang="en-US" smtClean="0"/>
-              <a:t>2/26/2014</a:t>
+              <a:t>2/27/2014</a:t>
             </a:fld>
             <a:endParaRPr lang="en-US"/>
           </a:p>
@@ -9904,7 +9231,7 @@
           <a:p>
             <a:fld id="{5E4AEE8F-E60F-4551-B8F0-B81F122A99CB}" type="datetime1">
               <a:rPr lang="en-US" smtClean="0"/>
-              <a:t>2/26/2014</a:t>
+              <a:t>2/27/2014</a:t>
             </a:fld>
             <a:endParaRPr lang="en-US"/>
           </a:p>
@@ -10171,8 +9498,8 @@
           </a:custGeom>
           <a:ln/>
           <a:extLst>
-            <a:ext uri="{91240B29-F687-4F45-9708-019B960494DF}">
-              <a14:hiddenLine xmlns:a14="http://schemas.microsoft.com/office/drawing/2010/main" w="9525">
+            <a:ext uri="{91240B29-F687-4f45-9708-019B960494DF}">
+              <a14:hiddenLine xmlns="" xmlns:a14="http://schemas.microsoft.com/office/drawing/2010/main" w="9525">
                 <a:solidFill>
                   <a:srgbClr val="000000"/>
                 </a:solidFill>
@@ -10371,7 +9698,7 @@
           <a:p>
             <a:fld id="{B07B33D9-6617-4082-8A65-B2A95CFC58F6}" type="datetime1">
               <a:rPr lang="en-US" smtClean="0"/>
-              <a:t>2/26/2014</a:t>
+              <a:t>2/27/2014</a:t>
             </a:fld>
             <a:endParaRPr lang="en-US"/>
           </a:p>
@@ -10684,7 +10011,7 @@
           <a:p>
             <a:fld id="{9130C0F2-38C7-4487-A30D-FD01D86C4D12}" type="datetime1">
               <a:rPr lang="en-US" smtClean="0"/>
-              <a:t>2/26/2014</a:t>
+              <a:t>2/27/2014</a:t>
             </a:fld>
             <a:endParaRPr lang="en-US"/>
           </a:p>
@@ -10954,7 +10281,7 @@
           <a:p>
             <a:fld id="{1648D1CC-20D3-40A0-82B6-ADEF953E3806}" type="datetime1">
               <a:rPr lang="en-US" smtClean="0"/>
-              <a:t>2/26/2014</a:t>
+              <a:t>2/27/2014</a:t>
             </a:fld>
             <a:endParaRPr lang="en-US"/>
           </a:p>
@@ -11513,7 +10840,7 @@
           <p:nvPr>
             <p:extLst>
               <p:ext uri="{D42A27DB-BD31-4B8C-83A1-F6EECF244321}">
-                <p14:modId xmlns:p14="http://schemas.microsoft.com/office/powerpoint/2010/main" val="2819026971"/>
+                <p14:modId xmlns:p14="http://schemas.microsoft.com/office/powerpoint/2010/main" val="1061306248"/>
               </p:ext>
             </p:extLst>
           </p:nvPr>
@@ -11607,7 +10934,7 @@
                     </a:p>
                     <a:p>
                       <a:r>
-                        <a:rPr lang="fr-FR" sz="2000" noProof="0" smtClean="0">
+                        <a:rPr lang="fr-FR" sz="2000" noProof="0" dirty="0" smtClean="0">
                           <a:ln w="0"/>
                           <a:solidFill>
                             <a:schemeClr val="accent1"/>
@@ -11623,7 +10950,7 @@
                         <a:t>Nathan </a:t>
                       </a:r>
                       <a:r>
-                        <a:rPr lang="fr-FR" sz="2000" noProof="0" smtClean="0">
+                        <a:rPr lang="fr-FR" sz="2000" noProof="0" dirty="0" err="1" smtClean="0">
                           <a:ln w="0"/>
                           <a:solidFill>
                             <a:schemeClr val="accent1"/>
@@ -11783,7 +11110,26 @@
                           <a:ea typeface="+mn-ea"/>
                           <a:cs typeface="+mn-cs"/>
                         </a:rPr>
-                        <a:t>Mme. Anne Marie HUGUES</a:t>
+                        <a:t>Mme </a:t>
+                      </a:r>
+                      <a:r>
+                        <a:rPr lang="fr-FR" sz="2000" b="1" kern="1200" noProof="0" dirty="0" smtClean="0">
+                          <a:ln w="0"/>
+                          <a:solidFill>
+                            <a:schemeClr val="accent1"/>
+                          </a:solidFill>
+                          <a:effectLst>
+                            <a:outerShdw blurRad="38100" dist="25400" dir="5400000" algn="ctr" rotWithShape="0">
+                              <a:srgbClr val="6E747A">
+                                <a:alpha val="43000"/>
+                              </a:srgbClr>
+                            </a:outerShdw>
+                          </a:effectLst>
+                          <a:latin typeface="+mn-lt"/>
+                          <a:ea typeface="+mn-ea"/>
+                          <a:cs typeface="+mn-cs"/>
+                        </a:rPr>
+                        <a:t>Anne Marie HUGUES</a:t>
                       </a:r>
                     </a:p>
                     <a:p>
@@ -11825,7 +11171,26 @@
                           <a:ea typeface="+mn-ea"/>
                           <a:cs typeface="+mn-cs"/>
                         </a:rPr>
-                        <a:t>Mr. Luigi BALLABIO</a:t>
+                        <a:t>M </a:t>
+                      </a:r>
+                      <a:r>
+                        <a:rPr lang="fr-FR" sz="2000" b="1" kern="1200" noProof="0" dirty="0" smtClean="0">
+                          <a:ln w="0"/>
+                          <a:solidFill>
+                            <a:schemeClr val="accent1"/>
+                          </a:solidFill>
+                          <a:effectLst>
+                            <a:outerShdw blurRad="38100" dist="25400" dir="5400000" algn="ctr" rotWithShape="0">
+                              <a:srgbClr val="6E747A">
+                                <a:alpha val="43000"/>
+                              </a:srgbClr>
+                            </a:outerShdw>
+                          </a:effectLst>
+                          <a:latin typeface="+mn-lt"/>
+                          <a:ea typeface="+mn-ea"/>
+                          <a:cs typeface="+mn-cs"/>
+                        </a:rPr>
+                        <a:t>Luigi BALLABIO</a:t>
                       </a:r>
                       <a:endParaRPr lang="fr-FR" sz="2000" b="1" kern="1200" noProof="0" dirty="0">
                         <a:ln w="0"/>
@@ -11927,432 +11292,6 @@
   <p:cSld>
     <p:bg>
       <p:bgPr>
-        <a:gradFill flip="none" rotWithShape="1">
-          <a:gsLst>
-            <a:gs pos="0">
-              <a:schemeClr val="accent1">
-                <a:lumMod val="89000"/>
-              </a:schemeClr>
-            </a:gs>
-            <a:gs pos="23000">
-              <a:schemeClr val="accent1">
-                <a:lumMod val="89000"/>
-              </a:schemeClr>
-            </a:gs>
-            <a:gs pos="69000">
-              <a:schemeClr val="accent1">
-                <a:lumMod val="75000"/>
-              </a:schemeClr>
-            </a:gs>
-            <a:gs pos="97000">
-              <a:schemeClr val="accent1">
-                <a:lumMod val="70000"/>
-              </a:schemeClr>
-            </a:gs>
-          </a:gsLst>
-          <a:path path="circle">
-            <a:fillToRect l="100000" t="100000"/>
-          </a:path>
-          <a:tileRect r="-100000" b="-100000"/>
-        </a:gradFill>
-        <a:effectLst/>
-      </p:bgPr>
-    </p:bg>
-    <p:spTree>
-      <p:nvGrpSpPr>
-        <p:cNvPr id="1" name=""/>
-        <p:cNvGrpSpPr/>
-        <p:nvPr/>
-      </p:nvGrpSpPr>
-      <p:grpSpPr>
-        <a:xfrm>
-          <a:off x="0" y="0"/>
-          <a:ext cx="0" cy="0"/>
-          <a:chOff x="0" y="0"/>
-          <a:chExt cx="0" cy="0"/>
-        </a:xfrm>
-      </p:grpSpPr>
-      <p:sp>
-        <p:nvSpPr>
-          <p:cNvPr id="7" name="Title 1"/>
-          <p:cNvSpPr>
-            <a:spLocks noGrp="1"/>
-          </p:cNvSpPr>
-          <p:nvPr>
-            <p:ph type="title"/>
-          </p:nvPr>
-        </p:nvSpPr>
-        <p:spPr>
-          <a:xfrm>
-            <a:off x="0" y="-345128"/>
-            <a:ext cx="10562848" cy="905362"/>
-          </a:xfrm>
-        </p:spPr>
-        <p:txBody>
-          <a:bodyPr/>
-          <a:lstStyle/>
-          <a:p>
-            <a:pPr lvl="0"/>
-            <a:r>
-              <a:rPr lang="en-US" dirty="0"/>
-              <a:t>III-Partial-Time Barrier Options</a:t>
-            </a:r>
-          </a:p>
-        </p:txBody>
-      </p:sp>
-      <p:sp>
-        <p:nvSpPr>
-          <p:cNvPr id="4" name="Slide Number Placeholder 3"/>
-          <p:cNvSpPr>
-            <a:spLocks noGrp="1"/>
-          </p:cNvSpPr>
-          <p:nvPr>
-            <p:ph type="sldNum" sz="quarter" idx="12"/>
-          </p:nvPr>
-        </p:nvSpPr>
-        <p:spPr/>
-        <p:txBody>
-          <a:bodyPr/>
-          <a:lstStyle/>
-          <a:p>
-            <a:fld id="{91CCA55A-3F50-488D-A5E8-01F0969640CB}" type="slidenum">
-              <a:rPr lang="en-US" smtClean="0"/>
-              <a:t>10</a:t>
-            </a:fld>
-            <a:endParaRPr lang="en-US"/>
-          </a:p>
-        </p:txBody>
-      </p:sp>
-      <p:pic>
-        <p:nvPicPr>
-          <p:cNvPr id="3" name="Picture 2"/>
-          <p:cNvPicPr>
-            <a:picLocks noChangeAspect="1"/>
-          </p:cNvPicPr>
-          <p:nvPr/>
-        </p:nvPicPr>
-        <p:blipFill>
-          <a:blip r:embed="rId3">
-            <a:extLst>
-              <a:ext uri="{28A0092B-C50C-407E-A947-70E740481C1C}">
-                <a14:useLocalDpi xmlns:a14="http://schemas.microsoft.com/office/drawing/2010/main" val="0"/>
-              </a:ext>
-            </a:extLst>
-          </a:blip>
-          <a:stretch>
-            <a:fillRect/>
-          </a:stretch>
-        </p:blipFill>
-        <p:spPr>
-          <a:xfrm>
-            <a:off x="118153" y="560234"/>
-            <a:ext cx="5163271" cy="5982535"/>
-          </a:xfrm>
-          <a:prstGeom prst="rect">
-            <a:avLst/>
-          </a:prstGeom>
-        </p:spPr>
-      </p:pic>
-      <p:pic>
-        <p:nvPicPr>
-          <p:cNvPr id="5" name="Picture 4"/>
-          <p:cNvPicPr>
-            <a:picLocks noChangeAspect="1"/>
-          </p:cNvPicPr>
-          <p:nvPr/>
-        </p:nvPicPr>
-        <p:blipFill>
-          <a:blip r:embed="rId4">
-            <a:extLst>
-              <a:ext uri="{28A0092B-C50C-407E-A947-70E740481C1C}">
-                <a14:useLocalDpi xmlns:a14="http://schemas.microsoft.com/office/drawing/2010/main" val="0"/>
-              </a:ext>
-            </a:extLst>
-          </a:blip>
-          <a:stretch>
-            <a:fillRect/>
-          </a:stretch>
-        </p:blipFill>
-        <p:spPr>
-          <a:xfrm>
-            <a:off x="5281424" y="560234"/>
-            <a:ext cx="6910576" cy="3520447"/>
-          </a:xfrm>
-          <a:prstGeom prst="rect">
-            <a:avLst/>
-          </a:prstGeom>
-        </p:spPr>
-      </p:pic>
-      <p:sp>
-        <p:nvSpPr>
-          <p:cNvPr id="8" name="Rounded Rectangle 7"/>
-          <p:cNvSpPr/>
-          <p:nvPr/>
-        </p:nvSpPr>
-        <p:spPr>
-          <a:xfrm>
-            <a:off x="7970293" y="2743200"/>
-            <a:ext cx="2934268" cy="1064525"/>
-          </a:xfrm>
-          <a:prstGeom prst="roundRect">
-            <a:avLst/>
-          </a:prstGeom>
-          <a:noFill/>
-          <a:ln>
-            <a:solidFill>
-              <a:srgbClr val="FF0000"/>
-            </a:solidFill>
-          </a:ln>
-        </p:spPr>
-        <p:style>
-          <a:lnRef idx="2">
-            <a:schemeClr val="accent1">
-              <a:shade val="50000"/>
-            </a:schemeClr>
-          </a:lnRef>
-          <a:fillRef idx="1">
-            <a:schemeClr val="accent1"/>
-          </a:fillRef>
-          <a:effectRef idx="0">
-            <a:schemeClr val="accent1"/>
-          </a:effectRef>
-          <a:fontRef idx="minor">
-            <a:schemeClr val="lt1"/>
-          </a:fontRef>
-        </p:style>
-        <p:txBody>
-          <a:bodyPr rtlCol="0" anchor="ctr"/>
-          <a:lstStyle/>
-          <a:p>
-            <a:pPr algn="ctr"/>
-            <a:endParaRPr lang="fr-FR"/>
-          </a:p>
-        </p:txBody>
-      </p:sp>
-    </p:spTree>
-    <p:extLst>
-      <p:ext uri="{BB962C8B-B14F-4D97-AF65-F5344CB8AC3E}">
-        <p14:creationId xmlns:p14="http://schemas.microsoft.com/office/powerpoint/2010/main" val="3205590091"/>
-      </p:ext>
-    </p:extLst>
-  </p:cSld>
-  <p:clrMapOvr>
-    <a:masterClrMapping/>
-  </p:clrMapOvr>
-  <p:timing>
-    <p:tnLst>
-      <p:par>
-        <p:cTn id="1" dur="indefinite" restart="never" nodeType="tmRoot">
-          <p:childTnLst>
-            <p:seq concurrent="1" nextAc="seek">
-              <p:cTn id="2" dur="indefinite" nodeType="mainSeq">
-                <p:childTnLst>
-                  <p:par>
-                    <p:cTn id="3" fill="hold">
-                      <p:stCondLst>
-                        <p:cond delay="indefinite"/>
-                        <p:cond evt="onBegin" delay="0">
-                          <p:tn val="2"/>
-                        </p:cond>
-                      </p:stCondLst>
-                      <p:childTnLst>
-                        <p:par>
-                          <p:cTn id="4" fill="hold">
-                            <p:stCondLst>
-                              <p:cond delay="0"/>
-                            </p:stCondLst>
-                            <p:childTnLst>
-                              <p:par>
-                                <p:cTn id="5" presetID="2" presetClass="entr" presetSubtype="4" fill="hold" nodeType="withEffect">
-                                  <p:stCondLst>
-                                    <p:cond delay="0"/>
-                                  </p:stCondLst>
-                                  <p:childTnLst>
-                                    <p:set>
-                                      <p:cBhvr>
-                                        <p:cTn id="6" dur="1" fill="hold">
-                                          <p:stCondLst>
-                                            <p:cond delay="0"/>
-                                          </p:stCondLst>
-                                        </p:cTn>
-                                        <p:tgtEl>
-                                          <p:spTgt spid="3"/>
-                                        </p:tgtEl>
-                                        <p:attrNameLst>
-                                          <p:attrName>style.visibility</p:attrName>
-                                        </p:attrNameLst>
-                                      </p:cBhvr>
-                                      <p:to>
-                                        <p:strVal val="visible"/>
-                                      </p:to>
-                                    </p:set>
-                                    <p:anim calcmode="lin" valueType="num">
-                                      <p:cBhvr additive="base">
-                                        <p:cTn id="7" dur="500" fill="hold"/>
-                                        <p:tgtEl>
-                                          <p:spTgt spid="3"/>
-                                        </p:tgtEl>
-                                        <p:attrNameLst>
-                                          <p:attrName>ppt_x</p:attrName>
-                                        </p:attrNameLst>
-                                      </p:cBhvr>
-                                      <p:tavLst>
-                                        <p:tav tm="0">
-                                          <p:val>
-                                            <p:strVal val="#ppt_x"/>
-                                          </p:val>
-                                        </p:tav>
-                                        <p:tav tm="100000">
-                                          <p:val>
-                                            <p:strVal val="#ppt_x"/>
-                                          </p:val>
-                                        </p:tav>
-                                      </p:tavLst>
-                                    </p:anim>
-                                    <p:anim calcmode="lin" valueType="num">
-                                      <p:cBhvr additive="base">
-                                        <p:cTn id="8" dur="500" fill="hold"/>
-                                        <p:tgtEl>
-                                          <p:spTgt spid="3"/>
-                                        </p:tgtEl>
-                                        <p:attrNameLst>
-                                          <p:attrName>ppt_y</p:attrName>
-                                        </p:attrNameLst>
-                                      </p:cBhvr>
-                                      <p:tavLst>
-                                        <p:tav tm="0">
-                                          <p:val>
-                                            <p:strVal val="1+#ppt_h/2"/>
-                                          </p:val>
-                                        </p:tav>
-                                        <p:tav tm="100000">
-                                          <p:val>
-                                            <p:strVal val="#ppt_y"/>
-                                          </p:val>
-                                        </p:tav>
-                                      </p:tavLst>
-                                    </p:anim>
-                                  </p:childTnLst>
-                                </p:cTn>
-                              </p:par>
-                            </p:childTnLst>
-                          </p:cTn>
-                        </p:par>
-                        <p:par>
-                          <p:cTn id="9" fill="hold">
-                            <p:stCondLst>
-                              <p:cond delay="500"/>
-                            </p:stCondLst>
-                            <p:childTnLst>
-                              <p:par>
-                                <p:cTn id="10" presetID="2" presetClass="entr" presetSubtype="4" fill="hold" nodeType="afterEffect">
-                                  <p:stCondLst>
-                                    <p:cond delay="0"/>
-                                  </p:stCondLst>
-                                  <p:childTnLst>
-                                    <p:set>
-                                      <p:cBhvr>
-                                        <p:cTn id="11" dur="1" fill="hold">
-                                          <p:stCondLst>
-                                            <p:cond delay="0"/>
-                                          </p:stCondLst>
-                                        </p:cTn>
-                                        <p:tgtEl>
-                                          <p:spTgt spid="5"/>
-                                        </p:tgtEl>
-                                        <p:attrNameLst>
-                                          <p:attrName>style.visibility</p:attrName>
-                                        </p:attrNameLst>
-                                      </p:cBhvr>
-                                      <p:to>
-                                        <p:strVal val="visible"/>
-                                      </p:to>
-                                    </p:set>
-                                    <p:anim calcmode="lin" valueType="num">
-                                      <p:cBhvr additive="base">
-                                        <p:cTn id="12" dur="500" fill="hold"/>
-                                        <p:tgtEl>
-                                          <p:spTgt spid="5"/>
-                                        </p:tgtEl>
-                                        <p:attrNameLst>
-                                          <p:attrName>ppt_x</p:attrName>
-                                        </p:attrNameLst>
-                                      </p:cBhvr>
-                                      <p:tavLst>
-                                        <p:tav tm="0">
-                                          <p:val>
-                                            <p:strVal val="#ppt_x"/>
-                                          </p:val>
-                                        </p:tav>
-                                        <p:tav tm="100000">
-                                          <p:val>
-                                            <p:strVal val="#ppt_x"/>
-                                          </p:val>
-                                        </p:tav>
-                                      </p:tavLst>
-                                    </p:anim>
-                                    <p:anim calcmode="lin" valueType="num">
-                                      <p:cBhvr additive="base">
-                                        <p:cTn id="13" dur="500" fill="hold"/>
-                                        <p:tgtEl>
-                                          <p:spTgt spid="5"/>
-                                        </p:tgtEl>
-                                        <p:attrNameLst>
-                                          <p:attrName>ppt_y</p:attrName>
-                                        </p:attrNameLst>
-                                      </p:cBhvr>
-                                      <p:tavLst>
-                                        <p:tav tm="0">
-                                          <p:val>
-                                            <p:strVal val="1+#ppt_h/2"/>
-                                          </p:val>
-                                        </p:tav>
-                                        <p:tav tm="100000">
-                                          <p:val>
-                                            <p:strVal val="#ppt_y"/>
-                                          </p:val>
-                                        </p:tav>
-                                      </p:tavLst>
-                                    </p:anim>
-                                  </p:childTnLst>
-                                </p:cTn>
-                              </p:par>
-                            </p:childTnLst>
-                          </p:cTn>
-                        </p:par>
-                      </p:childTnLst>
-                    </p:cTn>
-                  </p:par>
-                </p:childTnLst>
-              </p:cTn>
-              <p:prevCondLst>
-                <p:cond evt="onPrev" delay="0">
-                  <p:tgtEl>
-                    <p:sldTgt/>
-                  </p:tgtEl>
-                </p:cond>
-              </p:prevCondLst>
-              <p:nextCondLst>
-                <p:cond evt="onNext" delay="0">
-                  <p:tgtEl>
-                    <p:sldTgt/>
-                  </p:tgtEl>
-                </p:cond>
-              </p:nextCondLst>
-            </p:seq>
-          </p:childTnLst>
-        </p:cTn>
-      </p:par>
-    </p:tnLst>
-  </p:timing>
-</p:sld>
-</file>
-
-<file path=ppt/slides/slide11.xml><?xml version="1.0" encoding="utf-8"?>
-<p:sld xmlns:a="http://schemas.openxmlformats.org/drawingml/2006/main" xmlns:r="http://schemas.openxmlformats.org/officeDocument/2006/relationships" xmlns:p="http://schemas.openxmlformats.org/presentationml/2006/main">
-  <p:cSld>
-    <p:bg>
-      <p:bgPr>
         <a:solidFill>
           <a:schemeClr val="bg2"/>
         </a:solidFill>
@@ -12396,7 +11335,11 @@
             <a:pPr lvl="0"/>
             <a:r>
               <a:rPr lang="en-US" dirty="0" smtClean="0"/>
-              <a:t>IV-Complex Chooser </a:t>
+              <a:t>II-Complex </a:t>
+            </a:r>
+            <a:r>
+              <a:rPr lang="en-US" dirty="0" smtClean="0"/>
+              <a:t>Chooser </a:t>
             </a:r>
             <a:r>
               <a:rPr lang="en-US" dirty="0"/>
@@ -12422,7 +11365,7 @@
           <a:p>
             <a:fld id="{91CCA55A-3F50-488D-A5E8-01F0969640CB}" type="slidenum">
               <a:rPr lang="en-US" smtClean="0"/>
-              <a:t>11</a:t>
+              <a:t>10</a:t>
             </a:fld>
             <a:endParaRPr lang="en-US"/>
           </a:p>
@@ -12681,25 +11624,11 @@
           <a:p>
             <a:r>
               <a:rPr lang="fr-FR" sz="3800" dirty="0" smtClean="0">
-                <a:solidFill>
-                  <a:schemeClr val="accent1">
-                    <a:lumMod val="60000"/>
-                    <a:lumOff val="40000"/>
-                  </a:schemeClr>
-                </a:solidFill>
                 <a:latin typeface="Times New Roman" panose="02020603050405020304" pitchFamily="18" charset="0"/>
                 <a:ea typeface="Times New Roman" panose="02020603050405020304" pitchFamily="18" charset="0"/>
                 <a:cs typeface="Times New Roman" panose="02020603050405020304" pitchFamily="18" charset="0"/>
               </a:rPr>
-              <a:t>Simple</a:t>
-            </a:r>
-            <a:r>
-              <a:rPr lang="fr-FR" sz="3800" dirty="0" smtClean="0">
-                <a:latin typeface="Times New Roman" panose="02020603050405020304" pitchFamily="18" charset="0"/>
-                <a:ea typeface="Times New Roman" panose="02020603050405020304" pitchFamily="18" charset="0"/>
-                <a:cs typeface="Times New Roman" panose="02020603050405020304" pitchFamily="18" charset="0"/>
-              </a:rPr>
-              <a:t> </a:t>
+              <a:t>Simple </a:t>
             </a:r>
             <a:r>
               <a:rPr lang="fr-FR" sz="3800" dirty="0" err="1" smtClean="0">
@@ -12775,6 +11704,9 @@
                     <p:cTn id="3" fill="hold">
                       <p:stCondLst>
                         <p:cond delay="indefinite"/>
+                        <p:cond evt="onBegin" delay="0">
+                          <p:tn val="2"/>
+                        </p:cond>
                       </p:stCondLst>
                       <p:childTnLst>
                         <p:par>
@@ -12784,7 +11716,7 @@
                             </p:stCondLst>
                             <p:childTnLst>
                               <p:par>
-                                <p:cTn id="5" presetID="2" presetClass="entr" presetSubtype="4" fill="hold" grpId="0" nodeType="clickEffect">
+                                <p:cTn id="5" presetID="2" presetClass="entr" presetSubtype="4" fill="hold" grpId="0" nodeType="withEffect">
                                   <p:stCondLst>
                                     <p:cond delay="0"/>
                                   </p:stCondLst>
@@ -12868,33 +11800,15 @@
                                   </p:childTnLst>
                                 </p:cTn>
                               </p:par>
-                            </p:childTnLst>
-                          </p:cTn>
-                        </p:par>
-                      </p:childTnLst>
-                    </p:cTn>
-                  </p:par>
-                  <p:par>
-                    <p:cTn id="9" fill="hold">
-                      <p:stCondLst>
-                        <p:cond delay="indefinite"/>
-                      </p:stCondLst>
-                      <p:childTnLst>
-                        <p:par>
-                          <p:cTn id="10" fill="hold">
-                            <p:stCondLst>
-                              <p:cond delay="0"/>
-                            </p:stCondLst>
-                            <p:childTnLst>
                               <p:par>
-                                <p:cTn id="11" presetID="2" presetClass="entr" presetSubtype="4" fill="hold" grpId="0" nodeType="clickEffect">
+                                <p:cTn id="9" presetID="2" presetClass="entr" presetSubtype="4" fill="hold" grpId="0" nodeType="withEffect">
                                   <p:stCondLst>
                                     <p:cond delay="0"/>
                                   </p:stCondLst>
                                   <p:childTnLst>
                                     <p:set>
                                       <p:cBhvr>
-                                        <p:cTn id="12" dur="1" fill="hold">
+                                        <p:cTn id="10" dur="1" fill="hold">
                                           <p:stCondLst>
                                             <p:cond delay="0"/>
                                           </p:stCondLst>
@@ -12916,7 +11830,7 @@
                                     </p:set>
                                     <p:anim calcmode="lin" valueType="num">
                                       <p:cBhvr additive="base">
-                                        <p:cTn id="13" dur="500" fill="hold"/>
+                                        <p:cTn id="11" dur="500" fill="hold"/>
                                         <p:tgtEl>
                                           <p:spTgt spid="5">
                                             <p:txEl>
@@ -12943,7 +11857,7 @@
                                     </p:anim>
                                     <p:anim calcmode="lin" valueType="num">
                                       <p:cBhvr additive="base">
-                                        <p:cTn id="14" dur="500" fill="hold"/>
+                                        <p:cTn id="12" dur="500" fill="hold"/>
                                         <p:tgtEl>
                                           <p:spTgt spid="5">
                                             <p:txEl>
@@ -12972,14 +11886,14 @@
                                 </p:cTn>
                               </p:par>
                               <p:par>
-                                <p:cTn id="15" presetID="2" presetClass="entr" presetSubtype="4" fill="hold" grpId="0" nodeType="withEffect">
+                                <p:cTn id="13" presetID="2" presetClass="entr" presetSubtype="4" fill="hold" grpId="0" nodeType="withEffect">
                                   <p:stCondLst>
                                     <p:cond delay="0"/>
                                   </p:stCondLst>
                                   <p:childTnLst>
                                     <p:set>
                                       <p:cBhvr>
-                                        <p:cTn id="16" dur="1" fill="hold">
+                                        <p:cTn id="14" dur="1" fill="hold">
                                           <p:stCondLst>
                                             <p:cond delay="0"/>
                                           </p:stCondLst>
@@ -13001,7 +11915,7 @@
                                     </p:set>
                                     <p:anim calcmode="lin" valueType="num">
                                       <p:cBhvr additive="base">
-                                        <p:cTn id="17" dur="750" fill="hold"/>
+                                        <p:cTn id="15" dur="750" fill="hold"/>
                                         <p:tgtEl>
                                           <p:spTgt spid="5">
                                             <p:txEl>
@@ -13028,7 +11942,7 @@
                                     </p:anim>
                                     <p:anim calcmode="lin" valueType="num">
                                       <p:cBhvr additive="base">
-                                        <p:cTn id="18" dur="750" fill="hold"/>
+                                        <p:cTn id="16" dur="750" fill="hold"/>
                                         <p:tgtEl>
                                           <p:spTgt spid="5">
                                             <p:txEl>
@@ -13057,14 +11971,14 @@
                                 </p:cTn>
                               </p:par>
                               <p:par>
-                                <p:cTn id="19" presetID="2" presetClass="entr" presetSubtype="4" fill="hold" grpId="0" nodeType="withEffect">
+                                <p:cTn id="17" presetID="2" presetClass="entr" presetSubtype="4" fill="hold" grpId="0" nodeType="withEffect">
                                   <p:stCondLst>
                                     <p:cond delay="0"/>
                                   </p:stCondLst>
                                   <p:childTnLst>
                                     <p:set>
                                       <p:cBhvr>
-                                        <p:cTn id="20" dur="1" fill="hold">
+                                        <p:cTn id="18" dur="1" fill="hold">
                                           <p:stCondLst>
                                             <p:cond delay="0"/>
                                           </p:stCondLst>
@@ -13086,7 +12000,7 @@
                                     </p:set>
                                     <p:anim calcmode="lin" valueType="num">
                                       <p:cBhvr additive="base">
-                                        <p:cTn id="21" dur="750" fill="hold"/>
+                                        <p:cTn id="19" dur="750" fill="hold"/>
                                         <p:tgtEl>
                                           <p:spTgt spid="5">
                                             <p:txEl>
@@ -13113,7 +12027,7 @@
                                     </p:anim>
                                     <p:anim calcmode="lin" valueType="num">
                                       <p:cBhvr additive="base">
-                                        <p:cTn id="22" dur="750" fill="hold"/>
+                                        <p:cTn id="20" dur="750" fill="hold"/>
                                         <p:tgtEl>
                                           <p:spTgt spid="5">
                                             <p:txEl>
@@ -13142,14 +12056,14 @@
                                 </p:cTn>
                               </p:par>
                               <p:par>
-                                <p:cTn id="23" presetID="2" presetClass="entr" presetSubtype="4" fill="hold" grpId="0" nodeType="withEffect">
+                                <p:cTn id="21" presetID="2" presetClass="entr" presetSubtype="4" fill="hold" grpId="0" nodeType="withEffect">
                                   <p:stCondLst>
                                     <p:cond delay="0"/>
                                   </p:stCondLst>
                                   <p:childTnLst>
                                     <p:set>
                                       <p:cBhvr>
-                                        <p:cTn id="24" dur="1" fill="hold">
+                                        <p:cTn id="22" dur="1" fill="hold">
                                           <p:stCondLst>
                                             <p:cond delay="0"/>
                                           </p:stCondLst>
@@ -13171,7 +12085,7 @@
                                     </p:set>
                                     <p:anim calcmode="lin" valueType="num">
                                       <p:cBhvr additive="base">
-                                        <p:cTn id="25" dur="750" fill="hold"/>
+                                        <p:cTn id="23" dur="750" fill="hold"/>
                                         <p:tgtEl>
                                           <p:spTgt spid="5">
                                             <p:txEl>
@@ -13198,7 +12112,7 @@
                                     </p:anim>
                                     <p:anim calcmode="lin" valueType="num">
                                       <p:cBhvr additive="base">
-                                        <p:cTn id="26" dur="750" fill="hold"/>
+                                        <p:cTn id="24" dur="750" fill="hold"/>
                                         <p:tgtEl>
                                           <p:spTgt spid="5">
                                             <p:txEl>
@@ -13260,7 +12174,7 @@
 </p:sld>
 </file>
 
-<file path=ppt/slides/slide12.xml><?xml version="1.0" encoding="utf-8"?>
+<file path=ppt/slides/slide11.xml><?xml version="1.0" encoding="utf-8"?>
 <p:sld xmlns:a="http://schemas.openxmlformats.org/drawingml/2006/main" xmlns:r="http://schemas.openxmlformats.org/officeDocument/2006/relationships" xmlns:p="http://schemas.openxmlformats.org/presentationml/2006/main">
   <p:cSld>
     <p:spTree>
@@ -13300,7 +12214,11 @@
             <a:pPr lvl="0"/>
             <a:r>
               <a:rPr lang="en-US" dirty="0" smtClean="0"/>
-              <a:t>IV-Complex Chooser </a:t>
+              <a:t>II-Complex </a:t>
+            </a:r>
+            <a:r>
+              <a:rPr lang="en-US" dirty="0" smtClean="0"/>
+              <a:t>Chooser </a:t>
             </a:r>
             <a:r>
               <a:rPr lang="en-US" dirty="0"/>
@@ -13326,7 +12244,7 @@
           <a:p>
             <a:fld id="{91CCA55A-3F50-488D-A5E8-01F0969640CB}" type="slidenum">
               <a:rPr lang="en-US" smtClean="0"/>
-              <a:t>12</a:t>
+              <a:t>11</a:t>
             </a:fld>
             <a:endParaRPr lang="en-US"/>
           </a:p>
@@ -13718,6 +12636,9 @@
                     <p:cTn id="3" fill="hold">
                       <p:stCondLst>
                         <p:cond delay="indefinite"/>
+                        <p:cond evt="onBegin" delay="0">
+                          <p:tn val="2"/>
+                        </p:cond>
                       </p:stCondLst>
                       <p:childTnLst>
                         <p:par>
@@ -13727,7 +12648,7 @@
                             </p:stCondLst>
                             <p:childTnLst>
                               <p:par>
-                                <p:cTn id="5" presetID="2" presetClass="entr" presetSubtype="4" fill="hold" grpId="0" nodeType="clickEffect">
+                                <p:cTn id="5" presetID="2" presetClass="entr" presetSubtype="4" fill="hold" grpId="0" nodeType="withEffect">
                                   <p:stCondLst>
                                     <p:cond delay="0"/>
                                   </p:stCondLst>
@@ -14100,7 +13021,7 @@
 </p:sld>
 </file>
 
-<file path=ppt/slides/slide13.xml><?xml version="1.0" encoding="utf-8"?>
+<file path=ppt/slides/slide12.xml><?xml version="1.0" encoding="utf-8"?>
 <p:sld xmlns:a="http://schemas.openxmlformats.org/drawingml/2006/main" xmlns:r="http://schemas.openxmlformats.org/officeDocument/2006/relationships" xmlns:p="http://schemas.openxmlformats.org/presentationml/2006/main">
   <p:cSld>
     <p:spTree>
@@ -14140,7 +13061,11 @@
             <a:pPr lvl="0"/>
             <a:r>
               <a:rPr lang="en-US" dirty="0" smtClean="0"/>
-              <a:t>IV-Complex Chooser </a:t>
+              <a:t>II-Complex </a:t>
+            </a:r>
+            <a:r>
+              <a:rPr lang="en-US" dirty="0" smtClean="0"/>
+              <a:t>Chooser </a:t>
             </a:r>
             <a:r>
               <a:rPr lang="en-US" dirty="0"/>
@@ -16011,7 +14936,7 @@
           <a:p>
             <a:fld id="{91CCA55A-3F50-488D-A5E8-01F0969640CB}" type="slidenum">
               <a:rPr lang="en-US" smtClean="0"/>
-              <a:t>13</a:t>
+              <a:t>12</a:t>
             </a:fld>
             <a:endParaRPr lang="en-US"/>
           </a:p>
@@ -16730,7 +15655,7 @@
 </p:sld>
 </file>
 
-<file path=ppt/slides/slide14.xml><?xml version="1.0" encoding="utf-8"?>
+<file path=ppt/slides/slide13.xml><?xml version="1.0" encoding="utf-8"?>
 <p:sld xmlns:a="http://schemas.openxmlformats.org/drawingml/2006/main" xmlns:r="http://schemas.openxmlformats.org/officeDocument/2006/relationships" xmlns:p="http://schemas.openxmlformats.org/presentationml/2006/main">
   <p:cSld>
     <p:spTree>
@@ -16770,7 +15695,11 @@
             <a:pPr lvl="0"/>
             <a:r>
               <a:rPr lang="en-US" dirty="0" smtClean="0"/>
-              <a:t>IV-Complex Chooser </a:t>
+              <a:t>II-Complex </a:t>
+            </a:r>
+            <a:r>
+              <a:rPr lang="en-US" dirty="0" smtClean="0"/>
+              <a:t>Chooser </a:t>
             </a:r>
             <a:r>
               <a:rPr lang="en-US" dirty="0"/>
@@ -16995,7 +15924,7 @@
           <a:p>
             <a:fld id="{91CCA55A-3F50-488D-A5E8-01F0969640CB}" type="slidenum">
               <a:rPr lang="en-US" smtClean="0"/>
-              <a:t>14</a:t>
+              <a:t>13</a:t>
             </a:fld>
             <a:endParaRPr lang="en-US"/>
           </a:p>
@@ -17027,7 +15956,7 @@
         </p:spPr>
         <p:txBody>
           <a:bodyPr vert="horz" lIns="91440" tIns="45720" rIns="91440" bIns="45720" rtlCol="0" anchor="ctr">
-            <a:normAutofit lnSpcReduction="10000"/>
+            <a:normAutofit/>
           </a:bodyPr>
           <a:lstStyle>
             <a:lvl1pPr marL="342900" indent="-342900" algn="l" defTabSz="457200" rtl="0" eaLnBrk="1" latinLnBrk="0" hangingPunct="1">
@@ -17266,12 +16195,6 @@
           <a:p>
             <a:r>
               <a:rPr lang="fr-FR" sz="3200" dirty="0" smtClean="0"/>
-              <a:t>Sureté : une nouvelle tendance</a:t>
-            </a:r>
-          </a:p>
-          <a:p>
-            <a:r>
-              <a:rPr lang="fr-FR" sz="3200" dirty="0" smtClean="0"/>
               <a:t>Laisser le choix pour une date future</a:t>
             </a:r>
           </a:p>
@@ -17328,6 +16251,9 @@
                     <p:cTn id="3" fill="hold">
                       <p:stCondLst>
                         <p:cond delay="indefinite"/>
+                        <p:cond evt="onBegin" delay="0">
+                          <p:tn val="2"/>
+                        </p:cond>
                       </p:stCondLst>
                       <p:childTnLst>
                         <p:par>
@@ -17337,7 +16263,7 @@
                             </p:stCondLst>
                             <p:childTnLst>
                               <p:par>
-                                <p:cTn id="5" presetID="2" presetClass="entr" presetSubtype="4" fill="hold" grpId="0" nodeType="clickEffect">
+                                <p:cTn id="5" presetID="2" presetClass="entr" presetSubtype="4" fill="hold" grpId="0" nodeType="withEffect">
                                   <p:stCondLst>
                                     <p:cond delay="0"/>
                                   </p:stCondLst>
@@ -17506,33 +16432,15 @@
                                   </p:childTnLst>
                                 </p:cTn>
                               </p:par>
-                            </p:childTnLst>
-                          </p:cTn>
-                        </p:par>
-                      </p:childTnLst>
-                    </p:cTn>
-                  </p:par>
-                  <p:par>
-                    <p:cTn id="13" fill="hold">
-                      <p:stCondLst>
-                        <p:cond delay="indefinite"/>
-                      </p:stCondLst>
-                      <p:childTnLst>
-                        <p:par>
-                          <p:cTn id="14" fill="hold">
-                            <p:stCondLst>
-                              <p:cond delay="0"/>
-                            </p:stCondLst>
-                            <p:childTnLst>
                               <p:par>
-                                <p:cTn id="15" presetID="2" presetClass="entr" presetSubtype="4" fill="hold" grpId="0" nodeType="clickEffect">
+                                <p:cTn id="13" presetID="2" presetClass="entr" presetSubtype="4" fill="hold" grpId="0" nodeType="withEffect">
                                   <p:stCondLst>
                                     <p:cond delay="0"/>
                                   </p:stCondLst>
                                   <p:childTnLst>
                                     <p:set>
                                       <p:cBhvr>
-                                        <p:cTn id="16" dur="1" fill="hold">
+                                        <p:cTn id="14" dur="1" fill="hold">
                                           <p:stCondLst>
                                             <p:cond delay="0"/>
                                           </p:stCondLst>
@@ -17554,7 +16462,7 @@
                                     </p:set>
                                     <p:anim calcmode="lin" valueType="num">
                                       <p:cBhvr additive="base">
-                                        <p:cTn id="17" dur="500" fill="hold"/>
+                                        <p:cTn id="15" dur="500" fill="hold"/>
                                         <p:tgtEl>
                                           <p:spTgt spid="6">
                                             <p:txEl>
@@ -17581,7 +16489,7 @@
                                     </p:anim>
                                     <p:anim calcmode="lin" valueType="num">
                                       <p:cBhvr additive="base">
-                                        <p:cTn id="18" dur="500" fill="hold"/>
+                                        <p:cTn id="16" dur="500" fill="hold"/>
                                         <p:tgtEl>
                                           <p:spTgt spid="6">
                                             <p:txEl>
@@ -17609,33 +16517,15 @@
                                   </p:childTnLst>
                                 </p:cTn>
                               </p:par>
-                            </p:childTnLst>
-                          </p:cTn>
-                        </p:par>
-                      </p:childTnLst>
-                    </p:cTn>
-                  </p:par>
-                  <p:par>
-                    <p:cTn id="19" fill="hold">
-                      <p:stCondLst>
-                        <p:cond delay="indefinite"/>
-                      </p:stCondLst>
-                      <p:childTnLst>
-                        <p:par>
-                          <p:cTn id="20" fill="hold">
-                            <p:stCondLst>
-                              <p:cond delay="0"/>
-                            </p:stCondLst>
-                            <p:childTnLst>
                               <p:par>
-                                <p:cTn id="21" presetID="2" presetClass="entr" presetSubtype="4" fill="hold" grpId="0" nodeType="clickEffect">
+                                <p:cTn id="17" presetID="2" presetClass="entr" presetSubtype="4" fill="hold" grpId="0" nodeType="withEffect">
                                   <p:stCondLst>
                                     <p:cond delay="0"/>
                                   </p:stCondLst>
                                   <p:childTnLst>
                                     <p:set>
                                       <p:cBhvr>
-                                        <p:cTn id="22" dur="1" fill="hold">
+                                        <p:cTn id="18" dur="1" fill="hold">
                                           <p:stCondLst>
                                             <p:cond delay="0"/>
                                           </p:stCondLst>
@@ -17657,7 +16547,7 @@
                                     </p:set>
                                     <p:anim calcmode="lin" valueType="num">
                                       <p:cBhvr additive="base">
-                                        <p:cTn id="23" dur="500" fill="hold"/>
+                                        <p:cTn id="19" dur="500" fill="hold"/>
                                         <p:tgtEl>
                                           <p:spTgt spid="6">
                                             <p:txEl>
@@ -17684,11 +16574,96 @@
                                     </p:anim>
                                     <p:anim calcmode="lin" valueType="num">
                                       <p:cBhvr additive="base">
+                                        <p:cTn id="20" dur="500" fill="hold"/>
+                                        <p:tgtEl>
+                                          <p:spTgt spid="6">
+                                            <p:txEl>
+                                              <p:pRg st="3" end="3"/>
+                                            </p:txEl>
+                                          </p:spTgt>
+                                        </p:tgtEl>
+                                        <p:attrNameLst>
+                                          <p:attrName>ppt_y</p:attrName>
+                                        </p:attrNameLst>
+                                      </p:cBhvr>
+                                      <p:tavLst>
+                                        <p:tav tm="0">
+                                          <p:val>
+                                            <p:strVal val="1+#ppt_h/2"/>
+                                          </p:val>
+                                        </p:tav>
+                                        <p:tav tm="100000">
+                                          <p:val>
+                                            <p:strVal val="#ppt_y"/>
+                                          </p:val>
+                                        </p:tav>
+                                      </p:tavLst>
+                                    </p:anim>
+                                  </p:childTnLst>
+                                </p:cTn>
+                              </p:par>
+                              <p:par>
+                                <p:cTn id="21" presetID="2" presetClass="entr" presetSubtype="4" fill="hold" grpId="0" nodeType="withEffect">
+                                  <p:stCondLst>
+                                    <p:cond delay="0"/>
+                                  </p:stCondLst>
+                                  <p:childTnLst>
+                                    <p:set>
+                                      <p:cBhvr>
+                                        <p:cTn id="22" dur="1" fill="hold">
+                                          <p:stCondLst>
+                                            <p:cond delay="0"/>
+                                          </p:stCondLst>
+                                        </p:cTn>
+                                        <p:tgtEl>
+                                          <p:spTgt spid="6">
+                                            <p:txEl>
+                                              <p:pRg st="4" end="4"/>
+                                            </p:txEl>
+                                          </p:spTgt>
+                                        </p:tgtEl>
+                                        <p:attrNameLst>
+                                          <p:attrName>style.visibility</p:attrName>
+                                        </p:attrNameLst>
+                                      </p:cBhvr>
+                                      <p:to>
+                                        <p:strVal val="visible"/>
+                                      </p:to>
+                                    </p:set>
+                                    <p:anim calcmode="lin" valueType="num">
+                                      <p:cBhvr additive="base">
+                                        <p:cTn id="23" dur="500" fill="hold"/>
+                                        <p:tgtEl>
+                                          <p:spTgt spid="6">
+                                            <p:txEl>
+                                              <p:pRg st="4" end="4"/>
+                                            </p:txEl>
+                                          </p:spTgt>
+                                        </p:tgtEl>
+                                        <p:attrNameLst>
+                                          <p:attrName>ppt_x</p:attrName>
+                                        </p:attrNameLst>
+                                      </p:cBhvr>
+                                      <p:tavLst>
+                                        <p:tav tm="0">
+                                          <p:val>
+                                            <p:strVal val="#ppt_x"/>
+                                          </p:val>
+                                        </p:tav>
+                                        <p:tav tm="100000">
+                                          <p:val>
+                                            <p:strVal val="#ppt_x"/>
+                                          </p:val>
+                                        </p:tav>
+                                      </p:tavLst>
+                                    </p:anim>
+                                    <p:anim calcmode="lin" valueType="num">
+                                      <p:cBhvr additive="base">
                                         <p:cTn id="24" dur="500" fill="hold"/>
                                         <p:tgtEl>
                                           <p:spTgt spid="6">
                                             <p:txEl>
-                                              <p:pRg st="3" end="3"/>
+                                              <p:pRg st="4" end="4"/>
                                             </p:txEl>
                                           </p:spTgt>
                                         </p:tgtEl>
@@ -17728,7 +16703,7 @@
                                         <p:tgtEl>
                                           <p:spTgt spid="6">
                                             <p:txEl>
-                                              <p:pRg st="4" end="4"/>
+                                              <p:pRg st="5" end="5"/>
                                             </p:txEl>
                                           </p:spTgt>
                                         </p:tgtEl>
@@ -17746,7 +16721,7 @@
                                         <p:tgtEl>
                                           <p:spTgt spid="6">
                                             <p:txEl>
-                                              <p:pRg st="4" end="4"/>
+                                              <p:pRg st="5" end="5"/>
                                             </p:txEl>
                                           </p:spTgt>
                                         </p:tgtEl>
@@ -17773,195 +16748,7 @@
                                         <p:tgtEl>
                                           <p:spTgt spid="6">
                                             <p:txEl>
-                                              <p:pRg st="4" end="4"/>
-                                            </p:txEl>
-                                          </p:spTgt>
-                                        </p:tgtEl>
-                                        <p:attrNameLst>
-                                          <p:attrName>ppt_y</p:attrName>
-                                        </p:attrNameLst>
-                                      </p:cBhvr>
-                                      <p:tavLst>
-                                        <p:tav tm="0">
-                                          <p:val>
-                                            <p:strVal val="1+#ppt_h/2"/>
-                                          </p:val>
-                                        </p:tav>
-                                        <p:tav tm="100000">
-                                          <p:val>
-                                            <p:strVal val="#ppt_y"/>
-                                          </p:val>
-                                        </p:tav>
-                                      </p:tavLst>
-                                    </p:anim>
-                                  </p:childTnLst>
-                                </p:cTn>
-                              </p:par>
-                            </p:childTnLst>
-                          </p:cTn>
-                        </p:par>
-                      </p:childTnLst>
-                    </p:cTn>
-                  </p:par>
-                  <p:par>
-                    <p:cTn id="29" fill="hold">
-                      <p:stCondLst>
-                        <p:cond delay="indefinite"/>
-                      </p:stCondLst>
-                      <p:childTnLst>
-                        <p:par>
-                          <p:cTn id="30" fill="hold">
-                            <p:stCondLst>
-                              <p:cond delay="0"/>
-                            </p:stCondLst>
-                            <p:childTnLst>
-                              <p:par>
-                                <p:cTn id="31" presetID="2" presetClass="entr" presetSubtype="4" fill="hold" grpId="0" nodeType="clickEffect">
-                                  <p:stCondLst>
-                                    <p:cond delay="0"/>
-                                  </p:stCondLst>
-                                  <p:childTnLst>
-                                    <p:set>
-                                      <p:cBhvr>
-                                        <p:cTn id="32" dur="1" fill="hold">
-                                          <p:stCondLst>
-                                            <p:cond delay="0"/>
-                                          </p:stCondLst>
-                                        </p:cTn>
-                                        <p:tgtEl>
-                                          <p:spTgt spid="6">
-                                            <p:txEl>
                                               <p:pRg st="5" end="5"/>
-                                            </p:txEl>
-                                          </p:spTgt>
-                                        </p:tgtEl>
-                                        <p:attrNameLst>
-                                          <p:attrName>style.visibility</p:attrName>
-                                        </p:attrNameLst>
-                                      </p:cBhvr>
-                                      <p:to>
-                                        <p:strVal val="visible"/>
-                                      </p:to>
-                                    </p:set>
-                                    <p:anim calcmode="lin" valueType="num">
-                                      <p:cBhvr additive="base">
-                                        <p:cTn id="33" dur="500" fill="hold"/>
-                                        <p:tgtEl>
-                                          <p:spTgt spid="6">
-                                            <p:txEl>
-                                              <p:pRg st="5" end="5"/>
-                                            </p:txEl>
-                                          </p:spTgt>
-                                        </p:tgtEl>
-                                        <p:attrNameLst>
-                                          <p:attrName>ppt_x</p:attrName>
-                                        </p:attrNameLst>
-                                      </p:cBhvr>
-                                      <p:tavLst>
-                                        <p:tav tm="0">
-                                          <p:val>
-                                            <p:strVal val="#ppt_x"/>
-                                          </p:val>
-                                        </p:tav>
-                                        <p:tav tm="100000">
-                                          <p:val>
-                                            <p:strVal val="#ppt_x"/>
-                                          </p:val>
-                                        </p:tav>
-                                      </p:tavLst>
-                                    </p:anim>
-                                    <p:anim calcmode="lin" valueType="num">
-                                      <p:cBhvr additive="base">
-                                        <p:cTn id="34" dur="500" fill="hold"/>
-                                        <p:tgtEl>
-                                          <p:spTgt spid="6">
-                                            <p:txEl>
-                                              <p:pRg st="5" end="5"/>
-                                            </p:txEl>
-                                          </p:spTgt>
-                                        </p:tgtEl>
-                                        <p:attrNameLst>
-                                          <p:attrName>ppt_y</p:attrName>
-                                        </p:attrNameLst>
-                                      </p:cBhvr>
-                                      <p:tavLst>
-                                        <p:tav tm="0">
-                                          <p:val>
-                                            <p:strVal val="1+#ppt_h/2"/>
-                                          </p:val>
-                                        </p:tav>
-                                        <p:tav tm="100000">
-                                          <p:val>
-                                            <p:strVal val="#ppt_y"/>
-                                          </p:val>
-                                        </p:tav>
-                                      </p:tavLst>
-                                    </p:anim>
-                                  </p:childTnLst>
-                                </p:cTn>
-                              </p:par>
-                              <p:par>
-                                <p:cTn id="35" presetID="2" presetClass="entr" presetSubtype="4" fill="hold" grpId="0" nodeType="withEffect">
-                                  <p:stCondLst>
-                                    <p:cond delay="0"/>
-                                  </p:stCondLst>
-                                  <p:childTnLst>
-                                    <p:set>
-                                      <p:cBhvr>
-                                        <p:cTn id="36" dur="1" fill="hold">
-                                          <p:stCondLst>
-                                            <p:cond delay="0"/>
-                                          </p:stCondLst>
-                                        </p:cTn>
-                                        <p:tgtEl>
-                                          <p:spTgt spid="6">
-                                            <p:txEl>
-                                              <p:pRg st="6" end="6"/>
-                                            </p:txEl>
-                                          </p:spTgt>
-                                        </p:tgtEl>
-                                        <p:attrNameLst>
-                                          <p:attrName>style.visibility</p:attrName>
-                                        </p:attrNameLst>
-                                      </p:cBhvr>
-                                      <p:to>
-                                        <p:strVal val="visible"/>
-                                      </p:to>
-                                    </p:set>
-                                    <p:anim calcmode="lin" valueType="num">
-                                      <p:cBhvr additive="base">
-                                        <p:cTn id="37" dur="500" fill="hold"/>
-                                        <p:tgtEl>
-                                          <p:spTgt spid="6">
-                                            <p:txEl>
-                                              <p:pRg st="6" end="6"/>
-                                            </p:txEl>
-                                          </p:spTgt>
-                                        </p:tgtEl>
-                                        <p:attrNameLst>
-                                          <p:attrName>ppt_x</p:attrName>
-                                        </p:attrNameLst>
-                                      </p:cBhvr>
-                                      <p:tavLst>
-                                        <p:tav tm="0">
-                                          <p:val>
-                                            <p:strVal val="#ppt_x"/>
-                                          </p:val>
-                                        </p:tav>
-                                        <p:tav tm="100000">
-                                          <p:val>
-                                            <p:strVal val="#ppt_x"/>
-                                          </p:val>
-                                        </p:tav>
-                                      </p:tavLst>
-                                    </p:anim>
-                                    <p:anim calcmode="lin" valueType="num">
-                                      <p:cBhvr additive="base">
-                                        <p:cTn id="38" dur="500" fill="hold"/>
-                                        <p:tgtEl>
-                                          <p:spTgt spid="6">
-                                            <p:txEl>
-                                              <p:pRg st="6" end="6"/>
                                             </p:txEl>
                                           </p:spTgt>
                                         </p:tgtEl>
@@ -18015,6 +16802,161 @@
     <p:bldLst>
       <p:bldP spid="6" grpId="0" build="p"/>
     </p:bldLst>
+  </p:timing>
+</p:sld>
+</file>
+
+<file path=ppt/slides/slide14.xml><?xml version="1.0" encoding="utf-8"?>
+<p:sld xmlns:a="http://schemas.openxmlformats.org/drawingml/2006/main" xmlns:r="http://schemas.openxmlformats.org/officeDocument/2006/relationships" xmlns:p="http://schemas.openxmlformats.org/presentationml/2006/main">
+  <p:cSld>
+    <p:bg>
+      <p:bgPr>
+        <a:gradFill flip="none" rotWithShape="1">
+          <a:gsLst>
+            <a:gs pos="0">
+              <a:schemeClr val="accent1">
+                <a:lumMod val="89000"/>
+              </a:schemeClr>
+            </a:gs>
+            <a:gs pos="23000">
+              <a:schemeClr val="accent1">
+                <a:lumMod val="89000"/>
+              </a:schemeClr>
+            </a:gs>
+            <a:gs pos="69000">
+              <a:schemeClr val="accent1">
+                <a:lumMod val="75000"/>
+              </a:schemeClr>
+            </a:gs>
+            <a:gs pos="97000">
+              <a:schemeClr val="accent1">
+                <a:lumMod val="70000"/>
+              </a:schemeClr>
+            </a:gs>
+          </a:gsLst>
+          <a:path path="circle">
+            <a:fillToRect l="100000" t="100000"/>
+          </a:path>
+          <a:tileRect r="-100000" b="-100000"/>
+        </a:gradFill>
+        <a:effectLst/>
+      </p:bgPr>
+    </p:bg>
+    <p:spTree>
+      <p:nvGrpSpPr>
+        <p:cNvPr id="1" name=""/>
+        <p:cNvGrpSpPr/>
+        <p:nvPr/>
+      </p:nvGrpSpPr>
+      <p:grpSpPr>
+        <a:xfrm>
+          <a:off x="0" y="0"/>
+          <a:ext cx="0" cy="0"/>
+          <a:chOff x="0" y="0"/>
+          <a:chExt cx="0" cy="0"/>
+        </a:xfrm>
+      </p:grpSpPr>
+      <p:sp>
+        <p:nvSpPr>
+          <p:cNvPr id="7" name="Title 1"/>
+          <p:cNvSpPr>
+            <a:spLocks noGrp="1"/>
+          </p:cNvSpPr>
+          <p:nvPr>
+            <p:ph type="title"/>
+          </p:nvPr>
+        </p:nvSpPr>
+        <p:spPr>
+          <a:xfrm>
+            <a:off x="0" y="-345128"/>
+            <a:ext cx="10562848" cy="905362"/>
+          </a:xfrm>
+        </p:spPr>
+        <p:txBody>
+          <a:bodyPr/>
+          <a:lstStyle/>
+          <a:p>
+            <a:pPr lvl="0"/>
+            <a:r>
+              <a:rPr lang="en-US" dirty="0" smtClean="0"/>
+              <a:t>II-Complex </a:t>
+            </a:r>
+            <a:r>
+              <a:rPr lang="en-US" dirty="0"/>
+              <a:t>Chooser Options</a:t>
+            </a:r>
+          </a:p>
+        </p:txBody>
+      </p:sp>
+      <p:sp>
+        <p:nvSpPr>
+          <p:cNvPr id="4" name="Slide Number Placeholder 3"/>
+          <p:cNvSpPr>
+            <a:spLocks noGrp="1"/>
+          </p:cNvSpPr>
+          <p:nvPr>
+            <p:ph type="sldNum" sz="quarter" idx="12"/>
+          </p:nvPr>
+        </p:nvSpPr>
+        <p:spPr/>
+        <p:txBody>
+          <a:bodyPr/>
+          <a:lstStyle/>
+          <a:p>
+            <a:fld id="{91CCA55A-3F50-488D-A5E8-01F0969640CB}" type="slidenum">
+              <a:rPr lang="en-US" smtClean="0"/>
+              <a:t>14</a:t>
+            </a:fld>
+            <a:endParaRPr lang="en-US"/>
+          </a:p>
+        </p:txBody>
+      </p:sp>
+      <p:pic>
+        <p:nvPicPr>
+          <p:cNvPr id="3" name="Picture 2"/>
+          <p:cNvPicPr>
+            <a:picLocks noChangeAspect="1"/>
+          </p:cNvPicPr>
+          <p:nvPr/>
+        </p:nvPicPr>
+        <p:blipFill>
+          <a:blip r:embed="rId3" cstate="print">
+            <a:extLst>
+              <a:ext uri="{28A0092B-C50C-407E-A947-70E740481C1C}">
+                <a14:useLocalDpi xmlns:a14="http://schemas.microsoft.com/office/drawing/2010/main" val="0"/>
+              </a:ext>
+            </a:extLst>
+          </a:blip>
+          <a:stretch>
+            <a:fillRect/>
+          </a:stretch>
+        </p:blipFill>
+        <p:spPr>
+          <a:xfrm>
+            <a:off x="110044" y="989202"/>
+            <a:ext cx="11986421" cy="5171985"/>
+          </a:xfrm>
+          <a:prstGeom prst="rect">
+            <a:avLst/>
+          </a:prstGeom>
+        </p:spPr>
+      </p:pic>
+    </p:spTree>
+    <p:extLst>
+      <p:ext uri="{BB962C8B-B14F-4D97-AF65-F5344CB8AC3E}">
+        <p14:creationId xmlns:p14="http://schemas.microsoft.com/office/powerpoint/2010/main" val="1698570097"/>
+      </p:ext>
+    </p:extLst>
+  </p:cSld>
+  <p:clrMapOvr>
+    <a:masterClrMapping/>
+  </p:clrMapOvr>
+  <p:timing>
+    <p:tnLst>
+      <p:par>
+        <p:cTn id="1" dur="indefinite" restart="never" nodeType="tmRoot"/>
+      </p:par>
+    </p:tnLst>
   </p:timing>
 </p:sld>
 </file>
@@ -18091,8 +17033,12 @@
           <a:p>
             <a:pPr lvl="0"/>
             <a:r>
+              <a:rPr lang="en-US" dirty="0" smtClean="0"/>
+              <a:t>II-Complex </a:t>
+            </a:r>
+            <a:r>
               <a:rPr lang="en-US" dirty="0"/>
-              <a:t>IV-Complex Chooser Options</a:t>
+              <a:t>Chooser Options</a:t>
             </a:r>
           </a:p>
         </p:txBody>
@@ -18115,157 +17061,6 @@
             <a:fld id="{91CCA55A-3F50-488D-A5E8-01F0969640CB}" type="slidenum">
               <a:rPr lang="en-US" smtClean="0"/>
               <a:t>15</a:t>
-            </a:fld>
-            <a:endParaRPr lang="en-US"/>
-          </a:p>
-        </p:txBody>
-      </p:sp>
-      <p:pic>
-        <p:nvPicPr>
-          <p:cNvPr id="3" name="Picture 2"/>
-          <p:cNvPicPr>
-            <a:picLocks noChangeAspect="1"/>
-          </p:cNvPicPr>
-          <p:nvPr/>
-        </p:nvPicPr>
-        <p:blipFill>
-          <a:blip r:embed="rId3" cstate="print">
-            <a:extLst>
-              <a:ext uri="{28A0092B-C50C-407E-A947-70E740481C1C}">
-                <a14:useLocalDpi xmlns:a14="http://schemas.microsoft.com/office/drawing/2010/main" val="0"/>
-              </a:ext>
-            </a:extLst>
-          </a:blip>
-          <a:stretch>
-            <a:fillRect/>
-          </a:stretch>
-        </p:blipFill>
-        <p:spPr>
-          <a:xfrm>
-            <a:off x="110044" y="989202"/>
-            <a:ext cx="11986421" cy="5171985"/>
-          </a:xfrm>
-          <a:prstGeom prst="rect">
-            <a:avLst/>
-          </a:prstGeom>
-        </p:spPr>
-      </p:pic>
-    </p:spTree>
-    <p:extLst>
-      <p:ext uri="{BB962C8B-B14F-4D97-AF65-F5344CB8AC3E}">
-        <p14:creationId xmlns:p14="http://schemas.microsoft.com/office/powerpoint/2010/main" val="1698570097"/>
-      </p:ext>
-    </p:extLst>
-  </p:cSld>
-  <p:clrMapOvr>
-    <a:masterClrMapping/>
-  </p:clrMapOvr>
-  <p:timing>
-    <p:tnLst>
-      <p:par>
-        <p:cTn id="1" dur="indefinite" restart="never" nodeType="tmRoot"/>
-      </p:par>
-    </p:tnLst>
-  </p:timing>
-</p:sld>
-</file>
-
-<file path=ppt/slides/slide16.xml><?xml version="1.0" encoding="utf-8"?>
-<p:sld xmlns:a="http://schemas.openxmlformats.org/drawingml/2006/main" xmlns:r="http://schemas.openxmlformats.org/officeDocument/2006/relationships" xmlns:p="http://schemas.openxmlformats.org/presentationml/2006/main">
-  <p:cSld>
-    <p:bg>
-      <p:bgPr>
-        <a:gradFill flip="none" rotWithShape="1">
-          <a:gsLst>
-            <a:gs pos="0">
-              <a:schemeClr val="accent1">
-                <a:lumMod val="89000"/>
-              </a:schemeClr>
-            </a:gs>
-            <a:gs pos="23000">
-              <a:schemeClr val="accent1">
-                <a:lumMod val="89000"/>
-              </a:schemeClr>
-            </a:gs>
-            <a:gs pos="69000">
-              <a:schemeClr val="accent1">
-                <a:lumMod val="75000"/>
-              </a:schemeClr>
-            </a:gs>
-            <a:gs pos="97000">
-              <a:schemeClr val="accent1">
-                <a:lumMod val="70000"/>
-              </a:schemeClr>
-            </a:gs>
-          </a:gsLst>
-          <a:path path="circle">
-            <a:fillToRect l="100000" t="100000"/>
-          </a:path>
-          <a:tileRect r="-100000" b="-100000"/>
-        </a:gradFill>
-        <a:effectLst/>
-      </p:bgPr>
-    </p:bg>
-    <p:spTree>
-      <p:nvGrpSpPr>
-        <p:cNvPr id="1" name=""/>
-        <p:cNvGrpSpPr/>
-        <p:nvPr/>
-      </p:nvGrpSpPr>
-      <p:grpSpPr>
-        <a:xfrm>
-          <a:off x="0" y="0"/>
-          <a:ext cx="0" cy="0"/>
-          <a:chOff x="0" y="0"/>
-          <a:chExt cx="0" cy="0"/>
-        </a:xfrm>
-      </p:grpSpPr>
-      <p:sp>
-        <p:nvSpPr>
-          <p:cNvPr id="7" name="Title 1"/>
-          <p:cNvSpPr>
-            <a:spLocks noGrp="1"/>
-          </p:cNvSpPr>
-          <p:nvPr>
-            <p:ph type="title"/>
-          </p:nvPr>
-        </p:nvSpPr>
-        <p:spPr>
-          <a:xfrm>
-            <a:off x="0" y="-345128"/>
-            <a:ext cx="10562848" cy="905362"/>
-          </a:xfrm>
-        </p:spPr>
-        <p:txBody>
-          <a:bodyPr/>
-          <a:lstStyle/>
-          <a:p>
-            <a:pPr lvl="0"/>
-            <a:r>
-              <a:rPr lang="en-US" dirty="0"/>
-              <a:t>IV-Complex Chooser Options</a:t>
-            </a:r>
-          </a:p>
-        </p:txBody>
-      </p:sp>
-      <p:sp>
-        <p:nvSpPr>
-          <p:cNvPr id="4" name="Slide Number Placeholder 3"/>
-          <p:cNvSpPr>
-            <a:spLocks noGrp="1"/>
-          </p:cNvSpPr>
-          <p:nvPr>
-            <p:ph type="sldNum" sz="quarter" idx="12"/>
-          </p:nvPr>
-        </p:nvSpPr>
-        <p:spPr/>
-        <p:txBody>
-          <a:bodyPr/>
-          <a:lstStyle/>
-          <a:p>
-            <a:fld id="{91CCA55A-3F50-488D-A5E8-01F0969640CB}" type="slidenum">
-              <a:rPr lang="en-US" smtClean="0"/>
-              <a:t>16</a:t>
             </a:fld>
             <a:endParaRPr lang="en-US"/>
           </a:p>
@@ -18671,7 +17466,7 @@
 </p:sld>
 </file>
 
-<file path=ppt/slides/slide17.xml><?xml version="1.0" encoding="utf-8"?>
+<file path=ppt/slides/slide16.xml><?xml version="1.0" encoding="utf-8"?>
 <p:sld xmlns:a="http://schemas.openxmlformats.org/drawingml/2006/main" xmlns:r="http://schemas.openxmlformats.org/officeDocument/2006/relationships" xmlns:p="http://schemas.openxmlformats.org/presentationml/2006/main">
   <p:cSld>
     <p:spTree>
@@ -18711,7 +17506,11 @@
             <a:pPr lvl="0"/>
             <a:r>
               <a:rPr lang="en-US" dirty="0" smtClean="0"/>
-              <a:t>V-Extendible </a:t>
+              <a:t>III</a:t>
+            </a:r>
+            <a:r>
+              <a:rPr lang="en-US" dirty="0" smtClean="0"/>
+              <a:t>-Extendible </a:t>
             </a:r>
             <a:r>
               <a:rPr lang="en-US" dirty="0"/>
@@ -19007,7 +17806,7 @@
           <a:p>
             <a:fld id="{91CCA55A-3F50-488D-A5E8-01F0969640CB}" type="slidenum">
               <a:rPr lang="en-US" smtClean="0"/>
-              <a:t>17</a:t>
+              <a:t>16</a:t>
             </a:fld>
             <a:endParaRPr lang="en-US"/>
           </a:p>
@@ -19605,7 +18404,7 @@
 </p:sld>
 </file>
 
-<file path=ppt/slides/slide18.xml><?xml version="1.0" encoding="utf-8"?>
+<file path=ppt/slides/slide17.xml><?xml version="1.0" encoding="utf-8"?>
 <p:sld xmlns:a="http://schemas.openxmlformats.org/drawingml/2006/main" xmlns:r="http://schemas.openxmlformats.org/officeDocument/2006/relationships" xmlns:p="http://schemas.openxmlformats.org/presentationml/2006/main">
   <p:cSld>
     <p:spTree>
@@ -19645,7 +18444,11 @@
             <a:pPr lvl="0"/>
             <a:r>
               <a:rPr lang="en-US" dirty="0" smtClean="0"/>
-              <a:t>V-Extendible </a:t>
+              <a:t>III</a:t>
+            </a:r>
+            <a:r>
+              <a:rPr lang="en-US" dirty="0" smtClean="0"/>
+              <a:t>-Extendible </a:t>
             </a:r>
             <a:r>
               <a:rPr lang="en-US" dirty="0"/>
@@ -19955,7 +18758,7 @@
           <a:p>
             <a:fld id="{91CCA55A-3F50-488D-A5E8-01F0969640CB}" type="slidenum">
               <a:rPr lang="en-US" smtClean="0"/>
-              <a:t>18</a:t>
+              <a:t>17</a:t>
             </a:fld>
             <a:endParaRPr lang="en-US"/>
           </a:p>
@@ -20638,7 +19441,7 @@
 </p:sld>
 </file>
 
-<file path=ppt/slides/slide19.xml><?xml version="1.0" encoding="utf-8"?>
+<file path=ppt/slides/slide18.xml><?xml version="1.0" encoding="utf-8"?>
 <p:sld xmlns:a="http://schemas.openxmlformats.org/drawingml/2006/main" xmlns:r="http://schemas.openxmlformats.org/officeDocument/2006/relationships" xmlns:p="http://schemas.openxmlformats.org/presentationml/2006/main">
   <p:cSld>
     <p:spTree>
@@ -20678,7 +19481,11 @@
             <a:pPr lvl="0"/>
             <a:r>
               <a:rPr lang="en-US" dirty="0" smtClean="0"/>
-              <a:t>V-Extendible </a:t>
+              <a:t>III</a:t>
+            </a:r>
+            <a:r>
+              <a:rPr lang="en-US" dirty="0" smtClean="0"/>
+              <a:t>-Extendible </a:t>
             </a:r>
             <a:r>
               <a:rPr lang="en-US" dirty="0"/>
@@ -20939,7 +19746,7 @@
           <a:p>
             <a:fld id="{91CCA55A-3F50-488D-A5E8-01F0969640CB}" type="slidenum">
               <a:rPr lang="en-US" smtClean="0"/>
-              <a:t>19</a:t>
+              <a:t>18</a:t>
             </a:fld>
             <a:endParaRPr lang="en-US"/>
           </a:p>
@@ -24132,1378 +22939,7 @@
 </p:sld>
 </file>
 
-<file path=ppt/slides/slide2.xml><?xml version="1.0" encoding="utf-8"?>
-<p:sld xmlns:a="http://schemas.openxmlformats.org/drawingml/2006/main" xmlns:r="http://schemas.openxmlformats.org/officeDocument/2006/relationships" xmlns:p="http://schemas.openxmlformats.org/presentationml/2006/main">
-  <p:cSld>
-    <p:spTree>
-      <p:nvGrpSpPr>
-        <p:cNvPr id="1" name=""/>
-        <p:cNvGrpSpPr/>
-        <p:nvPr/>
-      </p:nvGrpSpPr>
-      <p:grpSpPr>
-        <a:xfrm>
-          <a:off x="0" y="0"/>
-          <a:ext cx="0" cy="0"/>
-          <a:chOff x="0" y="0"/>
-          <a:chExt cx="0" cy="0"/>
-        </a:xfrm>
-      </p:grpSpPr>
-      <p:sp>
-        <p:nvSpPr>
-          <p:cNvPr id="2" name="Title 1"/>
-          <p:cNvSpPr>
-            <a:spLocks noGrp="1"/>
-          </p:cNvSpPr>
-          <p:nvPr>
-            <p:ph type="title"/>
-          </p:nvPr>
-        </p:nvSpPr>
-        <p:spPr/>
-        <p:txBody>
-          <a:bodyPr/>
-          <a:lstStyle/>
-          <a:p>
-            <a:r>
-              <a:rPr lang="en-US" dirty="0" smtClean="0"/>
-              <a:t>Plan</a:t>
-            </a:r>
-            <a:endParaRPr lang="en-US" dirty="0"/>
-          </a:p>
-        </p:txBody>
-      </p:sp>
-      <p:graphicFrame>
-        <p:nvGraphicFramePr>
-          <p:cNvPr id="4" name="Diagram 3"/>
-          <p:cNvGraphicFramePr/>
-          <p:nvPr>
-            <p:extLst>
-              <p:ext uri="{D42A27DB-BD31-4B8C-83A1-F6EECF244321}">
-                <p14:modId xmlns:p14="http://schemas.microsoft.com/office/powerpoint/2010/main" val="1325816020"/>
-              </p:ext>
-            </p:extLst>
-          </p:nvPr>
-        </p:nvGraphicFramePr>
-        <p:xfrm>
-          <a:off x="2142705" y="2210937"/>
-          <a:ext cx="8393374" cy="4282237"/>
-        </p:xfrm>
-        <a:graphic>
-          <a:graphicData uri="http://schemas.openxmlformats.org/drawingml/2006/diagram">
-            <dgm:relIds xmlns:dgm="http://schemas.openxmlformats.org/drawingml/2006/diagram" xmlns:r="http://schemas.openxmlformats.org/officeDocument/2006/relationships" r:dm="rId3" r:lo="rId4" r:qs="rId5" r:cs="rId6"/>
-          </a:graphicData>
-        </a:graphic>
-      </p:graphicFrame>
-      <p:sp>
-        <p:nvSpPr>
-          <p:cNvPr id="5" name="Slide Number Placeholder 4"/>
-          <p:cNvSpPr>
-            <a:spLocks noGrp="1"/>
-          </p:cNvSpPr>
-          <p:nvPr>
-            <p:ph type="sldNum" sz="quarter" idx="12"/>
-          </p:nvPr>
-        </p:nvSpPr>
-        <p:spPr/>
-        <p:txBody>
-          <a:bodyPr/>
-          <a:lstStyle/>
-          <a:p>
-            <a:fld id="{91CCA55A-3F50-488D-A5E8-01F0969640CB}" type="slidenum">
-              <a:rPr lang="en-US" smtClean="0"/>
-              <a:t>2</a:t>
-            </a:fld>
-            <a:endParaRPr lang="en-US"/>
-          </a:p>
-        </p:txBody>
-      </p:sp>
-    </p:spTree>
-    <p:extLst>
-      <p:ext uri="{BB962C8B-B14F-4D97-AF65-F5344CB8AC3E}">
-        <p14:creationId xmlns:p14="http://schemas.microsoft.com/office/powerpoint/2010/main" val="4221141039"/>
-      </p:ext>
-    </p:extLst>
-  </p:cSld>
-  <p:clrMapOvr>
-    <a:masterClrMapping/>
-  </p:clrMapOvr>
-  <p:timing>
-    <p:tnLst>
-      <p:par>
-        <p:cTn id="1" dur="indefinite" restart="never" nodeType="tmRoot">
-          <p:childTnLst>
-            <p:seq concurrent="1" nextAc="seek">
-              <p:cTn id="2" dur="indefinite" nodeType="mainSeq">
-                <p:childTnLst>
-                  <p:par>
-                    <p:cTn id="3" fill="hold">
-                      <p:stCondLst>
-                        <p:cond delay="indefinite"/>
-                      </p:stCondLst>
-                      <p:childTnLst>
-                        <p:par>
-                          <p:cTn id="4" fill="hold">
-                            <p:stCondLst>
-                              <p:cond delay="0"/>
-                            </p:stCondLst>
-                            <p:childTnLst>
-                              <p:par>
-                                <p:cTn id="5" presetID="2" presetClass="entr" presetSubtype="4" fill="hold" grpId="0" nodeType="clickEffect">
-                                  <p:stCondLst>
-                                    <p:cond delay="0"/>
-                                  </p:stCondLst>
-                                  <p:childTnLst>
-                                    <p:set>
-                                      <p:cBhvr>
-                                        <p:cTn id="6" dur="1" fill="hold">
-                                          <p:stCondLst>
-                                            <p:cond delay="0"/>
-                                          </p:stCondLst>
-                                        </p:cTn>
-                                        <p:tgtEl>
-                                          <p:spTgt spid="4">
-                                            <p:graphicEl>
-                                              <a:dgm id="{889AD724-97DC-4930-B9DB-DBAB3D123053}"/>
-                                            </p:graphicEl>
-                                          </p:spTgt>
-                                        </p:tgtEl>
-                                        <p:attrNameLst>
-                                          <p:attrName>style.visibility</p:attrName>
-                                        </p:attrNameLst>
-                                      </p:cBhvr>
-                                      <p:to>
-                                        <p:strVal val="visible"/>
-                                      </p:to>
-                                    </p:set>
-                                    <p:anim calcmode="lin" valueType="num">
-                                      <p:cBhvr additive="base">
-                                        <p:cTn id="7" dur="250" fill="hold"/>
-                                        <p:tgtEl>
-                                          <p:spTgt spid="4">
-                                            <p:graphicEl>
-                                              <a:dgm id="{889AD724-97DC-4930-B9DB-DBAB3D123053}"/>
-                                            </p:graphicEl>
-                                          </p:spTgt>
-                                        </p:tgtEl>
-                                        <p:attrNameLst>
-                                          <p:attrName>ppt_x</p:attrName>
-                                        </p:attrNameLst>
-                                      </p:cBhvr>
-                                      <p:tavLst>
-                                        <p:tav tm="0">
-                                          <p:val>
-                                            <p:strVal val="#ppt_x"/>
-                                          </p:val>
-                                        </p:tav>
-                                        <p:tav tm="100000">
-                                          <p:val>
-                                            <p:strVal val="#ppt_x"/>
-                                          </p:val>
-                                        </p:tav>
-                                      </p:tavLst>
-                                    </p:anim>
-                                    <p:anim calcmode="lin" valueType="num">
-                                      <p:cBhvr additive="base">
-                                        <p:cTn id="8" dur="250" fill="hold"/>
-                                        <p:tgtEl>
-                                          <p:spTgt spid="4">
-                                            <p:graphicEl>
-                                              <a:dgm id="{889AD724-97DC-4930-B9DB-DBAB3D123053}"/>
-                                            </p:graphicEl>
-                                          </p:spTgt>
-                                        </p:tgtEl>
-                                        <p:attrNameLst>
-                                          <p:attrName>ppt_y</p:attrName>
-                                        </p:attrNameLst>
-                                      </p:cBhvr>
-                                      <p:tavLst>
-                                        <p:tav tm="0">
-                                          <p:val>
-                                            <p:strVal val="1+#ppt_h/2"/>
-                                          </p:val>
-                                        </p:tav>
-                                        <p:tav tm="100000">
-                                          <p:val>
-                                            <p:strVal val="#ppt_y"/>
-                                          </p:val>
-                                        </p:tav>
-                                      </p:tavLst>
-                                    </p:anim>
-                                  </p:childTnLst>
-                                </p:cTn>
-                              </p:par>
-                            </p:childTnLst>
-                          </p:cTn>
-                        </p:par>
-                      </p:childTnLst>
-                    </p:cTn>
-                  </p:par>
-                  <p:par>
-                    <p:cTn id="9" fill="hold">
-                      <p:stCondLst>
-                        <p:cond delay="indefinite"/>
-                      </p:stCondLst>
-                      <p:childTnLst>
-                        <p:par>
-                          <p:cTn id="10" fill="hold">
-                            <p:stCondLst>
-                              <p:cond delay="0"/>
-                            </p:stCondLst>
-                            <p:childTnLst>
-                              <p:par>
-                                <p:cTn id="11" presetID="2" presetClass="entr" presetSubtype="4" fill="hold" grpId="0" nodeType="clickEffect">
-                                  <p:stCondLst>
-                                    <p:cond delay="0"/>
-                                  </p:stCondLst>
-                                  <p:childTnLst>
-                                    <p:set>
-                                      <p:cBhvr>
-                                        <p:cTn id="12" dur="1" fill="hold">
-                                          <p:stCondLst>
-                                            <p:cond delay="0"/>
-                                          </p:stCondLst>
-                                        </p:cTn>
-                                        <p:tgtEl>
-                                          <p:spTgt spid="4">
-                                            <p:graphicEl>
-                                              <a:dgm id="{CF20245F-33D4-466F-898E-F5BB18451CED}"/>
-                                            </p:graphicEl>
-                                          </p:spTgt>
-                                        </p:tgtEl>
-                                        <p:attrNameLst>
-                                          <p:attrName>style.visibility</p:attrName>
-                                        </p:attrNameLst>
-                                      </p:cBhvr>
-                                      <p:to>
-                                        <p:strVal val="visible"/>
-                                      </p:to>
-                                    </p:set>
-                                    <p:anim calcmode="lin" valueType="num">
-                                      <p:cBhvr additive="base">
-                                        <p:cTn id="13" dur="250" fill="hold"/>
-                                        <p:tgtEl>
-                                          <p:spTgt spid="4">
-                                            <p:graphicEl>
-                                              <a:dgm id="{CF20245F-33D4-466F-898E-F5BB18451CED}"/>
-                                            </p:graphicEl>
-                                          </p:spTgt>
-                                        </p:tgtEl>
-                                        <p:attrNameLst>
-                                          <p:attrName>ppt_x</p:attrName>
-                                        </p:attrNameLst>
-                                      </p:cBhvr>
-                                      <p:tavLst>
-                                        <p:tav tm="0">
-                                          <p:val>
-                                            <p:strVal val="#ppt_x"/>
-                                          </p:val>
-                                        </p:tav>
-                                        <p:tav tm="100000">
-                                          <p:val>
-                                            <p:strVal val="#ppt_x"/>
-                                          </p:val>
-                                        </p:tav>
-                                      </p:tavLst>
-                                    </p:anim>
-                                    <p:anim calcmode="lin" valueType="num">
-                                      <p:cBhvr additive="base">
-                                        <p:cTn id="14" dur="250" fill="hold"/>
-                                        <p:tgtEl>
-                                          <p:spTgt spid="4">
-                                            <p:graphicEl>
-                                              <a:dgm id="{CF20245F-33D4-466F-898E-F5BB18451CED}"/>
-                                            </p:graphicEl>
-                                          </p:spTgt>
-                                        </p:tgtEl>
-                                        <p:attrNameLst>
-                                          <p:attrName>ppt_y</p:attrName>
-                                        </p:attrNameLst>
-                                      </p:cBhvr>
-                                      <p:tavLst>
-                                        <p:tav tm="0">
-                                          <p:val>
-                                            <p:strVal val="1+#ppt_h/2"/>
-                                          </p:val>
-                                        </p:tav>
-                                        <p:tav tm="100000">
-                                          <p:val>
-                                            <p:strVal val="#ppt_y"/>
-                                          </p:val>
-                                        </p:tav>
-                                      </p:tavLst>
-                                    </p:anim>
-                                  </p:childTnLst>
-                                </p:cTn>
-                              </p:par>
-                            </p:childTnLst>
-                          </p:cTn>
-                        </p:par>
-                      </p:childTnLst>
-                    </p:cTn>
-                  </p:par>
-                  <p:par>
-                    <p:cTn id="15" fill="hold">
-                      <p:stCondLst>
-                        <p:cond delay="indefinite"/>
-                      </p:stCondLst>
-                      <p:childTnLst>
-                        <p:par>
-                          <p:cTn id="16" fill="hold">
-                            <p:stCondLst>
-                              <p:cond delay="0"/>
-                            </p:stCondLst>
-                            <p:childTnLst>
-                              <p:par>
-                                <p:cTn id="17" presetID="2" presetClass="entr" presetSubtype="4" fill="hold" grpId="0" nodeType="clickEffect">
-                                  <p:stCondLst>
-                                    <p:cond delay="0"/>
-                                  </p:stCondLst>
-                                  <p:childTnLst>
-                                    <p:set>
-                                      <p:cBhvr>
-                                        <p:cTn id="18" dur="1" fill="hold">
-                                          <p:stCondLst>
-                                            <p:cond delay="0"/>
-                                          </p:stCondLst>
-                                        </p:cTn>
-                                        <p:tgtEl>
-                                          <p:spTgt spid="4">
-                                            <p:graphicEl>
-                                              <a:dgm id="{50E7F155-0B28-4EB8-A3DA-F62B28ED4788}"/>
-                                            </p:graphicEl>
-                                          </p:spTgt>
-                                        </p:tgtEl>
-                                        <p:attrNameLst>
-                                          <p:attrName>style.visibility</p:attrName>
-                                        </p:attrNameLst>
-                                      </p:cBhvr>
-                                      <p:to>
-                                        <p:strVal val="visible"/>
-                                      </p:to>
-                                    </p:set>
-                                    <p:anim calcmode="lin" valueType="num">
-                                      <p:cBhvr additive="base">
-                                        <p:cTn id="19" dur="250" fill="hold"/>
-                                        <p:tgtEl>
-                                          <p:spTgt spid="4">
-                                            <p:graphicEl>
-                                              <a:dgm id="{50E7F155-0B28-4EB8-A3DA-F62B28ED4788}"/>
-                                            </p:graphicEl>
-                                          </p:spTgt>
-                                        </p:tgtEl>
-                                        <p:attrNameLst>
-                                          <p:attrName>ppt_x</p:attrName>
-                                        </p:attrNameLst>
-                                      </p:cBhvr>
-                                      <p:tavLst>
-                                        <p:tav tm="0">
-                                          <p:val>
-                                            <p:strVal val="#ppt_x"/>
-                                          </p:val>
-                                        </p:tav>
-                                        <p:tav tm="100000">
-                                          <p:val>
-                                            <p:strVal val="#ppt_x"/>
-                                          </p:val>
-                                        </p:tav>
-                                      </p:tavLst>
-                                    </p:anim>
-                                    <p:anim calcmode="lin" valueType="num">
-                                      <p:cBhvr additive="base">
-                                        <p:cTn id="20" dur="250" fill="hold"/>
-                                        <p:tgtEl>
-                                          <p:spTgt spid="4">
-                                            <p:graphicEl>
-                                              <a:dgm id="{50E7F155-0B28-4EB8-A3DA-F62B28ED4788}"/>
-                                            </p:graphicEl>
-                                          </p:spTgt>
-                                        </p:tgtEl>
-                                        <p:attrNameLst>
-                                          <p:attrName>ppt_y</p:attrName>
-                                        </p:attrNameLst>
-                                      </p:cBhvr>
-                                      <p:tavLst>
-                                        <p:tav tm="0">
-                                          <p:val>
-                                            <p:strVal val="1+#ppt_h/2"/>
-                                          </p:val>
-                                        </p:tav>
-                                        <p:tav tm="100000">
-                                          <p:val>
-                                            <p:strVal val="#ppt_y"/>
-                                          </p:val>
-                                        </p:tav>
-                                      </p:tavLst>
-                                    </p:anim>
-                                  </p:childTnLst>
-                                </p:cTn>
-                              </p:par>
-                            </p:childTnLst>
-                          </p:cTn>
-                        </p:par>
-                      </p:childTnLst>
-                    </p:cTn>
-                  </p:par>
-                  <p:par>
-                    <p:cTn id="21" fill="hold">
-                      <p:stCondLst>
-                        <p:cond delay="indefinite"/>
-                      </p:stCondLst>
-                      <p:childTnLst>
-                        <p:par>
-                          <p:cTn id="22" fill="hold">
-                            <p:stCondLst>
-                              <p:cond delay="0"/>
-                            </p:stCondLst>
-                            <p:childTnLst>
-                              <p:par>
-                                <p:cTn id="23" presetID="2" presetClass="entr" presetSubtype="4" fill="hold" grpId="0" nodeType="clickEffect">
-                                  <p:stCondLst>
-                                    <p:cond delay="0"/>
-                                  </p:stCondLst>
-                                  <p:childTnLst>
-                                    <p:set>
-                                      <p:cBhvr>
-                                        <p:cTn id="24" dur="1" fill="hold">
-                                          <p:stCondLst>
-                                            <p:cond delay="0"/>
-                                          </p:stCondLst>
-                                        </p:cTn>
-                                        <p:tgtEl>
-                                          <p:spTgt spid="4">
-                                            <p:graphicEl>
-                                              <a:dgm id="{5D21B0F4-0BFF-4375-93B3-BD56BB6213EC}"/>
-                                            </p:graphicEl>
-                                          </p:spTgt>
-                                        </p:tgtEl>
-                                        <p:attrNameLst>
-                                          <p:attrName>style.visibility</p:attrName>
-                                        </p:attrNameLst>
-                                      </p:cBhvr>
-                                      <p:to>
-                                        <p:strVal val="visible"/>
-                                      </p:to>
-                                    </p:set>
-                                    <p:anim calcmode="lin" valueType="num">
-                                      <p:cBhvr additive="base">
-                                        <p:cTn id="25" dur="250" fill="hold"/>
-                                        <p:tgtEl>
-                                          <p:spTgt spid="4">
-                                            <p:graphicEl>
-                                              <a:dgm id="{5D21B0F4-0BFF-4375-93B3-BD56BB6213EC}"/>
-                                            </p:graphicEl>
-                                          </p:spTgt>
-                                        </p:tgtEl>
-                                        <p:attrNameLst>
-                                          <p:attrName>ppt_x</p:attrName>
-                                        </p:attrNameLst>
-                                      </p:cBhvr>
-                                      <p:tavLst>
-                                        <p:tav tm="0">
-                                          <p:val>
-                                            <p:strVal val="#ppt_x"/>
-                                          </p:val>
-                                        </p:tav>
-                                        <p:tav tm="100000">
-                                          <p:val>
-                                            <p:strVal val="#ppt_x"/>
-                                          </p:val>
-                                        </p:tav>
-                                      </p:tavLst>
-                                    </p:anim>
-                                    <p:anim calcmode="lin" valueType="num">
-                                      <p:cBhvr additive="base">
-                                        <p:cTn id="26" dur="250" fill="hold"/>
-                                        <p:tgtEl>
-                                          <p:spTgt spid="4">
-                                            <p:graphicEl>
-                                              <a:dgm id="{5D21B0F4-0BFF-4375-93B3-BD56BB6213EC}"/>
-                                            </p:graphicEl>
-                                          </p:spTgt>
-                                        </p:tgtEl>
-                                        <p:attrNameLst>
-                                          <p:attrName>ppt_y</p:attrName>
-                                        </p:attrNameLst>
-                                      </p:cBhvr>
-                                      <p:tavLst>
-                                        <p:tav tm="0">
-                                          <p:val>
-                                            <p:strVal val="1+#ppt_h/2"/>
-                                          </p:val>
-                                        </p:tav>
-                                        <p:tav tm="100000">
-                                          <p:val>
-                                            <p:strVal val="#ppt_y"/>
-                                          </p:val>
-                                        </p:tav>
-                                      </p:tavLst>
-                                    </p:anim>
-                                  </p:childTnLst>
-                                </p:cTn>
-                              </p:par>
-                            </p:childTnLst>
-                          </p:cTn>
-                        </p:par>
-                      </p:childTnLst>
-                    </p:cTn>
-                  </p:par>
-                  <p:par>
-                    <p:cTn id="27" fill="hold">
-                      <p:stCondLst>
-                        <p:cond delay="indefinite"/>
-                      </p:stCondLst>
-                      <p:childTnLst>
-                        <p:par>
-                          <p:cTn id="28" fill="hold">
-                            <p:stCondLst>
-                              <p:cond delay="0"/>
-                            </p:stCondLst>
-                            <p:childTnLst>
-                              <p:par>
-                                <p:cTn id="29" presetID="2" presetClass="entr" presetSubtype="4" fill="hold" grpId="0" nodeType="clickEffect">
-                                  <p:stCondLst>
-                                    <p:cond delay="0"/>
-                                  </p:stCondLst>
-                                  <p:childTnLst>
-                                    <p:set>
-                                      <p:cBhvr>
-                                        <p:cTn id="30" dur="1" fill="hold">
-                                          <p:stCondLst>
-                                            <p:cond delay="0"/>
-                                          </p:stCondLst>
-                                        </p:cTn>
-                                        <p:tgtEl>
-                                          <p:spTgt spid="4">
-                                            <p:graphicEl>
-                                              <a:dgm id="{F19540CE-E2C5-4FD1-A90C-A623A7080392}"/>
-                                            </p:graphicEl>
-                                          </p:spTgt>
-                                        </p:tgtEl>
-                                        <p:attrNameLst>
-                                          <p:attrName>style.visibility</p:attrName>
-                                        </p:attrNameLst>
-                                      </p:cBhvr>
-                                      <p:to>
-                                        <p:strVal val="visible"/>
-                                      </p:to>
-                                    </p:set>
-                                    <p:anim calcmode="lin" valueType="num">
-                                      <p:cBhvr additive="base">
-                                        <p:cTn id="31" dur="250" fill="hold"/>
-                                        <p:tgtEl>
-                                          <p:spTgt spid="4">
-                                            <p:graphicEl>
-                                              <a:dgm id="{F19540CE-E2C5-4FD1-A90C-A623A7080392}"/>
-                                            </p:graphicEl>
-                                          </p:spTgt>
-                                        </p:tgtEl>
-                                        <p:attrNameLst>
-                                          <p:attrName>ppt_x</p:attrName>
-                                        </p:attrNameLst>
-                                      </p:cBhvr>
-                                      <p:tavLst>
-                                        <p:tav tm="0">
-                                          <p:val>
-                                            <p:strVal val="#ppt_x"/>
-                                          </p:val>
-                                        </p:tav>
-                                        <p:tav tm="100000">
-                                          <p:val>
-                                            <p:strVal val="#ppt_x"/>
-                                          </p:val>
-                                        </p:tav>
-                                      </p:tavLst>
-                                    </p:anim>
-                                    <p:anim calcmode="lin" valueType="num">
-                                      <p:cBhvr additive="base">
-                                        <p:cTn id="32" dur="250" fill="hold"/>
-                                        <p:tgtEl>
-                                          <p:spTgt spid="4">
-                                            <p:graphicEl>
-                                              <a:dgm id="{F19540CE-E2C5-4FD1-A90C-A623A7080392}"/>
-                                            </p:graphicEl>
-                                          </p:spTgt>
-                                        </p:tgtEl>
-                                        <p:attrNameLst>
-                                          <p:attrName>ppt_y</p:attrName>
-                                        </p:attrNameLst>
-                                      </p:cBhvr>
-                                      <p:tavLst>
-                                        <p:tav tm="0">
-                                          <p:val>
-                                            <p:strVal val="1+#ppt_h/2"/>
-                                          </p:val>
-                                        </p:tav>
-                                        <p:tav tm="100000">
-                                          <p:val>
-                                            <p:strVal val="#ppt_y"/>
-                                          </p:val>
-                                        </p:tav>
-                                      </p:tavLst>
-                                    </p:anim>
-                                  </p:childTnLst>
-                                </p:cTn>
-                              </p:par>
-                            </p:childTnLst>
-                          </p:cTn>
-                        </p:par>
-                      </p:childTnLst>
-                    </p:cTn>
-                  </p:par>
-                  <p:par>
-                    <p:cTn id="33" fill="hold">
-                      <p:stCondLst>
-                        <p:cond delay="indefinite"/>
-                      </p:stCondLst>
-                      <p:childTnLst>
-                        <p:par>
-                          <p:cTn id="34" fill="hold">
-                            <p:stCondLst>
-                              <p:cond delay="0"/>
-                            </p:stCondLst>
-                            <p:childTnLst>
-                              <p:par>
-                                <p:cTn id="35" presetID="2" presetClass="entr" presetSubtype="4" fill="hold" grpId="0" nodeType="clickEffect">
-                                  <p:stCondLst>
-                                    <p:cond delay="0"/>
-                                  </p:stCondLst>
-                                  <p:childTnLst>
-                                    <p:set>
-                                      <p:cBhvr>
-                                        <p:cTn id="36" dur="1" fill="hold">
-                                          <p:stCondLst>
-                                            <p:cond delay="0"/>
-                                          </p:stCondLst>
-                                        </p:cTn>
-                                        <p:tgtEl>
-                                          <p:spTgt spid="4">
-                                            <p:graphicEl>
-                                              <a:dgm id="{3FF88047-6236-47E6-998D-4E3EA0983E72}"/>
-                                            </p:graphicEl>
-                                          </p:spTgt>
-                                        </p:tgtEl>
-                                        <p:attrNameLst>
-                                          <p:attrName>style.visibility</p:attrName>
-                                        </p:attrNameLst>
-                                      </p:cBhvr>
-                                      <p:to>
-                                        <p:strVal val="visible"/>
-                                      </p:to>
-                                    </p:set>
-                                    <p:anim calcmode="lin" valueType="num">
-                                      <p:cBhvr additive="base">
-                                        <p:cTn id="37" dur="250" fill="hold"/>
-                                        <p:tgtEl>
-                                          <p:spTgt spid="4">
-                                            <p:graphicEl>
-                                              <a:dgm id="{3FF88047-6236-47E6-998D-4E3EA0983E72}"/>
-                                            </p:graphicEl>
-                                          </p:spTgt>
-                                        </p:tgtEl>
-                                        <p:attrNameLst>
-                                          <p:attrName>ppt_x</p:attrName>
-                                        </p:attrNameLst>
-                                      </p:cBhvr>
-                                      <p:tavLst>
-                                        <p:tav tm="0">
-                                          <p:val>
-                                            <p:strVal val="#ppt_x"/>
-                                          </p:val>
-                                        </p:tav>
-                                        <p:tav tm="100000">
-                                          <p:val>
-                                            <p:strVal val="#ppt_x"/>
-                                          </p:val>
-                                        </p:tav>
-                                      </p:tavLst>
-                                    </p:anim>
-                                    <p:anim calcmode="lin" valueType="num">
-                                      <p:cBhvr additive="base">
-                                        <p:cTn id="38" dur="250" fill="hold"/>
-                                        <p:tgtEl>
-                                          <p:spTgt spid="4">
-                                            <p:graphicEl>
-                                              <a:dgm id="{3FF88047-6236-47E6-998D-4E3EA0983E72}"/>
-                                            </p:graphicEl>
-                                          </p:spTgt>
-                                        </p:tgtEl>
-                                        <p:attrNameLst>
-                                          <p:attrName>ppt_y</p:attrName>
-                                        </p:attrNameLst>
-                                      </p:cBhvr>
-                                      <p:tavLst>
-                                        <p:tav tm="0">
-                                          <p:val>
-                                            <p:strVal val="1+#ppt_h/2"/>
-                                          </p:val>
-                                        </p:tav>
-                                        <p:tav tm="100000">
-                                          <p:val>
-                                            <p:strVal val="#ppt_y"/>
-                                          </p:val>
-                                        </p:tav>
-                                      </p:tavLst>
-                                    </p:anim>
-                                  </p:childTnLst>
-                                </p:cTn>
-                              </p:par>
-                            </p:childTnLst>
-                          </p:cTn>
-                        </p:par>
-                      </p:childTnLst>
-                    </p:cTn>
-                  </p:par>
-                  <p:par>
-                    <p:cTn id="39" fill="hold">
-                      <p:stCondLst>
-                        <p:cond delay="indefinite"/>
-                      </p:stCondLst>
-                      <p:childTnLst>
-                        <p:par>
-                          <p:cTn id="40" fill="hold">
-                            <p:stCondLst>
-                              <p:cond delay="0"/>
-                            </p:stCondLst>
-                            <p:childTnLst>
-                              <p:par>
-                                <p:cTn id="41" presetID="2" presetClass="entr" presetSubtype="4" fill="hold" grpId="0" nodeType="clickEffect">
-                                  <p:stCondLst>
-                                    <p:cond delay="0"/>
-                                  </p:stCondLst>
-                                  <p:childTnLst>
-                                    <p:set>
-                                      <p:cBhvr>
-                                        <p:cTn id="42" dur="1" fill="hold">
-                                          <p:stCondLst>
-                                            <p:cond delay="0"/>
-                                          </p:stCondLst>
-                                        </p:cTn>
-                                        <p:tgtEl>
-                                          <p:spTgt spid="4">
-                                            <p:graphicEl>
-                                              <a:dgm id="{A6CE0B11-D65A-4EA5-AC61-673ADCCD0CA0}"/>
-                                            </p:graphicEl>
-                                          </p:spTgt>
-                                        </p:tgtEl>
-                                        <p:attrNameLst>
-                                          <p:attrName>style.visibility</p:attrName>
-                                        </p:attrNameLst>
-                                      </p:cBhvr>
-                                      <p:to>
-                                        <p:strVal val="visible"/>
-                                      </p:to>
-                                    </p:set>
-                                    <p:anim calcmode="lin" valueType="num">
-                                      <p:cBhvr additive="base">
-                                        <p:cTn id="43" dur="250" fill="hold"/>
-                                        <p:tgtEl>
-                                          <p:spTgt spid="4">
-                                            <p:graphicEl>
-                                              <a:dgm id="{A6CE0B11-D65A-4EA5-AC61-673ADCCD0CA0}"/>
-                                            </p:graphicEl>
-                                          </p:spTgt>
-                                        </p:tgtEl>
-                                        <p:attrNameLst>
-                                          <p:attrName>ppt_x</p:attrName>
-                                        </p:attrNameLst>
-                                      </p:cBhvr>
-                                      <p:tavLst>
-                                        <p:tav tm="0">
-                                          <p:val>
-                                            <p:strVal val="#ppt_x"/>
-                                          </p:val>
-                                        </p:tav>
-                                        <p:tav tm="100000">
-                                          <p:val>
-                                            <p:strVal val="#ppt_x"/>
-                                          </p:val>
-                                        </p:tav>
-                                      </p:tavLst>
-                                    </p:anim>
-                                    <p:anim calcmode="lin" valueType="num">
-                                      <p:cBhvr additive="base">
-                                        <p:cTn id="44" dur="250" fill="hold"/>
-                                        <p:tgtEl>
-                                          <p:spTgt spid="4">
-                                            <p:graphicEl>
-                                              <a:dgm id="{A6CE0B11-D65A-4EA5-AC61-673ADCCD0CA0}"/>
-                                            </p:graphicEl>
-                                          </p:spTgt>
-                                        </p:tgtEl>
-                                        <p:attrNameLst>
-                                          <p:attrName>ppt_y</p:attrName>
-                                        </p:attrNameLst>
-                                      </p:cBhvr>
-                                      <p:tavLst>
-                                        <p:tav tm="0">
-                                          <p:val>
-                                            <p:strVal val="1+#ppt_h/2"/>
-                                          </p:val>
-                                        </p:tav>
-                                        <p:tav tm="100000">
-                                          <p:val>
-                                            <p:strVal val="#ppt_y"/>
-                                          </p:val>
-                                        </p:tav>
-                                      </p:tavLst>
-                                    </p:anim>
-                                  </p:childTnLst>
-                                </p:cTn>
-                              </p:par>
-                            </p:childTnLst>
-                          </p:cTn>
-                        </p:par>
-                      </p:childTnLst>
-                    </p:cTn>
-                  </p:par>
-                  <p:par>
-                    <p:cTn id="45" fill="hold">
-                      <p:stCondLst>
-                        <p:cond delay="indefinite"/>
-                      </p:stCondLst>
-                      <p:childTnLst>
-                        <p:par>
-                          <p:cTn id="46" fill="hold">
-                            <p:stCondLst>
-                              <p:cond delay="0"/>
-                            </p:stCondLst>
-                            <p:childTnLst>
-                              <p:par>
-                                <p:cTn id="47" presetID="2" presetClass="entr" presetSubtype="4" fill="hold" grpId="0" nodeType="clickEffect">
-                                  <p:stCondLst>
-                                    <p:cond delay="0"/>
-                                  </p:stCondLst>
-                                  <p:childTnLst>
-                                    <p:set>
-                                      <p:cBhvr>
-                                        <p:cTn id="48" dur="1" fill="hold">
-                                          <p:stCondLst>
-                                            <p:cond delay="0"/>
-                                          </p:stCondLst>
-                                        </p:cTn>
-                                        <p:tgtEl>
-                                          <p:spTgt spid="4">
-                                            <p:graphicEl>
-                                              <a:dgm id="{8AB5A1D8-F846-4952-91D5-8A7FE5012D93}"/>
-                                            </p:graphicEl>
-                                          </p:spTgt>
-                                        </p:tgtEl>
-                                        <p:attrNameLst>
-                                          <p:attrName>style.visibility</p:attrName>
-                                        </p:attrNameLst>
-                                      </p:cBhvr>
-                                      <p:to>
-                                        <p:strVal val="visible"/>
-                                      </p:to>
-                                    </p:set>
-                                    <p:anim calcmode="lin" valueType="num">
-                                      <p:cBhvr additive="base">
-                                        <p:cTn id="49" dur="250" fill="hold"/>
-                                        <p:tgtEl>
-                                          <p:spTgt spid="4">
-                                            <p:graphicEl>
-                                              <a:dgm id="{8AB5A1D8-F846-4952-91D5-8A7FE5012D93}"/>
-                                            </p:graphicEl>
-                                          </p:spTgt>
-                                        </p:tgtEl>
-                                        <p:attrNameLst>
-                                          <p:attrName>ppt_x</p:attrName>
-                                        </p:attrNameLst>
-                                      </p:cBhvr>
-                                      <p:tavLst>
-                                        <p:tav tm="0">
-                                          <p:val>
-                                            <p:strVal val="#ppt_x"/>
-                                          </p:val>
-                                        </p:tav>
-                                        <p:tav tm="100000">
-                                          <p:val>
-                                            <p:strVal val="#ppt_x"/>
-                                          </p:val>
-                                        </p:tav>
-                                      </p:tavLst>
-                                    </p:anim>
-                                    <p:anim calcmode="lin" valueType="num">
-                                      <p:cBhvr additive="base">
-                                        <p:cTn id="50" dur="250" fill="hold"/>
-                                        <p:tgtEl>
-                                          <p:spTgt spid="4">
-                                            <p:graphicEl>
-                                              <a:dgm id="{8AB5A1D8-F846-4952-91D5-8A7FE5012D93}"/>
-                                            </p:graphicEl>
-                                          </p:spTgt>
-                                        </p:tgtEl>
-                                        <p:attrNameLst>
-                                          <p:attrName>ppt_y</p:attrName>
-                                        </p:attrNameLst>
-                                      </p:cBhvr>
-                                      <p:tavLst>
-                                        <p:tav tm="0">
-                                          <p:val>
-                                            <p:strVal val="1+#ppt_h/2"/>
-                                          </p:val>
-                                        </p:tav>
-                                        <p:tav tm="100000">
-                                          <p:val>
-                                            <p:strVal val="#ppt_y"/>
-                                          </p:val>
-                                        </p:tav>
-                                      </p:tavLst>
-                                    </p:anim>
-                                  </p:childTnLst>
-                                </p:cTn>
-                              </p:par>
-                            </p:childTnLst>
-                          </p:cTn>
-                        </p:par>
-                      </p:childTnLst>
-                    </p:cTn>
-                  </p:par>
-                  <p:par>
-                    <p:cTn id="51" fill="hold">
-                      <p:stCondLst>
-                        <p:cond delay="indefinite"/>
-                      </p:stCondLst>
-                      <p:childTnLst>
-                        <p:par>
-                          <p:cTn id="52" fill="hold">
-                            <p:stCondLst>
-                              <p:cond delay="0"/>
-                            </p:stCondLst>
-                            <p:childTnLst>
-                              <p:par>
-                                <p:cTn id="53" presetID="2" presetClass="entr" presetSubtype="4" fill="hold" grpId="0" nodeType="clickEffect">
-                                  <p:stCondLst>
-                                    <p:cond delay="0"/>
-                                  </p:stCondLst>
-                                  <p:childTnLst>
-                                    <p:set>
-                                      <p:cBhvr>
-                                        <p:cTn id="54" dur="1" fill="hold">
-                                          <p:stCondLst>
-                                            <p:cond delay="0"/>
-                                          </p:stCondLst>
-                                        </p:cTn>
-                                        <p:tgtEl>
-                                          <p:spTgt spid="4">
-                                            <p:graphicEl>
-                                              <a:dgm id="{B42C3359-B3EE-455E-8DA8-EEADBB34ADA4}"/>
-                                            </p:graphicEl>
-                                          </p:spTgt>
-                                        </p:tgtEl>
-                                        <p:attrNameLst>
-                                          <p:attrName>style.visibility</p:attrName>
-                                        </p:attrNameLst>
-                                      </p:cBhvr>
-                                      <p:to>
-                                        <p:strVal val="visible"/>
-                                      </p:to>
-                                    </p:set>
-                                    <p:anim calcmode="lin" valueType="num">
-                                      <p:cBhvr additive="base">
-                                        <p:cTn id="55" dur="250" fill="hold"/>
-                                        <p:tgtEl>
-                                          <p:spTgt spid="4">
-                                            <p:graphicEl>
-                                              <a:dgm id="{B42C3359-B3EE-455E-8DA8-EEADBB34ADA4}"/>
-                                            </p:graphicEl>
-                                          </p:spTgt>
-                                        </p:tgtEl>
-                                        <p:attrNameLst>
-                                          <p:attrName>ppt_x</p:attrName>
-                                        </p:attrNameLst>
-                                      </p:cBhvr>
-                                      <p:tavLst>
-                                        <p:tav tm="0">
-                                          <p:val>
-                                            <p:strVal val="#ppt_x"/>
-                                          </p:val>
-                                        </p:tav>
-                                        <p:tav tm="100000">
-                                          <p:val>
-                                            <p:strVal val="#ppt_x"/>
-                                          </p:val>
-                                        </p:tav>
-                                      </p:tavLst>
-                                    </p:anim>
-                                    <p:anim calcmode="lin" valueType="num">
-                                      <p:cBhvr additive="base">
-                                        <p:cTn id="56" dur="250" fill="hold"/>
-                                        <p:tgtEl>
-                                          <p:spTgt spid="4">
-                                            <p:graphicEl>
-                                              <a:dgm id="{B42C3359-B3EE-455E-8DA8-EEADBB34ADA4}"/>
-                                            </p:graphicEl>
-                                          </p:spTgt>
-                                        </p:tgtEl>
-                                        <p:attrNameLst>
-                                          <p:attrName>ppt_y</p:attrName>
-                                        </p:attrNameLst>
-                                      </p:cBhvr>
-                                      <p:tavLst>
-                                        <p:tav tm="0">
-                                          <p:val>
-                                            <p:strVal val="1+#ppt_h/2"/>
-                                          </p:val>
-                                        </p:tav>
-                                        <p:tav tm="100000">
-                                          <p:val>
-                                            <p:strVal val="#ppt_y"/>
-                                          </p:val>
-                                        </p:tav>
-                                      </p:tavLst>
-                                    </p:anim>
-                                  </p:childTnLst>
-                                </p:cTn>
-                              </p:par>
-                            </p:childTnLst>
-                          </p:cTn>
-                        </p:par>
-                      </p:childTnLst>
-                    </p:cTn>
-                  </p:par>
-                  <p:par>
-                    <p:cTn id="57" fill="hold">
-                      <p:stCondLst>
-                        <p:cond delay="indefinite"/>
-                      </p:stCondLst>
-                      <p:childTnLst>
-                        <p:par>
-                          <p:cTn id="58" fill="hold">
-                            <p:stCondLst>
-                              <p:cond delay="0"/>
-                            </p:stCondLst>
-                            <p:childTnLst>
-                              <p:par>
-                                <p:cTn id="59" presetID="2" presetClass="entr" presetSubtype="4" fill="hold" grpId="0" nodeType="clickEffect">
-                                  <p:stCondLst>
-                                    <p:cond delay="0"/>
-                                  </p:stCondLst>
-                                  <p:childTnLst>
-                                    <p:set>
-                                      <p:cBhvr>
-                                        <p:cTn id="60" dur="1" fill="hold">
-                                          <p:stCondLst>
-                                            <p:cond delay="0"/>
-                                          </p:stCondLst>
-                                        </p:cTn>
-                                        <p:tgtEl>
-                                          <p:spTgt spid="4">
-                                            <p:graphicEl>
-                                              <a:dgm id="{0053D2EA-E96A-485A-9B47-065EB2ECE275}"/>
-                                            </p:graphicEl>
-                                          </p:spTgt>
-                                        </p:tgtEl>
-                                        <p:attrNameLst>
-                                          <p:attrName>style.visibility</p:attrName>
-                                        </p:attrNameLst>
-                                      </p:cBhvr>
-                                      <p:to>
-                                        <p:strVal val="visible"/>
-                                      </p:to>
-                                    </p:set>
-                                    <p:anim calcmode="lin" valueType="num">
-                                      <p:cBhvr additive="base">
-                                        <p:cTn id="61" dur="250" fill="hold"/>
-                                        <p:tgtEl>
-                                          <p:spTgt spid="4">
-                                            <p:graphicEl>
-                                              <a:dgm id="{0053D2EA-E96A-485A-9B47-065EB2ECE275}"/>
-                                            </p:graphicEl>
-                                          </p:spTgt>
-                                        </p:tgtEl>
-                                        <p:attrNameLst>
-                                          <p:attrName>ppt_x</p:attrName>
-                                        </p:attrNameLst>
-                                      </p:cBhvr>
-                                      <p:tavLst>
-                                        <p:tav tm="0">
-                                          <p:val>
-                                            <p:strVal val="#ppt_x"/>
-                                          </p:val>
-                                        </p:tav>
-                                        <p:tav tm="100000">
-                                          <p:val>
-                                            <p:strVal val="#ppt_x"/>
-                                          </p:val>
-                                        </p:tav>
-                                      </p:tavLst>
-                                    </p:anim>
-                                    <p:anim calcmode="lin" valueType="num">
-                                      <p:cBhvr additive="base">
-                                        <p:cTn id="62" dur="250" fill="hold"/>
-                                        <p:tgtEl>
-                                          <p:spTgt spid="4">
-                                            <p:graphicEl>
-                                              <a:dgm id="{0053D2EA-E96A-485A-9B47-065EB2ECE275}"/>
-                                            </p:graphicEl>
-                                          </p:spTgt>
-                                        </p:tgtEl>
-                                        <p:attrNameLst>
-                                          <p:attrName>ppt_y</p:attrName>
-                                        </p:attrNameLst>
-                                      </p:cBhvr>
-                                      <p:tavLst>
-                                        <p:tav tm="0">
-                                          <p:val>
-                                            <p:strVal val="1+#ppt_h/2"/>
-                                          </p:val>
-                                        </p:tav>
-                                        <p:tav tm="100000">
-                                          <p:val>
-                                            <p:strVal val="#ppt_y"/>
-                                          </p:val>
-                                        </p:tav>
-                                      </p:tavLst>
-                                    </p:anim>
-                                  </p:childTnLst>
-                                </p:cTn>
-                              </p:par>
-                            </p:childTnLst>
-                          </p:cTn>
-                        </p:par>
-                      </p:childTnLst>
-                    </p:cTn>
-                  </p:par>
-                  <p:par>
-                    <p:cTn id="63" fill="hold">
-                      <p:stCondLst>
-                        <p:cond delay="indefinite"/>
-                      </p:stCondLst>
-                      <p:childTnLst>
-                        <p:par>
-                          <p:cTn id="64" fill="hold">
-                            <p:stCondLst>
-                              <p:cond delay="0"/>
-                            </p:stCondLst>
-                            <p:childTnLst>
-                              <p:par>
-                                <p:cTn id="65" presetID="2" presetClass="entr" presetSubtype="4" fill="hold" grpId="0" nodeType="clickEffect">
-                                  <p:stCondLst>
-                                    <p:cond delay="0"/>
-                                  </p:stCondLst>
-                                  <p:childTnLst>
-                                    <p:set>
-                                      <p:cBhvr>
-                                        <p:cTn id="66" dur="1" fill="hold">
-                                          <p:stCondLst>
-                                            <p:cond delay="0"/>
-                                          </p:stCondLst>
-                                        </p:cTn>
-                                        <p:tgtEl>
-                                          <p:spTgt spid="4">
-                                            <p:graphicEl>
-                                              <a:dgm id="{225C83A9-779B-4707-93D8-DCD1C911EBB6}"/>
-                                            </p:graphicEl>
-                                          </p:spTgt>
-                                        </p:tgtEl>
-                                        <p:attrNameLst>
-                                          <p:attrName>style.visibility</p:attrName>
-                                        </p:attrNameLst>
-                                      </p:cBhvr>
-                                      <p:to>
-                                        <p:strVal val="visible"/>
-                                      </p:to>
-                                    </p:set>
-                                    <p:anim calcmode="lin" valueType="num">
-                                      <p:cBhvr additive="base">
-                                        <p:cTn id="67" dur="250" fill="hold"/>
-                                        <p:tgtEl>
-                                          <p:spTgt spid="4">
-                                            <p:graphicEl>
-                                              <a:dgm id="{225C83A9-779B-4707-93D8-DCD1C911EBB6}"/>
-                                            </p:graphicEl>
-                                          </p:spTgt>
-                                        </p:tgtEl>
-                                        <p:attrNameLst>
-                                          <p:attrName>ppt_x</p:attrName>
-                                        </p:attrNameLst>
-                                      </p:cBhvr>
-                                      <p:tavLst>
-                                        <p:tav tm="0">
-                                          <p:val>
-                                            <p:strVal val="#ppt_x"/>
-                                          </p:val>
-                                        </p:tav>
-                                        <p:tav tm="100000">
-                                          <p:val>
-                                            <p:strVal val="#ppt_x"/>
-                                          </p:val>
-                                        </p:tav>
-                                      </p:tavLst>
-                                    </p:anim>
-                                    <p:anim calcmode="lin" valueType="num">
-                                      <p:cBhvr additive="base">
-                                        <p:cTn id="68" dur="250" fill="hold"/>
-                                        <p:tgtEl>
-                                          <p:spTgt spid="4">
-                                            <p:graphicEl>
-                                              <a:dgm id="{225C83A9-779B-4707-93D8-DCD1C911EBB6}"/>
-                                            </p:graphicEl>
-                                          </p:spTgt>
-                                        </p:tgtEl>
-                                        <p:attrNameLst>
-                                          <p:attrName>ppt_y</p:attrName>
-                                        </p:attrNameLst>
-                                      </p:cBhvr>
-                                      <p:tavLst>
-                                        <p:tav tm="0">
-                                          <p:val>
-                                            <p:strVal val="1+#ppt_h/2"/>
-                                          </p:val>
-                                        </p:tav>
-                                        <p:tav tm="100000">
-                                          <p:val>
-                                            <p:strVal val="#ppt_y"/>
-                                          </p:val>
-                                        </p:tav>
-                                      </p:tavLst>
-                                    </p:anim>
-                                  </p:childTnLst>
-                                </p:cTn>
-                              </p:par>
-                            </p:childTnLst>
-                          </p:cTn>
-                        </p:par>
-                      </p:childTnLst>
-                    </p:cTn>
-                  </p:par>
-                  <p:par>
-                    <p:cTn id="69" fill="hold">
-                      <p:stCondLst>
-                        <p:cond delay="indefinite"/>
-                      </p:stCondLst>
-                      <p:childTnLst>
-                        <p:par>
-                          <p:cTn id="70" fill="hold">
-                            <p:stCondLst>
-                              <p:cond delay="0"/>
-                            </p:stCondLst>
-                            <p:childTnLst>
-                              <p:par>
-                                <p:cTn id="71" presetID="2" presetClass="entr" presetSubtype="4" fill="hold" grpId="0" nodeType="clickEffect">
-                                  <p:stCondLst>
-                                    <p:cond delay="0"/>
-                                  </p:stCondLst>
-                                  <p:childTnLst>
-                                    <p:set>
-                                      <p:cBhvr>
-                                        <p:cTn id="72" dur="1" fill="hold">
-                                          <p:stCondLst>
-                                            <p:cond delay="0"/>
-                                          </p:stCondLst>
-                                        </p:cTn>
-                                        <p:tgtEl>
-                                          <p:spTgt spid="4">
-                                            <p:graphicEl>
-                                              <a:dgm id="{6574DC34-666A-4340-A81D-BCA3F02AB8AF}"/>
-                                            </p:graphicEl>
-                                          </p:spTgt>
-                                        </p:tgtEl>
-                                        <p:attrNameLst>
-                                          <p:attrName>style.visibility</p:attrName>
-                                        </p:attrNameLst>
-                                      </p:cBhvr>
-                                      <p:to>
-                                        <p:strVal val="visible"/>
-                                      </p:to>
-                                    </p:set>
-                                    <p:anim calcmode="lin" valueType="num">
-                                      <p:cBhvr additive="base">
-                                        <p:cTn id="73" dur="250" fill="hold"/>
-                                        <p:tgtEl>
-                                          <p:spTgt spid="4">
-                                            <p:graphicEl>
-                                              <a:dgm id="{6574DC34-666A-4340-A81D-BCA3F02AB8AF}"/>
-                                            </p:graphicEl>
-                                          </p:spTgt>
-                                        </p:tgtEl>
-                                        <p:attrNameLst>
-                                          <p:attrName>ppt_x</p:attrName>
-                                        </p:attrNameLst>
-                                      </p:cBhvr>
-                                      <p:tavLst>
-                                        <p:tav tm="0">
-                                          <p:val>
-                                            <p:strVal val="#ppt_x"/>
-                                          </p:val>
-                                        </p:tav>
-                                        <p:tav tm="100000">
-                                          <p:val>
-                                            <p:strVal val="#ppt_x"/>
-                                          </p:val>
-                                        </p:tav>
-                                      </p:tavLst>
-                                    </p:anim>
-                                    <p:anim calcmode="lin" valueType="num">
-                                      <p:cBhvr additive="base">
-                                        <p:cTn id="74" dur="250" fill="hold"/>
-                                        <p:tgtEl>
-                                          <p:spTgt spid="4">
-                                            <p:graphicEl>
-                                              <a:dgm id="{6574DC34-666A-4340-A81D-BCA3F02AB8AF}"/>
-                                            </p:graphicEl>
-                                          </p:spTgt>
-                                        </p:tgtEl>
-                                        <p:attrNameLst>
-                                          <p:attrName>ppt_y</p:attrName>
-                                        </p:attrNameLst>
-                                      </p:cBhvr>
-                                      <p:tavLst>
-                                        <p:tav tm="0">
-                                          <p:val>
-                                            <p:strVal val="1+#ppt_h/2"/>
-                                          </p:val>
-                                        </p:tav>
-                                        <p:tav tm="100000">
-                                          <p:val>
-                                            <p:strVal val="#ppt_y"/>
-                                          </p:val>
-                                        </p:tav>
-                                      </p:tavLst>
-                                    </p:anim>
-                                  </p:childTnLst>
-                                </p:cTn>
-                              </p:par>
-                            </p:childTnLst>
-                          </p:cTn>
-                        </p:par>
-                      </p:childTnLst>
-                    </p:cTn>
-                  </p:par>
-                </p:childTnLst>
-              </p:cTn>
-              <p:prevCondLst>
-                <p:cond evt="onPrev" delay="0">
-                  <p:tgtEl>
-                    <p:sldTgt/>
-                  </p:tgtEl>
-                </p:cond>
-              </p:prevCondLst>
-              <p:nextCondLst>
-                <p:cond evt="onNext" delay="0">
-                  <p:tgtEl>
-                    <p:sldTgt/>
-                  </p:tgtEl>
-                </p:cond>
-              </p:nextCondLst>
-            </p:seq>
-          </p:childTnLst>
-        </p:cTn>
-      </p:par>
-    </p:tnLst>
-    <p:bldLst>
-      <p:bldGraphic spid="4" grpId="0">
-        <p:bldSub>
-          <a:bldDgm bld="one"/>
-        </p:bldSub>
-      </p:bldGraphic>
-    </p:bldLst>
-  </p:timing>
-</p:sld>
-</file>
-
-<file path=ppt/slides/slide20.xml><?xml version="1.0" encoding="utf-8"?>
+<file path=ppt/slides/slide19.xml><?xml version="1.0" encoding="utf-8"?>
 <p:sld xmlns:a="http://schemas.openxmlformats.org/drawingml/2006/main" xmlns:r="http://schemas.openxmlformats.org/officeDocument/2006/relationships" xmlns:p="http://schemas.openxmlformats.org/presentationml/2006/main">
   <p:cSld>
     <p:spTree>
@@ -25543,7 +22979,11 @@
             <a:pPr lvl="0"/>
             <a:r>
               <a:rPr lang="en-US" dirty="0" smtClean="0"/>
-              <a:t>V-Extendible </a:t>
+              <a:t>III</a:t>
+            </a:r>
+            <a:r>
+              <a:rPr lang="en-US" dirty="0" smtClean="0"/>
+              <a:t>-Extendible </a:t>
             </a:r>
             <a:r>
               <a:rPr lang="en-US" dirty="0"/>
@@ -25569,7 +23009,7 @@
           <a:p>
             <a:fld id="{91CCA55A-3F50-488D-A5E8-01F0969640CB}" type="slidenum">
               <a:rPr lang="en-US" smtClean="0"/>
-              <a:t>20</a:t>
+              <a:t>19</a:t>
             </a:fld>
             <a:endParaRPr lang="en-US"/>
           </a:p>
@@ -26616,7 +24056,966 @@
 </p:sld>
 </file>
 
-<file path=ppt/slides/slide21.xml><?xml version="1.0" encoding="utf-8"?>
+<file path=ppt/slides/slide2.xml><?xml version="1.0" encoding="utf-8"?>
+<p:sld xmlns:a="http://schemas.openxmlformats.org/drawingml/2006/main" xmlns:r="http://schemas.openxmlformats.org/officeDocument/2006/relationships" xmlns:p="http://schemas.openxmlformats.org/presentationml/2006/main">
+  <p:cSld>
+    <p:spTree>
+      <p:nvGrpSpPr>
+        <p:cNvPr id="1" name=""/>
+        <p:cNvGrpSpPr/>
+        <p:nvPr/>
+      </p:nvGrpSpPr>
+      <p:grpSpPr>
+        <a:xfrm>
+          <a:off x="0" y="0"/>
+          <a:ext cx="0" cy="0"/>
+          <a:chOff x="0" y="0"/>
+          <a:chExt cx="0" cy="0"/>
+        </a:xfrm>
+      </p:grpSpPr>
+      <p:sp>
+        <p:nvSpPr>
+          <p:cNvPr id="2" name="Title 1"/>
+          <p:cNvSpPr>
+            <a:spLocks noGrp="1"/>
+          </p:cNvSpPr>
+          <p:nvPr>
+            <p:ph type="title"/>
+          </p:nvPr>
+        </p:nvSpPr>
+        <p:spPr/>
+        <p:txBody>
+          <a:bodyPr/>
+          <a:lstStyle/>
+          <a:p>
+            <a:r>
+              <a:rPr lang="en-US" dirty="0" smtClean="0"/>
+              <a:t>Plan</a:t>
+            </a:r>
+            <a:endParaRPr lang="en-US" dirty="0"/>
+          </a:p>
+        </p:txBody>
+      </p:sp>
+      <p:graphicFrame>
+        <p:nvGraphicFramePr>
+          <p:cNvPr id="4" name="Diagram 3"/>
+          <p:cNvGraphicFramePr/>
+          <p:nvPr>
+            <p:extLst>
+              <p:ext uri="{D42A27DB-BD31-4B8C-83A1-F6EECF244321}">
+                <p14:modId xmlns:p14="http://schemas.microsoft.com/office/powerpoint/2010/main" val="1696390961"/>
+              </p:ext>
+            </p:extLst>
+          </p:nvPr>
+        </p:nvGraphicFramePr>
+        <p:xfrm>
+          <a:off x="2142705" y="2210937"/>
+          <a:ext cx="8393374" cy="4282237"/>
+        </p:xfrm>
+        <a:graphic>
+          <a:graphicData uri="http://schemas.openxmlformats.org/drawingml/2006/diagram">
+            <dgm:relIds xmlns:dgm="http://schemas.openxmlformats.org/drawingml/2006/diagram" xmlns:r="http://schemas.openxmlformats.org/officeDocument/2006/relationships" r:dm="rId3" r:lo="rId4" r:qs="rId5" r:cs="rId6"/>
+          </a:graphicData>
+        </a:graphic>
+      </p:graphicFrame>
+      <p:sp>
+        <p:nvSpPr>
+          <p:cNvPr id="5" name="Slide Number Placeholder 4"/>
+          <p:cNvSpPr>
+            <a:spLocks noGrp="1"/>
+          </p:cNvSpPr>
+          <p:nvPr>
+            <p:ph type="sldNum" sz="quarter" idx="12"/>
+          </p:nvPr>
+        </p:nvSpPr>
+        <p:spPr/>
+        <p:txBody>
+          <a:bodyPr/>
+          <a:lstStyle/>
+          <a:p>
+            <a:fld id="{91CCA55A-3F50-488D-A5E8-01F0969640CB}" type="slidenum">
+              <a:rPr lang="en-US" smtClean="0"/>
+              <a:t>2</a:t>
+            </a:fld>
+            <a:endParaRPr lang="en-US"/>
+          </a:p>
+        </p:txBody>
+      </p:sp>
+    </p:spTree>
+    <p:extLst>
+      <p:ext uri="{BB962C8B-B14F-4D97-AF65-F5344CB8AC3E}">
+        <p14:creationId xmlns:p14="http://schemas.microsoft.com/office/powerpoint/2010/main" val="4221141039"/>
+      </p:ext>
+    </p:extLst>
+  </p:cSld>
+  <p:clrMapOvr>
+    <a:masterClrMapping/>
+  </p:clrMapOvr>
+  <p:timing>
+    <p:tnLst>
+      <p:par>
+        <p:cTn id="1" dur="indefinite" restart="never" nodeType="tmRoot">
+          <p:childTnLst>
+            <p:seq concurrent="1" nextAc="seek">
+              <p:cTn id="2" dur="indefinite" nodeType="mainSeq">
+                <p:childTnLst>
+                  <p:par>
+                    <p:cTn id="3" fill="hold">
+                      <p:stCondLst>
+                        <p:cond delay="indefinite"/>
+                      </p:stCondLst>
+                      <p:childTnLst>
+                        <p:par>
+                          <p:cTn id="4" fill="hold">
+                            <p:stCondLst>
+                              <p:cond delay="0"/>
+                            </p:stCondLst>
+                            <p:childTnLst>
+                              <p:par>
+                                <p:cTn id="5" presetID="2" presetClass="entr" presetSubtype="4" fill="hold" grpId="0" nodeType="clickEffect">
+                                  <p:stCondLst>
+                                    <p:cond delay="0"/>
+                                  </p:stCondLst>
+                                  <p:childTnLst>
+                                    <p:set>
+                                      <p:cBhvr>
+                                        <p:cTn id="6" dur="1" fill="hold">
+                                          <p:stCondLst>
+                                            <p:cond delay="0"/>
+                                          </p:stCondLst>
+                                        </p:cTn>
+                                        <p:tgtEl>
+                                          <p:spTgt spid="4">
+                                            <p:graphicEl>
+                                              <a:dgm id="{F19540CE-E2C5-4FD1-A90C-A623A7080392}"/>
+                                            </p:graphicEl>
+                                          </p:spTgt>
+                                        </p:tgtEl>
+                                        <p:attrNameLst>
+                                          <p:attrName>style.visibility</p:attrName>
+                                        </p:attrNameLst>
+                                      </p:cBhvr>
+                                      <p:to>
+                                        <p:strVal val="visible"/>
+                                      </p:to>
+                                    </p:set>
+                                    <p:anim calcmode="lin" valueType="num">
+                                      <p:cBhvr additive="base">
+                                        <p:cTn id="7" dur="250" fill="hold"/>
+                                        <p:tgtEl>
+                                          <p:spTgt spid="4">
+                                            <p:graphicEl>
+                                              <a:dgm id="{F19540CE-E2C5-4FD1-A90C-A623A7080392}"/>
+                                            </p:graphicEl>
+                                          </p:spTgt>
+                                        </p:tgtEl>
+                                        <p:attrNameLst>
+                                          <p:attrName>ppt_x</p:attrName>
+                                        </p:attrNameLst>
+                                      </p:cBhvr>
+                                      <p:tavLst>
+                                        <p:tav tm="0">
+                                          <p:val>
+                                            <p:strVal val="#ppt_x"/>
+                                          </p:val>
+                                        </p:tav>
+                                        <p:tav tm="100000">
+                                          <p:val>
+                                            <p:strVal val="#ppt_x"/>
+                                          </p:val>
+                                        </p:tav>
+                                      </p:tavLst>
+                                    </p:anim>
+                                    <p:anim calcmode="lin" valueType="num">
+                                      <p:cBhvr additive="base">
+                                        <p:cTn id="8" dur="250" fill="hold"/>
+                                        <p:tgtEl>
+                                          <p:spTgt spid="4">
+                                            <p:graphicEl>
+                                              <a:dgm id="{F19540CE-E2C5-4FD1-A90C-A623A7080392}"/>
+                                            </p:graphicEl>
+                                          </p:spTgt>
+                                        </p:tgtEl>
+                                        <p:attrNameLst>
+                                          <p:attrName>ppt_y</p:attrName>
+                                        </p:attrNameLst>
+                                      </p:cBhvr>
+                                      <p:tavLst>
+                                        <p:tav tm="0">
+                                          <p:val>
+                                            <p:strVal val="1+#ppt_h/2"/>
+                                          </p:val>
+                                        </p:tav>
+                                        <p:tav tm="100000">
+                                          <p:val>
+                                            <p:strVal val="#ppt_y"/>
+                                          </p:val>
+                                        </p:tav>
+                                      </p:tavLst>
+                                    </p:anim>
+                                  </p:childTnLst>
+                                </p:cTn>
+                              </p:par>
+                            </p:childTnLst>
+                          </p:cTn>
+                        </p:par>
+                      </p:childTnLst>
+                    </p:cTn>
+                  </p:par>
+                  <p:par>
+                    <p:cTn id="9" fill="hold">
+                      <p:stCondLst>
+                        <p:cond delay="indefinite"/>
+                      </p:stCondLst>
+                      <p:childTnLst>
+                        <p:par>
+                          <p:cTn id="10" fill="hold">
+                            <p:stCondLst>
+                              <p:cond delay="0"/>
+                            </p:stCondLst>
+                            <p:childTnLst>
+                              <p:par>
+                                <p:cTn id="11" presetID="2" presetClass="entr" presetSubtype="4" fill="hold" grpId="0" nodeType="clickEffect">
+                                  <p:stCondLst>
+                                    <p:cond delay="0"/>
+                                  </p:stCondLst>
+                                  <p:childTnLst>
+                                    <p:set>
+                                      <p:cBhvr>
+                                        <p:cTn id="12" dur="1" fill="hold">
+                                          <p:stCondLst>
+                                            <p:cond delay="0"/>
+                                          </p:stCondLst>
+                                        </p:cTn>
+                                        <p:tgtEl>
+                                          <p:spTgt spid="4">
+                                            <p:graphicEl>
+                                              <a:dgm id="{3FF88047-6236-47E6-998D-4E3EA0983E72}"/>
+                                            </p:graphicEl>
+                                          </p:spTgt>
+                                        </p:tgtEl>
+                                        <p:attrNameLst>
+                                          <p:attrName>style.visibility</p:attrName>
+                                        </p:attrNameLst>
+                                      </p:cBhvr>
+                                      <p:to>
+                                        <p:strVal val="visible"/>
+                                      </p:to>
+                                    </p:set>
+                                    <p:anim calcmode="lin" valueType="num">
+                                      <p:cBhvr additive="base">
+                                        <p:cTn id="13" dur="250" fill="hold"/>
+                                        <p:tgtEl>
+                                          <p:spTgt spid="4">
+                                            <p:graphicEl>
+                                              <a:dgm id="{3FF88047-6236-47E6-998D-4E3EA0983E72}"/>
+                                            </p:graphicEl>
+                                          </p:spTgt>
+                                        </p:tgtEl>
+                                        <p:attrNameLst>
+                                          <p:attrName>ppt_x</p:attrName>
+                                        </p:attrNameLst>
+                                      </p:cBhvr>
+                                      <p:tavLst>
+                                        <p:tav tm="0">
+                                          <p:val>
+                                            <p:strVal val="#ppt_x"/>
+                                          </p:val>
+                                        </p:tav>
+                                        <p:tav tm="100000">
+                                          <p:val>
+                                            <p:strVal val="#ppt_x"/>
+                                          </p:val>
+                                        </p:tav>
+                                      </p:tavLst>
+                                    </p:anim>
+                                    <p:anim calcmode="lin" valueType="num">
+                                      <p:cBhvr additive="base">
+                                        <p:cTn id="14" dur="250" fill="hold"/>
+                                        <p:tgtEl>
+                                          <p:spTgt spid="4">
+                                            <p:graphicEl>
+                                              <a:dgm id="{3FF88047-6236-47E6-998D-4E3EA0983E72}"/>
+                                            </p:graphicEl>
+                                          </p:spTgt>
+                                        </p:tgtEl>
+                                        <p:attrNameLst>
+                                          <p:attrName>ppt_y</p:attrName>
+                                        </p:attrNameLst>
+                                      </p:cBhvr>
+                                      <p:tavLst>
+                                        <p:tav tm="0">
+                                          <p:val>
+                                            <p:strVal val="1+#ppt_h/2"/>
+                                          </p:val>
+                                        </p:tav>
+                                        <p:tav tm="100000">
+                                          <p:val>
+                                            <p:strVal val="#ppt_y"/>
+                                          </p:val>
+                                        </p:tav>
+                                      </p:tavLst>
+                                    </p:anim>
+                                  </p:childTnLst>
+                                </p:cTn>
+                              </p:par>
+                            </p:childTnLst>
+                          </p:cTn>
+                        </p:par>
+                      </p:childTnLst>
+                    </p:cTn>
+                  </p:par>
+                  <p:par>
+                    <p:cTn id="15" fill="hold">
+                      <p:stCondLst>
+                        <p:cond delay="indefinite"/>
+                      </p:stCondLst>
+                      <p:childTnLst>
+                        <p:par>
+                          <p:cTn id="16" fill="hold">
+                            <p:stCondLst>
+                              <p:cond delay="0"/>
+                            </p:stCondLst>
+                            <p:childTnLst>
+                              <p:par>
+                                <p:cTn id="17" presetID="2" presetClass="entr" presetSubtype="4" fill="hold" grpId="0" nodeType="clickEffect">
+                                  <p:stCondLst>
+                                    <p:cond delay="0"/>
+                                  </p:stCondLst>
+                                  <p:childTnLst>
+                                    <p:set>
+                                      <p:cBhvr>
+                                        <p:cTn id="18" dur="1" fill="hold">
+                                          <p:stCondLst>
+                                            <p:cond delay="0"/>
+                                          </p:stCondLst>
+                                        </p:cTn>
+                                        <p:tgtEl>
+                                          <p:spTgt spid="4">
+                                            <p:graphicEl>
+                                              <a:dgm id="{A6CE0B11-D65A-4EA5-AC61-673ADCCD0CA0}"/>
+                                            </p:graphicEl>
+                                          </p:spTgt>
+                                        </p:tgtEl>
+                                        <p:attrNameLst>
+                                          <p:attrName>style.visibility</p:attrName>
+                                        </p:attrNameLst>
+                                      </p:cBhvr>
+                                      <p:to>
+                                        <p:strVal val="visible"/>
+                                      </p:to>
+                                    </p:set>
+                                    <p:anim calcmode="lin" valueType="num">
+                                      <p:cBhvr additive="base">
+                                        <p:cTn id="19" dur="250" fill="hold"/>
+                                        <p:tgtEl>
+                                          <p:spTgt spid="4">
+                                            <p:graphicEl>
+                                              <a:dgm id="{A6CE0B11-D65A-4EA5-AC61-673ADCCD0CA0}"/>
+                                            </p:graphicEl>
+                                          </p:spTgt>
+                                        </p:tgtEl>
+                                        <p:attrNameLst>
+                                          <p:attrName>ppt_x</p:attrName>
+                                        </p:attrNameLst>
+                                      </p:cBhvr>
+                                      <p:tavLst>
+                                        <p:tav tm="0">
+                                          <p:val>
+                                            <p:strVal val="#ppt_x"/>
+                                          </p:val>
+                                        </p:tav>
+                                        <p:tav tm="100000">
+                                          <p:val>
+                                            <p:strVal val="#ppt_x"/>
+                                          </p:val>
+                                        </p:tav>
+                                      </p:tavLst>
+                                    </p:anim>
+                                    <p:anim calcmode="lin" valueType="num">
+                                      <p:cBhvr additive="base">
+                                        <p:cTn id="20" dur="250" fill="hold"/>
+                                        <p:tgtEl>
+                                          <p:spTgt spid="4">
+                                            <p:graphicEl>
+                                              <a:dgm id="{A6CE0B11-D65A-4EA5-AC61-673ADCCD0CA0}"/>
+                                            </p:graphicEl>
+                                          </p:spTgt>
+                                        </p:tgtEl>
+                                        <p:attrNameLst>
+                                          <p:attrName>ppt_y</p:attrName>
+                                        </p:attrNameLst>
+                                      </p:cBhvr>
+                                      <p:tavLst>
+                                        <p:tav tm="0">
+                                          <p:val>
+                                            <p:strVal val="1+#ppt_h/2"/>
+                                          </p:val>
+                                        </p:tav>
+                                        <p:tav tm="100000">
+                                          <p:val>
+                                            <p:strVal val="#ppt_y"/>
+                                          </p:val>
+                                        </p:tav>
+                                      </p:tavLst>
+                                    </p:anim>
+                                  </p:childTnLst>
+                                </p:cTn>
+                              </p:par>
+                            </p:childTnLst>
+                          </p:cTn>
+                        </p:par>
+                      </p:childTnLst>
+                    </p:cTn>
+                  </p:par>
+                  <p:par>
+                    <p:cTn id="21" fill="hold">
+                      <p:stCondLst>
+                        <p:cond delay="indefinite"/>
+                      </p:stCondLst>
+                      <p:childTnLst>
+                        <p:par>
+                          <p:cTn id="22" fill="hold">
+                            <p:stCondLst>
+                              <p:cond delay="0"/>
+                            </p:stCondLst>
+                            <p:childTnLst>
+                              <p:par>
+                                <p:cTn id="23" presetID="2" presetClass="entr" presetSubtype="4" fill="hold" grpId="0" nodeType="clickEffect">
+                                  <p:stCondLst>
+                                    <p:cond delay="0"/>
+                                  </p:stCondLst>
+                                  <p:childTnLst>
+                                    <p:set>
+                                      <p:cBhvr>
+                                        <p:cTn id="24" dur="1" fill="hold">
+                                          <p:stCondLst>
+                                            <p:cond delay="0"/>
+                                          </p:stCondLst>
+                                        </p:cTn>
+                                        <p:tgtEl>
+                                          <p:spTgt spid="4">
+                                            <p:graphicEl>
+                                              <a:dgm id="{8AB5A1D8-F846-4952-91D5-8A7FE5012D93}"/>
+                                            </p:graphicEl>
+                                          </p:spTgt>
+                                        </p:tgtEl>
+                                        <p:attrNameLst>
+                                          <p:attrName>style.visibility</p:attrName>
+                                        </p:attrNameLst>
+                                      </p:cBhvr>
+                                      <p:to>
+                                        <p:strVal val="visible"/>
+                                      </p:to>
+                                    </p:set>
+                                    <p:anim calcmode="lin" valueType="num">
+                                      <p:cBhvr additive="base">
+                                        <p:cTn id="25" dur="250" fill="hold"/>
+                                        <p:tgtEl>
+                                          <p:spTgt spid="4">
+                                            <p:graphicEl>
+                                              <a:dgm id="{8AB5A1D8-F846-4952-91D5-8A7FE5012D93}"/>
+                                            </p:graphicEl>
+                                          </p:spTgt>
+                                        </p:tgtEl>
+                                        <p:attrNameLst>
+                                          <p:attrName>ppt_x</p:attrName>
+                                        </p:attrNameLst>
+                                      </p:cBhvr>
+                                      <p:tavLst>
+                                        <p:tav tm="0">
+                                          <p:val>
+                                            <p:strVal val="#ppt_x"/>
+                                          </p:val>
+                                        </p:tav>
+                                        <p:tav tm="100000">
+                                          <p:val>
+                                            <p:strVal val="#ppt_x"/>
+                                          </p:val>
+                                        </p:tav>
+                                      </p:tavLst>
+                                    </p:anim>
+                                    <p:anim calcmode="lin" valueType="num">
+                                      <p:cBhvr additive="base">
+                                        <p:cTn id="26" dur="250" fill="hold"/>
+                                        <p:tgtEl>
+                                          <p:spTgt spid="4">
+                                            <p:graphicEl>
+                                              <a:dgm id="{8AB5A1D8-F846-4952-91D5-8A7FE5012D93}"/>
+                                            </p:graphicEl>
+                                          </p:spTgt>
+                                        </p:tgtEl>
+                                        <p:attrNameLst>
+                                          <p:attrName>ppt_y</p:attrName>
+                                        </p:attrNameLst>
+                                      </p:cBhvr>
+                                      <p:tavLst>
+                                        <p:tav tm="0">
+                                          <p:val>
+                                            <p:strVal val="1+#ppt_h/2"/>
+                                          </p:val>
+                                        </p:tav>
+                                        <p:tav tm="100000">
+                                          <p:val>
+                                            <p:strVal val="#ppt_y"/>
+                                          </p:val>
+                                        </p:tav>
+                                      </p:tavLst>
+                                    </p:anim>
+                                  </p:childTnLst>
+                                </p:cTn>
+                              </p:par>
+                            </p:childTnLst>
+                          </p:cTn>
+                        </p:par>
+                      </p:childTnLst>
+                    </p:cTn>
+                  </p:par>
+                  <p:par>
+                    <p:cTn id="27" fill="hold">
+                      <p:stCondLst>
+                        <p:cond delay="indefinite"/>
+                      </p:stCondLst>
+                      <p:childTnLst>
+                        <p:par>
+                          <p:cTn id="28" fill="hold">
+                            <p:stCondLst>
+                              <p:cond delay="0"/>
+                            </p:stCondLst>
+                            <p:childTnLst>
+                              <p:par>
+                                <p:cTn id="29" presetID="2" presetClass="entr" presetSubtype="4" fill="hold" grpId="0" nodeType="clickEffect">
+                                  <p:stCondLst>
+                                    <p:cond delay="0"/>
+                                  </p:stCondLst>
+                                  <p:childTnLst>
+                                    <p:set>
+                                      <p:cBhvr>
+                                        <p:cTn id="30" dur="1" fill="hold">
+                                          <p:stCondLst>
+                                            <p:cond delay="0"/>
+                                          </p:stCondLst>
+                                        </p:cTn>
+                                        <p:tgtEl>
+                                          <p:spTgt spid="4">
+                                            <p:graphicEl>
+                                              <a:dgm id="{B42C3359-B3EE-455E-8DA8-EEADBB34ADA4}"/>
+                                            </p:graphicEl>
+                                          </p:spTgt>
+                                        </p:tgtEl>
+                                        <p:attrNameLst>
+                                          <p:attrName>style.visibility</p:attrName>
+                                        </p:attrNameLst>
+                                      </p:cBhvr>
+                                      <p:to>
+                                        <p:strVal val="visible"/>
+                                      </p:to>
+                                    </p:set>
+                                    <p:anim calcmode="lin" valueType="num">
+                                      <p:cBhvr additive="base">
+                                        <p:cTn id="31" dur="250" fill="hold"/>
+                                        <p:tgtEl>
+                                          <p:spTgt spid="4">
+                                            <p:graphicEl>
+                                              <a:dgm id="{B42C3359-B3EE-455E-8DA8-EEADBB34ADA4}"/>
+                                            </p:graphicEl>
+                                          </p:spTgt>
+                                        </p:tgtEl>
+                                        <p:attrNameLst>
+                                          <p:attrName>ppt_x</p:attrName>
+                                        </p:attrNameLst>
+                                      </p:cBhvr>
+                                      <p:tavLst>
+                                        <p:tav tm="0">
+                                          <p:val>
+                                            <p:strVal val="#ppt_x"/>
+                                          </p:val>
+                                        </p:tav>
+                                        <p:tav tm="100000">
+                                          <p:val>
+                                            <p:strVal val="#ppt_x"/>
+                                          </p:val>
+                                        </p:tav>
+                                      </p:tavLst>
+                                    </p:anim>
+                                    <p:anim calcmode="lin" valueType="num">
+                                      <p:cBhvr additive="base">
+                                        <p:cTn id="32" dur="250" fill="hold"/>
+                                        <p:tgtEl>
+                                          <p:spTgt spid="4">
+                                            <p:graphicEl>
+                                              <a:dgm id="{B42C3359-B3EE-455E-8DA8-EEADBB34ADA4}"/>
+                                            </p:graphicEl>
+                                          </p:spTgt>
+                                        </p:tgtEl>
+                                        <p:attrNameLst>
+                                          <p:attrName>ppt_y</p:attrName>
+                                        </p:attrNameLst>
+                                      </p:cBhvr>
+                                      <p:tavLst>
+                                        <p:tav tm="0">
+                                          <p:val>
+                                            <p:strVal val="1+#ppt_h/2"/>
+                                          </p:val>
+                                        </p:tav>
+                                        <p:tav tm="100000">
+                                          <p:val>
+                                            <p:strVal val="#ppt_y"/>
+                                          </p:val>
+                                        </p:tav>
+                                      </p:tavLst>
+                                    </p:anim>
+                                  </p:childTnLst>
+                                </p:cTn>
+                              </p:par>
+                            </p:childTnLst>
+                          </p:cTn>
+                        </p:par>
+                      </p:childTnLst>
+                    </p:cTn>
+                  </p:par>
+                  <p:par>
+                    <p:cTn id="33" fill="hold">
+                      <p:stCondLst>
+                        <p:cond delay="indefinite"/>
+                      </p:stCondLst>
+                      <p:childTnLst>
+                        <p:par>
+                          <p:cTn id="34" fill="hold">
+                            <p:stCondLst>
+                              <p:cond delay="0"/>
+                            </p:stCondLst>
+                            <p:childTnLst>
+                              <p:par>
+                                <p:cTn id="35" presetID="2" presetClass="entr" presetSubtype="4" fill="hold" grpId="0" nodeType="clickEffect">
+                                  <p:stCondLst>
+                                    <p:cond delay="0"/>
+                                  </p:stCondLst>
+                                  <p:childTnLst>
+                                    <p:set>
+                                      <p:cBhvr>
+                                        <p:cTn id="36" dur="1" fill="hold">
+                                          <p:stCondLst>
+                                            <p:cond delay="0"/>
+                                          </p:stCondLst>
+                                        </p:cTn>
+                                        <p:tgtEl>
+                                          <p:spTgt spid="4">
+                                            <p:graphicEl>
+                                              <a:dgm id="{0053D2EA-E96A-485A-9B47-065EB2ECE275}"/>
+                                            </p:graphicEl>
+                                          </p:spTgt>
+                                        </p:tgtEl>
+                                        <p:attrNameLst>
+                                          <p:attrName>style.visibility</p:attrName>
+                                        </p:attrNameLst>
+                                      </p:cBhvr>
+                                      <p:to>
+                                        <p:strVal val="visible"/>
+                                      </p:to>
+                                    </p:set>
+                                    <p:anim calcmode="lin" valueType="num">
+                                      <p:cBhvr additive="base">
+                                        <p:cTn id="37" dur="250" fill="hold"/>
+                                        <p:tgtEl>
+                                          <p:spTgt spid="4">
+                                            <p:graphicEl>
+                                              <a:dgm id="{0053D2EA-E96A-485A-9B47-065EB2ECE275}"/>
+                                            </p:graphicEl>
+                                          </p:spTgt>
+                                        </p:tgtEl>
+                                        <p:attrNameLst>
+                                          <p:attrName>ppt_x</p:attrName>
+                                        </p:attrNameLst>
+                                      </p:cBhvr>
+                                      <p:tavLst>
+                                        <p:tav tm="0">
+                                          <p:val>
+                                            <p:strVal val="#ppt_x"/>
+                                          </p:val>
+                                        </p:tav>
+                                        <p:tav tm="100000">
+                                          <p:val>
+                                            <p:strVal val="#ppt_x"/>
+                                          </p:val>
+                                        </p:tav>
+                                      </p:tavLst>
+                                    </p:anim>
+                                    <p:anim calcmode="lin" valueType="num">
+                                      <p:cBhvr additive="base">
+                                        <p:cTn id="38" dur="250" fill="hold"/>
+                                        <p:tgtEl>
+                                          <p:spTgt spid="4">
+                                            <p:graphicEl>
+                                              <a:dgm id="{0053D2EA-E96A-485A-9B47-065EB2ECE275}"/>
+                                            </p:graphicEl>
+                                          </p:spTgt>
+                                        </p:tgtEl>
+                                        <p:attrNameLst>
+                                          <p:attrName>ppt_y</p:attrName>
+                                        </p:attrNameLst>
+                                      </p:cBhvr>
+                                      <p:tavLst>
+                                        <p:tav tm="0">
+                                          <p:val>
+                                            <p:strVal val="1+#ppt_h/2"/>
+                                          </p:val>
+                                        </p:tav>
+                                        <p:tav tm="100000">
+                                          <p:val>
+                                            <p:strVal val="#ppt_y"/>
+                                          </p:val>
+                                        </p:tav>
+                                      </p:tavLst>
+                                    </p:anim>
+                                  </p:childTnLst>
+                                </p:cTn>
+                              </p:par>
+                            </p:childTnLst>
+                          </p:cTn>
+                        </p:par>
+                      </p:childTnLst>
+                    </p:cTn>
+                  </p:par>
+                  <p:par>
+                    <p:cTn id="39" fill="hold">
+                      <p:stCondLst>
+                        <p:cond delay="indefinite"/>
+                      </p:stCondLst>
+                      <p:childTnLst>
+                        <p:par>
+                          <p:cTn id="40" fill="hold">
+                            <p:stCondLst>
+                              <p:cond delay="0"/>
+                            </p:stCondLst>
+                            <p:childTnLst>
+                              <p:par>
+                                <p:cTn id="41" presetID="2" presetClass="entr" presetSubtype="4" fill="hold" grpId="0" nodeType="clickEffect">
+                                  <p:stCondLst>
+                                    <p:cond delay="0"/>
+                                  </p:stCondLst>
+                                  <p:childTnLst>
+                                    <p:set>
+                                      <p:cBhvr>
+                                        <p:cTn id="42" dur="1" fill="hold">
+                                          <p:stCondLst>
+                                            <p:cond delay="0"/>
+                                          </p:stCondLst>
+                                        </p:cTn>
+                                        <p:tgtEl>
+                                          <p:spTgt spid="4">
+                                            <p:graphicEl>
+                                              <a:dgm id="{225C83A9-779B-4707-93D8-DCD1C911EBB6}"/>
+                                            </p:graphicEl>
+                                          </p:spTgt>
+                                        </p:tgtEl>
+                                        <p:attrNameLst>
+                                          <p:attrName>style.visibility</p:attrName>
+                                        </p:attrNameLst>
+                                      </p:cBhvr>
+                                      <p:to>
+                                        <p:strVal val="visible"/>
+                                      </p:to>
+                                    </p:set>
+                                    <p:anim calcmode="lin" valueType="num">
+                                      <p:cBhvr additive="base">
+                                        <p:cTn id="43" dur="250" fill="hold"/>
+                                        <p:tgtEl>
+                                          <p:spTgt spid="4">
+                                            <p:graphicEl>
+                                              <a:dgm id="{225C83A9-779B-4707-93D8-DCD1C911EBB6}"/>
+                                            </p:graphicEl>
+                                          </p:spTgt>
+                                        </p:tgtEl>
+                                        <p:attrNameLst>
+                                          <p:attrName>ppt_x</p:attrName>
+                                        </p:attrNameLst>
+                                      </p:cBhvr>
+                                      <p:tavLst>
+                                        <p:tav tm="0">
+                                          <p:val>
+                                            <p:strVal val="#ppt_x"/>
+                                          </p:val>
+                                        </p:tav>
+                                        <p:tav tm="100000">
+                                          <p:val>
+                                            <p:strVal val="#ppt_x"/>
+                                          </p:val>
+                                        </p:tav>
+                                      </p:tavLst>
+                                    </p:anim>
+                                    <p:anim calcmode="lin" valueType="num">
+                                      <p:cBhvr additive="base">
+                                        <p:cTn id="44" dur="250" fill="hold"/>
+                                        <p:tgtEl>
+                                          <p:spTgt spid="4">
+                                            <p:graphicEl>
+                                              <a:dgm id="{225C83A9-779B-4707-93D8-DCD1C911EBB6}"/>
+                                            </p:graphicEl>
+                                          </p:spTgt>
+                                        </p:tgtEl>
+                                        <p:attrNameLst>
+                                          <p:attrName>ppt_y</p:attrName>
+                                        </p:attrNameLst>
+                                      </p:cBhvr>
+                                      <p:tavLst>
+                                        <p:tav tm="0">
+                                          <p:val>
+                                            <p:strVal val="1+#ppt_h/2"/>
+                                          </p:val>
+                                        </p:tav>
+                                        <p:tav tm="100000">
+                                          <p:val>
+                                            <p:strVal val="#ppt_y"/>
+                                          </p:val>
+                                        </p:tav>
+                                      </p:tavLst>
+                                    </p:anim>
+                                  </p:childTnLst>
+                                </p:cTn>
+                              </p:par>
+                            </p:childTnLst>
+                          </p:cTn>
+                        </p:par>
+                      </p:childTnLst>
+                    </p:cTn>
+                  </p:par>
+                  <p:par>
+                    <p:cTn id="45" fill="hold">
+                      <p:stCondLst>
+                        <p:cond delay="indefinite"/>
+                      </p:stCondLst>
+                      <p:childTnLst>
+                        <p:par>
+                          <p:cTn id="46" fill="hold">
+                            <p:stCondLst>
+                              <p:cond delay="0"/>
+                            </p:stCondLst>
+                            <p:childTnLst>
+                              <p:par>
+                                <p:cTn id="47" presetID="2" presetClass="entr" presetSubtype="4" fill="hold" grpId="0" nodeType="clickEffect">
+                                  <p:stCondLst>
+                                    <p:cond delay="0"/>
+                                  </p:stCondLst>
+                                  <p:childTnLst>
+                                    <p:set>
+                                      <p:cBhvr>
+                                        <p:cTn id="48" dur="1" fill="hold">
+                                          <p:stCondLst>
+                                            <p:cond delay="0"/>
+                                          </p:stCondLst>
+                                        </p:cTn>
+                                        <p:tgtEl>
+                                          <p:spTgt spid="4">
+                                            <p:graphicEl>
+                                              <a:dgm id="{6574DC34-666A-4340-A81D-BCA3F02AB8AF}"/>
+                                            </p:graphicEl>
+                                          </p:spTgt>
+                                        </p:tgtEl>
+                                        <p:attrNameLst>
+                                          <p:attrName>style.visibility</p:attrName>
+                                        </p:attrNameLst>
+                                      </p:cBhvr>
+                                      <p:to>
+                                        <p:strVal val="visible"/>
+                                      </p:to>
+                                    </p:set>
+                                    <p:anim calcmode="lin" valueType="num">
+                                      <p:cBhvr additive="base">
+                                        <p:cTn id="49" dur="250" fill="hold"/>
+                                        <p:tgtEl>
+                                          <p:spTgt spid="4">
+                                            <p:graphicEl>
+                                              <a:dgm id="{6574DC34-666A-4340-A81D-BCA3F02AB8AF}"/>
+                                            </p:graphicEl>
+                                          </p:spTgt>
+                                        </p:tgtEl>
+                                        <p:attrNameLst>
+                                          <p:attrName>ppt_x</p:attrName>
+                                        </p:attrNameLst>
+                                      </p:cBhvr>
+                                      <p:tavLst>
+                                        <p:tav tm="0">
+                                          <p:val>
+                                            <p:strVal val="#ppt_x"/>
+                                          </p:val>
+                                        </p:tav>
+                                        <p:tav tm="100000">
+                                          <p:val>
+                                            <p:strVal val="#ppt_x"/>
+                                          </p:val>
+                                        </p:tav>
+                                      </p:tavLst>
+                                    </p:anim>
+                                    <p:anim calcmode="lin" valueType="num">
+                                      <p:cBhvr additive="base">
+                                        <p:cTn id="50" dur="250" fill="hold"/>
+                                        <p:tgtEl>
+                                          <p:spTgt spid="4">
+                                            <p:graphicEl>
+                                              <a:dgm id="{6574DC34-666A-4340-A81D-BCA3F02AB8AF}"/>
+                                            </p:graphicEl>
+                                          </p:spTgt>
+                                        </p:tgtEl>
+                                        <p:attrNameLst>
+                                          <p:attrName>ppt_y</p:attrName>
+                                        </p:attrNameLst>
+                                      </p:cBhvr>
+                                      <p:tavLst>
+                                        <p:tav tm="0">
+                                          <p:val>
+                                            <p:strVal val="1+#ppt_h/2"/>
+                                          </p:val>
+                                        </p:tav>
+                                        <p:tav tm="100000">
+                                          <p:val>
+                                            <p:strVal val="#ppt_y"/>
+                                          </p:val>
+                                        </p:tav>
+                                      </p:tavLst>
+                                    </p:anim>
+                                  </p:childTnLst>
+                                </p:cTn>
+                              </p:par>
+                            </p:childTnLst>
+                          </p:cTn>
+                        </p:par>
+                      </p:childTnLst>
+                    </p:cTn>
+                  </p:par>
+                </p:childTnLst>
+              </p:cTn>
+              <p:prevCondLst>
+                <p:cond evt="onPrev" delay="0">
+                  <p:tgtEl>
+                    <p:sldTgt/>
+                  </p:tgtEl>
+                </p:cond>
+              </p:prevCondLst>
+              <p:nextCondLst>
+                <p:cond evt="onNext" delay="0">
+                  <p:tgtEl>
+                    <p:sldTgt/>
+                  </p:tgtEl>
+                </p:cond>
+              </p:nextCondLst>
+            </p:seq>
+          </p:childTnLst>
+        </p:cTn>
+      </p:par>
+    </p:tnLst>
+    <p:bldLst>
+      <p:bldGraphic spid="4" grpId="0">
+        <p:bldSub>
+          <a:bldDgm bld="one"/>
+        </p:bldSub>
+      </p:bldGraphic>
+    </p:bldLst>
+  </p:timing>
+</p:sld>
+</file>
+
+<file path=ppt/slides/slide20.xml><?xml version="1.0" encoding="utf-8"?>
 <p:sld xmlns:a="http://schemas.openxmlformats.org/drawingml/2006/main" xmlns:r="http://schemas.openxmlformats.org/officeDocument/2006/relationships" xmlns:p="http://schemas.openxmlformats.org/presentationml/2006/main">
   <p:cSld>
     <p:spTree>
@@ -26656,7 +25055,11 @@
             <a:pPr lvl="0"/>
             <a:r>
               <a:rPr lang="en-US" dirty="0" smtClean="0"/>
-              <a:t>V-Extendible </a:t>
+              <a:t>III</a:t>
+            </a:r>
+            <a:r>
+              <a:rPr lang="en-US" dirty="0" smtClean="0"/>
+              <a:t>-Extendible </a:t>
             </a:r>
             <a:r>
               <a:rPr lang="en-US" dirty="0"/>
@@ -26682,7 +25085,7 @@
           <a:p>
             <a:fld id="{91CCA55A-3F50-488D-A5E8-01F0969640CB}" type="slidenum">
               <a:rPr lang="en-US" smtClean="0"/>
-              <a:t>21</a:t>
+              <a:t>20</a:t>
             </a:fld>
             <a:endParaRPr lang="en-US"/>
           </a:p>
@@ -27442,7 +25845,7 @@
 </p:sld>
 </file>
 
-<file path=ppt/slides/slide22.xml><?xml version="1.0" encoding="utf-8"?>
+<file path=ppt/slides/slide21.xml><?xml version="1.0" encoding="utf-8"?>
 <p:sld xmlns:a="http://schemas.openxmlformats.org/drawingml/2006/main" xmlns:r="http://schemas.openxmlformats.org/officeDocument/2006/relationships" xmlns:p="http://schemas.openxmlformats.org/presentationml/2006/main">
   <p:cSld>
     <p:bg>
@@ -27514,8 +25917,16 @@
           <a:p>
             <a:pPr lvl="0"/>
             <a:r>
+              <a:rPr lang="en-US" dirty="0" smtClean="0"/>
+              <a:t>III</a:t>
+            </a:r>
+            <a:r>
+              <a:rPr lang="en-US" dirty="0" smtClean="0"/>
+              <a:t>-Extendible </a:t>
+            </a:r>
+            <a:r>
               <a:rPr lang="en-US" dirty="0"/>
-              <a:t>V-Extendible Options</a:t>
+              <a:t>Options</a:t>
             </a:r>
           </a:p>
         </p:txBody>
@@ -27537,7 +25948,7 @@
           <a:p>
             <a:fld id="{91CCA55A-3F50-488D-A5E8-01F0969640CB}" type="slidenum">
               <a:rPr lang="en-US" smtClean="0"/>
-              <a:t>22</a:t>
+              <a:t>21</a:t>
             </a:fld>
             <a:endParaRPr lang="en-US"/>
           </a:p>
@@ -27593,7 +26004,7 @@
 </p:sld>
 </file>
 
-<file path=ppt/slides/slide23.xml><?xml version="1.0" encoding="utf-8"?>
+<file path=ppt/slides/slide22.xml><?xml version="1.0" encoding="utf-8"?>
 <p:sld xmlns:a="http://schemas.openxmlformats.org/drawingml/2006/main" xmlns:r="http://schemas.openxmlformats.org/officeDocument/2006/relationships" xmlns:p="http://schemas.openxmlformats.org/presentationml/2006/main">
   <p:cSld>
     <p:bg>
@@ -27666,7 +26077,7 @@
             <a:pPr lvl="0" algn="ctr"/>
             <a:r>
               <a:rPr lang="en-US" dirty="0" smtClean="0"/>
-              <a:t>VI-Conclusion</a:t>
+              <a:t>IV-Conclusion</a:t>
             </a:r>
             <a:endParaRPr lang="en-US" dirty="0"/>
           </a:p>
@@ -27689,7 +26100,7 @@
           <a:p>
             <a:fld id="{91CCA55A-3F50-488D-A5E8-01F0969640CB}" type="slidenum">
               <a:rPr lang="en-US" smtClean="0"/>
-              <a:t>23</a:t>
+              <a:t>22</a:t>
             </a:fld>
             <a:endParaRPr lang="en-US"/>
           </a:p>
@@ -27745,7 +26156,7 @@
 </p:sld>
 </file>
 
-<file path=ppt/slides/slide24.xml><?xml version="1.0" encoding="utf-8"?>
+<file path=ppt/slides/slide23.xml><?xml version="1.0" encoding="utf-8"?>
 <p:sld xmlns:a="http://schemas.openxmlformats.org/drawingml/2006/main" xmlns:r="http://schemas.openxmlformats.org/officeDocument/2006/relationships" xmlns:p="http://schemas.openxmlformats.org/presentationml/2006/main">
   <p:cSld>
     <p:spTree>
@@ -27770,8 +26181,8 @@
         </p:nvSpPr>
         <p:spPr>
           <a:xfrm>
-            <a:off x="1213906" y="2967335"/>
-            <a:ext cx="9764211" cy="1754326"/>
+            <a:off x="1601832" y="2967335"/>
+            <a:ext cx="8988358" cy="923330"/>
           </a:xfrm>
           <a:prstGeom prst="rect">
             <a:avLst/>
@@ -27799,7 +26210,7 @@
                   </a:outerShdw>
                 </a:effectLst>
               </a:rPr>
-              <a:t>Merci pour votre attention </a:t>
+              <a:t>Merci pour votre </a:t>
             </a:r>
             <a:r>
               <a:rPr lang="fr-FR" sz="5400" b="0" cap="none" spc="0" dirty="0" smtClean="0">
@@ -27814,31 +26225,10 @@
                     </a:srgbClr>
                   </a:outerShdw>
                 </a:effectLst>
-                <a:sym typeface="Wingdings" panose="05000000000000000000" pitchFamily="2" charset="2"/>
               </a:rPr>
-              <a:t></a:t>
+              <a:t>attention</a:t>
             </a:r>
-          </a:p>
-          <a:p>
-            <a:pPr algn="ctr"/>
-            <a:r>
-              <a:rPr lang="fr-FR" sz="5400" dirty="0" smtClean="0">
-                <a:ln w="0"/>
-                <a:solidFill>
-                  <a:srgbClr val="00B0F0"/>
-                </a:solidFill>
-                <a:effectLst>
-                  <a:outerShdw blurRad="38100" dist="25400" dir="5400000" algn="ctr" rotWithShape="0">
-                    <a:srgbClr val="6E747A">
-                      <a:alpha val="43000"/>
-                    </a:srgbClr>
-                  </a:outerShdw>
-                </a:effectLst>
-                <a:sym typeface="Wingdings" panose="05000000000000000000" pitchFamily="2" charset="2"/>
-              </a:rPr>
-              <a:t>Les Questions</a:t>
-            </a:r>
-            <a:endParaRPr lang="fr-FR" sz="5400" b="0" cap="none" spc="0" dirty="0">
+            <a:endParaRPr lang="fr-FR" sz="5400" b="0" cap="none" spc="0" dirty="0" smtClean="0">
               <a:ln w="0"/>
               <a:solidFill>
                 <a:srgbClr val="00B0F0"/>
@@ -27850,6 +26240,7 @@
                   </a:srgbClr>
                 </a:outerShdw>
               </a:effectLst>
+              <a:sym typeface="Wingdings" panose="05000000000000000000" pitchFamily="2" charset="2"/>
             </a:endParaRPr>
           </a:p>
         </p:txBody>
@@ -27871,7 +26262,7 @@
           <a:p>
             <a:fld id="{91CCA55A-3F50-488D-A5E8-01F0969640CB}" type="slidenum">
               <a:rPr lang="en-US" smtClean="0"/>
-              <a:t>24</a:t>
+              <a:t>23</a:t>
             </a:fld>
             <a:endParaRPr lang="en-US"/>
           </a:p>
@@ -28063,380 +26454,6 @@
 <file path=ppt/slides/slide3.xml><?xml version="1.0" encoding="utf-8"?>
 <p:sld xmlns:a="http://schemas.openxmlformats.org/drawingml/2006/main" xmlns:r="http://schemas.openxmlformats.org/officeDocument/2006/relationships" xmlns:p="http://schemas.openxmlformats.org/presentationml/2006/main">
   <p:cSld>
-    <p:spTree>
-      <p:nvGrpSpPr>
-        <p:cNvPr id="1" name=""/>
-        <p:cNvGrpSpPr/>
-        <p:nvPr/>
-      </p:nvGrpSpPr>
-      <p:grpSpPr>
-        <a:xfrm>
-          <a:off x="0" y="0"/>
-          <a:ext cx="0" cy="0"/>
-          <a:chOff x="0" y="0"/>
-          <a:chExt cx="0" cy="0"/>
-        </a:xfrm>
-      </p:grpSpPr>
-      <p:sp>
-        <p:nvSpPr>
-          <p:cNvPr id="2" name="Title 1"/>
-          <p:cNvSpPr>
-            <a:spLocks noGrp="1"/>
-          </p:cNvSpPr>
-          <p:nvPr>
-            <p:ph type="title"/>
-          </p:nvPr>
-        </p:nvSpPr>
-        <p:spPr/>
-        <p:txBody>
-          <a:bodyPr/>
-          <a:lstStyle/>
-          <a:p>
-            <a:r>
-              <a:rPr lang="en-US" dirty="0" smtClean="0"/>
-              <a:t>I-QuantLib 1.3</a:t>
-            </a:r>
-            <a:endParaRPr lang="en-US" dirty="0"/>
-          </a:p>
-        </p:txBody>
-      </p:sp>
-      <p:sp>
-        <p:nvSpPr>
-          <p:cNvPr id="3" name="Content Placeholder 2"/>
-          <p:cNvSpPr>
-            <a:spLocks noGrp="1"/>
-          </p:cNvSpPr>
-          <p:nvPr>
-            <p:ph idx="1"/>
-          </p:nvPr>
-        </p:nvSpPr>
-        <p:spPr/>
-        <p:txBody>
-          <a:bodyPr>
-            <a:normAutofit/>
-          </a:bodyPr>
-          <a:lstStyle/>
-          <a:p>
-            <a:r>
-              <a:rPr lang="fr-FR" sz="3200" b="1" dirty="0" smtClean="0"/>
-              <a:t>Quants et développeurs</a:t>
-            </a:r>
-          </a:p>
-          <a:p>
-            <a:r>
-              <a:rPr lang="fr-FR" sz="3200" b="1" dirty="0" smtClean="0"/>
-              <a:t>C++ , 2000</a:t>
-            </a:r>
-          </a:p>
-          <a:p>
-            <a:r>
-              <a:rPr lang="fr-FR" sz="3200" b="1" dirty="0" smtClean="0"/>
-              <a:t>Ferdinando Ametrano et Luigi Ballabio</a:t>
-            </a:r>
-          </a:p>
-          <a:p>
-            <a:r>
-              <a:rPr lang="fr-FR" sz="3200" b="1" dirty="0" smtClean="0"/>
-              <a:t>Open Source Initiative </a:t>
-            </a:r>
-            <a:r>
-              <a:rPr lang="fr-FR" sz="3200" b="1" dirty="0" err="1" smtClean="0"/>
-              <a:t>Certified</a:t>
-            </a:r>
-            <a:endParaRPr lang="fr-FR" sz="3200" b="1" dirty="0" smtClean="0"/>
-          </a:p>
-          <a:p>
-            <a:r>
-              <a:rPr lang="fr-FR" sz="3200" b="1" dirty="0" smtClean="0"/>
-              <a:t>La librairie Boost</a:t>
-            </a:r>
-          </a:p>
-        </p:txBody>
-      </p:sp>
-      <p:sp>
-        <p:nvSpPr>
-          <p:cNvPr id="5" name="Slide Number Placeholder 4"/>
-          <p:cNvSpPr>
-            <a:spLocks noGrp="1"/>
-          </p:cNvSpPr>
-          <p:nvPr>
-            <p:ph type="sldNum" sz="quarter" idx="12"/>
-          </p:nvPr>
-        </p:nvSpPr>
-        <p:spPr/>
-        <p:txBody>
-          <a:bodyPr/>
-          <a:lstStyle/>
-          <a:p>
-            <a:fld id="{91CCA55A-3F50-488D-A5E8-01F0969640CB}" type="slidenum">
-              <a:rPr lang="en-US" smtClean="0"/>
-              <a:t>3</a:t>
-            </a:fld>
-            <a:endParaRPr lang="en-US"/>
-          </a:p>
-        </p:txBody>
-      </p:sp>
-    </p:spTree>
-    <p:extLst>
-      <p:ext uri="{BB962C8B-B14F-4D97-AF65-F5344CB8AC3E}">
-        <p14:creationId xmlns:p14="http://schemas.microsoft.com/office/powerpoint/2010/main" val="2376487658"/>
-      </p:ext>
-    </p:extLst>
-  </p:cSld>
-  <p:clrMapOvr>
-    <a:masterClrMapping/>
-  </p:clrMapOvr>
-  <p:timing>
-    <p:tnLst>
-      <p:par>
-        <p:cTn id="1" dur="indefinite" restart="never" nodeType="tmRoot">
-          <p:childTnLst>
-            <p:seq concurrent="1" nextAc="seek">
-              <p:cTn id="2" dur="indefinite" nodeType="mainSeq">
-                <p:childTnLst>
-                  <p:par>
-                    <p:cTn id="3" fill="hold">
-                      <p:stCondLst>
-                        <p:cond delay="indefinite"/>
-                        <p:cond evt="onBegin" delay="0">
-                          <p:tn val="2"/>
-                        </p:cond>
-                      </p:stCondLst>
-                      <p:childTnLst>
-                        <p:par>
-                          <p:cTn id="4" fill="hold">
-                            <p:stCondLst>
-                              <p:cond delay="0"/>
-                            </p:stCondLst>
-                            <p:childTnLst>
-                              <p:par>
-                                <p:cTn id="5" presetID="1" presetClass="entr" presetSubtype="0" fill="hold" grpId="0" nodeType="withEffect">
-                                  <p:stCondLst>
-                                    <p:cond delay="500"/>
-                                  </p:stCondLst>
-                                  <p:childTnLst>
-                                    <p:set>
-                                      <p:cBhvr>
-                                        <p:cTn id="6" dur="1" fill="hold">
-                                          <p:stCondLst>
-                                            <p:cond delay="0"/>
-                                          </p:stCondLst>
-                                        </p:cTn>
-                                        <p:tgtEl>
-                                          <p:spTgt spid="3">
-                                            <p:txEl>
-                                              <p:pRg st="0" end="0"/>
-                                            </p:txEl>
-                                          </p:spTgt>
-                                        </p:tgtEl>
-                                        <p:attrNameLst>
-                                          <p:attrName>style.visibility</p:attrName>
-                                        </p:attrNameLst>
-                                      </p:cBhvr>
-                                      <p:to>
-                                        <p:strVal val="visible"/>
-                                      </p:to>
-                                    </p:set>
-                                  </p:childTnLst>
-                                </p:cTn>
-                              </p:par>
-                            </p:childTnLst>
-                          </p:cTn>
-                        </p:par>
-                        <p:par>
-                          <p:cTn id="7" fill="hold">
-                            <p:stCondLst>
-                              <p:cond delay="500"/>
-                            </p:stCondLst>
-                            <p:childTnLst>
-                              <p:par>
-                                <p:cTn id="8" presetID="1" presetClass="entr" presetSubtype="0" fill="hold" grpId="0" nodeType="afterEffect">
-                                  <p:stCondLst>
-                                    <p:cond delay="1000"/>
-                                  </p:stCondLst>
-                                  <p:childTnLst>
-                                    <p:set>
-                                      <p:cBhvr>
-                                        <p:cTn id="9" dur="1" fill="hold">
-                                          <p:stCondLst>
-                                            <p:cond delay="0"/>
-                                          </p:stCondLst>
-                                        </p:cTn>
-                                        <p:tgtEl>
-                                          <p:spTgt spid="3">
-                                            <p:txEl>
-                                              <p:pRg st="1" end="1"/>
-                                            </p:txEl>
-                                          </p:spTgt>
-                                        </p:tgtEl>
-                                        <p:attrNameLst>
-                                          <p:attrName>style.visibility</p:attrName>
-                                        </p:attrNameLst>
-                                      </p:cBhvr>
-                                      <p:to>
-                                        <p:strVal val="visible"/>
-                                      </p:to>
-                                    </p:set>
-                                  </p:childTnLst>
-                                </p:cTn>
-                              </p:par>
-                            </p:childTnLst>
-                          </p:cTn>
-                        </p:par>
-                        <p:par>
-                          <p:cTn id="10" fill="hold">
-                            <p:stCondLst>
-                              <p:cond delay="1500"/>
-                            </p:stCondLst>
-                            <p:childTnLst>
-                              <p:par>
-                                <p:cTn id="11" presetID="1" presetClass="entr" presetSubtype="0" fill="hold" grpId="0" nodeType="afterEffect">
-                                  <p:stCondLst>
-                                    <p:cond delay="1000"/>
-                                  </p:stCondLst>
-                                  <p:childTnLst>
-                                    <p:set>
-                                      <p:cBhvr>
-                                        <p:cTn id="12" dur="1" fill="hold">
-                                          <p:stCondLst>
-                                            <p:cond delay="0"/>
-                                          </p:stCondLst>
-                                        </p:cTn>
-                                        <p:tgtEl>
-                                          <p:spTgt spid="3">
-                                            <p:txEl>
-                                              <p:pRg st="2" end="2"/>
-                                            </p:txEl>
-                                          </p:spTgt>
-                                        </p:tgtEl>
-                                        <p:attrNameLst>
-                                          <p:attrName>style.visibility</p:attrName>
-                                        </p:attrNameLst>
-                                      </p:cBhvr>
-                                      <p:to>
-                                        <p:strVal val="visible"/>
-                                      </p:to>
-                                    </p:set>
-                                  </p:childTnLst>
-                                </p:cTn>
-                              </p:par>
-                            </p:childTnLst>
-                          </p:cTn>
-                        </p:par>
-                        <p:par>
-                          <p:cTn id="13" fill="hold">
-                            <p:stCondLst>
-                              <p:cond delay="2500"/>
-                            </p:stCondLst>
-                            <p:childTnLst>
-                              <p:par>
-                                <p:cTn id="14" presetID="1" presetClass="entr" presetSubtype="0" fill="hold" grpId="0" nodeType="afterEffect">
-                                  <p:stCondLst>
-                                    <p:cond delay="1000"/>
-                                  </p:stCondLst>
-                                  <p:childTnLst>
-                                    <p:set>
-                                      <p:cBhvr>
-                                        <p:cTn id="15" dur="1" fill="hold">
-                                          <p:stCondLst>
-                                            <p:cond delay="0"/>
-                                          </p:stCondLst>
-                                        </p:cTn>
-                                        <p:tgtEl>
-                                          <p:spTgt spid="3">
-                                            <p:txEl>
-                                              <p:pRg st="3" end="3"/>
-                                            </p:txEl>
-                                          </p:spTgt>
-                                        </p:tgtEl>
-                                        <p:attrNameLst>
-                                          <p:attrName>style.visibility</p:attrName>
-                                        </p:attrNameLst>
-                                      </p:cBhvr>
-                                      <p:to>
-                                        <p:strVal val="visible"/>
-                                      </p:to>
-                                    </p:set>
-                                  </p:childTnLst>
-                                </p:cTn>
-                              </p:par>
-                            </p:childTnLst>
-                          </p:cTn>
-                        </p:par>
-                        <p:par>
-                          <p:cTn id="16" fill="hold">
-                            <p:stCondLst>
-                              <p:cond delay="3500"/>
-                            </p:stCondLst>
-                            <p:childTnLst>
-                              <p:par>
-                                <p:cTn id="17" presetID="1" presetClass="entr" presetSubtype="0" fill="hold" grpId="0" nodeType="afterEffect">
-                                  <p:stCondLst>
-                                    <p:cond delay="1000"/>
-                                  </p:stCondLst>
-                                  <p:childTnLst>
-                                    <p:set>
-                                      <p:cBhvr>
-                                        <p:cTn id="18" dur="1" fill="hold">
-                                          <p:stCondLst>
-                                            <p:cond delay="0"/>
-                                          </p:stCondLst>
-                                        </p:cTn>
-                                        <p:tgtEl>
-                                          <p:spTgt spid="3">
-                                            <p:txEl>
-                                              <p:pRg st="4" end="4"/>
-                                            </p:txEl>
-                                          </p:spTgt>
-                                        </p:tgtEl>
-                                        <p:attrNameLst>
-                                          <p:attrName>style.visibility</p:attrName>
-                                        </p:attrNameLst>
-                                      </p:cBhvr>
-                                      <p:to>
-                                        <p:strVal val="visible"/>
-                                      </p:to>
-                                    </p:set>
-                                  </p:childTnLst>
-                                </p:cTn>
-                              </p:par>
-                            </p:childTnLst>
-                          </p:cTn>
-                        </p:par>
-                      </p:childTnLst>
-                    </p:cTn>
-                  </p:par>
-                </p:childTnLst>
-              </p:cTn>
-              <p:prevCondLst>
-                <p:cond evt="onPrev" delay="0">
-                  <p:tgtEl>
-                    <p:sldTgt/>
-                  </p:tgtEl>
-                </p:cond>
-              </p:prevCondLst>
-              <p:nextCondLst>
-                <p:cond evt="onNext" delay="0">
-                  <p:tgtEl>
-                    <p:sldTgt/>
-                  </p:tgtEl>
-                </p:cond>
-              </p:nextCondLst>
-            </p:seq>
-          </p:childTnLst>
-        </p:cTn>
-      </p:par>
-    </p:tnLst>
-    <p:bldLst>
-      <p:bldP spid="3" grpId="0" uiExpand="1" build="p"/>
-    </p:bldLst>
-  </p:timing>
-</p:sld>
-</file>
-
-<file path=ppt/slides/slide4.xml><?xml version="1.0" encoding="utf-8"?>
-<p:sld xmlns:a="http://schemas.openxmlformats.org/drawingml/2006/main" xmlns:r="http://schemas.openxmlformats.org/officeDocument/2006/relationships" xmlns:p="http://schemas.openxmlformats.org/presentationml/2006/main">
-  <p:cSld>
     <p:bg>
       <p:bgPr>
         <a:solidFill>
@@ -28481,8 +26498,12 @@
           <a:p>
             <a:pPr lvl="0"/>
             <a:r>
+              <a:rPr lang="en-US" dirty="0" smtClean="0"/>
+              <a:t>I-Partial-Time </a:t>
+            </a:r>
+            <a:r>
               <a:rPr lang="en-US" dirty="0"/>
-              <a:t>III-Partial-Time Barrier Options</a:t>
+              <a:t>Barrier Options</a:t>
             </a:r>
           </a:p>
         </p:txBody>
@@ -28505,7 +26526,7 @@
         </p:spPr>
         <p:txBody>
           <a:bodyPr>
-            <a:normAutofit lnSpcReduction="10000"/>
+            <a:normAutofit/>
           </a:bodyPr>
           <a:lstStyle/>
           <a:p>
@@ -28515,15 +26536,7 @@
                 <a:ea typeface="Times New Roman" panose="02020603050405020304" pitchFamily="18" charset="0"/>
                 <a:cs typeface="Times New Roman" panose="02020603050405020304" pitchFamily="18" charset="0"/>
               </a:rPr>
-              <a:t>Options “</a:t>
-            </a:r>
-            <a:r>
-              <a:rPr lang="fr-FR" sz="3600" dirty="0" err="1" smtClean="0">
-                <a:latin typeface="Times New Roman" panose="02020603050405020304" pitchFamily="18" charset="0"/>
-                <a:ea typeface="Times New Roman" panose="02020603050405020304" pitchFamily="18" charset="0"/>
-                <a:cs typeface="Times New Roman" panose="02020603050405020304" pitchFamily="18" charset="0"/>
-              </a:rPr>
-              <a:t>Path-dependent</a:t>
+              <a:t>Echangées </a:t>
             </a:r>
             <a:r>
               <a:rPr lang="fr-FR" sz="3600" dirty="0" smtClean="0">
@@ -28531,17 +26544,7 @@
                 <a:ea typeface="Times New Roman" panose="02020603050405020304" pitchFamily="18" charset="0"/>
                 <a:cs typeface="Times New Roman" panose="02020603050405020304" pitchFamily="18" charset="0"/>
               </a:rPr>
-              <a:t>”</a:t>
-            </a:r>
-          </a:p>
-          <a:p>
-            <a:r>
-              <a:rPr lang="fr-FR" sz="3600" dirty="0" smtClean="0">
-                <a:latin typeface="Times New Roman" panose="02020603050405020304" pitchFamily="18" charset="0"/>
-                <a:ea typeface="Times New Roman" panose="02020603050405020304" pitchFamily="18" charset="0"/>
-                <a:cs typeface="Times New Roman" panose="02020603050405020304" pitchFamily="18" charset="0"/>
-              </a:rPr>
-              <a:t>Echangées dès les années 60</a:t>
+              <a:t>dès les années 60</a:t>
             </a:r>
           </a:p>
           <a:p>
@@ -28672,17 +26675,9 @@
             </a:r>
           </a:p>
           <a:p>
-            <a:pPr lvl="3">
-              <a:buFont typeface="Wingdings" panose="05000000000000000000" pitchFamily="2" charset="2"/>
-              <a:buChar char="Ø"/>
+            <a:pPr marL="1371600" lvl="3" indent="0">
+              <a:buNone/>
             </a:pPr>
-            <a:r>
-              <a:rPr lang="fr-FR" sz="2800" dirty="0" smtClean="0">
-                <a:latin typeface="Times New Roman" panose="02020603050405020304" pitchFamily="18" charset="0"/>
-                <a:cs typeface="Times New Roman" panose="02020603050405020304" pitchFamily="18" charset="0"/>
-              </a:rPr>
-              <a:t>8 variantes</a:t>
-            </a:r>
             <a:endParaRPr lang="fr-FR" sz="2800" dirty="0">
               <a:latin typeface="Times New Roman" panose="02020603050405020304" pitchFamily="18" charset="0"/>
               <a:cs typeface="Times New Roman" panose="02020603050405020304" pitchFamily="18" charset="0"/>
@@ -28755,7 +26750,7 @@
           <a:p>
             <a:fld id="{91CCA55A-3F50-488D-A5E8-01F0969640CB}" type="slidenum">
               <a:rPr lang="en-US" smtClean="0"/>
-              <a:t>4</a:t>
+              <a:t>3</a:t>
             </a:fld>
             <a:endParaRPr lang="en-US"/>
           </a:p>
@@ -28774,707 +26769,14 @@
   <p:timing>
     <p:tnLst>
       <p:par>
-        <p:cTn id="1" dur="indefinite" restart="never" nodeType="tmRoot">
-          <p:childTnLst>
-            <p:seq concurrent="1" nextAc="seek">
-              <p:cTn id="2" dur="indefinite" nodeType="mainSeq">
-                <p:childTnLst>
-                  <p:par>
-                    <p:cTn id="3" fill="hold">
-                      <p:stCondLst>
-                        <p:cond delay="indefinite"/>
-                      </p:stCondLst>
-                      <p:childTnLst>
-                        <p:par>
-                          <p:cTn id="4" fill="hold">
-                            <p:stCondLst>
-                              <p:cond delay="0"/>
-                            </p:stCondLst>
-                            <p:childTnLst>
-                              <p:par>
-                                <p:cTn id="5" presetID="2" presetClass="entr" presetSubtype="12" fill="hold" grpId="0" nodeType="clickEffect">
-                                  <p:stCondLst>
-                                    <p:cond delay="0"/>
-                                  </p:stCondLst>
-                                  <p:childTnLst>
-                                    <p:set>
-                                      <p:cBhvr>
-                                        <p:cTn id="6" dur="1" fill="hold">
-                                          <p:stCondLst>
-                                            <p:cond delay="0"/>
-                                          </p:stCondLst>
-                                        </p:cTn>
-                                        <p:tgtEl>
-                                          <p:spTgt spid="6">
-                                            <p:txEl>
-                                              <p:pRg st="0" end="0"/>
-                                            </p:txEl>
-                                          </p:spTgt>
-                                        </p:tgtEl>
-                                        <p:attrNameLst>
-                                          <p:attrName>style.visibility</p:attrName>
-                                        </p:attrNameLst>
-                                      </p:cBhvr>
-                                      <p:to>
-                                        <p:strVal val="visible"/>
-                                      </p:to>
-                                    </p:set>
-                                    <p:anim calcmode="lin" valueType="num">
-                                      <p:cBhvr additive="base">
-                                        <p:cTn id="7" dur="500" fill="hold"/>
-                                        <p:tgtEl>
-                                          <p:spTgt spid="6">
-                                            <p:txEl>
-                                              <p:pRg st="0" end="0"/>
-                                            </p:txEl>
-                                          </p:spTgt>
-                                        </p:tgtEl>
-                                        <p:attrNameLst>
-                                          <p:attrName>ppt_x</p:attrName>
-                                        </p:attrNameLst>
-                                      </p:cBhvr>
-                                      <p:tavLst>
-                                        <p:tav tm="0">
-                                          <p:val>
-                                            <p:strVal val="0-#ppt_w/2"/>
-                                          </p:val>
-                                        </p:tav>
-                                        <p:tav tm="100000">
-                                          <p:val>
-                                            <p:strVal val="#ppt_x"/>
-                                          </p:val>
-                                        </p:tav>
-                                      </p:tavLst>
-                                    </p:anim>
-                                    <p:anim calcmode="lin" valueType="num">
-                                      <p:cBhvr additive="base">
-                                        <p:cTn id="8" dur="500" fill="hold"/>
-                                        <p:tgtEl>
-                                          <p:spTgt spid="6">
-                                            <p:txEl>
-                                              <p:pRg st="0" end="0"/>
-                                            </p:txEl>
-                                          </p:spTgt>
-                                        </p:tgtEl>
-                                        <p:attrNameLst>
-                                          <p:attrName>ppt_y</p:attrName>
-                                        </p:attrNameLst>
-                                      </p:cBhvr>
-                                      <p:tavLst>
-                                        <p:tav tm="0">
-                                          <p:val>
-                                            <p:strVal val="1+#ppt_h/2"/>
-                                          </p:val>
-                                        </p:tav>
-                                        <p:tav tm="100000">
-                                          <p:val>
-                                            <p:strVal val="#ppt_y"/>
-                                          </p:val>
-                                        </p:tav>
-                                      </p:tavLst>
-                                    </p:anim>
-                                  </p:childTnLst>
-                                </p:cTn>
-                              </p:par>
-                            </p:childTnLst>
-                          </p:cTn>
-                        </p:par>
-                        <p:par>
-                          <p:cTn id="9" fill="hold">
-                            <p:stCondLst>
-                              <p:cond delay="500"/>
-                            </p:stCondLst>
-                            <p:childTnLst>
-                              <p:par>
-                                <p:cTn id="10" presetID="2" presetClass="entr" presetSubtype="12" fill="hold" grpId="0" nodeType="afterEffect">
-                                  <p:stCondLst>
-                                    <p:cond delay="0"/>
-                                  </p:stCondLst>
-                                  <p:childTnLst>
-                                    <p:set>
-                                      <p:cBhvr>
-                                        <p:cTn id="11" dur="1" fill="hold">
-                                          <p:stCondLst>
-                                            <p:cond delay="0"/>
-                                          </p:stCondLst>
-                                        </p:cTn>
-                                        <p:tgtEl>
-                                          <p:spTgt spid="6">
-                                            <p:txEl>
-                                              <p:pRg st="1" end="1"/>
-                                            </p:txEl>
-                                          </p:spTgt>
-                                        </p:tgtEl>
-                                        <p:attrNameLst>
-                                          <p:attrName>style.visibility</p:attrName>
-                                        </p:attrNameLst>
-                                      </p:cBhvr>
-                                      <p:to>
-                                        <p:strVal val="visible"/>
-                                      </p:to>
-                                    </p:set>
-                                    <p:anim calcmode="lin" valueType="num">
-                                      <p:cBhvr additive="base">
-                                        <p:cTn id="12" dur="1000" fill="hold"/>
-                                        <p:tgtEl>
-                                          <p:spTgt spid="6">
-                                            <p:txEl>
-                                              <p:pRg st="1" end="1"/>
-                                            </p:txEl>
-                                          </p:spTgt>
-                                        </p:tgtEl>
-                                        <p:attrNameLst>
-                                          <p:attrName>ppt_x</p:attrName>
-                                        </p:attrNameLst>
-                                      </p:cBhvr>
-                                      <p:tavLst>
-                                        <p:tav tm="0">
-                                          <p:val>
-                                            <p:strVal val="0-#ppt_w/2"/>
-                                          </p:val>
-                                        </p:tav>
-                                        <p:tav tm="100000">
-                                          <p:val>
-                                            <p:strVal val="#ppt_x"/>
-                                          </p:val>
-                                        </p:tav>
-                                      </p:tavLst>
-                                    </p:anim>
-                                    <p:anim calcmode="lin" valueType="num">
-                                      <p:cBhvr additive="base">
-                                        <p:cTn id="13" dur="1000" fill="hold"/>
-                                        <p:tgtEl>
-                                          <p:spTgt spid="6">
-                                            <p:txEl>
-                                              <p:pRg st="1" end="1"/>
-                                            </p:txEl>
-                                          </p:spTgt>
-                                        </p:tgtEl>
-                                        <p:attrNameLst>
-                                          <p:attrName>ppt_y</p:attrName>
-                                        </p:attrNameLst>
-                                      </p:cBhvr>
-                                      <p:tavLst>
-                                        <p:tav tm="0">
-                                          <p:val>
-                                            <p:strVal val="1+#ppt_h/2"/>
-                                          </p:val>
-                                        </p:tav>
-                                        <p:tav tm="100000">
-                                          <p:val>
-                                            <p:strVal val="#ppt_y"/>
-                                          </p:val>
-                                        </p:tav>
-                                      </p:tavLst>
-                                    </p:anim>
-                                  </p:childTnLst>
-                                </p:cTn>
-                              </p:par>
-                            </p:childTnLst>
-                          </p:cTn>
-                        </p:par>
-                        <p:par>
-                          <p:cTn id="14" fill="hold">
-                            <p:stCondLst>
-                              <p:cond delay="1500"/>
-                            </p:stCondLst>
-                            <p:childTnLst>
-                              <p:par>
-                                <p:cTn id="15" presetID="2" presetClass="entr" presetSubtype="12" fill="hold" grpId="0" nodeType="afterEffect">
-                                  <p:stCondLst>
-                                    <p:cond delay="0"/>
-                                  </p:stCondLst>
-                                  <p:childTnLst>
-                                    <p:set>
-                                      <p:cBhvr>
-                                        <p:cTn id="16" dur="1" fill="hold">
-                                          <p:stCondLst>
-                                            <p:cond delay="0"/>
-                                          </p:stCondLst>
-                                        </p:cTn>
-                                        <p:tgtEl>
-                                          <p:spTgt spid="6">
-                                            <p:txEl>
-                                              <p:pRg st="2" end="2"/>
-                                            </p:txEl>
-                                          </p:spTgt>
-                                        </p:tgtEl>
-                                        <p:attrNameLst>
-                                          <p:attrName>style.visibility</p:attrName>
-                                        </p:attrNameLst>
-                                      </p:cBhvr>
-                                      <p:to>
-                                        <p:strVal val="visible"/>
-                                      </p:to>
-                                    </p:set>
-                                    <p:anim calcmode="lin" valueType="num">
-                                      <p:cBhvr additive="base">
-                                        <p:cTn id="17" dur="1000" fill="hold"/>
-                                        <p:tgtEl>
-                                          <p:spTgt spid="6">
-                                            <p:txEl>
-                                              <p:pRg st="2" end="2"/>
-                                            </p:txEl>
-                                          </p:spTgt>
-                                        </p:tgtEl>
-                                        <p:attrNameLst>
-                                          <p:attrName>ppt_x</p:attrName>
-                                        </p:attrNameLst>
-                                      </p:cBhvr>
-                                      <p:tavLst>
-                                        <p:tav tm="0">
-                                          <p:val>
-                                            <p:strVal val="0-#ppt_w/2"/>
-                                          </p:val>
-                                        </p:tav>
-                                        <p:tav tm="100000">
-                                          <p:val>
-                                            <p:strVal val="#ppt_x"/>
-                                          </p:val>
-                                        </p:tav>
-                                      </p:tavLst>
-                                    </p:anim>
-                                    <p:anim calcmode="lin" valueType="num">
-                                      <p:cBhvr additive="base">
-                                        <p:cTn id="18" dur="1000" fill="hold"/>
-                                        <p:tgtEl>
-                                          <p:spTgt spid="6">
-                                            <p:txEl>
-                                              <p:pRg st="2" end="2"/>
-                                            </p:txEl>
-                                          </p:spTgt>
-                                        </p:tgtEl>
-                                        <p:attrNameLst>
-                                          <p:attrName>ppt_y</p:attrName>
-                                        </p:attrNameLst>
-                                      </p:cBhvr>
-                                      <p:tavLst>
-                                        <p:tav tm="0">
-                                          <p:val>
-                                            <p:strVal val="1+#ppt_h/2"/>
-                                          </p:val>
-                                        </p:tav>
-                                        <p:tav tm="100000">
-                                          <p:val>
-                                            <p:strVal val="#ppt_y"/>
-                                          </p:val>
-                                        </p:tav>
-                                      </p:tavLst>
-                                    </p:anim>
-                                  </p:childTnLst>
-                                </p:cTn>
-                              </p:par>
-                            </p:childTnLst>
-                          </p:cTn>
-                        </p:par>
-                        <p:par>
-                          <p:cTn id="19" fill="hold">
-                            <p:stCondLst>
-                              <p:cond delay="2500"/>
-                            </p:stCondLst>
-                            <p:childTnLst>
-                              <p:par>
-                                <p:cTn id="20" presetID="2" presetClass="entr" presetSubtype="6" fill="hold" grpId="0" nodeType="afterEffect">
-                                  <p:stCondLst>
-                                    <p:cond delay="0"/>
-                                  </p:stCondLst>
-                                  <p:childTnLst>
-                                    <p:set>
-                                      <p:cBhvr>
-                                        <p:cTn id="21" dur="1" fill="hold">
-                                          <p:stCondLst>
-                                            <p:cond delay="0"/>
-                                          </p:stCondLst>
-                                        </p:cTn>
-                                        <p:tgtEl>
-                                          <p:spTgt spid="6">
-                                            <p:txEl>
-                                              <p:pRg st="3" end="3"/>
-                                            </p:txEl>
-                                          </p:spTgt>
-                                        </p:tgtEl>
-                                        <p:attrNameLst>
-                                          <p:attrName>style.visibility</p:attrName>
-                                        </p:attrNameLst>
-                                      </p:cBhvr>
-                                      <p:to>
-                                        <p:strVal val="visible"/>
-                                      </p:to>
-                                    </p:set>
-                                    <p:anim calcmode="lin" valueType="num">
-                                      <p:cBhvr additive="base">
-                                        <p:cTn id="22" dur="1000" fill="hold"/>
-                                        <p:tgtEl>
-                                          <p:spTgt spid="6">
-                                            <p:txEl>
-                                              <p:pRg st="3" end="3"/>
-                                            </p:txEl>
-                                          </p:spTgt>
-                                        </p:tgtEl>
-                                        <p:attrNameLst>
-                                          <p:attrName>ppt_x</p:attrName>
-                                        </p:attrNameLst>
-                                      </p:cBhvr>
-                                      <p:tavLst>
-                                        <p:tav tm="0">
-                                          <p:val>
-                                            <p:strVal val="1+#ppt_w/2"/>
-                                          </p:val>
-                                        </p:tav>
-                                        <p:tav tm="100000">
-                                          <p:val>
-                                            <p:strVal val="#ppt_x"/>
-                                          </p:val>
-                                        </p:tav>
-                                      </p:tavLst>
-                                    </p:anim>
-                                    <p:anim calcmode="lin" valueType="num">
-                                      <p:cBhvr additive="base">
-                                        <p:cTn id="23" dur="1000" fill="hold"/>
-                                        <p:tgtEl>
-                                          <p:spTgt spid="6">
-                                            <p:txEl>
-                                              <p:pRg st="3" end="3"/>
-                                            </p:txEl>
-                                          </p:spTgt>
-                                        </p:tgtEl>
-                                        <p:attrNameLst>
-                                          <p:attrName>ppt_y</p:attrName>
-                                        </p:attrNameLst>
-                                      </p:cBhvr>
-                                      <p:tavLst>
-                                        <p:tav tm="0">
-                                          <p:val>
-                                            <p:strVal val="1+#ppt_h/2"/>
-                                          </p:val>
-                                        </p:tav>
-                                        <p:tav tm="100000">
-                                          <p:val>
-                                            <p:strVal val="#ppt_y"/>
-                                          </p:val>
-                                        </p:tav>
-                                      </p:tavLst>
-                                    </p:anim>
-                                  </p:childTnLst>
-                                </p:cTn>
-                              </p:par>
-                            </p:childTnLst>
-                          </p:cTn>
-                        </p:par>
-                        <p:par>
-                          <p:cTn id="24" fill="hold">
-                            <p:stCondLst>
-                              <p:cond delay="3500"/>
-                            </p:stCondLst>
-                            <p:childTnLst>
-                              <p:par>
-                                <p:cTn id="25" presetID="2" presetClass="entr" presetSubtype="6" fill="hold" grpId="0" nodeType="afterEffect">
-                                  <p:stCondLst>
-                                    <p:cond delay="0"/>
-                                  </p:stCondLst>
-                                  <p:childTnLst>
-                                    <p:set>
-                                      <p:cBhvr>
-                                        <p:cTn id="26" dur="1" fill="hold">
-                                          <p:stCondLst>
-                                            <p:cond delay="0"/>
-                                          </p:stCondLst>
-                                        </p:cTn>
-                                        <p:tgtEl>
-                                          <p:spTgt spid="6">
-                                            <p:txEl>
-                                              <p:pRg st="4" end="4"/>
-                                            </p:txEl>
-                                          </p:spTgt>
-                                        </p:tgtEl>
-                                        <p:attrNameLst>
-                                          <p:attrName>style.visibility</p:attrName>
-                                        </p:attrNameLst>
-                                      </p:cBhvr>
-                                      <p:to>
-                                        <p:strVal val="visible"/>
-                                      </p:to>
-                                    </p:set>
-                                    <p:anim calcmode="lin" valueType="num">
-                                      <p:cBhvr additive="base">
-                                        <p:cTn id="27" dur="1000" fill="hold"/>
-                                        <p:tgtEl>
-                                          <p:spTgt spid="6">
-                                            <p:txEl>
-                                              <p:pRg st="4" end="4"/>
-                                            </p:txEl>
-                                          </p:spTgt>
-                                        </p:tgtEl>
-                                        <p:attrNameLst>
-                                          <p:attrName>ppt_x</p:attrName>
-                                        </p:attrNameLst>
-                                      </p:cBhvr>
-                                      <p:tavLst>
-                                        <p:tav tm="0">
-                                          <p:val>
-                                            <p:strVal val="1+#ppt_w/2"/>
-                                          </p:val>
-                                        </p:tav>
-                                        <p:tav tm="100000">
-                                          <p:val>
-                                            <p:strVal val="#ppt_x"/>
-                                          </p:val>
-                                        </p:tav>
-                                      </p:tavLst>
-                                    </p:anim>
-                                    <p:anim calcmode="lin" valueType="num">
-                                      <p:cBhvr additive="base">
-                                        <p:cTn id="28" dur="1000" fill="hold"/>
-                                        <p:tgtEl>
-                                          <p:spTgt spid="6">
-                                            <p:txEl>
-                                              <p:pRg st="4" end="4"/>
-                                            </p:txEl>
-                                          </p:spTgt>
-                                        </p:tgtEl>
-                                        <p:attrNameLst>
-                                          <p:attrName>ppt_y</p:attrName>
-                                        </p:attrNameLst>
-                                      </p:cBhvr>
-                                      <p:tavLst>
-                                        <p:tav tm="0">
-                                          <p:val>
-                                            <p:strVal val="1+#ppt_h/2"/>
-                                          </p:val>
-                                        </p:tav>
-                                        <p:tav tm="100000">
-                                          <p:val>
-                                            <p:strVal val="#ppt_y"/>
-                                          </p:val>
-                                        </p:tav>
-                                      </p:tavLst>
-                                    </p:anim>
-                                  </p:childTnLst>
-                                </p:cTn>
-                              </p:par>
-                            </p:childTnLst>
-                          </p:cTn>
-                        </p:par>
-                        <p:par>
-                          <p:cTn id="29" fill="hold">
-                            <p:stCondLst>
-                              <p:cond delay="4500"/>
-                            </p:stCondLst>
-                            <p:childTnLst>
-                              <p:par>
-                                <p:cTn id="30" presetID="2" presetClass="entr" presetSubtype="6" fill="hold" grpId="0" nodeType="afterEffect">
-                                  <p:stCondLst>
-                                    <p:cond delay="0"/>
-                                  </p:stCondLst>
-                                  <p:childTnLst>
-                                    <p:set>
-                                      <p:cBhvr>
-                                        <p:cTn id="31" dur="1" fill="hold">
-                                          <p:stCondLst>
-                                            <p:cond delay="0"/>
-                                          </p:stCondLst>
-                                        </p:cTn>
-                                        <p:tgtEl>
-                                          <p:spTgt spid="6">
-                                            <p:txEl>
-                                              <p:pRg st="5" end="5"/>
-                                            </p:txEl>
-                                          </p:spTgt>
-                                        </p:tgtEl>
-                                        <p:attrNameLst>
-                                          <p:attrName>style.visibility</p:attrName>
-                                        </p:attrNameLst>
-                                      </p:cBhvr>
-                                      <p:to>
-                                        <p:strVal val="visible"/>
-                                      </p:to>
-                                    </p:set>
-                                    <p:anim calcmode="lin" valueType="num">
-                                      <p:cBhvr additive="base">
-                                        <p:cTn id="32" dur="1000" fill="hold"/>
-                                        <p:tgtEl>
-                                          <p:spTgt spid="6">
-                                            <p:txEl>
-                                              <p:pRg st="5" end="5"/>
-                                            </p:txEl>
-                                          </p:spTgt>
-                                        </p:tgtEl>
-                                        <p:attrNameLst>
-                                          <p:attrName>ppt_x</p:attrName>
-                                        </p:attrNameLst>
-                                      </p:cBhvr>
-                                      <p:tavLst>
-                                        <p:tav tm="0">
-                                          <p:val>
-                                            <p:strVal val="1+#ppt_w/2"/>
-                                          </p:val>
-                                        </p:tav>
-                                        <p:tav tm="100000">
-                                          <p:val>
-                                            <p:strVal val="#ppt_x"/>
-                                          </p:val>
-                                        </p:tav>
-                                      </p:tavLst>
-                                    </p:anim>
-                                    <p:anim calcmode="lin" valueType="num">
-                                      <p:cBhvr additive="base">
-                                        <p:cTn id="33" dur="1000" fill="hold"/>
-                                        <p:tgtEl>
-                                          <p:spTgt spid="6">
-                                            <p:txEl>
-                                              <p:pRg st="5" end="5"/>
-                                            </p:txEl>
-                                          </p:spTgt>
-                                        </p:tgtEl>
-                                        <p:attrNameLst>
-                                          <p:attrName>ppt_y</p:attrName>
-                                        </p:attrNameLst>
-                                      </p:cBhvr>
-                                      <p:tavLst>
-                                        <p:tav tm="0">
-                                          <p:val>
-                                            <p:strVal val="1+#ppt_h/2"/>
-                                          </p:val>
-                                        </p:tav>
-                                        <p:tav tm="100000">
-                                          <p:val>
-                                            <p:strVal val="#ppt_y"/>
-                                          </p:val>
-                                        </p:tav>
-                                      </p:tavLst>
-                                    </p:anim>
-                                  </p:childTnLst>
-                                </p:cTn>
-                              </p:par>
-                            </p:childTnLst>
-                          </p:cTn>
-                        </p:par>
-                        <p:par>
-                          <p:cTn id="34" fill="hold">
-                            <p:stCondLst>
-                              <p:cond delay="5500"/>
-                            </p:stCondLst>
-                            <p:childTnLst>
-                              <p:par>
-                                <p:cTn id="35" presetID="2" presetClass="entr" presetSubtype="6" fill="hold" grpId="0" nodeType="afterEffect">
-                                  <p:stCondLst>
-                                    <p:cond delay="0"/>
-                                  </p:stCondLst>
-                                  <p:childTnLst>
-                                    <p:set>
-                                      <p:cBhvr>
-                                        <p:cTn id="36" dur="1" fill="hold">
-                                          <p:stCondLst>
-                                            <p:cond delay="0"/>
-                                          </p:stCondLst>
-                                        </p:cTn>
-                                        <p:tgtEl>
-                                          <p:spTgt spid="6">
-                                            <p:txEl>
-                                              <p:pRg st="6" end="6"/>
-                                            </p:txEl>
-                                          </p:spTgt>
-                                        </p:tgtEl>
-                                        <p:attrNameLst>
-                                          <p:attrName>style.visibility</p:attrName>
-                                        </p:attrNameLst>
-                                      </p:cBhvr>
-                                      <p:to>
-                                        <p:strVal val="visible"/>
-                                      </p:to>
-                                    </p:set>
-                                    <p:anim calcmode="lin" valueType="num">
-                                      <p:cBhvr additive="base">
-                                        <p:cTn id="37" dur="1000" fill="hold"/>
-                                        <p:tgtEl>
-                                          <p:spTgt spid="6">
-                                            <p:txEl>
-                                              <p:pRg st="6" end="6"/>
-                                            </p:txEl>
-                                          </p:spTgt>
-                                        </p:tgtEl>
-                                        <p:attrNameLst>
-                                          <p:attrName>ppt_x</p:attrName>
-                                        </p:attrNameLst>
-                                      </p:cBhvr>
-                                      <p:tavLst>
-                                        <p:tav tm="0">
-                                          <p:val>
-                                            <p:strVal val="1+#ppt_w/2"/>
-                                          </p:val>
-                                        </p:tav>
-                                        <p:tav tm="100000">
-                                          <p:val>
-                                            <p:strVal val="#ppt_x"/>
-                                          </p:val>
-                                        </p:tav>
-                                      </p:tavLst>
-                                    </p:anim>
-                                    <p:anim calcmode="lin" valueType="num">
-                                      <p:cBhvr additive="base">
-                                        <p:cTn id="38" dur="1000" fill="hold"/>
-                                        <p:tgtEl>
-                                          <p:spTgt spid="6">
-                                            <p:txEl>
-                                              <p:pRg st="6" end="6"/>
-                                            </p:txEl>
-                                          </p:spTgt>
-                                        </p:tgtEl>
-                                        <p:attrNameLst>
-                                          <p:attrName>ppt_y</p:attrName>
-                                        </p:attrNameLst>
-                                      </p:cBhvr>
-                                      <p:tavLst>
-                                        <p:tav tm="0">
-                                          <p:val>
-                                            <p:strVal val="1+#ppt_h/2"/>
-                                          </p:val>
-                                        </p:tav>
-                                        <p:tav tm="100000">
-                                          <p:val>
-                                            <p:strVal val="#ppt_y"/>
-                                          </p:val>
-                                        </p:tav>
-                                      </p:tavLst>
-                                    </p:anim>
-                                  </p:childTnLst>
-                                </p:cTn>
-                              </p:par>
-                            </p:childTnLst>
-                          </p:cTn>
-                        </p:par>
-                      </p:childTnLst>
-                    </p:cTn>
-                  </p:par>
-                </p:childTnLst>
-              </p:cTn>
-              <p:prevCondLst>
-                <p:cond evt="onPrev" delay="0">
-                  <p:tgtEl>
-                    <p:sldTgt/>
-                  </p:tgtEl>
-                </p:cond>
-              </p:prevCondLst>
-              <p:nextCondLst>
-                <p:cond evt="onNext" delay="0">
-                  <p:tgtEl>
-                    <p:sldTgt/>
-                  </p:tgtEl>
-                </p:cond>
-              </p:nextCondLst>
-            </p:seq>
-          </p:childTnLst>
-        </p:cTn>
+        <p:cTn id="1" dur="indefinite" restart="never" nodeType="tmRoot"/>
       </p:par>
     </p:tnLst>
-    <p:bldLst>
-      <p:bldP spid="6" grpId="0" uiExpand="1" build="p"/>
-    </p:bldLst>
   </p:timing>
 </p:sld>
 </file>
 
-<file path=ppt/slides/slide5.xml><?xml version="1.0" encoding="utf-8"?>
+<file path=ppt/slides/slide4.xml><?xml version="1.0" encoding="utf-8"?>
 <p:sld xmlns:a="http://schemas.openxmlformats.org/drawingml/2006/main" xmlns:r="http://schemas.openxmlformats.org/officeDocument/2006/relationships" xmlns:p="http://schemas.openxmlformats.org/presentationml/2006/main">
   <p:cSld>
     <p:bg>
@@ -29595,8 +26897,12 @@
           <a:p>
             <a:pPr lvl="0"/>
             <a:r>
+              <a:rPr lang="en-US" dirty="0" smtClean="0"/>
+              <a:t>I-Partial-Time </a:t>
+            </a:r>
+            <a:r>
               <a:rPr lang="en-US" dirty="0"/>
-              <a:t>III-Partial-Time Barrier Options</a:t>
+              <a:t>Barrier Options</a:t>
             </a:r>
           </a:p>
         </p:txBody>
@@ -29666,7 +26972,7 @@
           <a:p>
             <a:fld id="{91CCA55A-3F50-488D-A5E8-01F0969640CB}" type="slidenum">
               <a:rPr lang="en-US" smtClean="0"/>
-              <a:t>5</a:t>
+              <a:t>4</a:t>
             </a:fld>
             <a:endParaRPr lang="en-US"/>
           </a:p>
@@ -29685,222 +26991,14 @@
   <p:timing>
     <p:tnLst>
       <p:par>
-        <p:cTn id="1" dur="indefinite" restart="never" nodeType="tmRoot">
-          <p:childTnLst>
-            <p:seq concurrent="1" nextAc="seek">
-              <p:cTn id="2" dur="indefinite" nodeType="mainSeq">
-                <p:childTnLst>
-                  <p:par>
-                    <p:cTn id="3" fill="hold">
-                      <p:stCondLst>
-                        <p:cond delay="indefinite"/>
-                        <p:cond evt="onBegin" delay="0">
-                          <p:tn val="2"/>
-                        </p:cond>
-                      </p:stCondLst>
-                      <p:childTnLst>
-                        <p:par>
-                          <p:cTn id="4" fill="hold">
-                            <p:stCondLst>
-                              <p:cond delay="0"/>
-                            </p:stCondLst>
-                            <p:childTnLst>
-                              <p:par>
-                                <p:cTn id="5" presetID="2" presetClass="entr" presetSubtype="8" fill="hold" nodeType="withEffect">
-                                  <p:stCondLst>
-                                    <p:cond delay="0"/>
-                                  </p:stCondLst>
-                                  <p:childTnLst>
-                                    <p:set>
-                                      <p:cBhvr>
-                                        <p:cTn id="6" dur="1" fill="hold">
-                                          <p:stCondLst>
-                                            <p:cond delay="0"/>
-                                          </p:stCondLst>
-                                        </p:cTn>
-                                        <p:tgtEl>
-                                          <p:spTgt spid="3"/>
-                                        </p:tgtEl>
-                                        <p:attrNameLst>
-                                          <p:attrName>style.visibility</p:attrName>
-                                        </p:attrNameLst>
-                                      </p:cBhvr>
-                                      <p:to>
-                                        <p:strVal val="visible"/>
-                                      </p:to>
-                                    </p:set>
-                                    <p:anim calcmode="lin" valueType="num">
-                                      <p:cBhvr additive="base">
-                                        <p:cTn id="7" dur="500" fill="hold"/>
-                                        <p:tgtEl>
-                                          <p:spTgt spid="3"/>
-                                        </p:tgtEl>
-                                        <p:attrNameLst>
-                                          <p:attrName>ppt_x</p:attrName>
-                                        </p:attrNameLst>
-                                      </p:cBhvr>
-                                      <p:tavLst>
-                                        <p:tav tm="0">
-                                          <p:val>
-                                            <p:strVal val="0-#ppt_w/2"/>
-                                          </p:val>
-                                        </p:tav>
-                                        <p:tav tm="100000">
-                                          <p:val>
-                                            <p:strVal val="#ppt_x"/>
-                                          </p:val>
-                                        </p:tav>
-                                      </p:tavLst>
-                                    </p:anim>
-                                    <p:anim calcmode="lin" valueType="num">
-                                      <p:cBhvr additive="base">
-                                        <p:cTn id="8" dur="500" fill="hold"/>
-                                        <p:tgtEl>
-                                          <p:spTgt spid="3"/>
-                                        </p:tgtEl>
-                                        <p:attrNameLst>
-                                          <p:attrName>ppt_y</p:attrName>
-                                        </p:attrNameLst>
-                                      </p:cBhvr>
-                                      <p:tavLst>
-                                        <p:tav tm="0">
-                                          <p:val>
-                                            <p:strVal val="#ppt_y"/>
-                                          </p:val>
-                                        </p:tav>
-                                        <p:tav tm="100000">
-                                          <p:val>
-                                            <p:strVal val="#ppt_y"/>
-                                          </p:val>
-                                        </p:tav>
-                                      </p:tavLst>
-                                    </p:anim>
-                                  </p:childTnLst>
-                                </p:cTn>
-                              </p:par>
-                            </p:childTnLst>
-                          </p:cTn>
-                        </p:par>
-                      </p:childTnLst>
-                    </p:cTn>
-                  </p:par>
-                  <p:par>
-                    <p:cTn id="9" fill="hold">
-                      <p:stCondLst>
-                        <p:cond delay="indefinite"/>
-                      </p:stCondLst>
-                      <p:childTnLst>
-                        <p:par>
-                          <p:cTn id="10" fill="hold">
-                            <p:stCondLst>
-                              <p:cond delay="0"/>
-                            </p:stCondLst>
-                            <p:childTnLst>
-                              <p:par>
-                                <p:cTn id="11" presetID="2" presetClass="entr" presetSubtype="2" fill="hold" nodeType="clickEffect">
-                                  <p:stCondLst>
-                                    <p:cond delay="0"/>
-                                  </p:stCondLst>
-                                  <p:childTnLst>
-                                    <p:set>
-                                      <p:cBhvr>
-                                        <p:cTn id="12" dur="1" fill="hold">
-                                          <p:stCondLst>
-                                            <p:cond delay="0"/>
-                                          </p:stCondLst>
-                                        </p:cTn>
-                                        <p:tgtEl>
-                                          <p:spTgt spid="5"/>
-                                        </p:tgtEl>
-                                        <p:attrNameLst>
-                                          <p:attrName>style.visibility</p:attrName>
-                                        </p:attrNameLst>
-                                      </p:cBhvr>
-                                      <p:to>
-                                        <p:strVal val="visible"/>
-                                      </p:to>
-                                    </p:set>
-                                    <p:anim calcmode="lin" valueType="num">
-                                      <p:cBhvr additive="base">
-                                        <p:cTn id="13" dur="500" fill="hold"/>
-                                        <p:tgtEl>
-                                          <p:spTgt spid="5"/>
-                                        </p:tgtEl>
-                                        <p:attrNameLst>
-                                          <p:attrName>ppt_x</p:attrName>
-                                        </p:attrNameLst>
-                                      </p:cBhvr>
-                                      <p:tavLst>
-                                        <p:tav tm="0">
-                                          <p:val>
-                                            <p:strVal val="1+#ppt_w/2"/>
-                                          </p:val>
-                                        </p:tav>
-                                        <p:tav tm="100000">
-                                          <p:val>
-                                            <p:strVal val="#ppt_x"/>
-                                          </p:val>
-                                        </p:tav>
-                                      </p:tavLst>
-                                    </p:anim>
-                                    <p:anim calcmode="lin" valueType="num">
-                                      <p:cBhvr additive="base">
-                                        <p:cTn id="14" dur="500" fill="hold"/>
-                                        <p:tgtEl>
-                                          <p:spTgt spid="5"/>
-                                        </p:tgtEl>
-                                        <p:attrNameLst>
-                                          <p:attrName>ppt_y</p:attrName>
-                                        </p:attrNameLst>
-                                      </p:cBhvr>
-                                      <p:tavLst>
-                                        <p:tav tm="0">
-                                          <p:val>
-                                            <p:strVal val="#ppt_y"/>
-                                          </p:val>
-                                        </p:tav>
-                                        <p:tav tm="100000">
-                                          <p:val>
-                                            <p:strVal val="#ppt_y"/>
-                                          </p:val>
-                                        </p:tav>
-                                      </p:tavLst>
-                                    </p:anim>
-                                  </p:childTnLst>
-                                </p:cTn>
-                              </p:par>
-                            </p:childTnLst>
-                          </p:cTn>
-                        </p:par>
-                      </p:childTnLst>
-                    </p:cTn>
-                  </p:par>
-                </p:childTnLst>
-              </p:cTn>
-              <p:prevCondLst>
-                <p:cond evt="onPrev" delay="0">
-                  <p:tgtEl>
-                    <p:sldTgt/>
-                  </p:tgtEl>
-                </p:cond>
-              </p:prevCondLst>
-              <p:nextCondLst>
-                <p:cond evt="onNext" delay="0">
-                  <p:tgtEl>
-                    <p:sldTgt/>
-                  </p:tgtEl>
-                </p:cond>
-              </p:nextCondLst>
-            </p:seq>
-          </p:childTnLst>
-        </p:cTn>
+        <p:cTn id="1" dur="indefinite" restart="never" nodeType="tmRoot"/>
       </p:par>
     </p:tnLst>
   </p:timing>
 </p:sld>
 </file>
 
-<file path=ppt/slides/slide6.xml><?xml version="1.0" encoding="utf-8"?>
+<file path=ppt/slides/slide5.xml><?xml version="1.0" encoding="utf-8"?>
 <p:sld xmlns:a="http://schemas.openxmlformats.org/drawingml/2006/main" xmlns:r="http://schemas.openxmlformats.org/officeDocument/2006/relationships" xmlns:p="http://schemas.openxmlformats.org/presentationml/2006/main">
   <p:cSld>
     <p:bg>
@@ -29947,8 +27045,12 @@
           <a:p>
             <a:pPr lvl="0"/>
             <a:r>
+              <a:rPr lang="en-US" dirty="0" smtClean="0"/>
+              <a:t>I-Partial-Time </a:t>
+            </a:r>
+            <a:r>
               <a:rPr lang="en-US" dirty="0"/>
-              <a:t>III-Partial-Time Barrier Options</a:t>
+              <a:t>Barrier Options</a:t>
             </a:r>
           </a:p>
         </p:txBody>
@@ -30050,7 +27152,15 @@
                 <a:ea typeface="Times New Roman" panose="02020603050405020304" pitchFamily="18" charset="0"/>
                 <a:cs typeface="Times New Roman" panose="02020603050405020304" pitchFamily="18" charset="0"/>
               </a:rPr>
-              <a:t>Fortes  mouvement du sous-jacent</a:t>
+              <a:t>Fort </a:t>
+            </a:r>
+            <a:r>
+              <a:rPr lang="fr-FR" sz="3400" dirty="0" smtClean="0">
+                <a:latin typeface="Times New Roman" panose="02020603050405020304" pitchFamily="18" charset="0"/>
+                <a:ea typeface="Times New Roman" panose="02020603050405020304" pitchFamily="18" charset="0"/>
+                <a:cs typeface="Times New Roman" panose="02020603050405020304" pitchFamily="18" charset="0"/>
+              </a:rPr>
+              <a:t>mouvement du sous-jacent</a:t>
             </a:r>
           </a:p>
           <a:p>
@@ -30071,23 +27181,17 @@
                 <a:ea typeface="Times New Roman" panose="02020603050405020304" pitchFamily="18" charset="0"/>
                 <a:cs typeface="Times New Roman" panose="02020603050405020304" pitchFamily="18" charset="0"/>
               </a:rPr>
-              <a:t>Faible mouvement du sous-jacent</a:t>
+              <a:t>Faible mouvement du </a:t>
             </a:r>
-          </a:p>
-          <a:p>
-            <a:pPr>
-              <a:buFont typeface="Wingdings" panose="05000000000000000000" pitchFamily="2" charset="2"/>
-              <a:buChar char="Ø"/>
-            </a:pPr>
             <a:r>
-              <a:rPr lang="fr-FR" sz="3600" dirty="0" smtClean="0">
+              <a:rPr lang="fr-FR" sz="3400" dirty="0" smtClean="0">
                 <a:latin typeface="Times New Roman" panose="02020603050405020304" pitchFamily="18" charset="0"/>
                 <a:ea typeface="Times New Roman" panose="02020603050405020304" pitchFamily="18" charset="0"/>
                 <a:cs typeface="Times New Roman" panose="02020603050405020304" pitchFamily="18" charset="0"/>
               </a:rPr>
-              <a:t>Marché du Forex</a:t>
+              <a:t>sous-jacent</a:t>
             </a:r>
-            <a:endParaRPr lang="fr-FR" sz="3600" dirty="0">
+            <a:endParaRPr lang="fr-FR" sz="3400" dirty="0" smtClean="0">
               <a:latin typeface="Times New Roman" panose="02020603050405020304" pitchFamily="18" charset="0"/>
               <a:ea typeface="Times New Roman" panose="02020603050405020304" pitchFamily="18" charset="0"/>
               <a:cs typeface="Times New Roman" panose="02020603050405020304" pitchFamily="18" charset="0"/>
@@ -30112,7 +27216,7 @@
           <a:p>
             <a:fld id="{91CCA55A-3F50-488D-A5E8-01F0969640CB}" type="slidenum">
               <a:rPr lang="en-US" smtClean="0"/>
-              <a:t>6</a:t>
+              <a:t>5</a:t>
             </a:fld>
             <a:endParaRPr lang="en-US"/>
           </a:p>
@@ -30131,568 +27235,14 @@
   <p:timing>
     <p:tnLst>
       <p:par>
-        <p:cTn id="1" dur="indefinite" restart="never" nodeType="tmRoot">
-          <p:childTnLst>
-            <p:seq concurrent="1" nextAc="seek">
-              <p:cTn id="2" dur="indefinite" nodeType="mainSeq">
-                <p:childTnLst>
-                  <p:par>
-                    <p:cTn id="3" fill="hold">
-                      <p:stCondLst>
-                        <p:cond delay="indefinite"/>
-                      </p:stCondLst>
-                      <p:childTnLst>
-                        <p:par>
-                          <p:cTn id="4" fill="hold">
-                            <p:stCondLst>
-                              <p:cond delay="0"/>
-                            </p:stCondLst>
-                            <p:childTnLst>
-                              <p:par>
-                                <p:cTn id="5" presetID="2" presetClass="entr" presetSubtype="4" fill="hold" grpId="0" nodeType="clickEffect">
-                                  <p:stCondLst>
-                                    <p:cond delay="0"/>
-                                  </p:stCondLst>
-                                  <p:childTnLst>
-                                    <p:set>
-                                      <p:cBhvr>
-                                        <p:cTn id="6" dur="1" fill="hold">
-                                          <p:stCondLst>
-                                            <p:cond delay="0"/>
-                                          </p:stCondLst>
-                                        </p:cTn>
-                                        <p:tgtEl>
-                                          <p:spTgt spid="7">
-                                            <p:txEl>
-                                              <p:pRg st="0" end="0"/>
-                                            </p:txEl>
-                                          </p:spTgt>
-                                        </p:tgtEl>
-                                        <p:attrNameLst>
-                                          <p:attrName>style.visibility</p:attrName>
-                                        </p:attrNameLst>
-                                      </p:cBhvr>
-                                      <p:to>
-                                        <p:strVal val="visible"/>
-                                      </p:to>
-                                    </p:set>
-                                    <p:anim calcmode="lin" valueType="num">
-                                      <p:cBhvr additive="base">
-                                        <p:cTn id="7" dur="500" fill="hold"/>
-                                        <p:tgtEl>
-                                          <p:spTgt spid="7">
-                                            <p:txEl>
-                                              <p:pRg st="0" end="0"/>
-                                            </p:txEl>
-                                          </p:spTgt>
-                                        </p:tgtEl>
-                                        <p:attrNameLst>
-                                          <p:attrName>ppt_x</p:attrName>
-                                        </p:attrNameLst>
-                                      </p:cBhvr>
-                                      <p:tavLst>
-                                        <p:tav tm="0">
-                                          <p:val>
-                                            <p:strVal val="#ppt_x"/>
-                                          </p:val>
-                                        </p:tav>
-                                        <p:tav tm="100000">
-                                          <p:val>
-                                            <p:strVal val="#ppt_x"/>
-                                          </p:val>
-                                        </p:tav>
-                                      </p:tavLst>
-                                    </p:anim>
-                                    <p:anim calcmode="lin" valueType="num">
-                                      <p:cBhvr additive="base">
-                                        <p:cTn id="8" dur="500" fill="hold"/>
-                                        <p:tgtEl>
-                                          <p:spTgt spid="7">
-                                            <p:txEl>
-                                              <p:pRg st="0" end="0"/>
-                                            </p:txEl>
-                                          </p:spTgt>
-                                        </p:tgtEl>
-                                        <p:attrNameLst>
-                                          <p:attrName>ppt_y</p:attrName>
-                                        </p:attrNameLst>
-                                      </p:cBhvr>
-                                      <p:tavLst>
-                                        <p:tav tm="0">
-                                          <p:val>
-                                            <p:strVal val="1+#ppt_h/2"/>
-                                          </p:val>
-                                        </p:tav>
-                                        <p:tav tm="100000">
-                                          <p:val>
-                                            <p:strVal val="#ppt_y"/>
-                                          </p:val>
-                                        </p:tav>
-                                      </p:tavLst>
-                                    </p:anim>
-                                  </p:childTnLst>
-                                </p:cTn>
-                              </p:par>
-                            </p:childTnLst>
-                          </p:cTn>
-                        </p:par>
-                        <p:par>
-                          <p:cTn id="9" fill="hold">
-                            <p:stCondLst>
-                              <p:cond delay="500"/>
-                            </p:stCondLst>
-                            <p:childTnLst>
-                              <p:par>
-                                <p:cTn id="10" presetID="2" presetClass="entr" presetSubtype="8" fill="hold" grpId="0" nodeType="afterEffect">
-                                  <p:stCondLst>
-                                    <p:cond delay="0"/>
-                                  </p:stCondLst>
-                                  <p:childTnLst>
-                                    <p:set>
-                                      <p:cBhvr>
-                                        <p:cTn id="11" dur="1" fill="hold">
-                                          <p:stCondLst>
-                                            <p:cond delay="0"/>
-                                          </p:stCondLst>
-                                        </p:cTn>
-                                        <p:tgtEl>
-                                          <p:spTgt spid="7">
-                                            <p:txEl>
-                                              <p:pRg st="1" end="1"/>
-                                            </p:txEl>
-                                          </p:spTgt>
-                                        </p:tgtEl>
-                                        <p:attrNameLst>
-                                          <p:attrName>style.visibility</p:attrName>
-                                        </p:attrNameLst>
-                                      </p:cBhvr>
-                                      <p:to>
-                                        <p:strVal val="visible"/>
-                                      </p:to>
-                                    </p:set>
-                                    <p:anim calcmode="lin" valueType="num">
-                                      <p:cBhvr additive="base">
-                                        <p:cTn id="12" dur="750" fill="hold"/>
-                                        <p:tgtEl>
-                                          <p:spTgt spid="7">
-                                            <p:txEl>
-                                              <p:pRg st="1" end="1"/>
-                                            </p:txEl>
-                                          </p:spTgt>
-                                        </p:tgtEl>
-                                        <p:attrNameLst>
-                                          <p:attrName>ppt_x</p:attrName>
-                                        </p:attrNameLst>
-                                      </p:cBhvr>
-                                      <p:tavLst>
-                                        <p:tav tm="0">
-                                          <p:val>
-                                            <p:strVal val="0-#ppt_w/2"/>
-                                          </p:val>
-                                        </p:tav>
-                                        <p:tav tm="100000">
-                                          <p:val>
-                                            <p:strVal val="#ppt_x"/>
-                                          </p:val>
-                                        </p:tav>
-                                      </p:tavLst>
-                                    </p:anim>
-                                    <p:anim calcmode="lin" valueType="num">
-                                      <p:cBhvr additive="base">
-                                        <p:cTn id="13" dur="750" fill="hold"/>
-                                        <p:tgtEl>
-                                          <p:spTgt spid="7">
-                                            <p:txEl>
-                                              <p:pRg st="1" end="1"/>
-                                            </p:txEl>
-                                          </p:spTgt>
-                                        </p:tgtEl>
-                                        <p:attrNameLst>
-                                          <p:attrName>ppt_y</p:attrName>
-                                        </p:attrNameLst>
-                                      </p:cBhvr>
-                                      <p:tavLst>
-                                        <p:tav tm="0">
-                                          <p:val>
-                                            <p:strVal val="#ppt_y"/>
-                                          </p:val>
-                                        </p:tav>
-                                        <p:tav tm="100000">
-                                          <p:val>
-                                            <p:strVal val="#ppt_y"/>
-                                          </p:val>
-                                        </p:tav>
-                                      </p:tavLst>
-                                    </p:anim>
-                                  </p:childTnLst>
-                                </p:cTn>
-                              </p:par>
-                            </p:childTnLst>
-                          </p:cTn>
-                        </p:par>
-                        <p:par>
-                          <p:cTn id="14" fill="hold">
-                            <p:stCondLst>
-                              <p:cond delay="1250"/>
-                            </p:stCondLst>
-                            <p:childTnLst>
-                              <p:par>
-                                <p:cTn id="15" presetID="2" presetClass="entr" presetSubtype="4" fill="hold" grpId="0" nodeType="afterEffect">
-                                  <p:stCondLst>
-                                    <p:cond delay="0"/>
-                                  </p:stCondLst>
-                                  <p:childTnLst>
-                                    <p:set>
-                                      <p:cBhvr>
-                                        <p:cTn id="16" dur="1" fill="hold">
-                                          <p:stCondLst>
-                                            <p:cond delay="0"/>
-                                          </p:stCondLst>
-                                        </p:cTn>
-                                        <p:tgtEl>
-                                          <p:spTgt spid="7">
-                                            <p:txEl>
-                                              <p:pRg st="2" end="2"/>
-                                            </p:txEl>
-                                          </p:spTgt>
-                                        </p:tgtEl>
-                                        <p:attrNameLst>
-                                          <p:attrName>style.visibility</p:attrName>
-                                        </p:attrNameLst>
-                                      </p:cBhvr>
-                                      <p:to>
-                                        <p:strVal val="visible"/>
-                                      </p:to>
-                                    </p:set>
-                                    <p:anim calcmode="lin" valueType="num">
-                                      <p:cBhvr additive="base">
-                                        <p:cTn id="17" dur="750" fill="hold"/>
-                                        <p:tgtEl>
-                                          <p:spTgt spid="7">
-                                            <p:txEl>
-                                              <p:pRg st="2" end="2"/>
-                                            </p:txEl>
-                                          </p:spTgt>
-                                        </p:tgtEl>
-                                        <p:attrNameLst>
-                                          <p:attrName>ppt_x</p:attrName>
-                                        </p:attrNameLst>
-                                      </p:cBhvr>
-                                      <p:tavLst>
-                                        <p:tav tm="0">
-                                          <p:val>
-                                            <p:strVal val="#ppt_x"/>
-                                          </p:val>
-                                        </p:tav>
-                                        <p:tav tm="100000">
-                                          <p:val>
-                                            <p:strVal val="#ppt_x"/>
-                                          </p:val>
-                                        </p:tav>
-                                      </p:tavLst>
-                                    </p:anim>
-                                    <p:anim calcmode="lin" valueType="num">
-                                      <p:cBhvr additive="base">
-                                        <p:cTn id="18" dur="750" fill="hold"/>
-                                        <p:tgtEl>
-                                          <p:spTgt spid="7">
-                                            <p:txEl>
-                                              <p:pRg st="2" end="2"/>
-                                            </p:txEl>
-                                          </p:spTgt>
-                                        </p:tgtEl>
-                                        <p:attrNameLst>
-                                          <p:attrName>ppt_y</p:attrName>
-                                        </p:attrNameLst>
-                                      </p:cBhvr>
-                                      <p:tavLst>
-                                        <p:tav tm="0">
-                                          <p:val>
-                                            <p:strVal val="1+#ppt_h/2"/>
-                                          </p:val>
-                                        </p:tav>
-                                        <p:tav tm="100000">
-                                          <p:val>
-                                            <p:strVal val="#ppt_y"/>
-                                          </p:val>
-                                        </p:tav>
-                                      </p:tavLst>
-                                    </p:anim>
-                                  </p:childTnLst>
-                                </p:cTn>
-                              </p:par>
-                            </p:childTnLst>
-                          </p:cTn>
-                        </p:par>
-                        <p:par>
-                          <p:cTn id="19" fill="hold">
-                            <p:stCondLst>
-                              <p:cond delay="2000"/>
-                            </p:stCondLst>
-                            <p:childTnLst>
-                              <p:par>
-                                <p:cTn id="20" presetID="2" presetClass="entr" presetSubtype="2" fill="hold" grpId="0" nodeType="afterEffect">
-                                  <p:stCondLst>
-                                    <p:cond delay="0"/>
-                                  </p:stCondLst>
-                                  <p:childTnLst>
-                                    <p:set>
-                                      <p:cBhvr>
-                                        <p:cTn id="21" dur="1" fill="hold">
-                                          <p:stCondLst>
-                                            <p:cond delay="0"/>
-                                          </p:stCondLst>
-                                        </p:cTn>
-                                        <p:tgtEl>
-                                          <p:spTgt spid="7">
-                                            <p:txEl>
-                                              <p:pRg st="3" end="3"/>
-                                            </p:txEl>
-                                          </p:spTgt>
-                                        </p:tgtEl>
-                                        <p:attrNameLst>
-                                          <p:attrName>style.visibility</p:attrName>
-                                        </p:attrNameLst>
-                                      </p:cBhvr>
-                                      <p:to>
-                                        <p:strVal val="visible"/>
-                                      </p:to>
-                                    </p:set>
-                                    <p:anim calcmode="lin" valueType="num">
-                                      <p:cBhvr additive="base">
-                                        <p:cTn id="22" dur="750" fill="hold"/>
-                                        <p:tgtEl>
-                                          <p:spTgt spid="7">
-                                            <p:txEl>
-                                              <p:pRg st="3" end="3"/>
-                                            </p:txEl>
-                                          </p:spTgt>
-                                        </p:tgtEl>
-                                        <p:attrNameLst>
-                                          <p:attrName>ppt_x</p:attrName>
-                                        </p:attrNameLst>
-                                      </p:cBhvr>
-                                      <p:tavLst>
-                                        <p:tav tm="0">
-                                          <p:val>
-                                            <p:strVal val="1+#ppt_w/2"/>
-                                          </p:val>
-                                        </p:tav>
-                                        <p:tav tm="100000">
-                                          <p:val>
-                                            <p:strVal val="#ppt_x"/>
-                                          </p:val>
-                                        </p:tav>
-                                      </p:tavLst>
-                                    </p:anim>
-                                    <p:anim calcmode="lin" valueType="num">
-                                      <p:cBhvr additive="base">
-                                        <p:cTn id="23" dur="750" fill="hold"/>
-                                        <p:tgtEl>
-                                          <p:spTgt spid="7">
-                                            <p:txEl>
-                                              <p:pRg st="3" end="3"/>
-                                            </p:txEl>
-                                          </p:spTgt>
-                                        </p:tgtEl>
-                                        <p:attrNameLst>
-                                          <p:attrName>ppt_y</p:attrName>
-                                        </p:attrNameLst>
-                                      </p:cBhvr>
-                                      <p:tavLst>
-                                        <p:tav tm="0">
-                                          <p:val>
-                                            <p:strVal val="#ppt_y"/>
-                                          </p:val>
-                                        </p:tav>
-                                        <p:tav tm="100000">
-                                          <p:val>
-                                            <p:strVal val="#ppt_y"/>
-                                          </p:val>
-                                        </p:tav>
-                                      </p:tavLst>
-                                    </p:anim>
-                                  </p:childTnLst>
-                                </p:cTn>
-                              </p:par>
-                            </p:childTnLst>
-                          </p:cTn>
-                        </p:par>
-                        <p:par>
-                          <p:cTn id="24" fill="hold">
-                            <p:stCondLst>
-                              <p:cond delay="2750"/>
-                            </p:stCondLst>
-                            <p:childTnLst>
-                              <p:par>
-                                <p:cTn id="25" presetID="2" presetClass="entr" presetSubtype="4" fill="hold" grpId="0" nodeType="afterEffect">
-                                  <p:stCondLst>
-                                    <p:cond delay="0"/>
-                                  </p:stCondLst>
-                                  <p:childTnLst>
-                                    <p:set>
-                                      <p:cBhvr>
-                                        <p:cTn id="26" dur="1" fill="hold">
-                                          <p:stCondLst>
-                                            <p:cond delay="0"/>
-                                          </p:stCondLst>
-                                        </p:cTn>
-                                        <p:tgtEl>
-                                          <p:spTgt spid="7">
-                                            <p:txEl>
-                                              <p:pRg st="4" end="4"/>
-                                            </p:txEl>
-                                          </p:spTgt>
-                                        </p:tgtEl>
-                                        <p:attrNameLst>
-                                          <p:attrName>style.visibility</p:attrName>
-                                        </p:attrNameLst>
-                                      </p:cBhvr>
-                                      <p:to>
-                                        <p:strVal val="visible"/>
-                                      </p:to>
-                                    </p:set>
-                                    <p:anim calcmode="lin" valueType="num">
-                                      <p:cBhvr additive="base">
-                                        <p:cTn id="27" dur="750" fill="hold"/>
-                                        <p:tgtEl>
-                                          <p:spTgt spid="7">
-                                            <p:txEl>
-                                              <p:pRg st="4" end="4"/>
-                                            </p:txEl>
-                                          </p:spTgt>
-                                        </p:tgtEl>
-                                        <p:attrNameLst>
-                                          <p:attrName>ppt_x</p:attrName>
-                                        </p:attrNameLst>
-                                      </p:cBhvr>
-                                      <p:tavLst>
-                                        <p:tav tm="0">
-                                          <p:val>
-                                            <p:strVal val="#ppt_x"/>
-                                          </p:val>
-                                        </p:tav>
-                                        <p:tav tm="100000">
-                                          <p:val>
-                                            <p:strVal val="#ppt_x"/>
-                                          </p:val>
-                                        </p:tav>
-                                      </p:tavLst>
-                                    </p:anim>
-                                    <p:anim calcmode="lin" valueType="num">
-                                      <p:cBhvr additive="base">
-                                        <p:cTn id="28" dur="750" fill="hold"/>
-                                        <p:tgtEl>
-                                          <p:spTgt spid="7">
-                                            <p:txEl>
-                                              <p:pRg st="4" end="4"/>
-                                            </p:txEl>
-                                          </p:spTgt>
-                                        </p:tgtEl>
-                                        <p:attrNameLst>
-                                          <p:attrName>ppt_y</p:attrName>
-                                        </p:attrNameLst>
-                                      </p:cBhvr>
-                                      <p:tavLst>
-                                        <p:tav tm="0">
-                                          <p:val>
-                                            <p:strVal val="1+#ppt_h/2"/>
-                                          </p:val>
-                                        </p:tav>
-                                        <p:tav tm="100000">
-                                          <p:val>
-                                            <p:strVal val="#ppt_y"/>
-                                          </p:val>
-                                        </p:tav>
-                                      </p:tavLst>
-                                    </p:anim>
-                                  </p:childTnLst>
-                                </p:cTn>
-                              </p:par>
-                            </p:childTnLst>
-                          </p:cTn>
-                        </p:par>
-                      </p:childTnLst>
-                    </p:cTn>
-                  </p:par>
-                  <p:par>
-                    <p:cTn id="29" fill="hold">
-                      <p:stCondLst>
-                        <p:cond delay="indefinite"/>
-                      </p:stCondLst>
-                      <p:childTnLst>
-                        <p:par>
-                          <p:cTn id="30" fill="hold">
-                            <p:stCondLst>
-                              <p:cond delay="0"/>
-                            </p:stCondLst>
-                            <p:childTnLst>
-                              <p:par>
-                                <p:cTn id="31" presetID="1" presetClass="entr" presetSubtype="0" fill="hold" grpId="0" nodeType="clickEffect">
-                                  <p:stCondLst>
-                                    <p:cond delay="0"/>
-                                  </p:stCondLst>
-                                  <p:childTnLst>
-                                    <p:set>
-                                      <p:cBhvr>
-                                        <p:cTn id="32" dur="1" fill="hold">
-                                          <p:stCondLst>
-                                            <p:cond delay="0"/>
-                                          </p:stCondLst>
-                                        </p:cTn>
-                                        <p:tgtEl>
-                                          <p:spTgt spid="7">
-                                            <p:txEl>
-                                              <p:pRg st="5" end="5"/>
-                                            </p:txEl>
-                                          </p:spTgt>
-                                        </p:tgtEl>
-                                        <p:attrNameLst>
-                                          <p:attrName>style.visibility</p:attrName>
-                                        </p:attrNameLst>
-                                      </p:cBhvr>
-                                      <p:to>
-                                        <p:strVal val="visible"/>
-                                      </p:to>
-                                    </p:set>
-                                  </p:childTnLst>
-                                </p:cTn>
-                              </p:par>
-                            </p:childTnLst>
-                          </p:cTn>
-                        </p:par>
-                      </p:childTnLst>
-                    </p:cTn>
-                  </p:par>
-                </p:childTnLst>
-              </p:cTn>
-              <p:prevCondLst>
-                <p:cond evt="onPrev" delay="0">
-                  <p:tgtEl>
-                    <p:sldTgt/>
-                  </p:tgtEl>
-                </p:cond>
-              </p:prevCondLst>
-              <p:nextCondLst>
-                <p:cond evt="onNext" delay="0">
-                  <p:tgtEl>
-                    <p:sldTgt/>
-                  </p:tgtEl>
-                </p:cond>
-              </p:nextCondLst>
-            </p:seq>
-          </p:childTnLst>
-        </p:cTn>
+        <p:cTn id="1" dur="indefinite" restart="never" nodeType="tmRoot"/>
       </p:par>
     </p:tnLst>
-    <p:bldLst>
-      <p:bldP spid="7" grpId="0" uiExpand="1" build="p"/>
-    </p:bldLst>
   </p:timing>
 </p:sld>
 </file>
 
-<file path=ppt/slides/slide7.xml><?xml version="1.0" encoding="utf-8"?>
+<file path=ppt/slides/slide6.xml><?xml version="1.0" encoding="utf-8"?>
 <p:sld xmlns:a="http://schemas.openxmlformats.org/drawingml/2006/main" xmlns:r="http://schemas.openxmlformats.org/officeDocument/2006/relationships" xmlns:p="http://schemas.openxmlformats.org/presentationml/2006/main">
   <p:cSld>
     <p:bg>
@@ -30739,8 +27289,12 @@
           <a:p>
             <a:pPr lvl="0"/>
             <a:r>
+              <a:rPr lang="en-US" dirty="0" smtClean="0"/>
+              <a:t>I-Partial-Time </a:t>
+            </a:r>
+            <a:r>
               <a:rPr lang="en-US" dirty="0"/>
-              <a:t>III-Partial-Time Barrier Options</a:t>
+              <a:t>Barrier Options</a:t>
             </a:r>
           </a:p>
         </p:txBody>
@@ -30796,18 +27350,11 @@
             </a:pPr>
             <a:r>
               <a:rPr lang="fr-FR" sz="11200" dirty="0" smtClean="0"/>
-              <a:t>Barriere désactivée</a:t>
+              <a:t>Sur </a:t>
             </a:r>
-          </a:p>
-          <a:p>
-            <a:pPr lvl="3">
-              <a:lnSpc>
-                <a:spcPct val="120000"/>
-              </a:lnSpc>
-            </a:pPr>
             <a:r>
-              <a:rPr lang="fr-FR" sz="11000" dirty="0" smtClean="0"/>
-              <a:t>Sur une partie: début ou fin de la vie de l’option</a:t>
+              <a:rPr lang="fr-FR" sz="11200" dirty="0" smtClean="0"/>
+              <a:t>une partie: début ou fin de la vie de l’option</a:t>
             </a:r>
           </a:p>
           <a:p>
@@ -30824,35 +27371,40 @@
             </a:r>
           </a:p>
           <a:p>
-            <a:pPr lvl="1">
+            <a:pPr lvl="2">
               <a:lnSpc>
                 <a:spcPct val="120000"/>
               </a:lnSpc>
             </a:pPr>
             <a:r>
-              <a:rPr lang="fr-FR" sz="12800" dirty="0" smtClean="0"/>
+              <a:rPr lang="fr-FR" sz="12600" dirty="0" smtClean="0"/>
               <a:t>partial-time </a:t>
             </a:r>
             <a:r>
-              <a:rPr lang="fr-FR" sz="12800" dirty="0" err="1" smtClean="0"/>
+              <a:rPr lang="fr-FR" sz="12600" dirty="0" err="1" smtClean="0"/>
               <a:t>start</a:t>
             </a:r>
             <a:r>
-              <a:rPr lang="fr-FR" sz="12800" dirty="0" smtClean="0"/>
-              <a:t> options: </a:t>
+              <a:rPr lang="fr-FR" sz="12600" dirty="0" smtClean="0"/>
+              <a:t> </a:t>
             </a:r>
-          </a:p>
-          <a:p>
-            <a:pPr lvl="1">
+            <a:r>
+              <a:rPr lang="fr-FR" sz="12600" dirty="0" smtClean="0"/>
+              <a:t>options</a:t>
+            </a:r>
+            <a:endParaRPr lang="fr-FR" sz="12600" dirty="0" smtClean="0"/>
+          </a:p>
+          <a:p>
+            <a:pPr lvl="2">
               <a:lnSpc>
                 <a:spcPct val="120000"/>
               </a:lnSpc>
             </a:pPr>
             <a:r>
-              <a:rPr lang="fr-FR" sz="12800" dirty="0" smtClean="0"/>
+              <a:rPr lang="fr-FR" sz="12600" dirty="0" smtClean="0"/>
               <a:t>partial-time end options </a:t>
             </a:r>
-            <a:endParaRPr lang="fr-FR" sz="12800" dirty="0"/>
+            <a:endParaRPr lang="fr-FR" sz="12600" dirty="0"/>
           </a:p>
         </p:txBody>
       </p:sp>
@@ -30873,7 +27425,7 @@
           <a:p>
             <a:fld id="{91CCA55A-3F50-488D-A5E8-01F0969640CB}" type="slidenum">
               <a:rPr lang="en-US" smtClean="0"/>
-              <a:t>7</a:t>
+              <a:t>6</a:t>
             </a:fld>
             <a:endParaRPr lang="en-US"/>
           </a:p>
@@ -30892,296 +27444,14 @@
   <p:timing>
     <p:tnLst>
       <p:par>
-        <p:cTn id="1" dur="indefinite" restart="never" nodeType="tmRoot">
-          <p:childTnLst>
-            <p:seq concurrent="1" nextAc="seek">
-              <p:cTn id="2" dur="indefinite" nodeType="mainSeq">
-                <p:childTnLst>
-                  <p:par>
-                    <p:cTn id="3" fill="hold">
-                      <p:stCondLst>
-                        <p:cond delay="indefinite"/>
-                        <p:cond evt="onBegin" delay="0">
-                          <p:tn val="2"/>
-                        </p:cond>
-                      </p:stCondLst>
-                      <p:childTnLst>
-                        <p:par>
-                          <p:cTn id="4" fill="hold">
-                            <p:stCondLst>
-                              <p:cond delay="0"/>
-                            </p:stCondLst>
-                            <p:childTnLst>
-                              <p:par>
-                                <p:cTn id="5" presetID="1" presetClass="entr" presetSubtype="0" fill="hold" grpId="0" nodeType="withEffect">
-                                  <p:stCondLst>
-                                    <p:cond delay="0"/>
-                                  </p:stCondLst>
-                                  <p:childTnLst>
-                                    <p:set>
-                                      <p:cBhvr>
-                                        <p:cTn id="6" dur="1" fill="hold">
-                                          <p:stCondLst>
-                                            <p:cond delay="0"/>
-                                          </p:stCondLst>
-                                        </p:cTn>
-                                        <p:tgtEl>
-                                          <p:spTgt spid="6">
-                                            <p:txEl>
-                                              <p:pRg st="0" end="0"/>
-                                            </p:txEl>
-                                          </p:spTgt>
-                                        </p:tgtEl>
-                                        <p:attrNameLst>
-                                          <p:attrName>style.visibility</p:attrName>
-                                        </p:attrNameLst>
-                                      </p:cBhvr>
-                                      <p:to>
-                                        <p:strVal val="visible"/>
-                                      </p:to>
-                                    </p:set>
-                                  </p:childTnLst>
-                                </p:cTn>
-                              </p:par>
-                              <p:par>
-                                <p:cTn id="7" presetID="1" presetClass="entr" presetSubtype="0" fill="hold" grpId="0" nodeType="withEffect">
-                                  <p:stCondLst>
-                                    <p:cond delay="0"/>
-                                  </p:stCondLst>
-                                  <p:childTnLst>
-                                    <p:set>
-                                      <p:cBhvr>
-                                        <p:cTn id="8" dur="1" fill="hold">
-                                          <p:stCondLst>
-                                            <p:cond delay="0"/>
-                                          </p:stCondLst>
-                                        </p:cTn>
-                                        <p:tgtEl>
-                                          <p:spTgt spid="6">
-                                            <p:txEl>
-                                              <p:pRg st="1" end="1"/>
-                                            </p:txEl>
-                                          </p:spTgt>
-                                        </p:tgtEl>
-                                        <p:attrNameLst>
-                                          <p:attrName>style.visibility</p:attrName>
-                                        </p:attrNameLst>
-                                      </p:cBhvr>
-                                      <p:to>
-                                        <p:strVal val="visible"/>
-                                      </p:to>
-                                    </p:set>
-                                  </p:childTnLst>
-                                </p:cTn>
-                              </p:par>
-                              <p:par>
-                                <p:cTn id="9" presetID="1" presetClass="entr" presetSubtype="0" fill="hold" grpId="0" nodeType="withEffect">
-                                  <p:stCondLst>
-                                    <p:cond delay="0"/>
-                                  </p:stCondLst>
-                                  <p:childTnLst>
-                                    <p:set>
-                                      <p:cBhvr>
-                                        <p:cTn id="10" dur="1" fill="hold">
-                                          <p:stCondLst>
-                                            <p:cond delay="0"/>
-                                          </p:stCondLst>
-                                        </p:cTn>
-                                        <p:tgtEl>
-                                          <p:spTgt spid="6">
-                                            <p:txEl>
-                                              <p:pRg st="2" end="2"/>
-                                            </p:txEl>
-                                          </p:spTgt>
-                                        </p:tgtEl>
-                                        <p:attrNameLst>
-                                          <p:attrName>style.visibility</p:attrName>
-                                        </p:attrNameLst>
-                                      </p:cBhvr>
-                                      <p:to>
-                                        <p:strVal val="visible"/>
-                                      </p:to>
-                                    </p:set>
-                                  </p:childTnLst>
-                                </p:cTn>
-                              </p:par>
-                              <p:par>
-                                <p:cTn id="11" presetID="1" presetClass="entr" presetSubtype="0" fill="hold" grpId="0" nodeType="withEffect">
-                                  <p:stCondLst>
-                                    <p:cond delay="0"/>
-                                  </p:stCondLst>
-                                  <p:childTnLst>
-                                    <p:set>
-                                      <p:cBhvr>
-                                        <p:cTn id="12" dur="1" fill="hold">
-                                          <p:stCondLst>
-                                            <p:cond delay="0"/>
-                                          </p:stCondLst>
-                                        </p:cTn>
-                                        <p:tgtEl>
-                                          <p:spTgt spid="6">
-                                            <p:txEl>
-                                              <p:pRg st="3" end="3"/>
-                                            </p:txEl>
-                                          </p:spTgt>
-                                        </p:tgtEl>
-                                        <p:attrNameLst>
-                                          <p:attrName>style.visibility</p:attrName>
-                                        </p:attrNameLst>
-                                      </p:cBhvr>
-                                      <p:to>
-                                        <p:strVal val="visible"/>
-                                      </p:to>
-                                    </p:set>
-                                  </p:childTnLst>
-                                </p:cTn>
-                              </p:par>
-                            </p:childTnLst>
-                          </p:cTn>
-                        </p:par>
-                      </p:childTnLst>
-                    </p:cTn>
-                  </p:par>
-                  <p:par>
-                    <p:cTn id="13" fill="hold">
-                      <p:stCondLst>
-                        <p:cond delay="indefinite"/>
-                      </p:stCondLst>
-                      <p:childTnLst>
-                        <p:par>
-                          <p:cTn id="14" fill="hold">
-                            <p:stCondLst>
-                              <p:cond delay="0"/>
-                            </p:stCondLst>
-                            <p:childTnLst>
-                              <p:par>
-                                <p:cTn id="15" presetID="1" presetClass="entr" presetSubtype="0" fill="hold" grpId="0" nodeType="clickEffect">
-                                  <p:stCondLst>
-                                    <p:cond delay="0"/>
-                                  </p:stCondLst>
-                                  <p:childTnLst>
-                                    <p:set>
-                                      <p:cBhvr>
-                                        <p:cTn id="16" dur="1" fill="hold">
-                                          <p:stCondLst>
-                                            <p:cond delay="0"/>
-                                          </p:stCondLst>
-                                        </p:cTn>
-                                        <p:tgtEl>
-                                          <p:spTgt spid="6">
-                                            <p:txEl>
-                                              <p:pRg st="4" end="4"/>
-                                            </p:txEl>
-                                          </p:spTgt>
-                                        </p:tgtEl>
-                                        <p:attrNameLst>
-                                          <p:attrName>style.visibility</p:attrName>
-                                        </p:attrNameLst>
-                                      </p:cBhvr>
-                                      <p:to>
-                                        <p:strVal val="visible"/>
-                                      </p:to>
-                                    </p:set>
-                                  </p:childTnLst>
-                                </p:cTn>
-                              </p:par>
-                              <p:par>
-                                <p:cTn id="17" presetID="1" presetClass="entr" presetSubtype="0" fill="hold" grpId="0" nodeType="withEffect">
-                                  <p:stCondLst>
-                                    <p:cond delay="0"/>
-                                  </p:stCondLst>
-                                  <p:childTnLst>
-                                    <p:set>
-                                      <p:cBhvr>
-                                        <p:cTn id="18" dur="1" fill="hold">
-                                          <p:stCondLst>
-                                            <p:cond delay="0"/>
-                                          </p:stCondLst>
-                                        </p:cTn>
-                                        <p:tgtEl>
-                                          <p:spTgt spid="6">
-                                            <p:txEl>
-                                              <p:pRg st="5" end="5"/>
-                                            </p:txEl>
-                                          </p:spTgt>
-                                        </p:tgtEl>
-                                        <p:attrNameLst>
-                                          <p:attrName>style.visibility</p:attrName>
-                                        </p:attrNameLst>
-                                      </p:cBhvr>
-                                      <p:to>
-                                        <p:strVal val="visible"/>
-                                      </p:to>
-                                    </p:set>
-                                  </p:childTnLst>
-                                </p:cTn>
-                              </p:par>
-                              <p:par>
-                                <p:cTn id="19" presetID="1" presetClass="entr" presetSubtype="0" fill="hold" grpId="0" nodeType="withEffect">
-                                  <p:stCondLst>
-                                    <p:cond delay="0"/>
-                                  </p:stCondLst>
-                                  <p:childTnLst>
-                                    <p:set>
-                                      <p:cBhvr>
-                                        <p:cTn id="20" dur="1" fill="hold">
-                                          <p:stCondLst>
-                                            <p:cond delay="0"/>
-                                          </p:stCondLst>
-                                        </p:cTn>
-                                        <p:tgtEl>
-                                          <p:spTgt spid="6">
-                                            <p:txEl>
-                                              <p:pRg st="6" end="6"/>
-                                            </p:txEl>
-                                          </p:spTgt>
-                                        </p:tgtEl>
-                                        <p:attrNameLst>
-                                          <p:attrName>style.visibility</p:attrName>
-                                        </p:attrNameLst>
-                                      </p:cBhvr>
-                                      <p:to>
-                                        <p:strVal val="visible"/>
-                                      </p:to>
-                                    </p:set>
-                                  </p:childTnLst>
-                                </p:cTn>
-                              </p:par>
-                            </p:childTnLst>
-                          </p:cTn>
-                        </p:par>
-                      </p:childTnLst>
-                    </p:cTn>
-                  </p:par>
-                </p:childTnLst>
-              </p:cTn>
-              <p:prevCondLst>
-                <p:cond evt="onPrev" delay="0">
-                  <p:tgtEl>
-                    <p:sldTgt/>
-                  </p:tgtEl>
-                </p:cond>
-              </p:prevCondLst>
-              <p:nextCondLst>
-                <p:cond evt="onNext" delay="0">
-                  <p:tgtEl>
-                    <p:sldTgt/>
-                  </p:tgtEl>
-                </p:cond>
-              </p:nextCondLst>
-            </p:seq>
-          </p:childTnLst>
-        </p:cTn>
+        <p:cTn id="1" dur="indefinite" restart="never" nodeType="tmRoot"/>
       </p:par>
     </p:tnLst>
-    <p:bldLst>
-      <p:bldP spid="6" grpId="0" build="p" bldLvl="3"/>
-    </p:bldLst>
   </p:timing>
 </p:sld>
 </file>
 
-<file path=ppt/slides/slide8.xml><?xml version="1.0" encoding="utf-8"?>
+<file path=ppt/slides/slide7.xml><?xml version="1.0" encoding="utf-8"?>
 <p:sld xmlns:a="http://schemas.openxmlformats.org/drawingml/2006/main" xmlns:r="http://schemas.openxmlformats.org/officeDocument/2006/relationships" xmlns:p="http://schemas.openxmlformats.org/presentationml/2006/main">
   <p:cSld>
     <p:bg>
@@ -31283,8 +27553,12 @@
           <a:p>
             <a:pPr lvl="0"/>
             <a:r>
+              <a:rPr lang="en-US" dirty="0" smtClean="0"/>
+              <a:t>I-Partial-Time </a:t>
+            </a:r>
+            <a:r>
               <a:rPr lang="en-US" dirty="0"/>
-              <a:t>III-Partial-Time Barrier Options</a:t>
+              <a:t>Barrier Options</a:t>
             </a:r>
           </a:p>
         </p:txBody>
@@ -31306,7 +27580,7 @@
           <a:p>
             <a:fld id="{91CCA55A-3F50-488D-A5E8-01F0969640CB}" type="slidenum">
               <a:rPr lang="en-US" smtClean="0"/>
-              <a:t>8</a:t>
+              <a:t>7</a:t>
             </a:fld>
             <a:endParaRPr lang="en-US"/>
           </a:p>
@@ -31325,139 +27599,14 @@
   <p:timing>
     <p:tnLst>
       <p:par>
-        <p:cTn id="1" dur="indefinite" restart="never" nodeType="tmRoot">
-          <p:childTnLst>
-            <p:seq concurrent="1" nextAc="seek">
-              <p:cTn id="2" dur="indefinite" nodeType="mainSeq">
-                <p:childTnLst>
-                  <p:par>
-                    <p:cTn id="3" fill="hold">
-                      <p:stCondLst>
-                        <p:cond delay="indefinite"/>
-                        <p:cond evt="onBegin" delay="0">
-                          <p:tn val="2"/>
-                        </p:cond>
-                      </p:stCondLst>
-                      <p:childTnLst>
-                        <p:par>
-                          <p:cTn id="4" fill="hold">
-                            <p:stCondLst>
-                              <p:cond delay="0"/>
-                            </p:stCondLst>
-                            <p:childTnLst>
-                              <p:par>
-                                <p:cTn id="5" presetID="53" presetClass="entr" presetSubtype="16" fill="hold" nodeType="withEffect">
-                                  <p:stCondLst>
-                                    <p:cond delay="0"/>
-                                  </p:stCondLst>
-                                  <p:childTnLst>
-                                    <p:set>
-                                      <p:cBhvr>
-                                        <p:cTn id="6" dur="1" fill="hold">
-                                          <p:stCondLst>
-                                            <p:cond delay="0"/>
-                                          </p:stCondLst>
-                                        </p:cTn>
-                                        <p:tgtEl>
-                                          <p:spTgt spid="5"/>
-                                        </p:tgtEl>
-                                        <p:attrNameLst>
-                                          <p:attrName>style.visibility</p:attrName>
-                                        </p:attrNameLst>
-                                      </p:cBhvr>
-                                      <p:to>
-                                        <p:strVal val="visible"/>
-                                      </p:to>
-                                    </p:set>
-                                    <p:anim calcmode="lin" valueType="num">
-                                      <p:cBhvr>
-                                        <p:cTn id="7" dur="500" fill="hold"/>
-                                        <p:tgtEl>
-                                          <p:spTgt spid="5"/>
-                                        </p:tgtEl>
-                                        <p:attrNameLst>
-                                          <p:attrName>ppt_w</p:attrName>
-                                        </p:attrNameLst>
-                                      </p:cBhvr>
-                                      <p:tavLst>
-                                        <p:tav tm="0">
-                                          <p:val>
-                                            <p:fltVal val="0"/>
-                                          </p:val>
-                                        </p:tav>
-                                        <p:tav tm="100000">
-                                          <p:val>
-                                            <p:strVal val="#ppt_w"/>
-                                          </p:val>
-                                        </p:tav>
-                                      </p:tavLst>
-                                    </p:anim>
-                                    <p:anim calcmode="lin" valueType="num">
-                                      <p:cBhvr>
-                                        <p:cTn id="8" dur="500" fill="hold"/>
-                                        <p:tgtEl>
-                                          <p:spTgt spid="5"/>
-                                        </p:tgtEl>
-                                        <p:attrNameLst>
-                                          <p:attrName>ppt_h</p:attrName>
-                                        </p:attrNameLst>
-                                      </p:cBhvr>
-                                      <p:tavLst>
-                                        <p:tav tm="0">
-                                          <p:val>
-                                            <p:fltVal val="0"/>
-                                          </p:val>
-                                        </p:tav>
-                                        <p:tav tm="100000">
-                                          <p:val>
-                                            <p:strVal val="#ppt_h"/>
-                                          </p:val>
-                                        </p:tav>
-                                      </p:tavLst>
-                                    </p:anim>
-                                    <p:animEffect transition="in" filter="fade">
-                                      <p:cBhvr>
-                                        <p:cTn id="9" dur="500"/>
-                                        <p:tgtEl>
-                                          <p:spTgt spid="5"/>
-                                        </p:tgtEl>
-                                      </p:cBhvr>
-                                    </p:animEffect>
-                                  </p:childTnLst>
-                                </p:cTn>
-                              </p:par>
-                            </p:childTnLst>
-                          </p:cTn>
-                        </p:par>
-                      </p:childTnLst>
-                    </p:cTn>
-                  </p:par>
-                </p:childTnLst>
-              </p:cTn>
-              <p:prevCondLst>
-                <p:cond evt="onPrev" delay="0">
-                  <p:tgtEl>
-                    <p:sldTgt/>
-                  </p:tgtEl>
-                </p:cond>
-              </p:prevCondLst>
-              <p:nextCondLst>
-                <p:cond evt="onNext" delay="0">
-                  <p:tgtEl>
-                    <p:sldTgt/>
-                  </p:tgtEl>
-                </p:cond>
-              </p:nextCondLst>
-            </p:seq>
-          </p:childTnLst>
-        </p:cTn>
+        <p:cTn id="1" dur="indefinite" restart="never" nodeType="tmRoot"/>
       </p:par>
     </p:tnLst>
   </p:timing>
 </p:sld>
 </file>
 
-<file path=ppt/slides/slide9.xml><?xml version="1.0" encoding="utf-8"?>
+<file path=ppt/slides/slide8.xml><?xml version="1.0" encoding="utf-8"?>
 <p:sld xmlns:a="http://schemas.openxmlformats.org/drawingml/2006/main" xmlns:r="http://schemas.openxmlformats.org/officeDocument/2006/relationships" xmlns:p="http://schemas.openxmlformats.org/presentationml/2006/main">
   <p:cSld>
     <p:bg>
@@ -31559,8 +27708,12 @@
           <a:p>
             <a:pPr lvl="0"/>
             <a:r>
+              <a:rPr lang="en-US" dirty="0" smtClean="0"/>
+              <a:t>I-Partial-Time </a:t>
+            </a:r>
+            <a:r>
               <a:rPr lang="en-US" dirty="0"/>
-              <a:t>III-Partial-Time Barrier Options</a:t>
+              <a:t>Barrier Options</a:t>
             </a:r>
           </a:p>
         </p:txBody>
@@ -31582,7 +27735,7 @@
           <a:p>
             <a:fld id="{91CCA55A-3F50-488D-A5E8-01F0969640CB}" type="slidenum">
               <a:rPr lang="en-US" smtClean="0"/>
-              <a:t>9</a:t>
+              <a:t>8</a:t>
             </a:fld>
             <a:endParaRPr lang="en-US"/>
           </a:p>
@@ -31601,75 +27754,238 @@
   <p:timing>
     <p:tnLst>
       <p:par>
-        <p:cTn id="1" dur="indefinite" restart="never" nodeType="tmRoot">
-          <p:childTnLst>
-            <p:seq concurrent="1" nextAc="seek">
-              <p:cTn id="2" dur="indefinite" nodeType="mainSeq">
-                <p:childTnLst>
-                  <p:par>
-                    <p:cTn id="3" fill="hold">
-                      <p:stCondLst>
-                        <p:cond delay="indefinite"/>
-                      </p:stCondLst>
-                      <p:childTnLst>
-                        <p:par>
-                          <p:cTn id="4" fill="hold">
-                            <p:stCondLst>
-                              <p:cond delay="0"/>
-                            </p:stCondLst>
-                            <p:childTnLst>
-                              <p:par>
-                                <p:cTn id="5" presetID="1" presetClass="entr" presetSubtype="0" fill="hold" nodeType="clickEffect">
-                                  <p:stCondLst>
-                                    <p:cond delay="0"/>
-                                  </p:stCondLst>
-                                  <p:childTnLst>
-                                    <p:set>
-                                      <p:cBhvr>
-                                        <p:cTn id="6" dur="1" fill="hold">
-                                          <p:stCondLst>
-                                            <p:cond delay="0"/>
-                                          </p:stCondLst>
-                                        </p:cTn>
-                                        <p:tgtEl>
-                                          <p:spTgt spid="2"/>
-                                        </p:tgtEl>
-                                        <p:attrNameLst>
-                                          <p:attrName>style.visibility</p:attrName>
-                                        </p:attrNameLst>
-                                      </p:cBhvr>
-                                      <p:to>
-                                        <p:strVal val="visible"/>
-                                      </p:to>
-                                    </p:set>
-                                  </p:childTnLst>
-                                </p:cTn>
-                              </p:par>
-                            </p:childTnLst>
-                          </p:cTn>
-                        </p:par>
-                      </p:childTnLst>
-                    </p:cTn>
-                  </p:par>
-                </p:childTnLst>
-              </p:cTn>
-              <p:prevCondLst>
-                <p:cond evt="onPrev" delay="0">
-                  <p:tgtEl>
-                    <p:sldTgt/>
-                  </p:tgtEl>
-                </p:cond>
-              </p:prevCondLst>
-              <p:nextCondLst>
-                <p:cond evt="onNext" delay="0">
-                  <p:tgtEl>
-                    <p:sldTgt/>
-                  </p:tgtEl>
-                </p:cond>
-              </p:nextCondLst>
-            </p:seq>
-          </p:childTnLst>
-        </p:cTn>
+        <p:cTn id="1" dur="indefinite" restart="never" nodeType="tmRoot"/>
+      </p:par>
+    </p:tnLst>
+  </p:timing>
+</p:sld>
+</file>
+
+<file path=ppt/slides/slide9.xml><?xml version="1.0" encoding="utf-8"?>
+<p:sld xmlns:a="http://schemas.openxmlformats.org/drawingml/2006/main" xmlns:r="http://schemas.openxmlformats.org/officeDocument/2006/relationships" xmlns:p="http://schemas.openxmlformats.org/presentationml/2006/main">
+  <p:cSld>
+    <p:bg>
+      <p:bgPr>
+        <a:gradFill flip="none" rotWithShape="1">
+          <a:gsLst>
+            <a:gs pos="0">
+              <a:schemeClr val="accent1">
+                <a:lumMod val="89000"/>
+              </a:schemeClr>
+            </a:gs>
+            <a:gs pos="23000">
+              <a:schemeClr val="accent1">
+                <a:lumMod val="89000"/>
+              </a:schemeClr>
+            </a:gs>
+            <a:gs pos="69000">
+              <a:schemeClr val="accent1">
+                <a:lumMod val="75000"/>
+              </a:schemeClr>
+            </a:gs>
+            <a:gs pos="97000">
+              <a:schemeClr val="accent1">
+                <a:lumMod val="70000"/>
+              </a:schemeClr>
+            </a:gs>
+          </a:gsLst>
+          <a:path path="circle">
+            <a:fillToRect l="100000" t="100000"/>
+          </a:path>
+          <a:tileRect r="-100000" b="-100000"/>
+        </a:gradFill>
+        <a:effectLst/>
+      </p:bgPr>
+    </p:bg>
+    <p:spTree>
+      <p:nvGrpSpPr>
+        <p:cNvPr id="1" name=""/>
+        <p:cNvGrpSpPr/>
+        <p:nvPr/>
+      </p:nvGrpSpPr>
+      <p:grpSpPr>
+        <a:xfrm>
+          <a:off x="0" y="0"/>
+          <a:ext cx="0" cy="0"/>
+          <a:chOff x="0" y="0"/>
+          <a:chExt cx="0" cy="0"/>
+        </a:xfrm>
+      </p:grpSpPr>
+      <p:sp>
+        <p:nvSpPr>
+          <p:cNvPr id="7" name="Title 1"/>
+          <p:cNvSpPr>
+            <a:spLocks noGrp="1"/>
+          </p:cNvSpPr>
+          <p:nvPr>
+            <p:ph type="title"/>
+          </p:nvPr>
+        </p:nvSpPr>
+        <p:spPr>
+          <a:xfrm>
+            <a:off x="0" y="-345128"/>
+            <a:ext cx="10562848" cy="905362"/>
+          </a:xfrm>
+        </p:spPr>
+        <p:txBody>
+          <a:bodyPr/>
+          <a:lstStyle/>
+          <a:p>
+            <a:pPr lvl="0"/>
+            <a:r>
+              <a:rPr lang="en-US" dirty="0" smtClean="0"/>
+              <a:t>I-Partial-Time </a:t>
+            </a:r>
+            <a:r>
+              <a:rPr lang="en-US" dirty="0"/>
+              <a:t>Barrier Options</a:t>
+            </a:r>
+          </a:p>
+        </p:txBody>
+      </p:sp>
+      <p:sp>
+        <p:nvSpPr>
+          <p:cNvPr id="4" name="Slide Number Placeholder 3"/>
+          <p:cNvSpPr>
+            <a:spLocks noGrp="1"/>
+          </p:cNvSpPr>
+          <p:nvPr>
+            <p:ph type="sldNum" sz="quarter" idx="12"/>
+          </p:nvPr>
+        </p:nvSpPr>
+        <p:spPr/>
+        <p:txBody>
+          <a:bodyPr/>
+          <a:lstStyle/>
+          <a:p>
+            <a:fld id="{91CCA55A-3F50-488D-A5E8-01F0969640CB}" type="slidenum">
+              <a:rPr lang="en-US" smtClean="0"/>
+              <a:t>9</a:t>
+            </a:fld>
+            <a:endParaRPr lang="en-US"/>
+          </a:p>
+        </p:txBody>
+      </p:sp>
+      <p:pic>
+        <p:nvPicPr>
+          <p:cNvPr id="3" name="Picture 2"/>
+          <p:cNvPicPr>
+            <a:picLocks noChangeAspect="1"/>
+          </p:cNvPicPr>
+          <p:nvPr/>
+        </p:nvPicPr>
+        <p:blipFill>
+          <a:blip r:embed="rId3">
+            <a:extLst>
+              <a:ext uri="{28A0092B-C50C-407E-A947-70E740481C1C}">
+                <a14:useLocalDpi xmlns:a14="http://schemas.microsoft.com/office/drawing/2010/main" val="0"/>
+              </a:ext>
+            </a:extLst>
+          </a:blip>
+          <a:stretch>
+            <a:fillRect/>
+          </a:stretch>
+        </p:blipFill>
+        <p:spPr>
+          <a:xfrm>
+            <a:off x="118153" y="560234"/>
+            <a:ext cx="5163271" cy="6050631"/>
+          </a:xfrm>
+          <a:prstGeom prst="rect">
+            <a:avLst/>
+          </a:prstGeom>
+        </p:spPr>
+      </p:pic>
+      <p:pic>
+        <p:nvPicPr>
+          <p:cNvPr id="5" name="Picture 4"/>
+          <p:cNvPicPr>
+            <a:picLocks noChangeAspect="1"/>
+          </p:cNvPicPr>
+          <p:nvPr/>
+        </p:nvPicPr>
+        <p:blipFill>
+          <a:blip r:embed="rId4">
+            <a:extLst>
+              <a:ext uri="{28A0092B-C50C-407E-A947-70E740481C1C}">
+                <a14:useLocalDpi xmlns:a14="http://schemas.microsoft.com/office/drawing/2010/main" val="0"/>
+              </a:ext>
+            </a:extLst>
+          </a:blip>
+          <a:stretch>
+            <a:fillRect/>
+          </a:stretch>
+        </p:blipFill>
+        <p:spPr>
+          <a:xfrm>
+            <a:off x="5281424" y="560234"/>
+            <a:ext cx="6910576" cy="3520447"/>
+          </a:xfrm>
+          <a:prstGeom prst="rect">
+            <a:avLst/>
+          </a:prstGeom>
+        </p:spPr>
+      </p:pic>
+      <p:sp>
+        <p:nvSpPr>
+          <p:cNvPr id="8" name="Rounded Rectangle 7"/>
+          <p:cNvSpPr/>
+          <p:nvPr/>
+        </p:nvSpPr>
+        <p:spPr>
+          <a:xfrm>
+            <a:off x="7970293" y="2743200"/>
+            <a:ext cx="2934268" cy="1064525"/>
+          </a:xfrm>
+          <a:prstGeom prst="roundRect">
+            <a:avLst/>
+          </a:prstGeom>
+          <a:noFill/>
+          <a:ln>
+            <a:solidFill>
+              <a:srgbClr val="FF0000"/>
+            </a:solidFill>
+          </a:ln>
+        </p:spPr>
+        <p:style>
+          <a:lnRef idx="2">
+            <a:schemeClr val="accent1">
+              <a:shade val="50000"/>
+            </a:schemeClr>
+          </a:lnRef>
+          <a:fillRef idx="1">
+            <a:schemeClr val="accent1"/>
+          </a:fillRef>
+          <a:effectRef idx="0">
+            <a:schemeClr val="accent1"/>
+          </a:effectRef>
+          <a:fontRef idx="minor">
+            <a:schemeClr val="lt1"/>
+          </a:fontRef>
+        </p:style>
+        <p:txBody>
+          <a:bodyPr rtlCol="0" anchor="ctr"/>
+          <a:lstStyle/>
+          <a:p>
+            <a:pPr algn="ctr"/>
+            <a:endParaRPr lang="fr-FR"/>
+          </a:p>
+        </p:txBody>
+      </p:sp>
+    </p:spTree>
+    <p:extLst>
+      <p:ext uri="{BB962C8B-B14F-4D97-AF65-F5344CB8AC3E}">
+        <p14:creationId xmlns:p14="http://schemas.microsoft.com/office/powerpoint/2010/main" val="3205590091"/>
+      </p:ext>
+    </p:extLst>
+  </p:cSld>
+  <p:clrMapOvr>
+    <a:masterClrMapping/>
+  </p:clrMapOvr>
+  <p:timing>
+    <p:tnLst>
+      <p:par>
+        <p:cTn id="1" dur="indefinite" restart="never" nodeType="tmRoot"/>
       </p:par>
     </p:tnLst>
   </p:timing>
@@ -31719,7 +28035,7 @@
     </a:clrScheme>
     <a:fontScheme name="Quotable">
       <a:majorFont>
-        <a:latin typeface="Century Gothic"/>
+        <a:latin typeface="Century Gothic" panose="020B0502020202020204"/>
         <a:ea typeface=""/>
         <a:cs typeface=""/>
         <a:font script="Jpan" typeface="ＭＳ ゴシック"/>
@@ -31754,7 +28070,7 @@
         <a:font script="Geor" typeface="Sylfaen"/>
       </a:majorFont>
       <a:minorFont>
-        <a:latin typeface="Century Gothic"/>
+        <a:latin typeface="Century Gothic" panose="020B0502020202020204"/>
         <a:ea typeface=""/>
         <a:cs typeface=""/>
         <a:font script="Jpan" typeface="ＭＳ ゴシック"/>
@@ -31907,7 +28223,7 @@
   <a:extraClrSchemeLst/>
   <a:extLst>
     <a:ext uri="{05A4C25C-085E-4340-85A3-A5531E510DB2}">
-      <thm15:themeFamily xmlns:thm15="http://schemas.microsoft.com/office/thememl/2012/main" xmlns="" name="Quotable" id="{39EC5628-30ED-4578-ACD8-9820EDB8E15A}" vid="{6F3559E9-1A4C-49D8-94D4-F41003531C49}"/>
+      <thm15:themeFamily xmlns:thm15="http://schemas.microsoft.com/office/thememl/2012/main" name="Quotable" id="{39EC5628-30ED-4578-ACD8-9820EDB8E15A}" vid="{6F3559E9-1A4C-49D8-94D4-F41003531C49}"/>
     </a:ext>
   </a:extLst>
 </a:theme>
@@ -31956,7 +28272,7 @@
     </a:clrScheme>
     <a:fontScheme name="Office">
       <a:majorFont>
-        <a:latin typeface="Calibri Light"/>
+        <a:latin typeface="Calibri Light" panose="020F0302020204030204"/>
         <a:ea typeface=""/>
         <a:cs typeface=""/>
         <a:font script="Jpan" typeface="ＭＳ Ｐゴシック"/>
@@ -31991,7 +28307,7 @@
         <a:font script="Geor" typeface="Sylfaen"/>
       </a:majorFont>
       <a:minorFont>
-        <a:latin typeface="Calibri"/>
+        <a:latin typeface="Calibri" panose="020F0502020204030204"/>
         <a:ea typeface=""/>
         <a:cs typeface=""/>
         <a:font script="Jpan" typeface="ＭＳ Ｐゴシック"/>
@@ -32168,7 +28484,7 @@
   <a:extraClrSchemeLst/>
   <a:extLst>
     <a:ext uri="{05A4C25C-085E-4340-85A3-A5531E510DB2}">
-      <thm15:themeFamily xmlns:thm15="http://schemas.microsoft.com/office/thememl/2012/main" xmlns="" name="Office Theme" id="{62F939B6-93AF-4DB8-9C6B-D6C7DFDC589F}" vid="{4A3C46E8-61CC-4603-A589-7422A47A8E4A}"/>
+      <thm15:themeFamily xmlns:thm15="http://schemas.microsoft.com/office/thememl/2012/main" name="Office Theme" id="{62F939B6-93AF-4DB8-9C6B-D6C7DFDC589F}" vid="{4A3C46E8-61CC-4603-A589-7422A47A8E4A}"/>
     </a:ext>
   </a:extLst>
 </a:theme>
@@ -32217,7 +28533,7 @@
     </a:clrScheme>
     <a:fontScheme name="Office">
       <a:majorFont>
-        <a:latin typeface="Calibri Light"/>
+        <a:latin typeface="Calibri Light" panose="020F0302020204030204"/>
         <a:ea typeface=""/>
         <a:cs typeface=""/>
         <a:font script="Jpan" typeface="ＭＳ Ｐゴシック"/>
@@ -32252,7 +28568,7 @@
         <a:font script="Geor" typeface="Sylfaen"/>
       </a:majorFont>
       <a:minorFont>
-        <a:latin typeface="Calibri"/>
+        <a:latin typeface="Calibri" panose="020F0502020204030204"/>
         <a:ea typeface=""/>
         <a:cs typeface=""/>
         <a:font script="Jpan" typeface="ＭＳ Ｐゴシック"/>
@@ -32429,7 +28745,7 @@
   <a:extraClrSchemeLst/>
   <a:extLst>
     <a:ext uri="{05A4C25C-085E-4340-85A3-A5531E510DB2}">
-      <thm15:themeFamily xmlns:thm15="http://schemas.microsoft.com/office/thememl/2012/main" xmlns="" name="Office Theme" id="{62F939B6-93AF-4DB8-9C6B-D6C7DFDC589F}" vid="{4A3C46E8-61CC-4603-A589-7422A47A8E4A}"/>
+      <thm15:themeFamily xmlns:thm15="http://schemas.microsoft.com/office/thememl/2012/main" name="Office Theme" id="{62F939B6-93AF-4DB8-9C6B-D6C7DFDC589F}" vid="{4A3C46E8-61CC-4603-A589-7422A47A8E4A}"/>
     </a:ext>
   </a:extLst>
 </a:theme>
